--- a/강의자료(ppt)/Chap18-네트워크프로그래밍.pptx
+++ b/강의자료(ppt)/Chap18-네트워크프로그래밍.pptx
@@ -178,6 +178,36 @@
       </a:defRPr>
     </a:lvl9pPr>
   </p:defaultTextStyle>
+  <p:extLst>
+    <p:ext uri="{EFAFB233-063F-42B5-8137-9DF3F51BA10A}">
+      <p15:sldGuideLst xmlns:p15="http://schemas.microsoft.com/office/powerpoint/2012/main">
+        <p15:guide id="1" orient="horz" pos="2157">
+          <p15:clr>
+            <a:srgbClr val="A4A3A4"/>
+          </p15:clr>
+        </p15:guide>
+        <p15:guide id="2" pos="2878">
+          <p15:clr>
+            <a:srgbClr val="A4A3A4"/>
+          </p15:clr>
+        </p15:guide>
+      </p15:sldGuideLst>
+    </p:ext>
+    <p:ext uri="{2D200454-40CA-4A62-9FC3-DE9A4176ACB9}">
+      <p15:notesGuideLst xmlns:p15="http://schemas.microsoft.com/office/powerpoint/2012/main">
+        <p15:guide id="1" orient="horz" pos="2901">
+          <p15:clr>
+            <a:srgbClr val="A4A3A4"/>
+          </p15:clr>
+        </p15:guide>
+        <p15:guide id="2" pos="2181">
+          <p15:clr>
+            <a:srgbClr val="A4A3A4"/>
+          </p15:clr>
+        </p15:guide>
+      </p15:notesGuideLst>
+    </p:ext>
+  </p:extLst>
 </p:presentation>
 </file>
 
@@ -391,12 +421,1266 @@
     </p:spTree>
     <p:extLst>
       <p:ext uri="{BB962C8B-B14F-4D97-AF65-F5344CB8AC3E}">
-        <p14:creationId xmlns:p14="http://schemas.microsoft.com/office/powerpoint/2010/main" xmlns="" val="43436750"/>
+        <p14:creationId xmlns:p14="http://schemas.microsoft.com/office/powerpoint/2010/main" val="43436750"/>
       </p:ext>
     </p:extLst>
   </p:cSld>
   <p:clrMap bg1="lt1" tx1="dk1" bg2="lt2" tx2="dk2" accent1="accent1" accent2="accent2" accent3="accent3" accent4="accent4" accent5="accent5" accent6="accent6" hlink="hlink" folHlink="folHlink"/>
 </p:handoutMaster>
+</file>
+
+<file path=ppt/ink/ink1.xml><?xml version="1.0" encoding="utf-8"?>
+<inkml:ink xmlns:inkml="http://www.w3.org/2003/InkML">
+  <inkml:definitions>
+    <inkml:context xml:id="ctx0">
+      <inkml:inkSource xml:id="inkSrc0">
+        <inkml:traceFormat>
+          <inkml:channel name="X" type="integer" max="1920" units="cm"/>
+          <inkml:channel name="Y" type="integer" max="1080" units="cm"/>
+          <inkml:channel name="T" type="integer" max="2.14748E9" units="dev"/>
+        </inkml:traceFormat>
+        <inkml:channelProperties>
+          <inkml:channelProperty channel="X" name="resolution" value="36.43264" units="1/cm"/>
+          <inkml:channelProperty channel="Y" name="resolution" value="36.48649" units="1/cm"/>
+          <inkml:channelProperty channel="T" name="resolution" value="1" units="1/dev"/>
+        </inkml:channelProperties>
+      </inkml:inkSource>
+      <inkml:timestamp xml:id="ts0" timeString="2021-04-08T06:12:33.778"/>
+    </inkml:context>
+    <inkml:brush xml:id="br0">
+      <inkml:brushProperty name="width" value="0.05292" units="cm"/>
+      <inkml:brushProperty name="height" value="0.05292" units="cm"/>
+      <inkml:brushProperty name="color" value="#FF0000"/>
+    </inkml:brush>
+  </inkml:definitions>
+  <inkml:trace contextRef="#ctx0" brushRef="#br0">15752 741 0,'0'35'47,"0"0"-31,0 18-16,0 0 16,-18 124-1,-17 17 1,35-53-1,-18 35 1,18-70 0,0 0-1,0-36 1,0 1 0,0-53-16,18-1 15</inkml:trace>
+  <inkml:trace contextRef="#ctx0" brushRef="#br0" timeOffset="1949.99">15787 758 0,'0'-17'16,"17"17"-1,1 0 1,35 0 0,35-18-1,18 18 1,0 0 0,-18 0 15,-53 0-31,18 0 15,-17 0 1,-19 0 0,1 0 62,-1 0-63,1 0 1,0 0-16,-1 18 156,1-18-140,-18 17-16,0 1 16,0 70-1,0 1 1,0-37-16,0 19 15,0 88 1,-35-1 0,-18 37 15,18-90-31,-1-34 16,36-1 15,0 1-16,0-53 1,0-1 0,0 1-1,0 0 17,0 17-17,0-18 1,0 1-1,-17-18 95,-1 0-79,0 0-31,1 0 16,-1 0-1,-35 0 1,36 0-16,-54 0 16,-17 0-1,0 0 1,70 0-1,0 0 1,1 0 31,-1 0-47,0 18 125,1-18-78,-1 0-32,0 0 1,18 17-16,-17-17 16,-1 0-1,18 18 1,-35-18 15</inkml:trace>
+  <inkml:trace contextRef="#ctx0" brushRef="#br0" timeOffset="4159.2">20020 670 0,'0'18'32,"0"35"-17,0 88 1,0 53-1,-17 0 1,-19 18 0,36-36-1,0 0 1,0-87 0,0 16 15,0-69-16,0 17 1,0-18 0,0-17-1,-17 17 1,17-17 0,0 17-1,0-18 1</inkml:trace>
+  <inkml:trace contextRef="#ctx0" brushRef="#br0" timeOffset="6742.09">20055 635 0,'0'-18'47,"18"1"-47,0 17 16,17-18-1,18 0-15,17 18 16,230-52 0,-123 34-1,17-17 1,-53-1 0,-71 19-1,-52 17 1,17 0-1,1 0 17,34 0-17,1 0 1,-1 0 15,-52 0-15,0 0-1,17 0 1,-18 0 0,1 17 140,0-17-156,-18 36 16,17 17-16,19 52 15,-19 36 16,19 71-15,-19-18 0,-17 0-1,0-106-15,0-17 16,0 52 0,0-17-1,0 71 1,0-72-1,0-16 1,0 17 0,0-18-1,0-35 1,-17-36 0,17 1 15,0 17-16,-18 0 1,18 1 0,0-19-1,-18-17 48,18 18-48,-17-18 1,-1 0 0,-35 18-1,0-1 1,-35 1 0,-18-18 15,53 0-31,0 0 15,-88 0 1,106 0 0,0 0-1,-1 0 1,1 0 0,-35 0-1,-1 0 1,0 0-1,-17 0 1,-18 0 0,36 0-1,-1 0 1,1 0 0,-36 0 15,53 0-16,35 0 32,1 0-31,-36 0-16,18 0 16,-1 0-1,1 0 48,35-18 93,0 1-140,-18-19-16,18 19 15,0-1-15,0-17 16,-17 0-1,17-1 1,0 19 0,0-19-1,0 19 1,0-1 0,0 0 15,0 1-16,0-1 1,0 1 0,0-1-1,0-17 1,0 17 0,0 0-1</inkml:trace>
+  <inkml:trace contextRef="#ctx0" brushRef="#br0" timeOffset="35318">3510 7038 0,'18'0'0,"-1"-18"203,1 18-187,0 0 0,-1 0-16,36 0 15,-17 0 1,-1 0 0,-18 0 46,1 0-46,0 0-1,-1 0 1,1 0 0,0 0-1,-1 0 1,1 0-1,0 0 157,-1 0-156,1 0 0,-1 0-1,1 0 32,0 0 78,-1 0-109,1 0-1,0 0 1,-1 0 156</inkml:trace>
+  <inkml:trace contextRef="#ctx0" brushRef="#br0" timeOffset="36239.03">4604 7091 0,'0'-18'63,"35"18"-48,-17 0-15,-1-17 16,36-1 0,-17 0-1,34 18 1,1-17 0,-18-1-1,-1 0 1,-16 18-1,-1 0-15,-17 0 16,-1 0 0,1 0 46,0-17-46,-1 17-1,1 0 1</inkml:trace>
+  <inkml:trace contextRef="#ctx0" brushRef="#br0" timeOffset="37063.1">5750 7073 0,'0'-17'32,"0"-1"-17,18 18 1,17-18 0,18 18-1,-35-17 1,-1 17-1,1 0-15,35 0 32,-18 0-17,-17 0 1,0 0-16,17 0 31,-18 0-15,1 0-1</inkml:trace>
+  <inkml:trace contextRef="#ctx0" brushRef="#br0" timeOffset="38254.81">6809 7056 0,'0'-18'109,"35"18"-93,-17-18-16,17 18 15,-18 0 1,54 0-1,-18 0 1,-35 0 0,17 0-1,-18 0 1,1 0 0,0 0-1,-1 0 1,1 0-1,0 0 1,-1 0 0,19 0-1,-19 0 17</inkml:trace>
+  <inkml:trace contextRef="#ctx0" brushRef="#br0" timeOffset="45886.45">3581 7638 0,'17'0'16,"1"0"62,0 0-63,-1 0 1,19 0 0,-1 0-1,-18 0 1,19 0 0,-19 0-1,1 0 1,17 0-1,-17 0 17,0 0-17,-1 0 17,1 0-17,-1 0 1,1 17-1,0-17 1,-1 0 31,1 0 0</inkml:trace>
+  <inkml:trace contextRef="#ctx0" brushRef="#br0" timeOffset="47766.93">4604 7708 0,'17'-17'78,"19"17"-63,-19-18-15,19 18 16,17 0 0,-1 0-1,1 0 1,-17 0-1,-19 0 1,19 0 0,-1 0-1,0 0 17,18 0-17,-18 0 1,-17 0-16,17 0 15,0 0 1,-17 0 0,35 0-1,-35 0 1,-1 0 0,1 0-1,0 0 1,-1 0-1,1 0 1,35 0 0,-36 0-1,19 0 17,17 0-17,-36 0 1,36 0-1,-18 0 1,1 0 0,-19 0-1,1 0 1,0 0 78,-1 0-79,1 0-15,17 0 16,0 0 15,18 0-15,-35 0-1,0-18 1,-1 18 0,1 0-1,0 0 1,-1 0 0,19 0-1,-1 0 1,-18 0-1,1 0 1,17 0 0,-17 0 15,0 0-15,-1 0-1,1 0 1,-18-17-1,18 17 1</inkml:trace>
+  <inkml:trace contextRef="#ctx0" brushRef="#br0" timeOffset="78645.92">18274 7497 0,'18'0'31,"-1"0"-15,1 0-1,17 0 1,-17 0 0,-1 0-1,1 0 1,35 0 0,0 0-1,17 0 1,-34 0-16,52 17 15,0 1 1,-35-18 0,70 17-1,-34-17 17,-19 0-17,36 0 1,18 0-1,-19 0 1,1 0 0,-18 0-1,-17 0 1,-1 0 0,1 0-1,-36-17 1,71-1-1,-71 18 1,18 0 15,-17 0-31,-19-17 219,1 17-203,-18-18-1,18 18-15,-1 0 16,1-18 0,-1 18-1,1 0-15,0 0 63</inkml:trace>
+</inkml:ink>
+</file>
+
+<file path=ppt/ink/ink10.xml><?xml version="1.0" encoding="utf-8"?>
+<inkml:ink xmlns:inkml="http://www.w3.org/2003/InkML">
+  <inkml:definitions>
+    <inkml:context xml:id="ctx0">
+      <inkml:inkSource xml:id="inkSrc0">
+        <inkml:traceFormat>
+          <inkml:channel name="X" type="integer" max="1920" units="cm"/>
+          <inkml:channel name="Y" type="integer" max="1080" units="cm"/>
+          <inkml:channel name="T" type="integer" max="2.14748E9" units="dev"/>
+        </inkml:traceFormat>
+        <inkml:channelProperties>
+          <inkml:channelProperty channel="X" name="resolution" value="36.43264" units="1/cm"/>
+          <inkml:channelProperty channel="Y" name="resolution" value="36.48649" units="1/cm"/>
+          <inkml:channelProperty channel="T" name="resolution" value="1" units="1/dev"/>
+        </inkml:channelProperties>
+      </inkml:inkSource>
+      <inkml:timestamp xml:id="ts0" timeString="2021-04-08T08:03:16.926"/>
+    </inkml:context>
+    <inkml:brush xml:id="br0">
+      <inkml:brushProperty name="width" value="0.05292" units="cm"/>
+      <inkml:brushProperty name="height" value="0.05292" units="cm"/>
+      <inkml:brushProperty name="color" value="#FF0000"/>
+    </inkml:brush>
+  </inkml:definitions>
+  <inkml:trace contextRef="#ctx0" brushRef="#br0">11060 3281 0,'70'0'0,"1"0"16,-18 0-1,0 0 1</inkml:trace>
+  <inkml:trace contextRef="#ctx0" brushRef="#br0" timeOffset="423.95">11183 3351 0,'0'0'0,"-18"18"16,1 0-16,-1-1 16,1 19-1,-1-1 1,0 18 0,18-36-1,0 1 1</inkml:trace>
+  <inkml:trace contextRef="#ctx0" brushRef="#br0" timeOffset="767.74">11236 3440 0,'35'0'15,"-17"0"1,0 17 0,17 36-1,0-35 1,-35-1-1,0 1 1</inkml:trace>
+  <inkml:trace contextRef="#ctx0" brushRef="#br0" timeOffset="1263.88">11377 3422 0,'18'0'32,"-1"0"-17,1 0 1,0 0 0,-1 0-1,1 0 32</inkml:trace>
+  <inkml:trace contextRef="#ctx0" brushRef="#br0" timeOffset="1799.57">11501 3298 0,'0'18'47,"0"0"-31,0-1 0,0 19-1,0-19 1,0 19-1,0-19 1,0 19 0,0-19-1,0 1 32</inkml:trace>
+  <inkml:trace contextRef="#ctx0" brushRef="#br0" timeOffset="2599.12">11183 3651 0,'0'18'15,"0"0"1,0-1 0,0 1-1,0 17 1,0-17-1,18-18 95,-1 0-95,1 0-15,0 0 16,-1 0-16,36 0 31,-18 0-15,-17 0-16,17 0 16,71 0-1,-35 0 1,-36 0-1,0 0 1</inkml:trace>
+  <inkml:trace contextRef="#ctx0" brushRef="#br0" timeOffset="4480.85">11924 3087 0,'18'0'47,"-1"17"-31,1 1-1,17 0 1,-17-1-1,-18 1 1,0 0 78,-18-18-47,0 0-47,18 17 15,-17-17 1,-1 0 0,-17 0-1,0 0 1,-1 18-1,72-18 110,-19 0-109,1 0-16,35 0 16,-36 0 15,-34 0 94,-1 0-109,1 0-1,-36 35 1,35-17-1,-17-1 1,17 1 0,18 17 15,-18-17-15,18 17-1,0 1 1,18-36-1,0 17 1,-1-17-16,1 18 16,0-18-1,17 0 1,-17 0 0,34 0-1,-34 0 1,0-18-1,-18-17 17,0 17-17,0 1-15,-18-1 32,0 18-17,1 0 1,-1 0-1</inkml:trace>
+  <inkml:trace contextRef="#ctx0" brushRef="#br0" timeOffset="4847.8">11924 3616 0,'0'18'16,"0"-1"15,0 1-16,0 0 1,0-1 0,0 1-1,-18-18 1,18 17 0,-35-17-1,35 18 1,-18-18-1,1 0 1</inkml:trace>
+  <inkml:trace contextRef="#ctx0" brushRef="#br0" timeOffset="5127.29">11800 3757 0,'18'0'16,"0"0"0,-1 0-1,19 0 1,-19 0-16,54 0 16,-36 0-1,18 0 1</inkml:trace>
+  <inkml:trace contextRef="#ctx0" brushRef="#br0" timeOffset="5751.08">12259 3404 0,'0'18'47,"0"0"-31,0-1-16,0 1 15,0 70 1,0-17 15,0-1-15,0-35 0,0-17-1</inkml:trace>
+  <inkml:trace contextRef="#ctx0" brushRef="#br0" timeOffset="6079.81">12312 3634 0,'18'-18'31,"-1"18"0,1 0-31,0 0 32</inkml:trace>
+  <inkml:trace contextRef="#ctx0" brushRef="#br0" timeOffset="7439.64">12577 3404 0,'0'-17'16,"17"-1"0,18 18-1,36-35 1,-53 35-16,35-18 31,-18 18-31,-18 0 78,-17 18-62,0-1-16,0 19 15,0-1 1,0-17-16,0-1 16,0 19-1,-17-36 79,-1 0 62,1 17-109,-1-17-16</inkml:trace>
+  <inkml:trace contextRef="#ctx0" brushRef="#br0" timeOffset="8463.52">12912 3404 0,'0'-17'47,"17"17"-32,1 0 1,0 0 0</inkml:trace>
+  <inkml:trace contextRef="#ctx0" brushRef="#br0" timeOffset="8959.7">13000 3263 0,'0'18'31,"0"17"-15,0 36 15,0-36-15,0 18 0,0-35-1</inkml:trace>
+  <inkml:trace contextRef="#ctx0" brushRef="#br0" timeOffset="10231.62">12735 3598 0,'18'0'46,"0"0"-30,-1 0 0,1 0-1,-1 0 1,1 0 0,0 0-1,17 0 1,0 0-1,-17 0 1,0 18 78,-18 0-79,0-1 1,0 1 47,-18-18-63,0 0 31,1 0-16,-1 0 1,0 0 0,1 0-1,-1 0-15,0 0 16,1 0 15,-1 18-15,1-18-1,-1 17-15,0 1 16,18-1 15,0 1-15,0 0 0,0-1-1,18 1 32,0-18-47,-1 0 16,1 18-1,-1-18 1,1 0 0,0 0-1,-1 0 1,36-18-1,-17 18 1,-1-18 15,-35 1 47,18 17-78</inkml:trace>
+  <inkml:trace contextRef="#ctx0" brushRef="#br0" timeOffset="11135.54">13194 3369 0,'0'-18'79,"18"18"-64,-1 0 1,1 0-1,-1 0 1,1 0 0,0 0-1,-18 36 1,35-1 0,-35 18-1,18-18 1,-18 0-1,0 18 1,0-35-16,-18 0 16,-17 17-1,17-17 1,18-1 0,-18-17-1,1 0 48</inkml:trace>
+  <inkml:trace contextRef="#ctx0" brushRef="#br0" timeOffset="11759.02">13600 3316 0,'0'35'47,"0"-17"-47,0 0 16,0 52-1,-18 18 17,18-35-17,-18 0 1,18-17 0,-17-19-1,17 1 1,0 17-1,0-17 17</inkml:trace>
+  <inkml:trace contextRef="#ctx0" brushRef="#br0" timeOffset="12463.97">12700 2875 0,'-18'0'0,"1"18"15,-1-1 1,18 1 0,-18 17-1</inkml:trace>
+  <inkml:trace contextRef="#ctx0" brushRef="#br0" timeOffset="13063.71">12929 2840 0,'0'18'62,"0"-1"-46,0 1 0,-17-1-1,17 1 1</inkml:trace>
+</inkml:ink>
+</file>
+
+<file path=ppt/ink/ink11.xml><?xml version="1.0" encoding="utf-8"?>
+<inkml:ink xmlns:inkml="http://www.w3.org/2003/InkML">
+  <inkml:definitions>
+    <inkml:context xml:id="ctx0">
+      <inkml:inkSource xml:id="inkSrc0">
+        <inkml:traceFormat>
+          <inkml:channel name="X" type="integer" max="1920" units="cm"/>
+          <inkml:channel name="Y" type="integer" max="1080" units="cm"/>
+          <inkml:channel name="T" type="integer" max="2.14748E9" units="dev"/>
+        </inkml:traceFormat>
+        <inkml:channelProperties>
+          <inkml:channelProperty channel="X" name="resolution" value="36.43264" units="1/cm"/>
+          <inkml:channelProperty channel="Y" name="resolution" value="36.48649" units="1/cm"/>
+          <inkml:channelProperty channel="T" name="resolution" value="1" units="1/dev"/>
+        </inkml:channelProperties>
+      </inkml:inkSource>
+      <inkml:timestamp xml:id="ts0" timeString="2021-04-08T08:00:15.045"/>
+    </inkml:context>
+    <inkml:brush xml:id="br0">
+      <inkml:brushProperty name="width" value="0.05292" units="cm"/>
+      <inkml:brushProperty name="height" value="0.05292" units="cm"/>
+      <inkml:brushProperty name="color" value="#FF0000"/>
+    </inkml:brush>
+  </inkml:definitions>
+  <inkml:trace contextRef="#ctx0" brushRef="#br0">14041 7655 0,'0'-17'0,"17"17"31,18 0-16,1 0 1,158 0 0,-53 0-1,-18 0 1,-52 0 0,-18 0-1,0 0 1</inkml:trace>
+  <inkml:trace contextRef="#ctx0" brushRef="#br0" timeOffset="1880.13">13917 7938 0,'0'17'47,"0"1"-32,0-1 1,18-17-1,-1 18 1,1 0 0,0-18 15,-1 0-15,1 0 15,-18-18 0,18 18-15,-18-18-16,0 1 15,0-1 1,0 1 15,0-1-15,-18 18-1,0-18 1,1 1 0,-1 17-1,0 0 1,1 0 62,-1 0-62</inkml:trace>
+  <inkml:trace contextRef="#ctx0" brushRef="#br0" timeOffset="2522.19">13776 8220 0,'0'-18'15,"18"18"1,-1 0 0,1 0-1,17 0-15,0 0 16,54-18-1,-36 18 1,-36 0 0</inkml:trace>
+  <inkml:trace contextRef="#ctx0" brushRef="#br0" timeOffset="2872.14">13970 8237 0,'0'0'0,"-18"0"0,18 36 16,0-1 15,0-17-31,0 17 0,-17-18 31</inkml:trace>
+  <inkml:trace contextRef="#ctx0" brushRef="#br0" timeOffset="3408.46">14146 7955 0,'18'0'15,"0"0"-15,35 0 31,17 0-15,-17 0 0,0 0-1,-35 0 1</inkml:trace>
+  <inkml:trace contextRef="#ctx0" brushRef="#br0" timeOffset="3792.34">14252 8114 0,'0'0'0,"0"18"16,-17 34-1,17 1 1,0-35 31</inkml:trace>
+  <inkml:trace contextRef="#ctx0" brushRef="#br0" timeOffset="4072.31">14393 8096 0,'0'18'47,"0"17"-47,0-17 16,0-1-16,-17 19 16,17-19-1</inkml:trace>
+  <inkml:trace contextRef="#ctx0" brushRef="#br0" timeOffset="4488.63">14129 8308 0,'35'0'47,"0"0"-47,18 0 15,0 0 1,18 0 0,-18 0-16,0 0 15,17 0 1,-52 0-1</inkml:trace>
+  <inkml:trace contextRef="#ctx0" brushRef="#br0" timeOffset="4855.74">14623 8132 0,'17'0'47,"1"0"-47,0 0 15,-1 0 1</inkml:trace>
+  <inkml:trace contextRef="#ctx0" brushRef="#br0" timeOffset="5183.45">14640 8220 0,'18'0'16,"0"0"15,-1 0-15</inkml:trace>
+  <inkml:trace contextRef="#ctx0" brushRef="#br0" timeOffset="5505.61">14728 7955 0,'0'53'16,"0"-18"-16,0 1 15,0 17-15,0 52 16,-17-16-1,17-37 1</inkml:trace>
+  <inkml:trace contextRef="#ctx0" brushRef="#br0" timeOffset="6143.51">14482 8449 0,'0'18'16,"0"-1"-1,0 1 1,0 0 0,17-1-1,1 1 1,-1 0-1,1-18 1,0 0 0,-1 0-16,36 0 31,0-18-15,0 0-1,-35 18 1,-1-17 46</inkml:trace>
+  <inkml:trace contextRef="#ctx0" brushRef="#br0" timeOffset="7373.29">14923 7885 0,'0'17'16,"0"19"-16,0 16 31,0-16-15,0-1-1,17 0 1,1-17 0,-1-18-1,1 18 1,17-18-1,-17 0 1,0 0 0,17 0-1,-17 0 1,-1-18 0,1 0-1,-1-17 1,-17 17 15,0 1-15,0-1-16</inkml:trace>
+  <inkml:trace contextRef="#ctx0" brushRef="#br0" timeOffset="7640.47">15169 7796 0,'0'18'16,"0"0"-1,0 17-15,-17 36 16,17-1 15,0-52-15,0-1-16</inkml:trace>
+  <inkml:trace contextRef="#ctx0" brushRef="#br0" timeOffset="8138.41">14975 8061 0,'0'-18'31,"18"18"0,17 0-31,1-17 31,-19-1-15,1 18 15</inkml:trace>
+  <inkml:trace contextRef="#ctx0" brushRef="#br0" timeOffset="8472.84">15081 8184 0,'0'0'0,"0"18"31,0 0-15,0-1-1,0 1 1,-35-18-1,35 18 1</inkml:trace>
+  <inkml:trace contextRef="#ctx0" brushRef="#br0" timeOffset="8935.86">14923 8290 0,'17'0'78,"1"0"-62,17 0-16,0 0 16,1 0-16,17-17 31,-1 17-31,37 0 15,-19 0 1</inkml:trace>
+  <inkml:trace contextRef="#ctx0" brushRef="#br0" timeOffset="10120.27">15064 8396 0,'0'18'62,"0"-1"-46,-18-17-16,18 18 47,0 0-32,0-1 1,0 1 0,0 0 15,18-1 0,-1-17-15,1 0-1,0 18 1,-1-18 0,1 0-1,-1 0 1,1 0 31,-18-18-32,0-17 1,0 17 0,0 1-1,0-1 1,0 0-1,0 1 1,0-1 0,-18 18-1,1-18 1,-1 18 0,1 0 46</inkml:trace>
+  <inkml:trace contextRef="#ctx0" brushRef="#br0" timeOffset="10759.77">15381 7885 0,'0'0'0,"35"0"16,18 0-1,-17 0 1,-19 0-1</inkml:trace>
+  <inkml:trace contextRef="#ctx0" brushRef="#br0" timeOffset="11399.4">15381 7885 0,'0'17'32,"0"1"-17,-18 0-15,18 34 31,0-16-15,0 17 0,0-18-1,0 0 1,0-17 0,18-1-1,-18 1 1,35 0-1,-17-18 17,0 0-17,-1 0 1,1 0 0,0 0-1,-1 0 1,-17-18 31,0 0-32</inkml:trace>
+  <inkml:trace contextRef="#ctx0" brushRef="#br0" timeOffset="11755.76">15399 8114 0,'17'0'32,"1"-18"-17,0 18 16,17 0-31,-17 0 16</inkml:trace>
+  <inkml:trace contextRef="#ctx0" brushRef="#br0" timeOffset="12519.51">15399 8378 0,'17'0'31,"1"0"-31,17 0 31,1 0-15,-19 0-1,1 0-15,0 0 32,17 0-17</inkml:trace>
+  <inkml:trace contextRef="#ctx0" brushRef="#br0" timeOffset="12871.78">15575 8378 0,'-17'36'47,"17"-19"-31,0 36 0,0-17-1,0-19 1</inkml:trace>
+  <inkml:trace contextRef="#ctx0" brushRef="#br0" timeOffset="72891.25">12612 2593 0,'0'18'31,"0"17"-16,0 53 1,0-35 0,0-35-1</inkml:trace>
+  <inkml:trace contextRef="#ctx0" brushRef="#br0" timeOffset="73192.88">12912 2522 0,'0'0'0,"0"18"16,0 35-1,0 17 1,-18-17 0,0 0-1</inkml:trace>
+  <inkml:trace contextRef="#ctx0" brushRef="#br0" timeOffset="74074.39">11977 3157 0,'-18'0'16,"1"0"-16,-19 36 31,19-1-15,17 35-1,0-34 1,53-19 0,-18 1-1,18 0 1,-18-18 0,0-18-1,1-17 1,-36-18-16,17-18 15,-17 1 1,0 34 0,-17 19-1,-1-1 17,-53 18-17,-17 0 1,35 18-16</inkml:trace>
+  <inkml:trace contextRef="#ctx0" brushRef="#br0" timeOffset="74457.73">11677 3598 0,'35'-17'47,"18"17"-47,18 0 15,158-18 1,53 18 0,-52 0-1,-142 0 1,-71-18-1</inkml:trace>
+  <inkml:trace contextRef="#ctx0" brushRef="#br0" timeOffset="74724.5">12206 3581 0,'0'0'0,"0"53"15,0 52 1,0-16 0,0 16-1,0-16 1,0-54-1</inkml:trace>
+  <inkml:trace contextRef="#ctx0" brushRef="#br0" timeOffset="75291.11">12506 3175 0,'0'0'0,"18"0"0,52 0 16,1 0-1,87 0 1,37 18 0,-19-18-1,-106 0 1,-52 0 0</inkml:trace>
+  <inkml:trace contextRef="#ctx0" brushRef="#br0" timeOffset="75591.42">12788 3210 0,'0'0'0,"-17"0"0,17 36 16,0 34-1,0-35 1,0 1-16,0 87 31,0-105-15,17-1-1</inkml:trace>
+  <inkml:trace contextRef="#ctx0" brushRef="#br0" timeOffset="75824.55">13000 3387 0,'0'0'0,"0"53"0,0 0 0,0-1 16,0 72 15,0-71-15</inkml:trace>
+  <inkml:trace contextRef="#ctx0" brushRef="#br0" timeOffset="76125.59">12682 3687 0,'36'17'31,"-1"-17"-15,18 0-16,53 0 31,0 0-16,-18 0 1,-35 0 0,-36 0-16</inkml:trace>
+  <inkml:trace contextRef="#ctx0" brushRef="#br0" timeOffset="76663.75">13088 3422 0,'18'0'31,"17"0"-15,53 0 0,-17 0-1</inkml:trace>
+  <inkml:trace contextRef="#ctx0" brushRef="#br0" timeOffset="76991.24">13176 3545 0,'-17'18'15,"34"-18"17,1 0-17,17 0 1,0 0 0,1 0-16,-19 0 15,1 0 16,0-18-15</inkml:trace>
+  <inkml:trace contextRef="#ctx0" brushRef="#br0" timeOffset="77324.82">13406 3069 0,'0'18'15,"0"88"1,0 70-1,0 18 1,-18-70 0,18-36-1,0-35 1,0-18 0,0-17 15</inkml:trace>
+  <inkml:trace contextRef="#ctx0" brushRef="#br0" timeOffset="78008.7">12929 3898 0,'0'18'94,"0"-1"-79,0 1-15,18 17 16,-18-17-1,0 0-15,18-1 16,-18 1 0,17-18 15,1 0-15,0 0 15,34 0-16,142-53 1,0-18 0,-52 54-1,-37-1 1,-69 18 0</inkml:trace>
+  <inkml:trace contextRef="#ctx0" brushRef="#br0" timeOffset="78697.34">13811 3193 0,'0'17'32,"0"19"-32,0-1 15,0 71 1,0 0 0,0-54-1,0-16 1,0-19-1,18 1 1,0-18 0,-1 0-1,18 0 17,-17 0-32,17 0 15,71 0 1,0-18-1,-71 18 1,-17-17 31,-18-1-31,0 0-1,0-17 1</inkml:trace>
+  <inkml:trace contextRef="#ctx0" brushRef="#br0" timeOffset="79007.88">14217 3175 0,'0'35'31,"0"18"-15,-35 35 0,35-17-1,0-18 1,0-35-1,-18-1 1,18 1-16</inkml:trace>
+  <inkml:trace contextRef="#ctx0" brushRef="#br0" timeOffset="79274.74">13776 3528 0,'18'0'16,"35"0"-1,35 0 1,-35 0 0,-36 0-1</inkml:trace>
+  <inkml:trace contextRef="#ctx0" brushRef="#br0" timeOffset="79541.53">14023 3828 0,'0'0'16,"0"35"-16,0 18 15,0-36 1,-35-17 31,17 18-32,0-18-15,-52 0 16,-18 0 0</inkml:trace>
+  <inkml:trace contextRef="#ctx0" brushRef="#br0" timeOffset="79791.62">13758 3951 0,'-17'0'16,"34"0"0,89 0-1,176 0 1,-35 0-1,-70 0 1,-71 0 0,-89 0 15</inkml:trace>
+  <inkml:trace contextRef="#ctx0" brushRef="#br0" timeOffset="80341.28">14781 3228 0,'0'0'0,"0"18"31,18 105-16,-18 36 1,0-36 0,0-52-1,18-54 32,-1-17-31,1 0-1,17 0-15,89-17 16,-18-1 0,-54 18-1,-34-17 32,-18-1-31</inkml:trace>
+  <inkml:trace contextRef="#ctx0" brushRef="#br0" timeOffset="80592.38">15205 3387 0,'0'53'47,"0"0"-47,17-1 16,1 1-16,-18 53 16,0-53 15</inkml:trace>
+  <inkml:trace contextRef="#ctx0" brushRef="#br0" timeOffset="80824.57">15240 3598 0,'0'-17'15,"18"17"1,17 0 0,0-18-1,-17 0 1,17-17 15,-17 18-15,-18-1-16</inkml:trace>
+  <inkml:trace contextRef="#ctx0" brushRef="#br0" timeOffset="81080.42">15434 3298 0,'0'53'47,"0"0"-47,18 88 16,-1 18-1,-17-35 1,0-71 0,0-36 15</inkml:trace>
+  <inkml:trace contextRef="#ctx0" brushRef="#br0" timeOffset="81799.58">15699 3351 0,'17'0'31,"1"0"-31,-18-17 16,18 17 0,-1 0 46,1 0-46,-1 0-1,1 0-15,70 0 16,-35 17 15,-18-17-31,1 0 16,-19 0-1,1 0 1,0 0 31,-18 18-31,-18 17-16,0 1 15,-17 34 1,-18 36-1,36-18 1,-1-17 0,0-36-16</inkml:trace>
+  <inkml:trace contextRef="#ctx0" brushRef="#br0" timeOffset="82143.42">16457 3087 0,'18'0'16,"-1"53"15,1 158-15,35 89-1,-35-53 1,-18-106 0,0-70-1</inkml:trace>
+  <inkml:trace contextRef="#ctx0" brushRef="#br0" timeOffset="83758.12">17022 3510 0,'0'0'0,"17"0"15,18 0 1,54 0-1,-54 0 1,-17 0 0</inkml:trace>
+  <inkml:trace contextRef="#ctx0" brushRef="#br0" timeOffset="84135.57">16969 3634 0,'-18'0'47,"18"17"-31,18-17 0,17 0-1,0 0 1,53 0-1,1 0 1,-54 0 0</inkml:trace>
+  <inkml:trace contextRef="#ctx0" brushRef="#br0" timeOffset="84663.63">17515 3210 0,'0'71'31,"0"-1"-31,0 107 31,0 17-15,0-88-16,0-18 15,0-71 1,0-34 47,0-36-63</inkml:trace>
+  <inkml:trace contextRef="#ctx0" brushRef="#br0" timeOffset="85225.8">17551 3263 0,'0'0'0,"0"-17"16,35 17-1,36 0 1,-1 0 0,1 0-1,-1 35 1,-17 0 0,-18 0-1,1 36 1,-1 17-1,-35-35 1,0 0-16,0 70 16,-53 1-1,-18-36 1,54-70 15,-36 17-15,18-17-1,-1-1 1,1 1 0,17-18-1,1 0 17,-18 0-17,-1 0-15,-34 0 16,-1-18-1,1 1 1</inkml:trace>
+  <inkml:trace contextRef="#ctx0" brushRef="#br0" timeOffset="85800.7">18045 3316 0,'0'35'15,"17"18"1,-17 53 0,0 18-1,0-1 1,0-35-1,0-17 1,0-54 0</inkml:trace>
+  <inkml:trace contextRef="#ctx0" brushRef="#br0" timeOffset="86800.11">18098 3334 0,'17'0'16,"1"0"0,35 17-1,35 54 1,-70-18-16,17-18 16,0 18-1,-17-35 1,-1-18 109,1-18-110,0 0-15,17-17 16,0-18 0,0 18-1,-17-36 1,35 18 0,-35 18-1,-1 18 1,1 17 78,0 35-79,-1 18 1,-17 17-16,18-17 15,17 88 1,-17-52 0,-1-19-1,1-17 1,17 0 0,-35-18-1,18-17 1,-18-1-1,0 19 1,0-19 0</inkml:trace>
+  <inkml:trace contextRef="#ctx0" brushRef="#br0" timeOffset="87511.77">19103 3157 0,'0'141'31,"0"-70"-31,0-18 15,0 53 1,0-36 0,0-52-1,18-18 1,-1 0 0,36 0-1,18 0 1,17-18-1,-53 1 1</inkml:trace>
+  <inkml:trace contextRef="#ctx0" brushRef="#br0" timeOffset="87791.97">19420 3087 0,'0'0'15,"0"53"-15,0 70 16,0-17 0,0-35-1,0-18 1</inkml:trace>
+  <inkml:trace contextRef="#ctx0" brushRef="#br0" timeOffset="88091.48">19173 3475 0,'0'-18'32,"18"18"-17,17 0-15,36 0 16,0-17 15,-4111-1-15,8132 0-1,-4074 1-15</inkml:trace>
+  <inkml:trace contextRef="#ctx0" brushRef="#br0" timeOffset="88399.51">19579 3104 0,'0'124'16,"0"70"15,0-123-31,0-19 15,0 19 1,18-36 0</inkml:trace>
+  <inkml:trace contextRef="#ctx0" brushRef="#br0" timeOffset="88608.51">19650 3510 0,'0'0'0,"17"-17"15,36 17 1,-35 0-16,35-18 15</inkml:trace>
+  <inkml:trace contextRef="#ctx0" brushRef="#br0" timeOffset="89474.99">19121 3881 0,'0'0'0,"105"-18"16,1 0-1,0 1 1,-53 17-16,18 0 16,-19 0-1,-34 0 17,-18 17-1,0 19-16,0 16 1,-18-34 0,1 0-1,-18-18 1,-18 0 0,35 0-1,0 0 1,-17 17-1,35 1 1,-18 17 0,18-17-1,0 17 17,0-17-32,0 0 31,0-1-16,0 1 1,18-18-16,0 0 16,105 0-1,18 0 1,18 0 0,-71-18-1,-52 1 1,-19-36-1,-17-18 1</inkml:trace>
+  <inkml:trace contextRef="#ctx0" brushRef="#br0" timeOffset="89808.03">20320 3122 0,'-18'0'31,"1"35"-31,-36 1 16,-18 69 0,1-16-16,-36 17 31,71-89-15</inkml:trace>
+  <inkml:trace contextRef="#ctx0" brushRef="#br0" timeOffset="90024.54">20585 3475 0,'0'0'16,"53"0"-16,-18 18 0,-18-18 16</inkml:trace>
+  <inkml:trace contextRef="#ctx0" brushRef="#br0" timeOffset="90290.99">20426 3493 0,'0'0'0,"-18"17"0,1 36 16,-1 0-1,0-18 1,1 1 0,-1-36 15,18 17-15</inkml:trace>
+  <inkml:trace contextRef="#ctx0" brushRef="#br0" timeOffset="90687.21">20249 3704 0,'18'0'94,"0"0"-94,17 0 16,88 0-1,19-17 1,-19 17 0,-17-18-1,-88 18 1</inkml:trace>
+  <inkml:trace contextRef="#ctx0" brushRef="#br0" timeOffset="91456.24">20549 3810 0,'-53'35'31,"0"18"-15,-17 18-1,35-54-15,17 1 16,0 35-1,-17 18 1,35-36 0,0-18-1,18 1 1,17 0 15,0-18-15,36 0-1,-1 0 1,19 0 0,-1-36-1,-35-34 1,-18-1 0,-17-17-1,-18 53 1,0 17-1,0 1 1,-36 17 0,19-18-1,-1 18 17,-17-18-17,17 1 1,1 17-1,-1 0 1,0 0 0,1 0-1</inkml:trace>
+  <inkml:trace contextRef="#ctx0" brushRef="#br0" timeOffset="92592.46">21237 3510 0,'0'-17'47,"18"17"-31,0 0-1,17 0 1,0 0-16,18 0 15,-35 0 1</inkml:trace>
+  <inkml:trace contextRef="#ctx0" brushRef="#br0" timeOffset="92975.96">21131 3687 0,'18'0'31,"0"0"-31,35 0 16,0 0-1,-1 0 1,54 0-1,0 0 1</inkml:trace>
+  <inkml:trace contextRef="#ctx0" brushRef="#br0" timeOffset="93458.35">21943 3016 0,'0'0'0,"0"159"16,0 17-1,0-34 17,0-54-32,0-35 31,17-36-16,1-17 1,0 0 0,52 0-1,18 0 1,-17 0 0,-18 0-1,-35-17 1,-18-1-1</inkml:trace>
+  <inkml:trace contextRef="#ctx0" brushRef="#br0" timeOffset="93741.78">22366 2910 0,'0'53'15,"0"18"-15,0 17 16,0 106 0,0-88-1,0-35 1,0-54-1,0 1-15,-18-18 16</inkml:trace>
+  <inkml:trace contextRef="#ctx0" brushRef="#br0" timeOffset="94008.8">22102 3528 0,'17'-18'16,"18"1"-1,36-1 1,35-17-1,35-1 1,-88 19 0,-18-1-1</inkml:trace>
+  <inkml:trace contextRef="#ctx0" brushRef="#br0" timeOffset="94648.1">22719 2805 0,'0'141'16,"0"-71"-16,0 107 15,0-1 17,0-88-17,0-35 1,0-35-16,0-1 31,0 1 125,0 0-156,0-1 16,0 1-16,0 17 31,0 1-15,0-54 62</inkml:trace>
+  <inkml:trace contextRef="#ctx0" brushRef="#br0" timeOffset="94872.47">22719 3369 0,'0'-18'16,"18"18"0,-1 0-1,71-35 1,-35 35-1,0-18 1</inkml:trace>
+  <inkml:trace contextRef="#ctx0" brushRef="#br0" timeOffset="95475.19">22648 3704 0,'0'0'0,"-35"53"31,-18 0-15,18-18-1,35-17 1,-18 17 0,18 0-1,0 1 1,0-1 0,18 36-1,35-54 1,-36 1-1,1-18 1,17 0 0,54-18-1,-37-35 17,19-17-17,-36-18 1,-52-18-1,17 70 1,-36 1 0,1 35-1,-35 0 1,34 0 0,19 0-1</inkml:trace>
+  <inkml:trace contextRef="#ctx0" brushRef="#br0" timeOffset="95841.85">23213 2999 0,'0'17'46,"0"19"-30,-35 16-16,-1 19 16,-87 105 15,70-105-15,35-36-1</inkml:trace>
+  <inkml:trace contextRef="#ctx0" brushRef="#br0" timeOffset="96064.56">23460 3263 0,'0'0'0,"70"0"16,18 18-16,36 17 16,-89-35-1,-17 0 48</inkml:trace>
+  <inkml:trace contextRef="#ctx0" brushRef="#br0" timeOffset="96342.61">23266 3387 0,'0'0'0,"-18"35"0,0 18 16,18 35 0,-17-53 15,17 1-31,0-1 31,-18 0-15,-35 0-1,18-17-15</inkml:trace>
+  <inkml:trace contextRef="#ctx0" brushRef="#br0" timeOffset="96632.16">23001 3792 0,'35'0'31,"18"0"-15,194-53 0,88 1-1,-176 34 1,18 0-16,34 18 31,-158 0-15</inkml:trace>
+  <inkml:trace contextRef="#ctx0" brushRef="#br0" timeOffset="97175.68">23707 3898 0,'0'0'0,"-18"0"15,0 35 1,1-17-1,17 17 1,0 18 0,0-17-1,0-19 1,35 19 0,18-1-1,-53-18-15,35-17 16,36 0 15,-54-35-15,36-53-1,-53 0 17,0 17-17,-17 18 1,-1 36-1,0 17 1,1 0 0,-18 0-1,-54 17 1,1 1 0,53 0-16,17-1 15</inkml:trace>
+  <inkml:trace contextRef="#ctx0" brushRef="#br0" timeOffset="142656.28">10425 14129 0,'17'0'62,"1"0"-62,52 0 32,19 17-17,52 1 1,17 17-1,37-17 1,-1-18 0,-36 0-1,1 0 1,-71 0 0,0 0-1,1 0 1,16 0-1,19 0 1,35 18 0,35-1-1,0 1 17,-53 17-17,-35-17 1,0-18-1,-54 0-15,-16 0 16,34 0 0,54 17-1,-18-17 1,-18 0 0,18 0-1,-1 0 1,-16 0-1,-19 0 1,18 0 0,-17 0 15,17-17-15,0-1-1,1 1 1,-19-19-1,1 19 1,-54-1 0,1 18 15,17-18-15,-17 18-1,-18-17 1,17-1-1,1 18 1,0-18 0</inkml:trace>
+</inkml:ink>
+</file>
+
+<file path=ppt/ink/ink12.xml><?xml version="1.0" encoding="utf-8"?>
+<inkml:ink xmlns:inkml="http://www.w3.org/2003/InkML">
+  <inkml:definitions>
+    <inkml:context xml:id="ctx0">
+      <inkml:inkSource xml:id="inkSrc0">
+        <inkml:traceFormat>
+          <inkml:channel name="X" type="integer" max="1920" units="cm"/>
+          <inkml:channel name="Y" type="integer" max="1080" units="cm"/>
+          <inkml:channel name="T" type="integer" max="2.14748E9" units="dev"/>
+        </inkml:traceFormat>
+        <inkml:channelProperties>
+          <inkml:channelProperty channel="X" name="resolution" value="36.43264" units="1/cm"/>
+          <inkml:channelProperty channel="Y" name="resolution" value="36.48649" units="1/cm"/>
+          <inkml:channelProperty channel="T" name="resolution" value="1" units="1/dev"/>
+        </inkml:channelProperties>
+      </inkml:inkSource>
+      <inkml:timestamp xml:id="ts0" timeString="2021-04-08T08:04:22.733"/>
+    </inkml:context>
+    <inkml:brush xml:id="br0">
+      <inkml:brushProperty name="width" value="0.05292" units="cm"/>
+      <inkml:brushProperty name="height" value="0.05292" units="cm"/>
+      <inkml:brushProperty name="color" value="#FF0000"/>
+    </inkml:brush>
+    <inkml:brush xml:id="br1">
+      <inkml:brushProperty name="width" value="0.05292" units="cm"/>
+      <inkml:brushProperty name="height" value="0.05292" units="cm"/>
+      <inkml:brushProperty name="color" value="#FFC000"/>
+    </inkml:brush>
+  </inkml:definitions>
+  <inkml:trace contextRef="#ctx0" brushRef="#br0">4657 3563 0,'-18'0'31,"18"-18"-15,0 1-1,0-1 1,0 1 0,0-1-1,0 0-15,0 1 16,0-1 15,0 0-15,0 1-1,0-1 1,0 0 0,0 1-1,18-1 1,-18 0-1,0 1 1,35-18 0,-35-1-1,35-17 1,-17 18 0,-18 17-1,18-17 1,-1 0-1,1 0 17,-1-1-17,1-17 1,0 18-16,-1 0 16,19-18-1,-36 18 1,35-18-1,-17 17 1,17-16 0,-35-1-1,35 17 1,-17-34 0,-1 17-1,19 18 16,-19-18-31,19 0 32,-19 0-17,1 18 1,-1-1 0,19 1-1,-19-18 1,1 35-1,0-17 1,17 0 0,0 17-1,1-17 1,-1 17 0,-35 1-1,35-1-15,0-17 16,54 0 15,-72 17-15,18 0-1,18 1 1,0-1 0,0 0-1,0 1 1,0-1-1,-35 18 1,-1-18 15,19 18-15,-19 0-16,19 0 16,-1 0-1,0-17 1,0 17 15,-17 0-15,17 0-1,-17-18 1,17 18 0,36 0-1,-1 0 1,18 0-1,1-17 1,17 17 0,-71 0-1,0 0 1,0 0 0,18-18-1,-17 18 1,34 0-1,1 0 17,-1 0-17,1 0 1,-18 0 0,17 0-1,-34 0 1,34 0-1,1 0 1,-1 0 0,1 0-1,-1 0 1,18 0 0,1 0-1,-19 0 16,1 18-15,-54-18 0,36 0-1,18 0 1,-1 0 0,1 0-1,-18 0 1,17 0-1,-34 0 1,-1 0 0,-17 17-1,17-17 1,-17 18 0,-1-1-1,54-17 16,-1 18-15,-17 0 0,-35-18-1,0 0 17,-1 0-1,1 0-31,-1 0 31,-17 17-15,18-17-1,0 36 1,-1-19 0,1 1 15,0 0-31,17 17 31,-17 0-15,17 18-1,0 18 1,-17-19 0,17 19-1,0-36 1,-17 1-16,-18-19 15,18 36 1,-1-18 0,-17 18-1,18-17 1,0 34 0,-18-17-1,0 0 1,17 0-1,-17 0 17,18 0-17,-18 0 1,0 0 0,0 0-1,17 35 1,-17-53-1,18 0 1,-18 1 0,0-19-1,0 1 1,0-1 0,0 1-1,0 0 16,0-1 1,18-17-17,-18 36 1,0-19 0,0 1-1,0 0 1,17-1-1,-17 1 1,0-1 0,18 19-1,-18-19 1,0 1 0,18 0 15,-18-1 0,0 1-15,0 0-1,17-1 1,-17 1 15,0 0-15</inkml:trace>
+  <inkml:trace contextRef="#ctx0" brushRef="#br0" timeOffset="28537.03">6262 1658 0,'0'18'62,"0"-1"-62,0 1 16,0 0-16,0-1 16,0 1-16,0 17 15,-18 36 1,18-1 0,0-17-1,0 35 16,0-17-15,0-36 0,0 18-1,-17 0 1,17 0 0,0 18-1,-36 17 1,36-18-1,-17-17 1,-1 0 0,18 0-1,0 0 1,0-18 0,0 1-1,0-19 16,0 1-15,0 17 0,0 0-1,0 1 1,0-19 0,0 19-1,0-19 16</inkml:trace>
+  <inkml:trace contextRef="#ctx0" brushRef="#br0" timeOffset="30776.24">6650 1658 0,'0'18'62,"0"-1"-62,-18 19 16,1-1-16,-1 71 16,0 0-1,1-1 1,-1 37 15,-17-19-15,17-35-16,0-17 15,1 35 1,-1 35 0,18-53-1,0-53 1,0 18-1,0-35 1,0 17 0,0-17-1,0-1 79,0 1-78,0 0-1,0-1 1,0 1 0,0-1-1,0 1 1,0 0-1,0-1 1,0 1 0,0 0 15,-17-1 94,-1-17-94,0 0-15,1 0-1,17 18-15,-18-18 16,0 0 0,1 0 15,-1 0-15,0 0-1,1 0 32,-1 0-16,1 0 47,-1 0-62,0 0 0,1 0-1,-1 0 17,0 0 155,18-18-171,0 1-1,0-1-15,0 0 32,0 1-17,0-1 1,0 0-1,0 1 1,0-1 0,0-17-1,0 17 1,0 1 0,0-1-1,0 0 1,0 1-1,0-1 1,0 0 15</inkml:trace>
+  <inkml:trace contextRef="#ctx0" brushRef="#br0" timeOffset="34192.62">7973 1658 0,'0'35'63,"-18"-17"-48,1 17-15,-1 1 16,-17 52 0,17-18-1,0 18 1,1-35-1,17 18 1,-18 0 0,18-19-1,-18 1 1,18 0 0,0-17-16,-17 16 31,17 19-31,-18-18 31,18 0-15,0-18-1,0 0 1,0 1 0,0-1-1,0 18 1,0-18-1,0 18 1,0 0 0,0 18-1,18-1 1,-18 1 15,17-18-15,-17-1-16,0 1 31,0-17-15,18 17-1,-18-18 1,18 0 0,-18-17-1</inkml:trace>
+  <inkml:trace contextRef="#ctx0" brushRef="#br0" timeOffset="36520.72">8308 1605 0,'-18'0'32,"1"18"30,17-1-46,-18 1-16,0 17 15,1 18 1,-36 35 0,35-35-16,-17 18 15,0 52 1,-1-52-1,36 17 1,-17-35 0,-1 0-1,0 0 1,18 0 0,0 17-1,0 1 16,0-18-15,-17 17 0,17-52-16,0 0 15,0 52 1,-18-17 0,18-18-1,0 18 1,0-17-1,0-1 1,0 0 0,0 0-1,0 1 1,0-1 15,18 0-31,-18 1 31,17-19-15,-17 36 0,0-18-1,18-17 1,-18 17 0,18-17-1,-18 0 1,0 17-1,17 0 1,-17-17 0,0 17-1,0-17 1,0 17 15,0-17 63,-17-18-47,-1 0-32,0 0 1,1 0 0,-1 0 15,1 0 0,-1 0-15,0 0-1,1 0 32,-1 0-31,0 0 0,1 0-1,-1 0 204,18-18-203,0 0-1,0-17 1,0 17-1,0-17 1,0 18 0,0-1-1,0 0 1</inkml:trace>
+  <inkml:trace contextRef="#ctx0" brushRef="#br0" timeOffset="63543.76">14376 3563 0,'17'0'484,"-17"-18"-484,0 1 16,0-36 0,18 18-1,0 17 1,-18-35 0,0 35-16,17 1 15,1-36 1,-18 18-1,0 17 1,18-35 0,-18 18-1,0-18 1,17 18 15,1-18-15,-1 0-1,-17 17 1,18 19 0,-18-36-1,18 18 1,-1-18 0,1 35-1,0-53 1,17 19-1,-35-1 1,35 0 0,-35-18-1,35 18 1,-17-17 15,0 34-15,-1-16-1,19-1 1,-19 0 0,1 0-1,17 17 1,1-16 0,16-1-1,-16 17 1,-19 19-1,19-1 1,-19 0 0,1 1-1,0 17 1,-1-18 15,36 18-15,18-35-1,-18 17 1,17 1 0,-17 17-1,0 0 1,-18 0 0,1-18-1,34 18 1,1-18-1,52 18 1,18 0 0,-17 0-1,-18 0 1,35-17 0,-53 17 15,-18-18-16,54 0 1,-1 1 0,36 17-1,-18 0 1,-17 0 0,-19-18-1,-16 18 1,-1 0-1,106 0 1,-35 0 0,70 0-1,18 0 1,0 35 15,17 1-15,-52-1-1,-53-17 1,-71 17 0,-35-17-1,-18-1 1,-17 18 0,52 36-1,-34-18 1,-19-18-1,19 18 1,-19 0 0,1-18-1,0 1 17,17 17-17,-18 17 1,1-17-1,17 0 1,-35-18 0,36 36-1,-1-1 1,-17 1 0,17-36-1,-18 18 1,1 0-1,0-53 1,-18 18 15</inkml:trace>
+  <inkml:trace contextRef="#ctx0" brushRef="#br1" timeOffset="78232.61">15505 1817 0,'0'17'78,"0"1"-78,0 0 16,0-1 15,0 1-15,0 0 15,0-1 16,17-17-31,-17 18-1,0 0 1,0-1 0,18-17-1,-18 18 1,0-1 15,18-17 63,-1 0-79,1 0 1,-1 0-16,19 0 16,52 0-1,53-17 1,-53 17 0,-17 0 15,-36 0-16,-17 0 17,-1 0-17,19 0 1,-19 0 0,-17-18 124,0 1-124,0-1-1,0 0 1,0 1 0,0-1-1,0-17 1,0-1 0,0 19-1,18-1 1,-18 1 15,0-1-31,18 18 31</inkml:trace>
+  <inkml:trace contextRef="#ctx0" brushRef="#br1" timeOffset="81239.74">16193 1782 0,'0'17'47,"0"1"-32,0 17 1,0 0 0,0-17-1,0 0 1,0-1-1,0 1 17,0 0 15,0-1-32,17 1 63,1-18-46,-1 0-17,1 0 1,0 0-16,-1 0 15,72-18 1,34-17 0,-70 35-16,35 0 15,0 0 1,-17 0 0,-1 0 15,-34 0-16,-1 0 1,0 0 0,1 0-1,-19 0 1,18 0 0,-17 0-1,0 0 1,-18-18 62,0 1-62,0-1-1,0 0 1,0-17-1,0 0 1,0 17 0,0 1-1,0-1 1,0 0-16,0 1 31,0-1-15,0 0-1,0 1 32,-18-1-15</inkml:trace>
+  <inkml:trace contextRef="#ctx0" brushRef="#br1" timeOffset="82677.99">17092 1676 0,'0'17'0,"0"1"31,0 0-16,0 17 1,0-17 0,0 17-1,0-18 1,0 1 0,0 17-1,0-17 1,0 0 15,18-1 0,-18 1 1,17-18 30,1 0-46,0 0-1,-1 0-15,19 0 16,-1 0-16,18 0 16,0 0-1,-18 0 1,18 0-1,-18 0 1,-17 0 0,-1 0-1,19 0 1,-1 0 15,0 0-15,-17 0-1,0 0 17,-1 0 140,-17-18-172,18 18 31,-1 0-16,1 0 1,0 0 31,-1 0-47,1 0 16,0-17 124,-18-1-124,0 0-1,0 1-15,0-1 16,0-17 0,0 17-1,0-17 1,0 17 0,0-17-1,0 17 1,0 1-1,0-1 1</inkml:trace>
+  <inkml:trace contextRef="#ctx0" brushRef="#br1" timeOffset="88208.06">6650 1993 0,'18'0'78,"-1"0"-62,18 0-1,18-17 1,-17 17 0,17 0-1,-36 0 1,-17-18 93,18 18-93,-1 0-1,-17-18 1,18 1 0,-18-1-1,35-17 1,-35-1 0,18 1-1,0 18 1,-18-1-1,0 0 1,0 1 0,-18 17 156,0 0-110,1 0-46,-1 0-1,0 0-15,-17 0 16,18 0 15,-1 0 0,0 0-15,1 0 31,-1 0-16,0 0-15,1 0-1</inkml:trace>
+  <inkml:trace contextRef="#ctx0" brushRef="#br1" timeOffset="89265.09">6615 2117 0,'0'17'78</inkml:trace>
+  <inkml:trace contextRef="#ctx0" brushRef="#br1" timeOffset="90503.75">6932 1958 0,'0'18'47,"0"-1"-31,-18 36-1,1 0 1,17 0 0,-18-35-16,18-1 15,0 19 1,-17-19-1,17 1 1,0-1 0,0 1-1,0 0 17,0-1-32,-18-17 46,18 18 1,-18-18-31,1 0 0,-1 0 15,0 0 0,1 0 0,-1 0 1,0 0-17,1 0 1,-18 0-1,17 0 126,0 0-125</inkml:trace>
+  <inkml:trace contextRef="#ctx0" brushRef="#br1" timeOffset="91711.72">6879 2381 0,'0'18'31,"0"0"-16,0-1 1,-17 18 0,-1-17-16,18 0 15,0 17 1,0 0 0,0-17-1,0 0 1,0-1-1,0 1 17,0-1-17,0 1 1,0 0 15,-18-18-15,1 17-1,-1 1 1,18 0 0,-18-18-1,1 0 17,-1 0-17,0 0 1,1 0-1,-1 0 1,1 0-16,-1 0 16,0 0 31,1 0-32,-1 0 1,-17 0-1,17 0 17,0-18 61</inkml:trace>
+  <inkml:trace contextRef="#ctx0" brushRef="#br1" timeOffset="92336.25">6597 2328 0,'18'0'63,"-1"0"-47,1 0 15</inkml:trace>
+  <inkml:trace contextRef="#ctx0" brushRef="#br0" timeOffset="164368.17">6879 6050 0,'18'0'78,"17"0"-63,53 18 1,212-1 0,159 19-1,123-1 1,388 36-1,-511-54 1,-1 1 0,-52-18 15,-18 0-15,-35 0-1,0 0 1,-71 17-1,-71 1 1,1 0 0,-53-1-1,-18-17 1,-71 18-16,36-18 16,-88 0-1</inkml:trace>
+</inkml:ink>
+</file>
+
+<file path=ppt/ink/ink13.xml><?xml version="1.0" encoding="utf-8"?>
+<inkml:ink xmlns:inkml="http://www.w3.org/2003/InkML">
+  <inkml:definitions>
+    <inkml:context xml:id="ctx0">
+      <inkml:inkSource xml:id="inkSrc0">
+        <inkml:traceFormat>
+          <inkml:channel name="X" type="integer" max="1920" units="cm"/>
+          <inkml:channel name="Y" type="integer" max="1080" units="cm"/>
+          <inkml:channel name="T" type="integer" max="2.14748E9" units="dev"/>
+        </inkml:traceFormat>
+        <inkml:channelProperties>
+          <inkml:channelProperty channel="X" name="resolution" value="36.43264" units="1/cm"/>
+          <inkml:channelProperty channel="Y" name="resolution" value="36.48649" units="1/cm"/>
+          <inkml:channelProperty channel="T" name="resolution" value="1" units="1/dev"/>
+        </inkml:channelProperties>
+      </inkml:inkSource>
+      <inkml:timestamp xml:id="ts0" timeString="2021-04-08T08:07:27.302"/>
+    </inkml:context>
+    <inkml:brush xml:id="br0">
+      <inkml:brushProperty name="width" value="0.05292" units="cm"/>
+      <inkml:brushProperty name="height" value="0.05292" units="cm"/>
+      <inkml:brushProperty name="color" value="#FF0000"/>
+    </inkml:brush>
+  </inkml:definitions>
+  <inkml:trace contextRef="#ctx0" brushRef="#br0">8678 2487 0,'0'0'0,"141"-18"0,18 18 15,247 0 1,105-17 0,-17-1-1,-88-17 1,-106 17 0,-177 1-1,-34 17 1,-19-18-1,89 18 1,-36 0 15,-34-18-15,-37 18 0,-34 0-1,0 0 48,35 0-48,17 0-15</inkml:trace>
+  <inkml:trace contextRef="#ctx0" brushRef="#br0" timeOffset="34407">4604 7126 0,'17'0'62,"19"0"-46,34 0-16,36 0 16,212 0-1,70 0 1,211 0-1,125 0 1,-89 18 0,-36 17-1,124-17 1,-317-18 0,-35 0-1,-107 0 1,-87 0-1,-1 0 1,-70 0 15,-18 0-15,-17 17 0,-19-17-1,-16 0 1,-1 0-1,53 0 1,-35 0-16,88 0 16,-35 0-1,-53 0 1,-35 0 0</inkml:trace>
+</inkml:ink>
+</file>
+
+<file path=ppt/ink/ink14.xml><?xml version="1.0" encoding="utf-8"?>
+<inkml:ink xmlns:inkml="http://www.w3.org/2003/InkML">
+  <inkml:definitions>
+    <inkml:context xml:id="ctx0">
+      <inkml:inkSource xml:id="inkSrc0">
+        <inkml:traceFormat>
+          <inkml:channel name="X" type="integer" max="1920" units="cm"/>
+          <inkml:channel name="Y" type="integer" max="1080" units="cm"/>
+          <inkml:channel name="T" type="integer" max="2.14748E9" units="dev"/>
+        </inkml:traceFormat>
+        <inkml:channelProperties>
+          <inkml:channelProperty channel="X" name="resolution" value="36.43264" units="1/cm"/>
+          <inkml:channelProperty channel="Y" name="resolution" value="36.48649" units="1/cm"/>
+          <inkml:channelProperty channel="T" name="resolution" value="1" units="1/dev"/>
+        </inkml:channelProperties>
+      </inkml:inkSource>
+      <inkml:timestamp xml:id="ts0" timeString="2021-04-08T08:10:17.413"/>
+    </inkml:context>
+    <inkml:brush xml:id="br0">
+      <inkml:brushProperty name="width" value="0.05292" units="cm"/>
+      <inkml:brushProperty name="height" value="0.05292" units="cm"/>
+      <inkml:brushProperty name="color" value="#FF0000"/>
+    </inkml:brush>
+  </inkml:definitions>
+  <inkml:trace contextRef="#ctx0" brushRef="#br0">14005 7567 0,'36'0'125,"16"0"-109,213 0 0,-159 18-1,-18-1 1,18 1-16,70 0 15,-52-1 1,-54 1 0,-17-18-1,-17 0 1,-1 0 0,18 0-1,17 0 1,36 0-1,71 0 1,-54 0 0,-70 0-1,35 0 1,36 0 15,-54 0-15,1-18-1,-18 1 1,0 17 0,-1 0-1,-34 0 1,0 0 0,17 0-1,0 0 1,53-18-1,-17 0 1,-18 18 0,35 0-1,-53 0 17,1 0-17,-19-17 1,36-1-1,-17 18 1,-1-18 0,18 1-1,0 17 1,52-18 0,-52 1-1,-17 17 1,-1 0-1,-17 0 1,-18-18 0</inkml:trace>
+  <inkml:trace contextRef="#ctx0" brushRef="#br0" timeOffset="45808.49">15381 6950 0,'0'-18'15,"0"0"-15,0-34 16,0-72 0,0 54-16,18-125 15,35 19 17,-18 35-17,-17 53 1,17 0-1,-17-1 1,17 19 0,-18-1-1,1 18 1,0 0 0,-1 36-1,19-36 1,-19 18-1,19-1 1,-19 19 15,1-1-31,-1 18 32,1-18-17,0 18 1,17 0-1,-17 0 1,17 0 0,-17 0-1,-1 0 17</inkml:trace>
+  <inkml:trace contextRef="#ctx0" brushRef="#br0" timeOffset="48904.55">16245 5115 0,'-17'36'0,"-1"-19"16,18 54 0,-17-18-16,-19 35 15,1 18 1,0 0 0,17-1-1,0-52 1,18-35-1,18-53 79,0-1-78,-1 1-16,19-18 15,17 0 1,17 18 0,-52 17-1,-1 36 48,-17 35-63,0-18 15,0-17-15,0-1 16,0 36 0,0-17-1,36-19 17,-19-17-17,19 0 1,-19-17-1,71-72 1,-35 19 0,-17 17-1,-36 35 1,0 1 0,-36 17-1,1 0 1,17 35-16,-52 18 15,52-35 1,1 52 0,17-35-1,17-35 32,1 0-31,17 0-1,36-17 1,-18-36 0,-18 0-1,-18 18 1,-17 17-16,-17 18 62,17 18-46,0-1 0,0 1-16,0 17 15,0-17 17,17-18-1,1 0-16,0 0 1,-1 0 0,1-18-1,-18 1-15,18-1 16,-1-17 0,1 17-1,-18 0 1,0 1-1,-18 17 17,1 0-17,-1 17 17,0 1-17,18 0 1,0-1-1,0 1-15,0 0 16,18-18 0,0 0-1,35 0 1,0 0 0,-18 0-1,-35 35 32,-18-18-47,1 19 16,-72 52 15,54-53-31,0 0 16,-1-17-1,36 0 16,18-36-15,70-35 0,71-106-1,17-17 1,-70 35 0,-53 17-1,-35 54 1,-18 52-16,0-17 15,0 53 48,-18-1-47,-52 107-1,-36 35 1,53-1-1,18-70 1,35-35 0,35-35-1,-17 0 1,17-1 0,-18-17-1,36 0 1,-17 0-1,-36-17 17,0-1-17,0 0-15,-18-35 32,-70-17-17,17 17 1,-17 0-1,35 35 1,36 18 0,34 0 31,36-17-47,106-1 15,-18 18 1,-53 0-1,-35 0 1</inkml:trace>
+  <inkml:trace contextRef="#ctx0" brushRef="#br0" timeOffset="49725.27">17533 5380 0,'0'18'15,"-18"34"1,18-16-16,-17 52 31,-1-18-15,18-34 0,0-54 30,18 0-30,35-52 0,17-18-1,1 35 1,-54 35 0,1 18-1,-18 18 16,18 17-31,-1 53 16,-17-17 0,0-18-1,0-36 17,18 1-1</inkml:trace>
+  <inkml:trace contextRef="#ctx0" brushRef="#br0" timeOffset="51442.03">17992 5539 0,'-53'17'32,"0"19"-17,35-1 1,1-35-16,17 17 15,0 1 1,17-18 15,1 0-15,-1 0 0,1-18-1,0 1 1,-18-18-1,0-18 1,0 17 0,17 54 62,1 17-63,-18-17-15,18 17 16,-1 18 0,19-35-1,-36-1 1,17-17 0,-17-17-1,18-1-15,0-17 16,34-71-1,-52 71 1,18 35 47,-18 35-48,18 36 1,-18-19-1,0-34 1,17 0 15,1-36 1,0-17-32,35-36 15,-36 36 1,18 0-16,-35 17 15,18 18 17,-18 35-1,0 36-15,0 17-1,0-70 1,18-18 31,-1 0-32,-17-36 1,36 19-16,-1-18 16,-17 35 46,-18 17-62,0 1 16,17-1-16,-17 19 31,18-36 0,-1 0-15,1 0-1,35 0 1,35-18 0,-17-17-1,-18 35 1,-18-18 0,-35-17-1,0 17 1,0 1-1,0-1 1,-18 0 0,1 18-1,-19 0 1,19 0 0,-54 0-1,54 0 1,-1 18-1,0 17 1,18 18 0,0 18-1,0-18 1,0-36 0,18 1-1,0-18 1,35 0-1,-36 0 1,36 0 0,-35 0-1,-1 0 17</inkml:trace>
+  <inkml:trace contextRef="#ctx0" brushRef="#br0" timeOffset="52407.97">17692 7602 0,'17'0'15,"1"0"1,53 0 0,34 0-1,-16-17 1,-36 17-16,-18 0 15,-17 0 1</inkml:trace>
+  <inkml:trace contextRef="#ctx0" brushRef="#br0" timeOffset="53092.2">18309 6897 0,'0'-18'31,"18"18"-31,52-53 15,71-17 1,89-36 0,-1 18-1,-35 17 17,35 1-17,-176 70 1,0 0-1,-35 0 1,0 0-16,17 0 16,-18 17-1,1 1 1</inkml:trace>
+  <inkml:trace contextRef="#ctx0" brushRef="#br0" timeOffset="54168.36">19879 6244 0,'-18'0'16,"18"35"15,0 36-31,-17 0 16,17-1-16,0-17 15,-18 88 1,18-88-1,0-71 95,0-17-95,0 0-15,0-18 16,0 0 0,18 0-16,17-35 15,-17 17 1,-1 18 0,19 18-1,-36 0 1,17 35-1,1 0 32,0 0-31,-1 0 0,1 0-1,-18 18 1,17-1-1,-17 1-15,0 35 16,0 17 0,-17-17-1,-1-35 1,-17-1 0,0 1-1,-18-18 1,35 0-1,0 0 1</inkml:trace>
+  <inkml:trace contextRef="#ctx0" brushRef="#br0" timeOffset="55926.94">20179 6473 0,'0'0'0,"-18"0"16,-35 0-1,18 18 1,17-18 0,18 18-1,-17-1 1,17 19-1,-18-1 1,18 0 0,0-17-1,18 17 17,-1-17-17,1-18 1,0 0-1,-1 0 1,19-18 0,-1-35-1,-17 18 1,-18 0 0,0 17-1,0-17 1,-18 17-1,0 18 17,1 0-17,34-18 63,19 1-62,87-71 0,-52-1-1,-36 72 1,-35 52 62,-18 0-62,18 1-1,-17-1 1,-1 18-16,18 17 16,0-34-1,18-54 79,17-17-94,-18-1 16,36-16-1,-35 52-15,-18 17 63,0 18-48,0 1-15,0 87 32,0-17-17,0-71 1,0-17-1,18-18 1,-1-18 0,36-70-1,35-71 1,-35 89-16,-17 17 16,52-71-1,-71 89-15,19-35 16,-36 87 78,0 19-79,-18 16-15,0 1 16,1 53-1,-1-53 1,18 18 0,0-1-1,35-52 1,-17 0 0,0-18 15,-1 0-16,1 0-15,0-18 16,-18-17 0,0-1-1,-18-17 17,-35 36-32</inkml:trace>
+  <inkml:trace contextRef="#ctx0" brushRef="#br0" timeOffset="56224.52">20567 6385 0,'0'0'0,"35"0"0,18 0 15,35 0 1,-52-17 0,-1 17-1,88-18 1,-52 18 0,-53-18-1</inkml:trace>
+  <inkml:trace contextRef="#ctx0" brushRef="#br0" timeOffset="57358.86">21537 6403 0,'-18'35'47,"1"-17"-47,-18 52 16,-18 19-1,17-19 17,19-70-32,17 18 15,17-36 63,-17-17-78,36-18 16,17 0 0,-18-18-1,-18 54 16,1 17-31,-18-18 16,18 18 0,-1 0 46,-17 18-62,0-1 16,0 36-1,-17 18 1,-1-18 0,18-18-1,0-17 48</inkml:trace>
+  <inkml:trace contextRef="#ctx0" brushRef="#br0" timeOffset="60058.55">21696 6403 0,'-18'18'15,"18"-1"1,0 1-1,0 17 1,-17 18 0,17 18-1,17-36 1,1-17 0,-1-18-1,1 0 16,0 0-15,-1 0-16,36-18 16,18-53-1,-18 1 17,-36 17-17,-17 35 16,-17 18 1,17 18-17,0 35-15,0-18 16,0 36 0,0-36-1,17-35 63,1-53-78,0 35 16,-1-17 0,1 0-16,35-18 15,-35 70 32,-1 19-47,-17 17 16,0 0-1,18-36 1,-1 1 0,1-18 30,-18-35-46,18 17 16,-1 0-16,1 18 78,0 18 0,-1-18-78,1-35 32,0-1-32,-18-34 15,17-1-15,18-87 16,1 34-1,-19 18 1,-17 89 15,0-1 1,0 53-17,0 106 1,0 53-1,-35 36 1,35-160-16,0 18 16,0-70-1,0 0 32,18-36-16,17-17-15,-17-18-16,35-18 16,0 36-1,-36 35 32,-17 18-31,18 17-1,-18 18 1,-18 0 0,1-36-1,-1 1 1,0-18 0,1 0-1,-1 0 1,18-18-1,0 1 1,0-1 0,18-17 15,35 17-15,-36 1-16,36 17 15,-35 0 1,17-18-1,0 0 1,1 1 0,-1-19-1,-18 1 1,1 0 0,-18 17-1,0 1 1,-18 17-1,1 0 1,-1 0 15,-17 0-31,17 0 32,-35 70-17,18-17 1,35 18-1,0-36 1,18 18 0,52-18-1,-17-17 1,18-18 0,-36-36-1,18-16 1,0-37-1,-18-17 1,-17 18 15,17 0-31,-35 70 32,0 1-1,18 17-16,-1 53 1,19 141 0,-36-53-1,17-88 1,1-53 78,0-18-79,-1 1 1,18-1-16,-17 18 16,0 0-1,-1-18 1,1 18 46,0 0-46</inkml:trace>
+</inkml:ink>
+</file>
+
+<file path=ppt/ink/ink15.xml><?xml version="1.0" encoding="utf-8"?>
+<inkml:ink xmlns:inkml="http://www.w3.org/2003/InkML">
+  <inkml:definitions>
+    <inkml:context xml:id="ctx0">
+      <inkml:inkSource xml:id="inkSrc0">
+        <inkml:traceFormat>
+          <inkml:channel name="X" type="integer" max="1920" units="cm"/>
+          <inkml:channel name="Y" type="integer" max="1080" units="cm"/>
+          <inkml:channel name="T" type="integer" max="2.14748E9" units="dev"/>
+        </inkml:traceFormat>
+        <inkml:channelProperties>
+          <inkml:channelProperty channel="X" name="resolution" value="36.43264" units="1/cm"/>
+          <inkml:channelProperty channel="Y" name="resolution" value="36.48649" units="1/cm"/>
+          <inkml:channelProperty channel="T" name="resolution" value="1" units="1/dev"/>
+        </inkml:channelProperties>
+      </inkml:inkSource>
+      <inkml:timestamp xml:id="ts0" timeString="2021-04-08T08:18:14.519"/>
+    </inkml:context>
+    <inkml:brush xml:id="br0">
+      <inkml:brushProperty name="width" value="0.05292" units="cm"/>
+      <inkml:brushProperty name="height" value="0.05292" units="cm"/>
+      <inkml:brushProperty name="color" value="#FF0000"/>
+    </inkml:brush>
+  </inkml:definitions>
+  <inkml:trace contextRef="#ctx0" brushRef="#br0">10372 8714 0,'0'-18'15,"53"0"16,0-17-31,52 17 16,178-70 0,228-35-1,106-36 1,195-53 0,-1 36-1,-211 52 1,-141 19-1,-195 69-15,-52 19 16,141 17 0,105 0-1,-211 35 1,-35 18 0,-71 17 15,-53 1-16,-17 17 1,-36-35 0,-17 18-1,-1-36 1,-17-17 0,18-18-1,-18 35 1,0-17-1,0-1 1,0 1 78,0-1-16,0 1-78,0 0 16,0-1-1,0 1 1,0 0-1</inkml:trace>
+  <inkml:trace contextRef="#ctx0" brushRef="#br0" timeOffset="1413.7">16863 8308 0,'-18'0'16,"1"0"-1,-1 0 1,0 0 0,1 0-1,-1 0 1,0 18-1,18-1 32,-17 1-31,17-1 0,0 1-16,0 0 15,-18 17 16,18-17-15,0-1 0,0 1-1,0 0 1,0-1 0,0 1-1,0 0 1,0-1-16,0 1 31,18-1-15,-1 19-1,19-36 1,-19 0 0,1 0-1,17 0 16,-17 0-15,-18-18 15,17 18-15,1-18 0,0 18-16,17-35 15,0 18 1,1-1-1,-19 0 1,-17 1 0,18-1-1,-18 0 1,0 1 15,0-1 0,-18-17-15,18-1 0,-17 36-16,17-17 15,-18-1 1,0 18 0,1-17-1,-1-1 1,-17 18 15,17 0-15,0 0-1,1 0 1,-1 0 15,1 0 0</inkml:trace>
+  <inkml:trace contextRef="#ctx0" brushRef="#br0" timeOffset="2213.41">17127 8467 0,'18'0'31,"0"0"-16,-1 0 1,1 0 0,-18 17-16,18-17 15,-1 18 17</inkml:trace>
+  <inkml:trace contextRef="#ctx0" brushRef="#br0" timeOffset="3029.47">17074 8343 0,'0'-17'31,"0"-1"-31,0 0 16,0-17-1,36-36 1,70-158-1,-18 70 1,35 1 0,-17 34-1,-18 54 1,-35 34 0,-53 19 15,18-1 0,-1 18 0,1 0 1</inkml:trace>
+  <inkml:trace contextRef="#ctx0" brushRef="#br0" timeOffset="6085.12">17921 6597 0,'-18'0'16,"1"0"15,-1 0 1,1 0-17,-1 0 1,0 0-1,18 18-15,-17-1 16,-1 1 0,18 17-1,0 0 1,0 1 0,0-19 15,18 1-16,-1-18 1,1 0 0,35 0-1,17 0 1,-34-18 0,-1-17-16,0-18 15,-17 18 1,0 0-1,-18-1 1,0 19 0,0-1-1,-18 18 1,0 0 15,1 0 0,34 0 63,1 0-78,0 0-1,-1 0-15,1 0 16,-1 0 0,1 0-1,0 0 1</inkml:trace>
+  <inkml:trace contextRef="#ctx0" brushRef="#br0" timeOffset="6499.35">18150 6632 0,'18'0'94,"0"0"-94,-1 0 16,1 0-1,0 0 1,-1 0-16</inkml:trace>
+  <inkml:trace contextRef="#ctx0" brushRef="#br0" timeOffset="6861.44">18274 6403 0,'0'0'0,"0"18"15,0 34-15,0 54 16,0 0 0,0-53-1,0 0 1,0-35 0</inkml:trace>
+  <inkml:trace contextRef="#ctx0" brushRef="#br0" timeOffset="7516.78">18098 6879 0,'-18'18'16,"18"-1"0,0 1-1,0 35 1,0-18 0,0-17-1,0 0 1,18-18-1,-1 0 1,1 0 0,-1 0-1,19-18 1,-19 18-16,19 0 31,-1 0-15,-17 0 62,-18-18-62,17 18-1,1 0 1,-1-17-1,1 17 1,-18-18-16</inkml:trace>
+  <inkml:trace contextRef="#ctx0" brushRef="#br0" timeOffset="8502.24">18397 6491 0,'0'-18'47,"18"18"-31,17 0-1,-17-17 1,0 17 46,-1 0-46,-17 17 0,0 1-16,18 17 15,-18-17 1,0 70 15,-18-17-15,1-71-1,17 17 1,-18 1 0,0 0-1,1-18 1</inkml:trace>
+  <inkml:trace contextRef="#ctx0" brushRef="#br0" timeOffset="8997.91">18556 6562 0,'0'0'0,"18"0"32,-1-18-17,36 18 1,-17 0 0,-19 0-1</inkml:trace>
+  <inkml:trace contextRef="#ctx0" brushRef="#br0" timeOffset="9517.14">18591 6632 0,'18'0'31,"0"0"0,-1 0-15,1 0 0,0 0-16,-1 0 15,1 0 1</inkml:trace>
+  <inkml:trace contextRef="#ctx0" brushRef="#br0" timeOffset="10017.02">18750 6297 0,'0'53'16,"0"0"0,0 17-1,0-34 16,0 17-15,0 0 0,0-36-1,0 1 1,0 0 31,0-1-47,-17-17 15,17 18 1,-18-1 0</inkml:trace>
+  <inkml:trace contextRef="#ctx0" brushRef="#br0" timeOffset="11158.1">18486 6826 0,'-18'0'16,"36"0"31,34-17-32,37 17 1,-36-18-1,-36 18 1,1 0 31,0 0-31,-1 0-1,-17 18 1,0-1-1,0 1 1,0 0 15,0-1-15,-17 1 0,-1-18-1,0 17 1,1-17-1,-1 0 1,0 0 0,1 0-1,17 18 1,-18-18 0,-17 0-1,35 18 1,-18-18 15,0 17-15,18 1 31,0 0-1,18-18-46,0 0 16,-1 17 0,1-17-1,0 0 1,-1 0 0,19 0-1,34 0 1,-17-17-1,0-1 1,-35 18 0</inkml:trace>
+  <inkml:trace contextRef="#ctx0" brushRef="#br0" timeOffset="14941.88">18785 6456 0,'0'0'0,"18"0"0,0 0 15,17-18-15,-17 18 16,70 0-1,71 0 1,-89 0 0,-35 0-1,-52 18 157,-1-1-172,-17-17 16,17 18-16,-35 0 15,0 35 1,18-18 0,0 18-1,0-18 1,-1-17 0,36-1-1,18-52 95</inkml:trace>
+  <inkml:trace contextRef="#ctx0" brushRef="#br0" timeOffset="15173.51">19068 6615 0,'0'0'0,"17"35"15,1-17-15,17 70 31,18-35-15</inkml:trace>
+  <inkml:trace contextRef="#ctx0" brushRef="#br0" timeOffset="15449.63">19191 6668 0,'18'0'15,"-1"0"1,1 0-1,17-18 1,-17 18 0,0-18 31,-1 18-47,-17-17 15</inkml:trace>
+  <inkml:trace contextRef="#ctx0" brushRef="#br0" timeOffset="15716.9">19368 6350 0,'0'53'16,"0"0"-1,0 17 1,0 89 0,0-88-16,0-1 15,0-34-15,0-1 16,0 0 0,-18-17 15</inkml:trace>
+  <inkml:trace contextRef="#ctx0" brushRef="#br0" timeOffset="16237.92">18962 6862 0,'0'0'0,"0"17"15,0 18-15,0 1 16,17-1 0,-17-17-1,18-18 63,0 0-78,-1 0 16,19 0 0,69 0-1,-16 0 1,-19 0-16,54 0 15,-36 0 1,-70 0 0</inkml:trace>
+  <inkml:trace contextRef="#ctx0" brushRef="#br0" timeOffset="16966.96">19703 6421 0,'-18'0'15,"0"0"1,1 0-1,-1 0 1,0 0 0,18 17-1,-17-17 17,17 18-32,0-1 15,-18 1 1,18 0-16,0 17 15,0-17 1,0 17 0,35-35-1,1 18 17,-19-18-32,19 0 31,-1 0-16,-17-36-15,-1 1 16,1 0 0,-18-18-1,0 0 1,0 35 0,-35 18-1,17 0 1</inkml:trace>
+  <inkml:trace contextRef="#ctx0" brushRef="#br0" timeOffset="17221.52">19579 6685 0,'0'0'0,"18"18"16,-1 17-1</inkml:trace>
+  <inkml:trace contextRef="#ctx0" brushRef="#br0" timeOffset="17493.36">19685 6703 0,'18'0'31,"-1"0"-31,-17 35 16,0-17 0,0 17-1,0-17 1</inkml:trace>
+  <inkml:trace contextRef="#ctx0" brushRef="#br0" timeOffset="17885.59">19544 6809 0,'18'0'47,"-1"0"-32,54 0 1,35-18 0,-1 18-1,-16 0 1,-19 0 15,-35-18-15</inkml:trace>
+  <inkml:trace contextRef="#ctx0" brushRef="#br0" timeOffset="18541.78">19720 6932 0,'0'0'0,"-17"0"16,-1 18 0,18 17-1,0-17 1,0-1 0,0 19-1,0-19 1,18-17-1,-1 0 1,1 0 0,0 0-1,-1 0 1,18 0-16,-17-35 31,0-18-15,-1 18-1,-17 17 1,-17 18 31,-1 0-31,0 0-16,1 0 15,-1 0 1</inkml:trace>
+  <inkml:trace contextRef="#ctx0" brushRef="#br0" timeOffset="19109.16">20408 6421 0,'-17'0'31,"-1"17"-16,-35 71 1,0-17 0,-17 17-1,52-70 1,18-1-16,-18-17 16</inkml:trace>
+  <inkml:trace contextRef="#ctx0" brushRef="#br0" timeOffset="19381.56">20285 6597 0,'0'0'0,"35"0"0,-17 18 15,35-1 1,-53 1 0</inkml:trace>
+  <inkml:trace contextRef="#ctx0" brushRef="#br0" timeOffset="19682.91">20373 6738 0,'0'0'0,"0"18"0,0 35 31,0-18-15,-18 18 0,1-36-1,17 1 1,-18-18 0</inkml:trace>
+  <inkml:trace contextRef="#ctx0" brushRef="#br0" timeOffset="20037.47">20091 6967 0,'35'0'16,"53"0"0,124 0-1,17 0 1,18 0 0,-141 0-1,-88 0 63</inkml:trace>
+  <inkml:trace contextRef="#ctx0" brushRef="#br0" timeOffset="21190.05">20849 6456 0,'0'-18'31,"18"18"-15,-1 0 0,1 0-16,0 0 15,-1 0 63,1 0-62,-18 18 15,18-1-31,-18 1 16,0 17 0,0 71-1,-36-18 1,19-35-1,-1-17 1,18-19 47,-18-17-32,1 0-16,-1 0 1</inkml:trace>
+  <inkml:trace contextRef="#ctx0" brushRef="#br0" timeOffset="21516.31">20796 6615 0,'0'0'0,"18"0"15,17-18 1,18 0 0,-35 18-16,-1 0 15,36 0 1,-17 0-1</inkml:trace>
+  <inkml:trace contextRef="#ctx0" brushRef="#br0" timeOffset="21732.98">21026 6579 0,'17'-17'32,"1"-1"-17,-1 0 1,1 1-16,0-1 16,-1 18-1,-17-35 1</inkml:trace>
+  <inkml:trace contextRef="#ctx0" brushRef="#br0" timeOffset="21932.99">21131 6473 0,'0'0'0,"0"18"15,0 17 1,0 36-1,0 0 1,0-54-16</inkml:trace>
+  <inkml:trace contextRef="#ctx0" brushRef="#br0" timeOffset="22252.79">21290 6385 0,'0'36'47,"0"-1"-47,0 18 16,0 35 0,0-35-1,0-18 1,0-17-1</inkml:trace>
+  <inkml:trace contextRef="#ctx0" brushRef="#br0" timeOffset="22901.6">21202 6773 0,'-18'0'0,"18"18"31,-17-18-31,17 18 16,-18-1-1,-17 1 1,17 17 0,0-17 15,1-1-16,-1 1 1,18 0 78,-17-18-79,17 17 48</inkml:trace>
+  <inkml:trace contextRef="#ctx0" brushRef="#br0" timeOffset="23213.57">21131 6879 0,'18'0'16,"0"0"-1,17 0 1,-17 0 0,-1 18-1</inkml:trace>
+</inkml:ink>
+</file>
+
+<file path=ppt/ink/ink16.xml><?xml version="1.0" encoding="utf-8"?>
+<inkml:ink xmlns:inkml="http://www.w3.org/2003/InkML">
+  <inkml:definitions>
+    <inkml:context xml:id="ctx0">
+      <inkml:inkSource xml:id="inkSrc0">
+        <inkml:traceFormat>
+          <inkml:channel name="X" type="integer" max="1920" units="cm"/>
+          <inkml:channel name="Y" type="integer" max="1080" units="cm"/>
+          <inkml:channel name="T" type="integer" max="2.14748E9" units="dev"/>
+        </inkml:traceFormat>
+        <inkml:channelProperties>
+          <inkml:channelProperty channel="X" name="resolution" value="36.43264" units="1/cm"/>
+          <inkml:channelProperty channel="Y" name="resolution" value="36.48649" units="1/cm"/>
+          <inkml:channelProperty channel="T" name="resolution" value="1" units="1/dev"/>
+        </inkml:channelProperties>
+      </inkml:inkSource>
+      <inkml:timestamp xml:id="ts0" timeString="2021-04-08T08:18:44.486"/>
+    </inkml:context>
+    <inkml:brush xml:id="br0">
+      <inkml:brushProperty name="width" value="0.05292" units="cm"/>
+      <inkml:brushProperty name="height" value="0.05292" units="cm"/>
+      <inkml:brushProperty name="color" value="#FF0000"/>
+    </inkml:brush>
+  </inkml:definitions>
+  <inkml:trace contextRef="#ctx0" brushRef="#br0">17956 9472 0,'-35'0'15,"35"-18"-15,-18-34 16,1 16-16,-1-52 31,-17-71-15,0-35-1,-18 0 1,35 18 0,18 52-1,0 19 1,35-1 0,36-71-1,105-87 1,-105 176-1,141-124 1,158-35 0,-158 176-1,-71 18 17,-35 53-32,52 53 31,36 53-16,-53 35 1,-35 0 0,-18 124-1,-52-124 1,-19-53 0,-17 53-1,0-52 1,0-1-1,-88 71 1,-71 52 0,-70 1-1,17-71 17,71-70-32,18-36 31,17-17-16,0-18 1,-88 0 0,71-18-1,17-17 1,18 17 0,35 18-1,35 0 1</inkml:trace>
+</inkml:ink>
+</file>
+
+<file path=ppt/ink/ink17.xml><?xml version="1.0" encoding="utf-8"?>
+<inkml:ink xmlns:inkml="http://www.w3.org/2003/InkML">
+  <inkml:definitions>
+    <inkml:context xml:id="ctx0">
+      <inkml:inkSource xml:id="inkSrc0">
+        <inkml:traceFormat>
+          <inkml:channel name="X" type="integer" max="1920" units="cm"/>
+          <inkml:channel name="Y" type="integer" max="1080" units="cm"/>
+          <inkml:channel name="T" type="integer" max="2.14748E9" units="dev"/>
+        </inkml:traceFormat>
+        <inkml:channelProperties>
+          <inkml:channelProperty channel="X" name="resolution" value="36.43264" units="1/cm"/>
+          <inkml:channelProperty channel="Y" name="resolution" value="36.48649" units="1/cm"/>
+          <inkml:channelProperty channel="T" name="resolution" value="1" units="1/dev"/>
+        </inkml:channelProperties>
+      </inkml:inkSource>
+      <inkml:timestamp xml:id="ts0" timeString="2021-04-08T08:20:11.039"/>
+    </inkml:context>
+    <inkml:brush xml:id="br0">
+      <inkml:brushProperty name="width" value="0.05292" units="cm"/>
+      <inkml:brushProperty name="height" value="0.05292" units="cm"/>
+      <inkml:brushProperty name="color" value="#FF0000"/>
+    </inkml:brush>
+  </inkml:definitions>
+  <inkml:trace contextRef="#ctx0" brushRef="#br0">7161 11677 0,'-35'0'16,"-18"0"-1,-17 0 1,-1 0 0,53 0-16,-52 0 15,35 0 1,-36 0 0,36 0-1,-36 0 1,1-35-1,-1 17 17,18-17-32,-35 17 31,53 18-15,-18-35-1,0 0 1,18-18-1,-18 17 1,35-34 0,0-1-1,18 1 1,0-18 0,0-18-1,18 0 1,17 35-1,54-35 17,-37 71-32,37-35 31,87-1-15,-52 36-1,-19 17 1,1 18-1,0 0 1,0 18 0,-36 17-1,19 0 1,-36 1 0,-1-1-1,-16 0 1,52 106-1,-53-35 1,0 35 0,-35-53 15,0-17-15,0 0-1,-17-1 1,-54 18-1,1-17 1,-36-18 0,18-18-1,17 0 1,1-35 0,17 0-1,0 0 1,-53 0-1,35 0 1,36 0 0</inkml:trace>
+  <inkml:trace contextRef="#ctx0" brushRef="#br0" timeOffset="1966.8">17815 11836 0,'0'17'16,"-17"-17"-1,-1 0 1,-35 0 0,-106-53-1,1-52 1,-1 16-1,53-34 1,35-1 0,54 36 15,-1 35-31,18 18 16,0-106-1,0 70 1,18-17-1,-1 35 1,19-17 0,17-1-1,0 1 1,-1 17 0,-16 17-1,34 19 1,1-18-1,35 17 1,0-17 0,17 35 15,-52 0-15,17 0-1,-18 17 1,19 54-1,16-18 1,-34 0 0,-18 17-1,0 1 1,-18-18 0,0 0-1,-17 70 1,-18 1-1,0-1 17,-53-17-17,35-36 1,-35 19 0,-17-19-1,17-35 1,-35 18-1,17 0 1,-35-17 0,1-1-1,-54 18 1,-53-18 0,124-35-1,17 0 1,18 0-1</inkml:trace>
+  <inkml:trace contextRef="#ctx0" brushRef="#br0" timeOffset="7782.62">7197 14887 0,'-18'0'0,"0"0"47,1 0 15,-1 0-46,-35 0 0,0 0-1,18 0-15,-53-35 16,0 17-1,-1-17 1,54 35 0,18-18-1,-19 1 1,19-1 0,-1 18-1,0-18 1,-17 1 15,35-1-31,-18 18 0,-17-53 31,0 18-15,17 0 0,1-1-1,-19 19 1,36-18-1,-17 17 1,17-17 0,0-18-1,0 17 1,0-16 0,0 16-1,0 1 1,0-18-1,17 35 17,1-35-32,35 1 31,0-19-15,17-17-1,1 0 1,-1 17-1,-17 1 1,36-1 0,-37 36-1,1-18 1,-35 53 0,0 0 171,-1 0-171,1 0-16,17 0 15,53 53 1,1 17 0,-19 1-1,-17-18 1,-35-36-1,17 1 1,-35 0 0,18-1-1,-18 19 17,17-1-32,-17 0 15,0 18 1,0-18-1,0 1 1,0-1 0,0 0-1,0 0 1,-35 18 0,17-17-1,1 17 1,-1-36-1,-17 18 1,17 1 15,1-19-15,-19 36 0,1-17-1,0-1 1,-1 0-1,19-17 1,-19-1 0,19 1-1,-1 17 1,1-17 0,-1 0-16,0-1 31</inkml:trace>
+  <inkml:trace contextRef="#ctx0" brushRef="#br0" timeOffset="10383.75">18362 14870 0,'0'0'0,"-35"0"15,17 0 1,-35 0-1,0-36 1,0-17 0,36 36-16,-36-19 15,-71-87 1,54 17 0,-18 0-1,-36-17 1,71 35-1,0-36 1,36 18 0,17 36 15,0-18-15,35-18-1,18 35 1,53-17-1,52-18 1,-52 89 0,0-1-1,-35 18 1,-36 35 0,36 36-1,-19 52 1,1-17-1,-35 0 1,-18 0 15,0 0-15,0-54-16,0 37 16,-106 87-1,18-52 1,0-36-1,35-18 1,35-34 0,1-19-16</inkml:trace>
+</inkml:ink>
+</file>
+
+<file path=ppt/ink/ink18.xml><?xml version="1.0" encoding="utf-8"?>
+<inkml:ink xmlns:inkml="http://www.w3.org/2003/InkML">
+  <inkml:definitions>
+    <inkml:context xml:id="ctx0">
+      <inkml:inkSource xml:id="inkSrc0">
+        <inkml:traceFormat>
+          <inkml:channel name="X" type="integer" max="1920" units="cm"/>
+          <inkml:channel name="Y" type="integer" max="1080" units="cm"/>
+          <inkml:channel name="T" type="integer" max="2.14748E9" units="dev"/>
+        </inkml:traceFormat>
+        <inkml:channelProperties>
+          <inkml:channelProperty channel="X" name="resolution" value="36.43264" units="1/cm"/>
+          <inkml:channelProperty channel="Y" name="resolution" value="36.48649" units="1/cm"/>
+          <inkml:channelProperty channel="T" name="resolution" value="1" units="1/dev"/>
+        </inkml:channelProperties>
+      </inkml:inkSource>
+      <inkml:timestamp xml:id="ts0" timeString="2021-04-08T08:33:29.925"/>
+    </inkml:context>
+    <inkml:brush xml:id="br0">
+      <inkml:brushProperty name="width" value="0.05292" units="cm"/>
+      <inkml:brushProperty name="height" value="0.05292" units="cm"/>
+      <inkml:brushProperty name="color" value="#FF0000"/>
+    </inkml:brush>
+  </inkml:definitions>
+  <inkml:trace contextRef="#ctx0" brushRef="#br0">6403 2734 0,'0'0'16,"176"-35"-16,36 17 0,53 0 15,158-17-15,53 35 16,18 0-16,-18 0 16,1 0-16,52 0 15,88 0-15,-35 0 16,0 0-1,-17 0-15,-36 0 16,-88 0-16,-18 0 16,-158 0-16,-107 0 15,-52 0-15</inkml:trace>
+</inkml:ink>
+</file>
+
+<file path=ppt/ink/ink19.xml><?xml version="1.0" encoding="utf-8"?>
+<inkml:ink xmlns:inkml="http://www.w3.org/2003/InkML">
+  <inkml:definitions>
+    <inkml:context xml:id="ctx0">
+      <inkml:inkSource xml:id="inkSrc0">
+        <inkml:traceFormat>
+          <inkml:channel name="X" type="integer" max="1920" units="cm"/>
+          <inkml:channel name="Y" type="integer" max="1080" units="cm"/>
+          <inkml:channel name="T" type="integer" max="2.14748E9" units="dev"/>
+        </inkml:traceFormat>
+        <inkml:channelProperties>
+          <inkml:channelProperty channel="X" name="resolution" value="36.43264" units="1/cm"/>
+          <inkml:channelProperty channel="Y" name="resolution" value="36.48649" units="1/cm"/>
+          <inkml:channelProperty channel="T" name="resolution" value="1" units="1/dev"/>
+        </inkml:channelProperties>
+      </inkml:inkSource>
+      <inkml:timestamp xml:id="ts0" timeString="2021-04-08T08:33:50.421"/>
+    </inkml:context>
+    <inkml:brush xml:id="br0">
+      <inkml:brushProperty name="width" value="0.05292" units="cm"/>
+      <inkml:brushProperty name="height" value="0.05292" units="cm"/>
+      <inkml:brushProperty name="color" value="#FF0000"/>
+    </inkml:brush>
+  </inkml:definitions>
+  <inkml:trace contextRef="#ctx0" brushRef="#br0">12718 5627 0,'17'0'62,"1"0"-46,35 0-16,35 0 16,36 0-16,17 0 15,0 0-15,17 0 16,19 0-16,-1 0 15,1 0 1,-19 0-16,-16 0 0,-1 0 16,-18 0-16,1 0 15,-19 0-15,1 0 16,-35 0-16,-1 0 16,36 0-16,-18 0 15,-17 0-15,-1 0 16,-17 0-16,18 17 15,70-17 17,-106 0-32,1 18 0,-19-18 15,1 0-15,17 0 16,-17 0-16</inkml:trace>
+  <inkml:trace contextRef="#ctx0" brushRef="#br0" timeOffset="7112.48">14199 2469 0,'18'0'125,"0"18"-125,17 0 16,0-1-1,0 1-15,-17-18 16,0 0-1,-1 0 1,-17 18-16,18-18 16,17 0-16,1 0 15,-1 17-15,18-17 16,-18 18-16,18-18 16,0 18-16,-18-18 15,18 0-15,-18 0 16,1 0-16,-1 0 15,0 0-15,-17 0 16,17 0-16,-17 0 16,-1 0-16,1 0 15,0 0 1,-1 0 0,1 0-1,0 0 1,-1 0-1,1 0-15,-1 0 16,36 0-16,-17 0 16,-19 17-16,19-17 15,-1 0-15,0 0 16,0 0-16,1 0 16,-1 0-16,0 0 15,1 0-15,16 0 16,-16 0-16,-1 0 15,0 0-15,18 0 16,0 0-16,0 0 16,0 0-16,-18 18 15,0-18-15,1 17 16,-19-17-16,19 18 16,-19-18-16,36 18 15,-17-1-15,16-17 16,37 0-16,-19 0 15,36 0-15,-18 0 16,-17 0-16,35 0 16,-18 0-16,18 18 15,-53-18 1,-1 0-16,-16 0 16,-1 0-16,-17 0 15,17 0-15,-17 18 16,-1-1-16,36-17 15,-18 18-15,1 0 16,-1-1-16,18-17 16,0 18-16,35 0 15,-35-1-15,17-17 16,-17 0-16,18 0 16,-18 0-16,0 0 15,0 0-15,-18-17 16,106-1 15,-88 18-31,0 0 0,0-18 16,17 1-16,1-1 15,-18 18-15,-18 0 16,0-18-16,1 18 16,-1-17-16,-17 17 15,-1 0-15,1 0 16,0 0-16,-1 0 15,18 0-15,1-18 16,-1 18 0,18-18-16,0 1 15,0-1-15,0 18 16,-18-18-16,0 1 16,-17 17-16,17-18 15,-17 18-15,-1-17 16,1 17 15,35-36-15,-35 36-1,17-17-15,-17-1 16,-1 0-16,1 1 16,-1 17-16,1-18 15,0 0 1,17 18-1,-17 0 64,-1 0-48,1 0-31,0 0 15,17 0-15,-18 0 16,54 0 0,-53 0-1,-1 0-15,1 0 16,0-17 0,-1 17-1,-17-18-15,18 18 16,-1 0-16,1-17 15,0 17 1,-1 0 31</inkml:trace>
+  <inkml:trace contextRef="#ctx0" brushRef="#br0" timeOffset="23400.48">12700 8326 0,'18'0'94,"35"0"-94,-1 0 15,19 0-15,0 0 16,-18 0-16,-1 0 16,1 0-16,0 0 15,0 0-15,0 0 16,0 0-16,-18 0 16,18-18-16,-18 18 15,18 0-15,0 0 16,-17 0-16,17 0 15,-1 0-15,-16 0 16,17 0-16,-18 0 16,18 0-16,0 0 15,0 0-15,0 0 16,-1 0-16,1 0 16,18 0-16,-18 0 15,0 0-15,0 0 16,0 0-16,0 0 15,-1 0 1,1 0 0,-35 0-16,0 0 15,-1 0 95,1 0-110,0 0 15,17 0 1,-18 0 0,1 0 109,0 0-110,-1 0 1,1 0-16,0 0 15,-1 0-15,1 0 16,17 0 0,-17 0-16,0 0 15,-1 0 17,1 0-1,17 0-16,-17 0 1,-1 0 0</inkml:trace>
+  <inkml:trace contextRef="#ctx0" brushRef="#br0" timeOffset="28567.1">6756 8290 0,'17'0'31,"1"0"-15,0 0-16,-1 0 16,1 0-16,35 0 15,-18 0-15,0 0 16,-17 0-16,17-17 16,1 17-16,-19 0 15,1 0-15,17 0 16,0 0-16,1 0 15,-1 0-15,0-18 16,89 18 0,-71 0-1,0 0-15,-1 0 16,1 0-16,18 0 16,-1 0-16,19 0 15,-1 18-15,-18-18 16,107 17-1,-124-17 1,-18 0-16,0 0 16,1 0-16,-19 0 15,36 0 1,-18 0-16,1 0 16,-19 0-1,19 0-15,-19 0 16,1 0-16,17 0 15,-17 0 1,17 0 0,0-17-1,-17 17-15,17 0 16,1 0-16,-1 0 16,0 0-16,0 0 15,1 0-15,-19 0 16,19 0-16,-1 0 15,-18 0-15,1 0 16,0 0-16,-1 0 16,1 0-16,0 0 15,-1 0 17,1 0-17,0 0-15,-1 0 16,1 0-1,0 0 1,-1 0-16,18 0 16,18 0-1,-17 0-15,-1 0 16,0 0-16,0 17 16,1-17-16,-19 0 15,1 0-15,0 0 16,-1 0 171,19 0-171,-19 0 0,18 0-16,1 0 15,-1 0-15,0 0 16,-17 0-16,0 0 15,-1 0-15,19 0 16,-19 0 0</inkml:trace>
+  <inkml:trace contextRef="#ctx0" brushRef="#br0" timeOffset="34575.33">14129 11095 0,'17'0'156,"1"0"-140,0 0-16,17 0 15,36 0 1,-19 0-16,-16 0 16,17 0-1,-36 0 1,19 0-16,-19 0 0,1 0 16,17 0-16,-17 0 15,-1 0 1,1 0-16,17 0 15,18 0-15,-18 0 16,36 0 0,-36 0-16,1 0 15,-1 0-15,0 0 16,-17 0-16,-1 0 16,19 0-16,-1 0 15,0 0-15,1 0 16,16 0-16,-16 0 15,-1 0-15,18 0 16,0 0-16,-18 0 16,36 0-1,-54 0-15,19 0 16,-1 0-16,18 0 16,-18 0-16,18 0 15,0 0-15,0 0 16,0 0-16,17 0 15,1 0-15,-18 0 16,17 0-16,1 0 16,35 0-1,-36 0-15,18 0 16,-17 0-16,35 0 16,-18 0-16,0 0 15,106 0 1,-123 0-16,35 0 15,-36 0-15,1 0 16,-18 0-16,0 0 16,0 0-16,-1 0 15,-16 0-15,17 0 16,0 0-16,-1 18 16,-16-18-16,-1 0 15,0 0-15,1 17 16,87-17 15,-88 0-31,18 0 0,-17 0 16,16 0-16,1 0 15,0 18-15,18-18 16,-18 0-16,0 17 16,0-17-16,-18 0 15,18 0-15,-18 0 16,0 0-16,-17 0 15,0 0 1,-1 0 0</inkml:trace>
+  <inkml:trace contextRef="#ctx0" brushRef="#br0" timeOffset="36247.9">16228 9490 0,'0'0'0,"-35"17"0,17-17 15,0 0-15,-17 18 16,17 0 0,1-18 15,17 17-31,0 1 15,0 0 1,0-1 0,0 1-16,17-18 15,-17 35-15,36-35 16,-19 18-16,1-1 16,17-17-16,-17 0 15,-1 0-15,19 0 16,-19 0-16,1 0 15,17 0-15,-17-17 16,0 17-16,-1-18 16,1 0-1,-1 1 1,-17-1-16,18 18 16,-18-35-16,0 17 15,0 1 1,0-1-16,-18 0 15,1 18 1,-1 0 0,1 0-1</inkml:trace>
+  <inkml:trace contextRef="#ctx0" brushRef="#br0" timeOffset="36760.21">16228 9790 0,'0'17'31,"0"1"-31,0 17 16,0-17-16,0-1 15,0 19-15,0-19 16</inkml:trace>
+  <inkml:trace contextRef="#ctx0" brushRef="#br0" timeOffset="37095.43">16351 9807 0,'18'0'31,"0"18"-31,-18 0 16,17-1-16,1 18 15,-18-17 1</inkml:trace>
+  <inkml:trace contextRef="#ctx0" brushRef="#br0" timeOffset="37592.22">15857 10054 0,'18'0'0,"0"-17"0,35 17 15,-1-18-15,1 0 16,18 18-16,-18-17 15,17 17-15,1 0 16,35 0 0,-36 0-16,-17 0 15,0 0-15,0 0 16,-18 0-16,-17 0 16,0 0-16,-1 0 15</inkml:trace>
+  <inkml:trace contextRef="#ctx0" brushRef="#br0" timeOffset="38096.11">16757 9119 0,'35'53'15,"-17"0"-15,17-18 16,18 1-16,-35-1 16,17 0-16,-17-17 15,-1 17-15</inkml:trace>
+  <inkml:trace contextRef="#ctx0" brushRef="#br0" timeOffset="38808.17">16598 9437 0,'18'0'16,"35"0"-16,17-18 16,160 18-1,-125 0-15,19 0 16,-54 0-16,-17 0 16,-17 0-16,-19 0 46,-34 0-14,-1 0-1,0 0-31,1 0 16,-1 18-16,0-1 15,1-17-15,-1 0 16,1 18-16,-1 0 15,-17-1-15,17 1 16,0 35-16,-17-35 16,17 17-16,-17 0 15,35-17-15,-17-1 16,17 1 0,17-36 124,1 1-140,-1-19 16</inkml:trace>
+  <inkml:trace contextRef="#ctx0" brushRef="#br0" timeOffset="39007.86">17180 9613 0,'0'0'16,"36"0"-16,34 53 15,-52-18-15,-1-35 16,19 36-16,-19-36 15,1 17-15</inkml:trace>
+  <inkml:trace contextRef="#ctx0" brushRef="#br0" timeOffset="39319.51">17392 9648 0,'18'-17'15,"-1"17"1,1 0-1,0 0 1,17-18-16,-18 18 16,1 0-16,17 0 15,-17 0 1,0-17 0,-18-1-16,17 18 15,-17-18-15,18 1 16,-18-1-16</inkml:trace>
+  <inkml:trace contextRef="#ctx0" brushRef="#br0" timeOffset="40167.26">17657 9384 0,'0'18'31,"0"17"-15,0 35-16,0 1 15,17 17-15,1-35 16,-18 0-16,0-18 16,17 18-1,-17-35 63,-17-18-46,-1 0-1,1 0-16,-19 0 1,19 0-16,-19 0 16,1 0-16,0 0 15,17 0-15,1 0 16,-1 0-16,18 17 62,0 1-62,0 0 16,0 35 0,35-53-16,-17 35 15,-1-35-15,19 18 16,-19-1-16,1-17 16,35 0-1,-35 0-15,-1 0 16,1 0-16,-1 0 15,1-17-15,0-1 16,-1-17 0,19 17-16,-19-17 15,1 17 1,-18 0 0,0 1 15,-18 17 47,1 0-62</inkml:trace>
+  <inkml:trace contextRef="#ctx0" brushRef="#br0" timeOffset="44183.31">15293 12118 0,'0'-18'94,"18"18"-94,34 0 16,72-17-16,52-1 15,18 0-15,36 18 16,34 0-16,-17 0 15,18 0-15,52 0 16,459 0 15,-582-35-31,-35 35 16,0-18-16,-71 1 16,-35 17-16,-35 0 156,17 0-141,-17 0 32,-18-18-47,17 18 16,1 0-16,0 0 16,34-17-16,1-1 15,106 0 1,-106 18-1,-18 0-15,-17 0 16</inkml:trace>
+  <inkml:trace contextRef="#ctx0" brushRef="#br0" timeOffset="45671.16">16739 12400 0,'0'-17'47,"0"34"-16,0 1-15,0-1-1,0 1-15,0 0 16,0 17 0,0 0-16,0-17 15,18 17 1,0-17-1,-1-18 1,-17 17-16,18-17 16,0 18-16,-1-18 15,1 0 1,-1 0-16,1 0 16,0 18-1,-1-18 1,1 0-16,0 0 15,-1 0 17,-17-18-32,18 0 15,-18 1 1,18-18-16,-18 17 16,17 0-16,1 1 15,-18-1-15,0 0 16,17-17-16,1 17 15,-18 1-15,0-36 16,0 35-16,0 1 16,0-1-16,0-17 15,0 17 1,0 0 0,0 1 62,0 34-63,0 1 1,0 17-16,0-17 16,0 17-16,0 1 15,0-19-15,0 1 16,0-1-16,0 1 15,0 0 64</inkml:trace>
+  <inkml:trace contextRef="#ctx0" brushRef="#br0" timeOffset="46216.15">16880 12488 0,'-17'-17'16,"34"17"-1,1-18 1,0 18-16,17-18 16,0 18-1,1 0-15,-1 0 16,0 0-16,-17 0 16,17 0-16,-17-17 15,-1 17 1</inkml:trace>
+  <inkml:trace contextRef="#ctx0" brushRef="#br0" timeOffset="46880.23">17321 12259 0,'18'18'47,"-18"17"-31,18-17-16,-18 17 16,0-17-16,0 17 15,17-18-15,-17 1 16,18 0-1,-18-1 1,0 1 47,0 0-63,0-1 31,0 1-16,0 17 1,0-17 0,0-53 109,0 17-125,-18 0 15,18-17-15</inkml:trace>
+  <inkml:trace contextRef="#ctx0" brushRef="#br0" timeOffset="47127.54">17357 12418 0,'0'0'0,"17"0"16,1 0-1,0 0-15,17 0 16,-17 0-16,-1 0 16,1 0-16</inkml:trace>
+  <inkml:trace contextRef="#ctx0" brushRef="#br0" timeOffset="47919.36">17163 12718 0,'0'0'0,"0"17"16,0 1 0,0 0-16,0-1 15,0 1 63,17-18-46,1 0 30,0 0-46,-1 0-1,1 0 1,-1 0 0,36 0-16,-17 0 15,-1 0-15,0 0 16,1 0-16,-19 0 15,18-18-15,-17 18 16,0 0-16</inkml:trace>
+  <inkml:trace contextRef="#ctx0" brushRef="#br0" timeOffset="48943.48">17762 12277 0,'-17'0'31,"-1"0"-15,18 17-16,-18-17 31,18 18-15,0 0-1,0-1 17,0 1-32,18-18 31,0 18-16,-1-18-15,1 0 16,0 0-16,-1 0 16,1 0-1,0 0 1,-1 0 0,1 0-1,-18-18 16,0 0-31,0 1 16,0-1 0,0 0-1,-18 18 17,18-17-32,-17 17 15,-1 0-15,0 0 16,18-18-1,-17 18-15,-1 0 16,0 0 0,1 0 31,-1 0-32</inkml:trace>
+  <inkml:trace contextRef="#ctx0" brushRef="#br0" timeOffset="49751.41">17586 12488 0,'18'0'63,"-1"0"-48,1 0 1,17 0-16,0 0 15,-17 0-15,17-17 16,1 17-16,-1 0 16,-17 0-16,-1 0 15,1 0 142,-1 0-126,1 0-16,0 0 1,17 0-16,-17 0 16,-1 0-1,1 0 1,0 0 0,17-18-16,-17 18 15</inkml:trace>
+  <inkml:trace contextRef="#ctx0" brushRef="#br0" timeOffset="50718.77">17833 12594 0,'0'18'16,"-18"-1"0,18 1-1,-17-18 1,17 18 0,0-1-1,17-17 1,-17 18-1,18-18 1,0 18 0,34-1-1,-34-17 1,17 0-16,-17 0 16,0 0-1,-1 0 48,-17-17-48,0-1 1,0 0 0,0 1-1,-17 17 63,-1 0-62,0 0 0,1 0-1,17-18-15,-18 18 16,0 0 78,1 0-48,-1-18-46</inkml:trace>
+  <inkml:trace contextRef="#ctx0" brushRef="#br0" timeOffset="66903.44">4604 14640 0,'0'0'0,"35"-17"0,18 17 0,35 0 15,-17 0-15,35 0 16,-18 0-16,18 0 15,-18 17-15,18 1 16,-18-18 0,35 18-1,-87-18-15,-19 0 16,1 0-16,17 0 16,0 0-16,-17 0 15,17 0-15,1 0 16,-1 0-16,18 0 15,0 0-15,0 0 16,0 0-16,-1 17 16,-16-17-16,-1 0 15,0 18-15,-17-18 16,35 0 15</inkml:trace>
+  <inkml:trace contextRef="#ctx0" brushRef="#br0" timeOffset="67895.83">6967 14605 0,'0'0'0,"18"0"15,17 0-15,1 0 16,87 0 0,-70 0-1,53 0 1,-53 0-16,-18 0 15,71 0 1,-71 0-16,18 18 16,0-1-16,0-17 15,17 0-15,-17 0 16,18 0-16,35 0 16,-36 0-16,1 18 15,70-18 1,-88 18-16,17-18 15,54 17 1,-71-17-16,0 0 16,0 0-16,-18 0 15,0 0-15,0 0 16,1 18 0,-19-18-16,19 0 0</inkml:trace>
+  <inkml:trace contextRef="#ctx0" brushRef="#br0" timeOffset="74415.12">4463 17586 0,'0'-18'187,"17"1"-171,19 17-16,-1-18 16,0 0-16,0 18 15,18 0-15,18 0 16,17-17-16,-17 17 16,-1 0-16,1 0 15,-1 0-15,36 0 16,-35 0-16,-1 0 15,1 0-15,-1 0 16,1 0-16,35 0 16,-36 0-16,1 0 15,-18 0-15,17 17 16,54-17 0,-71 0-16,0 0 15,0 0-15,-1 18 16,1-18-16,0 0 15,-17 0-15,-19 0 16,1 0-16,-1 0 625</inkml:trace>
+</inkml:ink>
+</file>
+
+<file path=ppt/ink/ink2.xml><?xml version="1.0" encoding="utf-8"?>
+<inkml:ink xmlns:inkml="http://www.w3.org/2003/InkML">
+  <inkml:definitions>
+    <inkml:context xml:id="ctx0">
+      <inkml:inkSource xml:id="inkSrc0">
+        <inkml:traceFormat>
+          <inkml:channel name="X" type="integer" max="1920" units="cm"/>
+          <inkml:channel name="Y" type="integer" max="1080" units="cm"/>
+          <inkml:channel name="T" type="integer" max="2.14748E9" units="dev"/>
+        </inkml:traceFormat>
+        <inkml:channelProperties>
+          <inkml:channelProperty channel="X" name="resolution" value="36.43264" units="1/cm"/>
+          <inkml:channelProperty channel="Y" name="resolution" value="36.48649" units="1/cm"/>
+          <inkml:channelProperty channel="T" name="resolution" value="1" units="1/dev"/>
+        </inkml:channelProperties>
+      </inkml:inkSource>
+      <inkml:timestamp xml:id="ts0" timeString="2021-04-08T06:14:12.144"/>
+    </inkml:context>
+    <inkml:brush xml:id="br0">
+      <inkml:brushProperty name="width" value="0.05292" units="cm"/>
+      <inkml:brushProperty name="height" value="0.05292" units="cm"/>
+      <inkml:brushProperty name="color" value="#FF0000"/>
+    </inkml:brush>
+  </inkml:definitions>
+  <inkml:trace contextRef="#ctx0" brushRef="#br0">5768 5098 0,'0'17'63,"0"1"-63,-18 17 15,1 36 1,-1-1 0,18 1-1,-35-1 1,17 1 0,18 0-1,-18-36 1,1 0-1,17-17 1,0 17 0,0-17-1,-18 17 1,18-17 0,0-1-1,-17 1 1,17-1-1,-18 1 1,18 0 0,0-1 124,0 1-140,-18-18 16,18 18 0,0-1-1,-17 1 1,17 0-1,0-1 17,0 1-1,0 0 94,-18-1-109,18 1-1</inkml:trace>
+  <inkml:trace contextRef="#ctx0" brushRef="#br0" timeOffset="20048.22">12100 6015 0,'18'0'47,"0"0"-31,17 0-1,88 0 1,54 0-1,-19 0 1,36 0 0,-52-18-1,-54 1 1,-53 17-16,36-36 16,17 36-1,18-17 1,52-1-1,36 0 17,-52 1-17,-37 17 1,-16-18 0,-54 18-1</inkml:trace>
+  <inkml:trace contextRef="#ctx0" brushRef="#br0" timeOffset="23296.1">12453 3792 0,'0'-17'31,"18"17"-15,-1 0-1,1 0 1,35-18-1,53 0 1,17 18 0,-17 0-1,-35 0 1,-36-17 0,-53 17 155,1 0-171,-1 0 16,0 0 47,1 0 77,-1 0-124,0 0-1,18 17 1,-17 1 0,-19 17-1,1 18 1,0 35 0,0-35-1,17 0 1,-17-17-1,35-19 1,-18 1 0,18 0 171,0-36-171,18 0-1,-1 1-15,1-1 16,0-17-16,-1-18 31,1 35-15,0 18-16,-18-18 47,17 18-32,1 0 1,70 36 0,0 17-1,0 0 1,-35-18 0,-17-17-1,-36-1 63</inkml:trace>
+  <inkml:trace contextRef="#ctx0" brushRef="#br0" timeOffset="23703.73">12823 4057 0,'0'18'15,"0"-1"1,-17 1-16,17 35 15,0-36 1,0 19 0,0-19-1</inkml:trace>
+  <inkml:trace contextRef="#ctx0" brushRef="#br0" timeOffset="24319.6">12488 4322 0,'18'0'62,"0"0"-46,17 0 0,35-18-1,36 0 1,0 1 0,-18 17-1,1 0 1,-54 0-1,-18 0-15,1 0 16</inkml:trace>
+  <inkml:trace contextRef="#ctx0" brushRef="#br0" timeOffset="25767.42">12806 4498 0,'-18'0'16,"1"0"-1,17 18 1,-36-18 0,36 17 62,0 1-63,0-1 1,0 1 0,0 0-1,0-1 1,18-17-1,0 0 1,-1 18 0,1-18-1,17 18 1,-17-18 0,17 0-1,0 0 1,1 0-1,-19 0 1,1 0 15,0 0 1,-18-18-1,17 0-16,-17 1 1,0-1 0,0 0-1,0 1 1,-17-1 15,-1 18-15,18-17-16,-18 17 15,1 0 17,-1 0-17,0 0 1,1 0 0,-1 0-1,0 0 1,1 0 15,-1 0 0,0 0-15,1 0 0</inkml:trace>
+  <inkml:trace contextRef="#ctx0" brushRef="#br0" timeOffset="29304.64">13353 3722 0,'0'35'63,"0"-17"-63,0-1 16,-18 36-16,18 18 15,0-18 1,0 0-1,0-18 1,0-17 15,0-1 1,35 1-17,1-18 1,34 0-1,-17 0 1,0 0 0,-35 0-1,-1 0 1,19 0 0,34-18-1,-17 18 1,-35-17-16</inkml:trace>
+  <inkml:trace contextRef="#ctx0" brushRef="#br0" timeOffset="29603.74">13653 4145 0,'0'0'16,"0"18"-16,-18 17 0,0 0 15,-17 18 1,17 18 15,1-54-15,-1 19 0,-17-19 15</inkml:trace>
+  <inkml:trace contextRef="#ctx0" brushRef="#br0" timeOffset="30080.48">13229 4463 0,'35'0'63,"1"-18"-63,17 0 15,52 1 1,19-1 0,35 0-1,-36 1 1,36 17-1,-71 0 1</inkml:trace>
+  <inkml:trace contextRef="#ctx0" brushRef="#br0" timeOffset="30704">13441 4533 0,'0'0'0,"-18"18"16,18-1-1,0 19 1,0-1-1,-17 18 1,17-35 0,0-1-16</inkml:trace>
+  <inkml:trace contextRef="#ctx0" brushRef="#br0" timeOffset="31992.24">13476 4551 0,'0'0'0,"0"-18"16,35 18-1,-17 0 1,17-17-1,18 17 17,-17 0-17,34 0 1,-17 0 0,-35-18-1,35 18 1,-53 18 218,0 17-234,0-18 16,0 1-1,0 17 1,-18-17 0,18 0-1,0-1 17,-18-17 77,18 18-78,-17-18-31,-1 18 31,0-18-31,1 0 16,-1 0 0,-17 0-1,17 0 1,-17 0 0,0 0-1,17 0 1,0 0-1,1 17 1,-1-17 15,0 0-15,-17 0 0,-18 0-1,36 0 1</inkml:trace>
+  <inkml:trace contextRef="#ctx0" brushRef="#br0" timeOffset="80520.36">9825 7038 0,'18'18'0,"-1"-18"15,18 17-15,36-17 16,17 18-1,18-18 17,-18 0-17,0 0 1,-52 0-16,-1 0 16,0 0-1,1 0 1,-19 0 62,1 0-62,-1 0-1,19 0-15,52 0 31,-70 0-31,-1 0 16,36 0 0,-35-18-1,-1 18 1,1-17 0,-18-1 46,18 0-46,-18 1 46,17 17-62,-17-18 31,36 18-15,-36-35 0,17 35-1,-17-18 1</inkml:trace>
+  <inkml:trace contextRef="#ctx0" brushRef="#br0" timeOffset="85016.21">18468 7267 0,'0'0'0,"18"0"16,-1 0-16,54 0 16,-18 0-1,0 0 1,-18 0-1,-17 0 17,-1 0-17,18 0 1,-17 0 0,17 0-1,-17 0-15,35-17 16,17 17-1,-34 0 1,70 0 0,-54 0-1,1 0 1,18 0 0,-36 0-1,1 0 1,-1-18 15,-18 18 0,1-18-15,0 18 0,-1 0-1,19 0 1,-19-17-1,1 17 1,0 0 0,-1 0 62</inkml:trace>
+  <inkml:trace contextRef="#ctx0" brushRef="#br0" timeOffset="131831.29">18344 7691 0,'-17'0'15,"-1"0"1,18 17 0,-17 36-1,-1-18-15,0 18 16,1 36 0,-1-37-1,18-69 95,0-36-110,18 18 15,-18-1-15,53-34 16,-18 17 15,18 18-15,-36 35-1,1 0 63,0 17-62,-18 1 0,0-1-16,0 19 15,0-19 1,0 19 0,0-19-1,-18-17 1,0 0 15,1 0-15,-1 0-1,18 18 173,18-18-188,-1 35 15,36-17 1,0 35 0,0-18-1,-35 0 1,-1-17 0,-17-36 124,0 1-124,18 17-1,0 0 1,-1 0 0,36-36-1,0 19 1,-18-1 0,1 1-1,-19 17-15,-17-36 16,0 19 15,0-1-15,-17 18-1,-1 0 17,0 0-17,1 0-15,-1 0 31,-17 0-15,17 18 0,18 17-1,0-17 1,0-1 0,0 18-1,0 1 1,18-19-1,17 1 1,0-18 0,1 0-1,-19 0 1,1 0 15,0 0-15,-1 0-16,1-18 31,0 18-31,52-53 16,-35 18-1,1-18 1,-1 36 0,-35-19-1,0 1 1,0 17-1,-18 18 32,1 0-47,-1 0 16,-17 36 0,-1 17-1,19 0 16,17-1-15,17 1 0,1-35-1,0-18 1,-1 0 15,1-18-31,0 1 16,17-36-1,-17-18 1,-18 36 0,0 17 31,-18 54-16,18-1-16,-35 35 1,17 72 0,-17-37-1,17-34 1,18-18 0,18-36-1,-1 1 1,1-18-16,17 0 15,1-70 1,16-1 0,-52 0-1,0 1 1,0 35 0,0 17 15,0 0 0,-17 36-15,-1 17-1,18 18 1,0-35-16,18 35 16,17-36-1,0-17 1,18 0-1,0-35 1,0-53 0,-18 17-1,-17 1 1,17 17 0,-35 35 15,0 36 0,0 17-15,0 71-1,0 35 1,0-35 0,36-71-1,-19-35 1,1 0-1,17-35 1,18-53 0,-18 35-16,1-35 15,-19 70 1,-17 0 0,0 36-1,0 70 16,0 18-15,18-35 0,35-19-1,17-34 1,-17-18 0,18-18-1,-18-52 1,0-71-1,-53 106 1,-18-18 0,0 35-1,1 18 1,-18 0 0,-18 71-1,0-1 16,17 1-15,36-18 0,18-1-1,17-34 1,36 0 0,-36-18-1,36-53 1,52-88-1,-17 17 1,-18-34 0,-17 34-1,-18 53 1,-71 71 46,0 0-46,1 18 0,-19 53-1,1-18-15,0 35 16,35-18 0,0-17-1,18-35 1,17 17-1,18 18 1,-18-18 0,-17-17-1,-18 35 1,0 0 0,-18-18 15,0 0-31,36-35 47,17-17-32,54-89 1,34-70 0,-17-36-1,-18-35 1,-53 71-1,-17 52 1,-18 89 0,0 17-1,0 1 1,0 34-16,-35 54 31,17 123-15,-53 17-16,36 1 31,18-18-15,17-88-1,52-71 1,-34-17 0,17-18-1,1-18 1,-1-35-1,-17 0 1,34-17 0,-52 35-1,0 17 1,-17 18 0,-18 0-1,-36 0 16,-17-18-15,0 1 0,35-1-1,35 18 17,0-18-17,18 1 79,18 17-78,17-18-16,18 0 15,0 1 1,106-1-16,0 18 31,-124 0-15</inkml:trace>
+  <inkml:trace contextRef="#ctx0" brushRef="#br0" timeOffset="141232.06">15522 6033 0,'18'0'62,"17"0"-46,0-18-16,18 18 15,106-18 1,-18 18 0,36 0-1,-19 0 1,-17 0-1,1 0 1,-54 18 0,-18 0-1,-52-18-15,0 0 32</inkml:trace>
+  <inkml:trace contextRef="#ctx0" brushRef="#br0" timeOffset="143374.23">15822 4057 0,'0'18'0,"-18"-18"16,-17 17 0,18 19-1,-19-19 1,36 1-1,0 35 1,0-36-16,36 1 16,-19 0-1,36 17 1,18-35 15,-18 0-15,-36 0-1,1 0 1,-1-53 0,19 0-1,-36 18 1,0 0 0,-18 17-1,0 0 1,1 1-1,-1 17 1</inkml:trace>
+  <inkml:trace contextRef="#ctx0" brushRef="#br0" timeOffset="143857.59">15628 4621 0,'71'0'16,"-36"-17"-1,18 17 1,17 0-16,19-18 16,105-17-1,88 17 1,-194 18 0,-53 0-1</inkml:trace>
+  <inkml:trace contextRef="#ctx0" brushRef="#br0" timeOffset="144528.17">16034 4851 0,'0'0'0,"0"17"16,-18 1 0,18 0-1,0-1-15,0 36 32,0-18-32,18-17 15,-1 0 16,19-18-15,-1 0 0,18 0-1,-18-18 1,0-35 0,-17 0-1,0 36 1,-1-36-1,-17 35 1,0-17 0,-17 17-1,-19 18 17,-16 0-32,16 0 15</inkml:trace>
+  <inkml:trace contextRef="#ctx0" brushRef="#br0" timeOffset="145056.1">16510 4163 0,'0'0'0,"35"0"0,36-18 15,17 1 16,-53 17-15</inkml:trace>
+  <inkml:trace contextRef="#ctx0" brushRef="#br0" timeOffset="145601.35">16598 4198 0,'0'0'0,"0"18"16,0 17-1,0 18 1,0 0 0,0 35-1,0-17 1,0-1-1,0-17 1,0-35 0,18-18 31,-1 0-32,1 0 1,17 0-1,54-18 1,-19-17 0,1 17-1,-36 18 1</inkml:trace>
+  <inkml:trace contextRef="#ctx0" brushRef="#br0" timeOffset="145992.04">17145 4251 0,'0'0'16,"0"35"-16,0 71 15,0-53 1,0 0 0</inkml:trace>
+  <inkml:trace contextRef="#ctx0" brushRef="#br0" timeOffset="146224.07">17180 4392 0,'18'-18'16,"0"18"0,34-17-1,-16 17 1,-19 0 0</inkml:trace>
+  <inkml:trace contextRef="#ctx0" brushRef="#br0" timeOffset="147144.35">16986 4727 0,'0'0'0,"0"18"0,0 0 15,0 17-15,0 35 16,0-34-1,0-1 1,0-17 0,0-1-1,0 1 79,18-18-78,0 0-1,17 0 1,18 0 0,17 0-1,-34 0 1,-36-18 78,0 1-79,17 17 1,-17-36-1,18-17 1,-18 0 0,0-35-1,0 53 1,0-18 0,0 35-1</inkml:trace>
+  <inkml:trace contextRef="#ctx0" brushRef="#br0" timeOffset="147815.94">17057 4815 0,'17'0'15,"19"0"1,-1 0 0,36 0-1,-36 0 1,-18 0 0</inkml:trace>
+  <inkml:trace contextRef="#ctx0" brushRef="#br0" timeOffset="149856">17974 4039 0,'0'36'0,"0"17"0,18 123 15,-18 0 16,0-17-15,-18-35 0,18-89-1,0-18 32,0-69-31,0-1-16,0-18 15,71-229 1,34 71 0,1 88-1,-35 70 1,-36 54 0,-17 17 30,-18 17-30,17 18 0,-17 54-1,0-1 1,-35-35 0,-18 0-1,-17-53 1,-1 0-1,1 0 1,52-18 0,0 18 31,36 53-16,35 0-16,0 35-15,70 53 16,-17-53 0,-53-17-1,-53-89 63</inkml:trace>
+  <inkml:trace contextRef="#ctx0" brushRef="#br0" timeOffset="150474.69">18574 4480 0,'0'0'0,"17"0"16,54 0-1,-18 0 1,0 0 0,-36-17-1,19-19 1,-36 1-1,0-18 1,0 36-16,-18-1 16,-17-17-1,-18 35 1,35 0 15,1 0-15,-1 0-1,0 35 1,-17 35 0,0 1-1,17-18 1,18 0 0,18-36-1,17 1 1,0 0-1,-17-18 1,17 0 0,-17 0-1,35-18 17,0 0-32,0 1 15,35-1 1</inkml:trace>
+  <inkml:trace contextRef="#ctx0" brushRef="#br0" timeOffset="150891.38">18927 4322 0,'0'0'0,"0"17"31,17-17 16,1 0-31,17 0-1,-17 0-15,-1 0 16,1 0 0</inkml:trace>
+  <inkml:trace contextRef="#ctx0" brushRef="#br0" timeOffset="151841.03">19209 4216 0,'-18'0'47,"-17"0"-31,0 0-16,-1 17 15,-17-17 1,18 18 0,17 0-1,1-18-15,17 17 16,0 1-1,0 0 1,0-1 0,0 1-1,0 17 17,35-35-17,-17 18 1,-1-18-1,19 0 1,-19 0 0,36 0-1,35 0 1,-70 0 0,-18 17 46,0 1-46,18-18-1,-18 35-15,0 1 16,0 34 0,-36-35-1,1 1 16,0-19-15,17-17 0,1 0-16,-1 0 15,0 0 1,1 0 0,17-17-1,0-1 1</inkml:trace>
+  <inkml:trace contextRef="#ctx0" brushRef="#br0" timeOffset="152524.84">19544 4163 0,'0'17'15,"0"54"1,0 88 0,-18-18-1,-17 0 1,35-70-1,0-54 1,0-34 47,0-36-63,0 0 15,18-36 1,17-34-1,18 0 1,0 34 0,-18 19-1,-17 70 1,-18-18 0,17 18-1,19 0 1,-1 53-1,-35 0 1,0 18 0,-35-1-1,-36-17 1,0-35 0,1-1-1,52-17 16,1 0-15,-1 0 0</inkml:trace>
+  <inkml:trace contextRef="#ctx0" brushRef="#br0" timeOffset="153108.29">20038 4357 0,'-18'0'47,"1"0"-47,-19 0 16,-34 53-1,34 0 1,19 0-1,-1-1 1,18-16 0,18-19-1,17 19 1,0-36 0,36 0 15,-53-18-31,-1 0 15,89-70 1,-53 18 0,-53-1-1,-35-17 1,-18 35 0,35 53-1</inkml:trace>
+  <inkml:trace contextRef="#ctx0" brushRef="#br0" timeOffset="153735.57">20214 4233 0,'0'0'0,"0"18"16,0 70-1,0-35-15,0 35 16,0-52-1,0 16 1,0-69 47,35-36-48,1 0-15,17-53 31,17 36-15,-17 17 0,-53 35-16,18 18 15,-1 0 17,19 0-17,-1 124 1,0 17-1,-17 0 1,-18-53 0,18-35-1,-1-35 1,1-18 31,17 0-32</inkml:trace>
+  <inkml:trace contextRef="#ctx0" brushRef="#br0" timeOffset="154527.4">21026 4304 0,'0'0'0,"-18"0"16,-35 18 0,18-1-1,-1 1 1,36-1-1,-17-17 1,17 18 0,0 0-1,53 17 17,-18-35-17,0 18-15,1-1 31,16-17-15,-16 0 0,17 0-1,-36 18 63,1-18-78,-18 35 16,0-17-16,0 17 16,-18 18-1,1-18 1,-1-17 0,0 0 15,-17-18-16,17 0 1,1 0 0</inkml:trace>
+  <inkml:trace contextRef="#ctx0" brushRef="#br0" timeOffset="155207.56">21713 4427 0,'0'0'0,"89"0"16,-1 0-1,0 0 16,-53-17-31,-17 17 16,35-18 0,-35 0-1,-1-17 1,-17 0 0,-17 0-1,-72-1 1,-16 19-1,-1 17 1,0 0 0,53 0-1,18 17 17,35 1-32,-18 0 0,18 35 31,0 35-16,0-18 1,18-17 0,35 0-1,-36-35 1,18 17 0,-17-35-1,17 0 1,18 0-1,53 0 1,-71-18 0,36 1-1,-18-19 17,-53 19-17,18-1-15</inkml:trace>
+  <inkml:trace contextRef="#ctx0" brushRef="#br0" timeOffset="191080.65">5856 16828 0,'18'0'16,"35"0"-1,211 35 1,54 0 0,-36-17-1,-106-18 1,-140 0 0</inkml:trace>
+  <inkml:trace contextRef="#ctx0" brushRef="#br0" timeOffset="191642.68">6544 16969 0,'-18'0'16,"18"17"0,-17 19-1,-36 34 1,35-17-16,-52 70 16,34-52-1,19-18 1,17-18-1,-18 1 1</inkml:trace>
+  <inkml:trace contextRef="#ctx0" brushRef="#br0" timeOffset="192192.34">7620 16704 0</inkml:trace>
+  <inkml:trace contextRef="#ctx0" brushRef="#br0" timeOffset="192535.69">7373 17092 0,'0'0'0,"-18"53"16,1 0 0,-18 17-1,-1 1 1,1 0 0,0-18 15,17-1-16</inkml:trace>
+  <inkml:trace contextRef="#ctx0" brushRef="#br0" timeOffset="193559.06">7761 17286 0,'18'0'31,"35"18"-16,88-1 1,-71-17 0,36 0-1,-18-35 1,-52 17 0,-36-17-1,0-18 1,0 18-1,-18 0 1,-35 17 0,35 18-16,-34-18 15,-19 18 1,-17 0 15,-18 18-15,35 0-1,1 35 1,17 17 0,35-17-1,1 0 1,17-35 0,0 17-1,17-17 1,54 35-1,-1-36 1,19 1 0,-19-1 15,18 1-15,1-18-1,-19 0 1,18 0-1,-17 0 1,-54-35 0,-17 17 15,18-17-31</inkml:trace>
+  <inkml:trace contextRef="#ctx0" brushRef="#br0" timeOffset="194679.28">8678 16880 0,'0'36'15,"0"-1"1,-35 71-1,17 0 1,-17-36 0,18 1-1,17-18 1,-18-36 0,18 1 109,0 0-110,0-1 1,0 1-1,0 0 1,0-1 0,0 1-1,0-36 142,0-17-142,0 0-15,18-1 16,-1 1-1,1-36 1,35 19 0,-36 34-16,1 0 15,17-17 1,18 35 0,0 0-1,18 0 1,-36 0-1,0 18 1,-17-1 0</inkml:trace>
+  <inkml:trace contextRef="#ctx0" brushRef="#br0" timeOffset="-210000.28">7620 16704 0</inkml:trace>
+  <inkml:trace contextRef="#ctx0" brushRef="#br0" timeOffset="-189552.51">3122 16775 0,'106'0'15,"53"0"-15,17 17 16,124 36-1,-106-53 1,-141 0 0,-18 18-16,-17-18 47</inkml:trace>
+  <inkml:trace contextRef="#ctx0" brushRef="#br0" timeOffset="-189203.05">3898 16933 0,'-17'36'16,"-36"17"-1,0 17 17,0 54-17,0-36 1,18 0-1,-1-53 1,36 1 0</inkml:trace>
+  <inkml:trace contextRef="#ctx0" brushRef="#br0" timeOffset="-188208.68">4339 17163 0,'-17'0'31,"17"35"-15,-18-17-16,0-1 16,18 18-1,0 1-15,0-1 16,0-17-1,0-1 1,18-17 93,17 0-93,0-53 0,1 36-1,17-19 1,-36 19 0,1 17 62,0 17-63,-18 19 1,0-1 0,17 18-1,1-35-15,-18 17 16,17-35-1,1 0 32,0 0-15,-1-35-17,1 17 1,-18 0-1,18 1 1</inkml:trace>
+  <inkml:trace contextRef="#ctx0" brushRef="#br0" timeOffset="-187095.71">4780 17357 0,'-17'0'31,"-1"17"16,18 1-32,0 0 1,0-1 0,0 19-1,18-19-15,-1 1 16,-17 17-16,53 0 15,-35-17 1,-1-18 0,1 0 15,17 0-15,-17 0-1,0 0 1,-1-18-1,1 1 1,-18-1-16,17-35 31,-17 36-15,18-19 0,-18 19-1,0-1 1,0 0-1,-18 18 1,18-17 0,-17 17-1,-1 0 1,18-18 15,-17 18-31,-1 0 47,0 0-31,1 0 15,-1 0 0,0 0-15,1 0 15,17 18-15,-18-18 124</inkml:trace>
+  <inkml:trace contextRef="#ctx0" brushRef="#br0" timeOffset="-174068.8">1094 13899 0,'53'0'0,"52"0"15,107 36 1,17-1-1,-88-17 1,-88-18 0,-17 17-1</inkml:trace>
+  <inkml:trace contextRef="#ctx0" brushRef="#br0" timeOffset="-173685.78">1623 14005 0,'0'0'0,"-18"0"16,-17 53-1,0-35-15,-18 35 16,17 35-1,1-17 1,17-1 0,-17 1-1,18-36 1</inkml:trace>
+  <inkml:trace contextRef="#ctx0" brushRef="#br0" timeOffset="-172617.39">2205 13688 0,'0'17'15,"-18"36"1,-35 36-1,0-1 1,-35 70 0,18 1-1,-19 18 1,54-107 0,18-35-1,17-17 1,0 0 78,0-1-79,0-34 95,52-36-95,37-18 1,-19 1-1,36 17 1,-53 18 0,-18 35-1,0 0-15,-17 0 32,0 0-1,-1 17-16,1 54 1,0 17 0,-18-35-1,0 17 1,0-34 0</inkml:trace>
+  <inkml:trace contextRef="#ctx0" brushRef="#br0" timeOffset="-171518.86">2487 14252 0,'0'0'0,"0"53"16,18 0-16,-18 53 15,0 17 1,-18-17 0,-17-53-1,35-35 17,0-36 30,17-17-46,1 0-1,17-1-15,-17 19 16,17-19-16,1 1 16,-1 0-1,0 35 1,-17 0 15,17 0-15,0 35-1,36 18 17,-18-35-17,-18 17 1,0-35-1,-17 0 1,0 0-16,-1 0 16,1-35-1,0 17 1,-18-35 0,0 18-1,0 0 1,-18 17-1,-17 18 17,17 0-17,-17 0 1,17 0 0,0 0-1,-34 53 1,16 35-1,1-17 1,35-1 0,0 1-1,18-18 1,-1-36 0,1 1-1,0-18 1,17 0-1,35 0 17,-52 0-32,35-35 15,-35 17 17,-18-17-17,0 17 1</inkml:trace>
+  <inkml:trace contextRef="#ctx0" brushRef="#br0" timeOffset="-170800.33">3122 14676 0,'0'0'0,"71"0"31,17 0-15,18 0-1,-18-18 1,-35 0-1,-53 1 1,0-1 0,0 0-1,-18-35 1,-35 18 0,18 0-1,17 17 1,1 18-1,-19 0 1,1 0 0,0 0 15,0 36-15,-18 16-1,17 1-15,19-17 16,-36 52-1,35 35 1,18-87 0,35 17-1,1-18 1,17-35 0,0 17-1,-18-17 1,35-17-1,-17-1 1,0-17 15,-17 0-31,-19-1 32</inkml:trace>
+  <inkml:trace contextRef="#ctx0" brushRef="#br0" timeOffset="-169071.94">2822 15311 0,'0'17'62,"0"1"-46</inkml:trace>
+  <inkml:trace contextRef="#ctx0" brushRef="#br0" timeOffset="-168641.23">2858 15258 0,'17'-18'15,"1"36"16,17-1-15,18 19 0,-35-19-1,-18 1 1,17-18 15</inkml:trace>
+  <inkml:trace contextRef="#ctx0" brushRef="#br0" timeOffset="-167599.53">2858 15275 0,'0'18'15,"0"0"1,35 70 0,-35-53-16,17 36 15,1 17 1,0 18 0,-1-18-1,-17-53 1,0 0-1,0-17 1,0 0 15,0-1-15,0 36 0,0-35-1,0 17 1,0-17-1,0-1 1,0 19 0,0-19-1,0 1 1,0 0 140,0-1-140,0 1 15,0 0-15,0-1-1,0 1-15,0-1 16,0 1 15</inkml:trace>
+  <inkml:trace contextRef="#ctx0" brushRef="#br0" timeOffset="-166672.83">2805 15328 0,'-18'0'110,"0"18"-95,1-1 1,-19 1-16,19 0 15,17-1 1</inkml:trace>
+  <inkml:trace contextRef="#ctx0" brushRef="#br0" timeOffset="-165840.81">2946 15293 0,'0'0'16,"35"18"-16,-17-18 0,17 17 16,18 18-1,0 1 1</inkml:trace>
+  <inkml:trace contextRef="#ctx0" brushRef="#br0" timeOffset="-165185.15">2928 15275 0,'-18'0'31,"1"0"-15,-1 0-1,18 18 1,-17 0 0,-1-1-1,0-17 1,1 18-1,-1-18 1,0 0 0,1 0-1,17 17 1</inkml:trace>
+  <inkml:trace contextRef="#ctx0" brushRef="#br0" timeOffset="-155192.86">2399 1058 0,'0'18'0,"0"17"16,0 89-1,18-36-15,-1 106 16,1 0-1,-1 0 1,-17-35 0,0 35 15,0-53-15,0 0-1,0-53 1,0-53-1,0-17 1</inkml:trace>
+  <inkml:trace contextRef="#ctx0" brushRef="#br0" timeOffset="-152568.7">2487 1129 0,'0'-18'31,"18"18"0,-1 0-15,72 0-1,16 0 1,1 0 0,-35 0-1,-36 0 1,18 0 0,-35 0-16,35 0 15,17 0 1,-17 0-1,-18 0 1,1 0 15,34 0-15,-35 18 0,-17-18-1,-18 18 95,0-1-110,0 1 15,0 17-15,0 36 16,0 70-1,-18-18 1,1 1 0,17-1-1,0-17 17,0-71-32,0 36 15,0-36 1,0 18-1,0 35 1,0-52 0,0 16-1,0 19 1,0 0 0,0-19-1,0 1 1,0-35 156,0 0-157,-18-18 1,18 35 0,0-17 30,-18-18-30,18 17 78,-17 1-47,17-1 0,-18-17-16,1 0-16,-1 0 1,0 0 0,1 0-1,-1 0 1,0 0 0,-17 0-1,-18 0 1,18 0-1,17 0-15,1 0 16,-1 0 0,0 0-1,1 0 1,-1 0 0,0 0-1,1 0 48,-1 0-48,1 0 1,-36 0 0,35 0-1,0 0 16,1 0-15,-1 0 15,0 0 16,1 0-16,-1 0-15,0 0 31,1 0-16,-1 0 16,1 0-31,-1 0-1,0 0 1</inkml:trace>
+  <inkml:trace contextRef="#ctx0" brushRef="#br0" timeOffset="-150696.62">3016 1834 0,'0'-17'31,"-17"17"0,-1-18-31,0 1 16,-17 17 0,0-18-1,17 18 32,1 0-16,-1 0 1,0 0-17,1 0 1,-1 0 15,0 0-15,1 0-1,-1 0 17,18 18-1,-18-18-16,1 17 1,-1 1 0,18-1 15,0 1-15,0 0-1,-18-1 1,18 1-1,0 17 1,0-17 0,0 0-1,0-1 1,0 1 0,0 17-1,0-17 1,0-1-1,0 1 1,18 0 0,0-18 15,-1 17-15,-17 1-1,18 0 1,17-18-1,-17 0 1,-18 17-16,18-17 16,-1 0-1,1 0 1,0 0 0,-1 0 15,1 0-31,-1 0 47,1 0 15,0 0-46,-1 0-1,1 0 1,-18-17 0,18-1 15,-18 0 78</inkml:trace>
+  <inkml:trace contextRef="#ctx0" brushRef="#br0" timeOffset="-149432.27">3422 1676 0,'18'0'62,"-18"-18"-46,17 18-1,19 0 1,-1-18-16,0 18 16,53 0-1,0 0 1,-35 0-16,18 0 15,17 0 17,-70 0-17,-1 0 1</inkml:trace>
+  <inkml:trace contextRef="#ctx0" brushRef="#br0" timeOffset="-148344.66">4039 1535 0,'18'0'125,"0"17"-125,-1-17 16,19 18 0,-19 0-16,36-1 31,-18 1-15,1-18-16,-19 0 15,1 0 16,0 17-15,-18 1 109,-18-18-94,18 18-31,-18-18 16,1 0 0,17 17-1,-18-17 1,-17 36-1,-1-36 1,19 17 0,-1 1-1,1-18 1,17 18-16</inkml:trace>
+  <inkml:trace contextRef="#ctx0" brushRef="#br0" timeOffset="-146209.14">4445 1058 0,'0'0'0,"0"36"16,18-1-16,-18 18 15,0 53 1,0-36-16,0 54 31,0 34-15,0-34 0,0-36-1,0-35 1,0 18-1,0-19 1,0 1 0,0 36-1,0-54 1,0 18 0,0-18-1,0 18 1,0-18-1,0 1 1,0-19 15,0 1 32,0-1-48,0 1-15</inkml:trace>
+  <inkml:trace contextRef="#ctx0" brushRef="#br0" timeOffset="-143976.65">4463 1058 0,'0'-17'31,"17"17"-16,19 0 1,16 0-16,72 0 31,52 0-15,-35 0 0,-17 0-1,-54 0 1,1 0-1,0 0 1,-18 0 0,-36 0-16,36 0 15,-35 0 1,-1 0 0,1 0 140,-18 35-141,0-17 1,0 17 0,0 71-1,0-53-15,-35 52 16,-1 54 0,19-53-1,17 0 1,-18 17-1,18-52 1,0 17 0,0-35 15,0 18-15,0 34-1,0-69 1,0 70-1,0-71 1,0 18 0,0-18-1,0-17 1,0-1 46,0 1-46,-17-18 15,17 18 16,-18-18-31,0 0-1,1 0 1,-1 0-16,0 0 16,-52 0-1,34 0 1,-16 0 0,-1 0-1,35 0-15,-17 0 16,-1 0-1,1 0 1,18 0 15,-36 0-15,35 0 0,-17 0-1,-1 0 1,-16-18-1,34 18 1,-17 0 0,17 0-1,0 0 32,18-18-47,-35 18 16,17 0-1,1 0 17,-1 0-17,0 0 17,1 0-17,-1 0 32,1 0-31</inkml:trace>
+  <inkml:trace contextRef="#ctx0" brushRef="#br0" timeOffset="-142200.37">4692 1499 0,'0'-17'16,"0"34"0,0 19-1,18 52 1,-1-35-1,1 0 1,0-18 0,-18-17 31,17-18-32,-17-18 1,35-53-1,1 54 1,-36-1-16,35-17 31,-17 0-15,-18 17 0,17 0-1,-17 54 48,18-1-48,0 0-15,-18 0 16,17 54 0,1-54-1,-18-18-15,17 1 63,1-18-48,-18-18 1,18-17 0,-1-18-1,1-17 1,0 34-16,-1 1 15,1 18 1,0-19 0</inkml:trace>
+  <inkml:trace contextRef="#ctx0" brushRef="#br0" timeOffset="-140904.5">5151 1693 0,'0'18'16,"0"0"-16,17-1 31,-17 1-31,18-18 16,-1 0 15,1 0-15,0 0 15,-1 0 0,1 0-15,-18-18-1,18 1 1,-1-1 0,-17 0-1,0 1 1,0-1 0,0 0-1,0 1 1,0-1-1,-17 18 1,-1 0 0,18-17 15,-18 17-15,1 0 15,-1 0 0,0 0-15,1 17 15,17 1-15,-35-1-1,17 1 1,0 0-1,18-1 1,-17 1 15,17 0-15,0 17 0,0-17-1,0-1 1,0 1-1,0-1 1,17-17 0,-17 18-16,18-18 15,0 0 1,-18 18 0,17-18-1,1 0 16,-1 0-15,1 0 0,0 0 15,-1 0-15,1 0-1,0 0 1,-1 0 15</inkml:trace>
+  <inkml:trace contextRef="#ctx0" brushRef="#br0" timeOffset="-139584.56">4815 2028 0,'0'18'31,"0"0"-15,0 17-16,0 53 16,-35 0-1,18-52 1,17 17-1,0-36 1,17-34 78,-17-1-79,18 0-15,-1-17 16,19 17 0,-36-17-16,35 18 15,0 17 1,-17 0 0,0 0-1,34 0 1,-34 0-1,0 0 1,-1 17 15,19 18-15,-36-17 0,17 35-1,-17-35 16,0-1-15,-17-17 0,-1 18-1,0-18 1,1 0 0,-1 0-1,-17 0 1,17 0-1,1 0 17,-1 0-17,0 0 1,1 0 0,-1 0-1,0 0 16,1 0-15,-1 0 15,18-18-31,-18 18 16,18-17 15,0-1 32</inkml:trace>
+  <inkml:trace contextRef="#ctx0" brushRef="#br0" timeOffset="-138544.53">5539 1764 0,'17'0'32,"1"0"-32,70 0 15,-17 0 1,-18 0-16,70 0 31,-35 0-15,-70 0-1</inkml:trace>
+  <inkml:trace contextRef="#ctx0" brushRef="#br0" timeOffset="-138050.45">6033 1588 0,'17'17'62,"18"-17"-62,18 53 16,0 0 0,-17 0-1,-19-18 1,-17-17-1,0-1 1,0 1 15,-35 35-15,0-35-16,-1-18 16,-17 35-16</inkml:trace>
+  <inkml:trace contextRef="#ctx0" brushRef="#br0" timeOffset="-137536.78">6403 1094 0,'18'35'62,"-18"18"-46,17 53-16,1 35 16,-18 18-16,0 35 15,0 158 1,0-52-1,0-18 17,0-176-17,0-35 1</inkml:trace>
+  <inkml:trace contextRef="#ctx0" brushRef="#br0" timeOffset="-136320.53">6403 1041 0,'212'-18'16,"-107"18"0,19 0-16,211 0 31,-35 0-15,88 0-1,-317 0 1,-19 0-16,1 0 15,-35 18 64,-18-1-64,0 19-15,0 17 16,0 105-1,35 142 1,-17-159 0,17 141-1,-35-17 1,0 0 0,-35-54-1,17-52 1,18-124-1,-17-17 32,17 0-31,-18-18-16,0 0 31,1 17-15,-1-17-1,-35 0 1,-35 0 15,-36-17-15,-52-19 0,0 19-1,52-19 1,18 19-1,89 17 1,-19 0 0,1 0-1,18 0-15,-36 0 16,-36 0 0,37 0-1,-19 17 1,53-17 15,1 0-15</inkml:trace>
+  <inkml:trace contextRef="#ctx0" brushRef="#br0" timeOffset="-135800.92">6932 1252 0,'0'141'31,"-18"-35"-31,-34 106 15,16-89 1,19-34-16,-54 52 31,71-124-15</inkml:trace>
+  <inkml:trace contextRef="#ctx0" brushRef="#br0" timeOffset="-135520.91">7038 1482 0,'212'317'31,"-107"-105"-15,-69-89 0,-19-52-1</inkml:trace>
+  <inkml:trace contextRef="#ctx0" brushRef="#br0" timeOffset="-134833.37">6844 1782 0,'18'0'15,"17"0"-15,18 0 16,70 17-1,-17-17 1,-71 0 0</inkml:trace>
+  <inkml:trace contextRef="#ctx0" brushRef="#br0" timeOffset="-134000.21">7320 1658 0,'0'0'0,"0"18"16,18-1 0,-1 1-1,1 35 1,0 0-1,-1 35 1,-17-53-16,0 18 16,0 18-1,36-1 1,-36-34 0,0-19-1,0-52 48,0 0-48,0-18 1,0-71 0,0 36-1,0 18 1,17-1-1,-17 53 1,18 18 31,0 0-47,-1 0 16,36 53-1,-18-17 1,-35-19-1,0 18 1,0 1 0,-53-19 15,18 1-15,-53-18-1,53 0-15,-1-18 16,-16 1-1,52-1 1</inkml:trace>
+  <inkml:trace contextRef="#ctx0" brushRef="#br0" timeOffset="-133184.87">7620 1729 0,'35'70'32,"-17"-35"-32,17 71 15,-35-18 1,0-35 0,0-88 77,0 0-93,0-36 16,0 18 0,0-35-1,0 0 1,18 53-1,17-18 1,-17 35 0,-1 18-16,1 0 15,0 0 1,17 0 0,18 53-1,-35 0 1,-1 0-1,-17-35 1,0-1 15,-17 1-15,-1-18 0,-17 17-1,-1-17 1,-17-17-1,0-18 1,36 35 0,-1-36-1</inkml:trace>
+  <inkml:trace contextRef="#ctx0" brushRef="#br0" timeOffset="-132561.14">8184 1834 0,'0'18'15,"18"-18"-15,35 0 16,70 0 0,-17 0-1,177 0-15,-125-18 16,125 1 15,-195 17-31,-53 0 31</inkml:trace>
+  <inkml:trace contextRef="#ctx0" brushRef="#br0" timeOffset="-131840.72">9243 1552 0,'17'0'32,"36"36"-17,36 16 1,-19 1 0,-35-35-1,-35 0 141,0-1-156,-17 19 16,-54 34 0,18 18-1,-35-17 1,0-18 0,53 0-1,-1-36 1,19 19-1</inkml:trace>
+  <inkml:trace contextRef="#ctx0" brushRef="#br0" timeOffset="-130880.33">9596 1023 0,'0'18'32,"0"17"-17,0 36-15,0 17 16,0 335-1,0-105 1,-18-19 0,0-34-1,18-124 1,0-70 0,0-36-1</inkml:trace>
+  <inkml:trace contextRef="#ctx0" brushRef="#br0" timeOffset="-128550.64">9684 1023 0,'141'-18'31,"-35"18"-31,141 0 16,17 0-1,1-35 1,-71 18 15,-35-19-15,17 19 0,-70-1-1,0 18 1,-18 0-1,-71 0 1,1 0 47,-18 35-48,0 1 1,0 34-16,0 106 15,0 124 1,0-17 15,0 34-15,-35-105 0,35-54-1,0-69-15,0 16 16,0-16-1,0-19 1,0-34 0,0-19-1,0 18 1,0-17 0,0 53-1,0-36 1,-18 35 15,1-70 0,-1 18-15,0-18 0,-17 0-1,-53 0 1,-71-18-1,-35 1 1,0-18 0,-18-1-1,89 36 1,52 0 0,54 0-16,-1 0 15,-35 0 1,0 0 15,-17 0-31,-19 0 31,54 0-15,18 0 0,-19 0-1,-17 0 1,-17 0-1,-1 0 1,54 0 47,-1 0 218,0 0-266,1 0 1,-1 0 31,0 0-31,1 18-1,-1-18-15,0 0 63,1 0-48,-1 18-15,1-18 16,-1-18 296,18 0-312,0-17 16,0-18-16,-18-70 31,18 17-15,0 70 0,0 19-1</inkml:trace>
+  <inkml:trace contextRef="#ctx0" brushRef="#br0" timeOffset="-127305.5">10037 1376 0,'0'0'0,"-18"53"16,-17 53 0,-36 35-1,53-53 1,-17-35 0,35-71 77,18-17-93,-1-18 16,36-53 0,-17 18-1,-19 35 1,19 18-1,-19-1 1,18 19 0,1-1-1,-19 18 1,36 0 0,-17 0-1,-19 0 1,18 18-1,-35-1-15,36 36 32,-1 0-17,-35 0 1,0 18 0,-18-36-1,1 0 1,-19-17-1,1 17 1,-88 1 0,70-19-1,-35-17 1,52 0 0,-17 0-1,1 18 1,-37-18 15,72 0-15,-1 0-1</inkml:trace>
+  <inkml:trace contextRef="#ctx0" brushRef="#br0" timeOffset="-125449.77">10530 1323 0,'0'53'31,"0"0"-31,0 0 16,0 0-1,0 0-15,-17 35 16,-18-18 0,35-34-1,0-54 63,17-17-62,1-1-16,-18-17 16,53-88-1,-18 71 1,-17 52-1,17-52 1,-17 70 0,-1-18 46,18 18-46,-17 18-1,35 52 1,-18-17 0,-17-18-1,-18-17-15,0 17 16,-35 1 0,-18-1-1,0-18 1,0 1 15,0-18-31,35 0 94,1 0-79,34 0 142,1 0-142,0 0 1,-1 0 0,1 0-1,35 0 1,-36 0-16,36 0 15,18 18 1,-36 17 0,-17-17-1,-1-18 1,-17 17 0,0 19-1,0-19 1,0 1-1,0 17 17,-35-17-17,-35 17 1,17 0 0,-18-17-1,1 17 1,17-35-1,35 0 17,0 0-17,1 0 1,-1 0 0,-17 0-1,35-17 1,-18-19-1,18 19 1,0-1 15,0-17-15,0 17 0,0 0 30,18 18-30,0 0-16,-18-17 16,17-1-1</inkml:trace>
+  <inkml:trace contextRef="#ctx0" brushRef="#br0" timeOffset="-110697.36">2822 3104 0</inkml:trace>
+  <inkml:trace contextRef="#ctx0" brushRef="#br0" timeOffset="-110431.84">2822 3369 0</inkml:trace>
+  <inkml:trace contextRef="#ctx0" brushRef="#br0" timeOffset="-110136.11">2805 3669 0</inkml:trace>
+  <inkml:trace contextRef="#ctx0" brushRef="#br0" timeOffset="-80953.17">4498 2469 0,'0'18'47,"0"0"-32,0-1 1,0 1 15,0 0-15,0-1 0,0 1 30,0 0 48,18-18-78,-1 0 15,1 0 16,-1 0-16</inkml:trace>
+  <inkml:trace contextRef="#ctx0" brushRef="#br0" timeOffset="3423.3">4957 3104 0</inkml:trace>
+  <inkml:trace contextRef="#ctx0" brushRef="#br0" timeOffset="3759.55">4921 3210 0,'0'18'63</inkml:trace>
+  <inkml:trace contextRef="#ctx0" brushRef="#br0" timeOffset="4663.65">4886 3493 0</inkml:trace>
+  <inkml:trace contextRef="#ctx0" brushRef="#br0" timeOffset="5375.4">7285 3246 0</inkml:trace>
+  <inkml:trace contextRef="#ctx0" brushRef="#br0" timeOffset="5604.08">7267 3457 0,'0'18'62,"0"0"-46,0-1-16</inkml:trace>
+  <inkml:trace contextRef="#ctx0" brushRef="#br0" timeOffset="5790.98">7250 3634 0</inkml:trace>
+  <inkml:trace contextRef="#ctx0" brushRef="#br0" timeOffset="6575.49">10530 3281 0</inkml:trace>
+  <inkml:trace contextRef="#ctx0" brushRef="#br0" timeOffset="6791.23">10478 3545 0,'0'18'78</inkml:trace>
+  <inkml:trace contextRef="#ctx0" brushRef="#br0" timeOffset="6982.97">10460 3739 0,'0'0'0</inkml:trace>
+  <inkml:trace contextRef="#ctx0" brushRef="#br0" timeOffset="-146841.43">2910 4798 0</inkml:trace>
+  <inkml:trace contextRef="#ctx0" brushRef="#br0" timeOffset="-146713.19">2910 4798 0</inkml:trace>
+</inkml:ink>
+</file>
+
+<file path=ppt/ink/ink20.xml><?xml version="1.0" encoding="utf-8"?>
+<inkml:ink xmlns:inkml="http://www.w3.org/2003/InkML">
+  <inkml:definitions>
+    <inkml:context xml:id="ctx0">
+      <inkml:inkSource xml:id="inkSrc0">
+        <inkml:traceFormat>
+          <inkml:channel name="X" type="integer" max="1920" units="cm"/>
+          <inkml:channel name="Y" type="integer" max="1080" units="cm"/>
+          <inkml:channel name="T" type="integer" max="2.14748E9" units="dev"/>
+        </inkml:traceFormat>
+        <inkml:channelProperties>
+          <inkml:channelProperty channel="X" name="resolution" value="36.43264" units="1/cm"/>
+          <inkml:channelProperty channel="Y" name="resolution" value="36.48649" units="1/cm"/>
+          <inkml:channelProperty channel="T" name="resolution" value="1" units="1/dev"/>
+        </inkml:channelProperties>
+      </inkml:inkSource>
+      <inkml:timestamp xml:id="ts0" timeString="2021-04-08T08:35:16.077"/>
+    </inkml:context>
+    <inkml:brush xml:id="br0">
+      <inkml:brushProperty name="width" value="0.05292" units="cm"/>
+      <inkml:brushProperty name="height" value="0.05292" units="cm"/>
+      <inkml:brushProperty name="color" value="#FF0000"/>
+    </inkml:brush>
+  </inkml:definitions>
+  <inkml:trace contextRef="#ctx0" brushRef="#br0">12665 6191 0,'0'0'0,"17"0"0,1 0 16,0 0-16,17 0 15,-17 0-15,17 0 16,0 0-16,18 0 16,0 0-16,0 0 15,0 0 1,17 0-16,-17 0 16,0 0-16,0 0 15,0 0-15,0 0 16,0 18-16,0-18 15,17 18-15,-17-18 16,0 0-16,18 0 16,-18 0-16,0 0 15,70 0 1,-70 0-16,0 0 16,53 0-1,-36 17-15,1-17 16,-1 0-16,19 0 15,16 0-15,-16 0 16,16 0-16,-16 0 16,-19 0-16,36 0 15,-35 0-15,-1 0 16,-17 0-16,18 0 16,-19 0-16,19 0 15,0 0-15,-18 0 16,-1 0-16,1 0 15,0 0 1,0 0-16,-18 0 16,1 0-16,-1 0 15,-17 0-15,-1 0 16,1 0 15,0 0-15,-1 0-1,1 0-15,17 0 16,18-17-16,0 17 16,0 0-16,0-18 15,-18 18-15,0 0 16,1 0-16,-19 0 16,19 0-16,-19 0 15,1 0 16,17 0-15,-17 0 0,-18-18 234,17 18-235,19-17 1,-19 17 46,-17-18 48,18 18-95,0 0-15,-1-18 47,1 18-15,-1 0-32</inkml:trace>
+  <inkml:trace contextRef="#ctx0" brushRef="#br0" timeOffset="13759.43">11730 7620 0,'0'0'0,"35"0"15,-17 0-15,-1 0 16,1 0 0,0 0-16,-1 0 15,1 0 48,0 0-48,-1 0 1,36 0 0,-35 0-16,-1 0 15,1 0-15,17 0 16,1 0-1,-19 0-15,1 0 0,0 0 16,-1 0-16,1 0 16,-1 0-1,1 0 1,0 0 0,-1 0-1,1 0 63,0 0-46</inkml:trace>
+  <inkml:trace contextRef="#ctx0" brushRef="#br0" timeOffset="18231.47">11571 6809 0,'18'0'15,"-1"0"1,1 0-16,0 0 15,-1 0 1,-17 17 0,36-17-16,-19 36 15,19-36-15,-1 35 16,0-18-16,0 19 16,1-36-16,-1 35 15,-17-17-15,17-18 16,-18 17-16,1 1 15,0-18-15,-1 0 32,1 0-32,0 0 15,17 0 1,-17-18-16,-1 1 16,18-19-16,-17 19 31,0-1-31,-18 0 15,17 1-15,-17-18 16,0 17 0,0 0-1,0 1 1,-17-1 0,-1 0-1,0 18-15,1 0 16,-1 0 15,1 0 0,-1 0-31,0 0 16,1 0 0,-1 18-1,0 0 1,1-1-1,17 1 17,-18-18-32,18 18 15,-18-1 1,1 1 0,-1-1-16,1 1 15,-19 0-15,36-1 16,-17 1-1,-1-18-15,0 0 32,18 18-32,-17-18 15,17 17 1,-18-17-16,0 0 16,1 0-1,17 18 1,-18-18-1,1 0-15,-1 0 16,-17 18 0,17-18-16,0 17 15,1-17-15,-1 0 16,0 0-16,1 0 109,17-17-109,0-1 16,0 0 0,0 1-16,0-1 15,0 0 1,0 1 15,0-1 16,0 0-31,0 1 30,0-1-30,0 1 15,0-1 47</inkml:trace>
+  <inkml:trace contextRef="#ctx0" brushRef="#br0" timeOffset="22535.22">16704 8378 0,'18'0'94,"-1"0"-79,19 0 1,-19 0-16,1 0 16,17 0-1,-17 0-15,-1 0 16,1 0 46,0 0-46,-1 0-16,1 0 16,0 0-16,17 0 15,-17 0-15,17 0 16,-18 0-16,19 0 16,-19 0-16,1-17 15,17 17-15,-17 0 16,0 0-16,-1 0 15,1 0 1,-1 0 15,1 0-15,0-18 0,-1 18-1,19 0 1,-19 0-16,1 0 15,17-17-15,-17 17 16,0 0 0,-1 0-16,1 0 15,-1 0 1,19 0 0,-19 0-1,19 0 1,-19 0-1,19 0-15,-19 0 32,-17-18 77,18 18-93,-1 0-1,1 0 1,0 0 0,17 0-16,-17 0 15,-1 0-15,19 0 16,-19 0-16,1 0 15,-1 0-15,19 0 16,-19 0 78,1 0-79,0 0 1,70 0 0,-70 0-1,-1 0-15,18 0 16,-17 0 0,0 0-16,17 0 0,-17 0 15,-1 0 1,1 0-1,0 0 1,-1 0 0,1 0 15,-1 0-15,1 0-1,0 0 16,-1 0 1</inkml:trace>
+  <inkml:trace contextRef="#ctx0" brushRef="#br0" timeOffset="30070.96">17304 7020 0,'0'18'0,"0"0"15,17-1 32,1 1-31,0-18-1,-1 0-15,1 0 16,0 0-16,-1 0 31,1 0-15,0 0-1,-1-18-15,-17 1 16,0-1-16,0 0 16,0-17-1,0 17 1,-17 1 0,-1 17-16,18-18 15,-18 18 16</inkml:trace>
+  <inkml:trace contextRef="#ctx0" brushRef="#br0" timeOffset="30366.71">17374 7161 0,'0'36'16,"0"-1"-16,0-17 15,0-1-15,0 1 16,0 0-16,18-1 16</inkml:trace>
+  <inkml:trace contextRef="#ctx0" brushRef="#br0" timeOffset="30646.87">17480 7232 0,'0'0'0,"0"18"0,0-1 16,0 1-16,0 17 15,0-17 1</inkml:trace>
+  <inkml:trace contextRef="#ctx0" brushRef="#br0" timeOffset="31022.37">17321 7408 0,'18'0'63,"17"0"-63,18 0 15,0-17-15,0 17 16,0-18-16,0 18 16,-35 0-16,-1 0 15,1-18 32</inkml:trace>
+  <inkml:trace contextRef="#ctx0" brushRef="#br0" timeOffset="31319.61">17692 6844 0,'0'-18'0,"17"18"16,1 18-16,0 0 15,17-1-15,-17 36 16,17-35-16,-35-1 15,18-17-15,-18 18 16</inkml:trace>
+  <inkml:trace contextRef="#ctx0" brushRef="#br0" timeOffset="32086.92">17657 6932 0,'17'-18'15,"1"18"1,-1 0-16,36 0 15,-17 0-15,-1 0 16,-17 0-16,-1 0 16,1-17-16,-18 52 125,-35 0-110,-1 71 1,19-71-16,-1 1 16,18-1-16,-18-17 15,18-1-15,0-34 110,36-1-110,-19-17 15,19-1-15,-36 19 16,17-1-16,1 18 62,-1 0-62,1 18 16,-18-1 0,18 1-16,-1 0 15</inkml:trace>
+  <inkml:trace contextRef="#ctx0" brushRef="#br0" timeOffset="32327.61">17921 7003 0,'18'-18'32,"-1"18"-17,1 0-15,0 0 16,-1 0-1,-17-18 1,0 1 0</inkml:trace>
+  <inkml:trace contextRef="#ctx0" brushRef="#br0" timeOffset="33198.87">18045 6844 0,'17'0'47,"-17"18"-47,0-1 15,0 18-15,18 1 16,-18 17-16,18-18 15,-18 0-15,0-17 16,0-1-16,0 19 16,17-36-16,-17 17 47,0 1-1,-17-18-30,17 18-16,-18-18 16,0 0-1,1 0 1,-1 17 0,0-17-1,1 0 1,-1 0-1,0 0 17,18 18-32,-17-18 31,17 18-31,0-1 16,0 1-1,0 0 1,0-1-1,17 1 1,1-18 0,0 0-1,-1 0 1,1 0 0,0 0-1,-1-18 16,-17 1-15,0-1 0,0 0-1,0 1-15,0-1 32,-17 0-1</inkml:trace>
+  <inkml:trace contextRef="#ctx0" brushRef="#br0" timeOffset="33935.46">18186 6862 0,'17'0'16,"1"0"0,17 0-16,1 0 15,-1 0-15,-18 0 16,1 0-16,0 0 15,-18 17 95,0 1-110,0 17 15,-18 0 1,18 1-16,-18 17 16,1-36-16,-1 1 15,18 17-15,-17-35 16,17 18-16</inkml:trace>
+  <inkml:trace contextRef="#ctx0" brushRef="#br0" timeOffset="34350.72">18468 6773 0,'0'36'31,"18"-1"-15,-1 0-16,-17 0 15,0 18-15,0-17 16,18-19-16,-18 1 16,0 17-16,17-35 93</inkml:trace>
+  <inkml:trace contextRef="#ctx0" brushRef="#br0" timeOffset="34574.58">18538 7003 0,'18'-18'31,"0"18"-15,-1 0-1,1 0-15</inkml:trace>
+  <inkml:trace contextRef="#ctx0" brushRef="#br0" timeOffset="34974.64">18362 7161 0,'0'18'15,"0"0"1,0-1-16,0 1 16,0 17-16,0-17 15,0 0-15,0-1 16</inkml:trace>
+  <inkml:trace contextRef="#ctx0" brushRef="#br0" timeOffset="35671.31">18362 7197 0,'18'0'32,"-18"-18"-17,17 18-15,19 0 16,-19 0-1,1 0-15,0 0 16,17 0-16,-18 0 16,1 0-16,17 0 15,18 0 1,-53 18 78,0-1-79,0 1 1,0 0-16,0-1 16,0 1-1,0 0 1,-17-18-16,17 17 15,-18-17 17,18 18-32,-18-18 15,1 0 1,-1 17 0,-17-17-1,17 0-15,1 0 16,-19 0-16,19 0 15,-1 18-15,-17-18 16</inkml:trace>
+  <inkml:trace contextRef="#ctx0" brushRef="#br0" timeOffset="36191.58">18733 6791 0,'0'-18'47,"35"18"-32,-18 0-15,1 0 16,0 0 0</inkml:trace>
+  <inkml:trace contextRef="#ctx0" brushRef="#br0" timeOffset="36568.1">18821 6773 0,'-18'36'16,"18"-19"-16,0 19 15,0-1-15,0-18 16,0 72-1,0-72-15,0 1 16,0 0-16,0-1 16</inkml:trace>
+  <inkml:trace contextRef="#ctx0" brushRef="#br0" timeOffset="36854.65">18856 6985 0,'18'0'15,"-1"0"1,-17 18 0,53 52-1,-18-17-15,-17-35 16,-18-1-16,18 1 15</inkml:trace>
+  <inkml:trace contextRef="#ctx0" brushRef="#br0" timeOffset="37214.61">19138 6826 0,'0'-17'16,"0"52"15,0 0-31,18 18 16,-18 0-16,0-18 16,17 1-16,-17-1 15,0 0 1,0-17-16,0-1 15,0 1 1</inkml:trace>
+  <inkml:trace contextRef="#ctx0" brushRef="#br0" timeOffset="178486.4">14975 10989 0,'-17'0'94,"-1"0"-94,1 0 16,-1 0-1,0 0 17,1 0-17,-1 0 110,18 18-109,0-1-1,0 1 1,0 0 0,18-18 15,-1 0-31,1 0 78,0 0-62,-1 0-1,1 0 1,-1 0 0,1 0 15,-18 17 47,0 1-62,0 0-1,0-1 16,-18 1 48,1-18-64,17 17 1,-18-17-16,1 0 31,-1 18-15,0-18-1,1 0 1,-1 0 78</inkml:trace>
+  <inkml:trace contextRef="#ctx0" brushRef="#br0" timeOffset="179255.27">15169 10971 0,'18'18'94,"-18"0"-94,18-18 15,-18 17-15,0 1 16</inkml:trace>
+  <inkml:trace contextRef="#ctx0" brushRef="#br0" timeOffset="179894.86">15328 10989 0,'0'18'63,"-17"-18"-63,17 17 16,-18-17-1,18 36-15,-18-19 16,1 1-16,-1 17 15,0-17-15,1-1 16,-1 1-16,18 0 16,-18-18-16</inkml:trace>
+</inkml:ink>
+</file>
+
+<file path=ppt/ink/ink21.xml><?xml version="1.0" encoding="utf-8"?>
+<inkml:ink xmlns:inkml="http://www.w3.org/2003/InkML">
+  <inkml:definitions>
+    <inkml:context xml:id="ctx0">
+      <inkml:inkSource xml:id="inkSrc0">
+        <inkml:traceFormat>
+          <inkml:channel name="X" type="integer" max="1920" units="cm"/>
+          <inkml:channel name="Y" type="integer" max="1080" units="cm"/>
+          <inkml:channel name="T" type="integer" max="2.14748E9" units="dev"/>
+        </inkml:traceFormat>
+        <inkml:channelProperties>
+          <inkml:channelProperty channel="X" name="resolution" value="36.43264" units="1/cm"/>
+          <inkml:channelProperty channel="Y" name="resolution" value="36.48649" units="1/cm"/>
+          <inkml:channelProperty channel="T" name="resolution" value="1" units="1/dev"/>
+        </inkml:channelProperties>
+      </inkml:inkSource>
+      <inkml:timestamp xml:id="ts0" timeString="2021-04-08T08:36:47.804"/>
+    </inkml:context>
+    <inkml:brush xml:id="br0">
+      <inkml:brushProperty name="width" value="0.05292" units="cm"/>
+      <inkml:brushProperty name="height" value="0.05292" units="cm"/>
+      <inkml:brushProperty name="color" value="#FF0000"/>
+    </inkml:brush>
+  </inkml:definitions>
+  <inkml:trace contextRef="#ctx0" brushRef="#br0">6438 8502 0,'18'0'31,"17"0"1,-17 0-32,-1 0 15,19 0-15,17-18 16,0 18-16,-1 0 15,1-17-15,0 17 16,0 0-16,0 0 16,0 0-16,18 0 15,17 0-15,-18 0 16,1 0-16,-1 0 16,1 0-16,35 0 15,-18 17-15,18-17 16,-36 18-16,1-18 15,-18 0-15,17 0 16,-17 0-16,-17 18 16,-1-18-1,18 0-15,-18 0 0,-17 0 16,-1 0 0,19 0-16,-1 0 15,0 0-15,-17 0 16,17 0-16,89 17 31,-89-17-31,-17 0 16,-1 0-16,18 0 15,-17 0-15,0 0 16,17 0-16,-17 0 16,17 0-1</inkml:trace>
+</inkml:ink>
+</file>
+
+<file path=ppt/ink/ink22.xml><?xml version="1.0" encoding="utf-8"?>
+<inkml:ink xmlns:inkml="http://www.w3.org/2003/InkML">
+  <inkml:definitions>
+    <inkml:context xml:id="ctx0">
+      <inkml:inkSource xml:id="inkSrc0">
+        <inkml:traceFormat>
+          <inkml:channel name="X" type="integer" max="1920" units="cm"/>
+          <inkml:channel name="Y" type="integer" max="1080" units="cm"/>
+          <inkml:channel name="T" type="integer" max="2.14748E9" units="dev"/>
+        </inkml:traceFormat>
+        <inkml:channelProperties>
+          <inkml:channelProperty channel="X" name="resolution" value="36.43264" units="1/cm"/>
+          <inkml:channelProperty channel="Y" name="resolution" value="36.48649" units="1/cm"/>
+          <inkml:channelProperty channel="T" name="resolution" value="1" units="1/dev"/>
+        </inkml:channelProperties>
+      </inkml:inkSource>
+      <inkml:timestamp xml:id="ts0" timeString="2021-04-08T09:15:52.091"/>
+    </inkml:context>
+    <inkml:brush xml:id="br0">
+      <inkml:brushProperty name="width" value="0.05292" units="cm"/>
+      <inkml:brushProperty name="height" value="0.05292" units="cm"/>
+      <inkml:brushProperty name="color" value="#FF0000"/>
+    </inkml:brush>
+  </inkml:definitions>
+  <inkml:trace contextRef="#ctx0" brushRef="#br0">5362 10654 0,'0'0'0,"71"0"0,52 0 16,71 0-1,-17 0 1,-54 0 0,-52 0-1,-36 0 1,0 0 0,18 0-16,18-18 15,140-17 1,89-18-1,124 0 1,-177 0 15,17 18-15,-87 0 0,-19-1-1,36-17 1,-17 36-1,-54-1 1,-35 1 0,1-1-1,-54 0 1,0 1 0,-17 17-1,-36 0 95,0 0-110,-17 0 15,-53 17 1,17-17-1,-17 0 1,18 0 0,-1 0-1,36 0 1,0 0 0,17 0-1,-17 0 1,17-17-1,0 17 1,1-18 0,-1 18-1,0 0 17,1 0-17,17-18 1,-18 18-16,1 0 15,-36 0 1,17-17 0,1-1-1,17 18 1,1 0 0,-18 0-1,17-18 1,0 18 171</inkml:trace>
+</inkml:ink>
+</file>
+
+<file path=ppt/ink/ink23.xml><?xml version="1.0" encoding="utf-8"?>
+<inkml:ink xmlns:inkml="http://www.w3.org/2003/InkML">
+  <inkml:definitions>
+    <inkml:context xml:id="ctx0">
+      <inkml:inkSource xml:id="inkSrc0">
+        <inkml:traceFormat>
+          <inkml:channel name="X" type="integer" max="1920" units="cm"/>
+          <inkml:channel name="Y" type="integer" max="1080" units="cm"/>
+          <inkml:channel name="T" type="integer" max="2.14748E9" units="dev"/>
+        </inkml:traceFormat>
+        <inkml:channelProperties>
+          <inkml:channelProperty channel="X" name="resolution" value="36.43264" units="1/cm"/>
+          <inkml:channelProperty channel="Y" name="resolution" value="36.48649" units="1/cm"/>
+          <inkml:channelProperty channel="T" name="resolution" value="1" units="1/dev"/>
+        </inkml:channelProperties>
+      </inkml:inkSource>
+      <inkml:timestamp xml:id="ts0" timeString="2021-04-08T09:08:40.140"/>
+    </inkml:context>
+    <inkml:brush xml:id="br0">
+      <inkml:brushProperty name="width" value="0.05292" units="cm"/>
+      <inkml:brushProperty name="height" value="0.05292" units="cm"/>
+      <inkml:brushProperty name="color" value="#FF0000"/>
+    </inkml:brush>
+  </inkml:definitions>
+  <inkml:trace contextRef="#ctx0" brushRef="#br0">8484 5486 0,'0'0'0,"-158"0"16,-36-53-1,-36-71 1,36-17 0,71-18-1,87 18 1,19 36 0,17 52-16,35 0 15,53-36 1,300 19 15,-88 70-15,-35 70-1,-106 36 1,-107-35 0,-34 17-1,-53 36 1,-71-1-1,35-35 1,-17-35 0,71-53 46</inkml:trace>
+  <inkml:trace contextRef="#ctx0" brushRef="#br0" timeOffset="62128.86">12541 11994 0,'18'-17'31,"17"17"-31,89-18 16,-19 18 0,90 0-1,51 0 1,1 35 15,36-17-15,-72 0-16,-34-18 31,-124 0-15,-36 0-1,1 0-15,17 0 16,0 17 0,1-17 15</inkml:trace>
+  <inkml:trace contextRef="#ctx0" brushRef="#br0" timeOffset="152336.51">19085 11254 0,'-17'0'15,"34"-18"1,1 18 0,17-18-1,53 1 1,106-1 0,-17 18-1,17-18 1,-53 1-1,-18-1 1,-17 18 0,-18 0-1,71 0 1,-18 0 15,-52 0-31,-19 0 16,36 0-1,-36 0 1,-52 0 140,0 0-156,-1 0 16,54 18 0,-36-1-1,0-17-15,1 18 16,-36 0-1</inkml:trace>
+</inkml:ink>
+</file>
+
+<file path=ppt/ink/ink24.xml><?xml version="1.0" encoding="utf-8"?>
+<inkml:ink xmlns:inkml="http://www.w3.org/2003/InkML">
+  <inkml:definitions>
+    <inkml:context xml:id="ctx0">
+      <inkml:inkSource xml:id="inkSrc0">
+        <inkml:traceFormat>
+          <inkml:channel name="X" type="integer" max="1920" units="cm"/>
+          <inkml:channel name="Y" type="integer" max="1080" units="cm"/>
+          <inkml:channel name="T" type="integer" max="2.14748E9" units="dev"/>
+        </inkml:traceFormat>
+        <inkml:channelProperties>
+          <inkml:channelProperty channel="X" name="resolution" value="36.43264" units="1/cm"/>
+          <inkml:channelProperty channel="Y" name="resolution" value="36.48649" units="1/cm"/>
+          <inkml:channelProperty channel="T" name="resolution" value="1" units="1/dev"/>
+        </inkml:channelProperties>
+      </inkml:inkSource>
+      <inkml:timestamp xml:id="ts0" timeString="2021-04-08T09:17:51.367"/>
+    </inkml:context>
+    <inkml:brush xml:id="br0">
+      <inkml:brushProperty name="width" value="0.05292" units="cm"/>
+      <inkml:brushProperty name="height" value="0.05292" units="cm"/>
+      <inkml:brushProperty name="color" value="#FF0000"/>
+    </inkml:brush>
+  </inkml:definitions>
+  <inkml:trace contextRef="#ctx0" brushRef="#br0">11994 15699 0,'0'0'0,"0"35"0,-35 0 16,18 18 0,-36 18-1,17 17 1,19-18-1,-1-52-15,0 17 16,18-17 0,-17 17-1,17-17 1,-18 0 0,18-1-1,-17 1 1,17-1 15,0 1 0,0 17-15,0-17 0,17 17-1,1-17-15,35 52 16,17 1-1,-17 17 1,0-17 0,-18-1-1,-17-34 1,0-36 0</inkml:trace>
+  <inkml:trace contextRef="#ctx0" brushRef="#br0" timeOffset="38091.51">6033 2275 0,'0'53'15,"0"18"1,0-1 0,0 19-1,0-19 16,0-35-15,0 1 0,0-19-16</inkml:trace>
+  <inkml:trace contextRef="#ctx0" brushRef="#br0" timeOffset="39132.19">6050 2205 0,'35'-35'31,"-17"35"-31,35 0 15,88 0 1,0 0 0,53 0-1,-106 0-15,106 0 16,-70 0 0,-54 0 15,-70 17 47,0 1-62,0 17-16,0 0 15,-17 1-15,17 17 16,-18 52-1,1-16 1,-1-36-16,0 35 16,18-53-1,0-17 1,-17-1 31,-1 1-32,-17-18 1,-1 18 0,1-1-16,0-17 15,17 0-15,-70 0 16,18 0 0,-1-17-1,-17-1 1,17 18-1,1 0 1,-36-35 0,18 17-1,-1 18 1,37 0 0,-1 0-1,35 0 32</inkml:trace>
+  <inkml:trace contextRef="#ctx0" brushRef="#br0" timeOffset="40401.86">5186 1076 0,'-18'0'15,"18"18"1,-35 35 0,0-18-1,17 18 1,18 0-1,0-18 1,35 35 0,18-17-1,-18-35 1,1 0 0,-19-18-1,19 0 1,-1 0-1,-17-18 1,17-35 0,-35 0-1,0 0 1,0 0 0,0 36-1,-18-1 1,1 18-1</inkml:trace>
+  <inkml:trace contextRef="#ctx0" brushRef="#br0" timeOffset="40868.1">5415 1446 0,'0'0'0,"35"36"0,18 17 16,18 0 0,17 17-1,0 1 1,18 17 0,-18-35 15,-35 0-16,-17-18 1,-19-17 0,1-1-16,-1 1 15,1-1 1,35 36 0,-53-35 15</inkml:trace>
+  <inkml:trace contextRef="#ctx0" brushRef="#br0" timeOffset="41669.43">5115 2187 0,'-17'0'16,"-1"0"0,0 18-1,1 0 1,-1-1 0,18 1-1,0-1 1,0 1-1,0 17 1,35-17-16,-17 0 16,53 52-1,-36-52 1,0-1 0,0-17 15,-17 0-16,0 0 1,17 0 0,-17-35-1,-1-35 1,-17-1 0,0 36-16,0-36 15,-17 54 16,17-1-31,-18 18 16,0 0 0</inkml:trace>
+  <inkml:trace contextRef="#ctx0" brushRef="#br0" timeOffset="42036.63">5380 2275 0,'0'0'0,"53"18"15,35 0 1,18-1 0,0-17-1,-18 0 1,-53 0 15,0 0-15,1 0-1</inkml:trace>
+  <inkml:trace contextRef="#ctx0" brushRef="#br0" timeOffset="43067.52">5203 2981 0,'0'18'15,"-17"-18"1,-1 0 0,1 17-1,17 1 16,-18-18-15,18 18 0,-18-1-1,1 1 1,17 17 0,0-17-1,17 17 16,1-17-15,0-1 0,-1 1-1,1-18 1,-1 0 0,1 0-1,17 0 1,-17 0 15,-18-18 0,18 1-31,-18-19 16,0 1 0,0 0-1,-18 0 16,-17 17-15,35 0-16,-18 18 31</inkml:trace>
+  <inkml:trace contextRef="#ctx0" brushRef="#br0" timeOffset="43893.43">5256 3052 0,'18'0'31,"0"0"16,-1 0-32,19 0 1,-19 0-16,1 0 16,35-36-1,-18 36-15,53-35 16,-52 17 0,16-17-1,-16 17 16,-19 1-15,1-1 0,0 1-1,17-1 1,0 0 0,0 1-1,-17 17 1,0-18-1,17 18 1,-17-18 0,-1 18-1,1 0 1,-18-17 62,18 17-62,-1-18-1,1 18 1</inkml:trace>
+  <inkml:trace contextRef="#ctx0" brushRef="#br0" timeOffset="46468.78">8026 1817 0,'-18'0'16,"0"0"-1,-34 0 1,34 17 0,-17 1-1,35 0 1,0 17-1,0 18 1,17 0 0,19-36-1,16 1 1,1 17 0,-17-35-1,17 0 16,-36 0-15,18 0 0,1-17-1,-19-1 1,1 0 0,0-17-1,-18 0 1,0 17-1,0 1 1,0-1-16,-18 0 16,0 18-1,-52 0 1,35 0 0</inkml:trace>
+  <inkml:trace contextRef="#ctx0" brushRef="#br0" timeOffset="46968.16">7885 2117 0,'-18'17'15,"-17"-17"16,17 18-15,-70 17 0,0-17-1,52-18-15,-69 35 16,16-17 0,19-1-1,-18 1 1,17 0-1,36-18 1,-1 17 0,19-17-1</inkml:trace>
+  <inkml:trace contextRef="#ctx0" brushRef="#br0" timeOffset="48002.4">7902 2469 0,'-17'0'31,"17"18"-15,0 0-1,0-1 1,0 36-1,0-17 1,17-1 0,1-18-1,17-17 1,-17 0 0,-1 0-1,1 0 16,17 0-15,-17 0 0,0 0-1,-18-17-15,0-1 16,17-35 0,-17 18-1,0-18 1,0 35-1,0 1 1,0-1 0,-17 18-1,-19-17 17,-17-1-17,18 18 1,18 0-16</inkml:trace>
+  <inkml:trace contextRef="#ctx0" brushRef="#br0" timeOffset="48669.38">7902 2575 0,'-17'0'62,"-19"0"-62,-52 0 16,-18-17 0,-17-1-1,52-17 16,1 17-15,52 18 0,-17 0-1,35-18 1,-18 18 0,1 0 15,-1 0 16</inkml:trace>
+  <inkml:trace contextRef="#ctx0" brushRef="#br0" timeOffset="49669.28">7849 2963 0,'-17'18'32,"-1"-18"-1,18 18-15,0-1 30,-18-17-30,18 18-16,0 0 16,0-1-1,0 18 1,0-17 0,0 0-1,36 17 1,-19-17-1,19-1 1,-19-17 0,1 0-1,0 0 17,-1 0-17,1-17 1,-18-1-1,0 0 1,17-35 0,1 1-1,-18 16 1,-18-17 0,18 36-16,-35-1 15,18 0 1,-54 1-1,53 17 1,1 0 0</inkml:trace>
+  <inkml:trace contextRef="#ctx0" brushRef="#br0" timeOffset="50372.46">7814 3052 0,'0'17'32,"-18"-17"-17,1 0 1,-19 0-1,1-35 1,-53-36 0,35 36-1,0 0 1,0 0 0,36 35-1,-1-18 1,0 18-1,1-18 1,-1 1 0,-17-1-1,0 0-15,-1 1 32,1-1-17,17 18 48,1-18-48</inkml:trace>
+  <inkml:trace contextRef="#ctx0" brushRef="#br0" timeOffset="51076.21">7285 2505 0,'-18'0'31,"1"0"-15,-1 0 15,0 0-31,-17 0 16,17 0-1,-17 0 1,0 0 0,17 0 15,1 0-16</inkml:trace>
+  <inkml:trace contextRef="#ctx0" brushRef="#br0" timeOffset="51611.56">7073 2734 0,'-17'0'31,"-19"0"-16,19 0 1,-19-18 0,19 18-1,-1-17 1</inkml:trace>
+  <inkml:trace contextRef="#ctx0" brushRef="#br0" timeOffset="57955.66">5027 3404 0,'0'0'0,"-18"0"0,1 0 16,-1 0-1,-17 0-15,17-35 16,-140-88 0,16-1-1,72 36 1,-1-18-1,36 36 1,0-19 0,17 1-1,18 18 1,-18-19 15,18-16-15,0 16-1,0-52 1,0 53 0,0-18-1,36 0 1,-19 1 0,1 16-1,17-34 1,1 17-1,-19 18 1,18 17 0,-17 18-1,17 18 1,1-35 15,17 34-15,-18-17-1,35-17 1,1 17 0,35 18-1,-36-1 1,-17 1 0,0 17-1,0 18 1,-18 0-1,18 0 1,0 0 0,18 36-1,-1-36 1,-17 17 0,-35 1 15,0 0-16,17-1 1,18 36 0,-18 0-1,-17 18 1,17-1 0,-17 54-1,-18-54 1,0 18-1,0 1 1,0-19 0,0 1-1,0-1 1,0 1 15,0-18-15,0 17-1,0 1 1,0-18 0,0 17-1,0 1 1,0-1 0,0-17-1,0 18 1,0-36-1,0 0 1,0 1 0,-18-1-1,18 18 1,-18 17 0,1-34 15,-1 17-16,18-18 1,0-17 0,-18-1-1,1 19 1,-1-1 0,0-18-1,18 1 1,-17 0-1,-1-1 1,1 1 0,-1 0-1,0 17 1,-17 0 15,17-17-15,1 17-1,-1-17 1,0-1 0,1 1-1,17 0 1,-18-18 0,18 35-1,-35-35 1,17 18-1,1-1 17,-1-17-17,0 18-15,1-1 16,-1-17 0,0 18-1,1-18 32,-1 18-31,0-18-1,1 0 1,-1 0 0,18 17-1,-17-17 16,17 18-15,-18-18 0,0 0-1,1 18 1,-1-18 0,0 0 15,1 17-16,-1-17 17,0 0-17,18 18 1,-17-18 0,-1 18-1,-17-18 1</inkml:trace>
+  <inkml:trace contextRef="#ctx0" brushRef="#br0" timeOffset="60316.17">7849 3598 0,'-35'-17'93,"35"-1"-77,-35-17-16,-1-18 16,1 18-1,18-1 1,-19 1 15,1-18-15,0 0-1,-1 0 1,1-17 0,18-1-1,-1 54-15,0-36 16,18 17 0,0 1-1,-17-18 1,-1 0-1,18-17 1,0-36 0,0 0-1,0 18 17,0 35-32,0-35 15,0 35 1,0-35-1,18-1 1,-1-69 0,19 69-1,-19 1 1,18 18 0,1 34-1,-19-16 1,19-1-1,-1 0 1,18 17 0,0-17-1,-18 36 1,18-1 0,18-17 15,-36 17-16,35 18 1,-17 0 0,18 0-1,-18 0 1,17 53 0,-17 0-1,0-18 1,0 36-1,0 17 1,18 18 0,-19 17-1,1-17 1,-17-18 15,-19 18-15,-17 0-1,0 35 1,0-17 0,0-18-1,0-36 1,0 18 0,-35-17-1,17-1 1,-52 54-1,17-36 1,35-53 0,1 18 15,-19-35-31,19 0 16,-1 34 15,0-16-16,-35-19 1,18 19 0,18-19-1,-1 1 1,0 0 0,1-18-1,-1 17 1,-17 19-1,17-36 1,0 17 0,1-17 15,17 18-15,-35-18-1,17 17 16,0 1-15,-17-18 0,17 18-1,1-18 1,-1 17 0,0-17-1,1 0 1,-1 0-1,1 18 1,-1 0 0,0-18-16,1 0 15,-1 17 17,0-17 61</inkml:trace>
+  <inkml:trace contextRef="#ctx0" brushRef="#br0" timeOffset="67859.59">5274 1129 0,'0'-18'32,"18"18"46,-1 18-16,-17 0-46,0-1-1,0 1 17,0-1 15,0 1-16,18-18-31,-18 18 15</inkml:trace>
+  <inkml:trace contextRef="#ctx0" brushRef="#br0" timeOffset="146524.28">14940 13723 0,'0'0'0,"0"-18"0,-17 18 15,-19-35 1,19 18 0,-19-36-1,19 0 1,-1 17 0,18 1-1,0-18 1,0 18-1,0-36 1,0 54-16,35-54 16,36 18-1,-1 0 17,19 36-17,-36 17 1,-1 0-1,-16 0 1,17 17 0,35 36-1,-35 18 1,0 70 0,-53-106-1,0 89 1,-36-54-1,-52-17 1,0 0 15,0-35-15,-18-1 0,35-17-1,19 0 1</inkml:trace>
+  <inkml:trace contextRef="#ctx0" brushRef="#br0" timeOffset="148021.35">15593 11606 0,'0'0'0,"0"-17"16,0-19 0,17-16-1,19-19 1,-1 71 0,0-53-1,53 0 1,-52 36-1,34-19 1,-17 19 15,-35 17-15,-1 0 0,1 0-1,35 0 1,-18 35-1,18 0 1,-17-17-16,-19-1 16,-17 1-1,18 17 1,-18 1 0,17 17-1,1-18 1,-18 18-1,0-18 17,-18 18-17,-17 0 1,-18 0 0,18-36-1,0 1 1,-1 0-1,-34-1 1,17-17 0,-18 0-1,36 0 1,-18 0 0,18-17-1,0-36 1,17 0-1,-17 0 1,35-35 15,0 35-31,0 0 16,0-53 0,0 53-1,0 36 1</inkml:trace>
+</inkml:ink>
+</file>
+
+<file path=ppt/ink/ink25.xml><?xml version="1.0" encoding="utf-8"?>
+<inkml:ink xmlns:inkml="http://www.w3.org/2003/InkML">
+  <inkml:definitions>
+    <inkml:context xml:id="ctx0">
+      <inkml:inkSource xml:id="inkSrc0">
+        <inkml:traceFormat>
+          <inkml:channel name="X" type="integer" max="1920" units="cm"/>
+          <inkml:channel name="Y" type="integer" max="1080" units="cm"/>
+          <inkml:channel name="T" type="integer" max="2.14748E9" units="dev"/>
+        </inkml:traceFormat>
+        <inkml:channelProperties>
+          <inkml:channelProperty channel="X" name="resolution" value="36.43264" units="1/cm"/>
+          <inkml:channelProperty channel="Y" name="resolution" value="36.48649" units="1/cm"/>
+          <inkml:channelProperty channel="T" name="resolution" value="1" units="1/dev"/>
+        </inkml:channelProperties>
+      </inkml:inkSource>
+      <inkml:timestamp xml:id="ts0" timeString="2021-04-08T09:08:44.924"/>
+    </inkml:context>
+    <inkml:brush xml:id="br0">
+      <inkml:brushProperty name="width" value="0.05292" units="cm"/>
+      <inkml:brushProperty name="height" value="0.05292" units="cm"/>
+      <inkml:brushProperty name="color" value="#FF0000"/>
+    </inkml:brush>
+  </inkml:definitions>
+  <inkml:trace contextRef="#ctx0" brushRef="#br0">18803 1905 0,'0'-18'16,"53"18"15,0 0-31,0 0 16,88 0-1,0 0 17,141 0-17,-105 0 1,17 0 0,17 0-1,19 0 1,-54 0-1,-123 0 1,-18 0 0,-17 0-1,0 0 1</inkml:trace>
+  <inkml:trace contextRef="#ctx0" brushRef="#br0" timeOffset="19680.07">15752 4763 0,'17'0'15,"1"0"1,-1 0 31,1 0-32,0 0 1,-1 0 0,1 0-16,53 0 15,-36 0 1,35 0 0,-34 0-1,17 0 1,17 0 15,36 0-15,0 0-1,-71 0-15,36 0 16,-36 0 0,-17 0-1</inkml:trace>
+  <inkml:trace contextRef="#ctx0" brushRef="#br0" timeOffset="21039.28">18433 4745 0,'17'0'16,"1"0"0,35 0-1,35 0 1,-17 0-16,34 0 15,-16 0 1,-19 0 0,-17 0-1,-18 0 1,1 0 15,-1 0-31,0 0 16,-17 0 15,35 0-15,-18 0-1,0 0 1,-17 0 0,0 0-1,-1 0 1,1-18 171,0 18-171,-1 0 0,18 0-16,-17 0 15,0 0 48</inkml:trace>
+  <inkml:trace contextRef="#ctx0" brushRef="#br0" timeOffset="41893.97">12012 1182 0,'0'17'250,"0"1"-234,0 0-16,-18 35 16,-17 17-1,0 1 1,-18-1 0,35 1-1,-17-18 1,0 53-1,17-1 1,-35 72 15,36-107-31,-19 19 16,-34 175 0,17-52-1,18-36 1,-1 1-1,19-36 1,-19 35 0,19 53-1,17 1 1,0-36 0,0 35-1,53 71 1,-18-124-1,0 1 17,0-19-17,-17 19 1,17 35 0,1-1-1,-1-70 1,0 36-1,1-54 1,-1 1 0,0-19-1,18 54 1,-18-71 0,-17 1-1,17-19 1,-17 1-1,-1-1 1,1 1 15,17 17-15,-17-17 0,17-1-1,1-17 1,-36-35-1</inkml:trace>
+  <inkml:trace contextRef="#ctx0" brushRef="#br0" timeOffset="43359">14411 4639 0,'-35'18'32,"17"-18"-17,-35 53 1,0 0 0,36-18-16,-36 18 15,17 35 16,1-35-31,17 0 32,1 17-17,-1-17 1,18 35 0,-17 1-1,17 16 1,0 37-1,0-37 1,0 72 0,0-71-1,17-36 1,18 18 0,-17 1-1,0-19 1,35 1-1,-36-36 1,1 18 15,17 0-15,18 0 0,0 0-1,-18 0 1,1-36-1,-19 1 1,19 17 0,-1-17-1,0-1 1,0 1 0,-17 0-1,0-1 48,-1 1-48,1 0 1,17-1 0,-17 1-1</inkml:trace>
+</inkml:ink>
+</file>
+
+<file path=ppt/ink/ink26.xml><?xml version="1.0" encoding="utf-8"?>
+<inkml:ink xmlns:inkml="http://www.w3.org/2003/InkML">
+  <inkml:definitions>
+    <inkml:context xml:id="ctx0">
+      <inkml:inkSource xml:id="inkSrc0">
+        <inkml:traceFormat>
+          <inkml:channel name="X" type="integer" max="1920" units="cm"/>
+          <inkml:channel name="Y" type="integer" max="1080" units="cm"/>
+          <inkml:channel name="T" type="integer" max="2.14748E9" units="dev"/>
+        </inkml:traceFormat>
+        <inkml:channelProperties>
+          <inkml:channelProperty channel="X" name="resolution" value="36.43264" units="1/cm"/>
+          <inkml:channelProperty channel="Y" name="resolution" value="36.48649" units="1/cm"/>
+          <inkml:channelProperty channel="T" name="resolution" value="1" units="1/dev"/>
+        </inkml:channelProperties>
+      </inkml:inkSource>
+      <inkml:timestamp xml:id="ts0" timeString="2021-04-08T09:22:50.914"/>
+    </inkml:context>
+    <inkml:brush xml:id="br0">
+      <inkml:brushProperty name="width" value="0.05292" units="cm"/>
+      <inkml:brushProperty name="height" value="0.05292" units="cm"/>
+      <inkml:brushProperty name="color" value="#FF0000"/>
+    </inkml:brush>
+  </inkml:definitions>
+  <inkml:trace contextRef="#ctx0" brushRef="#br0">10548 3387 0,'-18'17'16,"1"1"-16,-1-18 16,-17 18-1,0 17 1,17-17 0,18-1 15,0 1 16,18-18-32,35 17 1,17 1-16,159 0 16,18 17-1,-53 0 1,-141-17-1</inkml:trace>
+  <inkml:trace contextRef="#ctx0" brushRef="#br0" timeOffset="345.32">10954 3440 0,'-36'194'31,"19"-124"-31,17 18 16,-18 1-16,18 34 15,-17-35 16</inkml:trace>
+</inkml:ink>
+</file>
+
+<file path=ppt/ink/ink27.xml><?xml version="1.0" encoding="utf-8"?>
+<inkml:ink xmlns:inkml="http://www.w3.org/2003/InkML">
+  <inkml:definitions>
+    <inkml:context xml:id="ctx0">
+      <inkml:inkSource xml:id="inkSrc0">
+        <inkml:traceFormat>
+          <inkml:channel name="X" type="integer" max="1920" units="cm"/>
+          <inkml:channel name="Y" type="integer" max="1080" units="cm"/>
+          <inkml:channel name="T" type="integer" max="2.14748E9" units="dev"/>
+        </inkml:traceFormat>
+        <inkml:channelProperties>
+          <inkml:channelProperty channel="X" name="resolution" value="36.43264" units="1/cm"/>
+          <inkml:channelProperty channel="Y" name="resolution" value="36.48649" units="1/cm"/>
+          <inkml:channelProperty channel="T" name="resolution" value="1" units="1/dev"/>
+        </inkml:channelProperties>
+      </inkml:inkSource>
+      <inkml:timestamp xml:id="ts0" timeString="2021-04-08T09:11:39.723"/>
+    </inkml:context>
+    <inkml:brush xml:id="br0">
+      <inkml:brushProperty name="width" value="0.05292" units="cm"/>
+      <inkml:brushProperty name="height" value="0.05292" units="cm"/>
+      <inkml:brushProperty name="color" value="#FF0000"/>
+    </inkml:brush>
+  </inkml:definitions>
+  <inkml:trace contextRef="#ctx0" brushRef="#br0">11201 1182 0,'17'0'16,"72"0"-1,87 35 1,106 0 0,53 1-1,-35-1 1,-106 0 0,-106-35-1,-52 0 1,-19 0 46</inkml:trace>
+  <inkml:trace contextRef="#ctx0" brushRef="#br0" timeOffset="43366.92">2575 953 0,'0'-18'31,"0"0"-15,18-35 0,17 18-1,18-36 1,71-17-1,52 0 1,-35 53 0,-53 35-1,-17 0 1,-54 0 15,-17 35 0,0 0-31,-17 71 32,-54 53-32,-52 35 31,-36-35-15,0-36-1,-17-17 1,35-18-1,88-52 1,0-1 0,18-18-1,35 1 1,-18-18 46,18-18-46,18-17-16,35 0 16,35-18-16,88-53 31,54 18-15,-72 70-1,-105 18-15,0 0 16,18 0-1,-1 18 1,-52 0 0,-1 17-1,1 0 1,0-17 0,-1 17-1,19-35 1,-1 0-1,18 0 17,0 0-17,-18 0 1,-17 0 0,-1-18-16</inkml:trace>
+  <inkml:trace contextRef="#ctx0" brushRef="#br0" timeOffset="51927.63">8396 9031 0,'18'0'47,"35"-18"-32,0 18 1,123-17 0,18 17-1,18 0 1,-71 0-16,88 0 16,18 17-1,0 1 1,-18 0-1,-17-18 17,0 0-17,-18 0 1,-18 0 0,18 17-1,71 1 1,-142-18-1,-52 0 1,-36 0 0,18 18-1,-18-18 1,53 17 0,-35 1-1,0-18 1,0 0-1,18 0 17,-18 0-17,-36 0 110,1 0-109,17 0 0,0-18-16,18 1 15,159-19 1,-124 19-1,141-36 1,-158 35-16,53-17 31,-107 35 63,1 0-78,-1 0-1,1 0-15,0 0 16,17-18 0,0 18-1,-17 0 1,0 0-1,-1 0 17,1 0-17,35 0 1,17 0 0</inkml:trace>
+  <inkml:trace contextRef="#ctx0" brushRef="#br0" timeOffset="66217.41">6279 10918 0,'18'0'31,"0"0"-16,-1 0 1,1 0 0,-18-17-1,18 17 1,-1 0-16,1 0 16,0 0-1,34 0 1,-16 0-1,34 0 1,-52 0 0,0 0-1</inkml:trace>
+  <inkml:trace contextRef="#ctx0" brushRef="#br0" timeOffset="72487.99">7003 9507 0,'0'-17'32,"-18"17"15,0 0-16,18 17-16,-17 1 1,-1 0 0,-17-1-1,35 1 32,0 0-31,-18-18-16,18 17 15,-17 1 1,-1-1 15,0 1-15,18 0-16,-17 35 31,-1-36-15,0 19-1,18-19 1,0 19 0,0-1-1,0-18 1,0 1 0,0 0-1,0-1 1,0 1-1,0 0 1,0-1 0,0 1 15,0 0-15,0-1-1,0 1 1,0-1-1,0 1 1,0 0 0,18-1-1,-18 1 17,0 0-1,18-1 0,-18 1-15,17-18-1,-17 18 1,18-18 0,0 0 15,-18 17-16,0 1 1,17-18 0,-17 17-1,18-17-15,-1 0 47,-17 18-47,18-18 16,0 0 15,-18 18-15,17-18 46,-17 17-46,18-17 15,0 0 188,-1 0-188</inkml:trace>
+  <inkml:trace contextRef="#ctx0" brushRef="#br0" timeOffset="77287.73">6526 11695 0,'18'0'172,"0"0"-157,-1 0 1,1 0-1,0 0 1,-1 0 0,1 0-1,0 0 1,-1 0-16</inkml:trace>
+  <inkml:trace contextRef="#ctx0" brushRef="#br0" timeOffset="80559.6">5609 10707 0,'0'0'0,"0"123"16,0 18-16,0 1 15,-35 157 1,35-34-1,0-124 1,0-70 0,0-54-16,0 1 15,0 0 1,0 17 0,18-35 171,-1 0-171,18 0-16,107 0 15,34 0 1,53 0 0,53 0-1,-35-18 1,-53 18-1,-88 0 1,-35 0 15,-1 0-15,19 0 0,-36 0-16,105-17 15,-17 17 1,18 0-1,-88 0 1,-54 0 0,1 0 31,0 0-32,-1 0-15,1 0 16</inkml:trace>
+  <inkml:trace contextRef="#ctx0" brushRef="#br0" timeOffset="87400.88">11007 12559 0,'17'0'78,"19"0"-78,-19 0 16,1 0 0,0 0-1,34 0 1,-16 0-16,105 0 15,70 0 1,36-35 0,0 17-1,-106 0 1,-52 18 0,-54 0-1,-17 0 48,52 0-48,-35 18 1,18 17-16,53-17 16,-35 0-1,-18-18 1,17 0-1,18 0 1,18-18 0,-18 18-1,-17 0 1,-36 18 0,-17-18-1,17 17 1,53 36 15,36-53-15,52 35-1,1 1 1,-72-36 0,-34 17-1,-36-17 1,18 0-1,-18 0 1,36 0 0,17 18-1,-70-18 1,52 0 0,1 0 15,35 0-31,70-18 31,-52 18-15,-36 0-1,-18 0 1,-34 0 0,17 0-1,0 0 1,-1 0-1,72 18 1,-1-18 0,71 0-1,18-71 1,17 1 0,-87 35-1,-37 17 1,-52 18-1,0 0 17,35 0-17,36 0 1,70 35 0,-18-17-1,-123-18 1,-35 0-1,35 0 1,35 0 0,71-18-1,-1-35 1,-34 18 15,-71 17-31,-36 18 63,19 0-48,34 0 1,-52 0 0,0 0 15</inkml:trace>
+  <inkml:trace contextRef="#ctx0" brushRef="#br0" timeOffset="103719.57">6985 13018 0,'0'-18'15,"0"0"1,0 1-1,0-1 1,18-17 0,-1-18-1,1 0 1,17 18 0,-35 17-1,18-17 16,-1 35-31,1-36 16,35 19 0,0-19-1,-18 1 1,36 18 0,-18 17-1,0 0 1,-18 0-1,18 0 1,-18 0 0,0 0-1,1 0 1,34 17 0,-70 1-1,53 17 16,-35-17-15,17 17 0,-17 0-1,-18-17 1,17 0 0,-17-1-1,0 1 1,0-1-1,0 36 1,0-17 0,0-19-1,0 36 1,0-35 0,-17 0-1,-1-1 16,0 1-15,1-1 0,-1 19-1,0-19 1,1 1 0,-1-18-1,1 18 1,17-1-1,-18-17 1,0 0 0,1 0-1,-1 18 1,0-18 15,1 0-15,-1 18 15,0-18-15,1 0-1,-1 0 1,1 0 0,-1 0-1,0 17 1,1-17-1,-1 0 48,0 0-47,-17 0-1,17 0-15,1 0 16,-1 0-16,-17 0 31,17 0-15,1 0-16,-19 0 15,19 0 1,-1 0 0,0-17-1,1 17 1,-19-18-1,19 0 1,-1 1 0,1-1 15,-1 0-15,0 1 15,18-1-16,0 0 1,-17 18 0,17-17-1,0-1 1,0 1 0,0-1-1,0 0 1,0 1-1,0-1 1</inkml:trace>
+  <inkml:trace contextRef="#ctx0" brushRef="#br0" timeOffset="107776.87">5168 12594 0,'-17'0'16,"-1"0"-1,0 0 17,1 0-17,-1 18 1,-17-1-1,17 1 1,0 0 0,18-1-1,18 1 1,-18 0-16,18-18 16,-1 17 15,36-17-16,0 0 1,-35 0 0,17 0-1,-17 0 1,-1-17 0,-17-1-1,0 0 1,0 1-1,0-1 1,-17 0 0,-19 18-1,19 0 32,-1 0-16</inkml:trace>
+  <inkml:trace contextRef="#ctx0" brushRef="#br0" timeOffset="108159.19">4904 12929 0,'17'0'31,"1"0"-31,17 0 16,36 0-1,105 0 1,71 0 0</inkml:trace>
+  <inkml:trace contextRef="#ctx0" brushRef="#br0" timeOffset="108799.57">5098 13141 0,'-18'35'31,"18"-17"-31,0 0 31,35-18 0,18 35-31,-18-35 32,-17 0-17,17 0 1,1 0 0,-1 0-1,-35-18 1,0 1-1,0-19 1,0 19 0,0-1-16,-18 18 15,1-18 1,-1 18 0,0 0 15</inkml:trace>
+  <inkml:trace contextRef="#ctx0" brushRef="#br0" timeOffset="109296.26">5433 12647 0,'53'0'15,"17"0"1,18 0 0,-70 0-1</inkml:trace>
+  <inkml:trace contextRef="#ctx0" brushRef="#br0" timeOffset="109735.55">5521 12682 0,'0'0'0,"0"18"16,-18 0 15,1 17-31,17 35 15,0-34 17,0-19-17,35-17 48,0 0-48,1 0-15,-1 0 16,18 0 0,-36-17-1,-17-1 1</inkml:trace>
+  <inkml:trace contextRef="#ctx0" brushRef="#br0" timeOffset="110056.73">5768 12629 0,'0'0'0,"0"36"0,0 52 15,0-18 1,0-52 0</inkml:trace>
+  <inkml:trace contextRef="#ctx0" brushRef="#br0" timeOffset="110271.54">5891 12753 0,'0'0'0,"36"0"32</inkml:trace>
+  <inkml:trace contextRef="#ctx0" brushRef="#br0" timeOffset="111231.96">5697 12947 0,'0'18'0,"-17"-1"16,17 36 0,0-35-1,-18 17 1,18 0 0,0-17-1,0 0 32,18-18-16,-1 0-15,1 0 0,0 0-1,17 0 1,-17 0-16,17 0 15,-18 0 32,-17-18-31,18 0 0,0-35-1,-18 18 1,0-35-1,0 34 17,0 19-1,0-1-15</inkml:trace>
+  <inkml:trace contextRef="#ctx0" brushRef="#br0" timeOffset="111688.28">5715 13000 0,'0'18'15,"18"-18"1,-1 0 0,19 0-1,-1 0 1</inkml:trace>
+  <inkml:trace contextRef="#ctx0" brushRef="#br0" timeOffset="112602.74">5980 12647 0,'-36'0'16,"19"18"15,-1-18-31,18 17 16,0 1 0,0 0-1,0-1 16,0 1-15,18 0 0,-1-18-1,1 0 1,-18 17 0,35-17-1,-17 0 1,0 0 15,-1 0-15,1-17-1,-18-1 1,17-17 0,-17 17-1,0 0 1,0 1 15,0-1-15,-17 18 15</inkml:trace>
+  <inkml:trace contextRef="#ctx0" brushRef="#br0" timeOffset="112983.81">6244 12488 0,'18'71'31,"-18"-36"-31,0 36 16,0-36-1,0 53 1,0-53 0,0-17-1</inkml:trace>
+  <inkml:trace contextRef="#ctx0" brushRef="#br0" timeOffset="113831.57">6068 12982 0,'17'0'63,"1"0"-48,35 0 1,-18 0 0,1 0-1,-19 0 16,-17 18-15,0 0 0,0-1-1,0 1 1,-17-18 0,-1 17-1,-17-17 1,17 0-1,0 0 1,1 18 0,-1 0 15,0-18 0,18 17-31,-17-17 16,17 18-1,0 0 1,0-1 15,17-17-15,-17 18-16,18-18 31,0 0-15,-1 0-1,1 0 1</inkml:trace>
+  <inkml:trace contextRef="#ctx0" brushRef="#br0" timeOffset="114319.04">6209 13018 0,'0'0'0,"18"0"16,-1-18 0,18 18-1,18-18 1,-17 18 0,-19 0-1,1 0 16,0 0 1,-1 0-32,-17 18 15,0 0 1,18 17 0,-18 0-1,0 0 1,0-17 15</inkml:trace>
+  <inkml:trace contextRef="#ctx0" brushRef="#br0" timeOffset="114903.79">6579 12718 0,'18'0'31,"0"0"-31,-1 0 16,1 0-1,0 0 1,-18 35 0,0-17-1,0 17 1,0 18 15,-18 17-15,0-17-1,1-17 1,17-19 0,0 1-1,-18-1-15</inkml:trace>
+  <inkml:trace contextRef="#ctx0" brushRef="#br0" timeOffset="115302.37">6826 12665 0,'0'17'31,"18"19"-31,-18-1 16,0 35-1,0 36 1,0-53 0,0-17-1,0-1 1</inkml:trace>
+  <inkml:trace contextRef="#ctx0" brushRef="#br0" timeOffset="117518.75">5750 14252 0,'-17'0'94,"-1"0"-63,0 0-15,18 18 0,0 0-1,0-1 1,0 1 0,36-18-1,-19 17 1,1-17 15,0 0-15,-1 0-1,1 0 17,-1 0-1,-17-17-31,18-1 31,0 1-15,-18-1-1,0 0 1,0 1 0,-18-1 15,18 0-16,-18 18-15,1 0 32,-1 0-17,1 0-15,-1 0 16,0 0 15</inkml:trace>
+  <inkml:trace contextRef="#ctx0" brushRef="#br0" timeOffset="117872.03">5750 14376 0,'0'17'15,"-17"1"1,-1 17 15,18 18-15,0-35-1,0-1 1,0 1 0</inkml:trace>
+  <inkml:trace contextRef="#ctx0" brushRef="#br0" timeOffset="118369.11">5821 14376 0,'17'0'31,"-17"35"-15,0-17 0,0 17-16,0 0 15,0-17 1</inkml:trace>
+  <inkml:trace contextRef="#ctx0" brushRef="#br0" timeOffset="119048">5627 14587 0,'17'0'62,"1"0"-46,0 0-16,52 0 16,18 0-1,-52 0 1,-19 0 0</inkml:trace>
+  <inkml:trace contextRef="#ctx0" brushRef="#br0" timeOffset="119552.45">5997 14005 0,'18'0'31,"0"18"-15,-18 0-1,0-1 1,0 1-1,0-1 1,0 1 0</inkml:trace>
+  <inkml:trace contextRef="#ctx0" brushRef="#br0" timeOffset="120236.01">5927 14146 0,'106'0'15,"-71"0"1,0 0 0,0 0-1,-35 18 126,0 0-141,-17-1 15,-19 1 1,-34 70 0,-36 18-1,71-88-15,17 17 16,0-17 0,36-54 93,17 19-93,-17-1-16</inkml:trace>
+  <inkml:trace contextRef="#ctx0" brushRef="#br0" timeOffset="120519.83">6015 14340 0,'0'0'0,"0"18"16,35-18-1,-35 18 1,0-1-1,18-17 1,-18 36 0</inkml:trace>
+  <inkml:trace contextRef="#ctx0" brushRef="#br0" timeOffset="120836.83">6138 14323 0,'0'0'0,"18"-18"0,17 18 16,-17 0-1,0-17 48,-1 17-48,-17-18-15</inkml:trace>
+  <inkml:trace contextRef="#ctx0" brushRef="#br0" timeOffset="122039.94">6315 14058 0,'0'53'16,"0"-18"0,0 36-1,0-36-15,-18 53 16,18-52 0,0-19-1,0 1 95,0 0-95,-18-1 1,1 1 31,-1-18-16,1 0-31,-1 0 16,0 0-1,1 0 48,-1 18-48,0-1 1,18 1-16,0-1 16,0 1-1,18-18 48,0 0-48,-18 18-15,17-18 16,1 0 0,0 0 15,-1 0-31,1 0 15,-1 0 1,1 0 0,0 0-1,-1 0 1,-17-18 15,0 0-15,0 1-1,0-1 1,0 1 0</inkml:trace>
+  <inkml:trace contextRef="#ctx0" brushRef="#br0" timeOffset="123986.03">7726 14676 0,'-18'0'0,"-17"0"15,17 0-15,1 0 16,-72 0-1,37-18 1,-1 0 0,0 1-1,0-1 1,18-17 0,17 17 15,0 0-16,-35-34 1,36 16 0,-19-17-1,36 18 17,0 0-17,-17 17-15,17-35 16,0 0-1,0 18 1,0 17 0,17 1-1,1-1 1,0 0 0,17-17-1,0 18 1,1 17 15,16-36-15,1 36-1,0 0 1,-17-17 0,-19 17-1,18 0 1,36 0-1,0 17 1,-1-17 0,-52 18-1,-1 0 1,1-18 0,17 17-1,18 54 1,0-18 15,-35-18-15,-18-17-1,0 17 1,0 0 0,0 0-1,0 1 1,0 17-1,-18 0 1,-17-1 0,17-34-1,1 0 1,-1-1 0,-17 1 15,-1 17-16,-52-35 1,18 18 0,34-18-1,1 0 1,17 0 109,1 0-109,-1 0-16</inkml:trace>
+  <inkml:trace contextRef="#ctx0" brushRef="#br0" timeOffset="127587.08">6438 14146 0,'0'18'16,"-17"17"-1,17-17-15,-18 17 16,18 1 15,0-19-15,0 1-1,0-1 17,0 1-17,18-18 32,-1 0-16,1 0-15,-1-18 0,-17 1-1,18 17 1,17-18-1,-17-17 1,-18 17 0,0 1-1,18 17 1</inkml:trace>
+  <inkml:trace contextRef="#ctx0" brushRef="#br0" timeOffset="127887.57">6597 14076 0,'0'17'31,"-18"19"-16,18-19 1,-17 19 0,-1-19-1,18 19 1,-18-19 0</inkml:trace>
+  <inkml:trace contextRef="#ctx0" brushRef="#br0" timeOffset="128288.68">6403 14270 0,'18'0'47,"-1"0"-32,1 0 48,-1 0-16</inkml:trace>
+  <inkml:trace contextRef="#ctx0" brushRef="#br0" timeOffset="128960.02">6491 14411 0,'0'18'16,"0"-1"0,-18 1-1,18 0-15,-17-18 63,-1 0-32,1 0-15,34 0 124,1-18-124,-1 18-1,1 0 1,0 0 0,-1 0-1,19 0 1,-19 0 0,19 0-1,-19 0 1,1-18 46</inkml:trace>
+  <inkml:trace contextRef="#ctx0" brushRef="#br0" timeOffset="129481.5">6720 14199 0,'-17'53'16,"17"-17"-1,0-19 1,0 1-1,0-1 1,0 1 0,0 0 15,0-1 0,17-17 32,1 0-48,-18-17 1,18-36 0</inkml:trace>
+  <inkml:trace contextRef="#ctx0" brushRef="#br0" timeOffset="130305.17">6826 14164 0,'0'0'0,"0"18"0,0 17 15,0 0 1,0 1-1,0-19 1,0-34 203,18 17-204,-18-18-15,18-17 16,-18 17 0,0 0 31,17 18-32,1-17 1,-18-1 15,17 0-15,-17 1-1,0 34 63,0 1-62,0 35-16,0-18 16,0 18-1,18 0 1,-18-35 0,0-36 62</inkml:trace>
+  <inkml:trace contextRef="#ctx0" brushRef="#br0" timeOffset="130832.03">7020 14164 0,'18'0'31,"0"0"31,-18 18-62,0-1 16,0 1 0,0 0-1,0-1 1,0 1-1,0 0 1,0-1 0,0 1-16,-18-1 31,0-17-15,18 18-1</inkml:trace>
+  <inkml:trace contextRef="#ctx0" brushRef="#br0" timeOffset="131328.43">7091 14076 0,'0'17'47,"0"1"-47,0 17 15,0 1 1,0 17 0,0-18-1,0 18 1,0-18 0,0-17-1,0-1 1</inkml:trace>
+  <inkml:trace contextRef="#ctx0" brushRef="#br0" timeOffset="-193961.18">7073 15275 0,'-17'0'16,"-1"0"0,0 0-1,1 0 1,-1 18-1,-17 0 1,17 17 0,-35 0-1,0 0 1,18-17 0,0 0-1,-1 17 1,19-17-1,34-18 142,1 17-142,0 1-15,-1-18 16,36 35 0,-35-17-16,17-1 15,0 19 1,-17-19-1,0 19 1</inkml:trace>
+  <inkml:trace contextRef="#ctx0" brushRef="#br0" timeOffset="-186495.79">10989 15434 0,'35'0'79,"36"0"-79,-1 0 15,142 0 1,-88 0-1,158 0 1,141 18 0,-246-1-1,-107-17 1,-17 0 0,0 0-1,-18 0 1,0 0-1,1 0 1,-1 0 0</inkml:trace>
+  <inkml:trace contextRef="#ctx0" brushRef="#br0" timeOffset="-185657.09">11007 16087 0,'17'0'31,"19"0"-31,-1-18 16,88 0-1,-17 1-15,159-1 16,-36 0-1,18 18 1,-106 0 0,-35 0-1,-18 0 17,0 0-17,-35 0 1,0 0-1</inkml:trace>
+  <inkml:trace contextRef="#ctx0" brushRef="#br0" timeOffset="-104320.66">15558 15099 0,'17'0'31,"18"0"-15,1 0-1,52 18-15,35 17 16,-34 0 15,-89-17-15,17-18 0,-17 17-1,-17 1 1,-19 35-1,-34 17 1,-71 19 0,0 17-1,52-36 1,72-52-16,-19 17 16,36-17 30</inkml:trace>
+  <inkml:trace contextRef="#ctx0" brushRef="#br0" timeOffset="-103841.11">16387 14993 0,'-36'159'15,"-52"-36"1,18-17 0,34-35-1</inkml:trace>
+  <inkml:trace contextRef="#ctx0" brushRef="#br0" timeOffset="-103570.95">16245 15293 0,'53'0'32,"-35"18"-17,17 17 1,-17 0 0,0-17-1</inkml:trace>
+  <inkml:trace contextRef="#ctx0" brushRef="#br0" timeOffset="-103320.98">16439 15240 0,'0'0'0,"36"0"16,17-18 0,0 18-1,-36-17 16</inkml:trace>
+  <inkml:trace contextRef="#ctx0" brushRef="#br0" timeOffset="-103001.27">16651 14993 0,'0'18'31,"0"17"-15,0 0-16,0 36 15,0 17 1,0-17-1,0-36 17,0 0-17,0-17 1</inkml:trace>
+  <inkml:trace contextRef="#ctx0" brushRef="#br0" timeOffset="-102392.61">16845 15099 0,'0'35'32,"0"0"-32,0 36 15,0-18 1,0-18 0,0-17 46,18-18-31,-1 0-15,19 0 0,-19 0-1,19 0 1,-19 0 46,1 0-46,-18-18 0</inkml:trace>
+  <inkml:trace contextRef="#ctx0" brushRef="#br0" timeOffset="-102081.17">17110 15064 0,'0'0'0,"-18"105"15,18-69 1,0-1-16,0 36 16</inkml:trace>
+  <inkml:trace contextRef="#ctx0" brushRef="#br0" timeOffset="-101632.84">16916 15311 0,'0'-18'47,"35"0"-16,0 18-16,36 0 1,-1 0 0,-34 0-1</inkml:trace>
+  <inkml:trace contextRef="#ctx0" brushRef="#br0" timeOffset="-101208.45">17145 15258 0,'18'0'16,"-1"0"0,19-18-1,-19 18 1,18 0 0</inkml:trace>
+  <inkml:trace contextRef="#ctx0" brushRef="#br0" timeOffset="-100837.52">17339 14958 0,'0'17'15,"0"19"1,0 17-1,0 52 1,-18-52-16,18 53 16,0-35-1,0-1 1,0-52 0,0 0-1</inkml:trace>
+  <inkml:trace contextRef="#ctx0" brushRef="#br0" timeOffset="-92552.62">17621 15134 0,'0'0'0,"0"18"31,0-1-15,0 1 0,18-18 31,0 0-32,-1 0 1,18 0-1,-17 0 1,0 0 0,-18-35-1,0 17 1,0 1 0,-18 17 15,0 0-16,1 0 1,-1 0-16,1 0 31</inkml:trace>
+  <inkml:trace contextRef="#ctx0" brushRef="#br0" timeOffset="-92072.93">17674 15293 0,'18'0'62,"-1"0"-62,19 0 16,17 0-16,35 0 16,-53 0-1,0 0 1</inkml:trace>
+  <inkml:trace contextRef="#ctx0" brushRef="#br0" timeOffset="-91433.04">17780 15452 0,'0'17'16,"0"1"-1,0 0 17,18-18-17,-1 17 1,1 1-1,17-18 1,-17 0 0,-1 0-1,-17-18 1,0 1 0,0-1-1,0 0 1,0 1-1,0-1 1,-17 18 47,-1 0-32,1 0-31,-1 0 15,0 0 1</inkml:trace>
+  <inkml:trace contextRef="#ctx0" brushRef="#br0" timeOffset="-90888.45">18045 15099 0,'0'0'0,"35"0"15,0 0 1,-17 0 0</inkml:trace>
+  <inkml:trace contextRef="#ctx0" brushRef="#br0" timeOffset="-90384.61">18062 15099 0,'-17'0'31,"17"18"-31,0-1 16,-18 36-1,18-35 1,0-1 0,0 19-1,0-19 63,18-17-46,17 0-17,-17 0-15,-1 0 16,1 0-1,-1-17 64</inkml:trace>
+  <inkml:trace contextRef="#ctx0" brushRef="#br0" timeOffset="-90024.29">18327 15028 0,'0'71'16,"0"-36"-16,0 36 16,0-18-1,0 0 1</inkml:trace>
+  <inkml:trace contextRef="#ctx0" brushRef="#br0" timeOffset="-89785.01">18380 15187 0,'0'0'0,"17"0"15,1 0 1,0 0-1,-1 0 1,1 0 15</inkml:trace>
+  <inkml:trace contextRef="#ctx0" brushRef="#br0" timeOffset="-89121.25">18168 15328 0,'0'18'16,"0"-1"-1,0 1 1,0 17 0,0-17-1,0 17 1,0 1 0,0-19-1,0 1-15,0 0 63,18-18-48,-1 0 1,1 0 15,17 0-31,-17 0 16</inkml:trace>
+  <inkml:trace contextRef="#ctx0" brushRef="#br0" timeOffset="-88803.79">18327 15328 0,'0'18'0,"0"17"16,0 18 0,0-18-1,0-17 1,0 0 15,-18-18-15</inkml:trace>
+  <inkml:trace contextRef="#ctx0" brushRef="#br0" timeOffset="-88504.32">18203 15469 0,'36'0'15,"-19"0"1,-17-17 0,36 17-1,-19 0 1</inkml:trace>
+</inkml:ink>
+</file>
+
+<file path=ppt/ink/ink28.xml><?xml version="1.0" encoding="utf-8"?>
+<inkml:ink xmlns:inkml="http://www.w3.org/2003/InkML">
+  <inkml:definitions>
+    <inkml:context xml:id="ctx0">
+      <inkml:inkSource xml:id="inkSrc0">
+        <inkml:traceFormat>
+          <inkml:channel name="X" type="integer" max="1920" units="cm"/>
+          <inkml:channel name="Y" type="integer" max="1080" units="cm"/>
+          <inkml:channel name="T" type="integer" max="2.14748E9" units="dev"/>
+        </inkml:traceFormat>
+        <inkml:channelProperties>
+          <inkml:channelProperty channel="X" name="resolution" value="36.43264" units="1/cm"/>
+          <inkml:channelProperty channel="Y" name="resolution" value="36.48649" units="1/cm"/>
+          <inkml:channelProperty channel="T" name="resolution" value="1" units="1/dev"/>
+        </inkml:channelProperties>
+      </inkml:inkSource>
+      <inkml:timestamp xml:id="ts0" timeString="2021-04-08T09:12:16.075"/>
+    </inkml:context>
+    <inkml:brush xml:id="br0">
+      <inkml:brushProperty name="width" value="0.05292" units="cm"/>
+      <inkml:brushProperty name="height" value="0.05292" units="cm"/>
+      <inkml:brushProperty name="color" value="#FF0000"/>
+    </inkml:brush>
+  </inkml:definitions>
+  <inkml:trace contextRef="#ctx0" brushRef="#br0">3828 14076 0,'-18'0'16,"36"0"15,-1 0-16,36 0 1,-18 0 0,1 0-1,140-18 1,-35-35 0,-17-17-1,-71-1 1,-18 1-1,-17 34 1,-18 1 0,0 17 15,-18 18-15,0 0-1,1 89 1,-1-19-1,0 1-15,-17 123 32,0 35-32,17-53 31,-17-87-15,35-54-1,-18-35 63,1 0-78,17 18 16,-18-18 0,0 0-1,18 17 1,-17-17-16,-1 18 15,0-18 1,1 0 15,70 0 94,0 0-109,-18 0-16,71 0 16,-18 0-1,-70 0 1,-18 17 62</inkml:trace>
+  <inkml:trace contextRef="#ctx0" brushRef="#br0" timeOffset="3536.07">13212 15311 0,'35'0'63,"18"0"-48,0-18-15,105-17 16,54-1 15,123 19-15,-158-1-16,122 0 16,37 18-1,-19 0 1,18 0-1,71 0 1,-36-17 0,1 17-1,-1 0 1,-52 0 0,-107 0-1,-87 0 1,-71-18-1,-36 18 189,19 0-204,-1 0 15,0 0-15,36 0 16,-1 18-1</inkml:trace>
+  <inkml:trace contextRef="#ctx0" brushRef="#br0" timeOffset="145520.97">9790 8237 0,'35'0'78,"18"-17"-78,-18 17 16,18 0-16,141-18 31,53 18-16,-106 0-15,141 0 16,-17 0 0,-71 18-1,-18-18 1,-70 0 0,0 0-1,0 0 1,0 17-1,35 1 1,-18-18 0,-17 0-1,0 0 17,-53 0-17,17 0 1,19 0-1,-19 0 1,-35 0 0,1 0-1,-1 0 1,18 0 0,0 0-1,0 0 1,-18 0-1,-17 0 17,-1 0-17,19 0 1,-19 0 15</inkml:trace>
+  <inkml:trace contextRef="#ctx0" brushRef="#br0" timeOffset="161465.35">12259 10248 0,'18'0'46,"-1"-17"-30,19 17-16,17 0 16,88-18-1,106 0 1,-18 18 0,-17 0-1,34 0 1,-87 0-1,18 0 1,-54 0 0,18 0-1,36 0 1,17 0 0,35 0 15,-88 18-31,124 17 15,-18 0 1,-71-35 0,-88 0-1,-53 0 1,1 0 0,-19 0 62,1 0-63</inkml:trace>
+  <inkml:trace contextRef="#ctx0" brushRef="#br0" timeOffset="169670.03">10107 10266 0,'0'0'0,"0"-18"0,-18 18 15,-17-17 1,18-1 0,-19 0-1,19 18 1,-19-35 0,19 17-1,-54 1 1,36-19-1,0 19 1,-1-1 0,1-17-1,0 0 1,-1-18 0,1 0 15,18 18-16,17 17 1,0-17 0,0-18-1,35 17 1,-18-17-16,72 1 16,34-37-1,36 19 1,17-1-1,-17 36 1,-35 17 0,-1 18-1,-17 0 17,0 0-17,52 0 1,-16 0-1,34 36 1,-17-19 0,-71-17-1,-18 18 1,1-18 0,-53 18-1,-1-18 1,-17 17-1,18 1 1,0 17 0,17 18-1,0 35 17,-35-53-32,35 18 31,-35-17-16,0-19 17,0 1-17,0 0 1,0-1 0,0 1-1,0 17 1,-17 0-1,-1-35-15,18 18 16,-18 0 0,1 17-1,-18 0 1,-1-17 15,1 0-15,17-1-1,1-17 1,-1 18 0,0-1-1,1-17 1,-1 0 0,-52 36-1,-36-36 1,0 17-1,0 1 1,36 0 0,-1-18-1,-17 0 1,52 0 15,-16 0-15,16 17-1,1-17 1,-18 18 0,-35 0-1,17-18 1,1 17 0,17 1-1,18-18 1,-18 0-1,-18 0 1,36 0 0,-18 0-1,35 0 1,1 0 31</inkml:trace>
+  <inkml:trace contextRef="#ctx0" brushRef="#br0" timeOffset="170808.13">10089 10107 0,'-17'0'46,"-1"0"-14,1 18-17,-1-1-15,-35 1 16,0 0 15,-17 17-15,-19-17-1,19 17 1,17-18 0,35 1-1,18 0-15,-17-18 16,-1 53 0,-17 17-1,35-17 1,0 0-1,-18 35 1,18 0 0,0 1 15,0-19-15,18 1-1,17 17 1,0-35-1,18 35 1,18-17 0,35 34-1,-36-34 1,-17-18 0,0 0-1,0-18 1,0 18-1,0 0 1,17 0 0,1 0-1,-18-18 17,0 18-17,0-18 1,-36-17-1,1 0 1,52 17 0,-34-18-1,-19 1 1,1-18 0</inkml:trace>
+  <inkml:trace contextRef="#ctx0" brushRef="#br0" timeOffset="171570.3">10707 11871 0,'17'0'32,"-17"18"-17,36 17 1,-36 18-1,35 17 1,-17 1 0,-1-18-1,1-18 1,-18-17 0,0-1-1,0 1 48,-18-18-48,1 0 1,-1 0 0,0 0-1,1 0 1,-1 0-1,0 0 1,-17 0 0,-18-18-1,36 1-15,-19 17 16,19-18 0,-1 18 15,18-18 0</inkml:trace>
+  <inkml:trace contextRef="#ctx0" brushRef="#br0" timeOffset="193616.87">3881 6456 0,'0'-18'140,"17"18"-140,1 0 32,-1-17-32,1 17 31,0 0 0,-1 0 0,1 0-31,0 0 32,-1 0-1,-17 17-16,0 1 1,18-1 0,-18 1-1,0 0-15,0-1 32,0 1 14,0 0-14,0-1-17,-18-17 32,1 18 0,-1-18-16,0 0-15,1 0 46,-1 0-30,0 0 15,1 0-16,34 0 141,1 0-157,0 0 1,-1 0 31,1 0-32,-18 18 32,0-1-15,0 1-32,18 0 15,-18-1 1,0 1-1,0-1 1,-18-17 156,0 18-172,1-18 31,-1 0-15,0 0 15,1 0-15,-1 0 46,1 0-31,-1 0 16,0 0-15,18-18-17</inkml:trace>
+  <inkml:trace contextRef="#ctx0" brushRef="#br0" timeOffset="-154839.89">13617 7620 0,'-17'0'16,"-1"0"-1,0 0 1,1 0-1,-19 18-15,1 17 16,0-17 15,35-1-15,0 18 0,17-35-1,-17 18-15,18-18 16,53 35-1,-36-35 1,36 0 0,-36 0-1,-18 0 1,1 0 0,-18-17-1,0-1 1,0 0-1,0 1 17,0-36-17,-18 35 1,-17 1 0,0 17-1,-18 0 1</inkml:trace>
+  <inkml:trace contextRef="#ctx0" brushRef="#br0" timeOffset="-154439.8">13547 7849 0,'0'18'16,"0"0"0,0-1-1,-36 54 1,36-36-16,-35 18 16,35-35-1,0-1 1</inkml:trace>
+  <inkml:trace contextRef="#ctx0" brushRef="#br0" timeOffset="-154155.97">13653 7885 0,'0'53'16,"0"-36"-16,0 36 15,0 0 1,-18-35-1,0-1 1,1-17 0</inkml:trace>
+  <inkml:trace contextRef="#ctx0" brushRef="#br0" timeOffset="-153756.5">13300 8114 0,'35'0'32,"0"0"-17,1 0-15,34 0 16,18 0 0,1-18-1,-1 18 1,-35 0-1,-18 0 1</inkml:trace>
+  <inkml:trace contextRef="#ctx0" brushRef="#br0" timeOffset="-153176.99">13882 7497 0,'0'17'31,"0"1"-15,17-1-16,1 1 15,0 0 1</inkml:trace>
+  <inkml:trace contextRef="#ctx0" brushRef="#br0" timeOffset="-152522.79">13705 7620 0,'18'0'16,"0"0"-1,17 0-15,36 0 16,17 0 15,-53-18-15,-35 36 93,-18-18-93,1 18-16,-19-1 16,-16 71-1,16-35 1,1 18-1,35-53-15,0-1 16,0 1 15,0 0 32,18-18-32,-18-18-31,35-17 16,-35 17-1</inkml:trace>
+  <inkml:trace contextRef="#ctx0" brushRef="#br0" timeOffset="-152296.97">13899 7796 0,'0'0'0,"0"18"0,53 17 31,18 18-15,-18 0 0,-36-35-1</inkml:trace>
+  <inkml:trace contextRef="#ctx0" brushRef="#br0" timeOffset="-152039.7">14164 7849 0,'0'0'0,"18"0"16,35-17 0,-18 17-1,-17 0 1,-18-18-1,0 0 1</inkml:trace>
+  <inkml:trace contextRef="#ctx0" brushRef="#br0" timeOffset="-151120.52">14323 7620 0,'0'53'16,"0"-18"-1,0 36 1,0-18 0,0 0-1,0-36 1,0 1 0,0 0-16,-18-18 125,1 17-110,-1-17 1,18 18-1,-35-18 1,-1 0 0,19 17-1,-1 1-15,0 0 32,18-1-17,0 1 1,0 0-1,0-1 17,0 1-17,0 0 1,18-1 0,0-17-1,-1 0 1,36 0-1,-17 0 1,-19 0 0,1-17-1,-18-1 1,17 0 0,-17-17-1,0 17 1,0 1-1,-17 17 48</inkml:trace>
+  <inkml:trace contextRef="#ctx0" brushRef="#br0" timeOffset="-150071.95">15928 9613 0,'-18'0'15,"1"0"1,-1 0 0,0 0 15,18 18-15,0-1-1,0 1 1,0 0-1,18-18 1,17 17 0,-17-17 15,0 0 0,-18-17-15,0-1-16,0-35 15,0 18 1,0 17 15,-18 1-15,0 17 0,1 0-1,-1 0-15,0 0 16</inkml:trace>
+  <inkml:trace contextRef="#ctx0" brushRef="#br0" timeOffset="-149704.99">15769 9807 0,'18'0'0,"-1"0"15,54 0 1,35 0 0,-36 0-1,-34 0 1</inkml:trace>
+  <inkml:trace contextRef="#ctx0" brushRef="#br0" timeOffset="-149104.72">15893 9966 0,'-18'0'15,"18"18"1,0-1-1,0 1 1,0 0 15,0-1-15,0 1 0,35-18-1,-17 0 1,0 0-1,-1 0 1,1 0 0,-18-18-1,0 1 1,0-19 0,0 19-1,-18-1 1,1 18 15</inkml:trace>
+  <inkml:trace contextRef="#ctx0" brushRef="#br0" timeOffset="-148656.42">16175 9525 0,'53'0'16,"-36"0"-1,1 0-15</inkml:trace>
+  <inkml:trace contextRef="#ctx0" brushRef="#br0" timeOffset="-148151.23">16193 9525 0,'-18'0'15,"18"18"1,-18 17-1,1-17-15,17 34 16,-18 1 15,18 18-15,-18-36 0,18-17 46,18-18-46,0 0-1,17 0-15,-17-18 16,17 18 0,-18 0-1,1 0 1,0-17 46</inkml:trace>
+  <inkml:trace contextRef="#ctx0" brushRef="#br0" timeOffset="-147623.55">16422 9490 0,'0'17'16,"0"1"-1,0 17 1,0 18-16,-18 18 16,18-18-1</inkml:trace>
+  <inkml:trace contextRef="#ctx0" brushRef="#br0" timeOffset="-147392.66">16422 9648 0,'17'-17'31,"1"17"-31,0 0 16,-1 0-1</inkml:trace>
+  <inkml:trace contextRef="#ctx0" brushRef="#br0" timeOffset="-146432.99">16263 9825 0,'0'18'16,"0"-1"-16,0 1 16,0 35-1,0-18 1,0 0 0,0-17-1,0 0 1,0-1 46,18-17 16,-1 0-62,1 0 0,0 0-1,-1 0 1,1 0 31,0 0-32,-1 0 17,1-17 46,-18-1-63,0 0 1,0 1-16,0-19 16,17-34-1,-17-1 1,0 36 0,18 17-1</inkml:trace>
+  <inkml:trace contextRef="#ctx0" brushRef="#br0" timeOffset="-145976.7">16334 9931 0,'17'0'47,"1"0"-31,0 0-1,-1 0 1</inkml:trace>
+</inkml:ink>
+</file>
+
+<file path=ppt/ink/ink3.xml><?xml version="1.0" encoding="utf-8"?>
+<inkml:ink xmlns:inkml="http://www.w3.org/2003/InkML">
+  <inkml:definitions>
+    <inkml:context xml:id="ctx0">
+      <inkml:inkSource xml:id="inkSrc0">
+        <inkml:traceFormat>
+          <inkml:channel name="X" type="integer" max="1920" units="cm"/>
+          <inkml:channel name="Y" type="integer" max="1080" units="cm"/>
+          <inkml:channel name="T" type="integer" max="2.14748E9" units="dev"/>
+        </inkml:traceFormat>
+        <inkml:channelProperties>
+          <inkml:channelProperty channel="X" name="resolution" value="36.43264" units="1/cm"/>
+          <inkml:channelProperty channel="Y" name="resolution" value="36.48649" units="1/cm"/>
+          <inkml:channelProperty channel="T" name="resolution" value="1" units="1/dev"/>
+        </inkml:channelProperties>
+      </inkml:inkSource>
+      <inkml:timestamp xml:id="ts0" timeString="2021-04-08T06:40:39.512"/>
+    </inkml:context>
+    <inkml:brush xml:id="br0">
+      <inkml:brushProperty name="width" value="0.05292" units="cm"/>
+      <inkml:brushProperty name="height" value="0.05292" units="cm"/>
+      <inkml:brushProperty name="color" value="#FF0000"/>
+    </inkml:brush>
+  </inkml:definitions>
+  <inkml:trace contextRef="#ctx0" brushRef="#br0">3916 229 0,'0'-17'0,"17"17"16,1 0-16,53 0 16,35 17-16,-18-17 15,35 18-15,18-18 16,0 0 0,1 0-16,-54 0 15,-35 0-15,0 0 16</inkml:trace>
+  <inkml:trace contextRef="#ctx0" brushRef="#br0" timeOffset="487.7">4092 300 0,'0'35'0,"-17"0"15,-1 18-15,0 0 16,-17 35-16,0-17 15,17 17-15,-17 0 16,0-35-16,17-17 16,18-19-16,0-52 93</inkml:trace>
+  <inkml:trace contextRef="#ctx0" brushRef="#br0" timeOffset="711.96">4128 688 0,'0'0'0,"35"0"0,0 0 16,18 0-1,18 0-15,17 0 16,18 0-16,-18 0 16,-18 0-16,1 0 15,-1-18-15,-17 18 16,-35-17-16,-18-1 16,18 18-1</inkml:trace>
+  <inkml:trace contextRef="#ctx0" brushRef="#br0" timeOffset="1248.14">5080 582 0,'-18'0'16,"-52"35"0,52-17-1,-17-18-15,35 35 16,-18-17-16,1 0 15,17-1 1,0 1 0,0-1-16,35 1 15,0 0 1,36 17 0,-36-35-16,0 0 15,18 0 1,-18 0-16,-17 0 15,0 0 1,-1 0-16,1-18 16,-18 1-16,0-1 15,0-35-15,-18 18 16,1 17-16,-1-17 16,0 17-1,1 18 1</inkml:trace>
+  <inkml:trace contextRef="#ctx0" brushRef="#br0" timeOffset="1959.97">5521 564 0,'-35'71'31,"17"-53"-31,0 17 16,1-17-16,-1 17 15,18-18-15,0 19 16,0-1 0,0-17-1,18-18 1,17 0-1,0 0 1,1 0 0,69-18-1,-69 0 1,-1 18-16,-17-35 16,-1 17-16,19-17 15,-19 0-15,-17 0 16,18-1-16,-1 1 15,-17 53 64,0 17-79,0-17 15,0 17-15,0 0 16,0 0-16,18 1 15,0-19-15,-18 1 16,17-18-16,1 0 31,0 0-15,-1-35 15,1 17-31</inkml:trace>
+  <inkml:trace contextRef="#ctx0" brushRef="#br0" timeOffset="2463.85">6138 441 0,'0'0'0,"18"106"16,-18-53-16,0 0 16,0 0-16,0-1 15,0-16-15,0-19 16,0-34 93,0-1-109,18 0 16,-1-17-16,1 18 16,0-1-16,17-17 15,-18 17-15,19 0 16,-19 1-16,1 17 15,17 0-15,-17 0 32,0 0-17,-1 0 1,1 0-16,-1 17 16,-17 1-16</inkml:trace>
+  <inkml:trace contextRef="#ctx0" brushRef="#br0" timeOffset="3032.04">7126 159 0,'88'0'16,"-17"0"-1,17 0-15,0 0 16,142-18-1,-178 18 1,-34 0-16</inkml:trace>
+  <inkml:trace contextRef="#ctx0" brushRef="#br0" timeOffset="3271.83">7602 265 0,'0'0'15,"-35"35"-15,17 0 0,1 36 16,-18-36-16,17 18 16,-17 0-16,-1 17 15,19 1-15,-19-1 16,19-34-16,17-19 15,0 1 1</inkml:trace>
+  <inkml:trace contextRef="#ctx0" brushRef="#br0" timeOffset="3495.46">7973 370 0</inkml:trace>
+  <inkml:trace contextRef="#ctx0" brushRef="#br0" timeOffset="3702.9">7920 600 0,'0'0'0,"-18"17"0,18 1 16,-17 17-16,17-17 16,-18 0-16,18-1 31</inkml:trace>
+  <inkml:trace contextRef="#ctx0" brushRef="#br0" timeOffset="4416.97">8237 635 0,'0'0'16,"18"0"-16,0 0 0,17 0 16,0 0-1,0-18-15,1 18 16,-1-17-16,0 17 0,18 0 16,-35 0-1,0 0 1,-1-18-16,1 18 15,-18-18 1,0 1-16,0-1 16,0 1 15,-88-1-15,52 18-1,-70 0 1,89 0-1,-18 0 1,35 18 0,0-1-1,0 1-15,0 17 16,0 36 0,0-54-16,0 1 15,0 0-15,17 17 16,-17-18-16,18 1 15,-1 0 1,1-18 0,0 17-1,-1-17-15,19 0 16,-19 0 0,19 0-16,-1-17 15,0-1-15,0-17 16,1 17-16,-19-35 15,1 36-15,17-1 16,-17-17-16,17-1 16,-17 1-16,-1 18 15,1-1-15</inkml:trace>
+  <inkml:trace contextRef="#ctx0" brushRef="#br0" timeOffset="4808.04">8855 441 0,'17'53'31,"-17"0"-31,18 0 0,0 0 16,-1 0-16,-17-18 16,0-18-16,0 19 15,18-36 48,0-18-48,-18-17-15,35 0 16,-18 17-16,19-35 16,-19 35-16,1 1 15,0 17-15,-1-18 16,19 0-16,-19 18 15,1-17-15,35 17 16,0 0-16,-18 0 16,88 0 15,-105 0-31,0 0 0</inkml:trace>
+</inkml:ink>
+</file>
+
+<file path=ppt/ink/ink4.xml><?xml version="1.0" encoding="utf-8"?>
+<inkml:ink xmlns:inkml="http://www.w3.org/2003/InkML">
+  <inkml:definitions>
+    <inkml:context xml:id="ctx0">
+      <inkml:inkSource xml:id="inkSrc0">
+        <inkml:traceFormat>
+          <inkml:channel name="X" type="integer" max="1920" units="cm"/>
+          <inkml:channel name="Y" type="integer" max="1080" units="cm"/>
+          <inkml:channel name="T" type="integer" max="2.14748E9" units="dev"/>
+        </inkml:traceFormat>
+        <inkml:channelProperties>
+          <inkml:channelProperty channel="X" name="resolution" value="36.43264" units="1/cm"/>
+          <inkml:channelProperty channel="Y" name="resolution" value="36.48649" units="1/cm"/>
+          <inkml:channelProperty channel="T" name="resolution" value="1" units="1/dev"/>
+        </inkml:channelProperties>
+      </inkml:inkSource>
+      <inkml:timestamp xml:id="ts0" timeString="2021-04-08T06:53:31.782"/>
+    </inkml:context>
+    <inkml:brush xml:id="br0">
+      <inkml:brushProperty name="width" value="0.05292" units="cm"/>
+      <inkml:brushProperty name="height" value="0.05292" units="cm"/>
+      <inkml:brushProperty name="color" value="#FF0000"/>
+    </inkml:brush>
+  </inkml:definitions>
+  <inkml:trace contextRef="#ctx0" brushRef="#br0">4674 8872 0,'0'-17'47,"18"17"-31,0 0 30,-1 0-30,1 0 0,0 0-16,-1 0 15,54 0 1,-54 0 0,19 0-16,17 0 15,-18 0 1,-18 0-1,1 0 1,0 0 0,-1 0 15,1 0-15,17 0-1,-17 0 1,35 17-1,-18-17 1,-17 0 0,-1 0-1,19 0 1,-19 0 0,1 0-1,0 0 1,-1 0-1,1 0 564,0 0-564,-1 0 32</inkml:trace>
+  <inkml:trace contextRef="#ctx0" brushRef="#br0" timeOffset="7616.79">5697 8925 0,'18'0'203,"0"0"-187,-1 0-1,1 0 1,0 0 0,-1 0-16,1 0 15,-1 0 1,1 0-1,0 0 1,-1 0 0,1 0-1,0 0 1,-1 0 0,1 0-1,0 0 1,-1 0-1,1 0 1,0 0 15,-1 0-15,1 0 0,-1 0-1,1 0 16,0 0-15,-1 0-16,-17-17 16,36 17-1,-1 0 1,-17 0 0,-1 0-1,1 0 1,-1 0 62,19 0-62,-19 0-1,1 0 1,0 0-1,-1 0 79</inkml:trace>
+  <inkml:trace contextRef="#ctx0" brushRef="#br0" timeOffset="9545.01">6756 8961 0,'0'-18'78,"17"18"-62,1 0-1,-18-18 1,18 18 0,-1 0-1,1 0 16,0 0-15,-18-17 0,17 17-16,1 0 31,-18-18-15,17 18-1,1 0-15,0 0 16,-1 0 15,19 0-15,-19-18-1,1 18 1,0 0 0,-1 0-1,1 0 63,-1 0-31,1 0-16,0 0-31,-1 0 47,1 0-31,0 0 0,-1 0-16,19 0 15,-1 36 1,-17-1-1,17-17 1</inkml:trace>
+  <inkml:trace contextRef="#ctx0" brushRef="#br0" timeOffset="11215.75">7426 8872 0,'18'0'156,"-1"0"-140,1 0 0,0 0 15,-1 0 31,1 0-46,-1 0 0,1 0-1,-18-17 17,18 17-17,-1 0 1,1 0-1,0 0 17,-1 0-1,1 0 0,0 0-15,-1 0-1,1 0 1,-1 0 0</inkml:trace>
+  <inkml:trace contextRef="#ctx0" brushRef="#br0" timeOffset="20392.34">16792 7867 0,'18'0'46,"0"0"-46,17 0 16,88 0 0,18 0-1,-35 0-15,124 0 16,16 0 15,-34 0-15,-53 0-1,-89 0 1,-52 0 125,0 0-141,-1 0 15,1 0 1,0 0 0,-1 0-16,1 0 31,0 0-16,17 0 1,0 0 0,-17 0-1,-1 0 1,1 0 0,0 0-1,-1 0 1,1 0 234,0 0-235,-1 0 95,1 0-79,-1 0-15,1 0-1,0 0 17,-1 0-17,1 0 1,-18-18 328,0 1-329,0-1 1,18 18-16,-18-18 15,0 1 189,0-36-204,17 18 15,-17-18 1,0-18-16,0-123 15,0 53 1,36-141 0,-36 194-1</inkml:trace>
+  <inkml:trace contextRef="#ctx0" brushRef="#br0" timeOffset="26895.21">18785 7867 0,'0'-18'31,"18"18"1,0 0-17,17 0 1,53 0-1,-53-17 1,18 17 0,-35 0-16,35 0 15,-18 0 1,18 0 0,-18-18-1,1 18 1,-19 0-1,1 0 17,17 0-17,1 0 1,-1 0 0,35 0 15,-34 0-16,-1 0 1,-17 0 0,-1 0-1,1 0 17,-1 0-32,1 0 46</inkml:trace>
+</inkml:ink>
+</file>
+
+<file path=ppt/ink/ink5.xml><?xml version="1.0" encoding="utf-8"?>
+<inkml:ink xmlns:inkml="http://www.w3.org/2003/InkML">
+  <inkml:definitions>
+    <inkml:context xml:id="ctx0">
+      <inkml:inkSource xml:id="inkSrc0">
+        <inkml:traceFormat>
+          <inkml:channel name="X" type="integer" max="1920" units="cm"/>
+          <inkml:channel name="Y" type="integer" max="1080" units="cm"/>
+          <inkml:channel name="T" type="integer" max="2.14748E9" units="dev"/>
+        </inkml:traceFormat>
+        <inkml:channelProperties>
+          <inkml:channelProperty channel="X" name="resolution" value="36.43264" units="1/cm"/>
+          <inkml:channelProperty channel="Y" name="resolution" value="36.48649" units="1/cm"/>
+          <inkml:channelProperty channel="T" name="resolution" value="1" units="1/dev"/>
+        </inkml:channelProperties>
+      </inkml:inkSource>
+      <inkml:timestamp xml:id="ts0" timeString="2021-04-08T07:01:42.543"/>
+    </inkml:context>
+    <inkml:brush xml:id="br0">
+      <inkml:brushProperty name="width" value="0.05292" units="cm"/>
+      <inkml:brushProperty name="height" value="0.05292" units="cm"/>
+      <inkml:brushProperty name="color" value="#FF0000"/>
+    </inkml:brush>
+  </inkml:definitions>
+  <inkml:trace contextRef="#ctx0" brushRef="#br0">3933 5997 0,'18'0'157,"17"0"-142,-17 0-15,17 0 16,-17 0-1,53 0 1,-19 0 0,1 0-1,-35 0-15,35 0 16,17 0 0,1 0-1,0 0 1,34 0-1,-34 0 1,0 0 0,-1 0 15,1 18-15,-1-18-1,36 18 1,35-1-1,-70-17 1,-1 18 0,18-18-1,-35 17 1,18-17 0,35 18-1,-18-18 1,18 0-1,-18 18 1,18-18 0,0 0 15,52 17-15,-34 1-1,-18 0 1,0-18-1,-18 17 1,0-17 0,-18 0-1,36 0 1,-70 0 0,-1 0-1,0 0 1,0 0-1,-17 0 1,0 0 0,35 0 15,-36 0-15,36 0-1,-18 0 1,1 0-1,-19 0 1,19 0 0,-19 0-1,1-17 1,17 17 0,0-18-1,-17 18 1,0 0-1,17-18 17,-17 1-17,-1 17 1,1-18 0,17 18-1</inkml:trace>
+  <inkml:trace contextRef="#ctx0" brushRef="#br0" timeOffset="6735.45">8220 6068 0,'17'0'31,"1"0"-31,0 0 16,17 0 0,18 0 15,17 0-15,1 0-1,17 0 1,-17 0-1,-1 0 1,18-18 0,-35 1-1,-17 17 1,34-18 0,1 18-1,-1 0 1,1 0-1,-1 0 1,-17 0 0,18 0 15,-36 0-31,53 0 16,-35 0-1,106 0 1,70 0-1,-140 0 1,-72 0 0,1 0 187,-1 0-47,1 0-140,0 0-1,-1 0-15,1 0 47,0 0 16</inkml:trace>
+</inkml:ink>
+</file>
+
+<file path=ppt/ink/ink6.xml><?xml version="1.0" encoding="utf-8"?>
+<inkml:ink xmlns:inkml="http://www.w3.org/2003/InkML">
+  <inkml:definitions>
+    <inkml:context xml:id="ctx0">
+      <inkml:inkSource xml:id="inkSrc0">
+        <inkml:traceFormat>
+          <inkml:channel name="X" type="integer" max="1920" units="cm"/>
+          <inkml:channel name="Y" type="integer" max="1080" units="cm"/>
+          <inkml:channel name="T" type="integer" max="2.14748E9" units="dev"/>
+        </inkml:traceFormat>
+        <inkml:channelProperties>
+          <inkml:channelProperty channel="X" name="resolution" value="36.43264" units="1/cm"/>
+          <inkml:channelProperty channel="Y" name="resolution" value="36.48649" units="1/cm"/>
+          <inkml:channelProperty channel="T" name="resolution" value="1" units="1/dev"/>
+        </inkml:channelProperties>
+      </inkml:inkSource>
+      <inkml:timestamp xml:id="ts0" timeString="2021-04-08T07:02:47.342"/>
+    </inkml:context>
+    <inkml:brush xml:id="br0">
+      <inkml:brushProperty name="width" value="0.05292" units="cm"/>
+      <inkml:brushProperty name="height" value="0.05292" units="cm"/>
+      <inkml:brushProperty name="color" value="#FF0000"/>
+    </inkml:brush>
+  </inkml:definitions>
+  <inkml:trace contextRef="#ctx0" brushRef="#br0">3351 11606 0,'0'0'0,"18"0"15,0 0 1,35 0 0,0 0-16,17 0 15,89 0 1,52 0-1,-122 0-15,158 0 16,-18 0 0,53 0-1,-35 0 1,-18 0 0,36 18-1,-53-18 1,-18 0 15,53 0-15,-36 0-1,124 0 1,-123 0 0,-53 0-1,0 0 1,-18 0-1,53 0 1,17 0 0,-17 0-1,-17 0 1,70 0 0,-36 0-1,-17 0 1,18 0-1,123 0 17,-53 0-17,36-18 1,-89 18 0,18 0-1,-35 0 1,-71 0-1,-18 0 1,1 0 0,-1 0-1,36 0 1,18 0 0,140 0-1,-52-17 1,-18-19-1,-53 1 17,0 0-17,-36 17 1,-34-17 0,-1 35-1,-17-18 1,-18 1-1,-52 17 1,-1 0-16,35-36 16,36 19-1,-17-18 1,16 17 0,-16 18-1,-54 0 1</inkml:trace>
+  <inkml:trace contextRef="#ctx0" brushRef="#br0" timeOffset="633.41">14570 8978 0,'17'0'31,"-17"53"-15,0 159-1,-35 88 1,0 158-1,-18 54 1,35-36 0,18-88-1,0-123 1,0-142 0,0-52-1</inkml:trace>
+  <inkml:trace contextRef="#ctx0" brushRef="#br0" timeOffset="10392.44">14605 9049 0,'0'-18'31,"18"18"0,-1 0-15,1 0-1,17 0 1,-35 18 328,0-1-329,0 19-15,0-1 16,0 53 0,0-35-16,0 35 15,0 0 1,0 1 0,0-19-1,0 1 1,-17-1-1,-1-17 1,18 18 15,0-18-15,0 17 0,0 1-1,0-54 1,-18 72-1,18-19 1,0 1 0,-17 17-1,17 0 1,-18 18 0,0-35-1,18-1 16,0 1-31,0-36 32,0 18-17,0 0 1,0 0 0,0-18-1,0 18 1,0-18-1,0 18 1,0-18 0,0-17-1,0 17 1,0 1 0,0 16-1,0 19 1,0-36-1,0 1 17,0-19-1,0 18-15,0 18-1,0 0 1,0-17-1,0-19 1,0 1 0,0 0-1,0-1 220,0 1-95,0-1-124,0 1 0,-17 0 30,-1-18-30,0 0 0,1 17-1,-1-17-15,1 18 16,-1-18 15</inkml:trace>
+  <inkml:trace contextRef="#ctx0" brushRef="#br0" timeOffset="19528.47">7814 6015 0,'0'18'47,"-18"-18"-31,1 17 62,-1-17-47,0 0-15,1 0-1,-1 18 1,1-18 0,-1 0 46,0 0-15,1 0-16,-1 0-15,0 0-1,1 0 157,-1 0-156,0 0 0,1 0-1,-18 0 1,-1 0-1,1 0 1,17 0 15,-17-18-15,0 1 0,17 17-1,-17 0 1,0 0-1,-18 0 1,17-18 0,1 0-1,0 18 1,17-17 0,1-1-1,-1 0 1,-17 1-1,-1-36 17,1 0-17,17 18 1,18 17 0,0 0-1,0-17 1,0-18-1,53 0 1,18 0 0,35-17-1,0 17 1,52 0 0,-34 0-1,-18 35 1,-18-35-1,0 36 17,0-19-17,-35 36-15,35-17 16,1 17 0,-1 0-1,-18 0 1,1 0-1,-1 0 1,1 0 0,0 35-1,-19-35 1,1 18 0,0-1-1,18 19 1,-36-19-1,0 1 17,-17 17-17,0-17 1,-18 0 0,17-1-1,1 18 1,-18 1-1,0-1 1,0 0 0,0 1-1,0-1 1,-18 18 0,18-18-1,-17-17 1,-19-1-1,19 19 17,-1-19-17,-17 1 1,17-1 0,-35 19-1,0-19 1,18 1-1,-53 17 1,70-35 0,-70 18-1,35 0 1,-17-18 0,-19 0-1,36 0 1,-17 0-1,17 0 17,0 0-17,35 17 1,-17-17 0,-18 18-1,36-18 1,-36 0-1,35 0 1,0 0 0,1 0-1,-19 18 1,54-18 187,0 0-187,-1 0-1,1 0-15,17 0 16,71-18 0,-35 18-1,35 0 16,-71 0-15,0 0 0</inkml:trace>
+  <inkml:trace contextRef="#ctx0" brushRef="#br0" timeOffset="22982.22">10231 6015 0,'0'0'0,"-18"0"31,0 0-16,1-18 1,-1 18 0,0 0-1,1 0 1,17-17 0,-18 17-1,0-18 1,1 0-1,17 1 1,-35-1 0,17 0-1,0 1 1,1-19 0,-1 1-1,0 0 1,1 0-1,17 17 17,0 0-32,0-17 31,0 0-15,0 0-1,17 17-15,36-35 16,0-18-1,0 19 1,0-1 0,18 17-1,-36 1 1,18 17 0,17-17-1,-17 17 1,35 1 15,-17 17-15,-18 0-1,88 0 1,-53 0 0,18 0-1,0 0 1,0 0-1,17 0 1,-17 0 0,-35 0-1,-19 0 1,-34 17 0,17-17-1,-17 18 1,35 17-1,-35-17 17,17 0-17,0 17 1,-17 18 0,-1-18-1,-17 18 1,0 0-1,0 18 1,-17-1 0,-18 1-1,-36 17 1,18-18 0,-35-17-1,35-17 1,0-19-1,-18 1 17,19 17-17,-37-17 1,-34 17 0,-18-35-1,-18 0 1,0 0-1,-17 0 1,88 0 0,17 0-1,18 0 1,18 0 0,17 0 77</inkml:trace>
+</inkml:ink>
+</file>
+
+<file path=ppt/ink/ink7.xml><?xml version="1.0" encoding="utf-8"?>
+<inkml:ink xmlns:inkml="http://www.w3.org/2003/InkML">
+  <inkml:definitions>
+    <inkml:context xml:id="ctx0">
+      <inkml:inkSource xml:id="inkSrc0">
+        <inkml:traceFormat>
+          <inkml:channel name="X" type="integer" max="1920" units="cm"/>
+          <inkml:channel name="Y" type="integer" max="1080" units="cm"/>
+          <inkml:channel name="T" type="integer" max="2.14748E9" units="dev"/>
+        </inkml:traceFormat>
+        <inkml:channelProperties>
+          <inkml:channelProperty channel="X" name="resolution" value="36.43264" units="1/cm"/>
+          <inkml:channelProperty channel="Y" name="resolution" value="36.48649" units="1/cm"/>
+          <inkml:channelProperty channel="T" name="resolution" value="1" units="1/dev"/>
+        </inkml:channelProperties>
+      </inkml:inkSource>
+      <inkml:timestamp xml:id="ts0" timeString="2021-04-08T07:49:13.346"/>
+    </inkml:context>
+    <inkml:brush xml:id="br0">
+      <inkml:brushProperty name="width" value="0.05292" units="cm"/>
+      <inkml:brushProperty name="height" value="0.05292" units="cm"/>
+      <inkml:brushProperty name="color" value="#FF0000"/>
+    </inkml:brush>
+  </inkml:definitions>
+  <inkml:trace contextRef="#ctx0" brushRef="#br0">9825 6156 0,'0'0'0,"35"0"0,71 18 15,441 105 32,-230-70-31,-17-18-1,247-17 17,-230 0-17,-17-18 1,-70 0 0,-125 0-16</inkml:trace>
+  <inkml:trace contextRef="#ctx0" brushRef="#br0" timeOffset="783.23">15840 6174 0,'-36'0'16,"1"-18"0,-71-35-1,36 18-15,-71-71 16,35-35 0,35 0-1,54 17 1,17 1-1,53-1 1,88 1 0,159 35-1,-1 52 17,19 36-17,-71 71 1,-106-1-1,-70 72 1,-71-1 0,-18 53-1,-88 35 1,-88 18 0,-53-35-1,0-36 1,18-52-1</inkml:trace>
+  <inkml:trace contextRef="#ctx0" brushRef="#br0" timeOffset="4483.97">12594 6421 0,'18'0'31,"-1"0"-31,72-18 16,87-17-1,-17-18 1,17 17 0,1 1 15,-36 0-31,-35 17 31,-18-17-15,35 17-1,-70 18-15,0 0 16,53 0 0,35-17-1,-70-1 1,-54 0 0</inkml:trace>
+  <inkml:trace contextRef="#ctx0" brushRef="#br0" timeOffset="137454.18">12435 11183 0,'0'18'31,"0"35"-15,0 17-16,0 124 16,0 18-1,0 0 1,0-71 15,0 0-15,0 0-1,18-18 1,0-70-16,-18 35 16,0-35-1,0-17 1</inkml:trace>
+  <inkml:trace contextRef="#ctx0" brushRef="#br0" timeOffset="140555.54">12524 11095 0,'17'-18'62,"19"18"-62,16 0 16,195 0-1,36 0 1,69-17 0,72 17-1,-89 0 1,-88-18-1,0 18 1,-106 0 0,-18 0-1,-87 0-15,17 0 16,35 0 0,-18 0-1,-52 0 79,0 0-94,-1 0 16,54 0-1,35-35 1,-1 35-1,-34 0 1,-18 0 0,-35 0 46,-1 0-62,1 0 16,-1 0 15,1 0 63,-18 17-79,18 19-15,-1 105 16,1 88 0,17-17-1,1 17 1,-19-35 0,18-88-1,-17 0 1,0 0 15,-18-36-15,0-17-16,0-18 15,0 18 1,0 0 0,0-18-1,0 1 1,0-19 15,0 1 94,-18-18-109,-35 18-1,-17-18-15,-36 17 16,-159-17 0,-35 0-1,18 0 1,0 0-1,35 35 1,71-17 0,52-18-1,-35 18 1,89-18 0,-18 0-1,-1 0 16,19 0-15,-18 17 0,17-17-1,36 0 1,17 0 0,-17 0-1,17 0 1,-35 18-1,-17-18 1,-54 0 0,54 0-1,35 0 1,-1 0 0,19 0-1,-19 0 16,-17 0-15,18 0 0,-18 0-1,0 0 1,18 0 0,17 0 30,1 0-30,-19 0 0,1 0-1,-18 0 1,18 0 0,17 0-1,1 0 16,17-35 157,0-18-172,0-18-1,0-52-15,0-230 16,-18-53 15,0 230-31,1-18 0</inkml:trace>
+  <inkml:trace contextRef="#ctx0" brushRef="#br0" timeOffset="194467.6">12735 13458 0,'0'18'313,"0"0"-266,-17-1-16,17 1-15,0 0-1,0-1 17,0 1 14,0 0-30,-18-18 0,18 17-1,0 1 32,-18-18-47</inkml:trace>
+  <inkml:trace contextRef="#ctx0" brushRef="#br0" timeOffset="195723.67">12718 13511 0,'17'0'62,"1"0"-46,0 0 0,-1 0-1,-17 18-15,18 0 31,17-1-15,-35 1 0,18 0-1,-1-18 157,1 0-156,0-18-1,17-17 1,0 17 0,-17 0-1,0 1 1,17-1 0,-18 0 30,-17 36 79,0 0-109,0 17-16,0-17 16,0 17-1,0 0 1,0 1 0,0-19-1,0 1 1</inkml:trace>
+  <inkml:trace contextRef="#ctx0" brushRef="#br0" timeOffset="196915.56">12806 13935 0,'0'17'47,"0"1"-47,0 0 16,0-1-1,0 36 1,0-18 0,0 1-16,17-19 15,-17 1 1,18 0 218,0-18-202,-1 0-17,1-18-15,17 0 16,-17 1-1,0-1 1,-1 0-16,1 1 31,-18-1 47,18 18-62,-1 0 0,-17-17-1,18 17 1</inkml:trace>
+  <inkml:trace contextRef="#ctx0" brushRef="#br0" timeOffset="198083.57">12823 14640 0,'0'0'0,"0"-17"15,-35-1 1,18 18-1,-1-18 1,-17 18 15,17 0-15,-17-17 31,17 17 0,0 0-32,1 0 32,17 17-47,0 1 16,0 0-1,0-1 1,0 1 0,0 17-1,0-17 1,35 17 0,-17-17 15,-1 17-16,1-35 1,0 18 0,-1-18-1,1 0 17,0 0-17,17 0 1,-18 0-1,1-18 1,17 0 0,-17 1-1,0-1 1,-1-17 0</inkml:trace>
+  <inkml:trace contextRef="#ctx0" brushRef="#br0" timeOffset="199187.52">13458 13935 0,'-17'17'63,"17"1"-48,0 0 1,-18 52 0,1 1-1,-1-1 1,18 19 0,-18-54-1,18-18-15,0 1 16,18-18 109,17 0-110,53 0 1,-35-18 0,53 1-1,-53-1-15,-18 18 16,1 0 0</inkml:trace>
+  <inkml:trace contextRef="#ctx0" brushRef="#br0" timeOffset="200439.78">13847 14093 0,'-36'0'31,"19"0"-15,-1 0 0,0 0-1,1 0 1,-1 18 0,0 0-1,18-1 1,-17-17-1,-1 18 1,18 0 0,0-1-1,0 1 1,0 0 15,0-1-15,0 1-1,0 0 1,18-18 15,-1 0 1,1 0-17,17 0 1,1-36 31,-19 19-32,-17-36 17,18 0 14,-18 35-30,0 0 0,0 36 77,0 0-77,0 17-16,0 0 16,0 54-1,35-37 1,-17 1 0,17-35-1,0 0 16,-17-18-15,0 0-16,-1 0 16,1 0 77</inkml:trace>
+  <inkml:trace contextRef="#ctx0" brushRef="#br0" timeOffset="200874.77">14041 14005 0,'0'36'31,"0"-1"-16,17 0 1,18 36 0,1-36-1,-19-17 1</inkml:trace>
+  <inkml:trace contextRef="#ctx0" brushRef="#br0" timeOffset="201355.58">14323 14005 0,'0'18'47,"0"0"-31,-53 52-1,-18 18 1,-17 18 0,-18 18-1,0-1 1,18-52 0,18-18-1,70-18 16</inkml:trace>
+  <inkml:trace contextRef="#ctx0" brushRef="#br0" timeOffset="202531.52">14235 14288 0,'35'0'31,"0"0"-15,36 0-1,-36 0 1,18 0 0,0 0-1,-36-18 1,1 0 0,0 18-1,-18-17 1,0-1-1,0 0 1,-18 1 0,0-1 15,1 18-15,17-18-16,-18 18 31,1 0-16,-19 0 1,1 0 0,0 0-16,17 0 15,-35 36 1,36-36 0,-19 17-1,19 1 1,17 0-1,-18-1 1,18 19 0,0-1-1,0 0 1,0 0 15,0 1-15,18-19-1,-1 19 1,19-19 0,-19-17-1,18 0 1,1 0 0,-1 0-1,36-17 1,-1-19-1,-17 19 1,-35-19 0,17 36-1,-35-17 48</inkml:trace>
+  <inkml:trace contextRef="#ctx0" brushRef="#br0" timeOffset="203452.18">14728 14058 0,'0'53'31,"0"-18"-31,0 1 16,18 17-1,-18 52 1,35-34-1,-35-36 1,0 1 0,0-19-1,0-34 126,0-19-141,0 1 16,0 0-1,0-36 1,36 36-1,-36-18 1,17 35 0,1 1-1,0-1 1,-1 0 0,1 18 15,0 0 0,-1 0-15,1 0 31,-1 0-16</inkml:trace>
+  <inkml:trace contextRef="#ctx0" brushRef="#br0" timeOffset="-205669.58">6421 10089 0,'0'-17'32,"17"17"-17,1 0 1,35 17-1,35 54 1,35 17 0,-34-17-1,-19-18 1,-17-36 0,-18 1 15,1 0-16,-36-1-15,17 1 16,1-18 0,-18 18 109,-18-18-94,1 17-15,-1-17-16,0 18 31,-35-1-16,-17 36 1,-1 0 0,-17 0-1,35 18 1,0-1 0,0-34-1,36-19 1,-1 1-1</inkml:trace>
+</inkml:ink>
+</file>
+
+<file path=ppt/ink/ink8.xml><?xml version="1.0" encoding="utf-8"?>
+<inkml:ink xmlns:inkml="http://www.w3.org/2003/InkML">
+  <inkml:definitions>
+    <inkml:context xml:id="ctx0">
+      <inkml:inkSource xml:id="inkSrc0">
+        <inkml:traceFormat>
+          <inkml:channel name="X" type="integer" max="1920" units="cm"/>
+          <inkml:channel name="Y" type="integer" max="1080" units="cm"/>
+          <inkml:channel name="T" type="integer" max="2.14748E9" units="dev"/>
+        </inkml:traceFormat>
+        <inkml:channelProperties>
+          <inkml:channelProperty channel="X" name="resolution" value="36.43264" units="1/cm"/>
+          <inkml:channelProperty channel="Y" name="resolution" value="36.48649" units="1/cm"/>
+          <inkml:channelProperty channel="T" name="resolution" value="1" units="1/dev"/>
+        </inkml:channelProperties>
+      </inkml:inkSource>
+      <inkml:timestamp xml:id="ts0" timeString="2021-04-08T07:55:32.494"/>
+    </inkml:context>
+    <inkml:brush xml:id="br0">
+      <inkml:brushProperty name="width" value="0.05292" units="cm"/>
+      <inkml:brushProperty name="height" value="0.05292" units="cm"/>
+      <inkml:brushProperty name="color" value="#FF0000"/>
+    </inkml:brush>
+  </inkml:definitions>
+  <inkml:trace contextRef="#ctx0" brushRef="#br0">1887 11359 0,'18'0'125,"0"0"-109,-1 0 15,1 0-15,0 0-1,-1 0 1,1 0 0,-1 0-1,1-17 1,0 17 31,-1 0 47,1 0-79,17 0 1,-17 0-1,17 0 1,-17 0 0,-1 0 77</inkml:trace>
+  <inkml:trace contextRef="#ctx0" brushRef="#br0" timeOffset="2199.52">2981 11377 0,'18'0'63,"-1"0"-48,1 0 1,0 0 0,-1 0-1,1 0 1,-1 0-1,19 0 1,-19 0 0,1 0 46,0 0-46,-1 0-1,1 0 95,0 0-79,-1 0-15,1 0-1,-1 0 1,1 0 15,0-18 250,-1 18-281,1 0 16,-18-17 0,35-1-1,-17 1 1,0 17 0</inkml:trace>
+</inkml:ink>
+</file>
+
+<file path=ppt/ink/ink9.xml><?xml version="1.0" encoding="utf-8"?>
+<inkml:ink xmlns:inkml="http://www.w3.org/2003/InkML">
+  <inkml:definitions>
+    <inkml:context xml:id="ctx0">
+      <inkml:inkSource xml:id="inkSrc0">
+        <inkml:traceFormat>
+          <inkml:channel name="X" type="integer" max="1920" units="cm"/>
+          <inkml:channel name="Y" type="integer" max="1080" units="cm"/>
+          <inkml:channel name="T" type="integer" max="2.14748E9" units="dev"/>
+        </inkml:traceFormat>
+        <inkml:channelProperties>
+          <inkml:channelProperty channel="X" name="resolution" value="36.43264" units="1/cm"/>
+          <inkml:channelProperty channel="Y" name="resolution" value="36.48649" units="1/cm"/>
+          <inkml:channelProperty channel="T" name="resolution" value="1" units="1/dev"/>
+        </inkml:channelProperties>
+      </inkml:inkSource>
+      <inkml:timestamp xml:id="ts0" timeString="2021-04-08T07:56:37.534"/>
+    </inkml:context>
+    <inkml:brush xml:id="br0">
+      <inkml:brushProperty name="width" value="0.05292" units="cm"/>
+      <inkml:brushProperty name="height" value="0.05292" units="cm"/>
+      <inkml:brushProperty name="color" value="#FF0000"/>
+    </inkml:brush>
+  </inkml:definitions>
+  <inkml:trace contextRef="#ctx0" brushRef="#br0">4110 5838 0,'18'0'0,"17"18"31,18 0-15,0-18 0,-18 0-1,18 17 1,0 1 0,35-18-1,0 18 1,18-18-1,-35 17-15,17 1 16,123 0 0,-52-1-1,-53 1 1,0-18 0,0 0 15,35 0-16,53 0 1,17 0 0,-34 0-1,-36 0 1,-18 0 0,1 0-1,35 0 1,-71-18-1,-35 18 1,-36 0 0,1-17-1,0 17 1,35-18 15,-18 18-15,0 0-1,18-18 1,18 1 0,-54 17-1,71 0 1,-52-18 0,17 0-1,0 18 1,-36 0 31,1-17-32,-1 17 1,1-18 0,0 18-16,35-18 31,-36 18-16,1 0-15,0-17 16,-1 17 0</inkml:trace>
+  <inkml:trace contextRef="#ctx0" brushRef="#br0" timeOffset="2008.29">8502 5927 0,'0'-18'16,"18"18"15,17 0-15,35 0-1,1 18 16,17-1-15,0 19 0,-17-19-1,-1 1 1,-52 0-16,0-18 16,17 17-1,36 18 1,-18 1-1,-1-19 1,-16-17 0,-19 18-1,19-18 17,-1 18-17,18-18 1,17 0-1,54 0 1,-89 17 0,71-17-1,-35 0 1,-36 0 0,-18 0-1,36 0 1,-17-17-1,34-1 1,-17 0 0,-18 18-1,18 0 1,-17-17 0,-1-1 15,124-35-16,-54 36 1,-34-19 0,17 19-1,-35-1 1,0-17 0</inkml:trace>
+  <inkml:trace contextRef="#ctx0" brushRef="#br0" timeOffset="3200.02">11342 5891 0,'0'-17'32,"17"17"-1,1 0-15,17 17-16,36 36 15,35-17 16,-71-19-31,36 36 16,-18-35 0,-1 17-1,1 0 1,18-17 0,-1-18-1,36 0 1,18 0-1,17 0 1,53 0 0,35-18-1,1-17 1,105-35 0,-159 34-1,-70 19 16,0-19-15,-36 19 0,-34-1-1,16 0 1,1-17 0,-17 0-1,17 17 1,-1-17-1,1 17 1,18-35 0</inkml:trace>
+</inkml:ink>
 </file>
 
 <file path=ppt/notesMasters/notesMaster1.xml><?xml version="1.0" encoding="utf-8"?>
@@ -713,7 +1997,7 @@
     </p:spTree>
     <p:extLst>
       <p:ext uri="{BB962C8B-B14F-4D97-AF65-F5344CB8AC3E}">
-        <p14:creationId xmlns:p14="http://schemas.microsoft.com/office/powerpoint/2010/main" xmlns="" val="3307674194"/>
+        <p14:creationId xmlns:p14="http://schemas.microsoft.com/office/powerpoint/2010/main" val="3307674194"/>
       </p:ext>
     </p:extLst>
   </p:cSld>
@@ -2388,7 +3672,7 @@
           </a:lstStyle>
           <a:p>
             <a:r>
-              <a:rPr lang="ko-KR" altLang="en-US" smtClean="0"/>
+              <a:rPr lang="ko-KR" altLang="en-US"/>
               <a:t>마스터 제목 스타일 편집</a:t>
             </a:r>
             <a:endParaRPr lang="en-US"/>
@@ -2521,7 +3805,7 @@
           </a:lstStyle>
           <a:p>
             <a:r>
-              <a:rPr lang="ko-KR" altLang="en-US" smtClean="0"/>
+              <a:rPr lang="ko-KR" altLang="en-US"/>
               <a:t>마스터 부제목 스타일 편집</a:t>
             </a:r>
             <a:endParaRPr lang="en-US"/>
@@ -2546,7 +3830,7 @@
             <a:fld id="{11B2AAEE-0ECC-4F9E-94C1-A5210D63F3AE}" type="datetimeFigureOut">
               <a:rPr lang="en-US" smtClean="0"/>
               <a:pPr/>
-              <a:t>10/19/2017</a:t>
+              <a:t>4/8/2021</a:t>
             </a:fld>
             <a:endParaRPr lang="en-US"/>
           </a:p>
@@ -2603,7 +3887,7 @@
     </p:spTree>
     <p:extLst>
       <p:ext uri="{BB962C8B-B14F-4D97-AF65-F5344CB8AC3E}">
-        <p14:creationId xmlns:p14="http://schemas.microsoft.com/office/powerpoint/2010/main" xmlns="" val="947387432"/>
+        <p14:creationId xmlns:p14="http://schemas.microsoft.com/office/powerpoint/2010/main" val="947387432"/>
       </p:ext>
     </p:extLst>
   </p:cSld>
@@ -4147,7 +5431,7 @@
           </a:lstStyle>
           <a:p>
             <a:r>
-              <a:rPr lang="ko-KR" altLang="en-US" smtClean="0"/>
+              <a:rPr lang="ko-KR" altLang="en-US"/>
               <a:t>마스터 제목 스타일 편집</a:t>
             </a:r>
             <a:endParaRPr lang="en-US"/>
@@ -4179,35 +5463,35 @@
           <a:p>
             <a:pPr lvl="0"/>
             <a:r>
-              <a:rPr lang="ko-KR" altLang="en-US" smtClean="0"/>
+              <a:rPr lang="ko-KR" altLang="en-US"/>
               <a:t>마스터 텍스트 스타일을 편집합니다</a:t>
             </a:r>
           </a:p>
           <a:p>
             <a:pPr lvl="1"/>
             <a:r>
-              <a:rPr lang="ko-KR" altLang="en-US" smtClean="0"/>
+              <a:rPr lang="ko-KR" altLang="en-US"/>
               <a:t>둘째 수준</a:t>
             </a:r>
           </a:p>
           <a:p>
             <a:pPr lvl="2"/>
             <a:r>
-              <a:rPr lang="ko-KR" altLang="en-US" smtClean="0"/>
+              <a:rPr lang="ko-KR" altLang="en-US"/>
               <a:t>셋째 수준</a:t>
             </a:r>
           </a:p>
           <a:p>
             <a:pPr lvl="3"/>
             <a:r>
-              <a:rPr lang="ko-KR" altLang="en-US" smtClean="0"/>
+              <a:rPr lang="ko-KR" altLang="en-US"/>
               <a:t>넷째 수준</a:t>
             </a:r>
           </a:p>
           <a:p>
             <a:pPr lvl="4"/>
             <a:r>
-              <a:rPr lang="ko-KR" altLang="en-US" smtClean="0"/>
+              <a:rPr lang="ko-KR" altLang="en-US"/>
               <a:t>다섯째 수준</a:t>
             </a:r>
             <a:endParaRPr lang="en-US"/>
@@ -4232,7 +5516,7 @@
             <a:fld id="{11B2AAEE-0ECC-4F9E-94C1-A5210D63F3AE}" type="datetimeFigureOut">
               <a:rPr lang="en-US" smtClean="0"/>
               <a:pPr/>
-              <a:t>10/19/2017</a:t>
+              <a:t>4/8/2021</a:t>
             </a:fld>
             <a:endParaRPr lang="en-US"/>
           </a:p>
@@ -4289,7 +5573,7 @@
     </p:spTree>
     <p:extLst>
       <p:ext uri="{BB962C8B-B14F-4D97-AF65-F5344CB8AC3E}">
-        <p14:creationId xmlns:p14="http://schemas.microsoft.com/office/powerpoint/2010/main" xmlns="" val="210100193"/>
+        <p14:creationId xmlns:p14="http://schemas.microsoft.com/office/powerpoint/2010/main" val="210100193"/>
       </p:ext>
     </p:extLst>
   </p:cSld>
@@ -5833,7 +7117,7 @@
           </a:lstStyle>
           <a:p>
             <a:r>
-              <a:rPr lang="ko-KR" altLang="en-US" smtClean="0"/>
+              <a:rPr lang="ko-KR" altLang="en-US"/>
               <a:t>마스터 제목 스타일 편집</a:t>
             </a:r>
             <a:endParaRPr lang="en-US"/>
@@ -5865,35 +7149,35 @@
           <a:p>
             <a:pPr lvl="0"/>
             <a:r>
-              <a:rPr lang="ko-KR" altLang="en-US" smtClean="0"/>
+              <a:rPr lang="ko-KR" altLang="en-US"/>
               <a:t>마스터 텍스트 스타일을 편집합니다</a:t>
             </a:r>
           </a:p>
           <a:p>
             <a:pPr lvl="1"/>
             <a:r>
-              <a:rPr lang="ko-KR" altLang="en-US" smtClean="0"/>
+              <a:rPr lang="ko-KR" altLang="en-US"/>
               <a:t>둘째 수준</a:t>
             </a:r>
           </a:p>
           <a:p>
             <a:pPr lvl="2"/>
             <a:r>
-              <a:rPr lang="ko-KR" altLang="en-US" smtClean="0"/>
+              <a:rPr lang="ko-KR" altLang="en-US"/>
               <a:t>셋째 수준</a:t>
             </a:r>
           </a:p>
           <a:p>
             <a:pPr lvl="3"/>
             <a:r>
-              <a:rPr lang="ko-KR" altLang="en-US" smtClean="0"/>
+              <a:rPr lang="ko-KR" altLang="en-US"/>
               <a:t>넷째 수준</a:t>
             </a:r>
           </a:p>
           <a:p>
             <a:pPr lvl="4"/>
             <a:r>
-              <a:rPr lang="ko-KR" altLang="en-US" smtClean="0"/>
+              <a:rPr lang="ko-KR" altLang="en-US"/>
               <a:t>다섯째 수준</a:t>
             </a:r>
             <a:endParaRPr lang="en-US"/>
@@ -5926,7 +7210,7 @@
             <a:fld id="{11B2AAEE-0ECC-4F9E-94C1-A5210D63F3AE}" type="datetimeFigureOut">
               <a:rPr lang="en-US" smtClean="0"/>
               <a:pPr/>
-              <a:t>10/19/2017</a:t>
+              <a:t>4/8/2021</a:t>
             </a:fld>
             <a:endParaRPr lang="en-US"/>
           </a:p>
@@ -5999,7 +7283,7 @@
     </p:spTree>
     <p:extLst>
       <p:ext uri="{BB962C8B-B14F-4D97-AF65-F5344CB8AC3E}">
-        <p14:creationId xmlns:p14="http://schemas.microsoft.com/office/powerpoint/2010/main" xmlns="" val="2583259103"/>
+        <p14:creationId xmlns:p14="http://schemas.microsoft.com/office/powerpoint/2010/main" val="2583259103"/>
       </p:ext>
     </p:extLst>
   </p:cSld>
@@ -6207,35 +7491,35 @@
           <a:p>
             <a:pPr lvl="0"/>
             <a:r>
-              <a:rPr lang="ko-KR" altLang="en-US" dirty="0" smtClean="0"/>
+              <a:rPr lang="ko-KR" altLang="en-US" dirty="0"/>
               <a:t>마스터 텍스트 스타일을 편집합니다</a:t>
             </a:r>
           </a:p>
           <a:p>
             <a:pPr lvl="1"/>
             <a:r>
-              <a:rPr lang="ko-KR" altLang="en-US" dirty="0" smtClean="0"/>
+              <a:rPr lang="ko-KR" altLang="en-US" dirty="0"/>
               <a:t>둘째 수준</a:t>
             </a:r>
           </a:p>
           <a:p>
             <a:pPr lvl="2"/>
             <a:r>
-              <a:rPr lang="ko-KR" altLang="en-US" dirty="0" smtClean="0"/>
+              <a:rPr lang="ko-KR" altLang="en-US" dirty="0"/>
               <a:t>셋째 수준</a:t>
             </a:r>
           </a:p>
           <a:p>
             <a:pPr lvl="3"/>
             <a:r>
-              <a:rPr lang="ko-KR" altLang="en-US" dirty="0" smtClean="0"/>
+              <a:rPr lang="ko-KR" altLang="en-US" dirty="0"/>
               <a:t>넷째 수준</a:t>
             </a:r>
           </a:p>
           <a:p>
             <a:pPr lvl="4"/>
             <a:r>
-              <a:rPr lang="ko-KR" altLang="en-US" dirty="0" smtClean="0"/>
+              <a:rPr lang="ko-KR" altLang="en-US" dirty="0"/>
               <a:t>다섯째 수준</a:t>
             </a:r>
             <a:endParaRPr lang="en-US" dirty="0"/>
@@ -6260,7 +7544,7 @@
             <a:fld id="{11B2AAEE-0ECC-4F9E-94C1-A5210D63F3AE}" type="datetimeFigureOut">
               <a:rPr lang="en-US" smtClean="0"/>
               <a:pPr/>
-              <a:t>10/19/2017</a:t>
+              <a:t>4/8/2021</a:t>
             </a:fld>
             <a:endParaRPr lang="en-US"/>
           </a:p>
@@ -6592,7 +7876,7 @@
           </a:lstStyle>
           <a:p>
             <a:r>
-              <a:rPr lang="ko-KR" altLang="en-US" dirty="0" smtClean="0"/>
+              <a:rPr lang="ko-KR" altLang="en-US" dirty="0"/>
               <a:t>마스터 제목 스타일 편집</a:t>
             </a:r>
             <a:endParaRPr lang="en-US" dirty="0"/>
@@ -6634,7 +7918,7 @@
     </p:spTree>
     <p:extLst>
       <p:ext uri="{BB962C8B-B14F-4D97-AF65-F5344CB8AC3E}">
-        <p14:creationId xmlns:p14="http://schemas.microsoft.com/office/powerpoint/2010/main" xmlns="" val="1668913289"/>
+        <p14:creationId xmlns:p14="http://schemas.microsoft.com/office/powerpoint/2010/main" val="1668913289"/>
       </p:ext>
     </p:extLst>
   </p:cSld>
@@ -7874,7 +9158,7 @@
           </a:lstStyle>
           <a:p>
             <a:r>
-              <a:rPr lang="ko-KR" altLang="en-US" smtClean="0"/>
+              <a:rPr lang="ko-KR" altLang="en-US"/>
               <a:t>마스터 제목 스타일 편집</a:t>
             </a:r>
             <a:endParaRPr lang="en-US"/>
@@ -7997,7 +9281,7 @@
           <a:p>
             <a:pPr lvl="0"/>
             <a:r>
-              <a:rPr lang="ko-KR" altLang="en-US" smtClean="0"/>
+              <a:rPr lang="ko-KR" altLang="en-US"/>
               <a:t>마스터 텍스트 스타일을 편집합니다</a:t>
             </a:r>
           </a:p>
@@ -8021,7 +9305,7 @@
             <a:fld id="{11B2AAEE-0ECC-4F9E-94C1-A5210D63F3AE}" type="datetimeFigureOut">
               <a:rPr lang="en-US" smtClean="0"/>
               <a:pPr/>
-              <a:t>10/19/2017</a:t>
+              <a:t>4/8/2021</a:t>
             </a:fld>
             <a:endParaRPr lang="en-US"/>
           </a:p>
@@ -8078,7 +9362,7 @@
     </p:spTree>
     <p:extLst>
       <p:ext uri="{BB962C8B-B14F-4D97-AF65-F5344CB8AC3E}">
-        <p14:creationId xmlns:p14="http://schemas.microsoft.com/office/powerpoint/2010/main" xmlns="" val="2344075942"/>
+        <p14:creationId xmlns:p14="http://schemas.microsoft.com/office/powerpoint/2010/main" val="2344075942"/>
       </p:ext>
     </p:extLst>
   </p:cSld>
@@ -8820,7 +10104,7 @@
           <a:lstStyle/>
           <a:p>
             <a:r>
-              <a:rPr lang="ko-KR" altLang="en-US" smtClean="0"/>
+              <a:rPr lang="ko-KR" altLang="en-US"/>
               <a:t>마스터 제목 스타일 편집</a:t>
             </a:r>
             <a:endParaRPr lang="en-US"/>
@@ -8880,35 +10164,35 @@
           <a:p>
             <a:pPr lvl="0"/>
             <a:r>
-              <a:rPr lang="ko-KR" altLang="en-US" smtClean="0"/>
+              <a:rPr lang="ko-KR" altLang="en-US"/>
               <a:t>마스터 텍스트 스타일을 편집합니다</a:t>
             </a:r>
           </a:p>
           <a:p>
             <a:pPr lvl="1"/>
             <a:r>
-              <a:rPr lang="ko-KR" altLang="en-US" smtClean="0"/>
+              <a:rPr lang="ko-KR" altLang="en-US"/>
               <a:t>둘째 수준</a:t>
             </a:r>
           </a:p>
           <a:p>
             <a:pPr lvl="2"/>
             <a:r>
-              <a:rPr lang="ko-KR" altLang="en-US" smtClean="0"/>
+              <a:rPr lang="ko-KR" altLang="en-US"/>
               <a:t>셋째 수준</a:t>
             </a:r>
           </a:p>
           <a:p>
             <a:pPr lvl="3"/>
             <a:r>
-              <a:rPr lang="ko-KR" altLang="en-US" smtClean="0"/>
+              <a:rPr lang="ko-KR" altLang="en-US"/>
               <a:t>넷째 수준</a:t>
             </a:r>
           </a:p>
           <a:p>
             <a:pPr lvl="4"/>
             <a:r>
-              <a:rPr lang="ko-KR" altLang="en-US" smtClean="0"/>
+              <a:rPr lang="ko-KR" altLang="en-US"/>
               <a:t>다섯째 수준</a:t>
             </a:r>
             <a:endParaRPr lang="en-US"/>
@@ -8968,35 +10252,35 @@
           <a:p>
             <a:pPr lvl="0"/>
             <a:r>
-              <a:rPr lang="ko-KR" altLang="en-US" smtClean="0"/>
+              <a:rPr lang="ko-KR" altLang="en-US"/>
               <a:t>마스터 텍스트 스타일을 편집합니다</a:t>
             </a:r>
           </a:p>
           <a:p>
             <a:pPr lvl="1"/>
             <a:r>
-              <a:rPr lang="ko-KR" altLang="en-US" smtClean="0"/>
+              <a:rPr lang="ko-KR" altLang="en-US"/>
               <a:t>둘째 수준</a:t>
             </a:r>
           </a:p>
           <a:p>
             <a:pPr lvl="2"/>
             <a:r>
-              <a:rPr lang="ko-KR" altLang="en-US" smtClean="0"/>
+              <a:rPr lang="ko-KR" altLang="en-US"/>
               <a:t>셋째 수준</a:t>
             </a:r>
           </a:p>
           <a:p>
             <a:pPr lvl="3"/>
             <a:r>
-              <a:rPr lang="ko-KR" altLang="en-US" smtClean="0"/>
+              <a:rPr lang="ko-KR" altLang="en-US"/>
               <a:t>넷째 수준</a:t>
             </a:r>
           </a:p>
           <a:p>
             <a:pPr lvl="4"/>
             <a:r>
-              <a:rPr lang="ko-KR" altLang="en-US" smtClean="0"/>
+              <a:rPr lang="ko-KR" altLang="en-US"/>
               <a:t>다섯째 수준</a:t>
             </a:r>
             <a:endParaRPr lang="en-US"/>
@@ -9021,7 +10305,7 @@
             <a:fld id="{11B2AAEE-0ECC-4F9E-94C1-A5210D63F3AE}" type="datetimeFigureOut">
               <a:rPr lang="en-US" smtClean="0"/>
               <a:pPr/>
-              <a:t>10/19/2017</a:t>
+              <a:t>4/8/2021</a:t>
             </a:fld>
             <a:endParaRPr lang="en-US"/>
           </a:p>
@@ -9078,7 +10362,7 @@
     </p:spTree>
     <p:extLst>
       <p:ext uri="{BB962C8B-B14F-4D97-AF65-F5344CB8AC3E}">
-        <p14:creationId xmlns:p14="http://schemas.microsoft.com/office/powerpoint/2010/main" xmlns="" val="1157945477"/>
+        <p14:creationId xmlns:p14="http://schemas.microsoft.com/office/powerpoint/2010/main" val="1157945477"/>
       </p:ext>
     </p:extLst>
   </p:cSld>
@@ -9158,35 +10442,35 @@
           <a:p>
             <a:pPr lvl="0"/>
             <a:r>
-              <a:rPr lang="ko-KR" altLang="en-US" smtClean="0"/>
+              <a:rPr lang="ko-KR" altLang="en-US"/>
               <a:t>마스터 텍스트 스타일을 편집합니다</a:t>
             </a:r>
           </a:p>
           <a:p>
             <a:pPr lvl="1"/>
             <a:r>
-              <a:rPr lang="ko-KR" altLang="en-US" smtClean="0"/>
+              <a:rPr lang="ko-KR" altLang="en-US"/>
               <a:t>둘째 수준</a:t>
             </a:r>
           </a:p>
           <a:p>
             <a:pPr lvl="2"/>
             <a:r>
-              <a:rPr lang="ko-KR" altLang="en-US" smtClean="0"/>
+              <a:rPr lang="ko-KR" altLang="en-US"/>
               <a:t>셋째 수준</a:t>
             </a:r>
           </a:p>
           <a:p>
             <a:pPr lvl="3"/>
             <a:r>
-              <a:rPr lang="ko-KR" altLang="en-US" smtClean="0"/>
+              <a:rPr lang="ko-KR" altLang="en-US"/>
               <a:t>넷째 수준</a:t>
             </a:r>
           </a:p>
           <a:p>
             <a:pPr lvl="4"/>
             <a:r>
-              <a:rPr lang="ko-KR" altLang="en-US" smtClean="0"/>
+              <a:rPr lang="ko-KR" altLang="en-US"/>
               <a:t>다섯째 수준</a:t>
             </a:r>
             <a:endParaRPr lang="en-US"/>
@@ -9246,35 +10530,35 @@
           <a:p>
             <a:pPr lvl="0"/>
             <a:r>
-              <a:rPr lang="ko-KR" altLang="en-US" smtClean="0"/>
+              <a:rPr lang="ko-KR" altLang="en-US"/>
               <a:t>마스터 텍스트 스타일을 편집합니다</a:t>
             </a:r>
           </a:p>
           <a:p>
             <a:pPr lvl="1"/>
             <a:r>
-              <a:rPr lang="ko-KR" altLang="en-US" smtClean="0"/>
+              <a:rPr lang="ko-KR" altLang="en-US"/>
               <a:t>둘째 수준</a:t>
             </a:r>
           </a:p>
           <a:p>
             <a:pPr lvl="2"/>
             <a:r>
-              <a:rPr lang="ko-KR" altLang="en-US" smtClean="0"/>
+              <a:rPr lang="ko-KR" altLang="en-US"/>
               <a:t>셋째 수준</a:t>
             </a:r>
           </a:p>
           <a:p>
             <a:pPr lvl="3"/>
             <a:r>
-              <a:rPr lang="ko-KR" altLang="en-US" smtClean="0"/>
+              <a:rPr lang="ko-KR" altLang="en-US"/>
               <a:t>넷째 수준</a:t>
             </a:r>
           </a:p>
           <a:p>
             <a:pPr lvl="4"/>
             <a:r>
-              <a:rPr lang="ko-KR" altLang="en-US" smtClean="0"/>
+              <a:rPr lang="ko-KR" altLang="en-US"/>
               <a:t>다섯째 수준</a:t>
             </a:r>
             <a:endParaRPr lang="en-US"/>
@@ -9299,7 +10583,7 @@
             <a:fld id="{11B2AAEE-0ECC-4F9E-94C1-A5210D63F3AE}" type="datetimeFigureOut">
               <a:rPr lang="en-US" smtClean="0"/>
               <a:pPr/>
-              <a:t>10/19/2017</a:t>
+              <a:t>4/8/2021</a:t>
             </a:fld>
             <a:endParaRPr lang="en-US"/>
           </a:p>
@@ -9561,7 +10845,7 @@
           </a:lstStyle>
           <a:p>
             <a:r>
-              <a:rPr lang="ko-KR" altLang="en-US" smtClean="0"/>
+              <a:rPr lang="ko-KR" altLang="en-US"/>
               <a:t>마스터 제목 스타일 편집</a:t>
             </a:r>
             <a:endParaRPr lang="en-US"/>
@@ -9634,7 +10918,7 @@
           <a:p>
             <a:pPr lvl="0"/>
             <a:r>
-              <a:rPr lang="ko-KR" altLang="en-US" smtClean="0"/>
+              <a:rPr lang="ko-KR" altLang="en-US"/>
               <a:t>마스터 텍스트 스타일을 편집합니다</a:t>
             </a:r>
           </a:p>
@@ -9706,7 +10990,7 @@
           <a:p>
             <a:pPr lvl="0"/>
             <a:r>
-              <a:rPr lang="ko-KR" altLang="en-US" smtClean="0"/>
+              <a:rPr lang="ko-KR" altLang="en-US"/>
               <a:t>마스터 텍스트 스타일을 편집합니다</a:t>
             </a:r>
           </a:p>
@@ -9715,7 +10999,7 @@
     </p:spTree>
     <p:extLst>
       <p:ext uri="{BB962C8B-B14F-4D97-AF65-F5344CB8AC3E}">
-        <p14:creationId xmlns:p14="http://schemas.microsoft.com/office/powerpoint/2010/main" xmlns="" val="449413840"/>
+        <p14:creationId xmlns:p14="http://schemas.microsoft.com/office/powerpoint/2010/main" val="449413840"/>
       </p:ext>
     </p:extLst>
   </p:cSld>
@@ -10409,7 +11693,7 @@
             <a:fld id="{11B2AAEE-0ECC-4F9E-94C1-A5210D63F3AE}" type="datetimeFigureOut">
               <a:rPr lang="en-US" smtClean="0"/>
               <a:pPr/>
-              <a:t>10/19/2017</a:t>
+              <a:t>4/8/2021</a:t>
             </a:fld>
             <a:endParaRPr lang="en-US"/>
           </a:p>
@@ -11340,7 +12624,7 @@
           </a:lstStyle>
           <a:p>
             <a:r>
-              <a:rPr lang="ko-KR" altLang="en-US" smtClean="0"/>
+              <a:rPr lang="ko-KR" altLang="en-US"/>
               <a:t>마스터 제목 스타일 편집</a:t>
             </a:r>
             <a:endParaRPr lang="en-US"/>
@@ -11350,7 +12634,7 @@
     </p:spTree>
     <p:extLst>
       <p:ext uri="{BB962C8B-B14F-4D97-AF65-F5344CB8AC3E}">
-        <p14:creationId xmlns:p14="http://schemas.microsoft.com/office/powerpoint/2010/main" xmlns="" val="3932453460"/>
+        <p14:creationId xmlns:p14="http://schemas.microsoft.com/office/powerpoint/2010/main" val="3932453460"/>
       </p:ext>
     </p:extLst>
   </p:cSld>
@@ -11395,7 +12679,7 @@
             <a:fld id="{11B2AAEE-0ECC-4F9E-94C1-A5210D63F3AE}" type="datetimeFigureOut">
               <a:rPr lang="en-US" smtClean="0"/>
               <a:pPr/>
-              <a:t>10/19/2017</a:t>
+              <a:t>4/8/2021</a:t>
             </a:fld>
             <a:endParaRPr lang="en-US"/>
           </a:p>
@@ -12955,7 +14239,7 @@
     </p:spTree>
     <p:extLst>
       <p:ext uri="{BB962C8B-B14F-4D97-AF65-F5344CB8AC3E}">
-        <p14:creationId xmlns:p14="http://schemas.microsoft.com/office/powerpoint/2010/main" xmlns="" val="1130809479"/>
+        <p14:creationId xmlns:p14="http://schemas.microsoft.com/office/powerpoint/2010/main" val="1130809479"/>
       </p:ext>
     </p:extLst>
   </p:cSld>
@@ -14729,7 +16013,7 @@
           </a:lstStyle>
           <a:p>
             <a:r>
-              <a:rPr lang="ko-KR" altLang="en-US" smtClean="0"/>
+              <a:rPr lang="ko-KR" altLang="en-US"/>
               <a:t>마스터 제목 스타일 편집</a:t>
             </a:r>
             <a:endParaRPr lang="en-US"/>
@@ -14789,35 +16073,35 @@
           <a:p>
             <a:pPr lvl="0"/>
             <a:r>
-              <a:rPr lang="ko-KR" altLang="en-US" smtClean="0"/>
+              <a:rPr lang="ko-KR" altLang="en-US"/>
               <a:t>마스터 텍스트 스타일을 편집합니다</a:t>
             </a:r>
           </a:p>
           <a:p>
             <a:pPr lvl="1"/>
             <a:r>
-              <a:rPr lang="ko-KR" altLang="en-US" smtClean="0"/>
+              <a:rPr lang="ko-KR" altLang="en-US"/>
               <a:t>둘째 수준</a:t>
             </a:r>
           </a:p>
           <a:p>
             <a:pPr lvl="2"/>
             <a:r>
-              <a:rPr lang="ko-KR" altLang="en-US" smtClean="0"/>
+              <a:rPr lang="ko-KR" altLang="en-US"/>
               <a:t>셋째 수준</a:t>
             </a:r>
           </a:p>
           <a:p>
             <a:pPr lvl="3"/>
             <a:r>
-              <a:rPr lang="ko-KR" altLang="en-US" smtClean="0"/>
+              <a:rPr lang="ko-KR" altLang="en-US"/>
               <a:t>넷째 수준</a:t>
             </a:r>
           </a:p>
           <a:p>
             <a:pPr lvl="4"/>
             <a:r>
-              <a:rPr lang="ko-KR" altLang="en-US" smtClean="0"/>
+              <a:rPr lang="ko-KR" altLang="en-US"/>
               <a:t>다섯째 수준</a:t>
             </a:r>
             <a:endParaRPr lang="en-US"/>
@@ -14886,7 +16170,7 @@
           <a:p>
             <a:pPr lvl="0"/>
             <a:r>
-              <a:rPr lang="ko-KR" altLang="en-US" smtClean="0"/>
+              <a:rPr lang="ko-KR" altLang="en-US"/>
               <a:t>마스터 텍스트 스타일을 편집합니다</a:t>
             </a:r>
           </a:p>
@@ -14915,7 +16199,7 @@
             <a:fld id="{11B2AAEE-0ECC-4F9E-94C1-A5210D63F3AE}" type="datetimeFigureOut">
               <a:rPr lang="en-US" smtClean="0"/>
               <a:pPr/>
-              <a:t>10/19/2017</a:t>
+              <a:t>4/8/2021</a:t>
             </a:fld>
             <a:endParaRPr lang="en-US"/>
           </a:p>
@@ -14972,7 +16256,7 @@
     </p:spTree>
     <p:extLst>
       <p:ext uri="{BB962C8B-B14F-4D97-AF65-F5344CB8AC3E}">
-        <p14:creationId xmlns:p14="http://schemas.microsoft.com/office/powerpoint/2010/main" xmlns="" val="3398977628"/>
+        <p14:creationId xmlns:p14="http://schemas.microsoft.com/office/powerpoint/2010/main" val="3398977628"/>
       </p:ext>
     </p:extLst>
   </p:cSld>
@@ -15028,7 +16312,7 @@
           </a:lstStyle>
           <a:p>
             <a:r>
-              <a:rPr lang="ko-KR" altLang="en-US" smtClean="0"/>
+              <a:rPr lang="ko-KR" altLang="en-US"/>
               <a:t>마스터 제목 스타일 편집</a:t>
             </a:r>
             <a:endParaRPr lang="en-US"/>
@@ -15096,7 +16380,7 @@
           </a:lstStyle>
           <a:p>
             <a:r>
-              <a:rPr lang="ko-KR" altLang="en-US" smtClean="0"/>
+              <a:rPr lang="ko-KR" altLang="en-US"/>
               <a:t>그림을 추가하려면 아이콘을 클릭하십시오</a:t>
             </a:r>
             <a:endParaRPr lang="en-US"/>
@@ -15165,7 +16449,7 @@
           <a:p>
             <a:pPr lvl="0"/>
             <a:r>
-              <a:rPr lang="ko-KR" altLang="en-US" smtClean="0"/>
+              <a:rPr lang="ko-KR" altLang="en-US"/>
               <a:t>마스터 텍스트 스타일을 편집합니다</a:t>
             </a:r>
           </a:p>
@@ -15194,7 +16478,7 @@
             <a:fld id="{11B2AAEE-0ECC-4F9E-94C1-A5210D63F3AE}" type="datetimeFigureOut">
               <a:rPr lang="en-US" smtClean="0"/>
               <a:pPr/>
-              <a:t>10/19/2017</a:t>
+              <a:t>4/8/2021</a:t>
             </a:fld>
             <a:endParaRPr lang="en-US"/>
           </a:p>
@@ -17148,7 +18432,7 @@
     </p:spTree>
     <p:extLst>
       <p:ext uri="{BB962C8B-B14F-4D97-AF65-F5344CB8AC3E}">
-        <p14:creationId xmlns:p14="http://schemas.microsoft.com/office/powerpoint/2010/main" xmlns="" val="430621435"/>
+        <p14:creationId xmlns:p14="http://schemas.microsoft.com/office/powerpoint/2010/main" val="430621435"/>
       </p:ext>
     </p:extLst>
   </p:cSld>
@@ -17964,7 +19248,7 @@
               <a:pPr lvl="0">
                 <a:defRPr lang="ko-KR" altLang="en-US"/>
               </a:pPr>
-              <a:t>10/19/2017</a:t>
+              <a:t>4/8/2021</a:t>
             </a:fld>
             <a:endParaRPr lang="en-US"/>
           </a:p>
@@ -18741,21 +20025,21 @@
               <a:t>제</a:t>
             </a:r>
             <a:r>
-              <a:rPr lang="en-US" altLang="ko-KR" sz="3600" i="1" dirty="0" smtClean="0">
+              <a:rPr lang="en-US" altLang="ko-KR" sz="3600" i="1" dirty="0">
                 <a:latin typeface="Comic Sans MS"/>
                 <a:ea typeface="HY엽서L"/>
               </a:rPr>
               <a:t>18</a:t>
             </a:r>
             <a:r>
-              <a:rPr lang="ko-KR" altLang="en-US" sz="3600" i="1" dirty="0" smtClean="0">
+              <a:rPr lang="ko-KR" altLang="en-US" sz="3600" i="1" dirty="0">
                 <a:latin typeface="Comic Sans MS"/>
                 <a:ea typeface="HY엽서L"/>
               </a:rPr>
               <a:t>장 </a:t>
             </a:r>
             <a:r>
-              <a:rPr lang="ko-KR" altLang="en-US" sz="3600" i="1" dirty="0" err="1" smtClean="0">
+              <a:rPr lang="ko-KR" altLang="en-US" sz="3600" i="1" dirty="0" err="1">
                 <a:latin typeface="Comic Sans MS"/>
                 <a:ea typeface="HY엽서L"/>
               </a:rPr>
@@ -19025,7 +20309,7 @@
           <a:blip r:embed="rId2" cstate="print">
             <a:extLst>
               <a:ext uri="{28A0092B-C50C-407E-A947-70E740481C1C}">
-                <a14:useLocalDpi xmlns:a14="http://schemas.microsoft.com/office/drawing/2010/main" xmlns="" val="0"/>
+                <a14:useLocalDpi xmlns:a14="http://schemas.microsoft.com/office/drawing/2010/main" val="0"/>
               </a:ext>
             </a:extLst>
           </a:blip>
@@ -19048,14 +20332,14 @@
           </a:ln>
           <a:extLst>
             <a:ext uri="{909E8E84-426E-40DD-AFC4-6F175D3DCCD1}">
-              <a14:hiddenFill xmlns:a14="http://schemas.microsoft.com/office/drawing/2010/main" xmlns="">
+              <a14:hiddenFill xmlns:a14="http://schemas.microsoft.com/office/drawing/2010/main">
                 <a:solidFill>
                   <a:schemeClr val="accent1"/>
                 </a:solidFill>
               </a14:hiddenFill>
             </a:ext>
             <a:ext uri="{91240B29-F687-4F45-9708-019B960494DF}">
-              <a14:hiddenLine xmlns:a14="http://schemas.microsoft.com/office/drawing/2010/main" xmlns="" w="9525">
+              <a14:hiddenLine xmlns:a14="http://schemas.microsoft.com/office/drawing/2010/main" w="9525">
                 <a:solidFill>
                   <a:schemeClr val="tx1"/>
                 </a:solidFill>
@@ -19067,19 +20351,63 @@
           </a:extLst>
         </p:spPr>
       </p:pic>
+      <mc:AlternateContent xmlns:mc="http://schemas.openxmlformats.org/markup-compatibility/2006">
+        <mc:Choice xmlns:p14="http://schemas.microsoft.com/office/powerpoint/2010/main" Requires="p14">
+          <p:contentPart p14:bwMode="auto" r:id="rId3">
+            <p14:nvContentPartPr>
+              <p14:cNvPr id="2" name="잉크 1">
+                <a:extLst>
+                  <a:ext uri="{FF2B5EF4-FFF2-40B4-BE49-F238E27FC236}">
+                    <a16:creationId xmlns:a16="http://schemas.microsoft.com/office/drawing/2014/main" id="{10B73BF8-04C8-49C5-91DA-A3612420F63D}"/>
+                  </a:ext>
+                </a:extLst>
+              </p14:cNvPr>
+              <p14:cNvContentPartPr/>
+              <p14:nvPr/>
+            </p14:nvContentPartPr>
+            <p14:xfrm>
+              <a:off x="1263600" y="146160"/>
+              <a:ext cx="6540840" cy="2629080"/>
+            </p14:xfrm>
+          </p:contentPart>
+        </mc:Choice>
+        <mc:Fallback>
+          <p:pic>
+            <p:nvPicPr>
+              <p:cNvPr id="2" name="잉크 1">
+                <a:extLst>
+                  <a:ext uri="{FF2B5EF4-FFF2-40B4-BE49-F238E27FC236}">
+                    <a16:creationId xmlns:a16="http://schemas.microsoft.com/office/drawing/2014/main" id="{10B73BF8-04C8-49C5-91DA-A3612420F63D}"/>
+                  </a:ext>
+                </a:extLst>
+              </p:cNvPr>
+              <p:cNvPicPr/>
+              <p:nvPr/>
+            </p:nvPicPr>
+            <p:blipFill>
+              <a:blip r:embed="rId4"/>
+              <a:stretch>
+                <a:fillRect/>
+              </a:stretch>
+            </p:blipFill>
+            <p:spPr>
+              <a:xfrm>
+                <a:off x="1254240" y="136800"/>
+                <a:ext cx="6559560" cy="2647800"/>
+              </a:xfrm>
+              <a:prstGeom prst="rect">
+                <a:avLst/>
+              </a:prstGeom>
+            </p:spPr>
+          </p:pic>
+        </mc:Fallback>
+      </mc:AlternateContent>
     </p:spTree>
   </p:cSld>
   <p:clrMapOvr>
     <a:masterClrMapping/>
   </p:clrMapOvr>
   <p:transition spd="slow"/>
-  <p:timing>
-    <p:tnLst>
-      <p:par>
-        <p:cTn id="1" dur="indefinite" restart="never" nodeType="tmRoot"/>
-      </p:par>
-    </p:tnLst>
-  </p:timing>
 </p:sld>
 </file>
 
@@ -19891,14 +21219,14 @@
           <a:effectLst/>
           <a:extLst>
             <a:ext uri="{909E8E84-426E-40DD-AFC4-6F175D3DCCD1}">
-              <a14:hiddenFill xmlns:a14="http://schemas.microsoft.com/office/drawing/2010/main" xmlns="">
+              <a14:hiddenFill xmlns:a14="http://schemas.microsoft.com/office/drawing/2010/main">
                 <a:solidFill>
                   <a:schemeClr val="accent1"/>
                 </a:solidFill>
               </a14:hiddenFill>
             </a:ext>
             <a:ext uri="{91240B29-F687-4F45-9708-019B960494DF}">
-              <a14:hiddenLine xmlns:a14="http://schemas.microsoft.com/office/drawing/2010/main" xmlns="" w="9525">
+              <a14:hiddenLine xmlns:a14="http://schemas.microsoft.com/office/drawing/2010/main" w="9525">
                 <a:solidFill>
                   <a:schemeClr val="tx1"/>
                 </a:solidFill>
@@ -19908,7 +21236,7 @@
               </a14:hiddenLine>
             </a:ext>
             <a:ext uri="{AF507438-7753-43E0-B8FC-AC1667EBCBE1}">
-              <a14:hiddenEffects xmlns:a14="http://schemas.microsoft.com/office/drawing/2010/main" xmlns="">
+              <a14:hiddenEffects xmlns:a14="http://schemas.microsoft.com/office/drawing/2010/main">
                 <a:effectLst>
                   <a:outerShdw dist="35921" dir="2700000" algn="ctr" rotWithShape="0">
                     <a:schemeClr val="bg2"/>
@@ -19931,28 +21259,13 @@
     </p:spTree>
     <p:extLst>
       <p:ext uri="{BB962C8B-B14F-4D97-AF65-F5344CB8AC3E}">
-        <p14:creationId xmlns:p14="http://schemas.microsoft.com/office/powerpoint/2010/main" xmlns="" val="863602350"/>
+        <p14:creationId xmlns:p14="http://schemas.microsoft.com/office/powerpoint/2010/main" val="863602350"/>
       </p:ext>
     </p:extLst>
   </p:cSld>
   <p:clrMapOvr>
     <a:masterClrMapping/>
   </p:clrMapOvr>
-  <mc:AlternateContent xmlns:mc="http://schemas.openxmlformats.org/markup-compatibility/2006">
-    <mc:Choice xmlns:p14="http://schemas.microsoft.com/office/powerpoint/2010/main" xmlns="" Requires="p14">
-      <p:transition spd="slow" p14:dur="2000"/>
-    </mc:Choice>
-    <mc:Fallback>
-      <p:transition spd="slow"/>
-    </mc:Fallback>
-  </mc:AlternateContent>
-  <p:timing>
-    <p:tnLst>
-      <p:par>
-        <p:cTn id="1" dur="indefinite" restart="never" nodeType="tmRoot"/>
-      </p:par>
-    </p:tnLst>
-  </p:timing>
 </p:sld>
 </file>
 
@@ -20047,7 +21360,7 @@
             </a:clrChange>
             <a:extLst>
               <a:ext uri="{28A0092B-C50C-407E-A947-70E740481C1C}">
-                <a14:useLocalDpi xmlns:a14="http://schemas.microsoft.com/office/drawing/2010/main" xmlns="" val="0"/>
+                <a14:useLocalDpi xmlns:a14="http://schemas.microsoft.com/office/drawing/2010/main" val="0"/>
               </a:ext>
             </a:extLst>
           </a:blip>
@@ -20071,14 +21384,14 @@
           <a:effectLst/>
           <a:extLst>
             <a:ext uri="{909E8E84-426E-40DD-AFC4-6F175D3DCCD1}">
-              <a14:hiddenFill xmlns:a14="http://schemas.microsoft.com/office/drawing/2010/main" xmlns="">
+              <a14:hiddenFill xmlns:a14="http://schemas.microsoft.com/office/drawing/2010/main">
                 <a:solidFill>
                   <a:schemeClr val="accent1"/>
                 </a:solidFill>
               </a14:hiddenFill>
             </a:ext>
             <a:ext uri="{91240B29-F687-4F45-9708-019B960494DF}">
-              <a14:hiddenLine xmlns:a14="http://schemas.microsoft.com/office/drawing/2010/main" xmlns="" w="9525">
+              <a14:hiddenLine xmlns:a14="http://schemas.microsoft.com/office/drawing/2010/main" w="9525">
                 <a:solidFill>
                   <a:schemeClr val="tx1"/>
                 </a:solidFill>
@@ -20088,7 +21401,7 @@
               </a14:hiddenLine>
             </a:ext>
             <a:ext uri="{AF507438-7753-43E0-B8FC-AC1667EBCBE1}">
-              <a14:hiddenEffects xmlns:a14="http://schemas.microsoft.com/office/drawing/2010/main" xmlns="">
+              <a14:hiddenEffects xmlns:a14="http://schemas.microsoft.com/office/drawing/2010/main">
                 <a:effectLst>
                   <a:outerShdw dist="35921" dir="2700000" algn="ctr" rotWithShape="0">
                     <a:schemeClr val="bg2"/>
@@ -20122,7 +21435,7 @@
           <a:lstStyle/>
           <a:p>
             <a:r>
-              <a:rPr lang="en-US" altLang="ko-KR" sz="1600" dirty="0" smtClean="0">
+              <a:rPr lang="en-US" altLang="ko-KR" sz="1600" dirty="0">
                 <a:latin typeface="HY바다L" pitchFamily="18" charset="-127"/>
                 <a:ea typeface="HY바다L" pitchFamily="18" charset="-127"/>
               </a:rPr>
@@ -20131,7 +21444,7 @@
           </a:p>
           <a:p>
             <a:r>
-              <a:rPr lang="en-US" altLang="ko-KR" sz="1600" dirty="0" smtClean="0">
+              <a:rPr lang="en-US" altLang="ko-KR" sz="1600" dirty="0">
                 <a:latin typeface="HY바다L" pitchFamily="18" charset="-127"/>
                 <a:ea typeface="HY바다L" pitchFamily="18" charset="-127"/>
               </a:rPr>
@@ -20144,31 +21457,178 @@
           </a:p>
         </p:txBody>
       </p:sp>
+      <mc:AlternateContent xmlns:mc="http://schemas.openxmlformats.org/markup-compatibility/2006">
+        <mc:Choice xmlns:p14="http://schemas.microsoft.com/office/powerpoint/2010/main" Requires="p14">
+          <p:contentPart p14:bwMode="auto" r:id="rId3">
+            <p14:nvContentPartPr>
+              <p14:cNvPr id="2" name="잉크 1">
+                <a:extLst>
+                  <a:ext uri="{FF2B5EF4-FFF2-40B4-BE49-F238E27FC236}">
+                    <a16:creationId xmlns:a16="http://schemas.microsoft.com/office/drawing/2014/main" id="{FC41E480-CF19-4819-B71D-D452F2A10842}"/>
+                  </a:ext>
+                </a:extLst>
+              </p14:cNvPr>
+              <p14:cNvContentPartPr/>
+              <p14:nvPr/>
+            </p14:nvContentPartPr>
+            <p14:xfrm>
+              <a:off x="2311560" y="1822320"/>
+              <a:ext cx="3746880" cy="3512160"/>
+            </p14:xfrm>
+          </p:contentPart>
+        </mc:Choice>
+        <mc:Fallback>
+          <p:pic>
+            <p:nvPicPr>
+              <p:cNvPr id="2" name="잉크 1">
+                <a:extLst>
+                  <a:ext uri="{FF2B5EF4-FFF2-40B4-BE49-F238E27FC236}">
+                    <a16:creationId xmlns:a16="http://schemas.microsoft.com/office/drawing/2014/main" id="{FC41E480-CF19-4819-B71D-D452F2A10842}"/>
+                  </a:ext>
+                </a:extLst>
+              </p:cNvPr>
+              <p:cNvPicPr/>
+              <p:nvPr/>
+            </p:nvPicPr>
+            <p:blipFill>
+              <a:blip r:embed="rId4"/>
+              <a:stretch>
+                <a:fillRect/>
+              </a:stretch>
+            </p:blipFill>
+            <p:spPr>
+              <a:xfrm>
+                <a:off x="2302200" y="1812960"/>
+                <a:ext cx="3765600" cy="3530880"/>
+              </a:xfrm>
+              <a:prstGeom prst="rect">
+                <a:avLst/>
+              </a:prstGeom>
+            </p:spPr>
+          </p:pic>
+        </mc:Fallback>
+      </mc:AlternateContent>
+      <p:sp>
+        <p:nvSpPr>
+          <p:cNvPr id="3" name="TextBox 2">
+            <a:extLst>
+              <a:ext uri="{FF2B5EF4-FFF2-40B4-BE49-F238E27FC236}">
+                <a16:creationId xmlns:a16="http://schemas.microsoft.com/office/drawing/2014/main" id="{7ACEB588-52DD-4EF3-8B97-14696894BB36}"/>
+              </a:ext>
+            </a:extLst>
+          </p:cNvPr>
+          <p:cNvSpPr txBox="1"/>
+          <p:nvPr/>
+        </p:nvSpPr>
+        <p:spPr>
+          <a:xfrm>
+            <a:off x="897928" y="3479733"/>
+            <a:ext cx="1520792" cy="584775"/>
+          </a:xfrm>
+          <a:prstGeom prst="rect">
+            <a:avLst/>
+          </a:prstGeom>
+          <a:noFill/>
+        </p:spPr>
+        <p:txBody>
+          <a:bodyPr wrap="square" rtlCol="0">
+            <a:spAutoFit/>
+          </a:bodyPr>
+          <a:lstStyle/>
+          <a:p>
+            <a:r>
+              <a:rPr lang="en-US" altLang="ko-KR" sz="1600" dirty="0">
+                <a:solidFill>
+                  <a:srgbClr val="FF0000"/>
+                </a:solidFill>
+                <a:latin typeface="HY바다L" pitchFamily="18" charset="-127"/>
+                <a:ea typeface="HY바다L" pitchFamily="18" charset="-127"/>
+              </a:rPr>
+              <a:t>Presentation L</a:t>
+            </a:r>
+          </a:p>
+          <a:p>
+            <a:r>
+              <a:rPr lang="en-US" altLang="ko-KR" sz="1600" dirty="0">
+                <a:solidFill>
+                  <a:srgbClr val="FF0000"/>
+                </a:solidFill>
+                <a:latin typeface="HY바다L" pitchFamily="18" charset="-127"/>
+                <a:ea typeface="HY바다L" pitchFamily="18" charset="-127"/>
+              </a:rPr>
+              <a:t>Session Layer</a:t>
+            </a:r>
+            <a:endParaRPr lang="ko-KR" altLang="en-US" sz="1600" dirty="0">
+              <a:solidFill>
+                <a:srgbClr val="FF0000"/>
+              </a:solidFill>
+              <a:latin typeface="HY바다L" pitchFamily="18" charset="-127"/>
+              <a:ea typeface="HY바다L" pitchFamily="18" charset="-127"/>
+            </a:endParaRPr>
+          </a:p>
+        </p:txBody>
+      </p:sp>
+      <mc:AlternateContent xmlns:mc="http://schemas.openxmlformats.org/markup-compatibility/2006">
+        <mc:Choice xmlns:p14="http://schemas.microsoft.com/office/powerpoint/2010/main" Requires="p14">
+          <p:contentPart p14:bwMode="auto" r:id="rId5">
+            <p14:nvContentPartPr>
+              <p14:cNvPr id="4" name="잉크 3">
+                <a:extLst>
+                  <a:ext uri="{FF2B5EF4-FFF2-40B4-BE49-F238E27FC236}">
+                    <a16:creationId xmlns:a16="http://schemas.microsoft.com/office/drawing/2014/main" id="{D33722E7-C1BE-416E-A031-7DE546C8B71C}"/>
+                  </a:ext>
+                </a:extLst>
+              </p14:cNvPr>
+              <p14:cNvContentPartPr/>
+              <p14:nvPr/>
+            </p14:nvContentPartPr>
+            <p14:xfrm>
+              <a:off x="679320" y="4070520"/>
+              <a:ext cx="559440" cy="25560"/>
+            </p14:xfrm>
+          </p:contentPart>
+        </mc:Choice>
+        <mc:Fallback>
+          <p:pic>
+            <p:nvPicPr>
+              <p:cNvPr id="4" name="잉크 3">
+                <a:extLst>
+                  <a:ext uri="{FF2B5EF4-FFF2-40B4-BE49-F238E27FC236}">
+                    <a16:creationId xmlns:a16="http://schemas.microsoft.com/office/drawing/2014/main" id="{D33722E7-C1BE-416E-A031-7DE546C8B71C}"/>
+                  </a:ext>
+                </a:extLst>
+              </p:cNvPr>
+              <p:cNvPicPr/>
+              <p:nvPr/>
+            </p:nvPicPr>
+            <p:blipFill>
+              <a:blip r:embed="rId6"/>
+              <a:stretch>
+                <a:fillRect/>
+              </a:stretch>
+            </p:blipFill>
+            <p:spPr>
+              <a:xfrm>
+                <a:off x="669960" y="4061160"/>
+                <a:ext cx="578160" cy="44280"/>
+              </a:xfrm>
+              <a:prstGeom prst="rect">
+                <a:avLst/>
+              </a:prstGeom>
+            </p:spPr>
+          </p:pic>
+        </mc:Fallback>
+      </mc:AlternateContent>
     </p:spTree>
     <p:extLst>
       <p:ext uri="{BB962C8B-B14F-4D97-AF65-F5344CB8AC3E}">
-        <p14:creationId xmlns:p14="http://schemas.microsoft.com/office/powerpoint/2010/main" xmlns="" val="2454033223"/>
+        <p14:creationId xmlns:p14="http://schemas.microsoft.com/office/powerpoint/2010/main" val="2454033223"/>
       </p:ext>
     </p:extLst>
   </p:cSld>
   <p:clrMapOvr>
     <a:masterClrMapping/>
   </p:clrMapOvr>
-  <mc:AlternateContent xmlns:mc="http://schemas.openxmlformats.org/markup-compatibility/2006">
-    <mc:Choice xmlns:p14="http://schemas.microsoft.com/office/powerpoint/2010/main" xmlns="" Requires="p14">
-      <p:transition spd="slow" p14:dur="2000"/>
-    </mc:Choice>
-    <mc:Fallback>
-      <p:transition spd="slow"/>
-    </mc:Fallback>
-  </mc:AlternateContent>
-  <p:timing>
-    <p:tnLst>
-      <p:par>
-        <p:cTn id="1" dur="indefinite" restart="never" nodeType="tmRoot"/>
-      </p:par>
-    </p:tnLst>
-  </p:timing>
 </p:sld>
 </file>
 
@@ -20259,7 +21719,7 @@
             </a:clrChange>
             <a:extLst>
               <a:ext uri="{28A0092B-C50C-407E-A947-70E740481C1C}">
-                <a14:useLocalDpi xmlns:a14="http://schemas.microsoft.com/office/drawing/2010/main" xmlns="" val="0"/>
+                <a14:useLocalDpi xmlns:a14="http://schemas.microsoft.com/office/drawing/2010/main" val="0"/>
               </a:ext>
             </a:extLst>
           </a:blip>
@@ -20283,14 +21743,14 @@
           <a:effectLst/>
           <a:extLst>
             <a:ext uri="{909E8E84-426E-40DD-AFC4-6F175D3DCCD1}">
-              <a14:hiddenFill xmlns:a14="http://schemas.microsoft.com/office/drawing/2010/main" xmlns="">
+              <a14:hiddenFill xmlns:a14="http://schemas.microsoft.com/office/drawing/2010/main">
                 <a:solidFill>
                   <a:schemeClr val="accent1"/>
                 </a:solidFill>
               </a14:hiddenFill>
             </a:ext>
             <a:ext uri="{91240B29-F687-4F45-9708-019B960494DF}">
-              <a14:hiddenLine xmlns:a14="http://schemas.microsoft.com/office/drawing/2010/main" xmlns="" w="9525">
+              <a14:hiddenLine xmlns:a14="http://schemas.microsoft.com/office/drawing/2010/main" w="9525">
                 <a:solidFill>
                   <a:schemeClr val="tx1"/>
                 </a:solidFill>
@@ -20300,7 +21760,7 @@
               </a14:hiddenLine>
             </a:ext>
             <a:ext uri="{AF507438-7753-43E0-B8FC-AC1667EBCBE1}">
-              <a14:hiddenEffects xmlns:a14="http://schemas.microsoft.com/office/drawing/2010/main" xmlns="">
+              <a14:hiddenEffects xmlns:a14="http://schemas.microsoft.com/office/drawing/2010/main">
                 <a:effectLst>
                   <a:outerShdw dist="35921" dir="2700000" algn="ctr" rotWithShape="0">
                     <a:schemeClr val="bg2"/>
@@ -20311,31 +21771,118 @@
           </a:extLst>
         </p:spPr>
       </p:pic>
+      <mc:AlternateContent xmlns:mc="http://schemas.openxmlformats.org/markup-compatibility/2006">
+        <mc:Choice xmlns:p14="http://schemas.microsoft.com/office/powerpoint/2010/main" Requires="p14">
+          <p:contentPart p14:bwMode="auto" r:id="rId3">
+            <p14:nvContentPartPr>
+              <p14:cNvPr id="2" name="잉크 1">
+                <a:extLst>
+                  <a:ext uri="{FF2B5EF4-FFF2-40B4-BE49-F238E27FC236}">
+                    <a16:creationId xmlns:a16="http://schemas.microsoft.com/office/drawing/2014/main" id="{C8CBCFDB-729E-4459-A158-19A647FAB8AA}"/>
+                  </a:ext>
+                </a:extLst>
+              </p14:cNvPr>
+              <p14:cNvContentPartPr/>
+              <p14:nvPr/>
+            </p14:nvContentPartPr>
+            <p14:xfrm>
+              <a:off x="1479600" y="2050920"/>
+              <a:ext cx="3638880" cy="178200"/>
+            </p14:xfrm>
+          </p:contentPart>
+        </mc:Choice>
+        <mc:Fallback>
+          <p:pic>
+            <p:nvPicPr>
+              <p:cNvPr id="2" name="잉크 1">
+                <a:extLst>
+                  <a:ext uri="{FF2B5EF4-FFF2-40B4-BE49-F238E27FC236}">
+                    <a16:creationId xmlns:a16="http://schemas.microsoft.com/office/drawing/2014/main" id="{C8CBCFDB-729E-4459-A158-19A647FAB8AA}"/>
+                  </a:ext>
+                </a:extLst>
+              </p:cNvPr>
+              <p:cNvPicPr/>
+              <p:nvPr/>
+            </p:nvPicPr>
+            <p:blipFill>
+              <a:blip r:embed="rId4"/>
+              <a:stretch>
+                <a:fillRect/>
+              </a:stretch>
+            </p:blipFill>
+            <p:spPr>
+              <a:xfrm>
+                <a:off x="1470240" y="2041560"/>
+                <a:ext cx="3657600" cy="196920"/>
+              </a:xfrm>
+              <a:prstGeom prst="rect">
+                <a:avLst/>
+              </a:prstGeom>
+            </p:spPr>
+          </p:pic>
+        </mc:Fallback>
+      </mc:AlternateContent>
+      <mc:AlternateContent xmlns:mc="http://schemas.openxmlformats.org/markup-compatibility/2006">
+        <mc:Choice xmlns:p14="http://schemas.microsoft.com/office/powerpoint/2010/main" Requires="p14">
+          <p:contentPart p14:bwMode="auto" r:id="rId5">
+            <p14:nvContentPartPr>
+              <p14:cNvPr id="3" name="잉크 2">
+                <a:extLst>
+                  <a:ext uri="{FF2B5EF4-FFF2-40B4-BE49-F238E27FC236}">
+                    <a16:creationId xmlns:a16="http://schemas.microsoft.com/office/drawing/2014/main" id="{036DD6D1-1EB8-4469-B28A-172819430A94}"/>
+                  </a:ext>
+                </a:extLst>
+              </p14:cNvPr>
+              <p14:cNvContentPartPr/>
+              <p14:nvPr/>
+            </p14:nvContentPartPr>
+            <p14:xfrm>
+              <a:off x="3981600" y="1022400"/>
+              <a:ext cx="914760" cy="356040"/>
+            </p14:xfrm>
+          </p:contentPart>
+        </mc:Choice>
+        <mc:Fallback>
+          <p:pic>
+            <p:nvPicPr>
+              <p:cNvPr id="3" name="잉크 2">
+                <a:extLst>
+                  <a:ext uri="{FF2B5EF4-FFF2-40B4-BE49-F238E27FC236}">
+                    <a16:creationId xmlns:a16="http://schemas.microsoft.com/office/drawing/2014/main" id="{036DD6D1-1EB8-4469-B28A-172819430A94}"/>
+                  </a:ext>
+                </a:extLst>
+              </p:cNvPr>
+              <p:cNvPicPr/>
+              <p:nvPr/>
+            </p:nvPicPr>
+            <p:blipFill>
+              <a:blip r:embed="rId6"/>
+              <a:stretch>
+                <a:fillRect/>
+              </a:stretch>
+            </p:blipFill>
+            <p:spPr>
+              <a:xfrm>
+                <a:off x="3972240" y="1013040"/>
+                <a:ext cx="933480" cy="374760"/>
+              </a:xfrm>
+              <a:prstGeom prst="rect">
+                <a:avLst/>
+              </a:prstGeom>
+            </p:spPr>
+          </p:pic>
+        </mc:Fallback>
+      </mc:AlternateContent>
     </p:spTree>
     <p:extLst>
       <p:ext uri="{BB962C8B-B14F-4D97-AF65-F5344CB8AC3E}">
-        <p14:creationId xmlns:p14="http://schemas.microsoft.com/office/powerpoint/2010/main" xmlns="" val="866356584"/>
+        <p14:creationId xmlns:p14="http://schemas.microsoft.com/office/powerpoint/2010/main" val="866356584"/>
       </p:ext>
     </p:extLst>
   </p:cSld>
   <p:clrMapOvr>
     <a:masterClrMapping/>
   </p:clrMapOvr>
-  <mc:AlternateContent xmlns:mc="http://schemas.openxmlformats.org/markup-compatibility/2006">
-    <mc:Choice xmlns:p14="http://schemas.microsoft.com/office/powerpoint/2010/main" xmlns="" Requires="p14">
-      <p:transition spd="slow" p14:dur="2000"/>
-    </mc:Choice>
-    <mc:Fallback>
-      <p:transition spd="slow"/>
-    </mc:Fallback>
-  </mc:AlternateContent>
-  <p:timing>
-    <p:tnLst>
-      <p:par>
-        <p:cTn id="1" dur="indefinite" restart="never" nodeType="tmRoot"/>
-      </p:par>
-    </p:tnLst>
-  </p:timing>
 </p:sld>
 </file>
 
@@ -20442,7 +21989,7 @@
             </a:clrChange>
             <a:extLst>
               <a:ext uri="{28A0092B-C50C-407E-A947-70E740481C1C}">
-                <a14:useLocalDpi xmlns:a14="http://schemas.microsoft.com/office/drawing/2010/main" xmlns="" val="0"/>
+                <a14:useLocalDpi xmlns:a14="http://schemas.microsoft.com/office/drawing/2010/main" val="0"/>
               </a:ext>
             </a:extLst>
           </a:blip>
@@ -20466,14 +22013,14 @@
           <a:effectLst/>
           <a:extLst>
             <a:ext uri="{909E8E84-426E-40DD-AFC4-6F175D3DCCD1}">
-              <a14:hiddenFill xmlns:a14="http://schemas.microsoft.com/office/drawing/2010/main" xmlns="">
+              <a14:hiddenFill xmlns:a14="http://schemas.microsoft.com/office/drawing/2010/main">
                 <a:solidFill>
                   <a:schemeClr val="accent1"/>
                 </a:solidFill>
               </a14:hiddenFill>
             </a:ext>
             <a:ext uri="{91240B29-F687-4F45-9708-019B960494DF}">
-              <a14:hiddenLine xmlns:a14="http://schemas.microsoft.com/office/drawing/2010/main" xmlns="" w="9525">
+              <a14:hiddenLine xmlns:a14="http://schemas.microsoft.com/office/drawing/2010/main" w="9525">
                 <a:solidFill>
                   <a:schemeClr val="tx1"/>
                 </a:solidFill>
@@ -20483,7 +22030,7 @@
               </a14:hiddenLine>
             </a:ext>
             <a:ext uri="{AF507438-7753-43E0-B8FC-AC1667EBCBE1}">
-              <a14:hiddenEffects xmlns:a14="http://schemas.microsoft.com/office/drawing/2010/main" xmlns="">
+              <a14:hiddenEffects xmlns:a14="http://schemas.microsoft.com/office/drawing/2010/main">
                 <a:effectLst>
                   <a:outerShdw dist="35921" dir="2700000" algn="ctr" rotWithShape="0">
                     <a:schemeClr val="bg2"/>
@@ -20494,31 +22041,67 @@
           </a:extLst>
         </p:spPr>
       </p:pic>
+      <mc:AlternateContent xmlns:mc="http://schemas.openxmlformats.org/markup-compatibility/2006">
+        <mc:Choice xmlns:p14="http://schemas.microsoft.com/office/powerpoint/2010/main" Requires="p14">
+          <p:contentPart p14:bwMode="auto" r:id="rId3">
+            <p14:nvContentPartPr>
+              <p14:cNvPr id="2" name="잉크 1">
+                <a:extLst>
+                  <a:ext uri="{FF2B5EF4-FFF2-40B4-BE49-F238E27FC236}">
+                    <a16:creationId xmlns:a16="http://schemas.microsoft.com/office/drawing/2014/main" id="{6C6ABAAB-8EBE-436B-BCCA-9474CE71B41F}"/>
+                  </a:ext>
+                </a:extLst>
+              </p14:cNvPr>
+              <p14:cNvContentPartPr/>
+              <p14:nvPr/>
+            </p14:nvContentPartPr>
+            <p14:xfrm>
+              <a:off x="3753000" y="907920"/>
+              <a:ext cx="4984920" cy="4254840"/>
+            </p14:xfrm>
+          </p:contentPart>
+        </mc:Choice>
+        <mc:Fallback>
+          <p:pic>
+            <p:nvPicPr>
+              <p:cNvPr id="2" name="잉크 1">
+                <a:extLst>
+                  <a:ext uri="{FF2B5EF4-FFF2-40B4-BE49-F238E27FC236}">
+                    <a16:creationId xmlns:a16="http://schemas.microsoft.com/office/drawing/2014/main" id="{6C6ABAAB-8EBE-436B-BCCA-9474CE71B41F}"/>
+                  </a:ext>
+                </a:extLst>
+              </p:cNvPr>
+              <p:cNvPicPr/>
+              <p:nvPr/>
+            </p:nvPicPr>
+            <p:blipFill>
+              <a:blip r:embed="rId4"/>
+              <a:stretch>
+                <a:fillRect/>
+              </a:stretch>
+            </p:blipFill>
+            <p:spPr>
+              <a:xfrm>
+                <a:off x="3743640" y="898560"/>
+                <a:ext cx="5003640" cy="4273560"/>
+              </a:xfrm>
+              <a:prstGeom prst="rect">
+                <a:avLst/>
+              </a:prstGeom>
+            </p:spPr>
+          </p:pic>
+        </mc:Fallback>
+      </mc:AlternateContent>
     </p:spTree>
     <p:extLst>
       <p:ext uri="{BB962C8B-B14F-4D97-AF65-F5344CB8AC3E}">
-        <p14:creationId xmlns:p14="http://schemas.microsoft.com/office/powerpoint/2010/main" xmlns="" val="902474585"/>
+        <p14:creationId xmlns:p14="http://schemas.microsoft.com/office/powerpoint/2010/main" val="902474585"/>
       </p:ext>
     </p:extLst>
   </p:cSld>
   <p:clrMapOvr>
     <a:masterClrMapping/>
   </p:clrMapOvr>
-  <mc:AlternateContent xmlns:mc="http://schemas.openxmlformats.org/markup-compatibility/2006">
-    <mc:Choice xmlns:p14="http://schemas.microsoft.com/office/powerpoint/2010/main" xmlns="" Requires="p14">
-      <p:transition spd="slow" p14:dur="2000"/>
-    </mc:Choice>
-    <mc:Fallback>
-      <p:transition spd="slow"/>
-    </mc:Fallback>
-  </mc:AlternateContent>
-  <p:timing>
-    <p:tnLst>
-      <p:par>
-        <p:cTn id="1" dur="indefinite" restart="never" nodeType="tmRoot"/>
-      </p:par>
-    </p:tnLst>
-  </p:timing>
 </p:sld>
 </file>
 
@@ -20614,7 +22197,7 @@
             </a:clrChange>
             <a:extLst>
               <a:ext uri="{28A0092B-C50C-407E-A947-70E740481C1C}">
-                <a14:useLocalDpi xmlns:a14="http://schemas.microsoft.com/office/drawing/2010/main" xmlns="" val="0"/>
+                <a14:useLocalDpi xmlns:a14="http://schemas.microsoft.com/office/drawing/2010/main" val="0"/>
               </a:ext>
             </a:extLst>
           </a:blip>
@@ -20638,14 +22221,14 @@
           <a:effectLst/>
           <a:extLst>
             <a:ext uri="{909E8E84-426E-40DD-AFC4-6F175D3DCCD1}">
-              <a14:hiddenFill xmlns:a14="http://schemas.microsoft.com/office/drawing/2010/main" xmlns="">
+              <a14:hiddenFill xmlns:a14="http://schemas.microsoft.com/office/drawing/2010/main">
                 <a:solidFill>
                   <a:schemeClr val="accent1"/>
                 </a:solidFill>
               </a14:hiddenFill>
             </a:ext>
             <a:ext uri="{91240B29-F687-4F45-9708-019B960494DF}">
-              <a14:hiddenLine xmlns:a14="http://schemas.microsoft.com/office/drawing/2010/main" xmlns="" w="9525">
+              <a14:hiddenLine xmlns:a14="http://schemas.microsoft.com/office/drawing/2010/main" w="9525">
                 <a:solidFill>
                   <a:schemeClr val="tx1"/>
                 </a:solidFill>
@@ -20655,7 +22238,7 @@
               </a14:hiddenLine>
             </a:ext>
             <a:ext uri="{AF507438-7753-43E0-B8FC-AC1667EBCBE1}">
-              <a14:hiddenEffects xmlns:a14="http://schemas.microsoft.com/office/drawing/2010/main" xmlns="">
+              <a14:hiddenEffects xmlns:a14="http://schemas.microsoft.com/office/drawing/2010/main">
                 <a:effectLst>
                   <a:outerShdw dist="35921" dir="2700000" algn="ctr" rotWithShape="0">
                     <a:schemeClr val="bg2"/>
@@ -20666,31 +22249,67 @@
           </a:extLst>
         </p:spPr>
       </p:pic>
+      <mc:AlternateContent xmlns:mc="http://schemas.openxmlformats.org/markup-compatibility/2006">
+        <mc:Choice xmlns:p14="http://schemas.microsoft.com/office/powerpoint/2010/main" Requires="p14">
+          <p:contentPart p14:bwMode="auto" r:id="rId3">
+            <p14:nvContentPartPr>
+              <p14:cNvPr id="2" name="잉크 1">
+                <a:extLst>
+                  <a:ext uri="{FF2B5EF4-FFF2-40B4-BE49-F238E27FC236}">
+                    <a16:creationId xmlns:a16="http://schemas.microsoft.com/office/drawing/2014/main" id="{55943890-3F08-482D-9B8C-0A3F3D9A70C5}"/>
+                  </a:ext>
+                </a:extLst>
+              </p14:cNvPr>
+              <p14:cNvContentPartPr/>
+              <p14:nvPr/>
+            </p14:nvContentPartPr>
+            <p14:xfrm>
+              <a:off x="1670040" y="565200"/>
+              <a:ext cx="5474160" cy="1721160"/>
+            </p14:xfrm>
+          </p:contentPart>
+        </mc:Choice>
+        <mc:Fallback>
+          <p:pic>
+            <p:nvPicPr>
+              <p:cNvPr id="2" name="잉크 1">
+                <a:extLst>
+                  <a:ext uri="{FF2B5EF4-FFF2-40B4-BE49-F238E27FC236}">
+                    <a16:creationId xmlns:a16="http://schemas.microsoft.com/office/drawing/2014/main" id="{55943890-3F08-482D-9B8C-0A3F3D9A70C5}"/>
+                  </a:ext>
+                </a:extLst>
+              </p:cNvPr>
+              <p:cNvPicPr/>
+              <p:nvPr/>
+            </p:nvPicPr>
+            <p:blipFill>
+              <a:blip r:embed="rId4"/>
+              <a:stretch>
+                <a:fillRect/>
+              </a:stretch>
+            </p:blipFill>
+            <p:spPr>
+              <a:xfrm>
+                <a:off x="1660680" y="555840"/>
+                <a:ext cx="5492880" cy="1739880"/>
+              </a:xfrm>
+              <a:prstGeom prst="rect">
+                <a:avLst/>
+              </a:prstGeom>
+            </p:spPr>
+          </p:pic>
+        </mc:Fallback>
+      </mc:AlternateContent>
     </p:spTree>
     <p:extLst>
       <p:ext uri="{BB962C8B-B14F-4D97-AF65-F5344CB8AC3E}">
-        <p14:creationId xmlns:p14="http://schemas.microsoft.com/office/powerpoint/2010/main" xmlns="" val="753109824"/>
+        <p14:creationId xmlns:p14="http://schemas.microsoft.com/office/powerpoint/2010/main" val="753109824"/>
       </p:ext>
     </p:extLst>
   </p:cSld>
   <p:clrMapOvr>
     <a:masterClrMapping/>
   </p:clrMapOvr>
-  <mc:AlternateContent xmlns:mc="http://schemas.openxmlformats.org/markup-compatibility/2006">
-    <mc:Choice xmlns:p14="http://schemas.microsoft.com/office/powerpoint/2010/main" xmlns="" Requires="p14">
-      <p:transition spd="slow" p14:dur="2000"/>
-    </mc:Choice>
-    <mc:Fallback>
-      <p:transition spd="slow"/>
-    </mc:Fallback>
-  </mc:AlternateContent>
-  <p:timing>
-    <p:tnLst>
-      <p:par>
-        <p:cTn id="1" dur="indefinite" restart="never" nodeType="tmRoot"/>
-      </p:par>
-    </p:tnLst>
-  </p:timing>
 </p:sld>
 </file>
 
@@ -20784,7 +22403,7 @@
           <a:blip r:embed="rId2" cstate="print">
             <a:extLst>
               <a:ext uri="{28A0092B-C50C-407E-A947-70E740481C1C}">
-                <a14:useLocalDpi xmlns:a14="http://schemas.microsoft.com/office/drawing/2010/main" xmlns="" val="0"/>
+                <a14:useLocalDpi xmlns:a14="http://schemas.microsoft.com/office/drawing/2010/main" val="0"/>
               </a:ext>
             </a:extLst>
           </a:blip>
@@ -20807,14 +22426,14 @@
           </a:ln>
           <a:extLst>
             <a:ext uri="{909E8E84-426E-40DD-AFC4-6F175D3DCCD1}">
-              <a14:hiddenFill xmlns:a14="http://schemas.microsoft.com/office/drawing/2010/main" xmlns="">
+              <a14:hiddenFill xmlns:a14="http://schemas.microsoft.com/office/drawing/2010/main">
                 <a:solidFill>
                   <a:schemeClr val="accent1"/>
                 </a:solidFill>
               </a14:hiddenFill>
             </a:ext>
             <a:ext uri="{91240B29-F687-4F45-9708-019B960494DF}">
-              <a14:hiddenLine xmlns:a14="http://schemas.microsoft.com/office/drawing/2010/main" xmlns="" w="9525">
+              <a14:hiddenLine xmlns:a14="http://schemas.microsoft.com/office/drawing/2010/main" w="9525">
                 <a:solidFill>
                   <a:schemeClr val="tx1"/>
                 </a:solidFill>
@@ -20826,31 +22445,67 @@
           </a:extLst>
         </p:spPr>
       </p:pic>
+      <mc:AlternateContent xmlns:mc="http://schemas.openxmlformats.org/markup-compatibility/2006">
+        <mc:Choice xmlns:p14="http://schemas.microsoft.com/office/powerpoint/2010/main" Requires="p14">
+          <p:contentPart p14:bwMode="auto" r:id="rId3">
+            <p14:nvContentPartPr>
+              <p14:cNvPr id="2" name="잉크 1">
+                <a:extLst>
+                  <a:ext uri="{FF2B5EF4-FFF2-40B4-BE49-F238E27FC236}">
+                    <a16:creationId xmlns:a16="http://schemas.microsoft.com/office/drawing/2014/main" id="{D71F514B-BB47-4F87-B3BC-63E0FBA47F10}"/>
+                  </a:ext>
+                </a:extLst>
+              </p14:cNvPr>
+              <p14:cNvContentPartPr/>
+              <p14:nvPr/>
+            </p14:nvContentPartPr>
+            <p14:xfrm>
+              <a:off x="1657440" y="838080"/>
+              <a:ext cx="2648160" cy="1759320"/>
+            </p14:xfrm>
+          </p:contentPart>
+        </mc:Choice>
+        <mc:Fallback>
+          <p:pic>
+            <p:nvPicPr>
+              <p:cNvPr id="2" name="잉크 1">
+                <a:extLst>
+                  <a:ext uri="{FF2B5EF4-FFF2-40B4-BE49-F238E27FC236}">
+                    <a16:creationId xmlns:a16="http://schemas.microsoft.com/office/drawing/2014/main" id="{D71F514B-BB47-4F87-B3BC-63E0FBA47F10}"/>
+                  </a:ext>
+                </a:extLst>
+              </p:cNvPr>
+              <p:cNvPicPr/>
+              <p:nvPr/>
+            </p:nvPicPr>
+            <p:blipFill>
+              <a:blip r:embed="rId4"/>
+              <a:stretch>
+                <a:fillRect/>
+              </a:stretch>
+            </p:blipFill>
+            <p:spPr>
+              <a:xfrm>
+                <a:off x="1648080" y="828720"/>
+                <a:ext cx="2666880" cy="1778040"/>
+              </a:xfrm>
+              <a:prstGeom prst="rect">
+                <a:avLst/>
+              </a:prstGeom>
+            </p:spPr>
+          </p:pic>
+        </mc:Fallback>
+      </mc:AlternateContent>
     </p:spTree>
     <p:extLst>
       <p:ext uri="{BB962C8B-B14F-4D97-AF65-F5344CB8AC3E}">
-        <p14:creationId xmlns:p14="http://schemas.microsoft.com/office/powerpoint/2010/main" xmlns="" val="3240197588"/>
+        <p14:creationId xmlns:p14="http://schemas.microsoft.com/office/powerpoint/2010/main" val="3240197588"/>
       </p:ext>
     </p:extLst>
   </p:cSld>
   <p:clrMapOvr>
     <a:masterClrMapping/>
   </p:clrMapOvr>
-  <mc:AlternateContent xmlns:mc="http://schemas.openxmlformats.org/markup-compatibility/2006">
-    <mc:Choice xmlns:p14="http://schemas.microsoft.com/office/powerpoint/2010/main" xmlns="" Requires="p14">
-      <p:transition spd="slow" p14:dur="2000"/>
-    </mc:Choice>
-    <mc:Fallback>
-      <p:transition spd="slow"/>
-    </mc:Fallback>
-  </mc:AlternateContent>
-  <p:timing>
-    <p:tnLst>
-      <p:par>
-        <p:cTn id="1" dur="indefinite" restart="never" nodeType="tmRoot"/>
-      </p:par>
-    </p:tnLst>
-  </p:timing>
 </p:sld>
 </file>
 
@@ -21352,14 +23007,14 @@
           <a:effectLst/>
           <a:extLst>
             <a:ext uri="{909E8E84-426E-40DD-AFC4-6F175D3DCCD1}">
-              <a14:hiddenFill xmlns:a14="http://schemas.microsoft.com/office/drawing/2010/main" xmlns="">
+              <a14:hiddenFill xmlns:a14="http://schemas.microsoft.com/office/drawing/2010/main">
                 <a:solidFill>
                   <a:schemeClr val="accent1"/>
                 </a:solidFill>
               </a14:hiddenFill>
             </a:ext>
             <a:ext uri="{91240B29-F687-4F45-9708-019B960494DF}">
-              <a14:hiddenLine xmlns:a14="http://schemas.microsoft.com/office/drawing/2010/main" xmlns="" w="9525">
+              <a14:hiddenLine xmlns:a14="http://schemas.microsoft.com/office/drawing/2010/main" w="9525">
                 <a:solidFill>
                   <a:schemeClr val="tx1"/>
                 </a:solidFill>
@@ -21369,7 +23024,7 @@
               </a14:hiddenLine>
             </a:ext>
             <a:ext uri="{AF507438-7753-43E0-B8FC-AC1667EBCBE1}">
-              <a14:hiddenEffects xmlns:a14="http://schemas.microsoft.com/office/drawing/2010/main" xmlns="">
+              <a14:hiddenEffects xmlns:a14="http://schemas.microsoft.com/office/drawing/2010/main">
                 <a:effectLst>
                   <a:outerShdw dist="35921" dir="2700000" algn="ctr" rotWithShape="0">
                     <a:schemeClr val="bg2"/>
@@ -21461,24 +23116,67 @@
           </a:prstGeom>
         </p:spPr>
       </p:pic>
+      <mc:AlternateContent xmlns:mc="http://schemas.openxmlformats.org/markup-compatibility/2006">
+        <mc:Choice xmlns:p14="http://schemas.microsoft.com/office/powerpoint/2010/main" Requires="p14">
+          <p:contentPart p14:bwMode="auto" r:id="rId3">
+            <p14:nvContentPartPr>
+              <p14:cNvPr id="2" name="잉크 1">
+                <a:extLst>
+                  <a:ext uri="{FF2B5EF4-FFF2-40B4-BE49-F238E27FC236}">
+                    <a16:creationId xmlns:a16="http://schemas.microsoft.com/office/drawing/2014/main" id="{1E78ACE7-8540-47C2-AF5A-E62DD314618D}"/>
+                  </a:ext>
+                </a:extLst>
+              </p14:cNvPr>
+              <p14:cNvContentPartPr/>
+              <p14:nvPr/>
+            </p14:nvContentPartPr>
+            <p14:xfrm>
+              <a:off x="5041800" y="1828800"/>
+              <a:ext cx="3353400" cy="933840"/>
+            </p14:xfrm>
+          </p:contentPart>
+        </mc:Choice>
+        <mc:Fallback>
+          <p:pic>
+            <p:nvPicPr>
+              <p:cNvPr id="2" name="잉크 1">
+                <a:extLst>
+                  <a:ext uri="{FF2B5EF4-FFF2-40B4-BE49-F238E27FC236}">
+                    <a16:creationId xmlns:a16="http://schemas.microsoft.com/office/drawing/2014/main" id="{1E78ACE7-8540-47C2-AF5A-E62DD314618D}"/>
+                  </a:ext>
+                </a:extLst>
+              </p:cNvPr>
+              <p:cNvPicPr/>
+              <p:nvPr/>
+            </p:nvPicPr>
+            <p:blipFill>
+              <a:blip r:embed="rId4"/>
+              <a:stretch>
+                <a:fillRect/>
+              </a:stretch>
+            </p:blipFill>
+            <p:spPr>
+              <a:xfrm>
+                <a:off x="5032440" y="1819440"/>
+                <a:ext cx="3372120" cy="952560"/>
+              </a:xfrm>
+              <a:prstGeom prst="rect">
+                <a:avLst/>
+              </a:prstGeom>
+            </p:spPr>
+          </p:pic>
+        </mc:Fallback>
+      </mc:AlternateContent>
     </p:spTree>
     <p:extLst>
       <p:ext uri="{BB962C8B-B14F-4D97-AF65-F5344CB8AC3E}">
-        <p14:creationId xmlns:p14="http://schemas.microsoft.com/office/powerpoint/2010/main" xmlns="" val="2896996923"/>
+        <p14:creationId xmlns:p14="http://schemas.microsoft.com/office/powerpoint/2010/main" val="2896996923"/>
       </p:ext>
     </p:extLst>
   </p:cSld>
   <p:clrMapOvr>
     <a:masterClrMapping/>
   </p:clrMapOvr>
-  <mc:AlternateContent xmlns:mc="http://schemas.openxmlformats.org/markup-compatibility/2006">
-    <mc:Choice xmlns:p14="http://schemas.microsoft.com/office/powerpoint/2010/main" xmlns="" Requires="p14">
-      <p:transition spd="slow" p14:dur="2000"/>
-    </mc:Choice>
-    <mc:Fallback>
-      <p:transition spd="slow"/>
-    </mc:Fallback>
-  </mc:AlternateContent>
   <p:timing>
     <p:tnLst>
       <p:par>
@@ -21593,11 +23291,11 @@
           <a:lstStyle/>
           <a:p>
             <a:r>
-              <a:rPr lang="ko-KR" altLang="en-US" dirty="0" smtClean="0"/>
+              <a:rPr lang="ko-KR" altLang="en-US" dirty="0"/>
               <a:t>서버가 하나의 소켓만을 사용한다면 문제가 발생한다</a:t>
             </a:r>
             <a:r>
-              <a:rPr lang="en-US" altLang="ko-KR" dirty="0" smtClean="0"/>
+              <a:rPr lang="en-US" altLang="ko-KR" dirty="0"/>
               <a:t>. </a:t>
             </a:r>
             <a:endParaRPr lang="ko-KR" altLang="en-US" dirty="0"/>
@@ -21620,10 +23318,9 @@
           <a:lstStyle/>
           <a:p>
             <a:r>
-              <a:rPr lang="ko-KR" altLang="en-US" dirty="0" smtClean="0"/>
+              <a:rPr lang="ko-KR" altLang="en-US" dirty="0"/>
               <a:t>서버와 클라이언트 제작</a:t>
             </a:r>
-            <a:endParaRPr lang="ko-KR" altLang="en-US" dirty="0"/>
           </a:p>
         </p:txBody>
       </p:sp>
@@ -21639,7 +23336,7 @@
           <a:blip r:embed="rId2" cstate="print">
             <a:extLst>
               <a:ext uri="{28A0092B-C50C-407E-A947-70E740481C1C}">
-                <a14:useLocalDpi xmlns:a14="http://schemas.microsoft.com/office/drawing/2010/main" xmlns="" val="0"/>
+                <a14:useLocalDpi xmlns:a14="http://schemas.microsoft.com/office/drawing/2010/main" val="0"/>
               </a:ext>
             </a:extLst>
           </a:blip>
@@ -21662,14 +23359,14 @@
           </a:ln>
           <a:extLst>
             <a:ext uri="{909E8E84-426E-40DD-AFC4-6F175D3DCCD1}">
-              <a14:hiddenFill xmlns:a14="http://schemas.microsoft.com/office/drawing/2010/main" xmlns="">
+              <a14:hiddenFill xmlns:a14="http://schemas.microsoft.com/office/drawing/2010/main">
                 <a:solidFill>
                   <a:schemeClr val="accent1"/>
                 </a:solidFill>
               </a14:hiddenFill>
             </a:ext>
             <a:ext uri="{91240B29-F687-4F45-9708-019B960494DF}">
-              <a14:hiddenLine xmlns:a14="http://schemas.microsoft.com/office/drawing/2010/main" xmlns="" w="9525">
+              <a14:hiddenLine xmlns:a14="http://schemas.microsoft.com/office/drawing/2010/main" w="9525">
                 <a:solidFill>
                   <a:schemeClr val="tx1"/>
                 </a:solidFill>
@@ -21681,23 +23378,67 @@
           </a:extLst>
         </p:spPr>
       </p:pic>
+      <mc:AlternateContent xmlns:mc="http://schemas.openxmlformats.org/markup-compatibility/2006">
+        <mc:Choice xmlns:p14="http://schemas.microsoft.com/office/powerpoint/2010/main" Requires="p14">
+          <p:contentPart p14:bwMode="auto" r:id="rId3">
+            <p14:nvContentPartPr>
+              <p14:cNvPr id="4" name="잉크 3">
+                <a:extLst>
+                  <a:ext uri="{FF2B5EF4-FFF2-40B4-BE49-F238E27FC236}">
+                    <a16:creationId xmlns:a16="http://schemas.microsoft.com/office/drawing/2014/main" id="{98552D1C-DBDF-4D05-AD4C-5F7F0CDB9583}"/>
+                  </a:ext>
+                </a:extLst>
+              </p14:cNvPr>
+              <p14:cNvContentPartPr/>
+              <p14:nvPr/>
+            </p14:nvContentPartPr>
+            <p14:xfrm>
+              <a:off x="3733920" y="2266920"/>
+              <a:ext cx="3930840" cy="870480"/>
+            </p14:xfrm>
+          </p:contentPart>
+        </mc:Choice>
+        <mc:Fallback>
+          <p:pic>
+            <p:nvPicPr>
+              <p:cNvPr id="4" name="잉크 3">
+                <a:extLst>
+                  <a:ext uri="{FF2B5EF4-FFF2-40B4-BE49-F238E27FC236}">
+                    <a16:creationId xmlns:a16="http://schemas.microsoft.com/office/drawing/2014/main" id="{98552D1C-DBDF-4D05-AD4C-5F7F0CDB9583}"/>
+                  </a:ext>
+                </a:extLst>
+              </p:cNvPr>
+              <p:cNvPicPr/>
+              <p:nvPr/>
+            </p:nvPicPr>
+            <p:blipFill>
+              <a:blip r:embed="rId4"/>
+              <a:stretch>
+                <a:fillRect/>
+              </a:stretch>
+            </p:blipFill>
+            <p:spPr>
+              <a:xfrm>
+                <a:off x="3724560" y="2257560"/>
+                <a:ext cx="3949560" cy="889200"/>
+              </a:xfrm>
+              <a:prstGeom prst="rect">
+                <a:avLst/>
+              </a:prstGeom>
+            </p:spPr>
+          </p:pic>
+        </mc:Fallback>
+      </mc:AlternateContent>
     </p:spTree>
     <p:extLst>
       <p:ext uri="{BB962C8B-B14F-4D97-AF65-F5344CB8AC3E}">
-        <p14:creationId xmlns:p14="http://schemas.microsoft.com/office/powerpoint/2010/main" xmlns="" val="3411621593"/>
+        <p14:creationId xmlns:p14="http://schemas.microsoft.com/office/powerpoint/2010/main" val="3411621593"/>
       </p:ext>
     </p:extLst>
   </p:cSld>
   <p:clrMapOvr>
     <a:masterClrMapping/>
   </p:clrMapOvr>
-  <p:timing>
-    <p:tnLst>
-      <p:par>
-        <p:cTn id="1" dur="indefinite" restart="never" nodeType="tmRoot"/>
-      </p:par>
-    </p:tnLst>
-  </p:timing>
 </p:sld>
 </file>
 
@@ -21734,7 +23475,7 @@
           <a:lstStyle/>
           <a:p>
             <a:r>
-              <a:rPr lang="ko-KR" altLang="en-US" b="0" dirty="0" smtClean="0"/>
+              <a:rPr lang="ko-KR" altLang="en-US" b="0" dirty="0"/>
               <a:t>연결 요청 전용 소켓</a:t>
             </a:r>
             <a:endParaRPr lang="ko-KR" altLang="en-US" dirty="0"/>
@@ -21753,7 +23494,7 @@
           <a:blip r:embed="rId2" cstate="print">
             <a:extLst>
               <a:ext uri="{28A0092B-C50C-407E-A947-70E740481C1C}">
-                <a14:useLocalDpi xmlns:a14="http://schemas.microsoft.com/office/drawing/2010/main" xmlns="" val="0"/>
+                <a14:useLocalDpi xmlns:a14="http://schemas.microsoft.com/office/drawing/2010/main" val="0"/>
               </a:ext>
             </a:extLst>
           </a:blip>
@@ -21776,14 +23517,14 @@
           </a:ln>
           <a:extLst>
             <a:ext uri="{909E8E84-426E-40DD-AFC4-6F175D3DCCD1}">
-              <a14:hiddenFill xmlns:a14="http://schemas.microsoft.com/office/drawing/2010/main" xmlns="">
+              <a14:hiddenFill xmlns:a14="http://schemas.microsoft.com/office/drawing/2010/main">
                 <a:solidFill>
                   <a:schemeClr val="accent1"/>
                 </a:solidFill>
               </a14:hiddenFill>
             </a:ext>
             <a:ext uri="{91240B29-F687-4F45-9708-019B960494DF}">
-              <a14:hiddenLine xmlns:a14="http://schemas.microsoft.com/office/drawing/2010/main" xmlns="" w="9525">
+              <a14:hiddenLine xmlns:a14="http://schemas.microsoft.com/office/drawing/2010/main" w="9525">
                 <a:solidFill>
                   <a:schemeClr val="tx1"/>
                 </a:solidFill>
@@ -21795,23 +23536,67 @@
           </a:extLst>
         </p:spPr>
       </p:pic>
+      <mc:AlternateContent xmlns:mc="http://schemas.openxmlformats.org/markup-compatibility/2006">
+        <mc:Choice xmlns:p14="http://schemas.microsoft.com/office/powerpoint/2010/main" Requires="p14">
+          <p:contentPart p14:bwMode="auto" r:id="rId3">
+            <p14:nvContentPartPr>
+              <p14:cNvPr id="2" name="잉크 1">
+                <a:extLst>
+                  <a:ext uri="{FF2B5EF4-FFF2-40B4-BE49-F238E27FC236}">
+                    <a16:creationId xmlns:a16="http://schemas.microsoft.com/office/drawing/2014/main" id="{EA975A27-BD6F-475C-B14D-9FD6B9313AAE}"/>
+                  </a:ext>
+                </a:extLst>
+              </p14:cNvPr>
+              <p14:cNvContentPartPr/>
+              <p14:nvPr/>
+            </p14:nvContentPartPr>
+            <p14:xfrm>
+              <a:off x="6381720" y="2558880"/>
+              <a:ext cx="768600" cy="851400"/>
+            </p14:xfrm>
+          </p:contentPart>
+        </mc:Choice>
+        <mc:Fallback>
+          <p:pic>
+            <p:nvPicPr>
+              <p:cNvPr id="2" name="잉크 1">
+                <a:extLst>
+                  <a:ext uri="{FF2B5EF4-FFF2-40B4-BE49-F238E27FC236}">
+                    <a16:creationId xmlns:a16="http://schemas.microsoft.com/office/drawing/2014/main" id="{EA975A27-BD6F-475C-B14D-9FD6B9313AAE}"/>
+                  </a:ext>
+                </a:extLst>
+              </p:cNvPr>
+              <p:cNvPicPr/>
+              <p:nvPr/>
+            </p:nvPicPr>
+            <p:blipFill>
+              <a:blip r:embed="rId4"/>
+              <a:stretch>
+                <a:fillRect/>
+              </a:stretch>
+            </p:blipFill>
+            <p:spPr>
+              <a:xfrm>
+                <a:off x="6372360" y="2549520"/>
+                <a:ext cx="787320" cy="870120"/>
+              </a:xfrm>
+              <a:prstGeom prst="rect">
+                <a:avLst/>
+              </a:prstGeom>
+            </p:spPr>
+          </p:pic>
+        </mc:Fallback>
+      </mc:AlternateContent>
     </p:spTree>
     <p:extLst>
       <p:ext uri="{BB962C8B-B14F-4D97-AF65-F5344CB8AC3E}">
-        <p14:creationId xmlns:p14="http://schemas.microsoft.com/office/powerpoint/2010/main" xmlns="" val="1269035382"/>
+        <p14:creationId xmlns:p14="http://schemas.microsoft.com/office/powerpoint/2010/main" val="1269035382"/>
       </p:ext>
     </p:extLst>
   </p:cSld>
   <p:clrMapOvr>
     <a:masterClrMapping/>
   </p:clrMapOvr>
-  <p:timing>
-    <p:tnLst>
-      <p:par>
-        <p:cTn id="1" dur="indefinite" restart="never" nodeType="tmRoot"/>
-      </p:par>
-    </p:tnLst>
-  </p:timing>
 </p:sld>
 </file>
 
@@ -21874,7 +23659,7 @@
           <a:blip r:embed="rId2" cstate="print">
             <a:extLst>
               <a:ext uri="{28A0092B-C50C-407E-A947-70E740481C1C}">
-                <a14:useLocalDpi xmlns:a14="http://schemas.microsoft.com/office/drawing/2010/main" xmlns="" val="0"/>
+                <a14:useLocalDpi xmlns:a14="http://schemas.microsoft.com/office/drawing/2010/main" val="0"/>
               </a:ext>
             </a:extLst>
           </a:blip>
@@ -21897,14 +23682,14 @@
           </a:ln>
           <a:extLst>
             <a:ext uri="{909E8E84-426E-40DD-AFC4-6F175D3DCCD1}">
-              <a14:hiddenFill xmlns:a14="http://schemas.microsoft.com/office/drawing/2010/main" xmlns="">
+              <a14:hiddenFill xmlns:a14="http://schemas.microsoft.com/office/drawing/2010/main">
                 <a:solidFill>
                   <a:schemeClr val="accent1"/>
                 </a:solidFill>
               </a14:hiddenFill>
             </a:ext>
             <a:ext uri="{91240B29-F687-4F45-9708-019B960494DF}">
-              <a14:hiddenLine xmlns:a14="http://schemas.microsoft.com/office/drawing/2010/main" xmlns="" w="9525">
+              <a14:hiddenLine xmlns:a14="http://schemas.microsoft.com/office/drawing/2010/main" w="9525">
                 <a:solidFill>
                   <a:schemeClr val="tx1"/>
                 </a:solidFill>
@@ -21916,31 +23701,118 @@
           </a:extLst>
         </p:spPr>
       </p:pic>
+      <mc:AlternateContent xmlns:mc="http://schemas.openxmlformats.org/markup-compatibility/2006">
+        <mc:Choice xmlns:p14="http://schemas.microsoft.com/office/powerpoint/2010/main" Requires="p14">
+          <p:contentPart p14:bwMode="auto" r:id="rId3">
+            <p14:nvContentPartPr>
+              <p14:cNvPr id="2" name="잉크 1">
+                <a:extLst>
+                  <a:ext uri="{FF2B5EF4-FFF2-40B4-BE49-F238E27FC236}">
+                    <a16:creationId xmlns:a16="http://schemas.microsoft.com/office/drawing/2014/main" id="{4A502AEB-890E-4E7A-9141-2914C5F15A41}"/>
+                  </a:ext>
+                </a:extLst>
+              </p14:cNvPr>
+              <p14:cNvContentPartPr/>
+              <p14:nvPr/>
+            </p14:nvContentPartPr>
+            <p14:xfrm>
+              <a:off x="2190600" y="3753000"/>
+              <a:ext cx="4458240" cy="1606680"/>
+            </p14:xfrm>
+          </p:contentPart>
+        </mc:Choice>
+        <mc:Fallback>
+          <p:pic>
+            <p:nvPicPr>
+              <p:cNvPr id="2" name="잉크 1">
+                <a:extLst>
+                  <a:ext uri="{FF2B5EF4-FFF2-40B4-BE49-F238E27FC236}">
+                    <a16:creationId xmlns:a16="http://schemas.microsoft.com/office/drawing/2014/main" id="{4A502AEB-890E-4E7A-9141-2914C5F15A41}"/>
+                  </a:ext>
+                </a:extLst>
+              </p:cNvPr>
+              <p:cNvPicPr/>
+              <p:nvPr/>
+            </p:nvPicPr>
+            <p:blipFill>
+              <a:blip r:embed="rId4"/>
+              <a:stretch>
+                <a:fillRect/>
+              </a:stretch>
+            </p:blipFill>
+            <p:spPr>
+              <a:xfrm>
+                <a:off x="2181240" y="3743640"/>
+                <a:ext cx="4476960" cy="1625400"/>
+              </a:xfrm>
+              <a:prstGeom prst="rect">
+                <a:avLst/>
+              </a:prstGeom>
+            </p:spPr>
+          </p:pic>
+        </mc:Fallback>
+      </mc:AlternateContent>
+      <mc:AlternateContent xmlns:mc="http://schemas.openxmlformats.org/markup-compatibility/2006">
+        <mc:Choice xmlns:p14="http://schemas.microsoft.com/office/powerpoint/2010/main" Requires="p14">
+          <p:contentPart p14:bwMode="auto" r:id="rId5">
+            <p14:nvContentPartPr>
+              <p14:cNvPr id="3" name="잉크 2">
+                <a:extLst>
+                  <a:ext uri="{FF2B5EF4-FFF2-40B4-BE49-F238E27FC236}">
+                    <a16:creationId xmlns:a16="http://schemas.microsoft.com/office/drawing/2014/main" id="{CC3DF51F-717E-4E5F-B848-D14F5827F0A1}"/>
+                  </a:ext>
+                </a:extLst>
+              </p14:cNvPr>
+              <p14:cNvContentPartPr/>
+              <p14:nvPr/>
+            </p14:nvContentPartPr>
+            <p14:xfrm>
+              <a:off x="2305080" y="946080"/>
+              <a:ext cx="2806920" cy="38520"/>
+            </p14:xfrm>
+          </p:contentPart>
+        </mc:Choice>
+        <mc:Fallback>
+          <p:pic>
+            <p:nvPicPr>
+              <p:cNvPr id="3" name="잉크 2">
+                <a:extLst>
+                  <a:ext uri="{FF2B5EF4-FFF2-40B4-BE49-F238E27FC236}">
+                    <a16:creationId xmlns:a16="http://schemas.microsoft.com/office/drawing/2014/main" id="{CC3DF51F-717E-4E5F-B848-D14F5827F0A1}"/>
+                  </a:ext>
+                </a:extLst>
+              </p:cNvPr>
+              <p:cNvPicPr/>
+              <p:nvPr/>
+            </p:nvPicPr>
+            <p:blipFill>
+              <a:blip r:embed="rId6"/>
+              <a:stretch>
+                <a:fillRect/>
+              </a:stretch>
+            </p:blipFill>
+            <p:spPr>
+              <a:xfrm>
+                <a:off x="2295720" y="936720"/>
+                <a:ext cx="2825640" cy="57240"/>
+              </a:xfrm>
+              <a:prstGeom prst="rect">
+                <a:avLst/>
+              </a:prstGeom>
+            </p:spPr>
+          </p:pic>
+        </mc:Fallback>
+      </mc:AlternateContent>
     </p:spTree>
     <p:extLst>
       <p:ext uri="{BB962C8B-B14F-4D97-AF65-F5344CB8AC3E}">
-        <p14:creationId xmlns:p14="http://schemas.microsoft.com/office/powerpoint/2010/main" xmlns="" val="3408856937"/>
+        <p14:creationId xmlns:p14="http://schemas.microsoft.com/office/powerpoint/2010/main" val="3408856937"/>
       </p:ext>
     </p:extLst>
   </p:cSld>
   <p:clrMapOvr>
     <a:masterClrMapping/>
   </p:clrMapOvr>
-  <mc:AlternateContent xmlns:mc="http://schemas.openxmlformats.org/markup-compatibility/2006">
-    <mc:Choice xmlns:p14="http://schemas.microsoft.com/office/powerpoint/2010/main" xmlns="" Requires="p14">
-      <p:transition spd="slow" p14:dur="2000"/>
-    </mc:Choice>
-    <mc:Fallback>
-      <p:transition spd="slow"/>
-    </mc:Fallback>
-  </mc:AlternateContent>
-  <p:timing>
-    <p:tnLst>
-      <p:par>
-        <p:cTn id="1" dur="indefinite" restart="never" nodeType="tmRoot"/>
-      </p:par>
-    </p:tnLst>
-  </p:timing>
 </p:sld>
 </file>
 
@@ -22018,18 +23890,14 @@
             </a:r>
             <a:r>
               <a:rPr lang="en-US" altLang="ko-KR" dirty="0"/>
-              <a:t>(</a:t>
-            </a:r>
-            <a:r>
-              <a:rPr lang="en-US" altLang="ko-KR" dirty="0" smtClean="0"/>
-              <a:t>Client - </a:t>
-            </a:r>
-            <a:r>
-              <a:rPr lang="ko-KR" altLang="en-US" dirty="0" smtClean="0"/>
+              <a:t>(Client - </a:t>
+            </a:r>
+            <a:r>
+              <a:rPr lang="ko-KR" altLang="en-US" dirty="0"/>
               <a:t>고객</a:t>
             </a:r>
             <a:r>
-              <a:rPr lang="en-US" altLang="ko-KR" dirty="0" smtClean="0"/>
+              <a:rPr lang="en-US" altLang="ko-KR" dirty="0"/>
               <a:t>): </a:t>
             </a:r>
             <a:r>
@@ -22073,7 +23941,7 @@
           <a:blip r:embed="rId2" cstate="print">
             <a:extLst>
               <a:ext uri="{28A0092B-C50C-407E-A947-70E740481C1C}">
-                <a14:useLocalDpi xmlns:a14="http://schemas.microsoft.com/office/drawing/2010/main" xmlns="" val="0"/>
+                <a14:useLocalDpi xmlns:a14="http://schemas.microsoft.com/office/drawing/2010/main" val="0"/>
               </a:ext>
             </a:extLst>
           </a:blip>
@@ -22096,14 +23964,14 @@
           </a:ln>
           <a:extLst>
             <a:ext uri="{909E8E84-426E-40DD-AFC4-6F175D3DCCD1}">
-              <a14:hiddenFill xmlns:a14="http://schemas.microsoft.com/office/drawing/2010/main" xmlns="">
+              <a14:hiddenFill xmlns:a14="http://schemas.microsoft.com/office/drawing/2010/main">
                 <a:solidFill>
                   <a:schemeClr val="accent1"/>
                 </a:solidFill>
               </a14:hiddenFill>
             </a:ext>
             <a:ext uri="{91240B29-F687-4F45-9708-019B960494DF}">
-              <a14:hiddenLine xmlns:a14="http://schemas.microsoft.com/office/drawing/2010/main" xmlns="" w="9525">
+              <a14:hiddenLine xmlns:a14="http://schemas.microsoft.com/office/drawing/2010/main" w="9525">
                 <a:solidFill>
                   <a:schemeClr val="tx1"/>
                 </a:solidFill>
@@ -22115,31 +23983,118 @@
           </a:extLst>
         </p:spPr>
       </p:pic>
+      <mc:AlternateContent xmlns:mc="http://schemas.openxmlformats.org/markup-compatibility/2006">
+        <mc:Choice xmlns:p14="http://schemas.microsoft.com/office/powerpoint/2010/main" Requires="p14">
+          <p:contentPart p14:bwMode="auto" r:id="rId3">
+            <p14:nvContentPartPr>
+              <p14:cNvPr id="2" name="잉크 1">
+                <a:extLst>
+                  <a:ext uri="{FF2B5EF4-FFF2-40B4-BE49-F238E27FC236}">
+                    <a16:creationId xmlns:a16="http://schemas.microsoft.com/office/drawing/2014/main" id="{02B339D5-C483-4594-96E4-77A701582A65}"/>
+                  </a:ext>
+                </a:extLst>
+              </p14:cNvPr>
+              <p14:cNvContentPartPr/>
+              <p14:nvPr/>
+            </p14:nvContentPartPr>
+            <p14:xfrm>
+              <a:off x="393840" y="317520"/>
+              <a:ext cx="7569360" cy="6013800"/>
+            </p14:xfrm>
+          </p:contentPart>
+        </mc:Choice>
+        <mc:Fallback>
+          <p:pic>
+            <p:nvPicPr>
+              <p:cNvPr id="2" name="잉크 1">
+                <a:extLst>
+                  <a:ext uri="{FF2B5EF4-FFF2-40B4-BE49-F238E27FC236}">
+                    <a16:creationId xmlns:a16="http://schemas.microsoft.com/office/drawing/2014/main" id="{02B339D5-C483-4594-96E4-77A701582A65}"/>
+                  </a:ext>
+                </a:extLst>
+              </p:cNvPr>
+              <p:cNvPicPr/>
+              <p:nvPr/>
+            </p:nvPicPr>
+            <p:blipFill>
+              <a:blip r:embed="rId4"/>
+              <a:stretch>
+                <a:fillRect/>
+              </a:stretch>
+            </p:blipFill>
+            <p:spPr>
+              <a:xfrm>
+                <a:off x="384480" y="308160"/>
+                <a:ext cx="7588080" cy="6032520"/>
+              </a:xfrm>
+              <a:prstGeom prst="rect">
+                <a:avLst/>
+              </a:prstGeom>
+            </p:spPr>
+          </p:pic>
+        </mc:Fallback>
+      </mc:AlternateContent>
+      <mc:AlternateContent xmlns:mc="http://schemas.openxmlformats.org/markup-compatibility/2006">
+        <mc:Choice xmlns:p14="http://schemas.microsoft.com/office/powerpoint/2010/main" Requires="p14">
+          <p:contentPart p14:bwMode="auto" r:id="rId5">
+            <p14:nvContentPartPr>
+              <p14:cNvPr id="3" name="잉크 2">
+                <a:extLst>
+                  <a:ext uri="{FF2B5EF4-FFF2-40B4-BE49-F238E27FC236}">
+                    <a16:creationId xmlns:a16="http://schemas.microsoft.com/office/drawing/2014/main" id="{F3020791-FF78-49F7-AA72-0A68B39C6CEE}"/>
+                  </a:ext>
+                </a:extLst>
+              </p14:cNvPr>
+              <p14:cNvContentPartPr/>
+              <p14:nvPr/>
+            </p14:nvContentPartPr>
+            <p14:xfrm>
+              <a:off x="1390680" y="50760"/>
+              <a:ext cx="2026080" cy="279720"/>
+            </p14:xfrm>
+          </p:contentPart>
+        </mc:Choice>
+        <mc:Fallback>
+          <p:pic>
+            <p:nvPicPr>
+              <p:cNvPr id="3" name="잉크 2">
+                <a:extLst>
+                  <a:ext uri="{FF2B5EF4-FFF2-40B4-BE49-F238E27FC236}">
+                    <a16:creationId xmlns:a16="http://schemas.microsoft.com/office/drawing/2014/main" id="{F3020791-FF78-49F7-AA72-0A68B39C6CEE}"/>
+                  </a:ext>
+                </a:extLst>
+              </p:cNvPr>
+              <p:cNvPicPr/>
+              <p:nvPr/>
+            </p:nvPicPr>
+            <p:blipFill>
+              <a:blip r:embed="rId6"/>
+              <a:stretch>
+                <a:fillRect/>
+              </a:stretch>
+            </p:blipFill>
+            <p:spPr>
+              <a:xfrm>
+                <a:off x="1381320" y="41400"/>
+                <a:ext cx="2044800" cy="298440"/>
+              </a:xfrm>
+              <a:prstGeom prst="rect">
+                <a:avLst/>
+              </a:prstGeom>
+            </p:spPr>
+          </p:pic>
+        </mc:Fallback>
+      </mc:AlternateContent>
     </p:spTree>
     <p:extLst>
       <p:ext uri="{BB962C8B-B14F-4D97-AF65-F5344CB8AC3E}">
-        <p14:creationId xmlns:p14="http://schemas.microsoft.com/office/powerpoint/2010/main" xmlns="" val="1939027469"/>
+        <p14:creationId xmlns:p14="http://schemas.microsoft.com/office/powerpoint/2010/main" val="1939027469"/>
       </p:ext>
     </p:extLst>
   </p:cSld>
   <p:clrMapOvr>
     <a:masterClrMapping/>
   </p:clrMapOvr>
-  <mc:AlternateContent xmlns:mc="http://schemas.openxmlformats.org/markup-compatibility/2006">
-    <mc:Choice xmlns:p14="http://schemas.microsoft.com/office/powerpoint/2010/main" xmlns="" Requires="p14">
-      <p:transition spd="slow" p14:dur="2000"/>
-    </mc:Choice>
-    <mc:Fallback>
-      <p:transition spd="slow"/>
-    </mc:Fallback>
-  </mc:AlternateContent>
-  <p:timing>
-    <p:tnLst>
-      <p:par>
-        <p:cTn id="1" dur="indefinite" restart="never" nodeType="tmRoot"/>
-      </p:par>
-    </p:tnLst>
-  </p:timing>
 </p:sld>
 </file>
 
@@ -22535,31 +24490,67 @@
           </a:p>
         </p:txBody>
       </p:sp>
+      <mc:AlternateContent xmlns:mc="http://schemas.openxmlformats.org/markup-compatibility/2006">
+        <mc:Choice xmlns:p14="http://schemas.microsoft.com/office/powerpoint/2010/main" Requires="p14">
+          <p:contentPart p14:bwMode="auto" r:id="rId2">
+            <p14:nvContentPartPr>
+              <p14:cNvPr id="2" name="잉크 1">
+                <a:extLst>
+                  <a:ext uri="{FF2B5EF4-FFF2-40B4-BE49-F238E27FC236}">
+                    <a16:creationId xmlns:a16="http://schemas.microsoft.com/office/drawing/2014/main" id="{295F440D-E689-4A1B-B17D-6D4F4628CB7E}"/>
+                  </a:ext>
+                </a:extLst>
+              </p14:cNvPr>
+              <p14:cNvContentPartPr/>
+              <p14:nvPr/>
+            </p14:nvContentPartPr>
+            <p14:xfrm>
+              <a:off x="1606680" y="870120"/>
+              <a:ext cx="5543640" cy="5461200"/>
+            </p14:xfrm>
+          </p:contentPart>
+        </mc:Choice>
+        <mc:Fallback>
+          <p:pic>
+            <p:nvPicPr>
+              <p:cNvPr id="2" name="잉크 1">
+                <a:extLst>
+                  <a:ext uri="{FF2B5EF4-FFF2-40B4-BE49-F238E27FC236}">
+                    <a16:creationId xmlns:a16="http://schemas.microsoft.com/office/drawing/2014/main" id="{295F440D-E689-4A1B-B17D-6D4F4628CB7E}"/>
+                  </a:ext>
+                </a:extLst>
+              </p:cNvPr>
+              <p:cNvPicPr/>
+              <p:nvPr/>
+            </p:nvPicPr>
+            <p:blipFill>
+              <a:blip r:embed="rId3"/>
+              <a:stretch>
+                <a:fillRect/>
+              </a:stretch>
+            </p:blipFill>
+            <p:spPr>
+              <a:xfrm>
+                <a:off x="1597320" y="860760"/>
+                <a:ext cx="5562360" cy="5479920"/>
+              </a:xfrm>
+              <a:prstGeom prst="rect">
+                <a:avLst/>
+              </a:prstGeom>
+            </p:spPr>
+          </p:pic>
+        </mc:Fallback>
+      </mc:AlternateContent>
     </p:spTree>
     <p:extLst>
       <p:ext uri="{BB962C8B-B14F-4D97-AF65-F5344CB8AC3E}">
-        <p14:creationId xmlns:p14="http://schemas.microsoft.com/office/powerpoint/2010/main" xmlns="" val="3801817758"/>
+        <p14:creationId xmlns:p14="http://schemas.microsoft.com/office/powerpoint/2010/main" val="3801817758"/>
       </p:ext>
     </p:extLst>
   </p:cSld>
   <p:clrMapOvr>
     <a:masterClrMapping/>
   </p:clrMapOvr>
-  <mc:AlternateContent xmlns:mc="http://schemas.openxmlformats.org/markup-compatibility/2006">
-    <mc:Choice xmlns:p14="http://schemas.microsoft.com/office/powerpoint/2010/main" xmlns="" Requires="p14">
-      <p:transition spd="slow" p14:dur="2000"/>
-    </mc:Choice>
-    <mc:Fallback>
-      <p:transition spd="slow"/>
-    </mc:Fallback>
-  </mc:AlternateContent>
-  <p:timing>
-    <p:tnLst>
-      <p:par>
-        <p:cTn id="1" dur="indefinite" restart="never" nodeType="tmRoot"/>
-      </p:par>
-    </p:tnLst>
-  </p:timing>
 </p:sld>
 </file>
 
@@ -23310,23 +25301,67 @@
           </a:p>
         </p:txBody>
       </p:sp>
+      <mc:AlternateContent xmlns:mc="http://schemas.openxmlformats.org/markup-compatibility/2006">
+        <mc:Choice xmlns:p14="http://schemas.microsoft.com/office/powerpoint/2010/main" Requires="p14">
+          <p:contentPart p14:bwMode="auto" r:id="rId2">
+            <p14:nvContentPartPr>
+              <p14:cNvPr id="2" name="잉크 1">
+                <a:extLst>
+                  <a:ext uri="{FF2B5EF4-FFF2-40B4-BE49-F238E27FC236}">
+                    <a16:creationId xmlns:a16="http://schemas.microsoft.com/office/drawing/2014/main" id="{28DB8151-FA71-48DF-971D-F2A73EA057FF}"/>
+                  </a:ext>
+                </a:extLst>
+              </p14:cNvPr>
+              <p14:cNvContentPartPr/>
+              <p14:nvPr/>
+            </p14:nvContentPartPr>
+            <p14:xfrm>
+              <a:off x="4165560" y="2209680"/>
+              <a:ext cx="2737080" cy="1823040"/>
+            </p14:xfrm>
+          </p:contentPart>
+        </mc:Choice>
+        <mc:Fallback>
+          <p:pic>
+            <p:nvPicPr>
+              <p:cNvPr id="2" name="잉크 1">
+                <a:extLst>
+                  <a:ext uri="{FF2B5EF4-FFF2-40B4-BE49-F238E27FC236}">
+                    <a16:creationId xmlns:a16="http://schemas.microsoft.com/office/drawing/2014/main" id="{28DB8151-FA71-48DF-971D-F2A73EA057FF}"/>
+                  </a:ext>
+                </a:extLst>
+              </p:cNvPr>
+              <p:cNvPicPr/>
+              <p:nvPr/>
+            </p:nvPicPr>
+            <p:blipFill>
+              <a:blip r:embed="rId3"/>
+              <a:stretch>
+                <a:fillRect/>
+              </a:stretch>
+            </p:blipFill>
+            <p:spPr>
+              <a:xfrm>
+                <a:off x="4156200" y="2200320"/>
+                <a:ext cx="2755800" cy="1841760"/>
+              </a:xfrm>
+              <a:prstGeom prst="rect">
+                <a:avLst/>
+              </a:prstGeom>
+            </p:spPr>
+          </p:pic>
+        </mc:Fallback>
+      </mc:AlternateContent>
     </p:spTree>
     <p:extLst>
       <p:ext uri="{BB962C8B-B14F-4D97-AF65-F5344CB8AC3E}">
-        <p14:creationId xmlns:p14="http://schemas.microsoft.com/office/powerpoint/2010/main" xmlns="" val="367154439"/>
+        <p14:creationId xmlns:p14="http://schemas.microsoft.com/office/powerpoint/2010/main" val="367154439"/>
       </p:ext>
     </p:extLst>
   </p:cSld>
   <p:clrMapOvr>
     <a:masterClrMapping/>
   </p:clrMapOvr>
-  <p:timing>
-    <p:tnLst>
-      <p:par>
-        <p:cTn id="1" dur="indefinite" restart="never" nodeType="tmRoot"/>
-      </p:par>
-    </p:tnLst>
-  </p:timing>
 </p:sld>
 </file>
 
@@ -23364,11 +25399,7 @@
           <a:p>
             <a:r>
               <a:rPr lang="ko-KR" altLang="en-US" b="0" dirty="0"/>
-              <a:t>날짜 </a:t>
-            </a:r>
-            <a:r>
-              <a:rPr lang="ko-KR" altLang="en-US" b="0" dirty="0" smtClean="0"/>
-              <a:t>클라이언트 제작</a:t>
+              <a:t>날짜 클라이언트 제작</a:t>
             </a:r>
             <a:endParaRPr lang="ko-KR" altLang="en-US" dirty="0"/>
           </a:p>
@@ -23867,10 +25898,61 @@
           </a:prstGeom>
         </p:spPr>
       </p:pic>
+      <mc:AlternateContent xmlns:mc="http://schemas.openxmlformats.org/markup-compatibility/2006">
+        <mc:Choice xmlns:p14="http://schemas.microsoft.com/office/powerpoint/2010/main" Requires="p14">
+          <p:contentPart p14:bwMode="auto" r:id="rId3">
+            <p14:nvContentPartPr>
+              <p14:cNvPr id="2" name="잉크 1">
+                <a:extLst>
+                  <a:ext uri="{FF2B5EF4-FFF2-40B4-BE49-F238E27FC236}">
+                    <a16:creationId xmlns:a16="http://schemas.microsoft.com/office/drawing/2014/main" id="{E844CFAF-A4A9-4D53-8B5E-17BF3323CA50}"/>
+                  </a:ext>
+                </a:extLst>
+              </p14:cNvPr>
+              <p14:cNvContentPartPr/>
+              <p14:nvPr/>
+            </p14:nvContentPartPr>
+            <p14:xfrm>
+              <a:off x="2317680" y="3048120"/>
+              <a:ext cx="832320" cy="25560"/>
+            </p14:xfrm>
+          </p:contentPart>
+        </mc:Choice>
+        <mc:Fallback>
+          <p:pic>
+            <p:nvPicPr>
+              <p:cNvPr id="2" name="잉크 1">
+                <a:extLst>
+                  <a:ext uri="{FF2B5EF4-FFF2-40B4-BE49-F238E27FC236}">
+                    <a16:creationId xmlns:a16="http://schemas.microsoft.com/office/drawing/2014/main" id="{E844CFAF-A4A9-4D53-8B5E-17BF3323CA50}"/>
+                  </a:ext>
+                </a:extLst>
+              </p:cNvPr>
+              <p:cNvPicPr/>
+              <p:nvPr/>
+            </p:nvPicPr>
+            <p:blipFill>
+              <a:blip r:embed="rId4"/>
+              <a:stretch>
+                <a:fillRect/>
+              </a:stretch>
+            </p:blipFill>
+            <p:spPr>
+              <a:xfrm>
+                <a:off x="2308320" y="3038760"/>
+                <a:ext cx="851040" cy="44280"/>
+              </a:xfrm>
+              <a:prstGeom prst="rect">
+                <a:avLst/>
+              </a:prstGeom>
+            </p:spPr>
+          </p:pic>
+        </mc:Fallback>
+      </mc:AlternateContent>
     </p:spTree>
     <p:extLst>
       <p:ext uri="{BB962C8B-B14F-4D97-AF65-F5344CB8AC3E}">
-        <p14:creationId xmlns:p14="http://schemas.microsoft.com/office/powerpoint/2010/main" xmlns="" val="10322343"/>
+        <p14:creationId xmlns:p14="http://schemas.microsoft.com/office/powerpoint/2010/main" val="10322343"/>
       </p:ext>
     </p:extLst>
   </p:cSld>
@@ -24000,18 +26082,10 @@
             </a:r>
             <a:r>
               <a:rPr lang="ko-KR" altLang="en-US" dirty="0"/>
-              <a:t> </a:t>
-            </a:r>
-            <a:r>
-              <a:rPr lang="ko-KR" altLang="en-US" dirty="0" smtClean="0"/>
-              <a:t>서버를 구현하여 </a:t>
-            </a:r>
-            <a:r>
-              <a:rPr lang="ko-KR" altLang="en-US" dirty="0"/>
-              <a:t>보자</a:t>
-            </a:r>
-            <a:r>
-              <a:rPr lang="en-US" altLang="ko-KR" dirty="0" smtClean="0"/>
+              <a:t> 서버를 구현하여 보자</a:t>
+            </a:r>
+            <a:r>
+              <a:rPr lang="en-US" altLang="ko-KR" dirty="0"/>
               <a:t>.</a:t>
             </a:r>
             <a:endParaRPr lang="ko-KR" altLang="en-US" dirty="0"/>
@@ -24034,22 +26108,21 @@
           <a:lstStyle/>
           <a:p>
             <a:r>
-              <a:rPr lang="en-US" altLang="ko-KR" dirty="0" smtClean="0"/>
+              <a:rPr lang="en-US" altLang="ko-KR" dirty="0"/>
               <a:t>LAB: </a:t>
             </a:r>
             <a:r>
-              <a:rPr lang="ko-KR" altLang="en-US" dirty="0" smtClean="0"/>
+              <a:rPr lang="ko-KR" altLang="en-US" dirty="0"/>
               <a:t>영어</a:t>
             </a:r>
             <a:r>
-              <a:rPr lang="en-US" altLang="ko-KR" dirty="0" smtClean="0"/>
+              <a:rPr lang="en-US" altLang="ko-KR" dirty="0"/>
               <a:t> </a:t>
             </a:r>
             <a:r>
-              <a:rPr lang="ko-KR" altLang="en-US" dirty="0" smtClean="0"/>
+              <a:rPr lang="ko-KR" altLang="en-US" dirty="0"/>
               <a:t>번역 서버 작성</a:t>
             </a:r>
-            <a:endParaRPr lang="ko-KR" altLang="en-US" dirty="0"/>
           </a:p>
         </p:txBody>
       </p:sp>
@@ -24065,7 +26138,7 @@
           <a:blip r:embed="rId2" cstate="print">
             <a:extLst>
               <a:ext uri="{28A0092B-C50C-407E-A947-70E740481C1C}">
-                <a14:useLocalDpi xmlns:a14="http://schemas.microsoft.com/office/drawing/2010/main" xmlns="" val="0"/>
+                <a14:useLocalDpi xmlns:a14="http://schemas.microsoft.com/office/drawing/2010/main" val="0"/>
               </a:ext>
             </a:extLst>
           </a:blip>
@@ -24088,14 +26161,14 @@
           </a:ln>
           <a:extLst>
             <a:ext uri="{909E8E84-426E-40DD-AFC4-6F175D3DCCD1}">
-              <a14:hiddenFill xmlns:a14="http://schemas.microsoft.com/office/drawing/2010/main" xmlns="">
+              <a14:hiddenFill xmlns:a14="http://schemas.microsoft.com/office/drawing/2010/main">
                 <a:solidFill>
                   <a:schemeClr val="accent1"/>
                 </a:solidFill>
               </a14:hiddenFill>
             </a:ext>
             <a:ext uri="{91240B29-F687-4F45-9708-019B960494DF}">
-              <a14:hiddenLine xmlns:a14="http://schemas.microsoft.com/office/drawing/2010/main" xmlns="" w="9525">
+              <a14:hiddenLine xmlns:a14="http://schemas.microsoft.com/office/drawing/2010/main" w="9525">
                 <a:solidFill>
                   <a:schemeClr val="tx1"/>
                 </a:solidFill>
@@ -24107,23 +26180,67 @@
           </a:extLst>
         </p:spPr>
       </p:pic>
+      <mc:AlternateContent xmlns:mc="http://schemas.openxmlformats.org/markup-compatibility/2006">
+        <mc:Choice xmlns:p14="http://schemas.microsoft.com/office/powerpoint/2010/main" Requires="p14">
+          <p:contentPart p14:bwMode="auto" r:id="rId3">
+            <p14:nvContentPartPr>
+              <p14:cNvPr id="4" name="잉크 3">
+                <a:extLst>
+                  <a:ext uri="{FF2B5EF4-FFF2-40B4-BE49-F238E27FC236}">
+                    <a16:creationId xmlns:a16="http://schemas.microsoft.com/office/drawing/2014/main" id="{1CB690EF-4599-4622-BA0D-D874FEEE6917}"/>
+                  </a:ext>
+                </a:extLst>
+              </p14:cNvPr>
+              <p14:cNvContentPartPr/>
+              <p14:nvPr/>
+            </p14:nvContentPartPr>
+            <p14:xfrm>
+              <a:off x="1930320" y="3632040"/>
+              <a:ext cx="1257840" cy="203760"/>
+            </p14:xfrm>
+          </p:contentPart>
+        </mc:Choice>
+        <mc:Fallback>
+          <p:pic>
+            <p:nvPicPr>
+              <p:cNvPr id="4" name="잉크 3">
+                <a:extLst>
+                  <a:ext uri="{FF2B5EF4-FFF2-40B4-BE49-F238E27FC236}">
+                    <a16:creationId xmlns:a16="http://schemas.microsoft.com/office/drawing/2014/main" id="{1CB690EF-4599-4622-BA0D-D874FEEE6917}"/>
+                  </a:ext>
+                </a:extLst>
+              </p:cNvPr>
+              <p:cNvPicPr/>
+              <p:nvPr/>
+            </p:nvPicPr>
+            <p:blipFill>
+              <a:blip r:embed="rId4"/>
+              <a:stretch>
+                <a:fillRect/>
+              </a:stretch>
+            </p:blipFill>
+            <p:spPr>
+              <a:xfrm>
+                <a:off x="1920960" y="3622680"/>
+                <a:ext cx="1276560" cy="222480"/>
+              </a:xfrm>
+              <a:prstGeom prst="rect">
+                <a:avLst/>
+              </a:prstGeom>
+            </p:spPr>
+          </p:pic>
+        </mc:Fallback>
+      </mc:AlternateContent>
     </p:spTree>
     <p:extLst>
       <p:ext uri="{BB962C8B-B14F-4D97-AF65-F5344CB8AC3E}">
-        <p14:creationId xmlns:p14="http://schemas.microsoft.com/office/powerpoint/2010/main" xmlns="" val="3416172942"/>
+        <p14:creationId xmlns:p14="http://schemas.microsoft.com/office/powerpoint/2010/main" val="3416172942"/>
       </p:ext>
     </p:extLst>
   </p:cSld>
   <p:clrMapOvr>
     <a:masterClrMapping/>
   </p:clrMapOvr>
-  <p:timing>
-    <p:tnLst>
-      <p:par>
-        <p:cTn id="1" dur="indefinite" restart="never" nodeType="tmRoot"/>
-      </p:par>
-    </p:tnLst>
-  </p:timing>
 </p:sld>
 </file>
 
@@ -24160,14 +26277,13 @@
           <a:lstStyle/>
           <a:p>
             <a:r>
-              <a:rPr lang="en-US" altLang="ko-KR" dirty="0" smtClean="0"/>
+              <a:rPr lang="en-US" altLang="ko-KR" dirty="0"/>
               <a:t>SOLUTION</a:t>
             </a:r>
             <a:r>
-              <a:rPr lang="ko-KR" altLang="en-US" dirty="0" smtClean="0"/>
+              <a:rPr lang="ko-KR" altLang="en-US" dirty="0"/>
               <a:t> </a:t>
             </a:r>
-            <a:endParaRPr lang="ko-KR" altLang="en-US" dirty="0"/>
           </a:p>
         </p:txBody>
       </p:sp>
@@ -24854,23 +26970,67 @@
           </a:p>
         </p:txBody>
       </p:sp>
+      <mc:AlternateContent xmlns:mc="http://schemas.openxmlformats.org/markup-compatibility/2006">
+        <mc:Choice xmlns:p14="http://schemas.microsoft.com/office/powerpoint/2010/main" Requires="p14">
+          <p:contentPart p14:bwMode="auto" r:id="rId2">
+            <p14:nvContentPartPr>
+              <p14:cNvPr id="2" name="잉크 1">
+                <a:extLst>
+                  <a:ext uri="{FF2B5EF4-FFF2-40B4-BE49-F238E27FC236}">
+                    <a16:creationId xmlns:a16="http://schemas.microsoft.com/office/drawing/2014/main" id="{BB414616-64A2-424D-8ADB-D9D3C4DCD840}"/>
+                  </a:ext>
+                </a:extLst>
+              </p14:cNvPr>
+              <p14:cNvContentPartPr/>
+              <p14:nvPr/>
+            </p14:nvContentPartPr>
+            <p14:xfrm>
+              <a:off x="2711520" y="1619280"/>
+              <a:ext cx="4889880" cy="2718000"/>
+            </p14:xfrm>
+          </p:contentPart>
+        </mc:Choice>
+        <mc:Fallback>
+          <p:pic>
+            <p:nvPicPr>
+              <p:cNvPr id="2" name="잉크 1">
+                <a:extLst>
+                  <a:ext uri="{FF2B5EF4-FFF2-40B4-BE49-F238E27FC236}">
+                    <a16:creationId xmlns:a16="http://schemas.microsoft.com/office/drawing/2014/main" id="{BB414616-64A2-424D-8ADB-D9D3C4DCD840}"/>
+                  </a:ext>
+                </a:extLst>
+              </p:cNvPr>
+              <p:cNvPicPr/>
+              <p:nvPr/>
+            </p:nvPicPr>
+            <p:blipFill>
+              <a:blip r:embed="rId3"/>
+              <a:stretch>
+                <a:fillRect/>
+              </a:stretch>
+            </p:blipFill>
+            <p:spPr>
+              <a:xfrm>
+                <a:off x="2702160" y="1609920"/>
+                <a:ext cx="4908600" cy="2736720"/>
+              </a:xfrm>
+              <a:prstGeom prst="rect">
+                <a:avLst/>
+              </a:prstGeom>
+            </p:spPr>
+          </p:pic>
+        </mc:Fallback>
+      </mc:AlternateContent>
     </p:spTree>
     <p:extLst>
       <p:ext uri="{BB962C8B-B14F-4D97-AF65-F5344CB8AC3E}">
-        <p14:creationId xmlns:p14="http://schemas.microsoft.com/office/powerpoint/2010/main" xmlns="" val="4156040208"/>
+        <p14:creationId xmlns:p14="http://schemas.microsoft.com/office/powerpoint/2010/main" val="4156040208"/>
       </p:ext>
     </p:extLst>
   </p:cSld>
   <p:clrMapOvr>
     <a:masterClrMapping/>
   </p:clrMapOvr>
-  <p:timing>
-    <p:tnLst>
-      <p:par>
-        <p:cTn id="1" dur="indefinite" restart="never" nodeType="tmRoot"/>
-      </p:par>
-    </p:tnLst>
-  </p:timing>
 </p:sld>
 </file>
 
@@ -24907,14 +27067,13 @@
           <a:lstStyle/>
           <a:p>
             <a:r>
-              <a:rPr lang="en-US" altLang="ko-KR" dirty="0" smtClean="0"/>
+              <a:rPr lang="en-US" altLang="ko-KR" dirty="0"/>
               <a:t>SOLUTION</a:t>
             </a:r>
             <a:r>
-              <a:rPr lang="ko-KR" altLang="en-US" dirty="0" smtClean="0"/>
+              <a:rPr lang="ko-KR" altLang="en-US" dirty="0"/>
               <a:t> </a:t>
             </a:r>
-            <a:endParaRPr lang="ko-KR" altLang="en-US" dirty="0"/>
           </a:p>
         </p:txBody>
       </p:sp>
@@ -25724,23 +27883,67 @@
           </a:p>
         </p:txBody>
       </p:sp>
+      <mc:AlternateContent xmlns:mc="http://schemas.openxmlformats.org/markup-compatibility/2006">
+        <mc:Choice xmlns:p14="http://schemas.microsoft.com/office/powerpoint/2010/main" Requires="p14">
+          <p:contentPart p14:bwMode="auto" r:id="rId2">
+            <p14:nvContentPartPr>
+              <p14:cNvPr id="2" name="잉크 1">
+                <a:extLst>
+                  <a:ext uri="{FF2B5EF4-FFF2-40B4-BE49-F238E27FC236}">
+                    <a16:creationId xmlns:a16="http://schemas.microsoft.com/office/drawing/2014/main" id="{B0B27D77-4C3C-41E2-8F39-F94844DA9D1F}"/>
+                  </a:ext>
+                </a:extLst>
+              </p14:cNvPr>
+              <p14:cNvContentPartPr/>
+              <p14:nvPr/>
+            </p14:nvContentPartPr>
+            <p14:xfrm>
+              <a:off x="1574640" y="291960"/>
+              <a:ext cx="4280400" cy="5747400"/>
+            </p14:xfrm>
+          </p:contentPart>
+        </mc:Choice>
+        <mc:Fallback>
+          <p:pic>
+            <p:nvPicPr>
+              <p:cNvPr id="2" name="잉크 1">
+                <a:extLst>
+                  <a:ext uri="{FF2B5EF4-FFF2-40B4-BE49-F238E27FC236}">
+                    <a16:creationId xmlns:a16="http://schemas.microsoft.com/office/drawing/2014/main" id="{B0B27D77-4C3C-41E2-8F39-F94844DA9D1F}"/>
+                  </a:ext>
+                </a:extLst>
+              </p:cNvPr>
+              <p:cNvPicPr/>
+              <p:nvPr/>
+            </p:nvPicPr>
+            <p:blipFill>
+              <a:blip r:embed="rId3"/>
+              <a:stretch>
+                <a:fillRect/>
+              </a:stretch>
+            </p:blipFill>
+            <p:spPr>
+              <a:xfrm>
+                <a:off x="1565280" y="282600"/>
+                <a:ext cx="4299120" cy="5766120"/>
+              </a:xfrm>
+              <a:prstGeom prst="rect">
+                <a:avLst/>
+              </a:prstGeom>
+            </p:spPr>
+          </p:pic>
+        </mc:Fallback>
+      </mc:AlternateContent>
     </p:spTree>
     <p:extLst>
       <p:ext uri="{BB962C8B-B14F-4D97-AF65-F5344CB8AC3E}">
-        <p14:creationId xmlns:p14="http://schemas.microsoft.com/office/powerpoint/2010/main" xmlns="" val="1210732317"/>
+        <p14:creationId xmlns:p14="http://schemas.microsoft.com/office/powerpoint/2010/main" val="1210732317"/>
       </p:ext>
     </p:extLst>
   </p:cSld>
   <p:clrMapOvr>
     <a:masterClrMapping/>
   </p:clrMapOvr>
-  <p:timing>
-    <p:tnLst>
-      <p:par>
-        <p:cTn id="1" dur="indefinite" restart="never" nodeType="tmRoot"/>
-      </p:par>
-    </p:tnLst>
-  </p:timing>
 </p:sld>
 </file>
 
@@ -25777,14 +27980,13 @@
           <a:lstStyle/>
           <a:p>
             <a:r>
-              <a:rPr lang="en-US" altLang="ko-KR" dirty="0" smtClean="0"/>
+              <a:rPr lang="en-US" altLang="ko-KR" dirty="0"/>
               <a:t>SOLUTION</a:t>
             </a:r>
             <a:r>
-              <a:rPr lang="ko-KR" altLang="en-US" dirty="0" smtClean="0"/>
+              <a:rPr lang="ko-KR" altLang="en-US" dirty="0"/>
               <a:t> </a:t>
             </a:r>
-            <a:endParaRPr lang="ko-KR" altLang="en-US" dirty="0"/>
           </a:p>
         </p:txBody>
       </p:sp>
@@ -26745,23 +28947,118 @@
           </a:p>
         </p:txBody>
       </p:sp>
+      <mc:AlternateContent xmlns:mc="http://schemas.openxmlformats.org/markup-compatibility/2006">
+        <mc:Choice xmlns:p14="http://schemas.microsoft.com/office/powerpoint/2010/main" Requires="p14">
+          <p:contentPart p14:bwMode="auto" r:id="rId2">
+            <p14:nvContentPartPr>
+              <p14:cNvPr id="2" name="잉크 1">
+                <a:extLst>
+                  <a:ext uri="{FF2B5EF4-FFF2-40B4-BE49-F238E27FC236}">
+                    <a16:creationId xmlns:a16="http://schemas.microsoft.com/office/drawing/2014/main" id="{6C26EE4B-2C49-4559-AEA9-E0C740785143}"/>
+                  </a:ext>
+                </a:extLst>
+              </p14:cNvPr>
+              <p14:cNvContentPartPr/>
+              <p14:nvPr/>
+            </p14:nvContentPartPr>
+            <p14:xfrm>
+              <a:off x="4102200" y="425520"/>
+              <a:ext cx="3327840" cy="2165760"/>
+            </p14:xfrm>
+          </p:contentPart>
+        </mc:Choice>
+        <mc:Fallback>
+          <p:pic>
+            <p:nvPicPr>
+              <p:cNvPr id="2" name="잉크 1">
+                <a:extLst>
+                  <a:ext uri="{FF2B5EF4-FFF2-40B4-BE49-F238E27FC236}">
+                    <a16:creationId xmlns:a16="http://schemas.microsoft.com/office/drawing/2014/main" id="{6C26EE4B-2C49-4559-AEA9-E0C740785143}"/>
+                  </a:ext>
+                </a:extLst>
+              </p:cNvPr>
+              <p:cNvPicPr/>
+              <p:nvPr/>
+            </p:nvPicPr>
+            <p:blipFill>
+              <a:blip r:embed="rId3"/>
+              <a:stretch>
+                <a:fillRect/>
+              </a:stretch>
+            </p:blipFill>
+            <p:spPr>
+              <a:xfrm>
+                <a:off x="4092840" y="416160"/>
+                <a:ext cx="3346560" cy="2184480"/>
+              </a:xfrm>
+              <a:prstGeom prst="rect">
+                <a:avLst/>
+              </a:prstGeom>
+            </p:spPr>
+          </p:pic>
+        </mc:Fallback>
+      </mc:AlternateContent>
+      <mc:AlternateContent xmlns:mc="http://schemas.openxmlformats.org/markup-compatibility/2006">
+        <mc:Choice xmlns:p14="http://schemas.microsoft.com/office/powerpoint/2010/main" Requires="p14">
+          <p:contentPart p14:bwMode="auto" r:id="rId4">
+            <p14:nvContentPartPr>
+              <p14:cNvPr id="5" name="잉크 4">
+                <a:extLst>
+                  <a:ext uri="{FF2B5EF4-FFF2-40B4-BE49-F238E27FC236}">
+                    <a16:creationId xmlns:a16="http://schemas.microsoft.com/office/drawing/2014/main" id="{03DA0D7A-4286-4809-8DFE-933F4E18F90C}"/>
+                  </a:ext>
+                </a:extLst>
+              </p14:cNvPr>
+              <p14:cNvContentPartPr/>
+              <p14:nvPr/>
+            </p14:nvContentPartPr>
+            <p14:xfrm>
+              <a:off x="3746520" y="1219320"/>
+              <a:ext cx="311400" cy="254160"/>
+            </p14:xfrm>
+          </p:contentPart>
+        </mc:Choice>
+        <mc:Fallback>
+          <p:pic>
+            <p:nvPicPr>
+              <p:cNvPr id="5" name="잉크 4">
+                <a:extLst>
+                  <a:ext uri="{FF2B5EF4-FFF2-40B4-BE49-F238E27FC236}">
+                    <a16:creationId xmlns:a16="http://schemas.microsoft.com/office/drawing/2014/main" id="{03DA0D7A-4286-4809-8DFE-933F4E18F90C}"/>
+                  </a:ext>
+                </a:extLst>
+              </p:cNvPr>
+              <p:cNvPicPr/>
+              <p:nvPr/>
+            </p:nvPicPr>
+            <p:blipFill>
+              <a:blip r:embed="rId5"/>
+              <a:stretch>
+                <a:fillRect/>
+              </a:stretch>
+            </p:blipFill>
+            <p:spPr>
+              <a:xfrm>
+                <a:off x="3737160" y="1209960"/>
+                <a:ext cx="330120" cy="272880"/>
+              </a:xfrm>
+              <a:prstGeom prst="rect">
+                <a:avLst/>
+              </a:prstGeom>
+            </p:spPr>
+          </p:pic>
+        </mc:Fallback>
+      </mc:AlternateContent>
     </p:spTree>
     <p:extLst>
       <p:ext uri="{BB962C8B-B14F-4D97-AF65-F5344CB8AC3E}">
-        <p14:creationId xmlns:p14="http://schemas.microsoft.com/office/powerpoint/2010/main" xmlns="" val="2046687732"/>
+        <p14:creationId xmlns:p14="http://schemas.microsoft.com/office/powerpoint/2010/main" val="2046687732"/>
       </p:ext>
     </p:extLst>
   </p:cSld>
   <p:clrMapOvr>
     <a:masterClrMapping/>
   </p:clrMapOvr>
-  <p:timing>
-    <p:tnLst>
-      <p:par>
-        <p:cTn id="1" dur="indefinite" restart="never" nodeType="tmRoot"/>
-      </p:par>
-    </p:tnLst>
-  </p:timing>
 </p:sld>
 </file>
 
@@ -26798,14 +29095,13 @@
           <a:lstStyle/>
           <a:p>
             <a:r>
-              <a:rPr lang="en-US" altLang="ko-KR" dirty="0" smtClean="0"/>
+              <a:rPr lang="en-US" altLang="ko-KR" dirty="0"/>
               <a:t>SOLUTION</a:t>
             </a:r>
             <a:r>
-              <a:rPr lang="ko-KR" altLang="en-US" dirty="0" smtClean="0"/>
+              <a:rPr lang="ko-KR" altLang="en-US" dirty="0"/>
               <a:t> </a:t>
             </a:r>
-            <a:endParaRPr lang="ko-KR" altLang="en-US" dirty="0"/>
           </a:p>
         </p:txBody>
       </p:sp>
@@ -27487,7 +29783,7 @@
               <a:t>this</a:t>
             </a:r>
             <a:r>
-              <a:rPr lang="en-US" altLang="ko-KR" sz="1400" dirty="0" smtClean="0">
+              <a:rPr lang="en-US" altLang="ko-KR" sz="1400" dirty="0">
                 <a:latin typeface="+mn-lt"/>
               </a:rPr>
               <a:t>);</a:t>
@@ -27877,23 +30173,67 @@
           </a:p>
         </p:txBody>
       </p:sp>
+      <mc:AlternateContent xmlns:mc="http://schemas.openxmlformats.org/markup-compatibility/2006">
+        <mc:Choice xmlns:p14="http://schemas.microsoft.com/office/powerpoint/2010/main" Requires="p14">
+          <p:contentPart p14:bwMode="auto" r:id="rId2">
+            <p14:nvContentPartPr>
+              <p14:cNvPr id="2" name="잉크 1">
+                <a:extLst>
+                  <a:ext uri="{FF2B5EF4-FFF2-40B4-BE49-F238E27FC236}">
+                    <a16:creationId xmlns:a16="http://schemas.microsoft.com/office/drawing/2014/main" id="{17497300-5D07-42B9-AB61-0D4E580B4270}"/>
+                  </a:ext>
+                </a:extLst>
+              </p14:cNvPr>
+              <p14:cNvContentPartPr/>
+              <p14:nvPr/>
+            </p14:nvContentPartPr>
+            <p14:xfrm>
+              <a:off x="825480" y="196920"/>
+              <a:ext cx="5823360" cy="5594760"/>
+            </p14:xfrm>
+          </p:contentPart>
+        </mc:Choice>
+        <mc:Fallback>
+          <p:pic>
+            <p:nvPicPr>
+              <p:cNvPr id="2" name="잉크 1">
+                <a:extLst>
+                  <a:ext uri="{FF2B5EF4-FFF2-40B4-BE49-F238E27FC236}">
+                    <a16:creationId xmlns:a16="http://schemas.microsoft.com/office/drawing/2014/main" id="{17497300-5D07-42B9-AB61-0D4E580B4270}"/>
+                  </a:ext>
+                </a:extLst>
+              </p:cNvPr>
+              <p:cNvPicPr/>
+              <p:nvPr/>
+            </p:nvPicPr>
+            <p:blipFill>
+              <a:blip r:embed="rId3"/>
+              <a:stretch>
+                <a:fillRect/>
+              </a:stretch>
+            </p:blipFill>
+            <p:spPr>
+              <a:xfrm>
+                <a:off x="816120" y="187560"/>
+                <a:ext cx="5842080" cy="5613480"/>
+              </a:xfrm>
+              <a:prstGeom prst="rect">
+                <a:avLst/>
+              </a:prstGeom>
+            </p:spPr>
+          </p:pic>
+        </mc:Fallback>
+      </mc:AlternateContent>
     </p:spTree>
     <p:extLst>
       <p:ext uri="{BB962C8B-B14F-4D97-AF65-F5344CB8AC3E}">
-        <p14:creationId xmlns:p14="http://schemas.microsoft.com/office/powerpoint/2010/main" xmlns="" val="1164424483"/>
+        <p14:creationId xmlns:p14="http://schemas.microsoft.com/office/powerpoint/2010/main" val="1164424483"/>
       </p:ext>
     </p:extLst>
   </p:cSld>
   <p:clrMapOvr>
     <a:masterClrMapping/>
   </p:clrMapOvr>
-  <p:timing>
-    <p:tnLst>
-      <p:par>
-        <p:cTn id="1" dur="indefinite" restart="never" nodeType="tmRoot"/>
-      </p:par>
-    </p:tnLst>
-  </p:timing>
 </p:sld>
 </file>
 
@@ -27930,14 +30270,13 @@
           <a:lstStyle/>
           <a:p>
             <a:r>
-              <a:rPr lang="en-US" altLang="ko-KR" dirty="0" smtClean="0"/>
+              <a:rPr lang="en-US" altLang="ko-KR" dirty="0"/>
               <a:t>SOLUTION</a:t>
             </a:r>
             <a:r>
-              <a:rPr lang="ko-KR" altLang="en-US" dirty="0" smtClean="0"/>
+              <a:rPr lang="ko-KR" altLang="en-US" dirty="0"/>
               <a:t> </a:t>
             </a:r>
-            <a:endParaRPr lang="ko-KR" altLang="en-US" dirty="0"/>
           </a:p>
         </p:txBody>
       </p:sp>
@@ -28643,23 +30982,67 @@
           </a:p>
         </p:txBody>
       </p:sp>
+      <mc:AlternateContent xmlns:mc="http://schemas.openxmlformats.org/markup-compatibility/2006">
+        <mc:Choice xmlns:p14="http://schemas.microsoft.com/office/powerpoint/2010/main" Requires="p14">
+          <p:contentPart p14:bwMode="auto" r:id="rId2">
+            <p14:nvContentPartPr>
+              <p14:cNvPr id="2" name="잉크 1">
+                <a:extLst>
+                  <a:ext uri="{FF2B5EF4-FFF2-40B4-BE49-F238E27FC236}">
+                    <a16:creationId xmlns:a16="http://schemas.microsoft.com/office/drawing/2014/main" id="{784A4E71-EB2A-4D85-A542-B5D46133218E}"/>
+                  </a:ext>
+                </a:extLst>
+              </p14:cNvPr>
+              <p14:cNvContentPartPr/>
+              <p14:nvPr/>
+            </p14:nvContentPartPr>
+            <p14:xfrm>
+              <a:off x="1371600" y="2311560"/>
+              <a:ext cx="5112000" cy="3200760"/>
+            </p14:xfrm>
+          </p:contentPart>
+        </mc:Choice>
+        <mc:Fallback>
+          <p:pic>
+            <p:nvPicPr>
+              <p:cNvPr id="2" name="잉크 1">
+                <a:extLst>
+                  <a:ext uri="{FF2B5EF4-FFF2-40B4-BE49-F238E27FC236}">
+                    <a16:creationId xmlns:a16="http://schemas.microsoft.com/office/drawing/2014/main" id="{784A4E71-EB2A-4D85-A542-B5D46133218E}"/>
+                  </a:ext>
+                </a:extLst>
+              </p:cNvPr>
+              <p:cNvPicPr/>
+              <p:nvPr/>
+            </p:nvPicPr>
+            <p:blipFill>
+              <a:blip r:embed="rId3"/>
+              <a:stretch>
+                <a:fillRect/>
+              </a:stretch>
+            </p:blipFill>
+            <p:spPr>
+              <a:xfrm>
+                <a:off x="1362240" y="2302200"/>
+                <a:ext cx="5130720" cy="3219480"/>
+              </a:xfrm>
+              <a:prstGeom prst="rect">
+                <a:avLst/>
+              </a:prstGeom>
+            </p:spPr>
+          </p:pic>
+        </mc:Fallback>
+      </mc:AlternateContent>
     </p:spTree>
     <p:extLst>
       <p:ext uri="{BB962C8B-B14F-4D97-AF65-F5344CB8AC3E}">
-        <p14:creationId xmlns:p14="http://schemas.microsoft.com/office/powerpoint/2010/main" xmlns="" val="1623085146"/>
+        <p14:creationId xmlns:p14="http://schemas.microsoft.com/office/powerpoint/2010/main" val="1623085146"/>
       </p:ext>
     </p:extLst>
   </p:cSld>
   <p:clrMapOvr>
     <a:masterClrMapping/>
   </p:clrMapOvr>
-  <p:timing>
-    <p:tnLst>
-      <p:par>
-        <p:cTn id="1" dur="indefinite" restart="never" nodeType="tmRoot"/>
-      </p:par>
-    </p:tnLst>
-  </p:timing>
 </p:sld>
 </file>
 
@@ -28796,7 +31179,7 @@
           <a:blip r:embed="rId2" cstate="print">
             <a:extLst>
               <a:ext uri="{28A0092B-C50C-407E-A947-70E740481C1C}">
-                <a14:useLocalDpi xmlns:a14="http://schemas.microsoft.com/office/drawing/2010/main" xmlns="" val="0"/>
+                <a14:useLocalDpi xmlns:a14="http://schemas.microsoft.com/office/drawing/2010/main" val="0"/>
               </a:ext>
             </a:extLst>
           </a:blip>
@@ -28820,14 +31203,14 @@
           <a:effectLst/>
           <a:extLst>
             <a:ext uri="{909E8E84-426E-40DD-AFC4-6F175D3DCCD1}">
-              <a14:hiddenFill xmlns:a14="http://schemas.microsoft.com/office/drawing/2010/main" xmlns="">
+              <a14:hiddenFill xmlns:a14="http://schemas.microsoft.com/office/drawing/2010/main">
                 <a:solidFill>
                   <a:schemeClr val="accent1"/>
                 </a:solidFill>
               </a14:hiddenFill>
             </a:ext>
             <a:ext uri="{91240B29-F687-4F45-9708-019B960494DF}">
-              <a14:hiddenLine xmlns:a14="http://schemas.microsoft.com/office/drawing/2010/main" xmlns="" w="9525">
+              <a14:hiddenLine xmlns:a14="http://schemas.microsoft.com/office/drawing/2010/main" w="9525">
                 <a:solidFill>
                   <a:schemeClr val="tx1"/>
                 </a:solidFill>
@@ -28837,7 +31220,7 @@
               </a14:hiddenLine>
             </a:ext>
             <a:ext uri="{AF507438-7753-43E0-B8FC-AC1667EBCBE1}">
-              <a14:hiddenEffects xmlns:a14="http://schemas.microsoft.com/office/drawing/2010/main" xmlns="">
+              <a14:hiddenEffects xmlns:a14="http://schemas.microsoft.com/office/drawing/2010/main">
                 <a:effectLst>
                   <a:outerShdw dist="35921" dir="2700000" algn="ctr" rotWithShape="0">
                     <a:schemeClr val="bg2"/>
@@ -28851,28 +31234,13 @@
     </p:spTree>
     <p:extLst>
       <p:ext uri="{BB962C8B-B14F-4D97-AF65-F5344CB8AC3E}">
-        <p14:creationId xmlns:p14="http://schemas.microsoft.com/office/powerpoint/2010/main" xmlns="" val="2500946579"/>
+        <p14:creationId xmlns:p14="http://schemas.microsoft.com/office/powerpoint/2010/main" val="2500946579"/>
       </p:ext>
     </p:extLst>
   </p:cSld>
   <p:clrMapOvr>
     <a:masterClrMapping/>
   </p:clrMapOvr>
-  <mc:AlternateContent xmlns:mc="http://schemas.openxmlformats.org/markup-compatibility/2006">
-    <mc:Choice xmlns:p14="http://schemas.microsoft.com/office/powerpoint/2010/main" xmlns="" Requires="p14">
-      <p:transition spd="slow" p14:dur="2000"/>
-    </mc:Choice>
-    <mc:Fallback>
-      <p:transition spd="slow"/>
-    </mc:Fallback>
-  </mc:AlternateContent>
-  <p:timing>
-    <p:tnLst>
-      <p:par>
-        <p:cTn id="1" dur="indefinite" restart="never" nodeType="tmRoot"/>
-      </p:par>
-    </p:tnLst>
-  </p:timing>
 </p:sld>
 </file>
 
@@ -28965,7 +31333,7 @@
           <a:blip r:embed="rId2" cstate="print">
             <a:extLst>
               <a:ext uri="{28A0092B-C50C-407E-A947-70E740481C1C}">
-                <a14:useLocalDpi xmlns:a14="http://schemas.microsoft.com/office/drawing/2010/main" xmlns="" val="0"/>
+                <a14:useLocalDpi xmlns:a14="http://schemas.microsoft.com/office/drawing/2010/main" val="0"/>
               </a:ext>
             </a:extLst>
           </a:blip>
@@ -28988,14 +31356,14 @@
           </a:ln>
           <a:extLst>
             <a:ext uri="{909E8E84-426E-40DD-AFC4-6F175D3DCCD1}">
-              <a14:hiddenFill xmlns:a14="http://schemas.microsoft.com/office/drawing/2010/main" xmlns="">
+              <a14:hiddenFill xmlns:a14="http://schemas.microsoft.com/office/drawing/2010/main">
                 <a:solidFill>
                   <a:schemeClr val="accent1"/>
                 </a:solidFill>
               </a14:hiddenFill>
             </a:ext>
             <a:ext uri="{91240B29-F687-4F45-9708-019B960494DF}">
-              <a14:hiddenLine xmlns:a14="http://schemas.microsoft.com/office/drawing/2010/main" xmlns="" w="9525">
+              <a14:hiddenLine xmlns:a14="http://schemas.microsoft.com/office/drawing/2010/main" w="9525">
                 <a:solidFill>
                   <a:schemeClr val="tx1"/>
                 </a:solidFill>
@@ -29007,31 +31375,109 @@
           </a:extLst>
         </p:spPr>
       </p:pic>
+      <p:sp>
+        <p:nvSpPr>
+          <p:cNvPr id="2" name="TextBox 1">
+            <a:extLst>
+              <a:ext uri="{FF2B5EF4-FFF2-40B4-BE49-F238E27FC236}">
+                <a16:creationId xmlns:a16="http://schemas.microsoft.com/office/drawing/2014/main" id="{487C346C-6370-410C-B58A-E12FCD44ADE3}"/>
+              </a:ext>
+            </a:extLst>
+          </p:cNvPr>
+          <p:cNvSpPr txBox="1"/>
+          <p:nvPr/>
+        </p:nvSpPr>
+        <p:spPr>
+          <a:xfrm>
+            <a:off x="3503596" y="1043392"/>
+            <a:ext cx="1828800" cy="338554"/>
+          </a:xfrm>
+          <a:prstGeom prst="rect">
+            <a:avLst/>
+          </a:prstGeom>
+          <a:noFill/>
+        </p:spPr>
+        <p:txBody>
+          <a:bodyPr wrap="square" rtlCol="0">
+            <a:spAutoFit/>
+          </a:bodyPr>
+          <a:lstStyle/>
+          <a:p>
+            <a:r>
+              <a:rPr lang="en-US" altLang="ko-KR" sz="1600">
+                <a:latin typeface="HY바다L" pitchFamily="18" charset="-127"/>
+                <a:ea typeface="HY바다L" pitchFamily="18" charset="-127"/>
+              </a:rPr>
+              <a:t>Internet Protocol</a:t>
+            </a:r>
+            <a:endParaRPr lang="ko-KR" altLang="en-US" sz="1600" dirty="0">
+              <a:latin typeface="HY바다L" pitchFamily="18" charset="-127"/>
+              <a:ea typeface="HY바다L" pitchFamily="18" charset="-127"/>
+            </a:endParaRPr>
+          </a:p>
+        </p:txBody>
+      </p:sp>
+      <mc:AlternateContent xmlns:mc="http://schemas.openxmlformats.org/markup-compatibility/2006">
+        <mc:Choice xmlns:p14="http://schemas.microsoft.com/office/powerpoint/2010/main" Requires="p14">
+          <p:contentPart p14:bwMode="auto" r:id="rId3">
+            <p14:nvContentPartPr>
+              <p14:cNvPr id="3" name="잉크 2">
+                <a:extLst>
+                  <a:ext uri="{FF2B5EF4-FFF2-40B4-BE49-F238E27FC236}">
+                    <a16:creationId xmlns:a16="http://schemas.microsoft.com/office/drawing/2014/main" id="{D104DBFF-2A75-4788-B265-173ECF44ED7E}"/>
+                  </a:ext>
+                </a:extLst>
+              </p14:cNvPr>
+              <p14:cNvContentPartPr/>
+              <p14:nvPr/>
+            </p14:nvContentPartPr>
+            <p14:xfrm>
+              <a:off x="1682640" y="2470320"/>
+              <a:ext cx="5385240" cy="756000"/>
+            </p14:xfrm>
+          </p:contentPart>
+        </mc:Choice>
+        <mc:Fallback>
+          <p:pic>
+            <p:nvPicPr>
+              <p:cNvPr id="3" name="잉크 2">
+                <a:extLst>
+                  <a:ext uri="{FF2B5EF4-FFF2-40B4-BE49-F238E27FC236}">
+                    <a16:creationId xmlns:a16="http://schemas.microsoft.com/office/drawing/2014/main" id="{D104DBFF-2A75-4788-B265-173ECF44ED7E}"/>
+                  </a:ext>
+                </a:extLst>
+              </p:cNvPr>
+              <p:cNvPicPr/>
+              <p:nvPr/>
+            </p:nvPicPr>
+            <p:blipFill>
+              <a:blip r:embed="rId4"/>
+              <a:stretch>
+                <a:fillRect/>
+              </a:stretch>
+            </p:blipFill>
+            <p:spPr>
+              <a:xfrm>
+                <a:off x="1673280" y="2460960"/>
+                <a:ext cx="5403960" cy="774720"/>
+              </a:xfrm>
+              <a:prstGeom prst="rect">
+                <a:avLst/>
+              </a:prstGeom>
+            </p:spPr>
+          </p:pic>
+        </mc:Fallback>
+      </mc:AlternateContent>
     </p:spTree>
     <p:extLst>
       <p:ext uri="{BB962C8B-B14F-4D97-AF65-F5344CB8AC3E}">
-        <p14:creationId xmlns:p14="http://schemas.microsoft.com/office/powerpoint/2010/main" xmlns="" val="761805644"/>
+        <p14:creationId xmlns:p14="http://schemas.microsoft.com/office/powerpoint/2010/main" val="761805644"/>
       </p:ext>
     </p:extLst>
   </p:cSld>
   <p:clrMapOvr>
     <a:masterClrMapping/>
   </p:clrMapOvr>
-  <mc:AlternateContent xmlns:mc="http://schemas.openxmlformats.org/markup-compatibility/2006">
-    <mc:Choice xmlns:p14="http://schemas.microsoft.com/office/powerpoint/2010/main" xmlns="" Requires="p14">
-      <p:transition spd="slow" p14:dur="2000"/>
-    </mc:Choice>
-    <mc:Fallback>
-      <p:transition spd="slow"/>
-    </mc:Fallback>
-  </mc:AlternateContent>
-  <p:timing>
-    <p:tnLst>
-      <p:par>
-        <p:cTn id="1" dur="indefinite" restart="never" nodeType="tmRoot"/>
-      </p:par>
-    </p:tnLst>
-  </p:timing>
 </p:sld>
 </file>
 
@@ -29865,28 +32311,13 @@
     </p:spTree>
     <p:extLst>
       <p:ext uri="{BB962C8B-B14F-4D97-AF65-F5344CB8AC3E}">
-        <p14:creationId xmlns:p14="http://schemas.microsoft.com/office/powerpoint/2010/main" xmlns="" val="2312687640"/>
+        <p14:creationId xmlns:p14="http://schemas.microsoft.com/office/powerpoint/2010/main" val="2312687640"/>
       </p:ext>
     </p:extLst>
   </p:cSld>
   <p:clrMapOvr>
     <a:masterClrMapping/>
   </p:clrMapOvr>
-  <mc:AlternateContent xmlns:mc="http://schemas.openxmlformats.org/markup-compatibility/2006">
-    <mc:Choice xmlns:p14="http://schemas.microsoft.com/office/powerpoint/2010/main" xmlns="" Requires="p14">
-      <p:transition spd="slow" p14:dur="2000"/>
-    </mc:Choice>
-    <mc:Fallback>
-      <p:transition spd="slow"/>
-    </mc:Fallback>
-  </mc:AlternateContent>
-  <p:timing>
-    <p:tnLst>
-      <p:par>
-        <p:cTn id="1" dur="indefinite" restart="never" nodeType="tmRoot"/>
-      </p:par>
-    </p:tnLst>
-  </p:timing>
 </p:sld>
 </file>
 
@@ -30568,28 +32999,13 @@
     </p:spTree>
     <p:extLst>
       <p:ext uri="{BB962C8B-B14F-4D97-AF65-F5344CB8AC3E}">
-        <p14:creationId xmlns:p14="http://schemas.microsoft.com/office/powerpoint/2010/main" xmlns="" val="1371026816"/>
+        <p14:creationId xmlns:p14="http://schemas.microsoft.com/office/powerpoint/2010/main" val="1371026816"/>
       </p:ext>
     </p:extLst>
   </p:cSld>
   <p:clrMapOvr>
     <a:masterClrMapping/>
   </p:clrMapOvr>
-  <mc:AlternateContent xmlns:mc="http://schemas.openxmlformats.org/markup-compatibility/2006">
-    <mc:Choice xmlns:p14="http://schemas.microsoft.com/office/powerpoint/2010/main" xmlns="" Requires="p14">
-      <p:transition spd="slow" p14:dur="2000"/>
-    </mc:Choice>
-    <mc:Fallback>
-      <p:transition spd="slow"/>
-    </mc:Fallback>
-  </mc:AlternateContent>
-  <p:timing>
-    <p:tnLst>
-      <p:par>
-        <p:cTn id="1" dur="indefinite" restart="never" nodeType="tmRoot"/>
-      </p:par>
-    </p:tnLst>
-  </p:timing>
 </p:sld>
 </file>
 
@@ -30681,14 +33097,14 @@
           <a:effectLst/>
           <a:extLst>
             <a:ext uri="{909E8E84-426E-40DD-AFC4-6F175D3DCCD1}">
-              <a14:hiddenFill xmlns:a14="http://schemas.microsoft.com/office/drawing/2010/main" xmlns="">
+              <a14:hiddenFill xmlns:a14="http://schemas.microsoft.com/office/drawing/2010/main">
                 <a:solidFill>
                   <a:schemeClr val="accent1"/>
                 </a:solidFill>
               </a14:hiddenFill>
             </a:ext>
             <a:ext uri="{91240B29-F687-4F45-9708-019B960494DF}">
-              <a14:hiddenLine xmlns:a14="http://schemas.microsoft.com/office/drawing/2010/main" xmlns="" w="9525">
+              <a14:hiddenLine xmlns:a14="http://schemas.microsoft.com/office/drawing/2010/main" w="9525">
                 <a:solidFill>
                   <a:schemeClr val="tx1"/>
                 </a:solidFill>
@@ -30698,7 +33114,7 @@
               </a14:hiddenLine>
             </a:ext>
             <a:ext uri="{AF507438-7753-43E0-B8FC-AC1667EBCBE1}">
-              <a14:hiddenEffects xmlns:a14="http://schemas.microsoft.com/office/drawing/2010/main" xmlns="">
+              <a14:hiddenEffects xmlns:a14="http://schemas.microsoft.com/office/drawing/2010/main">
                 <a:effectLst>
                   <a:outerShdw dist="35921" dir="2700000" algn="ctr" rotWithShape="0">
                     <a:schemeClr val="bg2"/>
@@ -30730,7 +33146,7 @@
           <a:blip r:embed="rId2" cstate="print">
             <a:extLst>
               <a:ext uri="{28A0092B-C50C-407E-A947-70E740481C1C}">
-                <a14:useLocalDpi xmlns:a14="http://schemas.microsoft.com/office/drawing/2010/main" xmlns="" val="0"/>
+                <a14:useLocalDpi xmlns:a14="http://schemas.microsoft.com/office/drawing/2010/main" val="0"/>
               </a:ext>
             </a:extLst>
           </a:blip>
@@ -30754,14 +33170,14 @@
           <a:effectLst/>
           <a:extLst>
             <a:ext uri="{909E8E84-426E-40DD-AFC4-6F175D3DCCD1}">
-              <a14:hiddenFill xmlns:a14="http://schemas.microsoft.com/office/drawing/2010/main" xmlns="">
+              <a14:hiddenFill xmlns:a14="http://schemas.microsoft.com/office/drawing/2010/main">
                 <a:solidFill>
                   <a:schemeClr val="accent1"/>
                 </a:solidFill>
               </a14:hiddenFill>
             </a:ext>
             <a:ext uri="{91240B29-F687-4F45-9708-019B960494DF}">
-              <a14:hiddenLine xmlns:a14="http://schemas.microsoft.com/office/drawing/2010/main" xmlns="" w="9525">
+              <a14:hiddenLine xmlns:a14="http://schemas.microsoft.com/office/drawing/2010/main" w="9525">
                 <a:solidFill>
                   <a:schemeClr val="tx1"/>
                 </a:solidFill>
@@ -30771,7 +33187,7 @@
               </a14:hiddenLine>
             </a:ext>
             <a:ext uri="{AF507438-7753-43E0-B8FC-AC1667EBCBE1}">
-              <a14:hiddenEffects xmlns:a14="http://schemas.microsoft.com/office/drawing/2010/main" xmlns="">
+              <a14:hiddenEffects xmlns:a14="http://schemas.microsoft.com/office/drawing/2010/main">
                 <a:effectLst>
                   <a:outerShdw dist="35921" dir="2700000" algn="ctr" rotWithShape="0">
                     <a:schemeClr val="bg2"/>
@@ -30809,28 +33225,13 @@
     </p:spTree>
     <p:extLst>
       <p:ext uri="{BB962C8B-B14F-4D97-AF65-F5344CB8AC3E}">
-        <p14:creationId xmlns:p14="http://schemas.microsoft.com/office/powerpoint/2010/main" xmlns="" val="595239016"/>
+        <p14:creationId xmlns:p14="http://schemas.microsoft.com/office/powerpoint/2010/main" val="595239016"/>
       </p:ext>
     </p:extLst>
   </p:cSld>
   <p:clrMapOvr>
     <a:masterClrMapping/>
   </p:clrMapOvr>
-  <mc:AlternateContent xmlns:mc="http://schemas.openxmlformats.org/markup-compatibility/2006">
-    <mc:Choice xmlns:p14="http://schemas.microsoft.com/office/powerpoint/2010/main" xmlns="" Requires="p14">
-      <p:transition spd="slow" p14:dur="2000"/>
-    </mc:Choice>
-    <mc:Fallback>
-      <p:transition spd="slow"/>
-    </mc:Fallback>
-  </mc:AlternateContent>
-  <p:timing>
-    <p:tnLst>
-      <p:par>
-        <p:cTn id="1" dur="indefinite" restart="never" nodeType="tmRoot"/>
-      </p:par>
-    </p:tnLst>
-  </p:timing>
 </p:sld>
 </file>
 
@@ -30925,14 +33326,13 @@
           <a:lstStyle/>
           <a:p>
             <a:r>
-              <a:rPr lang="en-US" altLang="ko-KR" dirty="0" err="1" smtClean="0"/>
+              <a:rPr lang="en-US" altLang="ko-KR" dirty="0" err="1"/>
               <a:t>UDP</a:t>
             </a:r>
             <a:r>
-              <a:rPr lang="ko-KR" altLang="en-US" dirty="0" smtClean="0"/>
+              <a:rPr lang="ko-KR" altLang="en-US" dirty="0"/>
               <a:t>를 이용한 서버와 클라이언트 작성</a:t>
             </a:r>
-            <a:endParaRPr lang="ko-KR" altLang="en-US" dirty="0"/>
           </a:p>
         </p:txBody>
       </p:sp>
@@ -30948,7 +33348,7 @@
           <a:blip r:embed="rId2" cstate="print">
             <a:extLst>
               <a:ext uri="{28A0092B-C50C-407E-A947-70E740481C1C}">
-                <a14:useLocalDpi xmlns:a14="http://schemas.microsoft.com/office/drawing/2010/main" xmlns="" val="0"/>
+                <a14:useLocalDpi xmlns:a14="http://schemas.microsoft.com/office/drawing/2010/main" val="0"/>
               </a:ext>
             </a:extLst>
           </a:blip>
@@ -30971,14 +33371,14 @@
           </a:ln>
           <a:extLst>
             <a:ext uri="{909E8E84-426E-40DD-AFC4-6F175D3DCCD1}">
-              <a14:hiddenFill xmlns:a14="http://schemas.microsoft.com/office/drawing/2010/main" xmlns="">
+              <a14:hiddenFill xmlns:a14="http://schemas.microsoft.com/office/drawing/2010/main">
                 <a:solidFill>
                   <a:schemeClr val="accent1"/>
                 </a:solidFill>
               </a14:hiddenFill>
             </a:ext>
             <a:ext uri="{91240B29-F687-4F45-9708-019B960494DF}">
-              <a14:hiddenLine xmlns:a14="http://schemas.microsoft.com/office/drawing/2010/main" xmlns="" w="9525">
+              <a14:hiddenLine xmlns:a14="http://schemas.microsoft.com/office/drawing/2010/main" w="9525">
                 <a:solidFill>
                   <a:schemeClr val="tx1"/>
                 </a:solidFill>
@@ -30993,20 +33393,13 @@
     </p:spTree>
     <p:extLst>
       <p:ext uri="{BB962C8B-B14F-4D97-AF65-F5344CB8AC3E}">
-        <p14:creationId xmlns:p14="http://schemas.microsoft.com/office/powerpoint/2010/main" xmlns="" val="2083340784"/>
+        <p14:creationId xmlns:p14="http://schemas.microsoft.com/office/powerpoint/2010/main" val="2083340784"/>
       </p:ext>
     </p:extLst>
   </p:cSld>
   <p:clrMapOvr>
     <a:masterClrMapping/>
   </p:clrMapOvr>
-  <p:timing>
-    <p:tnLst>
-      <p:par>
-        <p:cTn id="1" dur="indefinite" restart="never" nodeType="tmRoot"/>
-      </p:par>
-    </p:tnLst>
-  </p:timing>
 </p:sld>
 </file>
 
@@ -31043,11 +33436,11 @@
           <a:lstStyle/>
           <a:p>
             <a:r>
-              <a:rPr lang="en-US" altLang="ko-KR" dirty="0" err="1" smtClean="0"/>
+              <a:rPr lang="en-US" altLang="ko-KR" dirty="0" err="1"/>
               <a:t>MessengerA</a:t>
             </a:r>
             <a:r>
-              <a:rPr lang="en-US" altLang="ko-KR" dirty="0" smtClean="0"/>
+              <a:rPr lang="en-US" altLang="ko-KR" dirty="0"/>
               <a:t> </a:t>
             </a:r>
             <a:r>
@@ -31274,22 +33667,16 @@
               <a:t> </a:t>
             </a:r>
             <a:r>
-              <a:rPr lang="en-US" altLang="ko-KR" sz="1600" dirty="0" err="1" smtClean="0">
+              <a:rPr lang="en-US" altLang="ko-KR" sz="1600" dirty="0" err="1">
                 <a:latin typeface="+mn-lt"/>
               </a:rPr>
               <a:t>receivingPort</a:t>
             </a:r>
             <a:r>
-              <a:rPr lang="en-US" altLang="ko-KR" sz="1600" dirty="0" smtClean="0">
-                <a:latin typeface="+mn-lt"/>
-              </a:rPr>
-              <a:t> </a:t>
-            </a:r>
-            <a:r>
               <a:rPr lang="en-US" altLang="ko-KR" sz="1600" dirty="0">
                 <a:latin typeface="+mn-lt"/>
               </a:rPr>
-              <a:t>= 5000;		// </a:t>
+              <a:t> = 5000;		// </a:t>
             </a:r>
             <a:r>
               <a:rPr lang="ko-KR" altLang="en-US" sz="1600" dirty="0">
@@ -31327,22 +33714,16 @@
               <a:t> </a:t>
             </a:r>
             <a:r>
-              <a:rPr lang="en-US" altLang="ko-KR" sz="1600" dirty="0" err="1" smtClean="0">
+              <a:rPr lang="en-US" altLang="ko-KR" sz="1600" dirty="0" err="1">
                 <a:latin typeface="+mn-lt"/>
               </a:rPr>
               <a:t>sendingPort</a:t>
             </a:r>
             <a:r>
-              <a:rPr lang="en-US" altLang="ko-KR" sz="1600" dirty="0" smtClean="0">
-                <a:latin typeface="+mn-lt"/>
-              </a:rPr>
-              <a:t> </a:t>
-            </a:r>
-            <a:r>
               <a:rPr lang="en-US" altLang="ko-KR" sz="1600" dirty="0">
                 <a:latin typeface="+mn-lt"/>
               </a:rPr>
-              <a:t>= 6000;	// </a:t>
+              <a:t> = 6000;	// </a:t>
             </a:r>
             <a:r>
               <a:rPr lang="ko-KR" altLang="en-US" sz="1600" dirty="0">
@@ -31512,28 +33893,13 @@
     </p:spTree>
     <p:extLst>
       <p:ext uri="{BB962C8B-B14F-4D97-AF65-F5344CB8AC3E}">
-        <p14:creationId xmlns:p14="http://schemas.microsoft.com/office/powerpoint/2010/main" xmlns="" val="932692748"/>
+        <p14:creationId xmlns:p14="http://schemas.microsoft.com/office/powerpoint/2010/main" val="932692748"/>
       </p:ext>
     </p:extLst>
   </p:cSld>
   <p:clrMapOvr>
     <a:masterClrMapping/>
   </p:clrMapOvr>
-  <mc:AlternateContent xmlns:mc="http://schemas.openxmlformats.org/markup-compatibility/2006">
-    <mc:Choice xmlns:p14="http://schemas.microsoft.com/office/powerpoint/2010/main" xmlns="" Requires="p14">
-      <p:transition spd="slow" p14:dur="2000"/>
-    </mc:Choice>
-    <mc:Fallback>
-      <p:transition spd="slow"/>
-    </mc:Fallback>
-  </mc:AlternateContent>
-  <p:timing>
-    <p:tnLst>
-      <p:par>
-        <p:cTn id="1" dur="indefinite" restart="never" nodeType="tmRoot"/>
-      </p:par>
-    </p:tnLst>
-  </p:timing>
 </p:sld>
 </file>
 
@@ -31570,11 +33936,11 @@
           <a:lstStyle/>
           <a:p>
             <a:r>
-              <a:rPr lang="en-US" altLang="ko-KR" dirty="0" err="1" smtClean="0"/>
+              <a:rPr lang="en-US" altLang="ko-KR" dirty="0" err="1"/>
               <a:t>MessengerA</a:t>
             </a:r>
             <a:r>
-              <a:rPr lang="en-US" altLang="ko-KR" dirty="0" smtClean="0"/>
+              <a:rPr lang="en-US" altLang="ko-KR" dirty="0"/>
               <a:t> </a:t>
             </a:r>
             <a:r>
@@ -32006,28 +34372,13 @@
     </p:spTree>
     <p:extLst>
       <p:ext uri="{BB962C8B-B14F-4D97-AF65-F5344CB8AC3E}">
-        <p14:creationId xmlns:p14="http://schemas.microsoft.com/office/powerpoint/2010/main" xmlns="" val="215707794"/>
+        <p14:creationId xmlns:p14="http://schemas.microsoft.com/office/powerpoint/2010/main" val="215707794"/>
       </p:ext>
     </p:extLst>
   </p:cSld>
   <p:clrMapOvr>
     <a:masterClrMapping/>
   </p:clrMapOvr>
-  <mc:AlternateContent xmlns:mc="http://schemas.openxmlformats.org/markup-compatibility/2006">
-    <mc:Choice xmlns:p14="http://schemas.microsoft.com/office/powerpoint/2010/main" xmlns="" Requires="p14">
-      <p:transition spd="slow" p14:dur="2000"/>
-    </mc:Choice>
-    <mc:Fallback>
-      <p:transition spd="slow"/>
-    </mc:Fallback>
-  </mc:AlternateContent>
-  <p:timing>
-    <p:tnLst>
-      <p:par>
-        <p:cTn id="1" dur="indefinite" restart="never" nodeType="tmRoot"/>
-      </p:par>
-    </p:tnLst>
-  </p:timing>
 </p:sld>
 </file>
 
@@ -32064,11 +34415,11 @@
           <a:lstStyle/>
           <a:p>
             <a:r>
-              <a:rPr lang="en-US" altLang="ko-KR" dirty="0" err="1" smtClean="0"/>
+              <a:rPr lang="en-US" altLang="ko-KR" dirty="0" err="1"/>
               <a:t>MessengerA</a:t>
             </a:r>
             <a:r>
-              <a:rPr lang="en-US" altLang="ko-KR" dirty="0" smtClean="0"/>
+              <a:rPr lang="en-US" altLang="ko-KR" dirty="0"/>
               <a:t> </a:t>
             </a:r>
             <a:r>
@@ -32558,28 +34909,13 @@
     </p:spTree>
     <p:extLst>
       <p:ext uri="{BB962C8B-B14F-4D97-AF65-F5344CB8AC3E}">
-        <p14:creationId xmlns:p14="http://schemas.microsoft.com/office/powerpoint/2010/main" xmlns="" val="1011306037"/>
+        <p14:creationId xmlns:p14="http://schemas.microsoft.com/office/powerpoint/2010/main" val="1011306037"/>
       </p:ext>
     </p:extLst>
   </p:cSld>
   <p:clrMapOvr>
     <a:masterClrMapping/>
   </p:clrMapOvr>
-  <mc:AlternateContent xmlns:mc="http://schemas.openxmlformats.org/markup-compatibility/2006">
-    <mc:Choice xmlns:p14="http://schemas.microsoft.com/office/powerpoint/2010/main" xmlns="" Requires="p14">
-      <p:transition spd="slow" p14:dur="2000"/>
-    </mc:Choice>
-    <mc:Fallback>
-      <p:transition spd="slow"/>
-    </mc:Fallback>
-  </mc:AlternateContent>
-  <p:timing>
-    <p:tnLst>
-      <p:par>
-        <p:cTn id="1" dur="indefinite" restart="never" nodeType="tmRoot"/>
-      </p:par>
-    </p:tnLst>
-  </p:timing>
 </p:sld>
 </file>
 
@@ -32616,11 +34952,11 @@
           <a:lstStyle/>
           <a:p>
             <a:r>
-              <a:rPr lang="en-US" altLang="ko-KR" dirty="0" err="1" smtClean="0"/>
+              <a:rPr lang="en-US" altLang="ko-KR" dirty="0" err="1"/>
               <a:t>MessengerA</a:t>
             </a:r>
             <a:r>
-              <a:rPr lang="en-US" altLang="ko-KR" dirty="0" smtClean="0"/>
+              <a:rPr lang="en-US" altLang="ko-KR" dirty="0"/>
               <a:t> </a:t>
             </a:r>
             <a:r>
@@ -33311,28 +35647,13 @@
     </p:spTree>
     <p:extLst>
       <p:ext uri="{BB962C8B-B14F-4D97-AF65-F5344CB8AC3E}">
-        <p14:creationId xmlns:p14="http://schemas.microsoft.com/office/powerpoint/2010/main" xmlns="" val="1721842970"/>
+        <p14:creationId xmlns:p14="http://schemas.microsoft.com/office/powerpoint/2010/main" val="1721842970"/>
       </p:ext>
     </p:extLst>
   </p:cSld>
   <p:clrMapOvr>
     <a:masterClrMapping/>
   </p:clrMapOvr>
-  <mc:AlternateContent xmlns:mc="http://schemas.openxmlformats.org/markup-compatibility/2006">
-    <mc:Choice xmlns:p14="http://schemas.microsoft.com/office/powerpoint/2010/main" xmlns="" Requires="p14">
-      <p:transition spd="slow" p14:dur="2000"/>
-    </mc:Choice>
-    <mc:Fallback>
-      <p:transition spd="slow"/>
-    </mc:Fallback>
-  </mc:AlternateContent>
-  <p:timing>
-    <p:tnLst>
-      <p:par>
-        <p:cTn id="1" dur="indefinite" restart="never" nodeType="tmRoot"/>
-      </p:par>
-    </p:tnLst>
-  </p:timing>
 </p:sld>
 </file>
 
@@ -33369,11 +35690,11 @@
           <a:lstStyle/>
           <a:p>
             <a:r>
-              <a:rPr lang="en-US" altLang="ko-KR" dirty="0" err="1" smtClean="0"/>
+              <a:rPr lang="en-US" altLang="ko-KR" dirty="0" err="1"/>
               <a:t>MessengerB</a:t>
             </a:r>
             <a:r>
-              <a:rPr lang="en-US" altLang="ko-KR" dirty="0" smtClean="0"/>
+              <a:rPr lang="en-US" altLang="ko-KR" dirty="0"/>
               <a:t> </a:t>
             </a:r>
             <a:r>
@@ -33744,28 +36065,13 @@
     </p:spTree>
     <p:extLst>
       <p:ext uri="{BB962C8B-B14F-4D97-AF65-F5344CB8AC3E}">
-        <p14:creationId xmlns:p14="http://schemas.microsoft.com/office/powerpoint/2010/main" xmlns="" val="3389300670"/>
+        <p14:creationId xmlns:p14="http://schemas.microsoft.com/office/powerpoint/2010/main" val="3389300670"/>
       </p:ext>
     </p:extLst>
   </p:cSld>
   <p:clrMapOvr>
     <a:masterClrMapping/>
   </p:clrMapOvr>
-  <mc:AlternateContent xmlns:mc="http://schemas.openxmlformats.org/markup-compatibility/2006">
-    <mc:Choice xmlns:p14="http://schemas.microsoft.com/office/powerpoint/2010/main" xmlns="" Requires="p14">
-      <p:transition spd="slow" p14:dur="2000"/>
-    </mc:Choice>
-    <mc:Fallback>
-      <p:transition spd="slow"/>
-    </mc:Fallback>
-  </mc:AlternateContent>
-  <p:timing>
-    <p:tnLst>
-      <p:par>
-        <p:cTn id="1" dur="indefinite" restart="never" nodeType="tmRoot"/>
-      </p:par>
-    </p:tnLst>
-  </p:timing>
 </p:sld>
 </file>
 
@@ -33825,7 +36131,7 @@
           <a:blip r:embed="rId2" cstate="print">
             <a:extLst>
               <a:ext uri="{28A0092B-C50C-407E-A947-70E740481C1C}">
-                <a14:useLocalDpi xmlns:a14="http://schemas.microsoft.com/office/drawing/2010/main" xmlns="" val="0"/>
+                <a14:useLocalDpi xmlns:a14="http://schemas.microsoft.com/office/drawing/2010/main" val="0"/>
               </a:ext>
             </a:extLst>
           </a:blip>
@@ -33845,7 +36151,7 @@
           <a:noFill/>
           <a:extLst>
             <a:ext uri="{909E8E84-426E-40DD-AFC4-6F175D3DCCD1}">
-              <a14:hiddenFill xmlns:a14="http://schemas.microsoft.com/office/drawing/2010/main" xmlns="">
+              <a14:hiddenFill xmlns:a14="http://schemas.microsoft.com/office/drawing/2010/main">
                 <a:solidFill>
                   <a:srgbClr val="FFFFFF"/>
                 </a:solidFill>
@@ -33866,7 +36172,7 @@
           <a:blip r:embed="rId3" cstate="print">
             <a:extLst>
               <a:ext uri="{28A0092B-C50C-407E-A947-70E740481C1C}">
-                <a14:useLocalDpi xmlns:a14="http://schemas.microsoft.com/office/drawing/2010/main" xmlns="" val="0"/>
+                <a14:useLocalDpi xmlns:a14="http://schemas.microsoft.com/office/drawing/2010/main" val="0"/>
               </a:ext>
             </a:extLst>
           </a:blip>
@@ -33886,7 +36192,7 @@
           <a:noFill/>
           <a:extLst>
             <a:ext uri="{909E8E84-426E-40DD-AFC4-6F175D3DCCD1}">
-              <a14:hiddenFill xmlns:a14="http://schemas.microsoft.com/office/drawing/2010/main" xmlns="">
+              <a14:hiddenFill xmlns:a14="http://schemas.microsoft.com/office/drawing/2010/main">
                 <a:solidFill>
                   <a:srgbClr val="FFFFFF"/>
                 </a:solidFill>
@@ -33898,28 +36204,13 @@
     </p:spTree>
     <p:extLst>
       <p:ext uri="{BB962C8B-B14F-4D97-AF65-F5344CB8AC3E}">
-        <p14:creationId xmlns:p14="http://schemas.microsoft.com/office/powerpoint/2010/main" xmlns="" val="2353214990"/>
+        <p14:creationId xmlns:p14="http://schemas.microsoft.com/office/powerpoint/2010/main" val="2353214990"/>
       </p:ext>
     </p:extLst>
   </p:cSld>
   <p:clrMapOvr>
     <a:masterClrMapping/>
   </p:clrMapOvr>
-  <mc:AlternateContent xmlns:mc="http://schemas.openxmlformats.org/markup-compatibility/2006">
-    <mc:Choice xmlns:p14="http://schemas.microsoft.com/office/powerpoint/2010/main" xmlns="" Requires="p14">
-      <p:transition spd="slow" p14:dur="2000"/>
-    </mc:Choice>
-    <mc:Fallback>
-      <p:transition spd="slow"/>
-    </mc:Fallback>
-  </mc:AlternateContent>
-  <p:timing>
-    <p:tnLst>
-      <p:par>
-        <p:cTn id="1" dur="indefinite" restart="never" nodeType="tmRoot"/>
-      </p:par>
-    </p:tnLst>
-  </p:timing>
 </p:sld>
 </file>
 
@@ -33952,7 +36243,7 @@
           <a:blip r:embed="rId2" cstate="print">
             <a:extLst>
               <a:ext uri="{28A0092B-C50C-407E-A947-70E740481C1C}">
-                <a14:useLocalDpi xmlns:a14="http://schemas.microsoft.com/office/drawing/2010/main" xmlns="" val="0"/>
+                <a14:useLocalDpi xmlns:a14="http://schemas.microsoft.com/office/drawing/2010/main" val="0"/>
               </a:ext>
             </a:extLst>
           </a:blip>
@@ -33975,14 +36266,14 @@
           </a:ln>
           <a:extLst>
             <a:ext uri="{909E8E84-426E-40DD-AFC4-6F175D3DCCD1}">
-              <a14:hiddenFill xmlns:a14="http://schemas.microsoft.com/office/drawing/2010/main" xmlns="">
+              <a14:hiddenFill xmlns:a14="http://schemas.microsoft.com/office/drawing/2010/main">
                 <a:solidFill>
                   <a:schemeClr val="accent1"/>
                 </a:solidFill>
               </a14:hiddenFill>
             </a:ext>
             <a:ext uri="{91240B29-F687-4F45-9708-019B960494DF}">
-              <a14:hiddenLine xmlns:a14="http://schemas.microsoft.com/office/drawing/2010/main" xmlns="" w="9525">
+              <a14:hiddenLine xmlns:a14="http://schemas.microsoft.com/office/drawing/2010/main" w="9525">
                 <a:solidFill>
                   <a:schemeClr val="tx1"/>
                 </a:solidFill>
@@ -34060,15 +36351,7 @@
             </a:r>
             <a:r>
               <a:rPr lang="ko-KR" altLang="en-US" dirty="0"/>
-              <a:t>기호 주소를 숫자 </a:t>
-            </a:r>
-            <a:r>
-              <a:rPr lang="ko-KR" altLang="en-US" dirty="0" smtClean="0"/>
-              <a:t>주소로 </a:t>
-            </a:r>
-            <a:r>
-              <a:rPr lang="ko-KR" altLang="en-US" dirty="0"/>
-              <a:t>변환해주는 서버</a:t>
+              <a:t>기호 주소를 숫자 주소로 변환해주는 서버</a:t>
             </a:r>
           </a:p>
           <a:p>
@@ -34086,31 +36369,67 @@
           </a:p>
         </p:txBody>
       </p:sp>
+      <mc:AlternateContent xmlns:mc="http://schemas.openxmlformats.org/markup-compatibility/2006">
+        <mc:Choice xmlns:p14="http://schemas.microsoft.com/office/powerpoint/2010/main" Requires="p14">
+          <p:contentPart p14:bwMode="auto" r:id="rId3">
+            <p14:nvContentPartPr>
+              <p14:cNvPr id="2" name="잉크 1">
+                <a:extLst>
+                  <a:ext uri="{FF2B5EF4-FFF2-40B4-BE49-F238E27FC236}">
+                    <a16:creationId xmlns:a16="http://schemas.microsoft.com/office/drawing/2014/main" id="{2115DE24-E652-4A62-ACE9-6AF87B021EBA}"/>
+                  </a:ext>
+                </a:extLst>
+              </p14:cNvPr>
+              <p14:cNvContentPartPr/>
+              <p14:nvPr/>
+            </p14:nvContentPartPr>
+            <p14:xfrm>
+              <a:off x="1415880" y="2158920"/>
+              <a:ext cx="2248560" cy="70200"/>
+            </p14:xfrm>
+          </p:contentPart>
+        </mc:Choice>
+        <mc:Fallback>
+          <p:pic>
+            <p:nvPicPr>
+              <p:cNvPr id="2" name="잉크 1">
+                <a:extLst>
+                  <a:ext uri="{FF2B5EF4-FFF2-40B4-BE49-F238E27FC236}">
+                    <a16:creationId xmlns:a16="http://schemas.microsoft.com/office/drawing/2014/main" id="{2115DE24-E652-4A62-ACE9-6AF87B021EBA}"/>
+                  </a:ext>
+                </a:extLst>
+              </p:cNvPr>
+              <p:cNvPicPr/>
+              <p:nvPr/>
+            </p:nvPicPr>
+            <p:blipFill>
+              <a:blip r:embed="rId4"/>
+              <a:stretch>
+                <a:fillRect/>
+              </a:stretch>
+            </p:blipFill>
+            <p:spPr>
+              <a:xfrm>
+                <a:off x="1406520" y="2149560"/>
+                <a:ext cx="2267280" cy="88920"/>
+              </a:xfrm>
+              <a:prstGeom prst="rect">
+                <a:avLst/>
+              </a:prstGeom>
+            </p:spPr>
+          </p:pic>
+        </mc:Fallback>
+      </mc:AlternateContent>
     </p:spTree>
     <p:extLst>
       <p:ext uri="{BB962C8B-B14F-4D97-AF65-F5344CB8AC3E}">
-        <p14:creationId xmlns:p14="http://schemas.microsoft.com/office/powerpoint/2010/main" xmlns="" val="2140210843"/>
+        <p14:creationId xmlns:p14="http://schemas.microsoft.com/office/powerpoint/2010/main" val="2140210843"/>
       </p:ext>
     </p:extLst>
   </p:cSld>
   <p:clrMapOvr>
     <a:masterClrMapping/>
   </p:clrMapOvr>
-  <mc:AlternateContent xmlns:mc="http://schemas.openxmlformats.org/markup-compatibility/2006">
-    <mc:Choice xmlns:p14="http://schemas.microsoft.com/office/powerpoint/2010/main" xmlns="" Requires="p14">
-      <p:transition spd="slow" p14:dur="2000"/>
-    </mc:Choice>
-    <mc:Fallback>
-      <p:transition spd="slow"/>
-    </mc:Fallback>
-  </mc:AlternateContent>
-  <p:timing>
-    <p:tnLst>
-      <p:par>
-        <p:cTn id="1" dur="indefinite" restart="never" nodeType="tmRoot"/>
-      </p:par>
-    </p:tnLst>
-  </p:timing>
 </p:sld>
 </file>
 
@@ -34148,19 +36467,11 @@
           <a:p>
             <a:r>
               <a:rPr lang="en-US" altLang="ko-KR" b="1" dirty="0"/>
-              <a:t>URL(Uniform Resource </a:t>
-            </a:r>
-            <a:r>
-              <a:rPr lang="en-US" altLang="ko-KR" b="1" dirty="0" smtClean="0"/>
-              <a:t>Locator)</a:t>
-            </a:r>
-            <a:r>
-              <a:rPr lang="ko-KR" altLang="en-US" dirty="0" smtClean="0"/>
-              <a:t>은 인터넷 상의 </a:t>
+              <a:t>URL(Uniform Resource Locator)</a:t>
             </a:r>
             <a:r>
               <a:rPr lang="ko-KR" altLang="en-US" dirty="0"/>
-              <a:t>파일이나 </a:t>
+              <a:t>은 인터넷 상의 파일이나 </a:t>
             </a:r>
             <a:r>
               <a:rPr lang="ko-KR" altLang="en-US" dirty="0" err="1"/>
@@ -34189,14 +36500,13 @@
           <a:lstStyle/>
           <a:p>
             <a:r>
-              <a:rPr lang="en-US" altLang="ko-KR" dirty="0" smtClean="0"/>
+              <a:rPr lang="en-US" altLang="ko-KR" dirty="0"/>
               <a:t>URL</a:t>
             </a:r>
             <a:r>
-              <a:rPr lang="ko-KR" altLang="en-US" dirty="0" smtClean="0"/>
+              <a:rPr lang="ko-KR" altLang="en-US" dirty="0"/>
               <a:t> </a:t>
             </a:r>
-            <a:endParaRPr lang="ko-KR" altLang="en-US" dirty="0"/>
           </a:p>
         </p:txBody>
       </p:sp>
@@ -34212,7 +36522,7 @@
           <a:blip r:embed="rId2" cstate="print">
             <a:extLst>
               <a:ext uri="{28A0092B-C50C-407E-A947-70E740481C1C}">
-                <a14:useLocalDpi xmlns:a14="http://schemas.microsoft.com/office/drawing/2010/main" xmlns="" val="0"/>
+                <a14:useLocalDpi xmlns:a14="http://schemas.microsoft.com/office/drawing/2010/main" val="0"/>
               </a:ext>
             </a:extLst>
           </a:blip>
@@ -34235,14 +36545,14 @@
           </a:ln>
           <a:extLst>
             <a:ext uri="{909E8E84-426E-40DD-AFC4-6F175D3DCCD1}">
-              <a14:hiddenFill xmlns:a14="http://schemas.microsoft.com/office/drawing/2010/main" xmlns="">
+              <a14:hiddenFill xmlns:a14="http://schemas.microsoft.com/office/drawing/2010/main">
                 <a:solidFill>
                   <a:schemeClr val="accent1"/>
                 </a:solidFill>
               </a14:hiddenFill>
             </a:ext>
             <a:ext uri="{91240B29-F687-4F45-9708-019B960494DF}">
-              <a14:hiddenLine xmlns:a14="http://schemas.microsoft.com/office/drawing/2010/main" xmlns="" w="9525">
+              <a14:hiddenLine xmlns:a14="http://schemas.microsoft.com/office/drawing/2010/main" w="9525">
                 <a:solidFill>
                   <a:schemeClr val="tx1"/>
                 </a:solidFill>
@@ -34254,23 +36564,115 @@
           </a:extLst>
         </p:spPr>
       </p:pic>
+      <mc:AlternateContent xmlns:mc="http://schemas.openxmlformats.org/markup-compatibility/2006">
+        <mc:Choice xmlns:p14="http://schemas.microsoft.com/office/powerpoint/2010/main" Requires="p14">
+          <p:contentPart p14:bwMode="auto" r:id="rId3">
+            <p14:nvContentPartPr>
+              <p14:cNvPr id="4" name="잉크 3">
+                <a:extLst>
+                  <a:ext uri="{FF2B5EF4-FFF2-40B4-BE49-F238E27FC236}">
+                    <a16:creationId xmlns:a16="http://schemas.microsoft.com/office/drawing/2014/main" id="{7AC224E2-992A-4BE5-AAF6-E709A4B32B48}"/>
+                  </a:ext>
+                </a:extLst>
+              </p14:cNvPr>
+              <p14:cNvContentPartPr/>
+              <p14:nvPr/>
+            </p14:nvContentPartPr>
+            <p14:xfrm>
+              <a:off x="1206360" y="1866960"/>
+              <a:ext cx="4083480" cy="2406960"/>
+            </p14:xfrm>
+          </p:contentPart>
+        </mc:Choice>
+        <mc:Fallback>
+          <p:pic>
+            <p:nvPicPr>
+              <p:cNvPr id="4" name="잉크 3">
+                <a:extLst>
+                  <a:ext uri="{FF2B5EF4-FFF2-40B4-BE49-F238E27FC236}">
+                    <a16:creationId xmlns:a16="http://schemas.microsoft.com/office/drawing/2014/main" id="{7AC224E2-992A-4BE5-AAF6-E709A4B32B48}"/>
+                  </a:ext>
+                </a:extLst>
+              </p:cNvPr>
+              <p:cNvPicPr/>
+              <p:nvPr/>
+            </p:nvPicPr>
+            <p:blipFill>
+              <a:blip r:embed="rId4"/>
+              <a:stretch>
+                <a:fillRect/>
+              </a:stretch>
+            </p:blipFill>
+            <p:spPr>
+              <a:xfrm>
+                <a:off x="1197000" y="1857600"/>
+                <a:ext cx="4102200" cy="2425680"/>
+              </a:xfrm>
+              <a:prstGeom prst="rect">
+                <a:avLst/>
+              </a:prstGeom>
+            </p:spPr>
+          </p:pic>
+        </mc:Fallback>
+      </mc:AlternateContent>
+      <p:sp>
+        <p:nvSpPr>
+          <p:cNvPr id="5" name="TextBox 4">
+            <a:extLst>
+              <a:ext uri="{FF2B5EF4-FFF2-40B4-BE49-F238E27FC236}">
+                <a16:creationId xmlns:a16="http://schemas.microsoft.com/office/drawing/2014/main" id="{0B3EEC3C-33FE-4E12-9E7C-E43929DE4230}"/>
+              </a:ext>
+            </a:extLst>
+          </p:cNvPr>
+          <p:cNvSpPr txBox="1"/>
+          <p:nvPr/>
+        </p:nvSpPr>
+        <p:spPr>
+          <a:xfrm>
+            <a:off x="3022333" y="1511166"/>
+            <a:ext cx="1005403" cy="338554"/>
+          </a:xfrm>
+          <a:prstGeom prst="rect">
+            <a:avLst/>
+          </a:prstGeom>
+          <a:noFill/>
+        </p:spPr>
+        <p:txBody>
+          <a:bodyPr wrap="none" rtlCol="0">
+            <a:spAutoFit/>
+          </a:bodyPr>
+          <a:lstStyle/>
+          <a:p>
+            <a:r>
+              <a:rPr lang="ko-KR" altLang="en-US" sz="1600" dirty="0" err="1">
+                <a:solidFill>
+                  <a:srgbClr val="FF0000"/>
+                </a:solidFill>
+                <a:latin typeface="HY바다L" pitchFamily="18" charset="-127"/>
+                <a:ea typeface="HY바다L" pitchFamily="18" charset="-127"/>
+              </a:rPr>
+              <a:t>자원찾기</a:t>
+            </a:r>
+            <a:endParaRPr lang="ko-KR" altLang="en-US" sz="1600" dirty="0">
+              <a:solidFill>
+                <a:srgbClr val="FF0000"/>
+              </a:solidFill>
+              <a:latin typeface="HY바다L" pitchFamily="18" charset="-127"/>
+              <a:ea typeface="HY바다L" pitchFamily="18" charset="-127"/>
+            </a:endParaRPr>
+          </a:p>
+        </p:txBody>
+      </p:sp>
     </p:spTree>
     <p:extLst>
       <p:ext uri="{BB962C8B-B14F-4D97-AF65-F5344CB8AC3E}">
-        <p14:creationId xmlns:p14="http://schemas.microsoft.com/office/powerpoint/2010/main" xmlns="" val="4016545947"/>
+        <p14:creationId xmlns:p14="http://schemas.microsoft.com/office/powerpoint/2010/main" val="4016545947"/>
       </p:ext>
     </p:extLst>
   </p:cSld>
   <p:clrMapOvr>
     <a:masterClrMapping/>
   </p:clrMapOvr>
-  <p:timing>
-    <p:tnLst>
-      <p:par>
-        <p:cTn id="1" dur="indefinite" restart="never" nodeType="tmRoot"/>
-      </p:par>
-    </p:tnLst>
-  </p:timing>
 </p:sld>
 </file>
 
@@ -34402,13 +36804,13 @@
               <a:buNone/>
             </a:pPr>
             <a:r>
-              <a:rPr lang="en-US" altLang="ko-KR" sz="1400" b="1" dirty="0" smtClean="0">
+              <a:rPr lang="en-US" altLang="ko-KR" sz="1400" b="1" dirty="0">
                 <a:latin typeface="+mn-lt"/>
               </a:rPr>
               <a:t>	public</a:t>
             </a:r>
             <a:r>
-              <a:rPr lang="en-US" altLang="ko-KR" sz="1400" dirty="0" smtClean="0">
+              <a:rPr lang="en-US" altLang="ko-KR" sz="1400" dirty="0">
                 <a:latin typeface="+mn-lt"/>
               </a:rPr>
               <a:t> </a:t>
@@ -34479,30 +36881,21 @@
               <a:buNone/>
             </a:pPr>
             <a:r>
-              <a:rPr lang="en-US" altLang="ko-KR" sz="1400" dirty="0" smtClean="0">
+              <a:rPr lang="en-US" altLang="ko-KR" sz="1400" dirty="0">
                 <a:latin typeface="+mn-lt"/>
               </a:rPr>
               <a:t>	{</a:t>
             </a:r>
-            <a:endParaRPr lang="en-US" altLang="ko-KR" sz="1400" dirty="0">
-              <a:latin typeface="+mn-lt"/>
-            </a:endParaRPr>
           </a:p>
           <a:p>
             <a:pPr marL="0" indent="0" fontAlgn="base" latinLnBrk="0">
               <a:buNone/>
             </a:pPr>
             <a:r>
-              <a:rPr lang="en-US" altLang="ko-KR" sz="1400" dirty="0" smtClean="0">
-                <a:latin typeface="+mn-lt"/>
-              </a:rPr>
-              <a:t>		String </a:t>
-            </a:r>
-            <a:r>
-              <a:rPr lang="en-US" altLang="ko-KR" sz="1400" dirty="0">
-                <a:latin typeface="+mn-lt"/>
-              </a:rPr>
-              <a:t>hostname = "</a:t>
+              <a:rPr lang="en-US" altLang="ko-KR" sz="1400" dirty="0">
+                <a:latin typeface="+mn-lt"/>
+              </a:rPr>
+              <a:t>		String hostname = "</a:t>
             </a:r>
             <a:r>
               <a:rPr lang="en-US" altLang="ko-KR" sz="1400" dirty="0" err="1">
@@ -34522,62 +36915,50 @@
               <a:buNone/>
             </a:pPr>
             <a:r>
-              <a:rPr lang="en-US" altLang="ko-KR" sz="1400" b="1" dirty="0" smtClean="0">
+              <a:rPr lang="en-US" altLang="ko-KR" sz="1400" b="1" dirty="0">
                 <a:latin typeface="+mn-lt"/>
               </a:rPr>
               <a:t>		try</a:t>
             </a:r>
             <a:r>
-              <a:rPr lang="en-US" altLang="ko-KR" sz="1400" dirty="0" smtClean="0">
+              <a:rPr lang="en-US" altLang="ko-KR" sz="1400" dirty="0">
                 <a:latin typeface="+mn-lt"/>
               </a:rPr>
               <a:t> </a:t>
             </a:r>
-            <a:endParaRPr lang="en-US" altLang="ko-KR" sz="1400" dirty="0">
-              <a:latin typeface="+mn-lt"/>
-            </a:endParaRPr>
           </a:p>
           <a:p>
             <a:pPr marL="0" indent="0" fontAlgn="base" latinLnBrk="0">
               <a:buNone/>
             </a:pPr>
             <a:r>
-              <a:rPr lang="en-US" altLang="ko-KR" sz="1400" dirty="0" smtClean="0">
+              <a:rPr lang="en-US" altLang="ko-KR" sz="1400" dirty="0">
                 <a:latin typeface="+mn-lt"/>
               </a:rPr>
               <a:t>		{</a:t>
             </a:r>
-            <a:endParaRPr lang="en-US" altLang="ko-KR" sz="1400" dirty="0">
-              <a:latin typeface="+mn-lt"/>
-            </a:endParaRPr>
           </a:p>
           <a:p>
             <a:pPr marL="0" indent="0" fontAlgn="base" latinLnBrk="0">
               <a:buNone/>
             </a:pPr>
             <a:r>
-              <a:rPr lang="en-US" altLang="ko-KR" sz="1400" dirty="0" smtClean="0">
+              <a:rPr lang="en-US" altLang="ko-KR" sz="1400" dirty="0">
                 <a:latin typeface="+mn-lt"/>
               </a:rPr>
               <a:t>			</a:t>
             </a:r>
             <a:r>
-              <a:rPr lang="en-US" altLang="ko-KR" sz="1400" dirty="0" err="1" smtClean="0">
+              <a:rPr lang="en-US" altLang="ko-KR" sz="1400" dirty="0" err="1">
                 <a:latin typeface="+mn-lt"/>
               </a:rPr>
               <a:t>InetAddress</a:t>
             </a:r>
             <a:r>
-              <a:rPr lang="en-US" altLang="ko-KR" sz="1400" dirty="0" smtClean="0">
-                <a:latin typeface="+mn-lt"/>
-              </a:rPr>
-              <a:t> </a:t>
-            </a:r>
-            <a:r>
-              <a:rPr lang="en-US" altLang="ko-KR" sz="1400" dirty="0">
-                <a:latin typeface="+mn-lt"/>
-              </a:rPr>
-              <a:t>address = </a:t>
+              <a:rPr lang="en-US" altLang="ko-KR" sz="1400" dirty="0">
+                <a:latin typeface="+mn-lt"/>
+              </a:rPr>
+              <a:t> address = </a:t>
             </a:r>
             <a:r>
               <a:rPr lang="en-US" altLang="ko-KR" sz="1400" dirty="0" err="1">
@@ -34603,25 +36984,25 @@
               <a:buNone/>
             </a:pPr>
             <a:r>
-              <a:rPr lang="en-US" altLang="ko-KR" sz="1400" dirty="0" smtClean="0">
+              <a:rPr lang="en-US" altLang="ko-KR" sz="1400" dirty="0">
                 <a:latin typeface="+mn-lt"/>
               </a:rPr>
               <a:t>			</a:t>
             </a:r>
             <a:r>
-              <a:rPr lang="en-US" altLang="ko-KR" sz="1400" dirty="0" err="1" smtClean="0">
+              <a:rPr lang="en-US" altLang="ko-KR" sz="1400" dirty="0" err="1">
                 <a:latin typeface="+mn-lt"/>
               </a:rPr>
               <a:t>System.</a:t>
             </a:r>
             <a:r>
-              <a:rPr lang="en-US" altLang="ko-KR" sz="1400" b="1" i="1" dirty="0" err="1" smtClean="0">
+              <a:rPr lang="en-US" altLang="ko-KR" sz="1400" b="1" i="1" dirty="0" err="1">
                 <a:latin typeface="+mn-lt"/>
               </a:rPr>
               <a:t>out</a:t>
             </a:r>
             <a:r>
-              <a:rPr lang="en-US" altLang="ko-KR" sz="1400" dirty="0" err="1" smtClean="0">
+              <a:rPr lang="en-US" altLang="ko-KR" sz="1400" dirty="0" err="1">
                 <a:latin typeface="+mn-lt"/>
               </a:rPr>
               <a:t>.println</a:t>
@@ -34674,36 +37055,27 @@
               <a:buNone/>
             </a:pPr>
             <a:r>
-              <a:rPr lang="en-US" altLang="ko-KR" sz="1400" dirty="0" smtClean="0">
+              <a:rPr lang="en-US" altLang="ko-KR" sz="1400" dirty="0">
                 <a:latin typeface="+mn-lt"/>
               </a:rPr>
               <a:t>		}</a:t>
             </a:r>
-            <a:endParaRPr lang="en-US" altLang="ko-KR" sz="1400" dirty="0">
-              <a:latin typeface="+mn-lt"/>
-            </a:endParaRPr>
           </a:p>
           <a:p>
             <a:pPr marL="0" indent="0" fontAlgn="base" latinLnBrk="0">
               <a:buNone/>
             </a:pPr>
             <a:r>
-              <a:rPr lang="en-US" altLang="ko-KR" sz="1400" b="1" dirty="0" smtClean="0">
+              <a:rPr lang="en-US" altLang="ko-KR" sz="1400" b="1" dirty="0">
                 <a:latin typeface="+mn-lt"/>
               </a:rPr>
               <a:t>		catch</a:t>
             </a:r>
             <a:r>
-              <a:rPr lang="en-US" altLang="ko-KR" sz="1400" dirty="0" smtClean="0">
-                <a:latin typeface="+mn-lt"/>
-              </a:rPr>
-              <a:t> </a:t>
-            </a:r>
-            <a:r>
-              <a:rPr lang="en-US" altLang="ko-KR" sz="1400" dirty="0">
-                <a:latin typeface="+mn-lt"/>
-              </a:rPr>
-              <a:t>( </a:t>
+              <a:rPr lang="en-US" altLang="ko-KR" sz="1400" dirty="0">
+                <a:latin typeface="+mn-lt"/>
+              </a:rPr>
+              <a:t> ( </a:t>
             </a:r>
             <a:r>
               <a:rPr lang="en-US" altLang="ko-KR" sz="1400" dirty="0" err="1">
@@ -34723,54 +37095,45 @@
               <a:buNone/>
             </a:pPr>
             <a:r>
-              <a:rPr lang="en-US" altLang="ko-KR" sz="1400" dirty="0" smtClean="0">
+              <a:rPr lang="en-US" altLang="ko-KR" sz="1400" dirty="0">
                 <a:latin typeface="+mn-lt"/>
               </a:rPr>
               <a:t>		{</a:t>
             </a:r>
-            <a:endParaRPr lang="en-US" altLang="ko-KR" sz="1400" dirty="0">
-              <a:latin typeface="+mn-lt"/>
-            </a:endParaRPr>
           </a:p>
           <a:p>
             <a:pPr marL="0" indent="0" fontAlgn="base" latinLnBrk="0">
               <a:buNone/>
             </a:pPr>
             <a:r>
-              <a:rPr lang="en-US" altLang="ko-KR" sz="1400" dirty="0" smtClean="0">
+              <a:rPr lang="en-US" altLang="ko-KR" sz="1400" dirty="0">
                 <a:latin typeface="+mn-lt"/>
               </a:rPr>
               <a:t>		    </a:t>
             </a:r>
             <a:r>
-              <a:rPr lang="en-US" altLang="ko-KR" sz="1400" dirty="0" err="1" smtClean="0">
+              <a:rPr lang="en-US" altLang="ko-KR" sz="1400" dirty="0" err="1">
                 <a:latin typeface="+mn-lt"/>
               </a:rPr>
               <a:t>System.</a:t>
             </a:r>
             <a:r>
-              <a:rPr lang="en-US" altLang="ko-KR" sz="1400" b="1" i="1" dirty="0" err="1" smtClean="0">
+              <a:rPr lang="en-US" altLang="ko-KR" sz="1400" b="1" i="1" dirty="0" err="1">
                 <a:latin typeface="+mn-lt"/>
               </a:rPr>
               <a:t>out</a:t>
             </a:r>
             <a:r>
-              <a:rPr lang="en-US" altLang="ko-KR" sz="1400" dirty="0" err="1" smtClean="0">
+              <a:rPr lang="en-US" altLang="ko-KR" sz="1400" dirty="0" err="1">
                 <a:latin typeface="+mn-lt"/>
               </a:rPr>
               <a:t>.println</a:t>
             </a:r>
             <a:r>
-              <a:rPr lang="en-US" altLang="ko-KR" sz="1400" dirty="0" smtClean="0">
-                <a:latin typeface="+mn-lt"/>
-              </a:rPr>
-              <a:t>(hostname </a:t>
-            </a:r>
-            <a:r>
-              <a:rPr lang="en-US" altLang="ko-KR" sz="1400" dirty="0">
-                <a:latin typeface="+mn-lt"/>
-              </a:rPr>
-              <a:t>+ "</a:t>
+              <a:rPr lang="en-US" altLang="ko-KR" sz="1400" dirty="0">
+                <a:latin typeface="+mn-lt"/>
+              </a:rPr>
+              <a:t>(hostname + "</a:t>
             </a:r>
             <a:r>
               <a:rPr lang="ko-KR" altLang="en-US" sz="1400" dirty="0">
@@ -34794,16 +37157,10 @@
               <a:rPr lang="en-US" altLang="ko-KR" sz="1400" dirty="0">
                 <a:latin typeface="+mn-lt"/>
               </a:rPr>
-              <a:t>. </a:t>
-            </a:r>
-            <a:r>
-              <a:rPr lang="en-US" altLang="ko-KR" sz="1400" dirty="0" smtClean="0">
-                <a:latin typeface="+mn-lt"/>
-              </a:rPr>
-              <a:t>	"</a:t>
-            </a:r>
-            <a:r>
-              <a:rPr lang="ko-KR" altLang="en-US" sz="1400" dirty="0" smtClean="0">
+              <a:t>. 	"</a:t>
+            </a:r>
+            <a:r>
+              <a:rPr lang="ko-KR" altLang="en-US" sz="1400" dirty="0">
                 <a:latin typeface="+mn-lt"/>
               </a:rPr>
               <a:t> </a:t>
@@ -34823,7 +37180,7 @@
               <a:buNone/>
             </a:pPr>
             <a:r>
-              <a:rPr lang="en-US" altLang="ko-KR" sz="1400" dirty="0" smtClean="0">
+              <a:rPr lang="en-US" altLang="ko-KR" sz="1400" dirty="0">
                 <a:latin typeface="+mn-lt"/>
               </a:rPr>
               <a:t>		}</a:t>
@@ -34837,7 +37194,7 @@
               <a:buNone/>
             </a:pPr>
             <a:r>
-              <a:rPr lang="en-US" altLang="ko-KR" sz="1400" dirty="0" smtClean="0">
+              <a:rPr lang="en-US" altLang="ko-KR" sz="1400" dirty="0">
                 <a:latin typeface="+mn-lt"/>
               </a:rPr>
               <a:t>	}</a:t>
@@ -34885,14 +37242,14 @@
           <a:effectLst/>
           <a:extLst>
             <a:ext uri="{909E8E84-426E-40DD-AFC4-6F175D3DCCD1}">
-              <a14:hiddenFill xmlns:a14="http://schemas.microsoft.com/office/drawing/2010/main" xmlns="">
+              <a14:hiddenFill xmlns:a14="http://schemas.microsoft.com/office/drawing/2010/main">
                 <a:solidFill>
                   <a:schemeClr val="accent1"/>
                 </a:solidFill>
               </a14:hiddenFill>
             </a:ext>
             <a:ext uri="{91240B29-F687-4F45-9708-019B960494DF}">
-              <a14:hiddenLine xmlns:a14="http://schemas.microsoft.com/office/drawing/2010/main" xmlns="" w="9525">
+              <a14:hiddenLine xmlns:a14="http://schemas.microsoft.com/office/drawing/2010/main" w="9525">
                 <a:solidFill>
                   <a:schemeClr val="tx1"/>
                 </a:solidFill>
@@ -34902,7 +37259,7 @@
               </a14:hiddenLine>
             </a:ext>
             <a:ext uri="{AF507438-7753-43E0-B8FC-AC1667EBCBE1}">
-              <a14:hiddenEffects xmlns:a14="http://schemas.microsoft.com/office/drawing/2010/main" xmlns="">
+              <a14:hiddenEffects xmlns:a14="http://schemas.microsoft.com/office/drawing/2010/main">
                 <a:effectLst>
                   <a:outerShdw dist="35921" dir="2700000" algn="ctr" rotWithShape="0">
                     <a:schemeClr val="bg2"/>
@@ -34998,21 +37355,13 @@
     </p:spTree>
     <p:extLst>
       <p:ext uri="{BB962C8B-B14F-4D97-AF65-F5344CB8AC3E}">
-        <p14:creationId xmlns:p14="http://schemas.microsoft.com/office/powerpoint/2010/main" xmlns="" val="1448722900"/>
+        <p14:creationId xmlns:p14="http://schemas.microsoft.com/office/powerpoint/2010/main" val="1448722900"/>
       </p:ext>
     </p:extLst>
   </p:cSld>
   <p:clrMapOvr>
     <a:masterClrMapping/>
   </p:clrMapOvr>
-  <mc:AlternateContent xmlns:mc="http://schemas.openxmlformats.org/markup-compatibility/2006">
-    <mc:Choice xmlns:p14="http://schemas.microsoft.com/office/powerpoint/2010/main" xmlns="" Requires="p14">
-      <p:transition spd="slow" p14:dur="2000"/>
-    </mc:Choice>
-    <mc:Fallback>
-      <p:transition spd="slow"/>
-    </mc:Fallback>
-  </mc:AlternateContent>
   <p:timing>
     <p:tnLst>
       <p:par>
@@ -35121,42 +37470,35 @@
             <p:ph idx="1"/>
           </p:nvPr>
         </p:nvSpPr>
-        <p:spPr/>
+        <p:spPr>
+          <a:xfrm>
+            <a:off x="457200" y="1801368"/>
+            <a:ext cx="8229600" cy="4526280"/>
+          </a:xfrm>
+        </p:spPr>
         <p:txBody>
           <a:bodyPr/>
           <a:lstStyle/>
           <a:p>
             <a:r>
-              <a:rPr lang="en-US" altLang="ko-KR" b="1" dirty="0" err="1" smtClean="0"/>
+              <a:rPr lang="en-US" altLang="ko-KR" b="1" dirty="0" err="1"/>
               <a:t>java.net.URL</a:t>
             </a:r>
             <a:r>
-              <a:rPr lang="ko-KR" altLang="en-US" b="1" dirty="0" smtClean="0"/>
+              <a:rPr lang="ko-KR" altLang="en-US" b="1" dirty="0"/>
               <a:t>을 이용하여 </a:t>
             </a:r>
             <a:r>
-              <a:rPr lang="ko-KR" altLang="en-US" dirty="0" smtClean="0"/>
-              <a:t>우리의 </a:t>
-            </a:r>
-            <a:r>
               <a:rPr lang="ko-KR" altLang="en-US" dirty="0"/>
-              <a:t>프로그램과 인터넷 상의 원격 컴퓨터를 </a:t>
-            </a:r>
-            <a:r>
-              <a:rPr lang="ko-KR" altLang="en-US" dirty="0" smtClean="0"/>
-              <a:t>연결한다</a:t>
-            </a:r>
-            <a:r>
-              <a:rPr lang="en-US" altLang="ko-KR" dirty="0" smtClean="0"/>
+              <a:t>우리의 프로그램과 인터넷 상의 원격 컴퓨터를 연결한다</a:t>
+            </a:r>
+            <a:r>
+              <a:rPr lang="en-US" altLang="ko-KR" dirty="0"/>
               <a:t>. </a:t>
             </a:r>
             <a:r>
-              <a:rPr lang="ko-KR" altLang="en-US" dirty="0" smtClean="0"/>
-              <a:t>그리고 원격 </a:t>
-            </a:r>
-            <a:r>
               <a:rPr lang="ko-KR" altLang="en-US" dirty="0"/>
-              <a:t>컴퓨터가 가지고 있는 자원에 접근할 수 있다</a:t>
+              <a:t>그리고 원격 컴퓨터가 가지고 있는 자원에 접근할 수 있다</a:t>
             </a:r>
             <a:r>
               <a:rPr lang="en-US" altLang="ko-KR" dirty="0"/>
@@ -35185,18 +37527,17 @@
           <a:lstStyle/>
           <a:p>
             <a:r>
-              <a:rPr lang="ko-KR" altLang="en-US" dirty="0" smtClean="0"/>
+              <a:rPr lang="ko-KR" altLang="en-US" dirty="0"/>
               <a:t>웹에서</a:t>
             </a:r>
             <a:r>
-              <a:rPr lang="en-US" altLang="ko-KR" dirty="0" smtClean="0"/>
+              <a:rPr lang="en-US" altLang="ko-KR" dirty="0"/>
               <a:t> </a:t>
             </a:r>
             <a:r>
-              <a:rPr lang="ko-KR" altLang="en-US" dirty="0" smtClean="0"/>
+              <a:rPr lang="ko-KR" altLang="en-US" dirty="0"/>
               <a:t>파일 다운로드</a:t>
             </a:r>
-            <a:endParaRPr lang="ko-KR" altLang="en-US" dirty="0"/>
           </a:p>
         </p:txBody>
       </p:sp>
@@ -35212,7 +37553,7 @@
           <a:blip r:embed="rId2" cstate="print">
             <a:extLst>
               <a:ext uri="{28A0092B-C50C-407E-A947-70E740481C1C}">
-                <a14:useLocalDpi xmlns:a14="http://schemas.microsoft.com/office/drawing/2010/main" xmlns="" val="0"/>
+                <a14:useLocalDpi xmlns:a14="http://schemas.microsoft.com/office/drawing/2010/main" val="0"/>
               </a:ext>
             </a:extLst>
           </a:blip>
@@ -35235,14 +37576,14 @@
           </a:ln>
           <a:extLst>
             <a:ext uri="{909E8E84-426E-40DD-AFC4-6F175D3DCCD1}">
-              <a14:hiddenFill xmlns:a14="http://schemas.microsoft.com/office/drawing/2010/main" xmlns="">
+              <a14:hiddenFill xmlns:a14="http://schemas.microsoft.com/office/drawing/2010/main">
                 <a:solidFill>
                   <a:schemeClr val="accent1"/>
                 </a:solidFill>
               </a14:hiddenFill>
             </a:ext>
             <a:ext uri="{91240B29-F687-4F45-9708-019B960494DF}">
-              <a14:hiddenLine xmlns:a14="http://schemas.microsoft.com/office/drawing/2010/main" xmlns="" w="9525">
+              <a14:hiddenLine xmlns:a14="http://schemas.microsoft.com/office/drawing/2010/main" w="9525">
                 <a:solidFill>
                   <a:schemeClr val="tx1"/>
                 </a:solidFill>
@@ -35257,20 +37598,13 @@
     </p:spTree>
     <p:extLst>
       <p:ext uri="{BB962C8B-B14F-4D97-AF65-F5344CB8AC3E}">
-        <p14:creationId xmlns:p14="http://schemas.microsoft.com/office/powerpoint/2010/main" xmlns="" val="4030946553"/>
+        <p14:creationId xmlns:p14="http://schemas.microsoft.com/office/powerpoint/2010/main" val="4030946553"/>
       </p:ext>
     </p:extLst>
   </p:cSld>
   <p:clrMapOvr>
     <a:masterClrMapping/>
   </p:clrMapOvr>
-  <p:timing>
-    <p:tnLst>
-      <p:par>
-        <p:cTn id="1" dur="indefinite" restart="never" nodeType="tmRoot"/>
-      </p:par>
-    </p:tnLst>
-  </p:timing>
 </p:sld>
 </file>
 
@@ -35716,14 +38050,14 @@
           <a:effectLst/>
           <a:extLst>
             <a:ext uri="{909E8E84-426E-40DD-AFC4-6F175D3DCCD1}">
-              <a14:hiddenFill xmlns:a14="http://schemas.microsoft.com/office/drawing/2010/main" xmlns="">
+              <a14:hiddenFill xmlns:a14="http://schemas.microsoft.com/office/drawing/2010/main">
                 <a:solidFill>
                   <a:schemeClr val="accent1"/>
                 </a:solidFill>
               </a14:hiddenFill>
             </a:ext>
             <a:ext uri="{91240B29-F687-4F45-9708-019B960494DF}">
-              <a14:hiddenLine xmlns:a14="http://schemas.microsoft.com/office/drawing/2010/main" xmlns="" w="9525">
+              <a14:hiddenLine xmlns:a14="http://schemas.microsoft.com/office/drawing/2010/main" w="9525">
                 <a:solidFill>
                   <a:schemeClr val="tx1"/>
                 </a:solidFill>
@@ -35733,7 +38067,7 @@
               </a14:hiddenLine>
             </a:ext>
             <a:ext uri="{AF507438-7753-43E0-B8FC-AC1667EBCBE1}">
-              <a14:hiddenEffects xmlns:a14="http://schemas.microsoft.com/office/drawing/2010/main" xmlns="">
+              <a14:hiddenEffects xmlns:a14="http://schemas.microsoft.com/office/drawing/2010/main">
                 <a:effectLst>
                   <a:outerShdw dist="35921" dir="2700000" algn="ctr" rotWithShape="0">
                     <a:schemeClr val="bg2"/>
@@ -35976,21 +38310,13 @@
     </p:spTree>
     <p:extLst>
       <p:ext uri="{BB962C8B-B14F-4D97-AF65-F5344CB8AC3E}">
-        <p14:creationId xmlns:p14="http://schemas.microsoft.com/office/powerpoint/2010/main" xmlns="" val="663207007"/>
+        <p14:creationId xmlns:p14="http://schemas.microsoft.com/office/powerpoint/2010/main" val="663207007"/>
       </p:ext>
     </p:extLst>
   </p:cSld>
   <p:clrMapOvr>
     <a:masterClrMapping/>
   </p:clrMapOvr>
-  <mc:AlternateContent xmlns:mc="http://schemas.openxmlformats.org/markup-compatibility/2006">
-    <mc:Choice xmlns:p14="http://schemas.microsoft.com/office/powerpoint/2010/main" xmlns="" Requires="p14">
-      <p:transition spd="slow" p14:dur="2000"/>
-    </mc:Choice>
-    <mc:Fallback>
-      <p:transition spd="slow"/>
-    </mc:Fallback>
-  </mc:AlternateContent>
   <p:timing>
     <p:tnLst>
       <p:par>
@@ -36171,7 +38497,7 @@
               <a:t>웹에서 이미지 파일 </a:t>
             </a:r>
             <a:r>
-              <a:rPr lang="ko-KR" altLang="en-US" dirty="0" err="1" smtClean="0">
+              <a:rPr lang="ko-KR" altLang="en-US" dirty="0" err="1">
                 <a:effectLst/>
               </a:rPr>
               <a:t>다운로드하기</a:t>
@@ -36323,7 +38649,7 @@
     </p:spTree>
     <p:extLst>
       <p:ext uri="{BB962C8B-B14F-4D97-AF65-F5344CB8AC3E}">
-        <p14:creationId xmlns:p14="http://schemas.microsoft.com/office/powerpoint/2010/main" xmlns="" val="968558065"/>
+        <p14:creationId xmlns:p14="http://schemas.microsoft.com/office/powerpoint/2010/main" val="968558065"/>
       </p:ext>
     </p:extLst>
   </p:cSld>

--- a/강의자료(ppt)/Chap18-네트워크프로그래밍.pptx
+++ b/강의자료(ppt)/Chap18-네트워크프로그래밍.pptx
@@ -5,10 +5,10 @@
     <p:sldMasterId id="2147483715" r:id="rId1"/>
   </p:sldMasterIdLst>
   <p:notesMasterIdLst>
-    <p:notesMasterId r:id="rId41"/>
+    <p:notesMasterId r:id="rId43"/>
   </p:notesMasterIdLst>
   <p:handoutMasterIdLst>
-    <p:handoutMasterId r:id="rId42"/>
+    <p:handoutMasterId r:id="rId44"/>
   </p:handoutMasterIdLst>
   <p:sldIdLst>
     <p:sldId id="256" r:id="rId2"/>
@@ -49,7 +49,9 @@
     <p:sldId id="340" r:id="rId37"/>
     <p:sldId id="341" r:id="rId38"/>
     <p:sldId id="342" r:id="rId39"/>
-    <p:sldId id="317" r:id="rId40"/>
+    <p:sldId id="345" r:id="rId40"/>
+    <p:sldId id="344" r:id="rId41"/>
+    <p:sldId id="317" r:id="rId42"/>
   </p:sldIdLst>
   <p:sldSz cx="9144000" cy="6858000" type="screen4x3"/>
   <p:notesSz cx="6934200" cy="9220200"/>
@@ -483,6 +485,516 @@
           <inkml:channelProperty channel="T" name="resolution" value="1" units="1/dev"/>
         </inkml:channelProperties>
       </inkml:inkSource>
+      <inkml:timestamp xml:id="ts0" timeString="2021-04-08T07:51:30.800"/>
+    </inkml:context>
+    <inkml:brush xml:id="br0">
+      <inkml:brushProperty name="width" value="0.05292" units="cm"/>
+      <inkml:brushProperty name="height" value="0.05292" units="cm"/>
+      <inkml:brushProperty name="color" value="#FF0000"/>
+    </inkml:brush>
+  </inkml:definitions>
+  <inkml:traceGroup>
+    <inkml:annotationXML>
+      <emma:emma xmlns:emma="http://www.w3.org/2003/04/emma" version="1.0">
+        <emma:interpretation id="{C8651871-6A56-4DAF-BC75-60EF8FA55278}" emma:medium="tactile" emma:mode="ink">
+          <msink:context xmlns:msink="http://schemas.microsoft.com/ink/2010/main" type="inkDrawing" rotatedBoundingBox="12119,11162 15712,10432 16178,12727 12585,13456" hotPoints="15894,10969 15981,12750 12492,12921 12405,11140" semanticType="enclosure" shapeName="Rectangle"/>
+        </emma:interpretation>
+      </emma:emma>
+    </inkml:annotationXML>
+    <inkml:trace contextRef="#ctx0" brushRef="#br0">12435 11183 0,'0'18'31,"0"35"-15,0 17-16,0 124 16,0 18-1,0 0 1,0-71 15,0 0-15,0 0-1,18-18 1,0-70-16,-18 35 16,0-35-1,0-17 1</inkml:trace>
+    <inkml:trace contextRef="#ctx0" brushRef="#br0" timeOffset="3101.36">12524 11095 0,'17'-18'62,"19"18"-62,16 0 16,195 0-1,36 0 1,69-17 0,72 17-1,-89 0 1,-88-18-1,0 18 1,-106 0 0,-18 0-1,-87 0-15,17 0 16,35 0 0,-18 0-1,-52 0 79,0 0-94,-1 0 16,54 0-1,35-35 1,-1 35-1,-34 0 1,-18 0 0,-35 0 46,-1 0-62,1 0 16,-1 0 15,1 0 63,-18 17-79,18 19-15,-1 105 16,1 88 0,17-17-1,1 17 1,-19-35 0,18-88-1,-17 0 1,0 0 15,-18-36-15,0-17-16,0-18 15,0 18 1,0 0 0,0-18-1,0 1 1,0-19 15,0 1 94,-18-18-109,-35 18-1,-17-18-15,-36 17 16,-159-17 0,-35 0-1,18 0 1,0 0-1,35 35 1,71-17 0,52-18-1,-35 18 1,89-18 0,-18 0-1,-1 0 16,19 0-15,-18 17 0,17-17-1,36 0 1,17 0 0,-17 0-1,17 0 1,-35 18-1,-17-18 1,-54 0 0,54 0-1,35 0 1,-1 0 0,19 0-1,-19 0 16,-17 0-15,18 0 0,-18 0-1,0 0 1,18 0 0,17 0 30,1 0-30,-19 0 0,1 0-1,-18 0 1,18 0 0,17 0-1,1 0 16,17-35 157,0-18-172,0-18-1,0-52-15,0-230 16,-18-53 15,0 230-31,1-18 0</inkml:trace>
+  </inkml:traceGroup>
+</inkml:ink>
+</file>
+
+<file path=ppt/ink/ink11.xml><?xml version="1.0" encoding="utf-8"?>
+<inkml:ink xmlns:inkml="http://www.w3.org/2003/InkML">
+  <inkml:definitions>
+    <inkml:context xml:id="ctx0">
+      <inkml:inkSource xml:id="inkSrc0">
+        <inkml:traceFormat>
+          <inkml:channel name="X" type="integer" max="1920" units="cm"/>
+          <inkml:channel name="Y" type="integer" max="1080" units="cm"/>
+          <inkml:channel name="T" type="integer" max="2.14748E9" units="dev"/>
+        </inkml:traceFormat>
+        <inkml:channelProperties>
+          <inkml:channelProperty channel="X" name="resolution" value="36.43264" units="1/cm"/>
+          <inkml:channelProperty channel="Y" name="resolution" value="36.48649" units="1/cm"/>
+          <inkml:channelProperty channel="T" name="resolution" value="1" units="1/dev"/>
+        </inkml:channelProperties>
+      </inkml:inkSource>
+      <inkml:timestamp xml:id="ts0" timeString="2021-04-08T07:52:27.813"/>
+    </inkml:context>
+    <inkml:brush xml:id="br0">
+      <inkml:brushProperty name="width" value="0.05292" units="cm"/>
+      <inkml:brushProperty name="height" value="0.05292" units="cm"/>
+      <inkml:brushProperty name="color" value="#FF0000"/>
+    </inkml:brush>
+  </inkml:definitions>
+  <inkml:traceGroup>
+    <inkml:annotationXML>
+      <emma:emma xmlns:emma="http://www.w3.org/2003/04/emma" version="1.0">
+        <emma:interpretation id="{233D0C49-1C54-44F9-A079-1ED8A11DEE5D}" emma:medium="tactile" emma:mode="ink">
+          <msink:context xmlns:msink="http://schemas.microsoft.com/ink/2010/main" type="writingRegion" rotatedBoundingBox="12708,13414 15029,13696 14861,15077 12540,14795"/>
+        </emma:interpretation>
+      </emma:emma>
+    </inkml:annotationXML>
+    <inkml:traceGroup>
+      <inkml:annotationXML>
+        <emma:emma xmlns:emma="http://www.w3.org/2003/04/emma" version="1.0">
+          <emma:interpretation id="{1A028E09-CF64-478C-84F4-6234FC8D3891}" emma:medium="tactile" emma:mode="ink">
+            <msink:context xmlns:msink="http://schemas.microsoft.com/ink/2010/main" type="paragraph" rotatedBoundingBox="12708,13414 15029,13696 14861,15077 12540,14795" alignmentLevel="1"/>
+          </emma:interpretation>
+        </emma:emma>
+      </inkml:annotationXML>
+      <inkml:traceGroup>
+        <inkml:annotationXML>
+          <emma:emma xmlns:emma="http://www.w3.org/2003/04/emma" version="1.0">
+            <emma:interpretation id="{2263DC81-2382-4344-A2FC-127AAC9005D0}" emma:medium="tactile" emma:mode="ink">
+              <msink:context xmlns:msink="http://schemas.microsoft.com/ink/2010/main" type="line" rotatedBoundingBox="12708,13414 15029,13696 14861,15077 12540,14795"/>
+            </emma:interpretation>
+          </emma:emma>
+        </inkml:annotationXML>
+        <inkml:traceGroup>
+          <inkml:annotationXML>
+            <emma:emma xmlns:emma="http://www.w3.org/2003/04/emma" version="1.0">
+              <emma:interpretation id="{30246D9D-A275-422A-8490-A64D71E4D63C}" emma:medium="tactile" emma:mode="ink">
+                <msink:context xmlns:msink="http://schemas.microsoft.com/ink/2010/main" type="inkWord" rotatedBoundingBox="12708,13414 13123,13464 12955,14845 12540,14795"/>
+              </emma:interpretation>
+              <emma:one-of disjunction-type="recognition" id="oneOf0">
+                <emma:interpretation id="interp0" emma:lang="" emma:confidence="0">
+                  <emma:literal>7</emma:literal>
+                </emma:interpretation>
+                <emma:interpretation id="interp1" emma:lang="" emma:confidence="0">
+                  <emma:literal>0</emma:literal>
+                </emma:interpretation>
+                <emma:interpretation id="interp2" emma:lang="" emma:confidence="0">
+                  <emma:literal>t</emma:literal>
+                </emma:interpretation>
+                <emma:interpretation id="interp3" emma:lang="" emma:confidence="0">
+                  <emma:literal>f</emma:literal>
+                </emma:interpretation>
+                <emma:interpretation id="interp4" emma:lang="" emma:confidence="0">
+                  <emma:literal>5</emma:literal>
+                </emma:interpretation>
+              </emma:one-of>
+            </emma:emma>
+          </inkml:annotationXML>
+          <inkml:trace contextRef="#ctx0" brushRef="#br0">12735 13458 0,'0'18'313,"0"0"-266,-17-1-16,17 1-15,0 0-1,0-1 17,0 1 14,0 0-30,-18-18 0,18 17-1,0 1 32,-18-18-47</inkml:trace>
+          <inkml:trace contextRef="#ctx0" brushRef="#br0" timeOffset="1256.07">12718 13511 0,'17'0'62,"1"0"-46,0 0 0,-1 0-1,-17 18-15,18 0 31,17-1-15,-35 1 0,18 0-1,-1-18 157,1 0-156,0-18-1,17-17 1,0 17 0,-17 0-1,0 1 1,17-1 0,-18 0 30,-17 36 79,0 0-109,0 17-16,0-17 16,0 17-1,0 0 1,0 1 0,0-19-1,0 1 1</inkml:trace>
+          <inkml:trace contextRef="#ctx0" brushRef="#br0" timeOffset="3615.97">12823 14640 0,'0'0'0,"0"-17"15,-35-1 1,18 18-1,-1-18 1,-17 18 15,17 0-15,-17-17 31,17 17 0,0 0-32,1 0 32,17 17-47,0 1 16,0 0-1,0-1 1,0 1 0,0 17-1,0-17 1,35 17 0,-17-17 15,-1 17-16,1-35 1,0 18 0,-1-18-1,1 0 17,0 0-17,17 0 1,-18 0-1,1-18 1,17 0 0,-17 1-1,0-1 1,-1-17 0</inkml:trace>
+          <inkml:trace contextRef="#ctx0" brushRef="#br0" timeOffset="2447.96">12806 13935 0,'0'17'47,"0"1"-47,0 0 16,0-1-1,0 36 1,0-18 0,0 1-16,17-19 15,-17 1 1,18 0 218,0-18-202,-1 0-17,1-18-15,17 0 16,-17 1-1,0-1 1,-1 0-16,1 1 31,-18-1 47,18 18-62,-1 0 0,-17-17-1,18 17 1</inkml:trace>
+        </inkml:traceGroup>
+        <inkml:traceGroup>
+          <inkml:annotationXML>
+            <emma:emma xmlns:emma="http://www.w3.org/2003/04/emma" version="1.0">
+              <emma:interpretation id="{829CAF60-3623-41E7-8A16-8B0FC205CECD}" emma:medium="tactile" emma:mode="ink">
+                <msink:context xmlns:msink="http://schemas.microsoft.com/ink/2010/main" type="inkWord" rotatedBoundingBox="13421,13895 14982,14085 14889,14850 13328,14660"/>
+              </emma:interpretation>
+              <emma:one-of disjunction-type="recognition" id="oneOf1">
+                <emma:interpretation id="interp5" emma:lang="" emma:confidence="0">
+                  <emma:literal>y</emma:literal>
+                </emma:interpretation>
+                <emma:interpretation id="interp6" emma:lang="" emma:confidence="0">
+                  <emma:literal>4</emma:literal>
+                </emma:interpretation>
+                <emma:interpretation id="interp7" emma:lang="" emma:confidence="0">
+                  <emma:literal>@</emma:literal>
+                </emma:interpretation>
+                <emma:interpretation id="interp8" emma:lang="" emma:confidence="0">
+                  <emma:literal>’</emma:literal>
+                </emma:interpretation>
+                <emma:interpretation id="interp9" emma:lang="" emma:confidence="0">
+                  <emma:literal>′</emma:literal>
+                </emma:interpretation>
+              </emma:one-of>
+            </emma:emma>
+          </inkml:annotationXML>
+          <inkml:trace contextRef="#ctx0" brushRef="#br0" timeOffset="6887.9799">14323 14005 0,'0'18'47,"0"0"-31,-53 52-1,-18 18 1,-17 18 0,-18 18-1,0-1 1,18-52 0,18-18-1,70-18 16</inkml:trace>
+          <inkml:trace contextRef="#ctx0" brushRef="#br0" timeOffset="6407.17">14041 14005 0,'0'36'31,"0"-1"-16,17 0 1,18 36 0,1-36-1,-19-17 1</inkml:trace>
+          <inkml:trace contextRef="#ctx0" brushRef="#br0" timeOffset="4719.92">13458 13935 0,'-17'17'63,"17"1"-48,0 0 1,-18 52 0,1 1-1,-1-1 1,18 19 0,-18-54-1,18-18-15,0 1 16,18-18 109,17 0-110,53 0 1,-35-18 0,53 1-1,-53-1-15,-18 18 16,1 0 0</inkml:trace>
+          <inkml:trace contextRef="#ctx0" brushRef="#br0" timeOffset="5972.18">13847 14093 0,'-36'0'31,"19"0"-15,-1 0 0,0 0-1,1 0 1,-1 18 0,0 0-1,18-1 1,-17-17-1,-1 18 1,18 0 0,0-1-1,0 1 1,0 0 15,0-1-15,0 1-1,0 0 1,18-18 15,-1 0 1,1 0-17,17 0 1,1-36 31,-19 19-32,-17-36 17,18 0 14,-18 35-30,0 0 0,0 36 77,0 0-77,0 17-16,0 0 16,0 54-1,35-37 1,-17 1 0,17-35-1,0 0 16,-17-18-15,0 0-16,-1 0 16,1 0 77</inkml:trace>
+          <inkml:trace contextRef="#ctx0" brushRef="#br0" timeOffset="8063.92">14235 14288 0,'35'0'31,"0"0"-15,36 0-1,-36 0 1,18 0 0,0 0-1,-36-18 1,1 0 0,0 18-1,-18-17 1,0-1-1,0 0 1,-18 1 0,0-1 15,1 18-15,17-18-16,-18 18 31,1 0-16,-19 0 1,1 0 0,0 0-16,17 0 15,-35 36 1,36-36 0,-19 17-1,19 1 1,17 0-1,-18-1 1,18 19 0,0-1-1,0 0 1,0 0 15,0 1-15,18-19-1,-1 19 1,19-19 0,-19-17-1,18 0 1,1 0 0,-1 0-1,36-17 1,-1-19-1,-17 19 1,-35-19 0,17 36-1,-35-17 48</inkml:trace>
+          <inkml:trace contextRef="#ctx0" brushRef="#br0" timeOffset="8984.58">14728 14058 0,'0'53'31,"0"-18"-31,0 1 16,18 17-1,-18 52 1,35-34-1,-35-36 1,0 1 0,0-19-1,0-34 126,0-19-141,0 1 16,0 0-1,0-36 1,36 36-1,-36-18 1,17 35 0,1 1-1,0-1 1,-1 0 0,1 18 15,0 0 0,-1 0-15,1 0 31,-1 0-16</inkml:trace>
+        </inkml:traceGroup>
+      </inkml:traceGroup>
+    </inkml:traceGroup>
+  </inkml:traceGroup>
+</inkml:ink>
+</file>
+
+<file path=ppt/ink/ink12.xml><?xml version="1.0" encoding="utf-8"?>
+<inkml:ink xmlns:inkml="http://www.w3.org/2003/InkML">
+  <inkml:definitions>
+    <inkml:context xml:id="ctx0">
+      <inkml:inkSource xml:id="inkSrc0">
+        <inkml:traceFormat>
+          <inkml:channel name="X" type="integer" max="1920" units="cm"/>
+          <inkml:channel name="Y" type="integer" max="1080" units="cm"/>
+          <inkml:channel name="T" type="integer" max="2.14748E9" units="dev"/>
+        </inkml:traceFormat>
+        <inkml:channelProperties>
+          <inkml:channelProperty channel="X" name="resolution" value="36.43264" units="1/cm"/>
+          <inkml:channelProperty channel="Y" name="resolution" value="36.48649" units="1/cm"/>
+          <inkml:channelProperty channel="T" name="resolution" value="1" units="1/dev"/>
+        </inkml:channelProperties>
+      </inkml:inkSource>
+      <inkml:timestamp xml:id="ts0" timeString="2021-04-08T07:55:32.494"/>
+    </inkml:context>
+    <inkml:brush xml:id="br0">
+      <inkml:brushProperty name="width" value="0.05292" units="cm"/>
+      <inkml:brushProperty name="height" value="0.05292" units="cm"/>
+      <inkml:brushProperty name="color" value="#FF0000"/>
+    </inkml:brush>
+  </inkml:definitions>
+  <inkml:traceGroup>
+    <inkml:annotationXML>
+      <emma:emma xmlns:emma="http://www.w3.org/2003/04/emma" version="1.0">
+        <emma:interpretation id="{353317C8-7634-46C3-9570-67EC0160CEC8}" emma:medium="tactile" emma:mode="ink">
+          <msink:context xmlns:msink="http://schemas.microsoft.com/ink/2010/main" type="inkDrawing" rotatedBoundingBox="1886,11353 2221,11329 2222,11345 1887,11368" shapeName="Other">
+            <msink:destinationLink direction="with" ref="{D55212D0-9FBF-4303-BCBD-6A6241A34A4E}"/>
+          </msink:context>
+        </emma:interpretation>
+      </emma:emma>
+    </inkml:annotationXML>
+    <inkml:trace contextRef="#ctx0" brushRef="#br0">1887 11359 0,'18'0'125,"0"0"-109,-1 0 15,1 0-15,0 0-1,-1 0 1,1 0 0,-1 0-1,1-17 1,0 17 31,-1 0 47,1 0-79,17 0 1,-17 0-1,17 0 1,-17 0 0,-1 0 77</inkml:trace>
+  </inkml:traceGroup>
+</inkml:ink>
+</file>
+
+<file path=ppt/ink/ink13.xml><?xml version="1.0" encoding="utf-8"?>
+<inkml:ink xmlns:inkml="http://www.w3.org/2003/InkML">
+  <inkml:definitions>
+    <inkml:context xml:id="ctx0">
+      <inkml:inkSource xml:id="inkSrc0">
+        <inkml:traceFormat>
+          <inkml:channel name="X" type="integer" max="1920" units="cm"/>
+          <inkml:channel name="Y" type="integer" max="1080" units="cm"/>
+          <inkml:channel name="T" type="integer" max="2.14748E9" units="dev"/>
+        </inkml:traceFormat>
+        <inkml:channelProperties>
+          <inkml:channelProperty channel="X" name="resolution" value="36.85221" units="1/cm"/>
+          <inkml:channelProperty channel="Y" name="resolution" value="36.86007" units="1/cm"/>
+          <inkml:channelProperty channel="T" name="resolution" value="1" units="1/dev"/>
+        </inkml:channelProperties>
+      </inkml:inkSource>
+      <inkml:timestamp xml:id="ts0" timeString="2021-04-09T00:34:42.578"/>
+    </inkml:context>
+    <inkml:brush xml:id="br0">
+      <inkml:brushProperty name="width" value="0.06667" units="cm"/>
+      <inkml:brushProperty name="height" value="0.06667" units="cm"/>
+      <inkml:brushProperty name="color" value="#ED1C24"/>
+      <inkml:brushProperty name="fitToCurve" value="1"/>
+    </inkml:brush>
+  </inkml:definitions>
+  <inkml:traceGroup>
+    <inkml:annotationXML>
+      <emma:emma xmlns:emma="http://www.w3.org/2003/04/emma" version="1.0">
+        <emma:interpretation id="{BC5F4501-B7D7-48CC-86A4-12DB6B67FC2C}" emma:medium="tactile" emma:mode="ink">
+          <msink:context xmlns:msink="http://schemas.microsoft.com/ink/2010/main" type="writingRegion" rotatedBoundingBox="1946,188 6485,2961 5597,4416 1058,1643"/>
+        </emma:interpretation>
+      </emma:emma>
+    </inkml:annotationXML>
+    <inkml:traceGroup>
+      <inkml:annotationXML>
+        <emma:emma xmlns:emma="http://www.w3.org/2003/04/emma" version="1.0">
+          <emma:interpretation id="{7DD1F916-B654-4816-BA0B-B32D71FD38A7}" emma:medium="tactile" emma:mode="ink">
+            <msink:context xmlns:msink="http://schemas.microsoft.com/ink/2010/main" type="paragraph" rotatedBoundingBox="1946,188 6485,2961 5597,4416 1058,1643" alignmentLevel="1"/>
+          </emma:interpretation>
+        </emma:emma>
+      </inkml:annotationXML>
+      <inkml:traceGroup>
+        <inkml:annotationXML>
+          <emma:emma xmlns:emma="http://www.w3.org/2003/04/emma" version="1.0">
+            <emma:interpretation id="{55D3C525-EC99-4ADB-B0A2-1B259791162D}" emma:medium="tactile" emma:mode="ink">
+              <msink:context xmlns:msink="http://schemas.microsoft.com/ink/2010/main" type="line" rotatedBoundingBox="1946,188 6485,2961 5597,4416 1058,1643"/>
+            </emma:interpretation>
+          </emma:emma>
+        </inkml:annotationXML>
+        <inkml:traceGroup>
+          <inkml:annotationXML>
+            <emma:emma xmlns:emma="http://www.w3.org/2003/04/emma" version="1.0">
+              <emma:interpretation id="{D65B035B-8287-49A9-A48F-B0E7B30B1224}" emma:medium="tactile" emma:mode="ink">
+                <msink:context xmlns:msink="http://schemas.microsoft.com/ink/2010/main" type="inkWord" rotatedBoundingBox="1560,667 3736,989 3528,2390 1353,2068"/>
+              </emma:interpretation>
+              <emma:one-of disjunction-type="recognition" id="oneOf0">
+                <emma:interpretation id="interp0" emma:lang="" emma:confidence="1">
+                  <emma:literal/>
+                </emma:interpretation>
+              </emma:one-of>
+            </emma:emma>
+          </inkml:annotationXML>
+          <inkml:trace contextRef="#ctx0" brushRef="#br0">939 226 0,'0'-35'16,"-34"-69"-1,-1 104-15,0-35 16,0 35-16,-34 0 16,-36 0-16,70 0 15,-34-35-15,34 35 16,-35 0-16,-34 0 16,35 0-16,-36 0 15,36 0 1,34 0-1,0 0 32,35 35-15,0 34-17,0 1 1,70-70-1,-1 70 1,-34-70-16,0 0 16,69 0-1,-69 0 1,0 0-16,34 0 16,-34 0-1,35 34 1,-36 1-1,1-35 1,0 35-16,35 0 16,-36 0-1,1-35 1,35 69 0,-70 1-1,0-36 1,69 36-16,-69 0 15,0-36 1,0 36 0,0-35-1,-69 34-15,34-34 16,-35 35 0,36-35-16,-36 34 31,35-69-31,0 0 15,-69 0-15,69 0 16,0 0-16,-34 0 16,34 0-16,0 0 15,1 0 1,-71 0 0,105-35-16,-35 1 15,35-36-15,0-34 16,0 34-1,0 35-15,0 0 16,0 1 0,0-36 15</inkml:trace>
+          <inkml:trace contextRef="#ctx0" brushRef="#br0" timeOffset="998.4056">1218 121 0,'0'105'0,"0"104"16,0-105-16,35 0 16,-35 1-16,0-1 15,0 0-15,34-34 16,1 0-16,0 69 15,-35-104-15,0 34 16,0-34 0,0 35-16</inkml:trace>
+          <inkml:trace contextRef="#ctx0" brushRef="#br0" timeOffset="1838.3008">1218 191 0,'0'-35'0,"0"0"31,0 1-15,0-1-16,35 0 15,-1 35 1,1 0-1,0 0 17,0 0-1,0 35-15,-35 0-1,0 34-15,0 36 16,0-36-16,0-34 15,0 35 1,0-36-16,0 36 47,0-35-31,-70-35 46,0 0-31</inkml:trace>
+          <inkml:trace contextRef="#ctx0" brushRef="#br0" timeOffset="2270.8589">1914 261 0</inkml:trace>
+          <inkml:trace contextRef="#ctx0" brushRef="#br0" timeOffset="2694.1574">1914 435 0,'0'34'0,"0"1"16,34-35-1,-34 35 1,0 34 0,0-34-16,0 35 15,0-1-15,35 1 16,-35-35-16,0 0 15,0-1-15,0 71 16,35-36 0,0-34 15</inkml:trace>
+        </inkml:traceGroup>
+        <inkml:traceGroup>
+          <inkml:annotationXML>
+            <emma:emma xmlns:emma="http://www.w3.org/2003/04/emma" version="1.0">
+              <emma:interpretation id="{82F20DD3-DB1A-4AA7-8252-B4E6CE52333D}" emma:medium="tactile" emma:mode="ink">
+                <msink:context xmlns:msink="http://schemas.microsoft.com/ink/2010/main" type="inkWord" rotatedBoundingBox="4286,1884 6343,3252 5915,3896 3858,2527">
+                  <msink:destinationLink direction="with" ref="{D8327AF0-D47F-4342-8163-8B310650D871}"/>
+                </msink:context>
+              </emma:interpretation>
+              <emma:one-of disjunction-type="recognition" id="oneOf1">
+                <emma:interpretation id="interp1" emma:lang="" emma:confidence="1">
+                  <emma:literal/>
+                </emma:interpretation>
+              </emma:one-of>
+            </emma:emma>
+          </inkml:annotationXML>
+          <inkml:trace contextRef="#ctx0" brushRef="#br0" timeOffset="8238.3222">4071 2383 0,'-35'0'0,"-34"-70"15,34 70 1,-35 0-16,1 0 16,34 0-16,0 35 62,35 35-46,0-35-1,0 34-15,35-69 16,0 35-16,34 35 16,-34-36-1,35-34-15,-1 70 16,-34-70-16,35 0 31,-36 0-15,36 0-1,-70-35 1,0 0 0,0 1-1,0-1-15,0 0 16,-35-35-16,-34 70 47,34 0-32,-70-34 1</inkml:trace>
+          <inkml:trace contextRef="#ctx0" brushRef="#br0" timeOffset="8646.1272">4210 2000 0,'35'35'0,"-35"35"15,0 138-15,0-103 16,0-1-16,69 1 15,-69-1-15,70 0 16,-70-69-16,0 35 16,0-1-1,0-34 1</inkml:trace>
+          <inkml:trace contextRef="#ctx0" brushRef="#br0" timeOffset="5718.4933">2505 1409 0,'70'35'47,"-35"-1"-47,34 36 15,-34-35-15,69 69 16,-34-34 0,-1-1-1,-34-34 1</inkml:trace>
+          <inkml:trace contextRef="#ctx0" brushRef="#br0" timeOffset="6414.158">2923 1548 0,'0'104'31,"139"36"-31,-104-36 16,-1-69 15,1-1-15,0 36-1,-35-35 95,-70-35-95,36 0-15,-1 0 16,0 0-16,-35 0 15,36 0-15,-1-35 16</inkml:trace>
+        </inkml:traceGroup>
+      </inkml:traceGroup>
+    </inkml:traceGroup>
+  </inkml:traceGroup>
+</inkml:ink>
+</file>
+
+<file path=ppt/ink/ink14.xml><?xml version="1.0" encoding="utf-8"?>
+<inkml:ink xmlns:inkml="http://www.w3.org/2003/InkML">
+  <inkml:definitions>
+    <inkml:context xml:id="ctx0">
+      <inkml:inkSource xml:id="inkSrc0">
+        <inkml:traceFormat>
+          <inkml:channel name="X" type="integer" max="1920" units="cm"/>
+          <inkml:channel name="Y" type="integer" max="1080" units="cm"/>
+          <inkml:channel name="T" type="integer" max="2.14748E9" units="dev"/>
+        </inkml:traceFormat>
+        <inkml:channelProperties>
+          <inkml:channelProperty channel="X" name="resolution" value="36.43264" units="1/cm"/>
+          <inkml:channelProperty channel="Y" name="resolution" value="36.48649" units="1/cm"/>
+          <inkml:channelProperty channel="T" name="resolution" value="1" units="1/dev"/>
+        </inkml:channelProperties>
+      </inkml:inkSource>
+      <inkml:timestamp xml:id="ts0" timeString="2021-04-08T07:49:17.829"/>
+    </inkml:context>
+    <inkml:brush xml:id="br0">
+      <inkml:brushProperty name="width" value="0.05292" units="cm"/>
+      <inkml:brushProperty name="height" value="0.05292" units="cm"/>
+      <inkml:brushProperty name="color" value="#FF0000"/>
+    </inkml:brush>
+  </inkml:definitions>
+  <inkml:traceGroup>
+    <inkml:annotationXML>
+      <emma:emma xmlns:emma="http://www.w3.org/2003/04/emma" version="1.0">
+        <emma:interpretation id="{15F12E81-BD9B-4C66-9AB6-F0B986769B09}" emma:medium="tactile" emma:mode="ink">
+          <msink:context xmlns:msink="http://schemas.microsoft.com/ink/2010/main" type="inkDrawing" rotatedBoundingBox="12587,6386 14297,6045 14308,6102 12598,6443" shapeName="Other">
+            <msink:destinationLink direction="with" ref="{4C52032C-0DA1-4798-9732-FC4E7303FD06}"/>
+          </msink:context>
+        </emma:interpretation>
+      </emma:emma>
+    </inkml:annotationXML>
+    <inkml:trace contextRef="#ctx0" brushRef="#br0">12594 6421 0,'18'0'31,"-1"0"-31,72-18 16,87-17-1,-17-18 1,17 17 0,1 1 15,-36 0-31,-35 17 31,-18-17-15,35 17-1,-70 18-15,0 0 16,53 0 0,35-17-1,-70-1 1,-54 0 0</inkml:trace>
+  </inkml:traceGroup>
+</inkml:ink>
+</file>
+
+<file path=ppt/ink/ink15.xml><?xml version="1.0" encoding="utf-8"?>
+<inkml:ink xmlns:inkml="http://www.w3.org/2003/InkML">
+  <inkml:definitions>
+    <inkml:context xml:id="ctx0">
+      <inkml:inkSource xml:id="inkSrc0">
+        <inkml:traceFormat>
+          <inkml:channel name="X" type="integer" max="1920" units="cm"/>
+          <inkml:channel name="Y" type="integer" max="1080" units="cm"/>
+          <inkml:channel name="T" type="integer" max="2.14748E9" units="dev"/>
+        </inkml:traceFormat>
+        <inkml:channelProperties>
+          <inkml:channelProperty channel="X" name="resolution" value="36.43264" units="1/cm"/>
+          <inkml:channelProperty channel="Y" name="resolution" value="36.48649" units="1/cm"/>
+          <inkml:channelProperty channel="T" name="resolution" value="1" units="1/dev"/>
+        </inkml:channelProperties>
+      </inkml:inkSource>
+      <inkml:timestamp xml:id="ts0" timeString="2021-04-08T07:45:47.676"/>
+    </inkml:context>
+    <inkml:brush xml:id="br0">
+      <inkml:brushProperty name="width" value="0.05292" units="cm"/>
+      <inkml:brushProperty name="height" value="0.05292" units="cm"/>
+      <inkml:brushProperty name="color" value="#FF0000"/>
+    </inkml:brush>
+  </inkml:definitions>
+  <inkml:traceGroup>
+    <inkml:annotationXML>
+      <emma:emma xmlns:emma="http://www.w3.org/2003/04/emma" version="1.0">
+        <emma:interpretation id="{D8327AF0-D47F-4342-8163-8B310650D871}" emma:medium="tactile" emma:mode="ink">
+          <msink:context xmlns:msink="http://schemas.microsoft.com/ink/2010/main" type="inkDrawing" rotatedBoundingBox="6763,9903 7105,10597 6491,10901 6148,10206" semanticType="callout" shapeName="Other">
+            <msink:sourceLink direction="with" ref="{82F20DD3-DB1A-4AA7-8252-B4E6CE52333D}"/>
+          </msink:context>
+        </emma:interpretation>
+      </emma:emma>
+    </inkml:annotationXML>
+    <inkml:trace contextRef="#ctx0" brushRef="#br0">6421 10089 0,'0'-17'32,"17"17"-17,1 0 1,35 17-1,35 54 1,35 17 0,-34-17-1,-19-18 1,-17-36 0,-18 1 15,1 0-16,-36-1-15,17 1 16,1-18 0,-18 18 109,-18-18-94,1 17-15,-1-17-16,0 18 31,-35-1-16,-17 36 1,-1 0 0,-17 0-1,35 18 1,0-1 0,0-34-1,36-19 1,-1 1-1</inkml:trace>
+  </inkml:traceGroup>
+</inkml:ink>
+</file>
+
+<file path=ppt/ink/ink16.xml><?xml version="1.0" encoding="utf-8"?>
+<inkml:ink xmlns:inkml="http://www.w3.org/2003/InkML">
+  <inkml:definitions>
+    <inkml:context xml:id="ctx0">
+      <inkml:inkSource xml:id="inkSrc0">
+        <inkml:traceFormat>
+          <inkml:channel name="X" type="integer" max="1920" units="cm"/>
+          <inkml:channel name="Y" type="integer" max="1080" units="cm"/>
+          <inkml:channel name="T" type="integer" max="2.14748E9" units="dev"/>
+        </inkml:traceFormat>
+        <inkml:channelProperties>
+          <inkml:channelProperty channel="X" name="resolution" value="36.85221" units="1/cm"/>
+          <inkml:channelProperty channel="Y" name="resolution" value="36.86007" units="1/cm"/>
+          <inkml:channelProperty channel="T" name="resolution" value="1" units="1/dev"/>
+        </inkml:channelProperties>
+      </inkml:inkSource>
+      <inkml:timestamp xml:id="ts0" timeString="2021-04-09T00:35:00.977"/>
+    </inkml:context>
+    <inkml:brush xml:id="br0">
+      <inkml:brushProperty name="width" value="0.06667" units="cm"/>
+      <inkml:brushProperty name="height" value="0.06667" units="cm"/>
+      <inkml:brushProperty name="color" value="#ED1C24"/>
+      <inkml:brushProperty name="fitToCurve" value="1"/>
+    </inkml:brush>
+  </inkml:definitions>
+  <inkml:traceGroup>
+    <inkml:annotationXML>
+      <emma:emma xmlns:emma="http://www.w3.org/2003/04/emma" version="1.0">
+        <emma:interpretation id="{6B2475C0-8063-4007-8A4F-A7323729BC82}" emma:medium="tactile" emma:mode="ink">
+          <msink:context xmlns:msink="http://schemas.microsoft.com/ink/2010/main" type="writingRegion" rotatedBoundingBox="5477,3118 11568,3015 11590,4320 5499,4423"/>
+        </emma:interpretation>
+      </emma:emma>
+    </inkml:annotationXML>
+    <inkml:traceGroup>
+      <inkml:annotationXML>
+        <emma:emma xmlns:emma="http://www.w3.org/2003/04/emma" version="1.0">
+          <emma:interpretation id="{3A27F712-ED29-46CD-A423-1FD9B6CE1737}" emma:medium="tactile" emma:mode="ink">
+            <msink:context xmlns:msink="http://schemas.microsoft.com/ink/2010/main" type="paragraph" rotatedBoundingBox="5477,3118 11568,3015 11590,4320 5499,4423" alignmentLevel="1"/>
+          </emma:interpretation>
+        </emma:emma>
+      </inkml:annotationXML>
+      <inkml:traceGroup>
+        <inkml:annotationXML>
+          <emma:emma xmlns:emma="http://www.w3.org/2003/04/emma" version="1.0">
+            <emma:interpretation id="{C2CDF014-78E7-4398-BD7F-74B030DCE142}" emma:medium="tactile" emma:mode="ink">
+              <msink:context xmlns:msink="http://schemas.microsoft.com/ink/2010/main" type="line" rotatedBoundingBox="5477,3118 11568,3015 11590,4320 5499,4423"/>
+            </emma:interpretation>
+          </emma:emma>
+        </inkml:annotationXML>
+        <inkml:traceGroup>
+          <inkml:annotationXML>
+            <emma:emma xmlns:emma="http://www.w3.org/2003/04/emma" version="1.0">
+              <emma:interpretation id="{D49CBD8B-2376-472C-AF89-C497F6EA730B}" emma:medium="tactile" emma:mode="ink">
+                <msink:context xmlns:msink="http://schemas.microsoft.com/ink/2010/main" type="inkWord" rotatedBoundingBox="5477,3118 9549,3049 9571,4354 5499,4423">
+                  <msink:destinationLink direction="with" ref="{4C52032C-0DA1-4798-9732-FC4E7303FD06}"/>
+                </msink:context>
+              </emma:interpretation>
+              <emma:one-of disjunction-type="recognition" id="oneOf0">
+                <emma:interpretation id="interp0" emma:lang="" emma:confidence="1">
+                  <emma:literal/>
+                </emma:interpretation>
+              </emma:one-of>
+            </emma:emma>
+          </inkml:annotationXML>
+          <inkml:trace contextRef="#ctx0" brushRef="#br0">7829 2696 0,'-35'0'47,"0"0"-32,35 35 1,0 0 0,0 34-1,0-34-15,0 35 16,0-1-16,0-34 15,0 0-15,35 0 16,0-35 15,-35-35 16,0-69-31,0 34-16,0 0 15,0 36 1,0-1 62</inkml:trace>
+          <inkml:trace contextRef="#ctx0" brushRef="#br0" timeOffset="398.2132">7829 2383 0,'35'70'16,"-1"34"-16,36 35 15,-70 0-15,0 1 16,0 68-16,69-69 16,-69-104-16,0 35 15,0-1-15</inkml:trace>
+          <inkml:trace contextRef="#ctx0" brushRef="#br0" timeOffset="-9193.3452">3967 3218 0,'0'70'15,"0"-1"1,0 1 0,0-35-16,34 34 15,1-69-15,-35 35 63,35-35-48,0 0-15,34 0 16,-34 0-16,0 0 16,0 0-16,69-35 15,-34 0 1,34 35 0,-34-69-1,-36 69 16,1-35-15</inkml:trace>
+          <inkml:trace contextRef="#ctx0" brushRef="#br0" timeOffset="-8734.5169">4419 2383 0,'35'0'16,"-1"0"-1,1 0-15,0 0 16,35 0-16,-36 0 31</inkml:trace>
+          <inkml:trace contextRef="#ctx0" brushRef="#br0" timeOffset="-8209.281">4488 2487 0,'0'70'15,"0"0"-15,0 34 16,0-69-16,0 69 16,35 1-16,-35-36 15,70 35-15,-70-69 16,0 35-16,0-1 15,0-34-15,35 35 16,-35-1 0,34-34 77,1-70-61,0 1-17,0 34 48</inkml:trace>
+          <inkml:trace contextRef="#ctx0" brushRef="#br0" timeOffset="-7841.5176">4523 2940 0,'35'0'31,"0"0"-15,0 0-1,-1 0 1</inkml:trace>
+          <inkml:trace contextRef="#ctx0" brushRef="#br0" timeOffset="-7544.5641">4767 2835 0,'35'-34'15,"-1"34"-15,1 0 16,0 0-16,35 0 16,-36-35-1,36 35 48,0-35-48,-70 0-15</inkml:trace>
+          <inkml:trace contextRef="#ctx0" brushRef="#br0" timeOffset="-7145.3527">5254 2244 0,'35'104'16,"-35"-69"0,0 69-16,0 1 15,0-1 1,35-69-16,-35 69 16,0-34-16,104 104 15,-104-70 1,0-69-16,0 35 15</inkml:trace>
+          <inkml:trace contextRef="#ctx0" brushRef="#br0" timeOffset="-1672.555">5532 3322 0,'70'0'15,"-35"0"-15,-1 0 16,140 0-16,-34 0 16,68 0-16,-103 0 15,34 0-15,70 0 16,-105 0-16,-34 0 16,-36 0 77</inkml:trace>
+          <inkml:trace contextRef="#ctx0" brushRef="#br0" timeOffset="-2833.4901">5637 2557 0,'0'-35'94,"34"35"-79,36 0 1,0 0-16,-36 0 16,1 0-16,35 0 15,-1 0-15,-34 0 16,0 0-16,0 0 31</inkml:trace>
+          <inkml:trace contextRef="#ctx0" brushRef="#br0" timeOffset="-2391.6156">5915 2592 0,'0'69'16,"0"-34"-16,0 35 15,0-1 1,0-34-16,0 70 15,0-71-15,0 1 16,0 0-16,0 0 16,0-1-16</inkml:trace>
+          <inkml:trace contextRef="#ctx0" brushRef="#br0" timeOffset="-2097.0937">6124 2766 0,'35'0'0,"-35"69"15,0 36-15,0-70 16,0 34-16,0 1 16,0-36-16,0 1 31</inkml:trace>
+          <inkml:trace contextRef="#ctx0" brushRef="#br0" timeOffset="-1305.5416">6854 2766 0,'0'-70'15,"35"35"95,0 35-79</inkml:trace>
+          <inkml:trace contextRef="#ctx0" brushRef="#br0" timeOffset="-960.1354">6959 2244 0,'69'139'16,"-34"-35"-16,-35 1 15,70-1-15,-70 1 16,0-71-16,0 36 16,0 0-16,0-36 15,35 1 32</inkml:trace>
+          <inkml:trace contextRef="#ctx0" brushRef="#br0" timeOffset="-648.8987">7168 2348 0,'0'35'16,"69"69"-1,-69 1-15,0-1 16,35 1-16,-35-1 15,0 0-15,0 1 16,70-36-16,-70-34 16,0 0-16,0 34 31</inkml:trace>
+        </inkml:traceGroup>
+        <inkml:traceGroup>
+          <inkml:annotationXML>
+            <emma:emma xmlns:emma="http://www.w3.org/2003/04/emma" version="1.0">
+              <emma:interpretation id="{EE9EAD67-7BA5-45E4-BEB9-9B91BB537638}" emma:medium="tactile" emma:mode="ink">
+                <msink:context xmlns:msink="http://schemas.microsoft.com/ink/2010/main" type="inkWord" rotatedBoundingBox="9937,3312 11572,3285 11587,4141 9951,4168"/>
+              </emma:interpretation>
+              <emma:one-of disjunction-type="recognition" id="oneOf1">
+                <emma:interpretation id="interp1" emma:lang="" emma:confidence="0">
+                  <emma:literal>스</emma:literal>
+                </emma:interpretation>
+                <emma:interpretation id="interp2" emma:lang="" emma:confidence="0">
+                  <emma:literal>느</emma:literal>
+                </emma:interpretation>
+                <emma:interpretation id="interp3" emma:lang="" emma:confidence="0">
+                  <emma:literal>쓰</emma:literal>
+                </emma:interpretation>
+                <emma:interpretation id="interp4" emma:lang="" emma:confidence="0">
+                  <emma:literal>츠</emma:literal>
+                </emma:interpretation>
+                <emma:interpretation id="interp5" emma:lang="" emma:confidence="0">
+                  <emma:literal>소</emma:literal>
+                </emma:interpretation>
+              </emma:one-of>
+            </emma:emma>
+          </inkml:annotationXML>
+          <inkml:trace contextRef="#ctx0" brushRef="#br0" timeOffset="1391.4409">8420 3288 0,'105'0'16,"34"0"-16,70 0 15,34 0-15,35 0 16,-138 0-16,68 0 16,-68 0-16,-36 0 15,-34 0-15</inkml:trace>
+          <inkml:trace contextRef="#ctx0" brushRef="#br0" timeOffset="758.6431">8873 2453 0,'0'34'31,"0"1"-31,0 70 16,0 34-16,-35-70 16,-35 71-1,35-71-15,1-34 0,-36 34 16</inkml:trace>
+          <inkml:trace contextRef="#ctx0" brushRef="#br0" timeOffset="1022.1407">8803 2905 0,'70'0'0,"34"0"16,-34 0-16,34 104 16,0-69-16,-34 35 15,-35-70-15,34 69 16</inkml:trace>
+        </inkml:traceGroup>
+      </inkml:traceGroup>
+    </inkml:traceGroup>
+  </inkml:traceGroup>
+</inkml:ink>
+</file>
+
+<file path=ppt/ink/ink17.xml><?xml version="1.0" encoding="utf-8"?>
+<inkml:ink xmlns:inkml="http://www.w3.org/2003/InkML">
+  <inkml:definitions>
+    <inkml:context xml:id="ctx0">
+      <inkml:inkSource xml:id="inkSrc0">
+        <inkml:traceFormat>
+          <inkml:channel name="X" type="integer" max="1920" units="cm"/>
+          <inkml:channel name="Y" type="integer" max="1080" units="cm"/>
+          <inkml:channel name="T" type="integer" max="2.14748E9" units="dev"/>
+        </inkml:traceFormat>
+        <inkml:channelProperties>
+          <inkml:channelProperty channel="X" name="resolution" value="36.43264" units="1/cm"/>
+          <inkml:channelProperty channel="Y" name="resolution" value="36.48649" units="1/cm"/>
+          <inkml:channelProperty channel="T" name="resolution" value="1" units="1/dev"/>
+        </inkml:channelProperties>
+      </inkml:inkSource>
+      <inkml:timestamp xml:id="ts0" timeString="2021-04-08T07:56:37.534"/>
+    </inkml:context>
+    <inkml:brush xml:id="br0">
+      <inkml:brushProperty name="width" value="0.05292" units="cm"/>
+      <inkml:brushProperty name="height" value="0.05292" units="cm"/>
+      <inkml:brushProperty name="color" value="#FF0000"/>
+    </inkml:brush>
+  </inkml:definitions>
+  <inkml:trace contextRef="#ctx0" brushRef="#br0">4110 5838 0,'18'0'0,"17"18"31,18 0-15,0-18 0,-18 0-1,18 17 1,0 1 0,35-18-1,0 18 1,18-18-1,-35 17-15,17 1 16,123 0 0,-52-1-1,-53 1 1,0-18 0,0 0 15,35 0-16,53 0 1,17 0 0,-34 0-1,-36 0 1,-18 0 0,1 0-1,35 0 1,-71-18-1,-35 18 1,-36 0 0,1-17-1,0 17 1,35-18 15,-18 18-15,0 0-1,18-18 1,18 1 0,-54 17-1,71 0 1,-52-18 0,17 0-1,0 18 1,-36 0 31,1-17-32,-1 17 1,1-18 0,0 18-16,35-18 31,-36 18-16,1 0-15,0-17 16,-1 17 0</inkml:trace>
+  <inkml:trace contextRef="#ctx0" brushRef="#br0" timeOffset="2008.29">8502 5927 0,'0'-18'16,"18"18"15,17 0-15,35 0-1,1 18 16,17-1-15,0 19 0,-17-19-1,-1 1 1,-52 0-16,0-18 16,17 17-1,36 18 1,-18 1-1,-1-19 1,-16-17 0,-19 18-1,19-18 17,-1 18-17,18-18 1,17 0-1,54 0 1,-89 17 0,71-17-1,-35 0 1,-36 0 0,-18 0-1,36 0 1,-17-17-1,34-1 1,-17 0 0,-18 18-1,18 0 1,-17-17 0,-1-1 15,124-35-16,-54 36 1,-34-19 0,17 19-1,-35-1 1,0-17 0</inkml:trace>
+  <inkml:trace contextRef="#ctx0" brushRef="#br0" timeOffset="3200.02">11342 5891 0,'0'-17'32,"17"17"-1,1 0-15,17 17-16,36 36 15,35-17 16,-71-19-31,36 36 16,-18-35 0,-1 17-1,1 0 1,18-17 0,-1-18-1,36 0 1,18 0-1,17 0 1,53 0 0,35-18-1,1-17 1,105-35 0,-159 34-1,-70 19 16,0-19-15,-36 19 0,-34-1-1,16 0 1,1-17 0,-17 0-1,17 17 1,-1-17-1,1 17 1,18-35 0</inkml:trace>
+</inkml:ink>
+</file>
+
+<file path=ppt/ink/ink18.xml><?xml version="1.0" encoding="utf-8"?>
+<inkml:ink xmlns:inkml="http://www.w3.org/2003/InkML">
+  <inkml:definitions>
+    <inkml:context xml:id="ctx0">
+      <inkml:inkSource xml:id="inkSrc0">
+        <inkml:traceFormat>
+          <inkml:channel name="X" type="integer" max="1920" units="cm"/>
+          <inkml:channel name="Y" type="integer" max="1080" units="cm"/>
+          <inkml:channel name="T" type="integer" max="2.14748E9" units="dev"/>
+        </inkml:traceFormat>
+        <inkml:channelProperties>
+          <inkml:channelProperty channel="X" name="resolution" value="36.43264" units="1/cm"/>
+          <inkml:channelProperty channel="Y" name="resolution" value="36.48649" units="1/cm"/>
+          <inkml:channelProperty channel="T" name="resolution" value="1" units="1/dev"/>
+        </inkml:channelProperties>
+      </inkml:inkSource>
       <inkml:timestamp xml:id="ts0" timeString="2021-04-08T08:03:16.926"/>
     </inkml:context>
     <inkml:brush xml:id="br0">
@@ -494,7 +1006,7 @@
   <inkml:trace contextRef="#ctx0" brushRef="#br0">11060 3281 0,'70'0'0,"1"0"16,-18 0-1,0 0 1</inkml:trace>
   <inkml:trace contextRef="#ctx0" brushRef="#br0" timeOffset="423.95">11183 3351 0,'0'0'0,"-18"18"16,1 0-16,-1-1 16,1 19-1,-1-1 1,0 18 0,18-36-1,0 1 1</inkml:trace>
   <inkml:trace contextRef="#ctx0" brushRef="#br0" timeOffset="767.74">11236 3440 0,'35'0'15,"-17"0"1,0 17 0,17 36-1,0-35 1,-35-1-1,0 1 1</inkml:trace>
-  <inkml:trace contextRef="#ctx0" brushRef="#br0" timeOffset="1263.88">11377 3422 0,'18'0'32,"-1"0"-17,1 0 1,0 0 0,-1 0-1,1 0 32</inkml:trace>
+  <inkml:trace contextRef="#ctx0" brushRef="#br0" timeOffset="1263.8799">11377 3422 0,'18'0'32,"-1"0"-17,1 0 1,0 0 0,-1 0-1,1 0 32</inkml:trace>
   <inkml:trace contextRef="#ctx0" brushRef="#br0" timeOffset="1799.57">11501 3298 0,'0'18'47,"0"0"-31,0-1 0,0 19-1,0-19 1,0 19-1,0-19 1,0 19 0,0-19-1,0 1 32</inkml:trace>
   <inkml:trace contextRef="#ctx0" brushRef="#br0" timeOffset="2599.12">11183 3651 0,'0'18'15,"0"0"1,0-1 0,0 1-1,0 17 1,0-17-1,18-18 95,-1 0-95,1 0-15,0 0 16,-1 0-16,36 0 31,-18 0-15,-17 0-16,17 0 16,71 0-1,-35 0 1,-36 0-1,0 0 1</inkml:trace>
   <inkml:trace contextRef="#ctx0" brushRef="#br0" timeOffset="4480.85">11924 3087 0,'18'0'47,"-1"17"-31,1 1-1,17 0 1,-17-1-1,-18 1 1,0 0 78,-18-18-47,0 0-47,18 17 15,-17-17 1,-1 0 0,-17 0-1,0 0 1,-1 18-1,72-18 110,-19 0-109,1 0-16,35 0 16,-36 0 15,-34 0 94,-1 0-109,1 0-1,-36 35 1,35-17-1,-17-1 1,17 1 0,18 17 15,-18-17-15,18 17-1,0 1 1,18-36-1,0 17 1,-1-17-16,1 18 16,0-18-1,17 0 1,-17 0 0,34 0-1,-34 0 1,0-18-1,-18-17 17,0 17-17,0 1-15,-18-1 32,0 18-17,1 0 1,-1 0-1</inkml:trace>
@@ -513,7 +1025,657 @@
 </inkml:ink>
 </file>
 
-<file path=ppt/ink/ink11.xml><?xml version="1.0" encoding="utf-8"?>
+<file path=ppt/ink/ink19.xml><?xml version="1.0" encoding="utf-8"?>
+<inkml:ink xmlns:inkml="http://www.w3.org/2003/InkML">
+  <inkml:definitions>
+    <inkml:context xml:id="ctx0">
+      <inkml:inkSource xml:id="inkSrc0">
+        <inkml:traceFormat>
+          <inkml:channel name="X" type="integer" max="1920" units="cm"/>
+          <inkml:channel name="Y" type="integer" max="1080" units="cm"/>
+          <inkml:channel name="T" type="integer" max="2.14748E9" units="dev"/>
+        </inkml:traceFormat>
+        <inkml:channelProperties>
+          <inkml:channelProperty channel="X" name="resolution" value="36.43264" units="1/cm"/>
+          <inkml:channelProperty channel="Y" name="resolution" value="36.48649" units="1/cm"/>
+          <inkml:channelProperty channel="T" name="resolution" value="1" units="1/dev"/>
+        </inkml:channelProperties>
+      </inkml:inkSource>
+      <inkml:timestamp xml:id="ts0" timeString="2021-04-08T08:01:43.136"/>
+    </inkml:context>
+    <inkml:brush xml:id="br0">
+      <inkml:brushProperty name="width" value="0.05292" units="cm"/>
+      <inkml:brushProperty name="height" value="0.05292" units="cm"/>
+      <inkml:brushProperty name="color" value="#FF0000"/>
+    </inkml:brush>
+  </inkml:definitions>
+  <inkml:traceGroup>
+    <inkml:annotationXML>
+      <emma:emma xmlns:emma="http://www.w3.org/2003/04/emma" version="1.0">
+        <emma:interpretation id="{E87D7EB8-2187-43A3-926A-15F19369654D}" emma:medium="tactile" emma:mode="ink">
+          <msink:context xmlns:msink="http://schemas.microsoft.com/ink/2010/main" type="inkDrawing" rotatedBoundingBox="9280,13438 16441,1577 20631,4107 13470,15967" rotationAngle="1415396256" semanticType="callout">
+            <msink:sourceLink direction="to" ref="{D47C52E1-F5B4-425E-BD1D-0A69263889C7}"/>
+            <msink:sourceLink direction="from" ref="{BA7BDC4C-4712-4FA1-9AF9-97E104C8886C}"/>
+          </msink:context>
+        </emma:interpretation>
+      </emma:emma>
+    </inkml:annotationXML>
+    <inkml:trace contextRef="#ctx0" brushRef="#br0">19173 3475 0,'0'-18'32,"18"18"-17,17 0-15,36 0 16,0-17 15,-4111-1-15,8132 0-1,-4074 1-15</inkml:trace>
+    <inkml:trace contextRef="#ctx0" brushRef="#br0" timeOffset="54564.8">10425 14129 0,'17'0'62,"1"0"-62,52 0 32,19 17-17,52 1 1,17 17-1,37-17 1,-1-18 0,-36 0-1,1 0 1,-71 0 0,0 0-1,1 0 1,16 0-1,19 0 1,35 18 0,35-1-1,0 1 17,-53 17-17,-35-17 1,0-18-1,-54 0-15,-16 0 16,34 0 0,54 17-1,-18-17 1,-18 0 0,18 0-1,-1 0 1,-16 0-1,-19 0 1,18 0 0,-17 0 15,17-17-15,0-1-1,1 1 1,-19-19-1,1 19 1,-54-1 0,1 18 15,17-18-15,-17 18-1,-18-17 1,17-1-1,1 18 1,0-18 0</inkml:trace>
+  </inkml:traceGroup>
+</inkml:ink>
+</file>
+
+<file path=ppt/ink/ink2.xml><?xml version="1.0" encoding="utf-8"?>
+<inkml:ink xmlns:inkml="http://www.w3.org/2003/InkML">
+  <inkml:definitions>
+    <inkml:context xml:id="ctx0">
+      <inkml:inkSource xml:id="inkSrc0">
+        <inkml:traceFormat>
+          <inkml:channel name="X" type="integer" max="1920" units="cm"/>
+          <inkml:channel name="Y" type="integer" max="1080" units="cm"/>
+          <inkml:channel name="T" type="integer" max="2.14748E9" units="dev"/>
+        </inkml:traceFormat>
+        <inkml:channelProperties>
+          <inkml:channelProperty channel="X" name="resolution" value="36.43264" units="1/cm"/>
+          <inkml:channelProperty channel="Y" name="resolution" value="36.48649" units="1/cm"/>
+          <inkml:channelProperty channel="T" name="resolution" value="1" units="1/dev"/>
+        </inkml:channelProperties>
+      </inkml:inkSource>
+      <inkml:timestamp xml:id="ts0" timeString="2021-04-08T06:14:12.144"/>
+    </inkml:context>
+    <inkml:brush xml:id="br0">
+      <inkml:brushProperty name="width" value="0.05292" units="cm"/>
+      <inkml:brushProperty name="height" value="0.05292" units="cm"/>
+      <inkml:brushProperty name="color" value="#FF0000"/>
+    </inkml:brush>
+  </inkml:definitions>
+  <inkml:trace contextRef="#ctx0" brushRef="#br0">5768 5098 0,'0'17'63,"0"1"-63,-18 17 15,1 36 1,-1-1 0,18 1-1,-35-1 1,17 1 0,18 0-1,-18-36 1,1 0-1,17-17 1,0 17 0,0-17-1,-18 17 1,18-17 0,0-1-1,-17 1 1,17-1-1,-18 1 1,18 0 0,0-1 124,0 1-140,-18-18 16,18 18 0,0-1-1,-17 1 1,17 0-1,0-1 17,0 1-1,0 0 94,-18-1-109,18 1-1</inkml:trace>
+  <inkml:trace contextRef="#ctx0" brushRef="#br0" timeOffset="20048.22">12100 6015 0,'18'0'47,"0"0"-31,17 0-1,88 0 1,54 0-1,-19 0 1,36 0 0,-52-18-1,-54 1 1,-53 17-16,36-36 16,17 36-1,18-17 1,52-1-1,36 0 17,-52 1-17,-37 17 1,-16-18 0,-54 18-1</inkml:trace>
+  <inkml:trace contextRef="#ctx0" brushRef="#br0" timeOffset="23296.1">12453 3792 0,'0'-17'31,"18"17"-15,-1 0-1,1 0 1,35-18-1,53 0 1,17 18 0,-17 0-1,-35 0 1,-36-17 0,-53 17 155,1 0-171,-1 0 16,0 0 47,1 0 77,-1 0-124,0 0-1,18 17 1,-17 1 0,-19 17-1,1 18 1,0 35 0,0-35-1,17 0 1,-17-17-1,35-19 1,-18 1 0,18 0 171,0-36-171,18 0-1,-1 1-15,1-1 16,0-17-16,-1-18 31,1 35-15,0 18-16,-18-18 47,17 18-32,1 0 1,70 36 0,0 17-1,0 0 1,-35-18 0,-17-17-1,-36-1 63</inkml:trace>
+  <inkml:trace contextRef="#ctx0" brushRef="#br0" timeOffset="23703.73">12823 4057 0,'0'18'15,"0"-1"1,-17 1-16,17 35 15,0-36 1,0 19 0,0-19-1</inkml:trace>
+  <inkml:trace contextRef="#ctx0" brushRef="#br0" timeOffset="24319.6">12488 4322 0,'18'0'62,"0"0"-46,17 0 0,35-18-1,36 0 1,0 1 0,-18 17-1,1 0 1,-54 0-1,-18 0-15,1 0 16</inkml:trace>
+  <inkml:trace contextRef="#ctx0" brushRef="#br0" timeOffset="25767.42">12806 4498 0,'-18'0'16,"1"0"-1,17 18 1,-36-18 0,36 17 62,0 1-63,0-1 1,0 1 0,0 0-1,0-1 1,18-17-1,0 0 1,-1 18 0,1-18-1,17 18 1,-17-18 0,17 0-1,0 0 1,1 0-1,-19 0 1,1 0 15,0 0 1,-18-18-1,17 0-16,-17 1 1,0-1 0,0 0-1,0 1 1,-17-1 15,-1 18-15,18-17-16,-18 17 15,1 0 17,-1 0-17,0 0 1,1 0 0,-1 0-1,0 0 1,1 0 15,-1 0 0,0 0-15,1 0 0</inkml:trace>
+  <inkml:trace contextRef="#ctx0" brushRef="#br0" timeOffset="29304.64">13353 3722 0,'0'35'63,"0"-17"-63,0-1 16,-18 36-16,18 18 15,0-18 1,0 0-1,0-18 1,0-17 15,0-1 1,35 1-17,1-18 1,34 0-1,-17 0 1,0 0 0,-35 0-1,-1 0 1,19 0 0,34-18-1,-17 18 1,-35-17-16</inkml:trace>
+  <inkml:trace contextRef="#ctx0" brushRef="#br0" timeOffset="29603.74">13653 4145 0,'0'0'16,"0"18"-16,-18 17 0,0 0 15,-17 18 1,17 18 15,1-54-15,-1 19 0,-17-19 15</inkml:trace>
+  <inkml:trace contextRef="#ctx0" brushRef="#br0" timeOffset="30080.48">13229 4463 0,'35'0'63,"1"-18"-63,17 0 15,52 1 1,19-1 0,35 0-1,-36 1 1,36 17-1,-71 0 1</inkml:trace>
+  <inkml:trace contextRef="#ctx0" brushRef="#br0" timeOffset="30704">13441 4533 0,'0'0'0,"-18"18"16,18-1-1,0 19 1,0-1-1,-17 18 1,17-35 0,0-1-16</inkml:trace>
+  <inkml:trace contextRef="#ctx0" brushRef="#br0" timeOffset="31992.24">13476 4551 0,'0'0'0,"0"-18"16,35 18-1,-17 0 1,17-17-1,18 17 17,-17 0-17,34 0 1,-17 0 0,-35-18-1,35 18 1,-53 18 218,0 17-234,0-18 16,0 1-1,0 17 1,-18-17 0,18 0-1,0-1 17,-18-17 77,18 18-78,-17-18-31,-1 18 31,0-18-31,1 0 16,-1 0 0,-17 0-1,17 0 1,-17 0 0,0 0-1,17 0 1,0 0-1,1 17 1,-1-17 15,0 0-15,-17 0 0,-18 0-1,36 0 1</inkml:trace>
+  <inkml:trace contextRef="#ctx0" brushRef="#br0" timeOffset="80520.36">9825 7038 0,'18'18'0,"-1"-18"15,18 17-15,36-17 16,17 18-1,18-18 17,-18 0-17,0 0 1,-52 0-16,-1 0 16,0 0-1,1 0 1,-19 0 62,1 0-62,-1 0-1,19 0-15,52 0 31,-70 0-31,-1 0 16,36 0 0,-35-18-1,-1 18 1,1-17 0,-18-1 46,18 0-46,-18 1 46,17 17-62,-17-18 31,36 18-15,-36-35 0,17 35-1,-17-18 1</inkml:trace>
+  <inkml:trace contextRef="#ctx0" brushRef="#br0" timeOffset="85016.2099">18468 7267 0,'0'0'0,"18"0"16,-1 0-16,54 0 16,-18 0-1,0 0 1,-18 0-1,-17 0 17,-1 0-17,18 0 1,-17 0 0,17 0-1,-17 0-15,35-17 16,17 17-1,-34 0 1,70 0 0,-54 0-1,1 0 1,18 0 0,-36 0-1,1 0 1,-1-18 15,-18 18 0,1-18-15,0 18 0,-1 0-1,19 0 1,-19-17-1,1 17 1,0 0 0,-1 0 62</inkml:trace>
+  <inkml:trace contextRef="#ctx0" brushRef="#br0" timeOffset="131831.29">18344 7691 0,'-17'0'15,"-1"0"1,18 17 0,-17 36-1,-1-18-15,0 18 16,1 36 0,-1-37-1,18-69 95,0-36-110,18 18 15,-18-1-15,53-34 16,-18 17 15,18 18-15,-36 35-1,1 0 63,0 17-62,-18 1 0,0-1-16,0 19 15,0-19 1,0 19 0,0-19-1,-18-17 1,0 0 15,1 0-15,-1 0-1,18 18 173,18-18-188,-1 35 15,36-17 1,0 35 0,0-18-1,-35 0 1,-1-17 0,-17-36 124,0 1-124,18 17-1,0 0 1,-1 0 0,36-36-1,0 19 1,-18-1 0,1 1-1,-19 17-15,-17-36 16,0 19 15,0-1-15,-17 18-1,-1 0 17,0 0-17,1 0-15,-1 0 31,-17 0-15,17 18 0,18 17-1,0-17 1,0-1 0,0 18-1,0 1 1,18-19-1,17 1 1,0-18 0,1 0-1,-19 0 1,1 0 15,0 0-15,-1 0-16,1-18 31,0 18-31,52-53 16,-35 18-1,1-18 1,-1 36 0,-35-19-1,0 1 1,0 17-1,-18 18 32,1 0-47,-1 0 16,-17 36 0,-1 17-1,19 0 16,17-1-15,17 1 0,1-35-1,0-18 1,-1 0 15,1-18-31,0 1 16,17-36-1,-17-18 1,-18 36 0,0 17 31,-18 54-16,18-1-16,-35 35 1,17 72 0,-17-37-1,17-34 1,18-18 0,18-36-1,-1 1 1,1-18-16,17 0 15,1-70 1,16-1 0,-52 0-1,0 1 1,0 35 0,0 17 15,0 0 0,-17 36-15,-1 17-1,18 18 1,0-35-16,18 35 16,17-36-1,0-17 1,18 0-1,0-35 1,0-53 0,-18 17-1,-17 1 1,17 17 0,-35 35 15,0 36 0,0 17-15,0 71-1,0 35 1,0-35 0,36-71-1,-19-35 1,1 0-1,17-35 1,18-53 0,-18 35-16,1-35 15,-19 70 1,-17 0 0,0 36-1,0 70 16,0 18-15,18-35 0,35-19-1,17-34 1,-17-18 0,18-18-1,-18-52 1,0-71-1,-53 106 1,-18-18 0,0 35-1,1 18 1,-18 0 0,-18 71-1,0-1 16,17 1-15,36-18 0,18-1-1,17-34 1,36 0 0,-36-18-1,36-53 1,52-88-1,-17 17 1,-18-34 0,-17 34-1,-18 53 1,-71 71 46,0 0-46,1 18 0,-19 53-1,1-18-15,0 35 16,35-18 0,0-17-1,18-35 1,17 17-1,18 18 1,-18-18 0,-17-17-1,-18 35 1,0 0 0,-18-18 15,0 0-31,36-35 47,17-17-32,54-89 1,34-70 0,-17-36-1,-18-35 1,-53 71-1,-17 52 1,-18 89 0,0 17-1,0 1 1,0 34-16,-35 54 31,17 123-15,-53 17-16,36 1 31,18-18-15,17-88-1,52-71 1,-34-17 0,17-18-1,1-18 1,-1-35-1,-17 0 1,34-17 0,-52 35-1,0 17 1,-17 18 0,-18 0-1,-36 0 16,-17-18-15,0 1 0,35-1-1,35 18 17,0-18-17,18 1 79,18 17-78,17-18-16,18 0 15,0 1 1,106-1-16,0 18 31,-124 0-15</inkml:trace>
+  <inkml:trace contextRef="#ctx0" brushRef="#br0" timeOffset="141232.06">15522 6033 0,'18'0'62,"17"0"-46,0-18-16,18 18 15,106-18 1,-18 18 0,36 0-1,-19 0 1,-17 0-1,1 0 1,-54 18 0,-18 0-1,-52-18-15,0 0 32</inkml:trace>
+  <inkml:trace contextRef="#ctx0" brushRef="#br0" timeOffset="143374.23">15822 4057 0,'0'18'0,"-18"-18"16,-17 17 0,18 19-1,-19-19 1,36 1-1,0 35 1,0-36-16,36 1 16,-19 0-1,36 17 1,18-35 15,-18 0-15,-36 0-1,1 0 1,-1-53 0,19 0-1,-36 18 1,0 0 0,-18 17-1,0 0 1,1 1-1,-1 17 1</inkml:trace>
+  <inkml:trace contextRef="#ctx0" brushRef="#br0" timeOffset="143857.59">15628 4621 0,'71'0'16,"-36"-17"-1,18 17 1,17 0-16,19-18 16,105-17-1,88 17 1,-194 18 0,-53 0-1</inkml:trace>
+  <inkml:trace contextRef="#ctx0" brushRef="#br0" timeOffset="144528.17">16034 4851 0,'0'0'0,"0"17"16,-18 1 0,18 0-1,0-1-15,0 36 32,0-18-32,18-17 15,-1 0 16,19-18-15,-1 0 0,18 0-1,-18-18 1,0-35 0,-17 0-1,0 36 1,-1-36-1,-17 35 1,0-17 0,-17 17-1,-19 18 17,-16 0-32,16 0 15</inkml:trace>
+  <inkml:trace contextRef="#ctx0" brushRef="#br0" timeOffset="145056.1">16510 4163 0,'0'0'0,"35"0"0,36-18 15,17 1 16,-53 17-15</inkml:trace>
+  <inkml:trace contextRef="#ctx0" brushRef="#br0" timeOffset="145601.3499">16598 4198 0,'0'0'0,"0"18"16,0 17-1,0 18 1,0 0 0,0 35-1,0-17 1,0-1-1,0-17 1,0-35 0,18-18 31,-1 0-32,1 0 1,17 0-1,54-18 1,-19-17 0,1 17-1,-36 18 1</inkml:trace>
+  <inkml:trace contextRef="#ctx0" brushRef="#br0" timeOffset="145992.04">17145 4251 0,'0'0'16,"0"35"-16,0 71 15,0-53 1,0 0 0</inkml:trace>
+  <inkml:trace contextRef="#ctx0" brushRef="#br0" timeOffset="146224.07">17180 4392 0,'18'-18'16,"0"18"0,34-17-1,-16 17 1,-19 0 0</inkml:trace>
+  <inkml:trace contextRef="#ctx0" brushRef="#br0" timeOffset="147144.3499">16986 4727 0,'0'0'0,"0"18"0,0 0 15,0 17-15,0 35 16,0-34-1,0-1 1,0-17 0,0-1-1,0 1 79,18-18-78,0 0-1,17 0 1,18 0 0,17 0-1,-34 0 1,-36-18 78,0 1-79,17 17 1,-17-36-1,18-17 1,-18 0 0,0-35-1,0 53 1,0-18 0,0 35-1</inkml:trace>
+  <inkml:trace contextRef="#ctx0" brushRef="#br0" timeOffset="147815.94">17057 4815 0,'17'0'15,"19"0"1,-1 0 0,36 0-1,-36 0 1,-18 0 0</inkml:trace>
+  <inkml:trace contextRef="#ctx0" brushRef="#br0" timeOffset="149856">17974 4039 0,'0'36'0,"0"17"0,18 123 15,-18 0 16,0-17-15,-18-35 0,18-89-1,0-18 32,0-69-31,0-1-16,0-18 15,71-229 1,34 71 0,1 88-1,-35 70 1,-36 54 0,-17 17 30,-18 17-30,17 18 0,-17 54-1,0-1 1,-35-35 0,-18 0-1,-17-53 1,-1 0-1,1 0 1,52-18 0,0 18 31,36 53-16,35 0-16,0 35-15,70 53 16,-17-53 0,-53-17-1,-53-89 63</inkml:trace>
+  <inkml:trace contextRef="#ctx0" brushRef="#br0" timeOffset="150474.69">18574 4480 0,'0'0'0,"17"0"16,54 0-1,-18 0 1,0 0 0,-36-17-1,19-19 1,-36 1-1,0-18 1,0 36-16,-18-1 16,-17-17-1,-18 35 1,35 0 15,1 0-15,-1 0-1,0 35 1,-17 35 0,0 1-1,17-18 1,18 0 0,18-36-1,17 1 1,0 0-1,-17-18 1,17 0 0,-17 0-1,35-18 17,0 0-32,0 1 15,35-1 1</inkml:trace>
+  <inkml:trace contextRef="#ctx0" brushRef="#br0" timeOffset="150891.3799">18927 4322 0,'0'0'0,"0"17"31,17-17 16,1 0-31,17 0-1,-17 0-15,-1 0 16,1 0 0</inkml:trace>
+  <inkml:trace contextRef="#ctx0" brushRef="#br0" timeOffset="151841.03">19209 4216 0,'-18'0'47,"-17"0"-31,0 0-16,-1 17 15,-17-17 1,18 18 0,17 0-1,1-18-15,17 17 16,0 1-1,0 0 1,0-1 0,0 1-1,0 17 17,35-35-17,-17 18 1,-1-18-1,19 0 1,-19 0 0,36 0-1,35 0 1,-70 0 0,-18 17 46,0 1-46,18-18-1,-18 35-15,0 1 16,0 34 0,-36-35-1,1 1 16,0-19-15,17-17 0,1 0-16,-1 0 15,0 0 1,1 0 0,17-17-1,0-1 1</inkml:trace>
+  <inkml:trace contextRef="#ctx0" brushRef="#br0" timeOffset="152524.84">19544 4163 0,'0'17'15,"0"54"1,0 88 0,-18-18-1,-17 0 1,35-70-1,0-54 1,0-34 47,0-36-63,0 0 15,18-36 1,17-34-1,18 0 1,0 34 0,-18 19-1,-17 70 1,-18-18 0,17 18-1,19 0 1,-1 53-1,-35 0 1,0 18 0,-35-1-1,-36-17 1,0-35 0,1-1-1,52-17 16,1 0-15,-1 0 0</inkml:trace>
+  <inkml:trace contextRef="#ctx0" brushRef="#br0" timeOffset="153108.29">20038 4357 0,'-18'0'47,"1"0"-47,-19 0 16,-34 53-1,34 0 1,19 0-1,-1-1 1,18-16 0,18-19-1,17 19 1,0-36 0,36 0 15,-53-18-31,-1 0 15,89-70 1,-53 18 0,-53-1-1,-35-17 1,-18 35 0,35 53-1</inkml:trace>
+  <inkml:trace contextRef="#ctx0" brushRef="#br0" timeOffset="153735.57">20214 4233 0,'0'0'0,"0"18"16,0 70-1,0-35-15,0 35 16,0-52-1,0 16 1,0-69 47,35-36-48,1 0-15,17-53 31,17 36-15,-17 17 0,-53 35-16,18 18 15,-1 0 17,19 0-17,-1 124 1,0 17-1,-17 0 1,-18-53 0,18-35-1,-1-35 1,1-18 31,17 0-32</inkml:trace>
+  <inkml:trace contextRef="#ctx0" brushRef="#br0" timeOffset="154527.4">21026 4304 0,'0'0'0,"-18"0"16,-35 18 0,18-1-1,-1 1 1,36-1-1,-17-17 1,17 18 0,0 0-1,53 17 17,-18-35-17,0 18-15,1-1 31,16-17-15,-16 0 0,17 0-1,-36 18 63,1-18-78,-18 35 16,0-17-16,0 17 16,-18 18-1,1-18 1,-1-17 0,0 0 15,-17-18-16,17 0 1,1 0 0</inkml:trace>
+  <inkml:trace contextRef="#ctx0" brushRef="#br0" timeOffset="155207.56">21713 4427 0,'0'0'0,"89"0"16,-1 0-1,0 0 16,-53-17-31,-17 17 16,35-18 0,-35 0-1,-1-17 1,-17 0 0,-17 0-1,-72-1 1,-16 19-1,-1 17 1,0 0 0,53 0-1,18 17 17,35 1-32,-18 0 0,18 35 31,0 35-16,0-18 1,18-17 0,35 0-1,-36-35 1,18 17 0,-17-35-1,17 0 1,18 0-1,53 0 1,-71-18 0,36 1-1,-18-19 17,-53 19-17,18-1-15</inkml:trace>
+  <inkml:trace contextRef="#ctx0" brushRef="#br0" timeOffset="191080.65">5856 16828 0,'18'0'16,"35"0"-1,211 35 1,54 0 0,-36-17-1,-106-18 1,-140 0 0</inkml:trace>
+  <inkml:trace contextRef="#ctx0" brushRef="#br0" timeOffset="191642.68">6544 16969 0,'-18'0'16,"18"17"0,-17 19-1,-36 34 1,35-17-16,-52 70 16,34-52-1,19-18 1,17-18-1,-18 1 1</inkml:trace>
+  <inkml:trace contextRef="#ctx0" brushRef="#br0" timeOffset="192192.34">7620 16704 0</inkml:trace>
+  <inkml:trace contextRef="#ctx0" brushRef="#br0" timeOffset="192535.69">7373 17092 0,'0'0'0,"-18"53"16,1 0 0,-18 17-1,-1 1 1,1 0 0,0-18 15,17-1-16</inkml:trace>
+  <inkml:trace contextRef="#ctx0" brushRef="#br0" timeOffset="193559.06">7761 17286 0,'18'0'31,"35"18"-16,88-1 1,-71-17 0,36 0-1,-18-35 1,-52 17 0,-36-17-1,0-18 1,0 18-1,-18 0 1,-35 17 0,35 18-16,-34-18 15,-19 18 1,-17 0 15,-18 18-15,35 0-1,1 35 1,17 17 0,35-17-1,1 0 1,17-35 0,0 17-1,17-17 1,54 35-1,-1-36 1,19 1 0,-19-1 15,18 1-15,1-18-1,-19 0 1,18 0-1,-17 0 1,-54-35 0,-17 17 15,18-17-31</inkml:trace>
+  <inkml:trace contextRef="#ctx0" brushRef="#br0" timeOffset="194679.28">8678 16880 0,'0'36'15,"0"-1"1,-35 71-1,17 0 1,-17-36 0,18 1-1,17-18 1,-18-36 0,18 1 109,0 0-110,0-1 1,0 1-1,0 0 1,0-1 0,0 1-1,0-36 142,0-17-142,0 0-15,18-1 16,-1 1-1,1-36 1,35 19 0,-36 34-16,1 0 15,17-17 1,18 35 0,0 0-1,18 0 1,-36 0-1,0 18 1,-17-1 0</inkml:trace>
+  <inkml:trace contextRef="#ctx0" brushRef="#br0" timeOffset="-210000.28">7620 16704 0</inkml:trace>
+  <inkml:trace contextRef="#ctx0" brushRef="#br0" timeOffset="-189552.51">3122 16775 0,'106'0'15,"53"0"-15,17 17 16,124 36-1,-106-53 1,-141 0 0,-18 18-16,-17-18 47</inkml:trace>
+  <inkml:trace contextRef="#ctx0" brushRef="#br0" timeOffset="-189203.05">3898 16933 0,'-17'36'16,"-36"17"-1,0 17 17,0 54-17,0-36 1,18 0-1,-1-53 1,36 1 0</inkml:trace>
+  <inkml:trace contextRef="#ctx0" brushRef="#br0" timeOffset="-188208.68">4339 17163 0,'-17'0'31,"17"35"-15,-18-17-16,0-1 16,18 18-1,0 1-15,0-1 16,0-17-1,0-1 1,18-17 93,17 0-93,0-53 0,1 36-1,17-19 1,-36 19 0,1 17 62,0 17-63,-18 19 1,0-1 0,17 18-1,1-35-15,-18 17 16,17-35-1,1 0 32,0 0-15,-1-35-17,1 17 1,-18 0-1,18 1 1</inkml:trace>
+  <inkml:trace contextRef="#ctx0" brushRef="#br0" timeOffset="-187095.71">4780 17357 0,'-17'0'31,"-1"17"16,18 1-32,0 0 1,0-1 0,0 19-1,18-19-15,-1 1 16,-17 17-16,53 0 15,-35-17 1,-1-18 0,1 0 15,17 0-15,-17 0-1,0 0 1,-1-18-1,1 1 1,-18-1-16,17-35 31,-17 36-15,18-19 0,-18 19-1,0-1 1,0 0-1,-18 18 1,18-17 0,-17 17-1,-1 0 1,18-18 15,-17 18-31,-1 0 47,0 0-31,1 0 15,-1 0 0,0 0-15,1 0 15,17 18-15,-18-18 124</inkml:trace>
+  <inkml:trace contextRef="#ctx0" brushRef="#br0" timeOffset="-174068.8">1094 13899 0,'53'0'0,"52"0"15,107 36 1,17-1-1,-88-17 1,-88-18 0,-17 17-1</inkml:trace>
+  <inkml:trace contextRef="#ctx0" brushRef="#br0" timeOffset="-173685.78">1623 14005 0,'0'0'0,"-18"0"16,-17 53-1,0-35-15,-18 35 16,17 35-1,1-17 1,17-1 0,-17 1-1,18-36 1</inkml:trace>
+  <inkml:trace contextRef="#ctx0" brushRef="#br0" timeOffset="-172617.3899">2205 13688 0,'0'17'15,"-18"36"1,-35 36-1,0-1 1,-35 70 0,18 1-1,-19 18 1,54-107 0,18-35-1,17-17 1,0 0 78,0-1-79,0-34 95,52-36-95,37-18 1,-19 1-1,36 17 1,-53 18 0,-18 35-1,0 0-15,-17 0 32,0 0-1,-1 17-16,1 54 1,0 17 0,-18-35-1,0 17 1,0-34 0</inkml:trace>
+  <inkml:trace contextRef="#ctx0" brushRef="#br0" timeOffset="-171518.8599">2487 14252 0,'0'0'0,"0"53"16,18 0-16,-18 53 15,0 17 1,-18-17 0,-17-53-1,35-35 17,0-36 30,17-17-46,1 0-1,17-1-15,-17 19 16,17-19-16,1 1 16,-1 0-1,0 35 1,-17 0 15,17 0-15,0 35-1,36 18 17,-18-35-17,-18 17 1,0-35-1,-17 0 1,0 0-16,-1 0 16,1-35-1,0 17 1,-18-35 0,0 18-1,0 0 1,-18 17-1,-17 18 17,17 0-17,-17 0 1,17 0 0,0 0-1,-34 53 1,16 35-1,1-17 1,35-1 0,0 1-1,18-18 1,-1-36 0,1 1-1,0-18 1,17 0-1,35 0 17,-52 0-32,35-35 15,-35 17 17,-18-17-17,0 17 1</inkml:trace>
+  <inkml:trace contextRef="#ctx0" brushRef="#br0" timeOffset="-170800.3299">3122 14676 0,'0'0'0,"71"0"31,17 0-15,18 0-1,-18-18 1,-35 0-1,-53 1 1,0-1 0,0 0-1,-18-35 1,-35 18 0,18 0-1,17 17 1,1 18-1,-19 0 1,1 0 0,0 0 15,0 36-15,-18 16-1,17 1-15,19-17 16,-36 52-1,35 35 1,18-87 0,35 17-1,1-18 1,17-35 0,0 17-1,-18-17 1,35-17-1,-17-1 1,0-17 15,-17 0-31,-19-1 32</inkml:trace>
+  <inkml:trace contextRef="#ctx0" brushRef="#br0" timeOffset="-169071.94">2822 15311 0,'0'17'62,"0"1"-46</inkml:trace>
+  <inkml:trace contextRef="#ctx0" brushRef="#br0" timeOffset="-168641.23">2858 15258 0,'17'-18'15,"1"36"16,17-1-15,18 19 0,-35-19-1,-18 1 1,17-18 15</inkml:trace>
+  <inkml:trace contextRef="#ctx0" brushRef="#br0" timeOffset="-167599.53">2858 15275 0,'0'18'15,"0"0"1,35 70 0,-35-53-16,17 36 15,1 17 1,0 18 0,-1-18-1,-17-53 1,0 0-1,0-17 1,0 0 15,0-1-15,0 36 0,0-35-1,0 17 1,0-17-1,0-1 1,0 19 0,0-19-1,0 1 1,0 0 140,0-1-140,0 1 15,0 0-15,0-1-1,0 1-15,0-1 16,0 1 15</inkml:trace>
+  <inkml:trace contextRef="#ctx0" brushRef="#br0" timeOffset="-166672.8299">2805 15328 0,'-18'0'110,"0"18"-95,1-1 1,-19 1-16,19 0 15,17-1 1</inkml:trace>
+  <inkml:trace contextRef="#ctx0" brushRef="#br0" timeOffset="-165840.81">2946 15293 0,'0'0'16,"35"18"-16,-17-18 0,17 17 16,18 18-1,0 1 1</inkml:trace>
+  <inkml:trace contextRef="#ctx0" brushRef="#br0" timeOffset="-165185.15">2928 15275 0,'-18'0'31,"1"0"-15,-1 0-1,18 18 1,-17 0 0,-1-1-1,0-17 1,1 18-1,-1-18 1,0 0 0,1 0-1,17 17 1</inkml:trace>
+  <inkml:trace contextRef="#ctx0" brushRef="#br0" timeOffset="-155192.8599">2399 1058 0,'0'18'0,"0"17"16,0 89-1,18-36-15,-1 106 16,1 0-1,-1 0 1,-17-35 0,0 35 15,0-53-15,0 0-1,0-53 1,0-53-1,0-17 1</inkml:trace>
+  <inkml:trace contextRef="#ctx0" brushRef="#br0" timeOffset="-152568.7">2487 1129 0,'0'-18'31,"18"18"0,-1 0-15,72 0-1,16 0 1,1 0 0,-35 0-1,-36 0 1,18 0 0,-35 0-16,35 0 15,17 0 1,-17 0-1,-18 0 1,1 0 15,34 0-15,-35 18 0,-17-18-1,-18 18 95,0-1-110,0 1 15,0 17-15,0 36 16,0 70-1,-18-18 1,1 1 0,17-1-1,0-17 17,0-71-32,0 36 15,0-36 1,0 18-1,0 35 1,0-52 0,0 16-1,0 19 1,0 0 0,0-19-1,0 1 1,0-35 156,0 0-157,-18-18 1,18 35 0,0-17 30,-18-18-30,18 17 78,-17 1-47,17-1 0,-18-17-16,1 0-16,-1 0 1,0 0 0,1 0-1,-1 0 1,0 0 0,-17 0-1,-18 0 1,18 0-1,17 0-15,1 0 16,-1 0 0,0 0-1,1 0 1,-1 0 0,0 0-1,1 0 48,-1 0-48,1 0 1,-36 0 0,35 0-1,0 0 16,1 0-15,-1 0 15,0 0 16,1 0-16,-1 0-15,0 0 31,1 0-16,-1 0 16,1 0-31,-1 0-1,0 0 1</inkml:trace>
+  <inkml:trace contextRef="#ctx0" brushRef="#br0" timeOffset="-150696.62">3016 1834 0,'0'-17'31,"-17"17"0,-1-18-31,0 1 16,-17 17 0,0-18-1,17 18 32,1 0-16,-1 0 1,0 0-17,1 0 1,-1 0 15,0 0-15,1 0-1,-1 0 17,18 18-1,-18-18-16,1 17 1,-1 1 0,18-1 15,0 1-15,0 0-1,-18-1 1,18 1-1,0 17 1,0-17 0,0 0-1,0-1 1,0 1 0,0 17-1,0-17 1,0-1-1,0 1 1,18 0 0,0-18 15,-1 17-15,-17 1-1,18 0 1,17-18-1,-17 0 1,-18 17-16,18-17 16,-1 0-1,1 0 1,0 0 0,-1 0 15,1 0-31,-1 0 47,1 0 15,0 0-46,-1 0-1,1 0 1,-18-17 0,18-1 15,-18 0 78</inkml:trace>
+  <inkml:trace contextRef="#ctx0" brushRef="#br0" timeOffset="-149432.27">3422 1676 0,'18'0'62,"-18"-18"-46,17 18-1,19 0 1,-1-18-16,0 18 16,53 0-1,0 0 1,-35 0-16,18 0 15,17 0 17,-70 0-17,-1 0 1</inkml:trace>
+  <inkml:trace contextRef="#ctx0" brushRef="#br0" timeOffset="-148344.66">4039 1535 0,'18'0'125,"0"17"-125,-1-17 16,19 18 0,-19 0-16,36-1 31,-18 1-15,1-18-16,-19 0 15,1 0 16,0 17-15,-18 1 109,-18-18-94,18 18-31,-18-18 16,1 0 0,17 17-1,-18-17 1,-17 36-1,-1-36 1,19 17 0,-1 1-1,1-18 1,17 18-16</inkml:trace>
+  <inkml:trace contextRef="#ctx0" brushRef="#br0" timeOffset="-146209.14">4445 1058 0,'0'0'0,"0"36"16,18-1-16,-18 18 15,0 53 1,0-36-16,0 54 31,0 34-15,0-34 0,0-36-1,0-35 1,0 18-1,0-19 1,0 1 0,0 36-1,0-54 1,0 18 0,0-18-1,0 18 1,0-18-1,0 1 1,0-19 15,0 1 32,0-1-48,0 1-15</inkml:trace>
+  <inkml:trace contextRef="#ctx0" brushRef="#br0" timeOffset="-143976.65">4463 1058 0,'0'-17'31,"17"17"-16,19 0 1,16 0-16,72 0 31,52 0-15,-35 0 0,-17 0-1,-54 0 1,1 0-1,0 0 1,-18 0 0,-36 0-16,36 0 15,-35 0 1,-1 0 0,1 0 140,-18 35-141,0-17 1,0 17 0,0 71-1,0-53-15,-35 52 16,-1 54 0,19-53-1,17 0 1,-18 17-1,18-52 1,0 17 0,0-35 15,0 18-15,0 34-1,0-69 1,0 70-1,0-71 1,0 18 0,0-18-1,0-17 1,0-1 46,0 1-46,-17-18 15,17 18 16,-18-18-31,0 0-1,1 0 1,-1 0-16,0 0 16,-52 0-1,34 0 1,-16 0 0,-1 0-1,35 0-15,-17 0 16,-1 0-1,1 0 1,18 0 15,-36 0-15,35 0 0,-17 0-1,-1 0 1,-16-18-1,34 18 1,-17 0 0,17 0-1,0 0 32,18-18-47,-35 18 16,17 0-1,1 0 17,-1 0-17,0 0 17,1 0-17,-1 0 32,1 0-31</inkml:trace>
+  <inkml:trace contextRef="#ctx0" brushRef="#br0" timeOffset="-142200.37">4692 1499 0,'0'-17'16,"0"34"0,0 19-1,18 52 1,-1-35-1,1 0 1,0-18 0,-18-17 31,17-18-32,-17-18 1,35-53-1,1 54 1,-36-1-16,35-17 31,-17 0-15,-18 17 0,17 0-1,-17 54 48,18-1-48,0 0-15,-18 0 16,17 54 0,1-54-1,-18-18-15,17 1 63,1-18-48,-18-18 1,18-17 0,-1-18-1,1-17 1,0 34-16,-1 1 15,1 18 1,0-19 0</inkml:trace>
+  <inkml:trace contextRef="#ctx0" brushRef="#br0" timeOffset="-140904.5">5151 1693 0,'0'18'16,"0"0"-16,17-1 31,-17 1-31,18-18 16,-1 0 15,1 0-15,0 0 15,-1 0 0,1 0-15,-18-18-1,18 1 1,-1-1 0,-17 0-1,0 1 1,0-1 0,0 0-1,0 1 1,0-1-1,-17 18 1,-1 0 0,18-17 15,-18 17-15,1 0 15,-1 0 0,0 0-15,1 17 15,17 1-15,-35-1-1,17 1 1,0 0-1,18-1 1,-17 1 15,17 0-15,0 17 0,0-17-1,0-1 1,0 1-1,0-1 1,17-17 0,-17 18-16,18-18 15,0 0 1,-18 18 0,17-18-1,1 0 16,-1 0-15,1 0 0,0 0 15,-1 0-15,1 0-1,0 0 1,-1 0 15</inkml:trace>
+  <inkml:trace contextRef="#ctx0" brushRef="#br0" timeOffset="-139584.56">4815 2028 0,'0'18'31,"0"0"-15,0 17-16,0 53 16,-35 0-1,18-52 1,17 17-1,0-36 1,17-34 78,-17-1-79,18 0-15,-1-17 16,19 17 0,-36-17-16,35 18 15,0 17 1,-17 0 0,0 0-1,34 0 1,-34 0-1,0 0 1,-1 17 15,19 18-15,-36-17 0,17 35-1,-17-35 16,0-1-15,-17-17 0,-1 18-1,0-18 1,1 0 0,-1 0-1,-17 0 1,17 0-1,1 0 17,-1 0-17,0 0 1,1 0 0,-1 0-1,0 0 16,1 0-15,-1 0 15,18-18-31,-18 18 16,18-17 15,0-1 32</inkml:trace>
+  <inkml:trace contextRef="#ctx0" brushRef="#br0" timeOffset="-138544.53">5539 1764 0,'17'0'32,"1"0"-32,70 0 15,-17 0 1,-18 0-16,70 0 31,-35 0-15,-70 0-1</inkml:trace>
+  <inkml:trace contextRef="#ctx0" brushRef="#br0" timeOffset="-138050.4499">6033 1588 0,'17'17'62,"18"-17"-62,18 53 16,0 0 0,-17 0-1,-19-18 1,-17-17-1,0-1 1,0 1 15,-35 35-15,0-35-16,-1-18 16,-17 35-16</inkml:trace>
+  <inkml:trace contextRef="#ctx0" brushRef="#br0" timeOffset="-137536.78">6403 1094 0,'18'35'62,"-18"18"-46,17 53-16,1 35 16,-18 18-16,0 35 15,0 158 1,0-52-1,0-18 17,0-176-17,0-35 1</inkml:trace>
+  <inkml:trace contextRef="#ctx0" brushRef="#br0" timeOffset="-136320.53">6403 1041 0,'212'-18'16,"-107"18"0,19 0-16,211 0 31,-35 0-15,88 0-1,-317 0 1,-19 0-16,1 0 15,-35 18 64,-18-1-64,0 19-15,0 17 16,0 105-1,35 142 1,-17-159 0,17 141-1,-35-17 1,0 0 0,-35-54-1,17-52 1,18-124-1,-17-17 32,17 0-31,-18-18-16,0 0 31,1 17-15,-1-17-1,-35 0 1,-35 0 15,-36-17-15,-52-19 0,0 19-1,52-19 1,18 19-1,89 17 1,-19 0 0,1 0-1,18 0-15,-36 0 16,-36 0 0,37 0-1,-19 17 1,53-17 15,1 0-15</inkml:trace>
+  <inkml:trace contextRef="#ctx0" brushRef="#br0" timeOffset="-135800.9199">6932 1252 0,'0'141'31,"-18"-35"-31,-34 106 15,16-89 1,19-34-16,-54 52 31,71-124-15</inkml:trace>
+  <inkml:trace contextRef="#ctx0" brushRef="#br0" timeOffset="-135520.91">7038 1482 0,'212'317'31,"-107"-105"-15,-69-89 0,-19-52-1</inkml:trace>
+  <inkml:trace contextRef="#ctx0" brushRef="#br0" timeOffset="-134833.37">6844 1782 0,'18'0'15,"17"0"-15,18 0 16,70 17-1,-17-17 1,-71 0 0</inkml:trace>
+  <inkml:trace contextRef="#ctx0" brushRef="#br0" timeOffset="-134000.21">7320 1658 0,'0'0'0,"0"18"16,18-1 0,-1 1-1,1 35 1,0 0-1,-1 35 1,-17-53-16,0 18 16,0 18-1,36-1 1,-36-34 0,0-19-1,0-52 48,0 0-48,0-18 1,0-71 0,0 36-1,0 18 1,17-1-1,-17 53 1,18 18 31,0 0-47,-1 0 16,36 53-1,-18-17 1,-35-19-1,0 18 1,0 1 0,-53-19 15,18 1-15,-53-18-1,53 0-15,-1-18 16,-16 1-1,52-1 1</inkml:trace>
+  <inkml:trace contextRef="#ctx0" brushRef="#br0" timeOffset="-133184.87">7620 1729 0,'35'70'32,"-17"-35"-32,17 71 15,-35-18 1,0-35 0,0-88 77,0 0-93,0-36 16,0 18 0,0-35-1,0 0 1,18 53-1,17-18 1,-17 35 0,-1 18-16,1 0 15,0 0 1,17 0 0,18 53-1,-35 0 1,-1 0-1,-17-35 1,0-1 15,-17 1-15,-1-18 0,-17 17-1,-1-17 1,-17-17-1,0-18 1,36 35 0,-1-36-1</inkml:trace>
+  <inkml:trace contextRef="#ctx0" brushRef="#br0" timeOffset="-132561.14">8184 1834 0,'0'18'15,"18"-18"-15,35 0 16,70 0 0,-17 0-1,177 0-15,-125-18 16,125 1 15,-195 17-31,-53 0 31</inkml:trace>
+  <inkml:trace contextRef="#ctx0" brushRef="#br0" timeOffset="-131840.72">9243 1552 0,'17'0'32,"36"36"-17,36 16 1,-19 1 0,-35-35-1,-35 0 141,0-1-156,-17 19 16,-54 34 0,18 18-1,-35-17 1,0-18 0,53 0-1,-1-36 1,19 19-1</inkml:trace>
+  <inkml:trace contextRef="#ctx0" brushRef="#br0" timeOffset="-130880.33">9596 1023 0,'0'18'32,"0"17"-17,0 36-15,0 17 16,0 335-1,0-105 1,-18-19 0,0-34-1,18-124 1,0-70 0,0-36-1</inkml:trace>
+  <inkml:trace contextRef="#ctx0" brushRef="#br0" timeOffset="-128550.64">9684 1023 0,'141'-18'31,"-35"18"-31,141 0 16,17 0-1,1-35 1,-71 18 15,-35-19-15,17 19 0,-70-1-1,0 18 1,-18 0-1,-71 0 1,1 0 47,-18 35-48,0 1 1,0 34-16,0 106 15,0 124 1,0-17 15,0 34-15,-35-105 0,35-54-1,0-69-15,0 16 16,0-16-1,0-19 1,0-34 0,0-19-1,0 18 1,0-17 0,0 53-1,0-36 1,-18 35 15,1-70 0,-1 18-15,0-18 0,-17 0-1,-53 0 1,-71-18-1,-35 1 1,0-18 0,-18-1-1,89 36 1,52 0 0,54 0-16,-1 0 15,-35 0 1,0 0 15,-17 0-31,-19 0 31,54 0-15,18 0 0,-19 0-1,-17 0 1,-17 0-1,-1 0 1,54 0 47,-1 0 218,0 0-266,1 0 1,-1 0 31,0 0-31,1 18-1,-1-18-15,0 0 63,1 0-48,-1 18-15,1-18 16,-1-18 296,18 0-312,0-17 16,0-18-16,-18-70 31,18 17-15,0 70 0,0 19-1</inkml:trace>
+  <inkml:trace contextRef="#ctx0" brushRef="#br0" timeOffset="-127305.5">10037 1376 0,'0'0'0,"-18"53"16,-17 53 0,-36 35-1,53-53 1,-17-35 0,35-71 77,18-17-93,-1-18 16,36-53 0,-17 18-1,-19 35 1,19 18-1,-19-1 1,18 19 0,1-1-1,-19 18 1,36 0 0,-17 0-1,-19 0 1,18 18-1,-35-1-15,36 36 32,-1 0-17,-35 0 1,0 18 0,-18-36-1,1 0 1,-19-17-1,1 17 1,-88 1 0,70-19-1,-35-17 1,52 0 0,-17 0-1,1 18 1,-37-18 15,72 0-15,-1 0-1</inkml:trace>
+  <inkml:trace contextRef="#ctx0" brushRef="#br0" timeOffset="-125449.77">10530 1323 0,'0'53'31,"0"0"-31,0 0 16,0 0-1,0 0-15,-17 35 16,-18-18 0,35-34-1,0-54 63,17-17-62,1-1-16,-18-17 16,53-88-1,-18 71 1,-17 52-1,17-52 1,-17 70 0,-1-18 46,18 18-46,-17 18-1,35 52 1,-18-17 0,-17-18-1,-18-17-15,0 17 16,-35 1 0,-18-1-1,0-18 1,0 1 15,0-18-31,35 0 94,1 0-79,34 0 142,1 0-142,0 0 1,-1 0 0,1 0-1,35 0 1,-36 0-16,36 0 15,18 18 1,-36 17 0,-17-17-1,-1-18 1,-17 17 0,0 19-1,0-19 1,0 1-1,0 17 17,-35-17-17,-35 17 1,17 0 0,-18-17-1,1 17 1,17-35-1,35 0 17,0 0-17,1 0 1,-1 0 0,-17 0-1,35-17 1,-18-19-1,18 19 1,0-1 15,0-17-15,0 17 0,0 0 30,18 18-30,0 0-16,-18-17 16,17-1-1</inkml:trace>
+  <inkml:trace contextRef="#ctx0" brushRef="#br0" timeOffset="-110697.36">2822 3104 0</inkml:trace>
+  <inkml:trace contextRef="#ctx0" brushRef="#br0" timeOffset="-110431.84">2822 3369 0</inkml:trace>
+  <inkml:trace contextRef="#ctx0" brushRef="#br0" timeOffset="-110136.11">2805 3669 0</inkml:trace>
+  <inkml:trace contextRef="#ctx0" brushRef="#br0" timeOffset="-80953.17">4498 2469 0,'0'18'47,"0"0"-32,0-1 1,0 1 15,0 0-15,0-1 0,0 1 30,0 0 48,18-18-78,-1 0 15,1 0 16,-1 0-16</inkml:trace>
+  <inkml:trace contextRef="#ctx0" brushRef="#br0" timeOffset="3423.3">4957 3104 0</inkml:trace>
+  <inkml:trace contextRef="#ctx0" brushRef="#br0" timeOffset="3759.55">4921 3210 0,'0'18'63</inkml:trace>
+  <inkml:trace contextRef="#ctx0" brushRef="#br0" timeOffset="4663.65">4886 3493 0</inkml:trace>
+  <inkml:trace contextRef="#ctx0" brushRef="#br0" timeOffset="5375.4">7285 3246 0</inkml:trace>
+  <inkml:trace contextRef="#ctx0" brushRef="#br0" timeOffset="5604.08">7267 3457 0,'0'18'62,"0"0"-46,0-1-16</inkml:trace>
+  <inkml:trace contextRef="#ctx0" brushRef="#br0" timeOffset="5790.9799">7250 3634 0</inkml:trace>
+  <inkml:trace contextRef="#ctx0" brushRef="#br0" timeOffset="6575.49">10530 3281 0</inkml:trace>
+  <inkml:trace contextRef="#ctx0" brushRef="#br0" timeOffset="6791.23">10478 3545 0,'0'18'78</inkml:trace>
+  <inkml:trace contextRef="#ctx0" brushRef="#br0" timeOffset="6982.97">10460 3739 0,'0'0'0</inkml:trace>
+  <inkml:trace contextRef="#ctx0" brushRef="#br0" timeOffset="-146841.43">2910 4798 0</inkml:trace>
+  <inkml:trace contextRef="#ctx0" brushRef="#br0" timeOffset="-146713.19">2910 4798 0</inkml:trace>
+</inkml:ink>
+</file>
+
+<file path=ppt/ink/ink20.xml><?xml version="1.0" encoding="utf-8"?>
+<inkml:ink xmlns:inkml="http://www.w3.org/2003/InkML">
+  <inkml:definitions>
+    <inkml:context xml:id="ctx0">
+      <inkml:inkSource xml:id="inkSrc0">
+        <inkml:traceFormat>
+          <inkml:channel name="X" type="integer" max="1920" units="cm"/>
+          <inkml:channel name="Y" type="integer" max="1080" units="cm"/>
+          <inkml:channel name="T" type="integer" max="2.14748E9" units="dev"/>
+        </inkml:traceFormat>
+        <inkml:channelProperties>
+          <inkml:channelProperty channel="X" name="resolution" value="36.43264" units="1/cm"/>
+          <inkml:channelProperty channel="Y" name="resolution" value="36.48649" units="1/cm"/>
+          <inkml:channelProperty channel="T" name="resolution" value="1" units="1/dev"/>
+        </inkml:channelProperties>
+      </inkml:inkSource>
+      <inkml:timestamp xml:id="ts0" timeString="2021-04-08T08:01:27.936"/>
+    </inkml:context>
+    <inkml:brush xml:id="br0">
+      <inkml:brushProperty name="width" value="0.05292" units="cm"/>
+      <inkml:brushProperty name="height" value="0.05292" units="cm"/>
+      <inkml:brushProperty name="color" value="#FF0000"/>
+    </inkml:brush>
+  </inkml:definitions>
+  <inkml:traceGroup>
+    <inkml:annotationXML>
+      <emma:emma xmlns:emma="http://www.w3.org/2003/04/emma" version="1.0">
+        <emma:interpretation id="{2B8197EE-1884-4C2C-844D-CDF50CAB7CBC}" emma:medium="tactile" emma:mode="ink">
+          <msink:context xmlns:msink="http://schemas.microsoft.com/ink/2010/main" type="writingRegion" rotatedBoundingBox="11698,2498 24288,2742 24258,4292 11668,4048"/>
+        </emma:interpretation>
+      </emma:emma>
+    </inkml:annotationXML>
+    <inkml:traceGroup>
+      <inkml:annotationXML>
+        <emma:emma xmlns:emma="http://www.w3.org/2003/04/emma" version="1.0">
+          <emma:interpretation id="{C68AE09C-318E-43D3-88AB-5FB88CB0E510}" emma:medium="tactile" emma:mode="ink">
+            <msink:context xmlns:msink="http://schemas.microsoft.com/ink/2010/main" type="paragraph" rotatedBoundingBox="11698,2498 24288,2742 24258,4292 11668,4048" alignmentLevel="1"/>
+          </emma:interpretation>
+        </emma:emma>
+      </inkml:annotationXML>
+      <inkml:traceGroup>
+        <inkml:annotationXML>
+          <emma:emma xmlns:emma="http://www.w3.org/2003/04/emma" version="1.0">
+            <emma:interpretation id="{83628234-E076-42ED-ABB4-38848C45B05B}" emma:medium="tactile" emma:mode="ink">
+              <msink:context xmlns:msink="http://schemas.microsoft.com/ink/2010/main" type="line" rotatedBoundingBox="11698,2498 24288,2742 24258,4292 11668,4048"/>
+            </emma:interpretation>
+          </emma:emma>
+        </inkml:annotationXML>
+        <inkml:traceGroup>
+          <inkml:annotationXML>
+            <emma:emma xmlns:emma="http://www.w3.org/2003/04/emma" version="1.0">
+              <emma:interpretation id="{200974F9-60A7-43CF-955F-B402F0532150}" emma:medium="tactile" emma:mode="ink">
+                <msink:context xmlns:msink="http://schemas.microsoft.com/ink/2010/main" type="inkWord" rotatedBoundingBox="11497,3325 12853,2433 13403,3269 12047,4161"/>
+              </emma:interpretation>
+              <emma:one-of disjunction-type="recognition" id="oneOf0">
+                <emma:interpretation id="interp0" emma:lang="" emma:confidence="0">
+                  <emma:literal>야</emma:literal>
+                </emma:interpretation>
+                <emma:interpretation id="interp1" emma:lang="" emma:confidence="0">
+                  <emma:literal>아</emma:literal>
+                </emma:interpretation>
+                <emma:interpretation id="interp2" emma:lang="" emma:confidence="0">
+                  <emma:literal>샤</emma:literal>
+                </emma:interpretation>
+                <emma:interpretation id="interp3" emma:lang="" emma:confidence="0">
+                  <emma:literal>&amp;</emma:literal>
+                </emma:interpretation>
+                <emma:interpretation id="interp4" emma:lang="" emma:confidence="0">
+                  <emma:literal>…</emma:literal>
+                </emma:interpretation>
+              </emma:one-of>
+            </emma:emma>
+          </inkml:annotationXML>
+          <inkml:trace contextRef="#ctx0" brushRef="#br0">12612 2593 0,'0'18'31,"0"17"-16,0 53 1,0-35 0,0-35-1</inkml:trace>
+          <inkml:trace contextRef="#ctx0" brushRef="#br0" timeOffset="301.63">12912 2522 0,'0'0'0,"0"18"16,0 35-1,0 17 1,-18-17 0,0 0-1</inkml:trace>
+          <inkml:trace contextRef="#ctx0" brushRef="#br0" timeOffset="1183.14">11977 3157 0,'-18'0'16,"1"0"-16,-19 36 31,19-1-15,17 35-1,0-34 1,53-19 0,-18 1-1,18 0 1,-18-18 0,0-18-1,1-17 1,-36-18-16,17-18 15,-17 1 1,0 34 0,-17 19-1,-1-1 17,-53 18-17,-17 0 1,35 18-16</inkml:trace>
+          <inkml:trace contextRef="#ctx0" brushRef="#br0" timeOffset="1566.48">11677 3598 0,'35'-17'47,"18"17"-47,18 0 15,158-18 1,53 18 0,-52 0-1,-142 0 1,-71-18-1</inkml:trace>
+          <inkml:trace contextRef="#ctx0" brushRef="#br0" timeOffset="1833.25">12206 3581 0,'0'0'0,"0"53"15,0 52 1,0-16 0,0 16-1,0-16 1,0-54-1</inkml:trace>
+          <inkml:trace contextRef="#ctx0" brushRef="#br0" timeOffset="2700.17">12788 3210 0,'0'0'0,"-17"0"0,17 36 16,0 34-1,0-35 1,0 1-16,0 87 31,0-105-15,17-1-1</inkml:trace>
+          <inkml:trace contextRef="#ctx0" brushRef="#br0" timeOffset="2933.3">13000 3387 0,'0'0'0,"0"53"0,0 0 0,0-1 16,0 72 15,0-71-15</inkml:trace>
+        </inkml:traceGroup>
+        <inkml:traceGroup>
+          <inkml:annotationXML>
+            <emma:emma xmlns:emma="http://www.w3.org/2003/04/emma" version="1.0">
+              <emma:interpretation id="{0A8BB769-68CE-4BB3-82CB-D1E3EFDB4605}" emma:medium="tactile" emma:mode="ink">
+                <msink:context xmlns:msink="http://schemas.microsoft.com/ink/2010/main" type="inkWord" rotatedBoundingBox="12605,3789 13235,2942 14018,3524 13388,4371"/>
+              </emma:interpretation>
+              <emma:one-of disjunction-type="recognition" id="oneOf1">
+                <emma:interpretation id="interp5" emma:lang="" emma:confidence="0">
+                  <emma:literal>년</emma:literal>
+                </emma:interpretation>
+                <emma:interpretation id="interp6" emma:lang="" emma:confidence="0">
+                  <emma:literal>넌</emma:literal>
+                </emma:interpretation>
+                <emma:interpretation id="interp7" emma:lang="" emma:confidence="0">
+                  <emma:literal>션</emma:literal>
+                </emma:interpretation>
+                <emma:interpretation id="interp8" emma:lang="" emma:confidence="0">
+                  <emma:literal>녈</emma:literal>
+                </emma:interpretation>
+                <emma:interpretation id="interp9" emma:lang="" emma:confidence="0">
+                  <emma:literal>녇</emma:literal>
+                </emma:interpretation>
+              </emma:one-of>
+            </emma:emma>
+          </inkml:annotationXML>
+          <inkml:trace contextRef="#ctx0" brushRef="#br0" timeOffset="3772.5">13088 3422 0,'18'0'31,"17"0"-15,53 0 0,-17 0-1</inkml:trace>
+          <inkml:trace contextRef="#ctx0" brushRef="#br0" timeOffset="2399.86">12506 3175 0,'0'0'0,"18"0"0,52 0 16,1 0-1,87 0 1,37 18 0,-19-18-1,-106 0 1,-52 0 0</inkml:trace>
+          <inkml:trace contextRef="#ctx0" brushRef="#br0" timeOffset="4099.9899">13176 3545 0,'-17'18'15,"34"-18"17,1 0-17,17 0 1,0 0 0,1 0-16,-19 0 15,1 0 16,0-18-15</inkml:trace>
+          <inkml:trace contextRef="#ctx0" brushRef="#br0" timeOffset="4433.57">13406 3069 0,'0'18'15,"0"88"1,0 70-1,0 18 1,-18-70 0,18-36-1,0-35 1,0-18 0,0-17 15</inkml:trace>
+          <inkml:trace contextRef="#ctx0" brushRef="#br0" timeOffset="5117.45">12929 3898 0,'0'18'94,"0"-1"-79,0 1-15,18 17 16,-18-17-1,0 0-15,18-1 16,-18 1 0,17-18 15,1 0-15,0 0 15,34 0-16,142-53 1,0-18 0,-52 54-1,-37-1 1,-69 18 0</inkml:trace>
+          <inkml:trace contextRef="#ctx0" brushRef="#br0" timeOffset="3234.34">12682 3687 0,'36'17'31,"-1"-17"-15,18 0-16,53 0 31,0 0-16,-18 0 1,-35 0 0,-36 0-16</inkml:trace>
+        </inkml:traceGroup>
+        <inkml:traceGroup>
+          <inkml:annotationXML>
+            <emma:emma xmlns:emma="http://www.w3.org/2003/04/emma" version="1.0">
+              <emma:interpretation id="{30C965A8-12B5-4DC3-97AC-5E041E0B13C2}" emma:medium="tactile" emma:mode="ink">
+                <msink:context xmlns:msink="http://schemas.microsoft.com/ink/2010/main" type="inkWord" rotatedBoundingBox="14157,2998 14693,3951 13969,4357 13434,3404"/>
+              </emma:interpretation>
+              <emma:one-of disjunction-type="recognition" id="oneOf2">
+                <emma:interpretation id="interp10" emma:lang="" emma:confidence="0">
+                  <emma:literal>보</emma:literal>
+                </emma:interpretation>
+                <emma:interpretation id="interp11" emma:lang="" emma:confidence="0">
+                  <emma:literal>뽀</emma:literal>
+                </emma:interpretation>
+                <emma:interpretation id="interp12" emma:lang="" emma:confidence="0">
+                  <emma:literal>모</emma:literal>
+                </emma:interpretation>
+                <emma:interpretation id="interp13" emma:lang="" emma:confidence="0">
+                  <emma:literal>노</emma:literal>
+                </emma:interpretation>
+                <emma:interpretation id="interp14" emma:lang="" emma:confidence="0">
+                  <emma:literal>쏘</emma:literal>
+                </emma:interpretation>
+              </emma:one-of>
+            </emma:emma>
+          </inkml:annotationXML>
+          <inkml:trace contextRef="#ctx0" brushRef="#br0" timeOffset="6650.28">14023 3828 0,'0'0'16,"0"35"-16,0 18 15,0-36 1,-35-17 31,17 18-32,0-18-15,-52 0 16,-18 0 0</inkml:trace>
+          <inkml:trace contextRef="#ctx0" brushRef="#br0" timeOffset="6900.37">13758 3951 0,'-17'0'16,"34"0"0,89 0-1,176 0 1,-35 0-1,-70 0 1,-71 0 0,-89 0 15</inkml:trace>
+          <inkml:trace contextRef="#ctx0" brushRef="#br0" timeOffset="6116.63">14217 3175 0,'0'35'31,"0"18"-15,-35 35 0,35-17-1,0-18 1,0-35-1,-18-1 1,18 1-16</inkml:trace>
+          <inkml:trace contextRef="#ctx0" brushRef="#br0" timeOffset="6383.4899">13776 3528 0,'18'0'16,"35"0"-1,35 0 1,-35 0 0,-36 0-1</inkml:trace>
+          <inkml:trace contextRef="#ctx0" brushRef="#br0" timeOffset="5806.09">13811 3193 0,'0'17'32,"0"19"-32,0-1 15,0 71 1,0 0 0,0-54-1,0-16 1,0-19-1,18 1 1,0-18 0,-1 0-1,18 0 17,-17 0-32,17 0 15,71 0 1,0-18-1,-71 18 1,-17-17 31,-18-1-31,0 0-1,0-17 1</inkml:trace>
+        </inkml:traceGroup>
+        <inkml:traceGroup>
+          <inkml:annotationXML>
+            <emma:emma xmlns:emma="http://www.w3.org/2003/04/emma" version="1.0">
+              <emma:interpretation id="{AEF27DF4-7EA7-4E86-A008-5695EBBD944A}" emma:medium="tactile" emma:mode="ink">
+                <msink:context xmlns:msink="http://schemas.microsoft.com/ink/2010/main" type="inkWord" rotatedBoundingBox="14781,3228 15519,3289 15469,3898 14730,3836"/>
+              </emma:interpretation>
+              <emma:one-of disjunction-type="recognition" id="oneOf3">
+                <emma:interpretation id="interp15" emma:lang="" emma:confidence="0">
+                  <emma:literal>내</emma:literal>
+                </emma:interpretation>
+                <emma:interpretation id="interp16" emma:lang="" emma:confidence="0">
+                  <emma:literal>네</emma:literal>
+                </emma:interpretation>
+                <emma:interpretation id="interp17" emma:lang="" emma:confidence="0">
+                  <emma:literal>배</emma:literal>
+                </emma:interpretation>
+                <emma:interpretation id="interp18" emma:lang="" emma:confidence="0">
+                  <emma:literal>매</emma:literal>
+                </emma:interpretation>
+                <emma:interpretation id="interp19" emma:lang="" emma:confidence="0">
+                  <emma:literal>대</emma:literal>
+                </emma:interpretation>
+              </emma:one-of>
+            </emma:emma>
+          </inkml:annotationXML>
+          <inkml:trace contextRef="#ctx0" brushRef="#br0" timeOffset="7450.03">14781 3228 0,'0'0'0,"0"18"31,18 105-16,-18 36 1,0-36 0,0-52-1,18-54 32,-1-17-31,1 0-1,17 0-15,89-17 16,-18-1 0,-54 18-1,-34-17 32,-18-1-31</inkml:trace>
+          <inkml:trace contextRef="#ctx0" brushRef="#br0" timeOffset="7701.13">15205 3387 0,'0'53'47,"0"0"-47,17-1 16,1 1-16,-18 53 16,0-53 15</inkml:trace>
+          <inkml:trace contextRef="#ctx0" brushRef="#br0" timeOffset="7933.32">15240 3598 0,'0'-17'15,"18"17"1,17 0 0,0-18-1,-17 0 1,17-17 15,-17 18-15,-18-1-16</inkml:trace>
+          <inkml:trace contextRef="#ctx0" brushRef="#br0" timeOffset="8189.17">15434 3298 0,'0'53'47,"0"0"-47,18 88 16,-1 18-1,-17-35 1,0-71 0,0-36 15</inkml:trace>
+        </inkml:traceGroup>
+        <inkml:traceGroup>
+          <inkml:annotationXML>
+            <emma:emma xmlns:emma="http://www.w3.org/2003/04/emma" version="1.0">
+              <emma:interpretation id="{48E98F1C-82F4-4159-9DD1-8A381618ED0A}" emma:medium="tactile" emma:mode="ink">
+                <msink:context xmlns:msink="http://schemas.microsoft.com/ink/2010/main" type="inkWord" rotatedBoundingBox="16005,2817 16996,3387 16543,4174 15553,3604"/>
+              </emma:interpretation>
+              <emma:one-of disjunction-type="recognition" id="oneOf4">
+                <emma:interpretation id="interp20" emma:lang="" emma:confidence="0">
+                  <emma:literal>기</emma:literal>
+                </emma:interpretation>
+                <emma:interpretation id="interp21" emma:lang="" emma:confidence="0">
+                  <emma:literal>거</emma:literal>
+                </emma:interpretation>
+                <emma:interpretation id="interp22" emma:lang="" emma:confidence="0">
+                  <emma:literal>지</emma:literal>
+                </emma:interpretation>
+                <emma:interpretation id="interp23" emma:lang="" emma:confidence="0">
+                  <emma:literal>ㅟ</emma:literal>
+                </emma:interpretation>
+                <emma:interpretation id="interp24" emma:lang="" emma:confidence="0">
+                  <emma:literal>끼</emma:literal>
+                </emma:interpretation>
+              </emma:one-of>
+            </emma:emma>
+          </inkml:annotationXML>
+          <inkml:trace contextRef="#ctx0" brushRef="#br0" timeOffset="8908.33">15699 3351 0,'17'0'31,"1"0"-31,-18-17 16,18 17 0,-1 0 46,1 0-46,-1 0-1,1 0-15,70 0 16,-35 17 15,-18-17-31,1 0 16,-19 0-1,1 0 1,0 0 31,-18 18-31,-18 17-16,0 1 15,-17 34 1,-18 36-1,36-18 1,-1-17 0,0-36-16</inkml:trace>
+          <inkml:trace contextRef="#ctx0" brushRef="#br0" timeOffset="9252.17">16457 3087 0,'18'0'16,"-1"53"15,1 158-15,35 89-1,-35-53 1,-18-106 0,0-70-1</inkml:trace>
+        </inkml:traceGroup>
+        <inkml:traceGroup>
+          <inkml:annotationXML>
+            <emma:emma xmlns:emma="http://www.w3.org/2003/04/emma" version="1.0">
+              <emma:interpretation id="{D47C52E1-F5B4-425E-BD1D-0A69263889C7}" emma:medium="tactile" emma:mode="ink">
+                <msink:context xmlns:msink="http://schemas.microsoft.com/ink/2010/main" type="inkWord" rotatedBoundingBox="16962,3039 21547,3128 21526,4239 16940,4150">
+                  <msink:destinationLink direction="to" ref="{E87D7EB8-2187-43A3-926A-15F19369654D}"/>
+                </msink:context>
+              </emma:interpretation>
+              <emma:one-of disjunction-type="recognition" id="oneOf5">
+                <emma:interpretation id="interp25" emma:lang="" emma:confidence="0">
+                  <emma:literal>=</emma:literal>
+                </emma:interpretation>
+                <emma:interpretation id="interp26" emma:lang="" emma:confidence="0">
+                  <emma:literal>二</emma:literal>
+                </emma:interpretation>
+                <emma:interpretation id="interp27" emma:lang="" emma:confidence="0">
+                  <emma:literal>그</emma:literal>
+                </emma:interpretation>
+                <emma:interpretation id="interp28" emma:lang="" emma:confidence="0">
+                  <emma:literal>ㄷ</emma:literal>
+                </emma:interpretation>
+                <emma:interpretation id="interp29" emma:lang="" emma:confidence="0">
+                  <emma:literal>느</emma:literal>
+                </emma:interpretation>
+              </emma:one-of>
+            </emma:emma>
+          </inkml:annotationXML>
+          <inkml:trace contextRef="#ctx0" brushRef="#br0" timeOffset="10866.87">17022 3510 0,'0'0'0,"17"0"15,18 0 1,54 0-1,-54 0 1,-17 0 0</inkml:trace>
+          <inkml:trace contextRef="#ctx0" brushRef="#br0" timeOffset="11244.32">16969 3634 0,'-18'0'47,"18"17"-31,18-17 0,17 0-1,0 0 1,53 0-1,1 0 1,-54 0 0</inkml:trace>
+        </inkml:traceGroup>
+        <inkml:traceGroup>
+          <inkml:annotationXML>
+            <emma:emma xmlns:emma="http://www.w3.org/2003/04/emma" version="1.0">
+              <emma:interpretation id="{56A95428-BCE8-4E02-A83B-E6A232C1CB7A}" emma:medium="tactile" emma:mode="ink">
+                <msink:context xmlns:msink="http://schemas.microsoft.com/ink/2010/main" type="inkWord" rotatedBoundingBox="17408,4044 17481,3207 18068,3258 17995,4095"/>
+              </emma:interpretation>
+              <emma:one-of disjunction-type="recognition" id="oneOf6">
+                <emma:interpretation id="interp30" emma:lang="" emma:confidence="0">
+                  <emma:literal>D</emma:literal>
+                </emma:interpretation>
+                <emma:interpretation id="interp31" emma:lang="" emma:confidence="0">
+                  <emma:literal>B</emma:literal>
+                </emma:interpretation>
+                <emma:interpretation id="interp32" emma:lang="" emma:confidence="0">
+                  <emma:literal>y</emma:literal>
+                </emma:interpretation>
+                <emma:interpretation id="interp33" emma:lang="" emma:confidence="0">
+                  <emma:literal>J</emma:literal>
+                </emma:interpretation>
+                <emma:interpretation id="interp34" emma:lang="" emma:confidence="0">
+                  <emma:literal>b</emma:literal>
+                </emma:interpretation>
+              </emma:one-of>
+            </emma:emma>
+          </inkml:annotationXML>
+          <inkml:trace contextRef="#ctx0" brushRef="#br0" timeOffset="12334.55">17551 3263 0,'0'0'0,"0"-17"16,35 17-1,36 0 1,-1 0 0,1 0-1,-1 35 1,-17 0 0,-18 0-1,1 36 1,-1 17-1,-35-35 1,0 0-16,0 70 16,-53 1-1,-18-36 1,54-70 15,-36 17-15,18-17-1,-1-1 1,1 1 0,17-18-1,1 0 17,-18 0-17,-1 0-15,-34 0 16,-1-18-1,1 1 1</inkml:trace>
+          <inkml:trace contextRef="#ctx0" brushRef="#br0" timeOffset="11772.38">17515 3210 0,'0'71'31,"0"-1"-31,0 107 31,0 17-15,0-88-16,0-18 15,0-71 1,0-34 47,0-36-63</inkml:trace>
+        </inkml:traceGroup>
+        <inkml:traceGroup>
+          <inkml:annotationXML>
+            <emma:emma xmlns:emma="http://www.w3.org/2003/04/emma" version="1.0">
+              <emma:interpretation id="{9A97AB3F-6353-47B5-88CE-435D143229B0}" emma:medium="tactile" emma:mode="ink">
+                <msink:context xmlns:msink="http://schemas.microsoft.com/ink/2010/main" type="inkWord" rotatedBoundingBox="18166,3033 19093,3431 18751,4228 17824,3830"/>
+              </emma:interpretation>
+              <emma:one-of disjunction-type="recognition" id="oneOf7">
+                <emma:interpretation id="interp35" emma:lang="" emma:confidence="0">
+                  <emma:literal>M</emma:literal>
+                </emma:interpretation>
+                <emma:interpretation id="interp36" emma:lang="" emma:confidence="0">
+                  <emma:literal>머</emma:literal>
+                </emma:interpretation>
+                <emma:interpretation id="interp37" emma:lang="" emma:confidence="0">
+                  <emma:literal>시</emma:literal>
+                </emma:interpretation>
+                <emma:interpretation id="interp38" emma:lang="" emma:confidence="0">
+                  <emma:literal>새</emma:literal>
+                </emma:interpretation>
+                <emma:interpretation id="interp39" emma:lang="" emma:confidence="0">
+                  <emma:literal>m</emma:literal>
+                </emma:interpretation>
+              </emma:one-of>
+            </emma:emma>
+          </inkml:annotationXML>
+          <inkml:trace contextRef="#ctx0" brushRef="#br0" timeOffset="12909.45">18045 3316 0,'0'35'15,"17"18"1,-17 53 0,0 18-1,0-1 1,0-35-1,0-17 1,0-54 0</inkml:trace>
+          <inkml:trace contextRef="#ctx0" brushRef="#br0" timeOffset="13908.86">18098 3334 0,'17'0'16,"1"0"0,35 17-1,35 54 1,-70-18-16,17-18 16,0 18-1,-17-35 1,-1-18 109,1-18-110,0 0-15,17-17 16,0-18 0,0 18-1,-17-36 1,35 18 0,-35 18-1,-1 18 1,1 17 78,0 35-79,-1 18 1,-17 17-16,18-17 15,17 88 1,-17-52 0,-1-19-1,1-17 1,17 0 0,-35-18-1,18-17 1,-18-1-1,0 19 1,0-19 0</inkml:trace>
+        </inkml:traceGroup>
+        <inkml:traceGroup>
+          <inkml:annotationXML>
+            <emma:emma xmlns:emma="http://www.w3.org/2003/04/emma" version="1.0">
+              <emma:interpretation id="{15964951-AAE6-4218-AF61-DA866EA4D99C}" emma:medium="tactile" emma:mode="ink">
+                <msink:context xmlns:msink="http://schemas.microsoft.com/ink/2010/main" type="inkWord" rotatedBoundingBox="19561,2954 20067,4100 19356,4414 18850,3268"/>
+              </emma:interpretation>
+              <emma:one-of disjunction-type="recognition" id="oneOf8">
+                <emma:interpretation id="interp40" emma:lang="" emma:confidence="0">
+                  <emma:literal>발</emma:literal>
+                </emma:interpretation>
+                <emma:interpretation id="interp41" emma:lang="" emma:confidence="0">
+                  <emma:literal>낼</emma:literal>
+                </emma:interpretation>
+                <emma:interpretation id="interp42" emma:lang="" emma:confidence="0">
+                  <emma:literal>뿐</emma:literal>
+                </emma:interpretation>
+                <emma:interpretation id="interp43" emma:lang="" emma:confidence="0">
+                  <emma:literal>날</emma:literal>
+                </emma:interpretation>
+                <emma:interpretation id="interp44" emma:lang="" emma:confidence="0">
+                  <emma:literal>냘</emma:literal>
+                </emma:interpretation>
+              </emma:one-of>
+            </emma:emma>
+          </inkml:annotationXML>
+          <inkml:trace contextRef="#ctx0" brushRef="#br0" timeOffset="14620.52">19103 3157 0,'0'141'31,"0"-70"-31,0-18 15,0 53 1,0-36 0,0-52-1,18-18 1,-1 0 0,36 0-1,18 0 1,17-18-1,-53 1 1</inkml:trace>
+          <inkml:trace contextRef="#ctx0" brushRef="#br0" timeOffset="15508.26">19579 3104 0,'0'124'16,"0"70"15,0-123-31,0-19 15,0 19 1,18-36 0</inkml:trace>
+          <inkml:trace contextRef="#ctx0" brushRef="#br0" timeOffset="15717.26">19650 3510 0,'0'0'0,"17"-17"15,36 17 1,-35 0-16,35-18 15</inkml:trace>
+          <inkml:trace contextRef="#ctx0" brushRef="#br0" timeOffset="16583.7399">19121 3881 0,'0'0'0,"105"-18"16,1 0-1,0 1 1,-53 17-16,18 0 16,-19 0-1,-34 0 17,-18 17-1,0 19-16,0 16 1,-18-34 0,1 0-1,-18-18 1,-18 0 0,35 0-1,0 0 1,-17 17-1,35 1 1,-18 17 0,18-17-1,0 17 17,0-17-32,0 0 31,0-1-16,0 1 1,18-18-16,0 0 16,105 0-1,18 0 1,18 0 0,-71-18-1,-52 1 1,-19-36-1,-17-18 1</inkml:trace>
+          <inkml:trace contextRef="#ctx0" brushRef="#br0" timeOffset="14900.72">19420 3087 0,'0'0'15,"0"53"-15,0 70 16,0-17 0,0-35-1,0-18 1</inkml:trace>
+        </inkml:traceGroup>
+        <inkml:traceGroup>
+          <inkml:annotationXML>
+            <emma:emma xmlns:emma="http://www.w3.org/2003/04/emma" version="1.0">
+              <emma:interpretation id="{7BCF6540-299A-4F72-8EDE-2310450A643B}" emma:medium="tactile" emma:mode="ink">
+                <msink:context xmlns:msink="http://schemas.microsoft.com/ink/2010/main" type="inkWord" rotatedBoundingBox="20600,3016 20976,4077 20243,4337 19867,3276"/>
+              </emma:interpretation>
+              <emma:one-of disjunction-type="recognition" id="oneOf9">
+                <emma:interpretation id="interp45" emma:lang="" emma:confidence="0">
+                  <emma:literal>송</emma:literal>
+                </emma:interpretation>
+                <emma:interpretation id="interp46" emma:lang="" emma:confidence="0">
+                  <emma:literal>쏭</emma:literal>
+                </emma:interpretation>
+                <emma:interpretation id="interp47" emma:lang="" emma:confidence="0">
+                  <emma:literal>농</emma:literal>
+                </emma:interpretation>
+                <emma:interpretation id="interp48" emma:lang="" emma:confidence="0">
+                  <emma:literal>숑</emma:literal>
+                </emma:interpretation>
+                <emma:interpretation id="interp49" emma:lang="" emma:confidence="0">
+                  <emma:literal>총</emma:literal>
+                </emma:interpretation>
+              </emma:one-of>
+            </emma:emma>
+          </inkml:annotationXML>
+          <inkml:trace contextRef="#ctx0" brushRef="#br0" timeOffset="16916.78">20320 3122 0,'-18'0'31,"1"35"-31,-36 1 16,-18 69 0,1-16-16,-36 17 31,71-89-15</inkml:trace>
+          <inkml:trace contextRef="#ctx0" brushRef="#br0" timeOffset="18564.9899">20549 3810 0,'-53'35'31,"0"18"-15,-17 18-1,35-54-15,17 1 16,0 35-1,-17 18 1,35-36 0,0-18-1,18 1 1,17 0 15,0-18-15,36 0-1,-1 0 1,19 0 0,-1-36-1,-35-34 1,-18-1 0,-17-17-1,-18 53 1,0 17-1,0 1 1,-36 17 0,19-18-1,-1 18 17,-17-18-17,17 1 1,1 17-1,-1 0 1,0 0 0,1 0-1</inkml:trace>
+          <inkml:trace contextRef="#ctx0" brushRef="#br0" timeOffset="17795.9599">20249 3704 0,'18'0'94,"0"0"-94,17 0 16,88 0-1,19-17 1,-19 17 0,-17-18-1,-88 18 1</inkml:trace>
+          <inkml:trace contextRef="#ctx0" brushRef="#br0" timeOffset="17133.2899">20585 3475 0,'0'0'16,"53"0"-16,-18 18 0,-18-18 16</inkml:trace>
+          <inkml:trace contextRef="#ctx0" brushRef="#br0" timeOffset="17399.7399">20426 3493 0,'0'0'0,"-18"17"0,1 36 16,-1 0-1,0-18 1,1 1 0,-1-36 15,18 17-15</inkml:trace>
+        </inkml:traceGroup>
+        <inkml:traceGroup>
+          <inkml:annotationXML>
+            <emma:emma xmlns:emma="http://www.w3.org/2003/04/emma" version="1.0">
+              <emma:interpretation id="{1B9D6219-EF4A-4A9C-B286-8BEEEC29A3D5}" emma:medium="tactile" emma:mode="ink">
+                <msink:context xmlns:msink="http://schemas.microsoft.com/ink/2010/main" type="inkWord" rotatedBoundingBox="21075,3571 21403,3412 21537,3686 21208,3846"/>
+              </emma:interpretation>
+              <emma:one-of disjunction-type="recognition" id="oneOf10">
+                <emma:interpretation id="interp50" emma:lang="" emma:confidence="0">
+                  <emma:literal>二</emma:literal>
+                </emma:interpretation>
+                <emma:interpretation id="interp51" emma:lang="" emma:confidence="0">
+                  <emma:literal>=</emma:literal>
+                </emma:interpretation>
+                <emma:interpretation id="interp52" emma:lang="" emma:confidence="0">
+                  <emma:literal>그</emma:literal>
+                </emma:interpretation>
+                <emma:interpretation id="interp53" emma:lang="" emma:confidence="0">
+                  <emma:literal>느</emma:literal>
+                </emma:interpretation>
+                <emma:interpretation id="interp54" emma:lang="" emma:confidence="0">
+                  <emma:literal>드</emma:literal>
+                </emma:interpretation>
+              </emma:one-of>
+            </emma:emma>
+          </inkml:annotationXML>
+          <inkml:trace contextRef="#ctx0" brushRef="#br0" timeOffset="20084.7099">21131 3687 0,'18'0'31,"0"0"-31,35 0 16,0 0-1,-1 0 1,54 0-1,0 0 1</inkml:trace>
+          <inkml:trace contextRef="#ctx0" brushRef="#br0" timeOffset="19701.2099">21237 3510 0,'0'-17'47,"18"17"-31,0 0-1,17 0 1,0 0-16,18 0 15,-35 0 1</inkml:trace>
+        </inkml:traceGroup>
+        <inkml:traceGroup>
+          <inkml:annotationXML>
+            <emma:emma xmlns:emma="http://www.w3.org/2003/04/emma" version="1.0">
+              <emma:interpretation id="{C1D216A5-A671-41DD-B4B6-DD70F03BE478}" emma:medium="tactile" emma:mode="ink">
+                <msink:context xmlns:msink="http://schemas.microsoft.com/ink/2010/main" type="inkWord" rotatedBoundingBox="21947,2790 24286,2835 24260,4190 21921,4144"/>
+              </emma:interpretation>
+              <emma:one-of disjunction-type="recognition" id="oneOf11">
+                <emma:interpretation id="interp55" emma:lang="" emma:confidence="0">
+                  <emma:literal>방</emma:literal>
+                </emma:interpretation>
+                <emma:interpretation id="interp56" emma:lang="" emma:confidence="0">
+                  <emma:literal>망</emma:literal>
+                </emma:interpretation>
+                <emma:interpretation id="interp57" emma:lang="" emma:confidence="0">
+                  <emma:literal>반</emma:literal>
+                </emma:interpretation>
+                <emma:interpretation id="interp58" emma:lang="" emma:confidence="0">
+                  <emma:literal>빵</emma:literal>
+                </emma:interpretation>
+                <emma:interpretation id="interp59" emma:lang="" emma:confidence="0">
+                  <emma:literal>냥</emma:literal>
+                </emma:interpretation>
+              </emma:one-of>
+            </emma:emma>
+          </inkml:annotationXML>
+          <inkml:trace contextRef="#ctx0" brushRef="#br0" timeOffset="20567.1">21943 3016 0,'0'0'0,"0"159"16,0 17-1,0-34 17,0-54-32,0-35 31,17-36-16,1-17 1,0 0 0,52 0-1,18 0 1,-17 0 0,-18 0-1,-35-17 1,-18-1-1</inkml:trace>
+          <inkml:trace contextRef="#ctx0" brushRef="#br0" timeOffset="20850.53">22366 2910 0,'0'53'15,"0"18"-15,0 17 16,0 106 0,0-88-1,0-35 1,0-54-1,0 1-15,-18-18 16</inkml:trace>
+          <inkml:trace contextRef="#ctx0" brushRef="#br0" timeOffset="21117.55">22102 3528 0,'17'-18'16,"18"1"-1,36-1 1,35-17-1,35-1 1,-88 19 0,-18-1-1</inkml:trace>
+          <inkml:trace contextRef="#ctx0" brushRef="#br0" timeOffset="21756.85">22719 2805 0,'0'141'16,"0"-71"-16,0 107 15,0-1 17,0-88-17,0-35 1,0-35-16,0-1 31,0 1 125,0 0-156,0-1 16,0 1-16,0 17 31,0 1-15,0-54 62</inkml:trace>
+          <inkml:trace contextRef="#ctx0" brushRef="#br0" timeOffset="21981.22">22719 3369 0,'0'-18'16,"18"18"0,-1 0-1,71-35 1,-35 35-1,0-18 1</inkml:trace>
+          <inkml:trace contextRef="#ctx0" brushRef="#br0" timeOffset="22583.94">22648 3704 0,'0'0'0,"-35"53"31,-18 0-15,18-18-1,35-17 1,-18 17 0,18 0-1,0 1 1,0-1 0,18 36-1,35-54 1,-36 1-1,1-18 1,17 0 0,54-18-1,-37-35 17,19-17-17,-36-18 1,-52-18-1,17 70 1,-36 1 0,1 35-1,-35 0 1,34 0 0,19 0-1</inkml:trace>
+        </inkml:traceGroup>
+        <inkml:traceGroup>
+          <inkml:annotationXML>
+            <emma:emma xmlns:emma="http://www.w3.org/2003/04/emma" version="1.0">
+              <emma:interpretation id="{99B592F6-7CD4-4A53-8C09-C887080B3546}" emma:medium="tactile" emma:mode="ink">
+                <msink:context xmlns:msink="http://schemas.microsoft.com/ink/2010/main" type="inkWord" rotatedBoundingBox="23373,2824 24305,3682 23653,4391 22720,3534"/>
+              </emma:interpretation>
+              <emma:one-of disjunction-type="recognition" id="oneOf12">
+                <emma:interpretation id="interp60" emma:lang="" emma:confidence="0">
+                  <emma:literal>송</emma:literal>
+                </emma:interpretation>
+                <emma:interpretation id="interp61" emma:lang="" emma:confidence="0">
+                  <emma:literal>숑</emma:literal>
+                </emma:interpretation>
+                <emma:interpretation id="interp62" emma:lang="" emma:confidence="0">
+                  <emma:literal>승</emma:literal>
+                </emma:interpretation>
+                <emma:interpretation id="interp63" emma:lang="" emma:confidence="0">
+                  <emma:literal>흥</emma:literal>
+                </emma:interpretation>
+                <emma:interpretation id="interp64" emma:lang="" emma:confidence="0">
+                  <emma:literal>층</emma:literal>
+                </emma:interpretation>
+              </emma:one-of>
+            </emma:emma>
+          </inkml:annotationXML>
+          <inkml:trace contextRef="#ctx0" brushRef="#br0" timeOffset="22950.6">23213 2999 0,'0'17'46,"0"19"-30,-35 16-16,-1 19 16,-87 105 15,70-105-15,35-36-1</inkml:trace>
+          <inkml:trace contextRef="#ctx0" brushRef="#br0" timeOffset="23740.91">23001 3792 0,'35'0'31,"18"0"-15,194-53 0,88 1-1,-176 34 1,18 0-16,34 18 31,-158 0-15</inkml:trace>
+          <inkml:trace contextRef="#ctx0" brushRef="#br0" timeOffset="23451.36">23266 3387 0,'0'0'0,"-18"35"0,0 18 16,18 35 0,-17-53 15,17 1-31,0-1 31,-18 0-15,-35 0-1,18-17-15</inkml:trace>
+          <inkml:trace contextRef="#ctx0" brushRef="#br0" timeOffset="23173.31">23460 3263 0,'0'0'0,"70"0"16,18 18-16,36 17 16,-89-35-1,-17 0 48</inkml:trace>
+          <inkml:trace contextRef="#ctx0" brushRef="#br0" timeOffset="24284.43">23707 3898 0,'0'0'0,"-18"0"15,0 35 1,1-17-1,17 17 1,0 18 0,0-17-1,0-19 1,35 19 0,18-1-1,-53-18-15,35-17 16,36 0 15,-54-35-15,36-53-1,-53 0 17,0 17-17,-17 18 1,-1 36-1,0 17 1,1 0 0,-18 0-1,-54 17 1,1 1 0,53 0-16,17-1 15</inkml:trace>
+        </inkml:traceGroup>
+      </inkml:traceGroup>
+    </inkml:traceGroup>
+  </inkml:traceGroup>
+</inkml:ink>
+</file>
+
+<file path=ppt/ink/ink21.xml><?xml version="1.0" encoding="utf-8"?>
+<inkml:ink xmlns:inkml="http://www.w3.org/2003/InkML">
+  <inkml:definitions>
+    <inkml:context xml:id="ctx0">
+      <inkml:inkSource xml:id="inkSrc0">
+        <inkml:traceFormat>
+          <inkml:channel name="X" type="integer" max="1920" units="cm"/>
+          <inkml:channel name="Y" type="integer" max="1080" units="cm"/>
+          <inkml:channel name="T" type="integer" max="2.14748E9" units="dev"/>
+        </inkml:traceFormat>
+        <inkml:channelProperties>
+          <inkml:channelProperty channel="X" name="resolution" value="36.85221" units="1/cm"/>
+          <inkml:channelProperty channel="Y" name="resolution" value="36.86007" units="1/cm"/>
+          <inkml:channelProperty channel="T" name="resolution" value="1" units="1/dev"/>
+        </inkml:channelProperties>
+      </inkml:inkSource>
+      <inkml:timestamp xml:id="ts0" timeString="2021-04-09T00:37:57.896"/>
+    </inkml:context>
+    <inkml:brush xml:id="br0">
+      <inkml:brushProperty name="width" value="0.06667" units="cm"/>
+      <inkml:brushProperty name="height" value="0.06667" units="cm"/>
+      <inkml:brushProperty name="color" value="#ED1C24"/>
+      <inkml:brushProperty name="fitToCurve" value="1"/>
+    </inkml:brush>
+  </inkml:definitions>
+  <inkml:traceGroup>
+    <inkml:annotationXML>
+      <emma:emma xmlns:emma="http://www.w3.org/2003/04/emma" version="1.0">
+        <emma:interpretation id="{BA7BDC4C-4712-4FA1-9AF9-97E104C8886C}" emma:medium="tactile" emma:mode="ink">
+          <msink:context xmlns:msink="http://schemas.microsoft.com/ink/2010/main" type="inkDrawing" rotatedBoundingBox="8375,6951 9818,6752 9919,7482 8476,7681" hotPoints="9888,7137 9162,7562 8386,7239 9112,6814" semanticType="enclosure" shapeName="Ellipse">
+            <msink:destinationLink direction="from" ref="{E87D7EB8-2187-43A3-926A-15F19369654D}"/>
+          </msink:context>
+        </emma:interpretation>
+      </emma:emma>
+    </inkml:annotationXML>
+    <inkml:trace contextRef="#ctx0" brushRef="#br0">596 717 0,'-35'0'16,"0"0"109,0 0-94,1 0 0,-1 0-31,0-35 16,0 35-1,0 0-15,35-35 16,-34 35-16,-1-35 16,0 35-16,0-35 15,0 35 1,1-34 15,-1-1-31,0 0 16,0 0-1,35 0 17,0 1-17,0-1-15,0 0 16,70 0-1,-1 0 1,-69 1-16,70-1 16,-35 35-16,0-35 15,34 0-15,1 35 16,-35 0-16,-1-35 16,36 35-16,-35 0 15,34-34-15,-34 34 16,0 0-16,0 0 15,0 0-15,34 0 16,1 0-16,-35 0 16,34 0-16,-34 0 15,0 0-15,-1 0 16,1 0 0,35 0-1,-35 0 1,-1 0-1,1 34-15,-35 1 16,35-35 0,-35 35-1,35-35-15,-35 35 16,0 0 0,0-1-16,0 1 15,0 0-15,0 0 16,0 0 15,0-1-31,0 1 16,-35 0-16,0 0 15,0 0 1,1-1-16,-1 1 16,0-35-1,0 0 1,35 35-16,-35-35 15,1 0 1,-1 0-16,35 35 16,-35-35 15,0 35-15,1-35-1,-1 0-15,0 0 16,0 0-1,0 0 1,1 0-16,-36 0 16,35 0-1,0 0 1</inkml:trace>
+  </inkml:traceGroup>
+</inkml:ink>
+</file>
+
+<file path=ppt/ink/ink22.xml><?xml version="1.0" encoding="utf-8"?>
 <inkml:ink xmlns:inkml="http://www.w3.org/2003/InkML">
   <inkml:definitions>
     <inkml:context xml:id="ctx0">
@@ -537,88 +1699,138 @@
       <inkml:brushProperty name="color" value="#FF0000"/>
     </inkml:brush>
   </inkml:definitions>
-  <inkml:trace contextRef="#ctx0" brushRef="#br0">14041 7655 0,'0'-17'0,"17"17"31,18 0-16,1 0 1,158 0 0,-53 0-1,-18 0 1,-52 0 0,-18 0-1,0 0 1</inkml:trace>
-  <inkml:trace contextRef="#ctx0" brushRef="#br0" timeOffset="1880.13">13917 7938 0,'0'17'47,"0"1"-32,0-1 1,18-17-1,-1 18 1,1 0 0,0-18 15,-1 0-15,1 0 15,-18-18 0,18 18-15,-18-18-16,0 1 15,0-1 1,0 1 15,0-1-15,-18 18-1,0-18 1,1 1 0,-1 17-1,0 0 1,1 0 62,-1 0-62</inkml:trace>
-  <inkml:trace contextRef="#ctx0" brushRef="#br0" timeOffset="2522.19">13776 8220 0,'0'-18'15,"18"18"1,-1 0 0,1 0-1,17 0-15,0 0 16,54-18-1,-36 18 1,-36 0 0</inkml:trace>
-  <inkml:trace contextRef="#ctx0" brushRef="#br0" timeOffset="2872.14">13970 8237 0,'0'0'0,"-18"0"0,18 36 16,0-1 15,0-17-31,0 17 0,-17-18 31</inkml:trace>
-  <inkml:trace contextRef="#ctx0" brushRef="#br0" timeOffset="3408.46">14146 7955 0,'18'0'15,"0"0"-15,35 0 31,17 0-15,-17 0 0,0 0-1,-35 0 1</inkml:trace>
-  <inkml:trace contextRef="#ctx0" brushRef="#br0" timeOffset="3792.34">14252 8114 0,'0'0'0,"0"18"16,-17 34-1,17 1 1,0-35 31</inkml:trace>
-  <inkml:trace contextRef="#ctx0" brushRef="#br0" timeOffset="4072.31">14393 8096 0,'0'18'47,"0"17"-47,0-17 16,0-1-16,-17 19 16,17-19-1</inkml:trace>
-  <inkml:trace contextRef="#ctx0" brushRef="#br0" timeOffset="4488.63">14129 8308 0,'35'0'47,"0"0"-47,18 0 15,0 0 1,18 0 0,-18 0-16,0 0 15,17 0 1,-52 0-1</inkml:trace>
-  <inkml:trace contextRef="#ctx0" brushRef="#br0" timeOffset="4855.74">14623 8132 0,'17'0'47,"1"0"-47,0 0 15,-1 0 1</inkml:trace>
-  <inkml:trace contextRef="#ctx0" brushRef="#br0" timeOffset="5183.45">14640 8220 0,'18'0'16,"0"0"15,-1 0-15</inkml:trace>
-  <inkml:trace contextRef="#ctx0" brushRef="#br0" timeOffset="5505.61">14728 7955 0,'0'53'16,"0"-18"-16,0 1 15,0 17-15,0 52 16,-17-16-1,17-37 1</inkml:trace>
-  <inkml:trace contextRef="#ctx0" brushRef="#br0" timeOffset="6143.51">14482 8449 0,'0'18'16,"0"-1"-1,0 1 1,0 0 0,17-1-1,1 1 1,-1 0-1,1-18 1,0 0 0,-1 0-16,36 0 31,0-18-15,0 0-1,-35 18 1,-1-17 46</inkml:trace>
-  <inkml:trace contextRef="#ctx0" brushRef="#br0" timeOffset="7373.29">14923 7885 0,'0'17'16,"0"19"-16,0 16 31,0-16-15,0-1-1,17 0 1,1-17 0,-1-18-1,1 18 1,17-18-1,-17 0 1,0 0 0,17 0-1,-17 0 1,-1-18 0,1 0-1,-1-17 1,-17 17 15,0 1-15,0-1-16</inkml:trace>
-  <inkml:trace contextRef="#ctx0" brushRef="#br0" timeOffset="7640.47">15169 7796 0,'0'18'16,"0"0"-1,0 17-15,-17 36 16,17-1 15,0-52-15,0-1-16</inkml:trace>
-  <inkml:trace contextRef="#ctx0" brushRef="#br0" timeOffset="8138.41">14975 8061 0,'0'-18'31,"18"18"0,17 0-31,1-17 31,-19-1-15,1 18 15</inkml:trace>
-  <inkml:trace contextRef="#ctx0" brushRef="#br0" timeOffset="8472.84">15081 8184 0,'0'0'0,"0"18"31,0 0-15,0-1-1,0 1 1,-35-18-1,35 18 1</inkml:trace>
-  <inkml:trace contextRef="#ctx0" brushRef="#br0" timeOffset="8935.86">14923 8290 0,'17'0'78,"1"0"-62,17 0-16,0 0 16,1 0-16,17-17 31,-1 17-31,37 0 15,-19 0 1</inkml:trace>
-  <inkml:trace contextRef="#ctx0" brushRef="#br0" timeOffset="10120.27">15064 8396 0,'0'18'62,"0"-1"-46,-18-17-16,18 18 47,0 0-32,0-1 1,0 1 0,0 0 15,18-1 0,-1-17-15,1 0-1,0 18 1,-1-18 0,1 0-1,-1 0 1,1 0 31,-18-18-32,0-17 1,0 17 0,0 1-1,0-1 1,0 0-1,0 1 1,0-1 0,-18 18-1,1-18 1,-1 18 0,1 0 46</inkml:trace>
-  <inkml:trace contextRef="#ctx0" brushRef="#br0" timeOffset="10759.77">15381 7885 0,'0'0'0,"35"0"16,18 0-1,-17 0 1,-19 0-1</inkml:trace>
-  <inkml:trace contextRef="#ctx0" brushRef="#br0" timeOffset="11399.4">15381 7885 0,'0'17'32,"0"1"-17,-18 0-15,18 34 31,0-16-15,0 17 0,0-18-1,0 0 1,0-17 0,18-1-1,-18 1 1,35 0-1,-17-18 17,0 0-17,-1 0 1,1 0 0,0 0-1,-1 0 1,-17-18 31,0 0-32</inkml:trace>
-  <inkml:trace contextRef="#ctx0" brushRef="#br0" timeOffset="11755.76">15399 8114 0,'17'0'32,"1"-18"-17,0 18 16,17 0-31,-17 0 16</inkml:trace>
-  <inkml:trace contextRef="#ctx0" brushRef="#br0" timeOffset="12519.51">15399 8378 0,'17'0'31,"1"0"-31,17 0 31,1 0-15,-19 0-1,1 0-15,0 0 32,17 0-17</inkml:trace>
-  <inkml:trace contextRef="#ctx0" brushRef="#br0" timeOffset="12871.78">15575 8378 0,'-17'36'47,"17"-19"-31,0 36 0,0-17-1,0-19 1</inkml:trace>
-  <inkml:trace contextRef="#ctx0" brushRef="#br0" timeOffset="72891.25">12612 2593 0,'0'18'31,"0"17"-16,0 53 1,0-35 0,0-35-1</inkml:trace>
-  <inkml:trace contextRef="#ctx0" brushRef="#br0" timeOffset="73192.88">12912 2522 0,'0'0'0,"0"18"16,0 35-1,0 17 1,-18-17 0,0 0-1</inkml:trace>
-  <inkml:trace contextRef="#ctx0" brushRef="#br0" timeOffset="74074.39">11977 3157 0,'-18'0'16,"1"0"-16,-19 36 31,19-1-15,17 35-1,0-34 1,53-19 0,-18 1-1,18 0 1,-18-18 0,0-18-1,1-17 1,-36-18-16,17-18 15,-17 1 1,0 34 0,-17 19-1,-1-1 17,-53 18-17,-17 0 1,35 18-16</inkml:trace>
-  <inkml:trace contextRef="#ctx0" brushRef="#br0" timeOffset="74457.73">11677 3598 0,'35'-17'47,"18"17"-47,18 0 15,158-18 1,53 18 0,-52 0-1,-142 0 1,-71-18-1</inkml:trace>
-  <inkml:trace contextRef="#ctx0" brushRef="#br0" timeOffset="74724.5">12206 3581 0,'0'0'0,"0"53"15,0 52 1,0-16 0,0 16-1,0-16 1,0-54-1</inkml:trace>
-  <inkml:trace contextRef="#ctx0" brushRef="#br0" timeOffset="75291.11">12506 3175 0,'0'0'0,"18"0"0,52 0 16,1 0-1,87 0 1,37 18 0,-19-18-1,-106 0 1,-52 0 0</inkml:trace>
-  <inkml:trace contextRef="#ctx0" brushRef="#br0" timeOffset="75591.42">12788 3210 0,'0'0'0,"-17"0"0,17 36 16,0 34-1,0-35 1,0 1-16,0 87 31,0-105-15,17-1-1</inkml:trace>
-  <inkml:trace contextRef="#ctx0" brushRef="#br0" timeOffset="75824.55">13000 3387 0,'0'0'0,"0"53"0,0 0 0,0-1 16,0 72 15,0-71-15</inkml:trace>
-  <inkml:trace contextRef="#ctx0" brushRef="#br0" timeOffset="76125.59">12682 3687 0,'36'17'31,"-1"-17"-15,18 0-16,53 0 31,0 0-16,-18 0 1,-35 0 0,-36 0-16</inkml:trace>
-  <inkml:trace contextRef="#ctx0" brushRef="#br0" timeOffset="76663.75">13088 3422 0,'18'0'31,"17"0"-15,53 0 0,-17 0-1</inkml:trace>
-  <inkml:trace contextRef="#ctx0" brushRef="#br0" timeOffset="76991.24">13176 3545 0,'-17'18'15,"34"-18"17,1 0-17,17 0 1,0 0 0,1 0-16,-19 0 15,1 0 16,0-18-15</inkml:trace>
-  <inkml:trace contextRef="#ctx0" brushRef="#br0" timeOffset="77324.82">13406 3069 0,'0'18'15,"0"88"1,0 70-1,0 18 1,-18-70 0,18-36-1,0-35 1,0-18 0,0-17 15</inkml:trace>
-  <inkml:trace contextRef="#ctx0" brushRef="#br0" timeOffset="78008.7">12929 3898 0,'0'18'94,"0"-1"-79,0 1-15,18 17 16,-18-17-1,0 0-15,18-1 16,-18 1 0,17-18 15,1 0-15,0 0 15,34 0-16,142-53 1,0-18 0,-52 54-1,-37-1 1,-69 18 0</inkml:trace>
-  <inkml:trace contextRef="#ctx0" brushRef="#br0" timeOffset="78697.34">13811 3193 0,'0'17'32,"0"19"-32,0-1 15,0 71 1,0 0 0,0-54-1,0-16 1,0-19-1,18 1 1,0-18 0,-1 0-1,18 0 17,-17 0-32,17 0 15,71 0 1,0-18-1,-71 18 1,-17-17 31,-18-1-31,0 0-1,0-17 1</inkml:trace>
-  <inkml:trace contextRef="#ctx0" brushRef="#br0" timeOffset="79007.88">14217 3175 0,'0'35'31,"0"18"-15,-35 35 0,35-17-1,0-18 1,0-35-1,-18-1 1,18 1-16</inkml:trace>
-  <inkml:trace contextRef="#ctx0" brushRef="#br0" timeOffset="79274.74">13776 3528 0,'18'0'16,"35"0"-1,35 0 1,-35 0 0,-36 0-1</inkml:trace>
-  <inkml:trace contextRef="#ctx0" brushRef="#br0" timeOffset="79541.53">14023 3828 0,'0'0'16,"0"35"-16,0 18 15,0-36 1,-35-17 31,17 18-32,0-18-15,-52 0 16,-18 0 0</inkml:trace>
-  <inkml:trace contextRef="#ctx0" brushRef="#br0" timeOffset="79791.62">13758 3951 0,'-17'0'16,"34"0"0,89 0-1,176 0 1,-35 0-1,-70 0 1,-71 0 0,-89 0 15</inkml:trace>
-  <inkml:trace contextRef="#ctx0" brushRef="#br0" timeOffset="80341.28">14781 3228 0,'0'0'0,"0"18"31,18 105-16,-18 36 1,0-36 0,0-52-1,18-54 32,-1-17-31,1 0-1,17 0-15,89-17 16,-18-1 0,-54 18-1,-34-17 32,-18-1-31</inkml:trace>
-  <inkml:trace contextRef="#ctx0" brushRef="#br0" timeOffset="80592.38">15205 3387 0,'0'53'47,"0"0"-47,17-1 16,1 1-16,-18 53 16,0-53 15</inkml:trace>
-  <inkml:trace contextRef="#ctx0" brushRef="#br0" timeOffset="80824.57">15240 3598 0,'0'-17'15,"18"17"1,17 0 0,0-18-1,-17 0 1,17-17 15,-17 18-15,-18-1-16</inkml:trace>
-  <inkml:trace contextRef="#ctx0" brushRef="#br0" timeOffset="81080.42">15434 3298 0,'0'53'47,"0"0"-47,18 88 16,-1 18-1,-17-35 1,0-71 0,0-36 15</inkml:trace>
-  <inkml:trace contextRef="#ctx0" brushRef="#br0" timeOffset="81799.58">15699 3351 0,'17'0'31,"1"0"-31,-18-17 16,18 17 0,-1 0 46,1 0-46,-1 0-1,1 0-15,70 0 16,-35 17 15,-18-17-31,1 0 16,-19 0-1,1 0 1,0 0 31,-18 18-31,-18 17-16,0 1 15,-17 34 1,-18 36-1,36-18 1,-1-17 0,0-36-16</inkml:trace>
-  <inkml:trace contextRef="#ctx0" brushRef="#br0" timeOffset="82143.42">16457 3087 0,'18'0'16,"-1"53"15,1 158-15,35 89-1,-35-53 1,-18-106 0,0-70-1</inkml:trace>
-  <inkml:trace contextRef="#ctx0" brushRef="#br0" timeOffset="83758.12">17022 3510 0,'0'0'0,"17"0"15,18 0 1,54 0-1,-54 0 1,-17 0 0</inkml:trace>
-  <inkml:trace contextRef="#ctx0" brushRef="#br0" timeOffset="84135.57">16969 3634 0,'-18'0'47,"18"17"-31,18-17 0,17 0-1,0 0 1,53 0-1,1 0 1,-54 0 0</inkml:trace>
-  <inkml:trace contextRef="#ctx0" brushRef="#br0" timeOffset="84663.63">17515 3210 0,'0'71'31,"0"-1"-31,0 107 31,0 17-15,0-88-16,0-18 15,0-71 1,0-34 47,0-36-63</inkml:trace>
-  <inkml:trace contextRef="#ctx0" brushRef="#br0" timeOffset="85225.8">17551 3263 0,'0'0'0,"0"-17"16,35 17-1,36 0 1,-1 0 0,1 0-1,-1 35 1,-17 0 0,-18 0-1,1 36 1,-1 17-1,-35-35 1,0 0-16,0 70 16,-53 1-1,-18-36 1,54-70 15,-36 17-15,18-17-1,-1-1 1,1 1 0,17-18-1,1 0 17,-18 0-17,-1 0-15,-34 0 16,-1-18-1,1 1 1</inkml:trace>
-  <inkml:trace contextRef="#ctx0" brushRef="#br0" timeOffset="85800.7">18045 3316 0,'0'35'15,"17"18"1,-17 53 0,0 18-1,0-1 1,0-35-1,0-17 1,0-54 0</inkml:trace>
-  <inkml:trace contextRef="#ctx0" brushRef="#br0" timeOffset="86800.11">18098 3334 0,'17'0'16,"1"0"0,35 17-1,35 54 1,-70-18-16,17-18 16,0 18-1,-17-35 1,-1-18 109,1-18-110,0 0-15,17-17 16,0-18 0,0 18-1,-17-36 1,35 18 0,-35 18-1,-1 18 1,1 17 78,0 35-79,-1 18 1,-17 17-16,18-17 15,17 88 1,-17-52 0,-1-19-1,1-17 1,17 0 0,-35-18-1,18-17 1,-18-1-1,0 19 1,0-19 0</inkml:trace>
-  <inkml:trace contextRef="#ctx0" brushRef="#br0" timeOffset="87511.77">19103 3157 0,'0'141'31,"0"-70"-31,0-18 15,0 53 1,0-36 0,0-52-1,18-18 1,-1 0 0,36 0-1,18 0 1,17-18-1,-53 1 1</inkml:trace>
-  <inkml:trace contextRef="#ctx0" brushRef="#br0" timeOffset="87791.97">19420 3087 0,'0'0'15,"0"53"-15,0 70 16,0-17 0,0-35-1,0-18 1</inkml:trace>
-  <inkml:trace contextRef="#ctx0" brushRef="#br0" timeOffset="88091.48">19173 3475 0,'0'-18'32,"18"18"-17,17 0-15,36 0 16,0-17 15,-4111-1-15,8132 0-1,-4074 1-15</inkml:trace>
-  <inkml:trace contextRef="#ctx0" brushRef="#br0" timeOffset="88399.51">19579 3104 0,'0'124'16,"0"70"15,0-123-31,0-19 15,0 19 1,18-36 0</inkml:trace>
-  <inkml:trace contextRef="#ctx0" brushRef="#br0" timeOffset="88608.51">19650 3510 0,'0'0'0,"17"-17"15,36 17 1,-35 0-16,35-18 15</inkml:trace>
-  <inkml:trace contextRef="#ctx0" brushRef="#br0" timeOffset="89474.99">19121 3881 0,'0'0'0,"105"-18"16,1 0-1,0 1 1,-53 17-16,18 0 16,-19 0-1,-34 0 17,-18 17-1,0 19-16,0 16 1,-18-34 0,1 0-1,-18-18 1,-18 0 0,35 0-1,0 0 1,-17 17-1,35 1 1,-18 17 0,18-17-1,0 17 17,0-17-32,0 0 31,0-1-16,0 1 1,18-18-16,0 0 16,105 0-1,18 0 1,18 0 0,-71-18-1,-52 1 1,-19-36-1,-17-18 1</inkml:trace>
-  <inkml:trace contextRef="#ctx0" brushRef="#br0" timeOffset="89808.03">20320 3122 0,'-18'0'31,"1"35"-31,-36 1 16,-18 69 0,1-16-16,-36 17 31,71-89-15</inkml:trace>
-  <inkml:trace contextRef="#ctx0" brushRef="#br0" timeOffset="90024.54">20585 3475 0,'0'0'16,"53"0"-16,-18 18 0,-18-18 16</inkml:trace>
-  <inkml:trace contextRef="#ctx0" brushRef="#br0" timeOffset="90290.99">20426 3493 0,'0'0'0,"-18"17"0,1 36 16,-1 0-1,0-18 1,1 1 0,-1-36 15,18 17-15</inkml:trace>
-  <inkml:trace contextRef="#ctx0" brushRef="#br0" timeOffset="90687.21">20249 3704 0,'18'0'94,"0"0"-94,17 0 16,88 0-1,19-17 1,-19 17 0,-17-18-1,-88 18 1</inkml:trace>
-  <inkml:trace contextRef="#ctx0" brushRef="#br0" timeOffset="91456.24">20549 3810 0,'-53'35'31,"0"18"-15,-17 18-1,35-54-15,17 1 16,0 35-1,-17 18 1,35-36 0,0-18-1,18 1 1,17 0 15,0-18-15,36 0-1,-1 0 1,19 0 0,-1-36-1,-35-34 1,-18-1 0,-17-17-1,-18 53 1,0 17-1,0 1 1,-36 17 0,19-18-1,-1 18 17,-17-18-17,17 1 1,1 17-1,-1 0 1,0 0 0,1 0-1</inkml:trace>
-  <inkml:trace contextRef="#ctx0" brushRef="#br0" timeOffset="92592.46">21237 3510 0,'0'-17'47,"18"17"-31,0 0-1,17 0 1,0 0-16,18 0 15,-35 0 1</inkml:trace>
-  <inkml:trace contextRef="#ctx0" brushRef="#br0" timeOffset="92975.96">21131 3687 0,'18'0'31,"0"0"-31,35 0 16,0 0-1,-1 0 1,54 0-1,0 0 1</inkml:trace>
-  <inkml:trace contextRef="#ctx0" brushRef="#br0" timeOffset="93458.35">21943 3016 0,'0'0'0,"0"159"16,0 17-1,0-34 17,0-54-32,0-35 31,17-36-16,1-17 1,0 0 0,52 0-1,18 0 1,-17 0 0,-18 0-1,-35-17 1,-18-1-1</inkml:trace>
-  <inkml:trace contextRef="#ctx0" brushRef="#br0" timeOffset="93741.78">22366 2910 0,'0'53'15,"0"18"-15,0 17 16,0 106 0,0-88-1,0-35 1,0-54-1,0 1-15,-18-18 16</inkml:trace>
-  <inkml:trace contextRef="#ctx0" brushRef="#br0" timeOffset="94008.8">22102 3528 0,'17'-18'16,"18"1"-1,36-1 1,35-17-1,35-1 1,-88 19 0,-18-1-1</inkml:trace>
-  <inkml:trace contextRef="#ctx0" brushRef="#br0" timeOffset="94648.1">22719 2805 0,'0'141'16,"0"-71"-16,0 107 15,0-1 17,0-88-17,0-35 1,0-35-16,0-1 31,0 1 125,0 0-156,0-1 16,0 1-16,0 17 31,0 1-15,0-54 62</inkml:trace>
-  <inkml:trace contextRef="#ctx0" brushRef="#br0" timeOffset="94872.47">22719 3369 0,'0'-18'16,"18"18"0,-1 0-1,71-35 1,-35 35-1,0-18 1</inkml:trace>
-  <inkml:trace contextRef="#ctx0" brushRef="#br0" timeOffset="95475.19">22648 3704 0,'0'0'0,"-35"53"31,-18 0-15,18-18-1,35-17 1,-18 17 0,18 0-1,0 1 1,0-1 0,18 36-1,35-54 1,-36 1-1,1-18 1,17 0 0,54-18-1,-37-35 17,19-17-17,-36-18 1,-52-18-1,17 70 1,-36 1 0,1 35-1,-35 0 1,34 0 0,19 0-1</inkml:trace>
-  <inkml:trace contextRef="#ctx0" brushRef="#br0" timeOffset="95841.85">23213 2999 0,'0'17'46,"0"19"-30,-35 16-16,-1 19 16,-87 105 15,70-105-15,35-36-1</inkml:trace>
-  <inkml:trace contextRef="#ctx0" brushRef="#br0" timeOffset="96064.56">23460 3263 0,'0'0'0,"70"0"16,18 18-16,36 17 16,-89-35-1,-17 0 48</inkml:trace>
-  <inkml:trace contextRef="#ctx0" brushRef="#br0" timeOffset="96342.61">23266 3387 0,'0'0'0,"-18"35"0,0 18 16,18 35 0,-17-53 15,17 1-31,0-1 31,-18 0-15,-35 0-1,18-17-15</inkml:trace>
-  <inkml:trace contextRef="#ctx0" brushRef="#br0" timeOffset="96632.16">23001 3792 0,'35'0'31,"18"0"-15,194-53 0,88 1-1,-176 34 1,18 0-16,34 18 31,-158 0-15</inkml:trace>
-  <inkml:trace contextRef="#ctx0" brushRef="#br0" timeOffset="97175.68">23707 3898 0,'0'0'0,"-18"0"15,0 35 1,1-17-1,17 17 1,0 18 0,0-17-1,0-19 1,35 19 0,18-1-1,-53-18-15,35-17 16,36 0 15,-54-35-15,36-53-1,-53 0 17,0 17-17,-17 18 1,-1 36-1,0 17 1,1 0 0,-18 0-1,-54 17 1,1 1 0,53 0-16,17-1 15</inkml:trace>
-  <inkml:trace contextRef="#ctx0" brushRef="#br0" timeOffset="142656.28">10425 14129 0,'17'0'62,"1"0"-62,52 0 32,19 17-17,52 1 1,17 17-1,37-17 1,-1-18 0,-36 0-1,1 0 1,-71 0 0,0 0-1,1 0 1,16 0-1,19 0 1,35 18 0,35-1-1,0 1 17,-53 17-17,-35-17 1,0-18-1,-54 0-15,-16 0 16,34 0 0,54 17-1,-18-17 1,-18 0 0,18 0-1,-1 0 1,-16 0-1,-19 0 1,18 0 0,-17 0 15,17-17-15,0-1-1,1 1 1,-19-19-1,1 19 1,-54-1 0,1 18 15,17-18-15,-17 18-1,-18-17 1,17-1-1,1 18 1,0-18 0</inkml:trace>
+  <inkml:traceGroup>
+    <inkml:annotationXML>
+      <emma:emma xmlns:emma="http://www.w3.org/2003/04/emma" version="1.0">
+        <emma:interpretation id="{8BBF7C7C-2CE4-4FBF-9A92-EA8031FD4A22}" emma:medium="tactile" emma:mode="ink">
+          <msink:context xmlns:msink="http://schemas.microsoft.com/ink/2010/main" type="writingRegion" rotatedBoundingBox="13863,7521 15673,7755 15550,8704 13741,8470"/>
+        </emma:interpretation>
+      </emma:emma>
+    </inkml:annotationXML>
+    <inkml:traceGroup>
+      <inkml:annotationXML>
+        <emma:emma xmlns:emma="http://www.w3.org/2003/04/emma" version="1.0">
+          <emma:interpretation id="{AEFE19A4-F461-4CFA-BE86-B01ED856E590}" emma:medium="tactile" emma:mode="ink">
+            <msink:context xmlns:msink="http://schemas.microsoft.com/ink/2010/main" type="paragraph" rotatedBoundingBox="13863,7521 15673,7755 15550,8704 13741,8470" alignmentLevel="1"/>
+          </emma:interpretation>
+        </emma:emma>
+      </inkml:annotationXML>
+      <inkml:traceGroup>
+        <inkml:annotationXML>
+          <emma:emma xmlns:emma="http://www.w3.org/2003/04/emma" version="1.0">
+            <emma:interpretation id="{2801366F-4E0B-4D15-AF44-8BB49AE5EB9D}" emma:medium="tactile" emma:mode="ink">
+              <msink:context xmlns:msink="http://schemas.microsoft.com/ink/2010/main" type="line" rotatedBoundingBox="13863,7521 15673,7755 15550,8704 13741,8470"/>
+            </emma:interpretation>
+          </emma:emma>
+        </inkml:annotationXML>
+        <inkml:traceGroup>
+          <inkml:annotationXML>
+            <emma:emma xmlns:emma="http://www.w3.org/2003/04/emma" version="1.0">
+              <emma:interpretation id="{48D98F16-CE88-4994-B852-B01C228B14FE}" emma:medium="tactile" emma:mode="ink">
+                <msink:context xmlns:msink="http://schemas.microsoft.com/ink/2010/main" type="inkWord" rotatedBoundingBox="14198,7339 15141,7836 14655,8757 13712,8260"/>
+              </emma:interpretation>
+              <emma:one-of disjunction-type="recognition" id="oneOf0">
+                <emma:interpretation id="interp0" emma:lang="" emma:confidence="0">
+                  <emma:literal>丙</emma:literal>
+                </emma:interpretation>
+                <emma:interpretation id="interp1" emma:lang="" emma:confidence="0">
+                  <emma:literal>였</emma:literal>
+                </emma:interpretation>
+                <emma:interpretation id="interp2" emma:lang="" emma:confidence="0">
+                  <emma:literal>西</emma:literal>
+                </emma:interpretation>
+                <emma:interpretation id="interp3" emma:lang="" emma:confidence="0">
+                  <emma:literal>品</emma:literal>
+                </emma:interpretation>
+                <emma:interpretation id="interp4" emma:lang="" emma:confidence="0">
+                  <emma:literal>函</emma:literal>
+                </emma:interpretation>
+              </emma:one-of>
+            </emma:emma>
+          </inkml:annotationXML>
+          <inkml:trace contextRef="#ctx0" brushRef="#br0">14041 7655 0,'0'-17'0,"17"17"31,18 0-16,1 0 1,158 0 0,-53 0-1,-18 0 1,-52 0 0,-18 0-1,0 0 1</inkml:trace>
+          <inkml:trace contextRef="#ctx0" brushRef="#br0" timeOffset="1880.13">13917 7938 0,'0'17'47,"0"1"-32,0-1 1,18-17-1,-1 18 1,1 0 0,0-18 15,-1 0-15,1 0 15,-18-18 0,18 18-15,-18-18-16,0 1 15,0-1 1,0 1 15,0-1-15,-18 18-1,0-18 1,1 1 0,-1 17-1,0 0 1,1 0 62,-1 0-62</inkml:trace>
+          <inkml:trace contextRef="#ctx0" brushRef="#br0" timeOffset="2522.19">13776 8220 0,'0'-18'15,"18"18"1,-1 0 0,1 0-1,17 0-15,0 0 16,54-18-1,-36 18 1,-36 0 0</inkml:trace>
+          <inkml:trace contextRef="#ctx0" brushRef="#br0" timeOffset="2872.14">13970 8237 0,'0'0'0,"-18"0"0,18 36 16,0-1 15,0-17-31,0 17 0,-17-18 31</inkml:trace>
+          <inkml:trace contextRef="#ctx0" brushRef="#br0" timeOffset="3408.46">14146 7955 0,'18'0'15,"0"0"-15,35 0 31,17 0-15,-17 0 0,0 0-1,-35 0 1</inkml:trace>
+          <inkml:trace contextRef="#ctx0" brushRef="#br0" timeOffset="3792.34">14252 8114 0,'0'0'0,"0"18"16,-17 34-1,17 1 1,0-35 31</inkml:trace>
+          <inkml:trace contextRef="#ctx0" brushRef="#br0" timeOffset="4072.31">14393 8096 0,'0'18'47,"0"17"-47,0-17 16,0-1-16,-17 19 16,17-19-1</inkml:trace>
+          <inkml:trace contextRef="#ctx0" brushRef="#br0" timeOffset="4488.63">14129 8308 0,'35'0'47,"0"0"-47,18 0 15,0 0 1,18 0 0,-18 0-16,0 0 15,17 0 1,-52 0-1</inkml:trace>
+          <inkml:trace contextRef="#ctx0" brushRef="#br0" timeOffset="4855.74">14623 8132 0,'17'0'47,"1"0"-47,0 0 15,-1 0 1</inkml:trace>
+          <inkml:trace contextRef="#ctx0" brushRef="#br0" timeOffset="5183.45">14640 8220 0,'18'0'16,"0"0"15,-1 0-15</inkml:trace>
+          <inkml:trace contextRef="#ctx0" brushRef="#br0" timeOffset="5505.61">14728 7955 0,'0'53'16,"0"-18"-16,0 1 15,0 17-15,0 52 16,-17-16-1,17-37 1</inkml:trace>
+          <inkml:trace contextRef="#ctx0" brushRef="#br0" timeOffset="6143.51">14482 8449 0,'0'18'16,"0"-1"-1,0 1 1,0 0 0,17-1-1,1 1 1,-1 0-1,1-18 1,0 0 0,-1 0-16,36 0 31,0-18-15,0 0-1,-35 18 1,-1-17 46</inkml:trace>
+        </inkml:traceGroup>
+        <inkml:traceGroup>
+          <inkml:annotationXML>
+            <emma:emma xmlns:emma="http://www.w3.org/2003/04/emma" version="1.0">
+              <emma:interpretation id="{EC160669-FBDB-4911-9EAE-942C269C0970}" emma:medium="tactile" emma:mode="ink">
+                <msink:context xmlns:msink="http://schemas.microsoft.com/ink/2010/main" type="inkWord" rotatedBoundingBox="15272,7784 15358,8535 14956,8581 14870,7830"/>
+              </emma:interpretation>
+              <emma:one-of disjunction-type="recognition" id="oneOf1">
+                <emma:interpretation id="interp5" emma:lang="" emma:confidence="0">
+                  <emma:literal>봉</emma:literal>
+                </emma:interpretation>
+                <emma:interpretation id="interp6" emma:lang="" emma:confidence="0">
+                  <emma:literal>뽕</emma:literal>
+                </emma:interpretation>
+                <emma:interpretation id="interp7" emma:lang="" emma:confidence="0">
+                  <emma:literal>쁭</emma:literal>
+                </emma:interpretation>
+                <emma:interpretation id="interp8" emma:lang="" emma:confidence="0">
+                  <emma:literal>뿅</emma:literal>
+                </emma:interpretation>
+                <emma:interpretation id="interp9" emma:lang="" emma:confidence="0">
+                  <emma:literal>뽑</emma:literal>
+                </emma:interpretation>
+              </emma:one-of>
+            </emma:emma>
+          </inkml:annotationXML>
+          <inkml:trace contextRef="#ctx0" brushRef="#br0" timeOffset="7373.29">14923 7885 0,'0'17'16,"0"19"-16,0 16 31,0-16-15,0-1-1,17 0 1,1-17 0,-1-18-1,1 18 1,17-18-1,-17 0 1,0 0 0,17 0-1,-17 0 1,-1-18 0,1 0-1,-1-17 1,-17 17 15,0 1-15,0-1-16</inkml:trace>
+          <inkml:trace contextRef="#ctx0" brushRef="#br0" timeOffset="10120.27">15064 8396 0,'0'18'62,"0"-1"-46,-18-17-16,18 18 47,0 0-32,0-1 1,0 1 0,0 0 15,18-1 0,-1-17-15,1 0-1,0 18 1,-1-18 0,1 0-1,-1 0 1,1 0 31,-18-18-32,0-17 1,0 17 0,0 1-1,0-1 1,0 0-1,0 1 1,0-1 0,-18 18-1,1-18 1,-1 18 0,1 0 46</inkml:trace>
+          <inkml:trace contextRef="#ctx0" brushRef="#br0" timeOffset="8138.41">14975 8061 0,'0'-18'31,"18"18"0,17 0-31,1-17 31,-19-1-15,1 18 15</inkml:trace>
+          <inkml:trace contextRef="#ctx0" brushRef="#br0" timeOffset="8472.84">15081 8184 0,'0'0'0,"0"18"31,0 0-15,0-1-1,0 1 1,-35-18-1,35 18 1</inkml:trace>
+          <inkml:trace contextRef="#ctx0" brushRef="#br0" timeOffset="7640.47">15169 7796 0,'0'18'16,"0"0"-1,0 17-15,-17 36 16,17-1 15,0-52-15,0-1-16</inkml:trace>
+          <inkml:trace contextRef="#ctx0" brushRef="#br0" timeOffset="8935.8599">14923 8290 0,'17'0'78,"1"0"-62,17 0-16,0 0 16,1 0-16,17-17 31,-1 17-31,37 0 15,-19 0 1</inkml:trace>
+        </inkml:traceGroup>
+        <inkml:traceGroup>
+          <inkml:annotationXML>
+            <emma:emma xmlns:emma="http://www.w3.org/2003/04/emma" version="1.0">
+              <emma:interpretation id="{88D2CD50-0191-4DC4-A124-1A0A2CAC1A84}" emma:medium="tactile" emma:mode="ink">
+                <msink:context xmlns:msink="http://schemas.microsoft.com/ink/2010/main" type="inkWord" rotatedBoundingBox="15513,7852 15674,8508 15444,8564 15283,7908"/>
+              </emma:interpretation>
+              <emma:one-of disjunction-type="recognition" id="oneOf2">
+                <emma:interpretation id="interp10" emma:lang="" emma:confidence="0">
+                  <emma:literal>투</emma:literal>
+                </emma:interpretation>
+                <emma:interpretation id="interp11" emma:lang="" emma:confidence="0">
+                  <emma:literal>톡</emma:literal>
+                </emma:interpretation>
+                <emma:interpretation id="interp12" emma:lang="" emma:confidence="0">
+                  <emma:literal>독</emma:literal>
+                </emma:interpretation>
+                <emma:interpretation id="interp13" emma:lang="" emma:confidence="0">
+                  <emma:literal>토</emma:literal>
+                </emma:interpretation>
+                <emma:interpretation id="interp14" emma:lang="" emma:confidence="0">
+                  <emma:literal>됵</emma:literal>
+                </emma:interpretation>
+              </emma:one-of>
+            </emma:emma>
+          </inkml:annotationXML>
+          <inkml:trace contextRef="#ctx0" brushRef="#br0" timeOffset="11399.4">15381 7885 0,'0'17'32,"0"1"-17,-18 0-15,18 34 31,0-16-15,0 17 0,0-18-1,0 0 1,0-17 0,18-1-1,-18 1 1,35 0-1,-17-18 17,0 0-17,-1 0 1,1 0 0,0 0-1,-1 0 1,-17-18 31,0 0-32</inkml:trace>
+          <inkml:trace contextRef="#ctx0" brushRef="#br0" timeOffset="10759.77">15381 7885 0,'0'0'0,"35"0"16,18 0-1,-17 0 1,-19 0-1</inkml:trace>
+          <inkml:trace contextRef="#ctx0" brushRef="#br0" timeOffset="11755.76">15399 8114 0,'17'0'32,"1"-18"-17,0 18 16,17 0-31,-17 0 16</inkml:trace>
+          <inkml:trace contextRef="#ctx0" brushRef="#br0" timeOffset="12519.51">15399 8378 0,'17'0'31,"1"0"-31,17 0 31,1 0-15,-19 0-1,1 0-15,0 0 32,17 0-17</inkml:trace>
+          <inkml:trace contextRef="#ctx0" brushRef="#br0" timeOffset="12871.78">15575 8378 0,'-17'36'47,"17"-19"-31,0 36 0,0-17-1,0-19 1</inkml:trace>
+        </inkml:traceGroup>
+      </inkml:traceGroup>
+    </inkml:traceGroup>
+  </inkml:traceGroup>
 </inkml:ink>
 </file>
 
-<file path=ppt/ink/ink12.xml><?xml version="1.0" encoding="utf-8"?>
+<file path=ppt/ink/ink23.xml><?xml version="1.0" encoding="utf-8"?>
 <inkml:ink xmlns:inkml="http://www.w3.org/2003/InkML">
   <inkml:definitions>
     <inkml:context xml:id="ctx0">
@@ -650,12 +1862,12 @@
   <inkml:trace contextRef="#ctx0" brushRef="#br0">4657 3563 0,'-18'0'31,"18"-18"-15,0 1-1,0-1 1,0 1 0,0-1-1,0 0-15,0 1 16,0-1 15,0 0-15,0 1-1,0-1 1,0 0 0,0 1-1,18-1 1,-18 0-1,0 1 1,35-18 0,-35-1-1,35-17 1,-17 18 0,-18 17-1,18-17 1,-1 0-1,1 0 17,-1-1-17,1-17 1,0 18-16,-1 0 16,19-18-1,-36 18 1,35-18-1,-17 17 1,17-16 0,-35-1-1,35 17 1,-17-34 0,-1 17-1,19 18 16,-19-18-31,19 0 32,-19 0-17,1 18 1,-1-1 0,19 1-1,-19-18 1,1 35-1,0-17 1,17 0 0,0 17-1,1-17 1,-1 17 0,-35 1-1,35-1-15,0-17 16,54 0 15,-72 17-15,18 0-1,18 1 1,0-1 0,0 0-1,0 1 1,0-1-1,-35 18 1,-1-18 15,19 18-15,-19 0-16,19 0 16,-1 0-1,0-17 1,0 17 15,-17 0-15,17 0-1,-17-18 1,17 18 0,36 0-1,-1 0 1,18 0-1,1-17 1,17 17 0,-71 0-1,0 0 1,0 0 0,18-18-1,-17 18 1,34 0-1,1 0 17,-1 0-17,1 0 1,-18 0 0,17 0-1,-34 0 1,34 0-1,1 0 1,-1 0 0,1 0-1,-1 0 1,18 0 0,1 0-1,-19 0 16,1 18-15,-54-18 0,36 0-1,18 0 1,-1 0 0,1 0-1,-18 0 1,17 0-1,-34 0 1,-1 0 0,-17 17-1,17-17 1,-17 18 0,-1-1-1,54-17 16,-1 18-15,-17 0 0,-35-18-1,0 0 17,-1 0-1,1 0-31,-1 0 31,-17 17-15,18-17-1,0 36 1,-1-19 0,1 1 15,0 0-31,17 17 31,-17 0-15,17 18-1,0 18 1,-17-19 0,17 19-1,0-36 1,-17 1-16,-18-19 15,18 36 1,-1-18 0,-17 18-1,18-17 1,0 34 0,-18-17-1,0 0 1,17 0-1,-17 0 17,18 0-17,-18 0 1,0 0 0,0 0-1,17 35 1,-17-53-1,18 0 1,-18 1 0,0-19-1,0 1 1,0-1 0,0 1-1,0 0 16,0-1 1,18-17-17,-18 36 1,0-19 0,0 1-1,0 0 1,17-1-1,-17 1 1,0-1 0,18 19-1,-18-19 1,0 1 0,18 0 15,-18-1 0,0 1-15,0 0-1,17-1 1,-17 1 15,0 0-15</inkml:trace>
   <inkml:trace contextRef="#ctx0" brushRef="#br0" timeOffset="28537.03">6262 1658 0,'0'18'62,"0"-1"-62,0 1 16,0 0-16,0-1 16,0 1-16,0 17 15,-18 36 1,18-1 0,0-17-1,0 35 16,0-17-15,0-36 0,0 18-1,-17 0 1,17 0 0,0 18-1,-36 17 1,36-18-1,-17-17 1,-1 0 0,18 0-1,0 0 1,0-18 0,0 1-1,0-19 16,0 1-15,0 17 0,0 0-1,0 1 1,0-19 0,0 19-1,0-19 16</inkml:trace>
   <inkml:trace contextRef="#ctx0" brushRef="#br0" timeOffset="30776.24">6650 1658 0,'0'18'62,"0"-1"-62,-18 19 16,1-1-16,-1 71 16,0 0-1,1-1 1,-1 37 15,-17-19-15,17-35-16,0-17 15,1 35 1,-1 35 0,18-53-1,0-53 1,0 18-1,0-35 1,0 17 0,0-17-1,0-1 79,0 1-78,0 0-1,0-1 1,0 1 0,0-1-1,0 1 1,0 0-1,0-1 1,0 1 0,0 0 15,-17-1 94,-1-17-94,0 0-15,1 0-1,17 18-15,-18-18 16,0 0 0,1 0 15,-1 0-15,0 0-1,1 0 32,-1 0-16,1 0 47,-1 0-62,0 0 0,1 0-1,-1 0 17,0 0 155,18-18-171,0 1-1,0-1-15,0 0 32,0 1-17,0-1 1,0 0-1,0 1 1,0-1 0,0-17-1,0 17 1,0 1 0,0-1-1,0 0 1,0 1-1,0-1 1,0 0 15</inkml:trace>
-  <inkml:trace contextRef="#ctx0" brushRef="#br0" timeOffset="34192.62">7973 1658 0,'0'35'63,"-18"-17"-48,1 17-15,-1 1 16,-17 52 0,17-18-1,0 18 1,1-35-1,17 18 1,-18 0 0,18-19-1,-18 1 1,18 0 0,0-17-16,-17 16 31,17 19-31,-18-18 31,18 0-15,0-18-1,0 0 1,0 1 0,0-1-1,0 18 1,0-18-1,0 18 1,0 0 0,0 18-1,18-1 1,-18 1 15,17-18-15,-17-1-16,0 1 31,0-17-15,18 17-1,-18-18 1,18 0 0,-18-17-1</inkml:trace>
-  <inkml:trace contextRef="#ctx0" brushRef="#br0" timeOffset="36520.72">8308 1605 0,'-18'0'32,"1"18"30,17-1-46,-18 1-16,0 17 15,1 18 1,-36 35 0,35-35-16,-17 18 15,0 52 1,-1-52-1,36 17 1,-17-35 0,-1 0-1,0 0 1,18 0 0,0 17-1,0 1 16,0-18-15,-17 17 0,17-52-16,0 0 15,0 52 1,-18-17 0,18-18-1,0 18 1,0-17-1,0-1 1,0 0 0,0 0-1,0 1 1,0-1 15,18 0-31,-18 1 31,17-19-15,-17 36 0,0-18-1,18-17 1,-18 17 0,18-17-1,-18 0 1,0 17-1,17 0 1,-17-17 0,0 17-1,0-17 1,0 17 15,0-17 63,-17-18-47,-1 0-32,0 0 1,1 0 0,-1 0 15,1 0 0,-1 0-15,0 0-1,1 0 32,-1 0-31,0 0 0,1 0-1,-1 0 204,18-18-203,0 0-1,0-17 1,0 17-1,0-17 1,0 18 0,0-1-1,0 0 1</inkml:trace>
+  <inkml:trace contextRef="#ctx0" brushRef="#br0" timeOffset="34192.6199">7973 1658 0,'0'35'63,"-18"-17"-48,1 17-15,-1 1 16,-17 52 0,17-18-1,0 18 1,1-35-1,17 18 1,-18 0 0,18-19-1,-18 1 1,18 0 0,0-17-16,-17 16 31,17 19-31,-18-18 31,18 0-15,0-18-1,0 0 1,0 1 0,0-1-1,0 18 1,0-18-1,0 18 1,0 0 0,0 18-1,18-1 1,-18 1 15,17-18-15,-17-1-16,0 1 31,0-17-15,18 17-1,-18-18 1,18 0 0,-18-17-1</inkml:trace>
+  <inkml:trace contextRef="#ctx0" brushRef="#br0" timeOffset="36520.7199">8308 1605 0,'-18'0'32,"1"18"30,17-1-46,-18 1-16,0 17 15,1 18 1,-36 35 0,35-35-16,-17 18 15,0 52 1,-1-52-1,36 17 1,-17-35 0,-1 0-1,0 0 1,18 0 0,0 17-1,0 1 16,0-18-15,-17 17 0,17-52-16,0 0 15,0 52 1,-18-17 0,18-18-1,0 18 1,0-17-1,0-1 1,0 0 0,0 0-1,0 1 1,0-1 15,18 0-31,-18 1 31,17-19-15,-17 36 0,0-18-1,18-17 1,-18 17 0,18-17-1,-18 0 1,0 17-1,17 0 1,-17-17 0,0 17-1,0-17 1,0 17 15,0-17 63,-17-18-47,-1 0-32,0 0 1,1 0 0,-1 0 15,1 0 0,-1 0-15,0 0-1,1 0 32,-1 0-31,0 0 0,1 0-1,-1 0 204,18-18-203,0 0-1,0-17 1,0 17-1,0-17 1,0 18 0,0-1-1,0 0 1</inkml:trace>
   <inkml:trace contextRef="#ctx0" brushRef="#br0" timeOffset="63543.76">14376 3563 0,'17'0'484,"-17"-18"-484,0 1 16,0-36 0,18 18-1,0 17 1,-18-35 0,0 35-16,17 1 15,1-36 1,-18 18-1,0 17 1,18-35 0,-18 18-1,0-18 1,17 18 15,1-18-15,-1 0-1,-17 17 1,18 19 0,-18-36-1,18 18 1,-1-18 0,1 35-1,0-53 1,17 19-1,-35-1 1,35 0 0,-35-18-1,35 18 1,-17-17 15,0 34-15,-1-16-1,19-1 1,-19 0 0,1 0-1,17 17 1,1-16 0,16-1-1,-16 17 1,-19 19-1,19-1 1,-19 0 0,1 1-1,0 17 1,-1-18 15,36 18-15,18-35-1,-18 17 1,17 1 0,-17 17-1,0 0 1,-18 0 0,1-18-1,34 18 1,1-18-1,52 18 1,18 0 0,-17 0-1,-18 0 1,35-17 0,-53 17 15,-18-18-16,54 0 1,-1 1 0,36 17-1,-18 0 1,-17 0 0,-19-18-1,-16 18 1,-1 0-1,106 0 1,-35 0 0,70 0-1,18 0 1,0 35 15,17 1-15,-52-1-1,-53-17 1,-71 17 0,-35-17-1,-18-1 1,-17 18 0,52 36-1,-34-18 1,-19-18-1,19 18 1,-19 0 0,1-18-1,0 1 17,17 17-17,-18 17 1,1-17-1,17 0 1,-35-18 0,36 36-1,-1-1 1,-17 1 0,17-36-1,-18 18 1,1 0-1,0-53 1,-18 18 15</inkml:trace>
   <inkml:trace contextRef="#ctx0" brushRef="#br1" timeOffset="78232.61">15505 1817 0,'0'17'78,"0"1"-78,0 0 16,0-1 15,0 1-15,0 0 15,0-1 16,17-17-31,-17 18-1,0 0 1,0-1 0,18-17-1,-18 18 1,0-1 15,18-17 63,-1 0-79,1 0 1,-1 0-16,19 0 16,52 0-1,53-17 1,-53 17 0,-17 0 15,-36 0-16,-17 0 17,-1 0-17,19 0 1,-19 0 0,-17-18 124,0 1-124,0-1-1,0 0 1,0 1 0,0-1-1,0-17 1,0-1 0,0 19-1,18-1 1,-18 1 15,0-1-31,18 18 31</inkml:trace>
-  <inkml:trace contextRef="#ctx0" brushRef="#br1" timeOffset="81239.74">16193 1782 0,'0'17'47,"0"1"-32,0 17 1,0 0 0,0-17-1,0 0 1,0-1-1,0 1 17,0 0 15,0-1-32,17 1 63,1-18-46,-1 0-17,1 0 1,0 0-16,-1 0 15,72-18 1,34-17 0,-70 35-16,35 0 15,0 0 1,-17 0 0,-1 0 15,-34 0-16,-1 0 1,0 0 0,1 0-1,-19 0 1,18 0 0,-17 0-1,0 0 1,-18-18 62,0 1-62,0-1-1,0 0 1,0-17-1,0 0 1,0 17 0,0 1-1,0-1 1,0 0-16,0 1 31,0-1-15,0 0-1,0 1 32,-18-1-15</inkml:trace>
-  <inkml:trace contextRef="#ctx0" brushRef="#br1" timeOffset="82677.99">17092 1676 0,'0'17'0,"0"1"31,0 0-16,0 17 1,0-17 0,0 17-1,0-18 1,0 1 0,0 17-1,0-17 1,0 0 15,18-1 0,-18 1 1,17-18 30,1 0-46,0 0-1,-1 0-15,19 0 16,-1 0-16,18 0 16,0 0-1,-18 0 1,18 0-1,-18 0 1,-17 0 0,-1 0-1,19 0 1,-1 0 15,0 0-15,-17 0-1,0 0 17,-1 0 140,-17-18-172,18 18 31,-1 0-16,1 0 1,0 0 31,-1 0-47,1 0 16,0-17 124,-18-1-124,0 0-1,0 1-15,0-1 16,0-17 0,0 17-1,0-17 1,0 17 0,0-17-1,0 17 1,0 1-1,0-1 1</inkml:trace>
+  <inkml:trace contextRef="#ctx0" brushRef="#br1" timeOffset="81239.7399">16193 1782 0,'0'17'47,"0"1"-32,0 17 1,0 0 0,0-17-1,0 0 1,0-1-1,0 1 17,0 0 15,0-1-32,17 1 63,1-18-46,-1 0-17,1 0 1,0 0-16,-1 0 15,72-18 1,34-17 0,-70 35-16,35 0 15,0 0 1,-17 0 0,-1 0 15,-34 0-16,-1 0 1,0 0 0,1 0-1,-19 0 1,18 0 0,-17 0-1,0 0 1,-18-18 62,0 1-62,0-1-1,0 0 1,0-17-1,0 0 1,0 17 0,0 1-1,0-1 1,0 0-16,0 1 31,0-1-15,0 0-1,0 1 32,-18-1-15</inkml:trace>
+  <inkml:trace contextRef="#ctx0" brushRef="#br1" timeOffset="82677.9899">17092 1676 0,'0'17'0,"0"1"31,0 0-16,0 17 1,0-17 0,0 17-1,0-18 1,0 1 0,0 17-1,0-17 1,0 0 15,18-1 0,-18 1 1,17-18 30,1 0-46,0 0-1,-1 0-15,19 0 16,-1 0-16,18 0 16,0 0-1,-18 0 1,18 0-1,-18 0 1,-17 0 0,-1 0-1,19 0 1,-1 0 15,0 0-15,-17 0-1,0 0 17,-1 0 140,-17-18-172,18 18 31,-1 0-16,1 0 1,0 0 31,-1 0-47,1 0 16,0-17 124,-18-1-124,0 0-1,0 1-15,0-1 16,0-17 0,0 17-1,0-17 1,0 17 0,0-17-1,0 17 1,0 1-1,0-1 1</inkml:trace>
   <inkml:trace contextRef="#ctx0" brushRef="#br1" timeOffset="88208.06">6650 1993 0,'18'0'78,"-1"0"-62,18 0-1,18-17 1,-17 17 0,17 0-1,-36 0 1,-17-18 93,18 18-93,-1 0-1,-17-18 1,18 1 0,-18-1-1,35-17 1,-35-1 0,18 1-1,0 18 1,-18-1-1,0 0 1,0 1 0,-18 17 156,0 0-110,1 0-46,-1 0-1,0 0-15,-17 0 16,18 0 15,-1 0 0,0 0-15,1 0 31,-1 0-16,0 0-15,1 0-1</inkml:trace>
   <inkml:trace contextRef="#ctx0" brushRef="#br1" timeOffset="89265.09">6615 2117 0,'0'17'78</inkml:trace>
   <inkml:trace contextRef="#ctx0" brushRef="#br1" timeOffset="90503.75">6932 1958 0,'0'18'47,"0"-1"-31,-18 36-1,1 0 1,17 0 0,-18-35-16,18-1 15,0 19 1,-17-19-1,17 1 1,0-1 0,0 1-1,0 0 17,0-1-32,-18-17 46,18 18 1,-18-18-31,1 0 0,-1 0 15,0 0 0,1 0 0,-1 0 1,0 0-17,1 0 1,-18 0-1,17 0 126,0 0-125</inkml:trace>
@@ -665,7 +1877,7 @@
 </inkml:ink>
 </file>
 
-<file path=ppt/ink/ink13.xml><?xml version="1.0" encoding="utf-8"?>
+<file path=ppt/ink/ink24.xml><?xml version="1.0" encoding="utf-8"?>
 <inkml:ink xmlns:inkml="http://www.w3.org/2003/InkML">
   <inkml:definitions>
     <inkml:context xml:id="ctx0">
@@ -694,7 +1906,7 @@
 </inkml:ink>
 </file>
 
-<file path=ppt/ink/ink14.xml><?xml version="1.0" encoding="utf-8"?>
+<file path=ppt/ink/ink25.xml><?xml version="1.0" encoding="utf-8"?>
 <inkml:ink xmlns:inkml="http://www.w3.org/2003/InkML">
   <inkml:definitions>
     <inkml:context xml:id="ctx0">
@@ -721,7 +1933,7 @@
   <inkml:trace contextRef="#ctx0" brushRef="#br0">14005 7567 0,'36'0'125,"16"0"-109,213 0 0,-159 18-1,-18-1 1,18 1-16,70 0 15,-52-1 1,-54 1 0,-17-18-1,-17 0 1,-1 0 0,18 0-1,17 0 1,36 0-1,71 0 1,-54 0 0,-70 0-1,35 0 1,36 0 15,-54 0-15,1-18-1,-18 1 1,0 17 0,-1 0-1,-34 0 1,0 0 0,17 0-1,0 0 1,53-18-1,-17 0 1,-18 18 0,35 0-1,-53 0 17,1 0-17,-19-17 1,36-1-1,-17 18 1,-1-18 0,18 1-1,0 17 1,52-18 0,-52 1-1,-17 17 1,-1 0-1,-17 0 1,-18-18 0</inkml:trace>
   <inkml:trace contextRef="#ctx0" brushRef="#br0" timeOffset="45808.49">15381 6950 0,'0'-18'15,"0"0"-15,0-34 16,0-72 0,0 54-16,18-125 15,35 19 17,-18 35-17,-17 53 1,17 0-1,-17-1 1,17 19 0,-18-1-1,1 18 1,0 0 0,-1 36-1,19-36 1,-19 18-1,19-1 1,-19 19 15,1-1-31,-1 18 32,1-18-17,0 18 1,17 0-1,-17 0 1,17 0 0,-17 0-1,-1 0 17</inkml:trace>
   <inkml:trace contextRef="#ctx0" brushRef="#br0" timeOffset="48904.55">16245 5115 0,'-17'36'0,"-1"-19"16,18 54 0,-17-18-16,-19 35 15,1 18 1,0 0 0,17-1-1,0-52 1,18-35-1,18-53 79,0-1-78,-1 1-16,19-18 15,17 0 1,17 18 0,-52 17-1,-1 36 48,-17 35-63,0-18 15,0-17-15,0-1 16,0 36 0,0-17-1,36-19 17,-19-17-17,19 0 1,-19-17-1,71-72 1,-35 19 0,-17 17-1,-36 35 1,0 1 0,-36 17-1,1 0 1,17 35-16,-52 18 15,52-35 1,1 52 0,17-35-1,17-35 32,1 0-31,17 0-1,36-17 1,-18-36 0,-18 0-1,-18 18 1,-17 17-16,-17 18 62,17 18-46,0-1 0,0 1-16,0 17 15,0-17 17,17-18-1,1 0-16,0 0 1,-1 0 0,1-18-1,-18 1-15,18-1 16,-1-17 0,1 17-1,-18 0 1,0 1-1,-18 17 17,1 0-17,-1 17 17,0 1-17,18 0 1,0-1-1,0 1-15,0 0 16,18-18 0,0 0-1,35 0 1,0 0 0,-18 0-1,-35 35 32,-18-18-47,1 19 16,-72 52 15,54-53-31,0 0 16,-1-17-1,36 0 16,18-36-15,70-35 0,71-106-1,17-17 1,-70 35 0,-53 17-1,-35 54 1,-18 52-16,0-17 15,0 53 48,-18-1-47,-52 107-1,-36 35 1,53-1-1,18-70 1,35-35 0,35-35-1,-17 0 1,17-1 0,-18-17-1,36 0 1,-17 0-1,-36-17 17,0-1-17,0 0-15,-18-35 32,-70-17-17,17 17 1,-17 0-1,35 35 1,36 18 0,34 0 31,36-17-47,106-1 15,-18 18 1,-53 0-1,-35 0 1</inkml:trace>
-  <inkml:trace contextRef="#ctx0" brushRef="#br0" timeOffset="49725.27">17533 5380 0,'0'18'15,"-18"34"1,18-16-16,-17 52 31,-1-18-15,18-34 0,0-54 30,18 0-30,35-52 0,17-18-1,1 35 1,-54 35 0,1 18-1,-18 18 16,18 17-31,-1 53 16,-17-17 0,0-18-1,0-36 17,18 1-1</inkml:trace>
+  <inkml:trace contextRef="#ctx0" brushRef="#br0" timeOffset="49725.2699">17533 5380 0,'0'18'15,"-18"34"1,18-16-16,-17 52 31,-1-18-15,18-34 0,0-54 30,18 0-30,35-52 0,17-18-1,1 35 1,-54 35 0,1 18-1,-18 18 16,18 17-31,-1 53 16,-17-17 0,0-18-1,0-36 17,18 1-1</inkml:trace>
   <inkml:trace contextRef="#ctx0" brushRef="#br0" timeOffset="51442.03">17992 5539 0,'-53'17'32,"0"19"-17,35-1 1,1-35-16,17 17 15,0 1 1,17-18 15,1 0-15,-1 0 0,1-18-1,0 1 1,-18-18-1,0-18 1,0 17 0,17 54 62,1 17-63,-18-17-15,18 17 16,-1 18 0,19-35-1,-36-1 1,17-17 0,-17-17-1,18-1-15,0-17 16,34-71-1,-52 71 1,18 35 47,-18 35-48,18 36 1,-18-19-1,0-34 1,17 0 15,1-36 1,0-17-32,35-36 15,-36 36 1,18 0-16,-35 17 15,18 18 17,-18 35-1,0 36-15,0 17-1,0-70 1,18-18 31,-1 0-32,-17-36 1,36 19-16,-1-18 16,-17 35 46,-18 17-62,0 1 16,17-1-16,-17 19 31,18-36 0,-1 0-15,1 0-1,35 0 1,35-18 0,-17-17-1,-18 35 1,-18-18 0,-35-17-1,0 17 1,0 1-1,0-1 1,-18 0 0,1 18-1,-19 0 1,19 0 0,-54 0-1,54 0 1,-1 18-1,0 17 1,18 18 0,0 18-1,0-18 1,0-36 0,18 1-1,0-18 1,35 0-1,-36 0 1,36 0 0,-35 0-1,-1 0 17</inkml:trace>
   <inkml:trace contextRef="#ctx0" brushRef="#br0" timeOffset="52407.97">17692 7602 0,'17'0'15,"1"0"1,53 0 0,34 0-1,-16-17 1,-36 17-16,-18 0 15,-17 0 1</inkml:trace>
   <inkml:trace contextRef="#ctx0" brushRef="#br0" timeOffset="53092.2">18309 6897 0,'0'-18'31,"18"18"-31,52-53 15,71-17 1,89-36 0,-1 18-1,-35 17 17,35 1-17,-176 70 1,0 0-1,-35 0 1,0 0-16,17 0 16,-18 17-1,1 1 1</inkml:trace>
@@ -733,7 +1945,7 @@
 </inkml:ink>
 </file>
 
-<file path=ppt/ink/ink15.xml><?xml version="1.0" encoding="utf-8"?>
+<file path=ppt/ink/ink26.xml><?xml version="1.0" encoding="utf-8"?>
 <inkml:ink xmlns:inkml="http://www.w3.org/2003/InkML">
   <inkml:definitions>
     <inkml:context xml:id="ctx0">
@@ -785,7 +1997,7 @@
   <inkml:trace contextRef="#ctx0" brushRef="#br0" timeOffset="19682.91">20373 6738 0,'0'0'0,"0"18"0,0 35 31,0-18-15,-18 18 0,1-36-1,17 1 1,-18-18 0</inkml:trace>
   <inkml:trace contextRef="#ctx0" brushRef="#br0" timeOffset="20037.47">20091 6967 0,'35'0'16,"53"0"0,124 0-1,17 0 1,18 0 0,-141 0-1,-88 0 63</inkml:trace>
   <inkml:trace contextRef="#ctx0" brushRef="#br0" timeOffset="21190.05">20849 6456 0,'0'-18'31,"18"18"-15,-1 0 0,1 0-16,0 0 15,-1 0 63,1 0-62,-18 18 15,18-1-31,-18 1 16,0 17 0,0 71-1,-36-18 1,19-35-1,-1-17 1,18-19 47,-18-17-32,1 0-16,-1 0 1</inkml:trace>
-  <inkml:trace contextRef="#ctx0" brushRef="#br0" timeOffset="21516.31">20796 6615 0,'0'0'0,"18"0"15,17-18 1,18 0 0,-35 18-16,-1 0 15,36 0 1,-17 0-1</inkml:trace>
+  <inkml:trace contextRef="#ctx0" brushRef="#br0" timeOffset="21516.3099">20796 6615 0,'0'0'0,"18"0"15,17-18 1,18 0 0,-35 18-16,-1 0 15,36 0 1,-17 0-1</inkml:trace>
   <inkml:trace contextRef="#ctx0" brushRef="#br0" timeOffset="21732.98">21026 6579 0,'17'-17'32,"1"-1"-17,-1 0 1,1 1-16,0-1 16,-1 18-1,-17-35 1</inkml:trace>
   <inkml:trace contextRef="#ctx0" brushRef="#br0" timeOffset="21932.99">21131 6473 0,'0'0'0,"0"18"15,0 17 1,0 36-1,0 0 1,0-54-16</inkml:trace>
   <inkml:trace contextRef="#ctx0" brushRef="#br0" timeOffset="22252.79">21290 6385 0,'0'36'47,"0"-1"-47,0 18 16,0 35 0,0-35-1,0-18 1,0-17-1</inkml:trace>
@@ -794,7 +2006,340 @@
 </inkml:ink>
 </file>
 
-<file path=ppt/ink/ink16.xml><?xml version="1.0" encoding="utf-8"?>
+<file path=ppt/ink/ink27.xml><?xml version="1.0" encoding="utf-8"?>
+<inkml:ink xmlns:inkml="http://www.w3.org/2003/InkML">
+  <inkml:definitions>
+    <inkml:context xml:id="ctx0">
+      <inkml:inkSource xml:id="inkSrc0">
+        <inkml:traceFormat>
+          <inkml:channel name="X" type="integer" max="1920" units="cm"/>
+          <inkml:channel name="Y" type="integer" max="1080" units="cm"/>
+          <inkml:channel name="T" type="integer" max="2.14748E9" units="dev"/>
+        </inkml:traceFormat>
+        <inkml:channelProperties>
+          <inkml:channelProperty channel="X" name="resolution" value="36.85221" units="1/cm"/>
+          <inkml:channelProperty channel="Y" name="resolution" value="36.86007" units="1/cm"/>
+          <inkml:channelProperty channel="T" name="resolution" value="1" units="1/dev"/>
+        </inkml:channelProperties>
+      </inkml:inkSource>
+      <inkml:timestamp xml:id="ts0" timeString="2021-04-09T00:40:19.424"/>
+    </inkml:context>
+    <inkml:brush xml:id="br0">
+      <inkml:brushProperty name="width" value="0.06667" units="cm"/>
+      <inkml:brushProperty name="height" value="0.06667" units="cm"/>
+      <inkml:brushProperty name="color" value="#ED1C24"/>
+      <inkml:brushProperty name="fitToCurve" value="1"/>
+    </inkml:brush>
+  </inkml:definitions>
+  <inkml:traceGroup>
+    <inkml:annotationXML>
+      <emma:emma xmlns:emma="http://www.w3.org/2003/04/emma" version="1.0">
+        <emma:interpretation id="{50E33F76-EE2A-4A04-8EE2-337AF37C8AEB}" emma:medium="tactile" emma:mode="ink">
+          <msink:context xmlns:msink="http://schemas.microsoft.com/ink/2010/main" type="writingRegion" rotatedBoundingBox="17347,5814 20105,5715 20138,6652 17380,6751"/>
+        </emma:interpretation>
+      </emma:emma>
+    </inkml:annotationXML>
+    <inkml:traceGroup>
+      <inkml:annotationXML>
+        <emma:emma xmlns:emma="http://www.w3.org/2003/04/emma" version="1.0">
+          <emma:interpretation id="{14D2A2EE-8B18-41FE-8B03-A6FEAAF918AD}" emma:medium="tactile" emma:mode="ink">
+            <msink:context xmlns:msink="http://schemas.microsoft.com/ink/2010/main" type="paragraph" rotatedBoundingBox="17347,5814 20105,5715 20138,6652 17380,6751" alignmentLevel="1"/>
+          </emma:interpretation>
+        </emma:emma>
+      </inkml:annotationXML>
+      <inkml:traceGroup>
+        <inkml:annotationXML>
+          <emma:emma xmlns:emma="http://www.w3.org/2003/04/emma" version="1.0">
+            <emma:interpretation id="{8238D945-9AD3-49D9-BCEC-FCE5F26E969F}" emma:medium="tactile" emma:mode="ink">
+              <msink:context xmlns:msink="http://schemas.microsoft.com/ink/2010/main" type="line" rotatedBoundingBox="17347,5814 20105,5715 20138,6652 17380,6751"/>
+            </emma:interpretation>
+          </emma:emma>
+        </inkml:annotationXML>
+        <inkml:traceGroup>
+          <inkml:annotationXML>
+            <emma:emma xmlns:emma="http://www.w3.org/2003/04/emma" version="1.0">
+              <emma:interpretation id="{779968D6-8B6C-4108-9406-55B854710A94}" emma:medium="tactile" emma:mode="ink">
+                <msink:context xmlns:msink="http://schemas.microsoft.com/ink/2010/main" type="inkWord" rotatedBoundingBox="17350,5909 19222,5842 19244,6467 17373,6534"/>
+              </emma:interpretation>
+              <emma:one-of disjunction-type="recognition" id="oneOf0">
+                <emma:interpretation id="interp0" emma:lang="" emma:confidence="1">
+                  <emma:literal/>
+                </emma:interpretation>
+              </emma:one-of>
+            </emma:emma>
+          </inkml:annotationXML>
+          <inkml:trace contextRef="#ctx0" brushRef="#br0">18859 6298 0,'34'0'62,"1"0"-46,0-35-16,0 0 31,0 1-15,-35-1-1,0 0 1,0 0-16,0 0 16,0 1 15,-35 34-15,0 0 15,0 0 0,0 34-15,35 1-1,0 35 1,0-35 0,0-1-16,0 1 15,0 0 1,35 0-16,-35 0 15,35-1-15,-35 1 16,35-35-16,0 35 16,-1-35-1,1 0 17,0 0-1,0-35 0,34 0-15,-69 1-16</inkml:trace>
+          <inkml:trace contextRef="#ctx0" brushRef="#br0" timeOffset="-711.1554">18754 5985 0,'-35'0'16,"1"0"-1,-1 0-15,0 0 16,-35 0 0,36 0-16,-1 35 31,0-1-16,35 1 17,0 35-17,0-35-15,0 34 16,0-34-16,35 0 16,34 34-16,-69-34 31,35-35-16,0 0 1,0 0 31,34 0-31,-69-35-16</inkml:trace>
+          <inkml:trace contextRef="#ctx0" brushRef="#br0" timeOffset="-1791.6644">17536 5985 0,'-34'0'16,"-1"0"-16,35 35 15,-35-35-15,35 34 16,-35 1-16,0 0 16,35 0 15,0 0-31,0-1 16,35 1-1,0-35-15,0 35 16,0-35-1,-1 0 1,36 0 15,-35-70 1,-35 36-17,0-1 1,0 0-16,0 0 15,0 0-15,0 1 16,35 103 93,-1 1-93,71 34-16,-70-34 16,-1-35-16,1 34 15,0-69-15,0 35 16,0-35 0,-1 0 15,-34-35-16</inkml:trace>
+          <inkml:trace contextRef="#ctx0" brushRef="#br0" timeOffset="-1247.399">18372 5880 0,'-35'0'31,"0"0"0,-35 0-15,36 0-16,-1 35 16,35 0-1,-35-35-15,35 35 16,0 34-1,0-34-15,0 0 32,0 0-32,0 0 15,35-35 1,0 34-16,-1-34 16,1 0-16,0 35 15,0-35 1,0 0 15,-1 0-31,36 0 16,-1 0-16,-34 0 15</inkml:trace>
+        </inkml:traceGroup>
+        <inkml:traceGroup>
+          <inkml:annotationXML>
+            <emma:emma xmlns:emma="http://www.w3.org/2003/04/emma" version="1.0">
+              <emma:interpretation id="{96407700-7A42-4DA5-B0B0-F5ED325FFB9C}" emma:medium="tactile" emma:mode="ink">
+                <msink:context xmlns:msink="http://schemas.microsoft.com/ink/2010/main" type="inkWord" rotatedBoundingBox="19173,6639 19359,5701 19694,5767 19508,6705"/>
+              </emma:interpretation>
+              <emma:one-of disjunction-type="recognition" id="oneOf1">
+                <emma:interpretation id="interp1" emma:lang="" emma:confidence="0">
+                  <emma:literal>P</emma:literal>
+                </emma:interpretation>
+                <emma:interpretation id="interp2" emma:lang="" emma:confidence="0">
+                  <emma:literal>p</emma:literal>
+                </emma:interpretation>
+                <emma:interpretation id="interp3" emma:lang="" emma:confidence="0">
+                  <emma:literal>n</emma:literal>
+                </emma:interpretation>
+                <emma:interpretation id="interp4" emma:lang="" emma:confidence="0">
+                  <emma:literal>8</emma:literal>
+                </emma:interpretation>
+                <emma:interpretation id="interp5" emma:lang="" emma:confidence="0">
+                  <emma:literal>『</emma:literal>
+                </emma:interpretation>
+              </emma:one-of>
+            </emma:emma>
+          </inkml:annotationXML>
+          <inkml:trace contextRef="#ctx0" brushRef="#br0" timeOffset="727.5822">19276 6124 0,'0'35'32,"0"69"-17,35-34-15,-35 34 16,0-69-16,35 69 15,0-69-15,-35 0 16,0 0 0,34-70 46,-34-35-46,0-34-16,0 34 15,0-104-15,0 105 16,0-1-16,0 1 16,0-36-16,0 70 15,0-34-15,0 34 16,0 0-16,35 35 62,0 0-62,35 0 16,-70 35-16,34 35 16,-34-36-16,35 1 15,-35 35-15,0-35 16,0-1-16,0 1 31,0 0-15,-35-35 15,1 0-15,-1 0-1,0 0-15,0 0 47,35-35-16</inkml:trace>
+        </inkml:traceGroup>
+        <inkml:traceGroup>
+          <inkml:annotationXML>
+            <emma:emma xmlns:emma="http://www.w3.org/2003/04/emma" version="1.0">
+              <emma:interpretation id="{78C88083-5743-4D44-8D63-F09B88450C71}" emma:medium="tactile" emma:mode="ink">
+                <msink:context xmlns:msink="http://schemas.microsoft.com/ink/2010/main" type="inkWord" rotatedBoundingBox="19856,5896 20102,5842 20114,5894 19868,5949"/>
+              </emma:interpretation>
+              <emma:one-of disjunction-type="recognition" id="oneOf2">
+                <emma:interpretation id="interp6" emma:lang="" emma:confidence="0">
+                  <emma:literal>-</emma:literal>
+                </emma:interpretation>
+                <emma:interpretation id="interp7" emma:lang="" emma:confidence="0">
+                  <emma:literal>~</emma:literal>
+                </emma:interpretation>
+                <emma:interpretation id="interp8" emma:lang="" emma:confidence="0">
+                  <emma:literal>一</emma:literal>
+                </emma:interpretation>
+                <emma:interpretation id="interp9" emma:lang="" emma:confidence="0">
+                  <emma:literal>ㅡ</emma:literal>
+                </emma:interpretation>
+                <emma:interpretation id="interp10" emma:lang="" emma:confidence="0">
+                  <emma:literal>`</emma:literal>
+                </emma:interpretation>
+              </emma:one-of>
+            </emma:emma>
+          </inkml:annotationXML>
+          <inkml:trace contextRef="#ctx0" brushRef="#br0" timeOffset="1231.7931">19868 5950 0,'0'-35'62,"34"35"-46,1-35-1,35 35 1,-1 0 0,-34 0-1</inkml:trace>
+        </inkml:traceGroup>
+      </inkml:traceGroup>
+    </inkml:traceGroup>
+  </inkml:traceGroup>
+</inkml:ink>
+</file>
+
+<file path=ppt/ink/ink28.xml><?xml version="1.0" encoding="utf-8"?>
+<inkml:ink xmlns:inkml="http://www.w3.org/2003/InkML">
+  <inkml:definitions>
+    <inkml:context xml:id="ctx0">
+      <inkml:inkSource xml:id="inkSrc0">
+        <inkml:traceFormat>
+          <inkml:channel name="X" type="integer" max="1920" units="cm"/>
+          <inkml:channel name="Y" type="integer" max="1080" units="cm"/>
+          <inkml:channel name="T" type="integer" max="2.14748E9" units="dev"/>
+        </inkml:traceFormat>
+        <inkml:channelProperties>
+          <inkml:channelProperty channel="X" name="resolution" value="36.85221" units="1/cm"/>
+          <inkml:channelProperty channel="Y" name="resolution" value="36.86007" units="1/cm"/>
+          <inkml:channelProperty channel="T" name="resolution" value="1" units="1/dev"/>
+        </inkml:channelProperties>
+      </inkml:inkSource>
+      <inkml:timestamp xml:id="ts0" timeString="2021-04-09T00:40:21.504"/>
+    </inkml:context>
+    <inkml:brush xml:id="br0">
+      <inkml:brushProperty name="width" value="0.06667" units="cm"/>
+      <inkml:brushProperty name="height" value="0.06667" units="cm"/>
+      <inkml:brushProperty name="color" value="#ED1C24"/>
+      <inkml:brushProperty name="fitToCurve" value="1"/>
+    </inkml:brush>
+  </inkml:definitions>
+  <inkml:traceGroup>
+    <inkml:annotationXML>
+      <emma:emma xmlns:emma="http://www.w3.org/2003/04/emma" version="1.0">
+        <emma:interpretation id="{3C197A76-DEF8-4414-9882-57A2EA8F9708}" emma:medium="tactile" emma:mode="ink">
+          <msink:context xmlns:msink="http://schemas.microsoft.com/ink/2010/main" type="inkDrawing"/>
+        </emma:interpretation>
+      </emma:emma>
+    </inkml:annotationXML>
+    <inkml:trace contextRef="#ctx0" brushRef="#br0">1 0 0,'0'70'47,"0"-1"-31,0 36-16,0-36 15,0-34-15,0 0 16,0 69 0,35-69-16,-35 0 15,35 0 16,-1 0-31,1-35 94,-35-35-78,0 0-1</inkml:trace>
+  </inkml:traceGroup>
+</inkml:ink>
+</file>
+
+<file path=ppt/ink/ink29.xml><?xml version="1.0" encoding="utf-8"?>
+<inkml:ink xmlns:inkml="http://www.w3.org/2003/InkML">
+  <inkml:definitions>
+    <inkml:context xml:id="ctx0">
+      <inkml:inkSource xml:id="inkSrc0">
+        <inkml:traceFormat>
+          <inkml:channel name="X" type="integer" max="1920" units="cm"/>
+          <inkml:channel name="Y" type="integer" max="1080" units="cm"/>
+          <inkml:channel name="T" type="integer" max="2.14748E9" units="dev"/>
+        </inkml:traceFormat>
+        <inkml:channelProperties>
+          <inkml:channelProperty channel="X" name="resolution" value="36.85221" units="1/cm"/>
+          <inkml:channelProperty channel="Y" name="resolution" value="36.86007" units="1/cm"/>
+          <inkml:channelProperty channel="T" name="resolution" value="1" units="1/dev"/>
+        </inkml:channelProperties>
+      </inkml:inkSource>
+      <inkml:timestamp xml:id="ts0" timeString="2021-04-09T00:40:42.856"/>
+    </inkml:context>
+    <inkml:brush xml:id="br0">
+      <inkml:brushProperty name="width" value="0.06667" units="cm"/>
+      <inkml:brushProperty name="height" value="0.06667" units="cm"/>
+      <inkml:brushProperty name="color" value="#ED1C24"/>
+      <inkml:brushProperty name="fitToCurve" value="1"/>
+    </inkml:brush>
+  </inkml:definitions>
+  <inkml:traceGroup>
+    <inkml:annotationXML>
+      <emma:emma xmlns:emma="http://www.w3.org/2003/04/emma" version="1.0">
+        <emma:interpretation id="{C1E868DE-1031-48AD-BBC0-BA1E54C9D27F}" emma:medium="tactile" emma:mode="ink">
+          <msink:context xmlns:msink="http://schemas.microsoft.com/ink/2010/main" type="writingRegion" rotatedBoundingBox="10590,12030 11264,13879 10584,14127 9910,12278"/>
+        </emma:interpretation>
+      </emma:emma>
+    </inkml:annotationXML>
+    <inkml:traceGroup>
+      <inkml:annotationXML>
+        <emma:emma xmlns:emma="http://www.w3.org/2003/04/emma" version="1.0">
+          <emma:interpretation id="{E115BAEF-79CE-4BC9-9455-D9D831947CAD}" emma:medium="tactile" emma:mode="ink">
+            <msink:context xmlns:msink="http://schemas.microsoft.com/ink/2010/main" type="paragraph" rotatedBoundingBox="10590,12030 11264,13879 10584,14127 9910,12278" alignmentLevel="1"/>
+          </emma:interpretation>
+        </emma:emma>
+      </inkml:annotationXML>
+      <inkml:traceGroup>
+        <inkml:annotationXML>
+          <emma:emma xmlns:emma="http://www.w3.org/2003/04/emma" version="1.0">
+            <emma:interpretation id="{BBE9FBE4-A3A7-4EB0-9204-85D1E954316B}" emma:medium="tactile" emma:mode="ink">
+              <msink:context xmlns:msink="http://schemas.microsoft.com/ink/2010/main" type="line" rotatedBoundingBox="10590,12030 11264,13879 10584,14127 9910,12278"/>
+            </emma:interpretation>
+          </emma:emma>
+        </inkml:annotationXML>
+        <inkml:traceGroup>
+          <inkml:annotationXML>
+            <emma:emma xmlns:emma="http://www.w3.org/2003/04/emma" version="1.0">
+              <emma:interpretation id="{F0B2B61D-341D-4C7F-AB4E-851901F99C59}" emma:medium="tactile" emma:mode="ink">
+                <msink:context xmlns:msink="http://schemas.microsoft.com/ink/2010/main" type="inkWord" rotatedBoundingBox="10503,12061 10718,12650 10631,12682 10416,12093"/>
+              </emma:interpretation>
+              <emma:one-of disjunction-type="recognition" id="oneOf0">
+                <emma:interpretation id="interp0" emma:lang="" emma:confidence="1">
+                  <emma:literal/>
+                </emma:interpretation>
+              </emma:one-of>
+            </emma:emma>
+          </inkml:annotationXML>
+          <inkml:trace contextRef="#ctx0" brushRef="#br0">392-278 0,'35'0'16,"-35"69"-1,0-34-15,0 35 16,35-35-16,-35 34 15,35 1-15,-35-35 16,0-1-16,34 36 16,-34-35-1,0 0 1,35-35 0,-35 34-1,35-34 32</inkml:trace>
+        </inkml:traceGroup>
+        <inkml:traceGroup>
+          <inkml:annotationXML>
+            <emma:emma xmlns:emma="http://www.w3.org/2003/04/emma" version="1.0">
+              <emma:interpretation id="{47FB0F0B-6E87-443C-B54E-6C65AEC75E96}" emma:medium="tactile" emma:mode="ink">
+                <msink:context xmlns:msink="http://schemas.microsoft.com/ink/2010/main" type="inkWord" rotatedBoundingBox="10626,12130 10681,12282 10459,12363 10404,12211"/>
+              </emma:interpretation>
+              <emma:one-of disjunction-type="recognition" id="oneOf1">
+                <emma:interpretation id="interp1" emma:lang="" emma:confidence="0">
+                  <emma:literal>一</emma:literal>
+                </emma:interpretation>
+                <emma:interpretation id="interp2" emma:lang="" emma:confidence="0">
+                  <emma:literal>ㅡ</emma:literal>
+                </emma:interpretation>
+                <emma:interpretation id="interp3" emma:lang="" emma:confidence="0">
+                  <emma:literal>-</emma:literal>
+                </emma:interpretation>
+                <emma:interpretation id="interp4" emma:lang="" emma:confidence="0">
+                  <emma:literal>…</emma:literal>
+                </emma:interpretation>
+                <emma:interpretation id="interp5" emma:lang="" emma:confidence="0">
+                  <emma:literal>.</emma:literal>
+                </emma:interpretation>
+              </emma:one-of>
+            </emma:emma>
+          </inkml:annotationXML>
+          <inkml:trace contextRef="#ctx0" brushRef="#br0" timeOffset="472.2341">323-139 0,'34'0'63,"1"35"-47,0-35-1,0 35-15,0-35 16,-1 0-16,1 0 15,0 0 1</inkml:trace>
+        </inkml:traceGroup>
+        <inkml:traceGroup>
+          <inkml:annotationXML>
+            <emma:emma xmlns:emma="http://www.w3.org/2003/04/emma" version="1.0">
+              <emma:interpretation id="{0FD8DE94-532F-461F-9846-D068CE26C904}" emma:medium="tactile" emma:mode="ink">
+                <msink:context xmlns:msink="http://schemas.microsoft.com/ink/2010/main" type="inkWord" rotatedBoundingBox="10333,12274 10437,12560 10119,12676 10015,12390"/>
+              </emma:interpretation>
+              <emma:one-of disjunction-type="recognition" id="oneOf2">
+                <emma:interpretation id="interp6" emma:lang="" emma:confidence="1">
+                  <emma:literal/>
+                </emma:interpretation>
+              </emma:one-of>
+            </emma:emma>
+          </inkml:annotationXML>
+          <inkml:trace contextRef="#ctx0" brushRef="#br0" timeOffset="-1487.485">114 0 0,'-35'0'16,"0"0"15,35 35 16,-35 0-32,35 0 1,0-1 0,0 1-1,0 0 1,0 0 0,35 0-1,0-35 16,0 0 32,-35-35-16,0 0-16,0 0 0,0 0-15,-35 1 0,35-1-1,-35 35 1</inkml:trace>
+          <inkml:trace contextRef="#ctx0" brushRef="#br0" timeOffset="-495.1947">79 35 0,'0'35'63,"0"0"-48,35-1-15,-35 1 16,35 35 0,-1-70 62,-34-35-16,0 0-46,0 0 0,0 1-16,0-1 15,0 0-15,0 0 16,0 0-1,0 70 157,35 0-156,0-35-16,-35 70 16,0-36-16,35 1 15,0-35-15,-35 35 31,34-35 1</inkml:trace>
+        </inkml:traceGroup>
+        <inkml:traceGroup>
+          <inkml:annotationXML>
+            <emma:emma xmlns:emma="http://www.w3.org/2003/04/emma" version="1.0">
+              <emma:interpretation id="{370E9AA6-1B27-4068-9A1A-6E6B1C36FFF8}" emma:medium="tactile" emma:mode="ink">
+                <msink:context xmlns:msink="http://schemas.microsoft.com/ink/2010/main" type="inkWord" rotatedBoundingBox="10451,13181 10456,13196 10443,13201 10438,13185"/>
+              </emma:interpretation>
+              <emma:one-of disjunction-type="recognition" id="oneOf3">
+                <emma:interpretation id="interp7" emma:lang="" emma:confidence="0">
+                  <emma:literal>.</emma:literal>
+                </emma:interpretation>
+                <emma:interpretation id="interp8" emma:lang="" emma:confidence="0">
+                  <emma:literal>'</emma:literal>
+                </emma:interpretation>
+                <emma:interpretation id="interp9" emma:lang="" emma:confidence="0">
+                  <emma:literal>1</emma:literal>
+                </emma:interpretation>
+                <emma:interpretation id="interp10" emma:lang="" emma:confidence="0">
+                  <emma:literal>`</emma:literal>
+                </emma:interpretation>
+                <emma:interpretation id="interp11" emma:lang="" emma:confidence="0">
+                  <emma:literal>,</emma:literal>
+                </emma:interpretation>
+              </emma:one-of>
+            </emma:emma>
+          </inkml:annotationXML>
+          <inkml:trace contextRef="#ctx0" brushRef="#br0" timeOffset="1224.6903">357 835 0</inkml:trace>
+        </inkml:traceGroup>
+        <inkml:traceGroup>
+          <inkml:annotationXML>
+            <emma:emma xmlns:emma="http://www.w3.org/2003/04/emma" version="1.0">
+              <emma:interpretation id="{CA5E9DE9-AD18-4EDB-8CD2-C37CE47BC6CA}" emma:medium="tactile" emma:mode="ink">
+                <msink:context xmlns:msink="http://schemas.microsoft.com/ink/2010/main" type="inkWord" rotatedBoundingBox="10902,13261 11143,13923 10584,14127 10343,13465"/>
+              </emma:interpretation>
+              <emma:one-of disjunction-type="recognition" id="oneOf4">
+                <emma:interpretation id="interp12" emma:lang="" emma:confidence="0">
+                  <emma:literal>5</emma:literal>
+                </emma:interpretation>
+                <emma:interpretation id="interp13" emma:lang="" emma:confidence="0">
+                  <emma:literal>t</emma:literal>
+                </emma:interpretation>
+                <emma:interpretation id="interp14" emma:lang="" emma:confidence="0">
+                  <emma:literal>f</emma:literal>
+                </emma:interpretation>
+                <emma:interpretation id="interp15" emma:lang="" emma:confidence="0">
+                  <emma:literal>ㅌ</emma:literal>
+                </emma:interpretation>
+                <emma:interpretation id="interp16" emma:lang="" emma:confidence="0">
+                  <emma:literal>ㄹ</emma:literal>
+                </emma:interpretation>
+              </emma:one-of>
+            </emma:emma>
+          </inkml:annotationXML>
+          <inkml:trace contextRef="#ctx0" brushRef="#br0" timeOffset="1440.7875">427 1357 0,'0'35'16,"0"35"-1,0-36 1,0 1-16,0 0 15</inkml:trace>
+          <inkml:trace contextRef="#ctx0" brushRef="#br0" timeOffset="2144.634">566 1044 0,'0'35'16,"35"34"-1,-35-34-15,35 35 16,-35-1-16,0-34 16,0 0-16,0 0 15,35-35 79,-35-35-94,0-35 16,0 36-16,0-71 15,0 70-15,0-34 16,34 34-16,-34-35 15,35 36 1,35 68 31,-70 1-31,69 70-1,-34-36-15,-35-34 16,35 69-16,0-69 15,-35 70-15,0-71 16,0 1 0,0 0-16,0 0 31</inkml:trace>
+        </inkml:traceGroup>
+      </inkml:traceGroup>
+    </inkml:traceGroup>
+  </inkml:traceGroup>
+</inkml:ink>
+</file>
+
+<file path=ppt/ink/ink3.xml><?xml version="1.0" encoding="utf-8"?>
 <inkml:ink xmlns:inkml="http://www.w3.org/2003/InkML">
   <inkml:definitions>
     <inkml:context xml:id="ctx0">
@@ -810,7 +2355,7 @@
           <inkml:channelProperty channel="T" name="resolution" value="1" units="1/dev"/>
         </inkml:channelProperties>
       </inkml:inkSource>
-      <inkml:timestamp xml:id="ts0" timeString="2021-04-08T08:18:44.486"/>
+      <inkml:timestamp xml:id="ts0" timeString="2021-04-08T06:40:39.512"/>
     </inkml:context>
     <inkml:brush xml:id="br0">
       <inkml:brushProperty name="width" value="0.05292" units="cm"/>
@@ -818,11 +2363,225 @@
       <inkml:brushProperty name="color" value="#FF0000"/>
     </inkml:brush>
   </inkml:definitions>
-  <inkml:trace contextRef="#ctx0" brushRef="#br0">17956 9472 0,'-35'0'15,"35"-18"-15,-18-34 16,1 16-16,-1-52 31,-17-71-15,0-35-1,-18 0 1,35 18 0,18 52-1,0 19 1,35-1 0,36-71-1,105-87 1,-105 176-1,141-124 1,158-35 0,-158 176-1,-71 18 17,-35 53-32,52 53 31,36 53-16,-53 35 1,-35 0 0,-18 124-1,-52-124 1,-19-53 0,-17 53-1,0-52 1,0-1-1,-88 71 1,-71 52 0,-70 1-1,17-71 17,71-70-32,18-36 31,17-17-16,0-18 1,-88 0 0,71-18-1,17-17 1,18 17 0,35 18-1,35 0 1</inkml:trace>
+  <inkml:trace contextRef="#ctx0" brushRef="#br0">3916 229 0,'0'-17'0,"17"17"16,1 0-16,53 0 16,35 17-16,-18-17 15,35 18-15,18-18 16,0 0 0,1 0-16,-54 0 15,-35 0-15,0 0 16</inkml:trace>
+  <inkml:trace contextRef="#ctx0" brushRef="#br0" timeOffset="487.7">4092 300 0,'0'35'0,"-17"0"15,-1 18-15,0 0 16,-17 35-16,0-17 15,17 17-15,-17 0 16,0-35-16,17-17 16,18-19-16,0-52 93</inkml:trace>
+  <inkml:trace contextRef="#ctx0" brushRef="#br0" timeOffset="711.9599">4128 688 0,'0'0'0,"35"0"0,0 0 16,18 0-1,18 0-15,17 0 16,18 0-16,-18 0 16,-18 0-16,1 0 15,-1-18-15,-17 18 16,-35-17-16,-18-1 16,18 18-1</inkml:trace>
+  <inkml:trace contextRef="#ctx0" brushRef="#br0" timeOffset="1248.1399">5080 582 0,'-18'0'16,"-52"35"0,52-17-1,-17-18-15,35 35 16,-18-17-16,1 0 15,17-1 1,0 1 0,0-1-16,35 1 15,0 0 1,36 17 0,-36-35-16,0 0 15,18 0 1,-18 0-16,-17 0 15,0 0 1,-1 0-16,1-18 16,-18 1-16,0-1 15,0-35-15,-18 18 16,1 17-16,-1-17 16,0 17-1,1 18 1</inkml:trace>
+  <inkml:trace contextRef="#ctx0" brushRef="#br0" timeOffset="1959.97">5521 564 0,'-35'71'31,"17"-53"-31,0 17 16,1-17-16,-1 17 15,18-18-15,0 19 16,0-1 0,0-17-1,18-18 1,17 0-1,0 0 1,1 0 0,69-18-1,-69 0 1,-1 18-16,-17-35 16,-1 17-16,19-17 15,-19 0-15,-17 0 16,18-1-16,-1 1 15,-17 53 64,0 17-79,0-17 15,0 17-15,0 0 16,0 0-16,18 1 15,0-19-15,-18 1 16,17-18-16,1 0 31,0 0-15,-1-35 15,1 17-31</inkml:trace>
+  <inkml:trace contextRef="#ctx0" brushRef="#br0" timeOffset="2463.85">6138 441 0,'0'0'0,"18"106"16,-18-53-16,0 0 16,0 0-16,0-1 15,0-16-15,0-19 16,0-34 93,0-1-109,18 0 16,-1-17-16,1 18 16,0-1-16,17-17 15,-18 17-15,19 0 16,-19 1-16,1 17 15,17 0-15,-17 0 32,0 0-17,-1 0 1,1 0-16,-1 17 16,-17 1-16</inkml:trace>
+  <inkml:trace contextRef="#ctx0" brushRef="#br0" timeOffset="3032.04">7126 159 0,'88'0'16,"-17"0"-1,17 0-15,0 0 16,142-18-1,-178 18 1,-34 0-16</inkml:trace>
+  <inkml:trace contextRef="#ctx0" brushRef="#br0" timeOffset="3271.83">7602 265 0,'0'0'15,"-35"35"-15,17 0 0,1 36 16,-18-36-16,17 18 16,-17 0-16,-1 17 15,19 1-15,-19-1 16,19-34-16,17-19 15,0 1 1</inkml:trace>
+  <inkml:trace contextRef="#ctx0" brushRef="#br0" timeOffset="3495.46">7973 370 0</inkml:trace>
+  <inkml:trace contextRef="#ctx0" brushRef="#br0" timeOffset="3702.9">7920 600 0,'0'0'0,"-18"17"0,18 1 16,-17 17-16,17-17 16,-18 0-16,18-1 31</inkml:trace>
+  <inkml:trace contextRef="#ctx0" brushRef="#br0" timeOffset="4416.9699">8237 635 0,'0'0'16,"18"0"-16,0 0 0,17 0 16,0 0-1,0-18-15,1 18 16,-1-17-16,0 17 0,18 0 16,-35 0-1,0 0 1,-1-18-16,1 18 15,-18-18 1,0 1-16,0-1 16,0 1 15,-88-1-15,52 18-1,-70 0 1,89 0-1,-18 0 1,35 18 0,0-1-1,0 1-15,0 17 16,0 36 0,0-54-16,0 1 15,0 0-15,17 17 16,-17-18-16,18 1 15,-1 0 1,1-18 0,0 17-1,-1-17-15,19 0 16,-19 0 0,19 0-16,-1-17 15,0-1-15,0-17 16,1 17-16,-19-35 15,1 36-15,17-1 16,-17-17-16,17-1 16,-17 1-16,-1 18 15,1-1-15</inkml:trace>
+  <inkml:trace contextRef="#ctx0" brushRef="#br0" timeOffset="4808.04">8855 441 0,'17'53'31,"-17"0"-31,18 0 0,0 0 16,-1 0-16,-17-18 16,0-18-16,0 19 15,18-36 48,0-18-48,-18-17-15,35 0 16,-18 17-16,19-35 16,-19 35-16,1 1 15,0 17-15,-1-18 16,19 0-16,-19 18 15,1-17-15,35 17 16,0 0-16,-18 0 16,88 0 15,-105 0-31,0 0 0</inkml:trace>
 </inkml:ink>
 </file>
 
-<file path=ppt/ink/ink17.xml><?xml version="1.0" encoding="utf-8"?>
+<file path=ppt/ink/ink30.xml><?xml version="1.0" encoding="utf-8"?>
+<inkml:ink xmlns:inkml="http://www.w3.org/2003/InkML">
+  <inkml:definitions>
+    <inkml:context xml:id="ctx0">
+      <inkml:inkSource xml:id="inkSrc0">
+        <inkml:traceFormat>
+          <inkml:channel name="X" type="integer" max="1920" units="cm"/>
+          <inkml:channel name="Y" type="integer" max="1080" units="cm"/>
+          <inkml:channel name="T" type="integer" max="2.14748E9" units="dev"/>
+        </inkml:traceFormat>
+        <inkml:channelProperties>
+          <inkml:channelProperty channel="X" name="resolution" value="36.85221" units="1/cm"/>
+          <inkml:channelProperty channel="Y" name="resolution" value="36.86007" units="1/cm"/>
+          <inkml:channelProperty channel="T" name="resolution" value="1" units="1/dev"/>
+        </inkml:channelProperties>
+      </inkml:inkSource>
+      <inkml:timestamp xml:id="ts0" timeString="2021-04-09T00:40:48.088"/>
+    </inkml:context>
+    <inkml:brush xml:id="br0">
+      <inkml:brushProperty name="width" value="0.06667" units="cm"/>
+      <inkml:brushProperty name="height" value="0.06667" units="cm"/>
+      <inkml:brushProperty name="color" value="#ED1C24"/>
+      <inkml:brushProperty name="fitToCurve" value="1"/>
+    </inkml:brush>
+    <inkml:context xml:id="ctx1">
+      <inkml:inkSource xml:id="inkSrc0">
+        <inkml:traceFormat>
+          <inkml:channel name="X" type="integer" max="1920" units="cm"/>
+          <inkml:channel name="Y" type="integer" max="1080" units="cm"/>
+          <inkml:channel name="T" type="integer" max="2.14748E9" units="dev"/>
+        </inkml:traceFormat>
+        <inkml:channelProperties>
+          <inkml:channelProperty channel="X" name="resolution" value="36.43264" units="1/cm"/>
+          <inkml:channelProperty channel="Y" name="resolution" value="36.48649" units="1/cm"/>
+          <inkml:channelProperty channel="T" name="resolution" value="1" units="1/dev"/>
+        </inkml:channelProperties>
+      </inkml:inkSource>
+      <inkml:timestamp xml:id="ts1" timeString="2021-04-08T08:18:44.486"/>
+    </inkml:context>
+    <inkml:brush xml:id="br1">
+      <inkml:brushProperty name="width" value="0.05292" units="cm"/>
+      <inkml:brushProperty name="height" value="0.05292" units="cm"/>
+      <inkml:brushProperty name="color" value="#FF0000"/>
+    </inkml:brush>
+  </inkml:definitions>
+  <inkml:traceGroup>
+    <inkml:annotationXML>
+      <emma:emma xmlns:emma="http://www.w3.org/2003/04/emma" version="1.0">
+        <emma:interpretation id="{C8FD2987-E433-4D64-A44A-387D587A9A17}" emma:medium="tactile" emma:mode="ink">
+          <msink:context xmlns:msink="http://schemas.microsoft.com/ink/2010/main" type="writingRegion" rotatedBoundingBox="15466,13645 18368,6775 20203,7550 17301,14420"/>
+        </emma:interpretation>
+      </emma:emma>
+    </inkml:annotationXML>
+    <inkml:traceGroup>
+      <inkml:annotationXML>
+        <emma:emma xmlns:emma="http://www.w3.org/2003/04/emma" version="1.0">
+          <emma:interpretation id="{B8DADA7D-7B67-4EE0-8ABD-E5AE4C650EE2}" emma:medium="tactile" emma:mode="ink">
+            <msink:context xmlns:msink="http://schemas.microsoft.com/ink/2010/main" type="paragraph" rotatedBoundingBox="15466,13645 18368,6775 20203,7550 17301,14420" alignmentLevel="1"/>
+          </emma:interpretation>
+        </emma:emma>
+      </inkml:annotationXML>
+      <inkml:traceGroup>
+        <inkml:annotationXML>
+          <emma:emma xmlns:emma="http://www.w3.org/2003/04/emma" version="1.0">
+            <emma:interpretation id="{2FA35752-7DF1-4A29-9589-A826AA0294EA}" emma:medium="tactile" emma:mode="ink">
+              <msink:context xmlns:msink="http://schemas.microsoft.com/ink/2010/main" type="line" rotatedBoundingBox="15466,13645 18368,6775 20203,7550 17301,14420"/>
+            </emma:interpretation>
+          </emma:emma>
+        </inkml:annotationXML>
+        <inkml:traceGroup>
+          <inkml:annotationXML>
+            <emma:emma xmlns:emma="http://www.w3.org/2003/04/emma" version="1.0">
+              <emma:interpretation id="{45CFC75F-60F1-4B4D-B674-958D61744249}" emma:medium="tactile" emma:mode="ink">
+                <msink:context xmlns:msink="http://schemas.microsoft.com/ink/2010/main" type="inkWord" rotatedBoundingBox="15945,13847 16099,13485 16351,13591 16198,13954"/>
+              </emma:interpretation>
+              <emma:one-of disjunction-type="recognition" id="oneOf0">
+                <emma:interpretation id="interp0" emma:lang="" emma:confidence="1">
+                  <emma:literal/>
+                </emma:interpretation>
+              </emma:one-of>
+            </emma:emma>
+          </inkml:annotationXML>
+          <inkml:trace contextRef="#ctx0" brushRef="#br0">16214 13570 0,'-35'0'16,"1"0"0,-1 35-16,0 0 15,0-1 1,0 1 0,35 0-1,0 0 1,0 0-1,0-1 1,35-34-16,-35 35 16,35-35-16,0 0 15,-35 35-15,35-35 32,-1 0-17,1 0 1,-35-35-1,0 0-15,0 1 16,35-1-16,-35-35 16,0 35-16,0 1 15,0-1 1,0 0 62,-35 35-47,35-35-15</inkml:trace>
+        </inkml:traceGroup>
+        <inkml:traceGroup>
+          <inkml:annotationXML>
+            <emma:emma xmlns:emma="http://www.w3.org/2003/04/emma" version="1.0">
+              <emma:interpretation id="{F77A404D-630E-475F-9E0D-A95DFB24E7A6}" emma:medium="tactile" emma:mode="ink">
+                <msink:context xmlns:msink="http://schemas.microsoft.com/ink/2010/main" type="inkWord" rotatedBoundingBox="16321,14013 16388,13464 16729,13506 16663,14054"/>
+              </emma:interpretation>
+              <emma:one-of disjunction-type="recognition" id="oneOf1">
+                <emma:interpretation id="interp1" emma:lang="" emma:confidence="0">
+                  <emma:literal>‘</emma:literal>
+                </emma:interpretation>
+                <emma:interpretation id="interp2" emma:lang="" emma:confidence="0">
+                  <emma:literal>'</emma:literal>
+                </emma:interpretation>
+                <emma:interpretation id="interp3" emma:lang="" emma:confidence="0">
+                  <emma:literal>우</emma:literal>
+                </emma:interpretation>
+                <emma:interpretation id="interp4" emma:lang="" emma:confidence="0">
+                  <emma:literal>÷</emma:literal>
+                </emma:interpretation>
+                <emma:interpretation id="interp5" emma:lang="" emma:confidence="0">
+                  <emma:literal>스</emma:literal>
+                </emma:interpretation>
+              </emma:one-of>
+            </emma:emma>
+          </inkml:annotationXML>
+          <inkml:trace contextRef="#ctx0" brushRef="#br0" timeOffset="784.4939">16388 13466 0,'0'34'0,"0"1"16,0 70-16,0-71 15,0 71-15,0-70 16,0-1-16,0 1 16,0 0-16,0 35 15,0-36 1,70-34 62,-70-34-78,35-106 16,-1 106-16,1-71 15,-35 70-15,35-34 16,-35 34-16,0 0 15,0 70 79,0 35-78,0-1-16,0-34 15,0 35-15,0-36 16,0 36 0,35-105 31,0 0-32,-35 1 1,34-36-16</inkml:trace>
+        </inkml:traceGroup>
+        <inkml:traceGroup>
+          <inkml:annotationXML>
+            <emma:emma xmlns:emma="http://www.w3.org/2003/04/emma" version="1.0">
+              <emma:interpretation id="{12A43828-F91A-4905-A651-0D6B02B18B2D}" emma:medium="tactile" emma:mode="ink">
+                <msink:context xmlns:msink="http://schemas.microsoft.com/ink/2010/main" type="inkWord" rotatedBoundingBox="16986,13262 17170,13982 16884,14056 16699,13336"/>
+              </emma:interpretation>
+              <emma:one-of disjunction-type="recognition" id="oneOf2">
+                <emma:interpretation id="interp6" emma:lang="" emma:confidence="0">
+                  <emma:literal>2</emma:literal>
+                </emma:interpretation>
+                <emma:interpretation id="interp7" emma:lang="" emma:confidence="0">
+                  <emma:literal>C</emma:literal>
+                </emma:interpretation>
+                <emma:interpretation id="interp8" emma:lang="" emma:confidence="0">
+                  <emma:literal>&amp;</emma:literal>
+                </emma:interpretation>
+                <emma:interpretation id="interp9" emma:lang="" emma:confidence="0">
+                  <emma:literal>×</emma:literal>
+                </emma:interpretation>
+                <emma:interpretation id="interp10" emma:lang="" emma:confidence="0">
+                  <emma:literal>「</emma:literal>
+                </emma:interpretation>
+              </emma:one-of>
+            </emma:emma>
+          </inkml:annotationXML>
+          <inkml:trace contextRef="#ctx0" brushRef="#br0" timeOffset="1215.741">16875 13292 0,'0'34'15,"0"36"1,0 0-16,0-1 16,0 1-16,0-1 15,0 1-15,0 0 16,0-36 0,0 1-16,0 35 15,0-35 1,0-1-16,35-34 31,0 0 16,0 0-31,0 0-1,-1-34-15,1 34 16,0 0-16,0 0 15,-35-35 17,0 0-32</inkml:trace>
+        </inkml:traceGroup>
+        <inkml:traceGroup>
+          <inkml:annotationXML>
+            <emma:emma xmlns:emma="http://www.w3.org/2003/04/emma" version="1.0">
+              <emma:interpretation id="{422F53BF-D4AE-45C6-8B14-456C23E6AB08}" emma:medium="tactile" emma:mode="ink">
+                <msink:context xmlns:msink="http://schemas.microsoft.com/ink/2010/main" type="inkWord" rotatedBoundingBox="16632,13534 16910,13534 16910,13549 16632,13549"/>
+              </emma:interpretation>
+              <emma:one-of disjunction-type="recognition" id="oneOf3">
+                <emma:interpretation id="interp11" emma:lang="" emma:confidence="0">
+                  <emma:literal>1</emma:literal>
+                </emma:interpretation>
+                <emma:interpretation id="interp12" emma:lang="" emma:confidence="0">
+                  <emma:literal>'</emma:literal>
+                </emma:interpretation>
+                <emma:interpretation id="interp13" emma:lang="" emma:confidence="0">
+                  <emma:literal>`</emma:literal>
+                </emma:interpretation>
+                <emma:interpretation id="interp14" emma:lang="" emma:confidence="0">
+                  <emma:literal>‘</emma:literal>
+                </emma:interpretation>
+                <emma:interpretation id="interp15" emma:lang="" emma:confidence="0">
+                  <emma:literal>ㅣ</emma:literal>
+                </emma:interpretation>
+              </emma:one-of>
+            </emma:emma>
+          </inkml:annotationXML>
+          <inkml:trace contextRef="#ctx0" brushRef="#br0" timeOffset="1711.7136">16632 13535 0,'35'0'62,"34"0"-46,-34 0-1,0 0 1,0 0-16,-1 0 16,1 0 15</inkml:trace>
+        </inkml:traceGroup>
+        <inkml:traceGroup>
+          <inkml:annotationXML>
+            <emma:emma xmlns:emma="http://www.w3.org/2003/04/emma" version="1.0">
+              <emma:interpretation id="{B035F79B-3714-4B92-815A-BEB2CF4AA425}" emma:medium="tactile" emma:mode="ink">
+                <msink:context xmlns:msink="http://schemas.microsoft.com/ink/2010/main" type="inkWord" rotatedBoundingBox="16294,12576 16495,12102 17228,12412 17028,12886"/>
+              </emma:interpretation>
+              <emma:one-of disjunction-type="recognition" id="oneOf4">
+                <emma:interpretation id="interp16" emma:lang="" emma:confidence="1">
+                  <emma:literal/>
+                </emma:interpretation>
+              </emma:one-of>
+            </emma:emma>
+          </inkml:annotationXML>
+          <inkml:trace contextRef="#ctx0" brushRef="#br0" timeOffset="-928.5207">16562 12352 0,'35'0'15,"0"35"-15,-35 0 16,0 0-16,35 34 16,-35-34-16,0 0 15,0 0-15,0-1 16,0 1-16,0 0 47,34-35 31,-34-35-47,0 0 16,0 1-31,35-1-16,-35 0 15,0-35 1,0 36-1,0-1-15,0-35 16,35 70 0,-35-35-1,35 35 17,0 0-1,-1 0-16,1 35 1,0 35-16,0-1 16,0-34-16,-35 0 15,0 0-15,0 34 16,34-34 0,-34 0-16,0 0 15,0 0-15,0-1 16</inkml:trace>
+          <inkml:trace contextRef="#ctx0" brushRef="#br0" timeOffset="-1815.8999">16493 12457 0,'0'34'15,"34"1"1,-34 35 0,0-35-1</inkml:trace>
+          <inkml:trace contextRef="#ctx0" brushRef="#br0" timeOffset="-2015.8383">16493 12109 0</inkml:trace>
+        </inkml:traceGroup>
+        <inkml:traceGroup>
+          <inkml:annotationXML>
+            <emma:emma xmlns:emma="http://www.w3.org/2003/04/emma" version="1.0">
+              <emma:interpretation id="{AC5EE93A-74D4-42C0-9CF3-66EAC2403217}" emma:medium="tactile" emma:mode="ink">
+                <msink:context xmlns:msink="http://schemas.microsoft.com/ink/2010/main" type="inkWord" rotatedBoundingBox="17334,9223 18368,6775 20203,7550 19169,9998"/>
+              </emma:interpretation>
+              <emma:one-of disjunction-type="recognition" id="oneOf5">
+                <emma:interpretation id="interp17" emma:lang="" emma:confidence="1">
+                  <emma:literal/>
+                </emma:interpretation>
+              </emma:one-of>
+            </emma:emma>
+          </inkml:annotationXML>
+          <inkml:trace contextRef="#ctx1" brushRef="#br1">17956 9472 0,'-35'0'15,"35"-18"-15,-18-34 16,1 16-16,-1-52 31,-17-71-15,0-35-1,-18 0 1,35 18 0,18 52-1,0 19 1,35-1 0,36-71-1,105-87 1,-105 176-1,141-124 1,158-35 0,-158 176-1,-71 18 17,-35 53-32,52 53 31,36 53-16,-53 35 1,-35 0 0,-18 124-1,-52-124 1,-19-53 0,-17 53-1,0-52 1,0-1-1,-88 71 1,-71 52 0,-70 1-1,17-71 17,71-70-32,18-36 31,17-17-16,0-18 1,-88 0 0,71-18-1,17-17 1,18 17 0,35 18-1,35 0 1</inkml:trace>
+        </inkml:traceGroup>
+      </inkml:traceGroup>
+    </inkml:traceGroup>
+  </inkml:traceGroup>
+</inkml:ink>
+</file>
+
+<file path=ppt/ink/ink31.xml><?xml version="1.0" encoding="utf-8"?>
 <inkml:ink xmlns:inkml="http://www.w3.org/2003/InkML">
   <inkml:definitions>
     <inkml:context xml:id="ctx0">
@@ -853,7 +2612,7 @@
 </inkml:ink>
 </file>
 
-<file path=ppt/ink/ink18.xml><?xml version="1.0" encoding="utf-8"?>
+<file path=ppt/ink/ink32.xml><?xml version="1.0" encoding="utf-8"?>
 <inkml:ink xmlns:inkml="http://www.w3.org/2003/InkML">
   <inkml:definitions>
     <inkml:context xml:id="ctx0">
@@ -881,7 +2640,7 @@
 </inkml:ink>
 </file>
 
-<file path=ppt/ink/ink19.xml><?xml version="1.0" encoding="utf-8"?>
+<file path=ppt/ink/ink33.xml><?xml version="1.0" encoding="utf-8"?>
 <inkml:ink xmlns:inkml="http://www.w3.org/2003/InkML">
   <inkml:definitions>
     <inkml:context xml:id="ctx0">
@@ -913,150 +2672,28 @@
   <inkml:trace contextRef="#ctx0" brushRef="#br0" timeOffset="36247.9">16228 9490 0,'0'0'0,"-35"17"0,17-17 15,0 0-15,-17 18 16,17 0 0,1-18 15,17 17-31,0 1 15,0 0 1,0-1 0,0 1-16,17-18 15,-17 35-15,36-35 16,-19 18-16,1-1 16,17-17-16,-17 0 15,-1 0-15,19 0 16,-19 0-16,1 0 15,17 0-15,-17-17 16,0 17-16,-1-18 16,1 0-1,-1 1 1,-17-1-16,18 18 16,-18-35-16,0 17 15,0 1 1,0-1-16,-18 0 15,1 18 1,-1 0 0,1 0-1</inkml:trace>
   <inkml:trace contextRef="#ctx0" brushRef="#br0" timeOffset="36760.21">16228 9790 0,'0'17'31,"0"1"-31,0 17 16,0-17-16,0-1 15,0 19-15,0-19 16</inkml:trace>
   <inkml:trace contextRef="#ctx0" brushRef="#br0" timeOffset="37095.43">16351 9807 0,'18'0'31,"0"18"-31,-18 0 16,17-1-16,1 18 15,-18-17 1</inkml:trace>
-  <inkml:trace contextRef="#ctx0" brushRef="#br0" timeOffset="37592.22">15857 10054 0,'18'0'0,"0"-17"0,35 17 15,-1-18-15,1 0 16,18 18-16,-18-17 15,17 17-15,1 0 16,35 0 0,-36 0-16,-17 0 15,0 0-15,0 0 16,-18 0-16,-17 0 16,0 0-16,-1 0 15</inkml:trace>
+  <inkml:trace contextRef="#ctx0" brushRef="#br0" timeOffset="37592.2199">15857 10054 0,'18'0'0,"0"-17"0,35 17 15,-1-18-15,1 0 16,18 18-16,-18-17 15,17 17-15,1 0 16,35 0 0,-36 0-16,-17 0 15,0 0-15,0 0 16,-18 0-16,-17 0 16,0 0-16,-1 0 15</inkml:trace>
   <inkml:trace contextRef="#ctx0" brushRef="#br0" timeOffset="38096.11">16757 9119 0,'35'53'15,"-17"0"-15,17-18 16,18 1-16,-35-1 16,17 0-16,-17-17 15,-1 17-15</inkml:trace>
   <inkml:trace contextRef="#ctx0" brushRef="#br0" timeOffset="38808.17">16598 9437 0,'18'0'16,"35"0"-16,17-18 16,160 18-1,-125 0-15,19 0 16,-54 0-16,-17 0 16,-17 0-16,-19 0 46,-34 0-14,-1 0-1,0 0-31,1 0 16,-1 18-16,0-1 15,1-17-15,-1 0 16,1 18-16,-1 0 15,-17-1-15,17 1 16,0 35-16,-17-35 16,17 17-16,-17 0 15,35-17-15,-17-1 16,17 1 0,17-36 124,1 1-140,-1-19 16</inkml:trace>
   <inkml:trace contextRef="#ctx0" brushRef="#br0" timeOffset="39007.86">17180 9613 0,'0'0'16,"36"0"-16,34 53 15,-52-18-15,-1-35 16,19 36-16,-19-36 15,1 17-15</inkml:trace>
   <inkml:trace contextRef="#ctx0" brushRef="#br0" timeOffset="39319.51">17392 9648 0,'18'-17'15,"-1"17"1,1 0-1,0 0 1,17-18-16,-18 18 16,1 0-16,17 0 15,-17 0 1,0-17 0,-18-1-16,17 18 15,-17-18-15,18 1 16,-18-1-16</inkml:trace>
-  <inkml:trace contextRef="#ctx0" brushRef="#br0" timeOffset="40167.26">17657 9384 0,'0'18'31,"0"17"-15,0 35-16,0 1 15,17 17-15,1-35 16,-18 0-16,0-18 16,17 18-1,-17-35 63,-17-18-46,-1 0-1,1 0-16,-19 0 1,19 0-16,-19 0 16,1 0-16,0 0 15,17 0-15,1 0 16,-1 0-16,18 17 62,0 1-62,0 0 16,0 35 0,35-53-16,-17 35 15,-1-35-15,19 18 16,-19-1-16,1-17 16,35 0-1,-35 0-15,-1 0 16,1 0-16,-1 0 15,1-17-15,0-1 16,-1-17 0,19 17-16,-19-17 15,1 17 1,-18 0 0,0 1 15,-18 17 47,1 0-62</inkml:trace>
+  <inkml:trace contextRef="#ctx0" brushRef="#br0" timeOffset="40167.2599">17657 9384 0,'0'18'31,"0"17"-15,0 35-16,0 1 15,17 17-15,1-35 16,-18 0-16,0-18 16,17 18-1,-17-35 63,-17-18-46,-1 0-1,1 0-16,-19 0 1,19 0-16,-19 0 16,1 0-16,0 0 15,17 0-15,1 0 16,-1 0-16,18 17 62,0 1-62,0 0 16,0 35 0,35-53-16,-17 35 15,-1-35-15,19 18 16,-19-1-16,1-17 16,35 0-1,-35 0-15,-1 0 16,1 0-16,-1 0 15,1-17-15,0-1 16,-1-17 0,19 17-16,-19-17 15,1 17 1,-18 0 0,0 1 15,-18 17 47,1 0-62</inkml:trace>
   <inkml:trace contextRef="#ctx0" brushRef="#br0" timeOffset="44183.31">15293 12118 0,'0'-18'94,"18"18"-94,34 0 16,72-17-16,52-1 15,18 0-15,36 18 16,34 0-16,-17 0 15,18 0-15,52 0 16,459 0 15,-582-35-31,-35 35 16,0-18-16,-71 1 16,-35 17-16,-35 0 156,17 0-141,-17 0 32,-18-18-47,17 18 16,1 0-16,0 0 16,34-17-16,1-1 15,106 0 1,-106 18-1,-18 0-15,-17 0 16</inkml:trace>
-  <inkml:trace contextRef="#ctx0" brushRef="#br0" timeOffset="45671.16">16739 12400 0,'0'-17'47,"0"34"-16,0 1-15,0-1-1,0 1-15,0 0 16,0 17 0,0 0-16,0-17 15,18 17 1,0-17-1,-1-18 1,-17 17-16,18-17 16,0 18-16,-1-18 15,1 0 1,-1 0-16,1 0 16,0 18-1,-1-18 1,1 0-16,0 0 15,-1 0 17,-17-18-32,18 0 15,-18 1 1,18-18-16,-18 17 16,17 0-16,1 1 15,-18-1-15,0 0 16,17-17-16,1 17 15,-18 1-15,0-36 16,0 35-16,0 1 16,0-1-16,0-17 15,0 17 1,0 0 0,0 1 62,0 34-63,0 1 1,0 17-16,0-17 16,0 17-16,0 1 15,0-19-15,0 1 16,0-1-16,0 1 15,0 0 64</inkml:trace>
+  <inkml:trace contextRef="#ctx0" brushRef="#br0" timeOffset="45671.1599">16739 12400 0,'0'-17'47,"0"34"-16,0 1-15,0-1-1,0 1-15,0 0 16,0 17 0,0 0-16,0-17 15,18 17 1,0-17-1,-1-18 1,-17 17-16,18-17 16,0 18-16,-1-18 15,1 0 1,-1 0-16,1 0 16,0 18-1,-1-18 1,1 0-16,0 0 15,-1 0 17,-17-18-32,18 0 15,-18 1 1,18-18-16,-18 17 16,17 0-16,1 1 15,-18-1-15,0 0 16,17-17-16,1 17 15,-18 1-15,0-36 16,0 35-16,0 1 16,0-1-16,0-17 15,0 17 1,0 0 0,0 1 62,0 34-63,0 1 1,0 17-16,0-17 16,0 17-16,0 1 15,0-19-15,0 1 16,0-1-16,0 1 15,0 0 64</inkml:trace>
   <inkml:trace contextRef="#ctx0" brushRef="#br0" timeOffset="46216.15">16880 12488 0,'-17'-17'16,"34"17"-1,1-18 1,0 18-16,17-18 16,0 18-1,1 0-15,-1 0 16,0 0-16,-17 0 16,17 0-16,-17-17 15,-1 17 1</inkml:trace>
-  <inkml:trace contextRef="#ctx0" brushRef="#br0" timeOffset="46880.23">17321 12259 0,'18'18'47,"-18"17"-31,18-17-16,-18 17 16,0-17-16,0 17 15,17-18-15,-17 1 16,18 0-1,-18-1 1,0 1 47,0 0-63,0-1 31,0 1-16,0 17 1,0-17 0,0-53 109,0 17-125,-18 0 15,18-17-15</inkml:trace>
+  <inkml:trace contextRef="#ctx0" brushRef="#br0" timeOffset="46880.2299">17321 12259 0,'18'18'47,"-18"17"-31,18-17-16,-18 17 16,0-17-16,0 17 15,17-18-15,-17 1 16,18 0-1,-18-1 1,0 1 47,0 0-63,0-1 31,0 1-16,0 17 1,0-17 0,0-53 109,0 17-125,-18 0 15,18-17-15</inkml:trace>
   <inkml:trace contextRef="#ctx0" brushRef="#br0" timeOffset="47127.54">17357 12418 0,'0'0'0,"17"0"16,1 0-1,0 0-15,17 0 16,-17 0-16,-1 0 16,1 0-16</inkml:trace>
   <inkml:trace contextRef="#ctx0" brushRef="#br0" timeOffset="47919.36">17163 12718 0,'0'0'0,"0"17"16,0 1 0,0 0-16,0-1 15,0 1 63,17-18-46,1 0 30,0 0-46,-1 0-1,1 0 1,-1 0 0,36 0-16,-17 0 15,-1 0-15,0 0 16,1 0-16,-19 0 15,18-18-15,-17 18 16,0 0-16</inkml:trace>
   <inkml:trace contextRef="#ctx0" brushRef="#br0" timeOffset="48943.48">17762 12277 0,'-17'0'31,"-1"0"-15,18 17-16,-18-17 31,18 18-15,0 0-1,0-1 17,0 1-32,18-18 31,0 18-16,-1-18-15,1 0 16,0 0-16,-1 0 16,1 0-1,0 0 1,-1 0 0,1 0-1,-18-18 16,0 0-31,0 1 16,0-1 0,0 0-1,-18 18 17,18-17-32,-17 17 15,-1 0-15,0 0 16,18-18-1,-17 18-15,-1 0 16,0 0 0,1 0 31,-1 0-32</inkml:trace>
   <inkml:trace contextRef="#ctx0" brushRef="#br0" timeOffset="49751.41">17586 12488 0,'18'0'63,"-1"0"-48,1 0 1,17 0-16,0 0 15,-17 0-15,17-17 16,1 17-16,-1 0 16,-17 0-16,-1 0 15,1 0 142,-1 0-126,1 0-16,0 0 1,17 0-16,-17 0 16,-1 0-1,1 0 1,0 0 0,17-18-16,-17 18 15</inkml:trace>
-  <inkml:trace contextRef="#ctx0" brushRef="#br0" timeOffset="50718.77">17833 12594 0,'0'18'16,"-18"-1"0,18 1-1,-17-18 1,17 18 0,0-1-1,17-17 1,-17 18-1,18-18 1,0 18 0,34-1-1,-34-17 1,17 0-16,-17 0 16,0 0-1,-1 0 48,-17-17-48,0-1 1,0 0 0,0 1-1,-17 17 63,-1 0-62,0 0 0,1 0-1,17-18-15,-18 18 16,0 0 78,1 0-48,-1-18-46</inkml:trace>
-  <inkml:trace contextRef="#ctx0" brushRef="#br0" timeOffset="66903.44">4604 14640 0,'0'0'0,"35"-17"0,18 17 0,35 0 15,-17 0-15,35 0 16,-18 0-16,18 0 15,-18 17-15,18 1 16,-18-18 0,35 18-1,-87-18-15,-19 0 16,1 0-16,17 0 16,0 0-16,-17 0 15,17 0-15,1 0 16,-1 0-16,18 0 15,0 0-15,0 0 16,0 0-16,-1 17 16,-16-17-16,-1 0 15,0 18-15,-17-18 16,35 0 15</inkml:trace>
+  <inkml:trace contextRef="#ctx0" brushRef="#br0" timeOffset="50718.7699">17833 12594 0,'0'18'16,"-18"-1"0,18 1-1,-17-18 1,17 18 0,0-1-1,17-17 1,-17 18-1,18-18 1,0 18 0,34-1-1,-34-17 1,17 0-16,-17 0 16,0 0-1,-1 0 48,-17-17-48,0-1 1,0 0 0,0 1-1,-17 17 63,-1 0-62,0 0 0,1 0-1,17-18-15,-18 18 16,0 0 78,1 0-48,-1-18-46</inkml:trace>
+  <inkml:trace contextRef="#ctx0" brushRef="#br0" timeOffset="66903.4399">4604 14640 0,'0'0'0,"35"-17"0,18 17 0,35 0 15,-17 0-15,35 0 16,-18 0-16,18 0 15,-18 17-15,18 1 16,-18-18 0,35 18-1,-87-18-15,-19 0 16,1 0-16,17 0 16,0 0-16,-17 0 15,17 0-15,1 0 16,-1 0-16,18 0 15,0 0-15,0 0 16,0 0-16,-1 17 16,-16-17-16,-1 0 15,0 18-15,-17-18 16,35 0 15</inkml:trace>
   <inkml:trace contextRef="#ctx0" brushRef="#br0" timeOffset="67895.83">6967 14605 0,'0'0'0,"18"0"15,17 0-15,1 0 16,87 0 0,-70 0-1,53 0 1,-53 0-16,-18 0 15,71 0 1,-71 0-16,18 18 16,0-1-16,0-17 15,17 0-15,-17 0 16,18 0-16,35 0 16,-36 0-16,1 18 15,70-18 1,-88 18-16,17-18 15,54 17 1,-71-17-16,0 0 16,0 0-16,-18 0 15,0 0-15,0 0 16,1 18 0,-19-18-16,19 0 0</inkml:trace>
   <inkml:trace contextRef="#ctx0" brushRef="#br0" timeOffset="74415.12">4463 17586 0,'0'-18'187,"17"1"-171,19 17-16,-1-18 16,0 0-16,0 18 15,18 0-15,18 0 16,17-17-16,-17 17 16,-1 0-16,1 0 15,-1 0-15,36 0 16,-35 0-16,-1 0 15,1 0-15,-1 0 16,1 0-16,35 0 16,-36 0-16,1 0 15,-18 0-15,17 17 16,54-17 0,-71 0-16,0 0 15,0 0-15,-1 18 16,1-18-16,0 0 15,-17 0-15,-19 0 16,1 0-16,-1 0 625</inkml:trace>
 </inkml:ink>
 </file>
 
-<file path=ppt/ink/ink2.xml><?xml version="1.0" encoding="utf-8"?>
-<inkml:ink xmlns:inkml="http://www.w3.org/2003/InkML">
-  <inkml:definitions>
-    <inkml:context xml:id="ctx0">
-      <inkml:inkSource xml:id="inkSrc0">
-        <inkml:traceFormat>
-          <inkml:channel name="X" type="integer" max="1920" units="cm"/>
-          <inkml:channel name="Y" type="integer" max="1080" units="cm"/>
-          <inkml:channel name="T" type="integer" max="2.14748E9" units="dev"/>
-        </inkml:traceFormat>
-        <inkml:channelProperties>
-          <inkml:channelProperty channel="X" name="resolution" value="36.43264" units="1/cm"/>
-          <inkml:channelProperty channel="Y" name="resolution" value="36.48649" units="1/cm"/>
-          <inkml:channelProperty channel="T" name="resolution" value="1" units="1/dev"/>
-        </inkml:channelProperties>
-      </inkml:inkSource>
-      <inkml:timestamp xml:id="ts0" timeString="2021-04-08T06:14:12.144"/>
-    </inkml:context>
-    <inkml:brush xml:id="br0">
-      <inkml:brushProperty name="width" value="0.05292" units="cm"/>
-      <inkml:brushProperty name="height" value="0.05292" units="cm"/>
-      <inkml:brushProperty name="color" value="#FF0000"/>
-    </inkml:brush>
-  </inkml:definitions>
-  <inkml:trace contextRef="#ctx0" brushRef="#br0">5768 5098 0,'0'17'63,"0"1"-63,-18 17 15,1 36 1,-1-1 0,18 1-1,-35-1 1,17 1 0,18 0-1,-18-36 1,1 0-1,17-17 1,0 17 0,0-17-1,-18 17 1,18-17 0,0-1-1,-17 1 1,17-1-1,-18 1 1,18 0 0,0-1 124,0 1-140,-18-18 16,18 18 0,0-1-1,-17 1 1,17 0-1,0-1 17,0 1-1,0 0 94,-18-1-109,18 1-1</inkml:trace>
-  <inkml:trace contextRef="#ctx0" brushRef="#br0" timeOffset="20048.22">12100 6015 0,'18'0'47,"0"0"-31,17 0-1,88 0 1,54 0-1,-19 0 1,36 0 0,-52-18-1,-54 1 1,-53 17-16,36-36 16,17 36-1,18-17 1,52-1-1,36 0 17,-52 1-17,-37 17 1,-16-18 0,-54 18-1</inkml:trace>
-  <inkml:trace contextRef="#ctx0" brushRef="#br0" timeOffset="23296.1">12453 3792 0,'0'-17'31,"18"17"-15,-1 0-1,1 0 1,35-18-1,53 0 1,17 18 0,-17 0-1,-35 0 1,-36-17 0,-53 17 155,1 0-171,-1 0 16,0 0 47,1 0 77,-1 0-124,0 0-1,18 17 1,-17 1 0,-19 17-1,1 18 1,0 35 0,0-35-1,17 0 1,-17-17-1,35-19 1,-18 1 0,18 0 171,0-36-171,18 0-1,-1 1-15,1-1 16,0-17-16,-1-18 31,1 35-15,0 18-16,-18-18 47,17 18-32,1 0 1,70 36 0,0 17-1,0 0 1,-35-18 0,-17-17-1,-36-1 63</inkml:trace>
-  <inkml:trace contextRef="#ctx0" brushRef="#br0" timeOffset="23703.73">12823 4057 0,'0'18'15,"0"-1"1,-17 1-16,17 35 15,0-36 1,0 19 0,0-19-1</inkml:trace>
-  <inkml:trace contextRef="#ctx0" brushRef="#br0" timeOffset="24319.6">12488 4322 0,'18'0'62,"0"0"-46,17 0 0,35-18-1,36 0 1,0 1 0,-18 17-1,1 0 1,-54 0-1,-18 0-15,1 0 16</inkml:trace>
-  <inkml:trace contextRef="#ctx0" brushRef="#br0" timeOffset="25767.42">12806 4498 0,'-18'0'16,"1"0"-1,17 18 1,-36-18 0,36 17 62,0 1-63,0-1 1,0 1 0,0 0-1,0-1 1,18-17-1,0 0 1,-1 18 0,1-18-1,17 18 1,-17-18 0,17 0-1,0 0 1,1 0-1,-19 0 1,1 0 15,0 0 1,-18-18-1,17 0-16,-17 1 1,0-1 0,0 0-1,0 1 1,-17-1 15,-1 18-15,18-17-16,-18 17 15,1 0 17,-1 0-17,0 0 1,1 0 0,-1 0-1,0 0 1,1 0 15,-1 0 0,0 0-15,1 0 0</inkml:trace>
-  <inkml:trace contextRef="#ctx0" brushRef="#br0" timeOffset="29304.64">13353 3722 0,'0'35'63,"0"-17"-63,0-1 16,-18 36-16,18 18 15,0-18 1,0 0-1,0-18 1,0-17 15,0-1 1,35 1-17,1-18 1,34 0-1,-17 0 1,0 0 0,-35 0-1,-1 0 1,19 0 0,34-18-1,-17 18 1,-35-17-16</inkml:trace>
-  <inkml:trace contextRef="#ctx0" brushRef="#br0" timeOffset="29603.74">13653 4145 0,'0'0'16,"0"18"-16,-18 17 0,0 0 15,-17 18 1,17 18 15,1-54-15,-1 19 0,-17-19 15</inkml:trace>
-  <inkml:trace contextRef="#ctx0" brushRef="#br0" timeOffset="30080.48">13229 4463 0,'35'0'63,"1"-18"-63,17 0 15,52 1 1,19-1 0,35 0-1,-36 1 1,36 17-1,-71 0 1</inkml:trace>
-  <inkml:trace contextRef="#ctx0" brushRef="#br0" timeOffset="30704">13441 4533 0,'0'0'0,"-18"18"16,18-1-1,0 19 1,0-1-1,-17 18 1,17-35 0,0-1-16</inkml:trace>
-  <inkml:trace contextRef="#ctx0" brushRef="#br0" timeOffset="31992.24">13476 4551 0,'0'0'0,"0"-18"16,35 18-1,-17 0 1,17-17-1,18 17 17,-17 0-17,34 0 1,-17 0 0,-35-18-1,35 18 1,-53 18 218,0 17-234,0-18 16,0 1-1,0 17 1,-18-17 0,18 0-1,0-1 17,-18-17 77,18 18-78,-17-18-31,-1 18 31,0-18-31,1 0 16,-1 0 0,-17 0-1,17 0 1,-17 0 0,0 0-1,17 0 1,0 0-1,1 17 1,-1-17 15,0 0-15,-17 0 0,-18 0-1,36 0 1</inkml:trace>
-  <inkml:trace contextRef="#ctx0" brushRef="#br0" timeOffset="80520.36">9825 7038 0,'18'18'0,"-1"-18"15,18 17-15,36-17 16,17 18-1,18-18 17,-18 0-17,0 0 1,-52 0-16,-1 0 16,0 0-1,1 0 1,-19 0 62,1 0-62,-1 0-1,19 0-15,52 0 31,-70 0-31,-1 0 16,36 0 0,-35-18-1,-1 18 1,1-17 0,-18-1 46,18 0-46,-18 1 46,17 17-62,-17-18 31,36 18-15,-36-35 0,17 35-1,-17-18 1</inkml:trace>
-  <inkml:trace contextRef="#ctx0" brushRef="#br0" timeOffset="85016.21">18468 7267 0,'0'0'0,"18"0"16,-1 0-16,54 0 16,-18 0-1,0 0 1,-18 0-1,-17 0 17,-1 0-17,18 0 1,-17 0 0,17 0-1,-17 0-15,35-17 16,17 17-1,-34 0 1,70 0 0,-54 0-1,1 0 1,18 0 0,-36 0-1,1 0 1,-1-18 15,-18 18 0,1-18-15,0 18 0,-1 0-1,19 0 1,-19-17-1,1 17 1,0 0 0,-1 0 62</inkml:trace>
-  <inkml:trace contextRef="#ctx0" brushRef="#br0" timeOffset="131831.29">18344 7691 0,'-17'0'15,"-1"0"1,18 17 0,-17 36-1,-1-18-15,0 18 16,1 36 0,-1-37-1,18-69 95,0-36-110,18 18 15,-18-1-15,53-34 16,-18 17 15,18 18-15,-36 35-1,1 0 63,0 17-62,-18 1 0,0-1-16,0 19 15,0-19 1,0 19 0,0-19-1,-18-17 1,0 0 15,1 0-15,-1 0-1,18 18 173,18-18-188,-1 35 15,36-17 1,0 35 0,0-18-1,-35 0 1,-1-17 0,-17-36 124,0 1-124,18 17-1,0 0 1,-1 0 0,36-36-1,0 19 1,-18-1 0,1 1-1,-19 17-15,-17-36 16,0 19 15,0-1-15,-17 18-1,-1 0 17,0 0-17,1 0-15,-1 0 31,-17 0-15,17 18 0,18 17-1,0-17 1,0-1 0,0 18-1,0 1 1,18-19-1,17 1 1,0-18 0,1 0-1,-19 0 1,1 0 15,0 0-15,-1 0-16,1-18 31,0 18-31,52-53 16,-35 18-1,1-18 1,-1 36 0,-35-19-1,0 1 1,0 17-1,-18 18 32,1 0-47,-1 0 16,-17 36 0,-1 17-1,19 0 16,17-1-15,17 1 0,1-35-1,0-18 1,-1 0 15,1-18-31,0 1 16,17-36-1,-17-18 1,-18 36 0,0 17 31,-18 54-16,18-1-16,-35 35 1,17 72 0,-17-37-1,17-34 1,18-18 0,18-36-1,-1 1 1,1-18-16,17 0 15,1-70 1,16-1 0,-52 0-1,0 1 1,0 35 0,0 17 15,0 0 0,-17 36-15,-1 17-1,18 18 1,0-35-16,18 35 16,17-36-1,0-17 1,18 0-1,0-35 1,0-53 0,-18 17-1,-17 1 1,17 17 0,-35 35 15,0 36 0,0 17-15,0 71-1,0 35 1,0-35 0,36-71-1,-19-35 1,1 0-1,17-35 1,18-53 0,-18 35-16,1-35 15,-19 70 1,-17 0 0,0 36-1,0 70 16,0 18-15,18-35 0,35-19-1,17-34 1,-17-18 0,18-18-1,-18-52 1,0-71-1,-53 106 1,-18-18 0,0 35-1,1 18 1,-18 0 0,-18 71-1,0-1 16,17 1-15,36-18 0,18-1-1,17-34 1,36 0 0,-36-18-1,36-53 1,52-88-1,-17 17 1,-18-34 0,-17 34-1,-18 53 1,-71 71 46,0 0-46,1 18 0,-19 53-1,1-18-15,0 35 16,35-18 0,0-17-1,18-35 1,17 17-1,18 18 1,-18-18 0,-17-17-1,-18 35 1,0 0 0,-18-18 15,0 0-31,36-35 47,17-17-32,54-89 1,34-70 0,-17-36-1,-18-35 1,-53 71-1,-17 52 1,-18 89 0,0 17-1,0 1 1,0 34-16,-35 54 31,17 123-15,-53 17-16,36 1 31,18-18-15,17-88-1,52-71 1,-34-17 0,17-18-1,1-18 1,-1-35-1,-17 0 1,34-17 0,-52 35-1,0 17 1,-17 18 0,-18 0-1,-36 0 16,-17-18-15,0 1 0,35-1-1,35 18 17,0-18-17,18 1 79,18 17-78,17-18-16,18 0 15,0 1 1,106-1-16,0 18 31,-124 0-15</inkml:trace>
-  <inkml:trace contextRef="#ctx0" brushRef="#br0" timeOffset="141232.06">15522 6033 0,'18'0'62,"17"0"-46,0-18-16,18 18 15,106-18 1,-18 18 0,36 0-1,-19 0 1,-17 0-1,1 0 1,-54 18 0,-18 0-1,-52-18-15,0 0 32</inkml:trace>
-  <inkml:trace contextRef="#ctx0" brushRef="#br0" timeOffset="143374.23">15822 4057 0,'0'18'0,"-18"-18"16,-17 17 0,18 19-1,-19-19 1,36 1-1,0 35 1,0-36-16,36 1 16,-19 0-1,36 17 1,18-35 15,-18 0-15,-36 0-1,1 0 1,-1-53 0,19 0-1,-36 18 1,0 0 0,-18 17-1,0 0 1,1 1-1,-1 17 1</inkml:trace>
-  <inkml:trace contextRef="#ctx0" brushRef="#br0" timeOffset="143857.59">15628 4621 0,'71'0'16,"-36"-17"-1,18 17 1,17 0-16,19-18 16,105-17-1,88 17 1,-194 18 0,-53 0-1</inkml:trace>
-  <inkml:trace contextRef="#ctx0" brushRef="#br0" timeOffset="144528.17">16034 4851 0,'0'0'0,"0"17"16,-18 1 0,18 0-1,0-1-15,0 36 32,0-18-32,18-17 15,-1 0 16,19-18-15,-1 0 0,18 0-1,-18-18 1,0-35 0,-17 0-1,0 36 1,-1-36-1,-17 35 1,0-17 0,-17 17-1,-19 18 17,-16 0-32,16 0 15</inkml:trace>
-  <inkml:trace contextRef="#ctx0" brushRef="#br0" timeOffset="145056.1">16510 4163 0,'0'0'0,"35"0"0,36-18 15,17 1 16,-53 17-15</inkml:trace>
-  <inkml:trace contextRef="#ctx0" brushRef="#br0" timeOffset="145601.35">16598 4198 0,'0'0'0,"0"18"16,0 17-1,0 18 1,0 0 0,0 35-1,0-17 1,0-1-1,0-17 1,0-35 0,18-18 31,-1 0-32,1 0 1,17 0-1,54-18 1,-19-17 0,1 17-1,-36 18 1</inkml:trace>
-  <inkml:trace contextRef="#ctx0" brushRef="#br0" timeOffset="145992.04">17145 4251 0,'0'0'16,"0"35"-16,0 71 15,0-53 1,0 0 0</inkml:trace>
-  <inkml:trace contextRef="#ctx0" brushRef="#br0" timeOffset="146224.07">17180 4392 0,'18'-18'16,"0"18"0,34-17-1,-16 17 1,-19 0 0</inkml:trace>
-  <inkml:trace contextRef="#ctx0" brushRef="#br0" timeOffset="147144.35">16986 4727 0,'0'0'0,"0"18"0,0 0 15,0 17-15,0 35 16,0-34-1,0-1 1,0-17 0,0-1-1,0 1 79,18-18-78,0 0-1,17 0 1,18 0 0,17 0-1,-34 0 1,-36-18 78,0 1-79,17 17 1,-17-36-1,18-17 1,-18 0 0,0-35-1,0 53 1,0-18 0,0 35-1</inkml:trace>
-  <inkml:trace contextRef="#ctx0" brushRef="#br0" timeOffset="147815.94">17057 4815 0,'17'0'15,"19"0"1,-1 0 0,36 0-1,-36 0 1,-18 0 0</inkml:trace>
-  <inkml:trace contextRef="#ctx0" brushRef="#br0" timeOffset="149856">17974 4039 0,'0'36'0,"0"17"0,18 123 15,-18 0 16,0-17-15,-18-35 0,18-89-1,0-18 32,0-69-31,0-1-16,0-18 15,71-229 1,34 71 0,1 88-1,-35 70 1,-36 54 0,-17 17 30,-18 17-30,17 18 0,-17 54-1,0-1 1,-35-35 0,-18 0-1,-17-53 1,-1 0-1,1 0 1,52-18 0,0 18 31,36 53-16,35 0-16,0 35-15,70 53 16,-17-53 0,-53-17-1,-53-89 63</inkml:trace>
-  <inkml:trace contextRef="#ctx0" brushRef="#br0" timeOffset="150474.69">18574 4480 0,'0'0'0,"17"0"16,54 0-1,-18 0 1,0 0 0,-36-17-1,19-19 1,-36 1-1,0-18 1,0 36-16,-18-1 16,-17-17-1,-18 35 1,35 0 15,1 0-15,-1 0-1,0 35 1,-17 35 0,0 1-1,17-18 1,18 0 0,18-36-1,17 1 1,0 0-1,-17-18 1,17 0 0,-17 0-1,35-18 17,0 0-32,0 1 15,35-1 1</inkml:trace>
-  <inkml:trace contextRef="#ctx0" brushRef="#br0" timeOffset="150891.38">18927 4322 0,'0'0'0,"0"17"31,17-17 16,1 0-31,17 0-1,-17 0-15,-1 0 16,1 0 0</inkml:trace>
-  <inkml:trace contextRef="#ctx0" brushRef="#br0" timeOffset="151841.03">19209 4216 0,'-18'0'47,"-17"0"-31,0 0-16,-1 17 15,-17-17 1,18 18 0,17 0-1,1-18-15,17 17 16,0 1-1,0 0 1,0-1 0,0 1-1,0 17 17,35-35-17,-17 18 1,-1-18-1,19 0 1,-19 0 0,36 0-1,35 0 1,-70 0 0,-18 17 46,0 1-46,18-18-1,-18 35-15,0 1 16,0 34 0,-36-35-1,1 1 16,0-19-15,17-17 0,1 0-16,-1 0 15,0 0 1,1 0 0,17-17-1,0-1 1</inkml:trace>
-  <inkml:trace contextRef="#ctx0" brushRef="#br0" timeOffset="152524.84">19544 4163 0,'0'17'15,"0"54"1,0 88 0,-18-18-1,-17 0 1,35-70-1,0-54 1,0-34 47,0-36-63,0 0 15,18-36 1,17-34-1,18 0 1,0 34 0,-18 19-1,-17 70 1,-18-18 0,17 18-1,19 0 1,-1 53-1,-35 0 1,0 18 0,-35-1-1,-36-17 1,0-35 0,1-1-1,52-17 16,1 0-15,-1 0 0</inkml:trace>
-  <inkml:trace contextRef="#ctx0" brushRef="#br0" timeOffset="153108.29">20038 4357 0,'-18'0'47,"1"0"-47,-19 0 16,-34 53-1,34 0 1,19 0-1,-1-1 1,18-16 0,18-19-1,17 19 1,0-36 0,36 0 15,-53-18-31,-1 0 15,89-70 1,-53 18 0,-53-1-1,-35-17 1,-18 35 0,35 53-1</inkml:trace>
-  <inkml:trace contextRef="#ctx0" brushRef="#br0" timeOffset="153735.57">20214 4233 0,'0'0'0,"0"18"16,0 70-1,0-35-15,0 35 16,0-52-1,0 16 1,0-69 47,35-36-48,1 0-15,17-53 31,17 36-15,-17 17 0,-53 35-16,18 18 15,-1 0 17,19 0-17,-1 124 1,0 17-1,-17 0 1,-18-53 0,18-35-1,-1-35 1,1-18 31,17 0-32</inkml:trace>
-  <inkml:trace contextRef="#ctx0" brushRef="#br0" timeOffset="154527.4">21026 4304 0,'0'0'0,"-18"0"16,-35 18 0,18-1-1,-1 1 1,36-1-1,-17-17 1,17 18 0,0 0-1,53 17 17,-18-35-17,0 18-15,1-1 31,16-17-15,-16 0 0,17 0-1,-36 18 63,1-18-78,-18 35 16,0-17-16,0 17 16,-18 18-1,1-18 1,-1-17 0,0 0 15,-17-18-16,17 0 1,1 0 0</inkml:trace>
-  <inkml:trace contextRef="#ctx0" brushRef="#br0" timeOffset="155207.56">21713 4427 0,'0'0'0,"89"0"16,-1 0-1,0 0 16,-53-17-31,-17 17 16,35-18 0,-35 0-1,-1-17 1,-17 0 0,-17 0-1,-72-1 1,-16 19-1,-1 17 1,0 0 0,53 0-1,18 17 17,35 1-32,-18 0 0,18 35 31,0 35-16,0-18 1,18-17 0,35 0-1,-36-35 1,18 17 0,-17-35-1,17 0 1,18 0-1,53 0 1,-71-18 0,36 1-1,-18-19 17,-53 19-17,18-1-15</inkml:trace>
-  <inkml:trace contextRef="#ctx0" brushRef="#br0" timeOffset="191080.65">5856 16828 0,'18'0'16,"35"0"-1,211 35 1,54 0 0,-36-17-1,-106-18 1,-140 0 0</inkml:trace>
-  <inkml:trace contextRef="#ctx0" brushRef="#br0" timeOffset="191642.68">6544 16969 0,'-18'0'16,"18"17"0,-17 19-1,-36 34 1,35-17-16,-52 70 16,34-52-1,19-18 1,17-18-1,-18 1 1</inkml:trace>
-  <inkml:trace contextRef="#ctx0" brushRef="#br0" timeOffset="192192.34">7620 16704 0</inkml:trace>
-  <inkml:trace contextRef="#ctx0" brushRef="#br0" timeOffset="192535.69">7373 17092 0,'0'0'0,"-18"53"16,1 0 0,-18 17-1,-1 1 1,1 0 0,0-18 15,17-1-16</inkml:trace>
-  <inkml:trace contextRef="#ctx0" brushRef="#br0" timeOffset="193559.06">7761 17286 0,'18'0'31,"35"18"-16,88-1 1,-71-17 0,36 0-1,-18-35 1,-52 17 0,-36-17-1,0-18 1,0 18-1,-18 0 1,-35 17 0,35 18-16,-34-18 15,-19 18 1,-17 0 15,-18 18-15,35 0-1,1 35 1,17 17 0,35-17-1,1 0 1,17-35 0,0 17-1,17-17 1,54 35-1,-1-36 1,19 1 0,-19-1 15,18 1-15,1-18-1,-19 0 1,18 0-1,-17 0 1,-54-35 0,-17 17 15,18-17-31</inkml:trace>
-  <inkml:trace contextRef="#ctx0" brushRef="#br0" timeOffset="194679.28">8678 16880 0,'0'36'15,"0"-1"1,-35 71-1,17 0 1,-17-36 0,18 1-1,17-18 1,-18-36 0,18 1 109,0 0-110,0-1 1,0 1-1,0 0 1,0-1 0,0 1-1,0-36 142,0-17-142,0 0-15,18-1 16,-1 1-1,1-36 1,35 19 0,-36 34-16,1 0 15,17-17 1,18 35 0,0 0-1,18 0 1,-36 0-1,0 18 1,-17-1 0</inkml:trace>
-  <inkml:trace contextRef="#ctx0" brushRef="#br0" timeOffset="-210000.28">7620 16704 0</inkml:trace>
-  <inkml:trace contextRef="#ctx0" brushRef="#br0" timeOffset="-189552.51">3122 16775 0,'106'0'15,"53"0"-15,17 17 16,124 36-1,-106-53 1,-141 0 0,-18 18-16,-17-18 47</inkml:trace>
-  <inkml:trace contextRef="#ctx0" brushRef="#br0" timeOffset="-189203.05">3898 16933 0,'-17'36'16,"-36"17"-1,0 17 17,0 54-17,0-36 1,18 0-1,-1-53 1,36 1 0</inkml:trace>
-  <inkml:trace contextRef="#ctx0" brushRef="#br0" timeOffset="-188208.68">4339 17163 0,'-17'0'31,"17"35"-15,-18-17-16,0-1 16,18 18-1,0 1-15,0-1 16,0-17-1,0-1 1,18-17 93,17 0-93,0-53 0,1 36-1,17-19 1,-36 19 0,1 17 62,0 17-63,-18 19 1,0-1 0,17 18-1,1-35-15,-18 17 16,17-35-1,1 0 32,0 0-15,-1-35-17,1 17 1,-18 0-1,18 1 1</inkml:trace>
-  <inkml:trace contextRef="#ctx0" brushRef="#br0" timeOffset="-187095.71">4780 17357 0,'-17'0'31,"-1"17"16,18 1-32,0 0 1,0-1 0,0 19-1,18-19-15,-1 1 16,-17 17-16,53 0 15,-35-17 1,-1-18 0,1 0 15,17 0-15,-17 0-1,0 0 1,-1-18-1,1 1 1,-18-1-16,17-35 31,-17 36-15,18-19 0,-18 19-1,0-1 1,0 0-1,-18 18 1,18-17 0,-17 17-1,-1 0 1,18-18 15,-17 18-31,-1 0 47,0 0-31,1 0 15,-1 0 0,0 0-15,1 0 15,17 18-15,-18-18 124</inkml:trace>
-  <inkml:trace contextRef="#ctx0" brushRef="#br0" timeOffset="-174068.8">1094 13899 0,'53'0'0,"52"0"15,107 36 1,17-1-1,-88-17 1,-88-18 0,-17 17-1</inkml:trace>
-  <inkml:trace contextRef="#ctx0" brushRef="#br0" timeOffset="-173685.78">1623 14005 0,'0'0'0,"-18"0"16,-17 53-1,0-35-15,-18 35 16,17 35-1,1-17 1,17-1 0,-17 1-1,18-36 1</inkml:trace>
-  <inkml:trace contextRef="#ctx0" brushRef="#br0" timeOffset="-172617.39">2205 13688 0,'0'17'15,"-18"36"1,-35 36-1,0-1 1,-35 70 0,18 1-1,-19 18 1,54-107 0,18-35-1,17-17 1,0 0 78,0-1-79,0-34 95,52-36-95,37-18 1,-19 1-1,36 17 1,-53 18 0,-18 35-1,0 0-15,-17 0 32,0 0-1,-1 17-16,1 54 1,0 17 0,-18-35-1,0 17 1,0-34 0</inkml:trace>
-  <inkml:trace contextRef="#ctx0" brushRef="#br0" timeOffset="-171518.86">2487 14252 0,'0'0'0,"0"53"16,18 0-16,-18 53 15,0 17 1,-18-17 0,-17-53-1,35-35 17,0-36 30,17-17-46,1 0-1,17-1-15,-17 19 16,17-19-16,1 1 16,-1 0-1,0 35 1,-17 0 15,17 0-15,0 35-1,36 18 17,-18-35-17,-18 17 1,0-35-1,-17 0 1,0 0-16,-1 0 16,1-35-1,0 17 1,-18-35 0,0 18-1,0 0 1,-18 17-1,-17 18 17,17 0-17,-17 0 1,17 0 0,0 0-1,-34 53 1,16 35-1,1-17 1,35-1 0,0 1-1,18-18 1,-1-36 0,1 1-1,0-18 1,17 0-1,35 0 17,-52 0-32,35-35 15,-35 17 17,-18-17-17,0 17 1</inkml:trace>
-  <inkml:trace contextRef="#ctx0" brushRef="#br0" timeOffset="-170800.33">3122 14676 0,'0'0'0,"71"0"31,17 0-15,18 0-1,-18-18 1,-35 0-1,-53 1 1,0-1 0,0 0-1,-18-35 1,-35 18 0,18 0-1,17 17 1,1 18-1,-19 0 1,1 0 0,0 0 15,0 36-15,-18 16-1,17 1-15,19-17 16,-36 52-1,35 35 1,18-87 0,35 17-1,1-18 1,17-35 0,0 17-1,-18-17 1,35-17-1,-17-1 1,0-17 15,-17 0-31,-19-1 32</inkml:trace>
-  <inkml:trace contextRef="#ctx0" brushRef="#br0" timeOffset="-169071.94">2822 15311 0,'0'17'62,"0"1"-46</inkml:trace>
-  <inkml:trace contextRef="#ctx0" brushRef="#br0" timeOffset="-168641.23">2858 15258 0,'17'-18'15,"1"36"16,17-1-15,18 19 0,-35-19-1,-18 1 1,17-18 15</inkml:trace>
-  <inkml:trace contextRef="#ctx0" brushRef="#br0" timeOffset="-167599.53">2858 15275 0,'0'18'15,"0"0"1,35 70 0,-35-53-16,17 36 15,1 17 1,0 18 0,-1-18-1,-17-53 1,0 0-1,0-17 1,0 0 15,0-1-15,0 36 0,0-35-1,0 17 1,0-17-1,0-1 1,0 19 0,0-19-1,0 1 1,0 0 140,0-1-140,0 1 15,0 0-15,0-1-1,0 1-15,0-1 16,0 1 15</inkml:trace>
-  <inkml:trace contextRef="#ctx0" brushRef="#br0" timeOffset="-166672.83">2805 15328 0,'-18'0'110,"0"18"-95,1-1 1,-19 1-16,19 0 15,17-1 1</inkml:trace>
-  <inkml:trace contextRef="#ctx0" brushRef="#br0" timeOffset="-165840.81">2946 15293 0,'0'0'16,"35"18"-16,-17-18 0,17 17 16,18 18-1,0 1 1</inkml:trace>
-  <inkml:trace contextRef="#ctx0" brushRef="#br0" timeOffset="-165185.15">2928 15275 0,'-18'0'31,"1"0"-15,-1 0-1,18 18 1,-17 0 0,-1-1-1,0-17 1,1 18-1,-1-18 1,0 0 0,1 0-1,17 17 1</inkml:trace>
-  <inkml:trace contextRef="#ctx0" brushRef="#br0" timeOffset="-155192.86">2399 1058 0,'0'18'0,"0"17"16,0 89-1,18-36-15,-1 106 16,1 0-1,-1 0 1,-17-35 0,0 35 15,0-53-15,0 0-1,0-53 1,0-53-1,0-17 1</inkml:trace>
-  <inkml:trace contextRef="#ctx0" brushRef="#br0" timeOffset="-152568.7">2487 1129 0,'0'-18'31,"18"18"0,-1 0-15,72 0-1,16 0 1,1 0 0,-35 0-1,-36 0 1,18 0 0,-35 0-16,35 0 15,17 0 1,-17 0-1,-18 0 1,1 0 15,34 0-15,-35 18 0,-17-18-1,-18 18 95,0-1-110,0 1 15,0 17-15,0 36 16,0 70-1,-18-18 1,1 1 0,17-1-1,0-17 17,0-71-32,0 36 15,0-36 1,0 18-1,0 35 1,0-52 0,0 16-1,0 19 1,0 0 0,0-19-1,0 1 1,0-35 156,0 0-157,-18-18 1,18 35 0,0-17 30,-18-18-30,18 17 78,-17 1-47,17-1 0,-18-17-16,1 0-16,-1 0 1,0 0 0,1 0-1,-1 0 1,0 0 0,-17 0-1,-18 0 1,18 0-1,17 0-15,1 0 16,-1 0 0,0 0-1,1 0 1,-1 0 0,0 0-1,1 0 48,-1 0-48,1 0 1,-36 0 0,35 0-1,0 0 16,1 0-15,-1 0 15,0 0 16,1 0-16,-1 0-15,0 0 31,1 0-16,-1 0 16,1 0-31,-1 0-1,0 0 1</inkml:trace>
-  <inkml:trace contextRef="#ctx0" brushRef="#br0" timeOffset="-150696.62">3016 1834 0,'0'-17'31,"-17"17"0,-1-18-31,0 1 16,-17 17 0,0-18-1,17 18 32,1 0-16,-1 0 1,0 0-17,1 0 1,-1 0 15,0 0-15,1 0-1,-1 0 17,18 18-1,-18-18-16,1 17 1,-1 1 0,18-1 15,0 1-15,0 0-1,-18-1 1,18 1-1,0 17 1,0-17 0,0 0-1,0-1 1,0 1 0,0 17-1,0-17 1,0-1-1,0 1 1,18 0 0,0-18 15,-1 17-15,-17 1-1,18 0 1,17-18-1,-17 0 1,-18 17-16,18-17 16,-1 0-1,1 0 1,0 0 0,-1 0 15,1 0-31,-1 0 47,1 0 15,0 0-46,-1 0-1,1 0 1,-18-17 0,18-1 15,-18 0 78</inkml:trace>
-  <inkml:trace contextRef="#ctx0" brushRef="#br0" timeOffset="-149432.27">3422 1676 0,'18'0'62,"-18"-18"-46,17 18-1,19 0 1,-1-18-16,0 18 16,53 0-1,0 0 1,-35 0-16,18 0 15,17 0 17,-70 0-17,-1 0 1</inkml:trace>
-  <inkml:trace contextRef="#ctx0" brushRef="#br0" timeOffset="-148344.66">4039 1535 0,'18'0'125,"0"17"-125,-1-17 16,19 18 0,-19 0-16,36-1 31,-18 1-15,1-18-16,-19 0 15,1 0 16,0 17-15,-18 1 109,-18-18-94,18 18-31,-18-18 16,1 0 0,17 17-1,-18-17 1,-17 36-1,-1-36 1,19 17 0,-1 1-1,1-18 1,17 18-16</inkml:trace>
-  <inkml:trace contextRef="#ctx0" brushRef="#br0" timeOffset="-146209.14">4445 1058 0,'0'0'0,"0"36"16,18-1-16,-18 18 15,0 53 1,0-36-16,0 54 31,0 34-15,0-34 0,0-36-1,0-35 1,0 18-1,0-19 1,0 1 0,0 36-1,0-54 1,0 18 0,0-18-1,0 18 1,0-18-1,0 1 1,0-19 15,0 1 32,0-1-48,0 1-15</inkml:trace>
-  <inkml:trace contextRef="#ctx0" brushRef="#br0" timeOffset="-143976.65">4463 1058 0,'0'-17'31,"17"17"-16,19 0 1,16 0-16,72 0 31,52 0-15,-35 0 0,-17 0-1,-54 0 1,1 0-1,0 0 1,-18 0 0,-36 0-16,36 0 15,-35 0 1,-1 0 0,1 0 140,-18 35-141,0-17 1,0 17 0,0 71-1,0-53-15,-35 52 16,-1 54 0,19-53-1,17 0 1,-18 17-1,18-52 1,0 17 0,0-35 15,0 18-15,0 34-1,0-69 1,0 70-1,0-71 1,0 18 0,0-18-1,0-17 1,0-1 46,0 1-46,-17-18 15,17 18 16,-18-18-31,0 0-1,1 0 1,-1 0-16,0 0 16,-52 0-1,34 0 1,-16 0 0,-1 0-1,35 0-15,-17 0 16,-1 0-1,1 0 1,18 0 15,-36 0-15,35 0 0,-17 0-1,-1 0 1,-16-18-1,34 18 1,-17 0 0,17 0-1,0 0 32,18-18-47,-35 18 16,17 0-1,1 0 17,-1 0-17,0 0 17,1 0-17,-1 0 32,1 0-31</inkml:trace>
-  <inkml:trace contextRef="#ctx0" brushRef="#br0" timeOffset="-142200.37">4692 1499 0,'0'-17'16,"0"34"0,0 19-1,18 52 1,-1-35-1,1 0 1,0-18 0,-18-17 31,17-18-32,-17-18 1,35-53-1,1 54 1,-36-1-16,35-17 31,-17 0-15,-18 17 0,17 0-1,-17 54 48,18-1-48,0 0-15,-18 0 16,17 54 0,1-54-1,-18-18-15,17 1 63,1-18-48,-18-18 1,18-17 0,-1-18-1,1-17 1,0 34-16,-1 1 15,1 18 1,0-19 0</inkml:trace>
-  <inkml:trace contextRef="#ctx0" brushRef="#br0" timeOffset="-140904.5">5151 1693 0,'0'18'16,"0"0"-16,17-1 31,-17 1-31,18-18 16,-1 0 15,1 0-15,0 0 15,-1 0 0,1 0-15,-18-18-1,18 1 1,-1-1 0,-17 0-1,0 1 1,0-1 0,0 0-1,0 1 1,0-1-1,-17 18 1,-1 0 0,18-17 15,-18 17-15,1 0 15,-1 0 0,0 0-15,1 17 15,17 1-15,-35-1-1,17 1 1,0 0-1,18-1 1,-17 1 15,17 0-15,0 17 0,0-17-1,0-1 1,0 1-1,0-1 1,17-17 0,-17 18-16,18-18 15,0 0 1,-18 18 0,17-18-1,1 0 16,-1 0-15,1 0 0,0 0 15,-1 0-15,1 0-1,0 0 1,-1 0 15</inkml:trace>
-  <inkml:trace contextRef="#ctx0" brushRef="#br0" timeOffset="-139584.56">4815 2028 0,'0'18'31,"0"0"-15,0 17-16,0 53 16,-35 0-1,18-52 1,17 17-1,0-36 1,17-34 78,-17-1-79,18 0-15,-1-17 16,19 17 0,-36-17-16,35 18 15,0 17 1,-17 0 0,0 0-1,34 0 1,-34 0-1,0 0 1,-1 17 15,19 18-15,-36-17 0,17 35-1,-17-35 16,0-1-15,-17-17 0,-1 18-1,0-18 1,1 0 0,-1 0-1,-17 0 1,17 0-1,1 0 17,-1 0-17,0 0 1,1 0 0,-1 0-1,0 0 16,1 0-15,-1 0 15,18-18-31,-18 18 16,18-17 15,0-1 32</inkml:trace>
-  <inkml:trace contextRef="#ctx0" brushRef="#br0" timeOffset="-138544.53">5539 1764 0,'17'0'32,"1"0"-32,70 0 15,-17 0 1,-18 0-16,70 0 31,-35 0-15,-70 0-1</inkml:trace>
-  <inkml:trace contextRef="#ctx0" brushRef="#br0" timeOffset="-138050.45">6033 1588 0,'17'17'62,"18"-17"-62,18 53 16,0 0 0,-17 0-1,-19-18 1,-17-17-1,0-1 1,0 1 15,-35 35-15,0-35-16,-1-18 16,-17 35-16</inkml:trace>
-  <inkml:trace contextRef="#ctx0" brushRef="#br0" timeOffset="-137536.78">6403 1094 0,'18'35'62,"-18"18"-46,17 53-16,1 35 16,-18 18-16,0 35 15,0 158 1,0-52-1,0-18 17,0-176-17,0-35 1</inkml:trace>
-  <inkml:trace contextRef="#ctx0" brushRef="#br0" timeOffset="-136320.53">6403 1041 0,'212'-18'16,"-107"18"0,19 0-16,211 0 31,-35 0-15,88 0-1,-317 0 1,-19 0-16,1 0 15,-35 18 64,-18-1-64,0 19-15,0 17 16,0 105-1,35 142 1,-17-159 0,17 141-1,-35-17 1,0 0 0,-35-54-1,17-52 1,18-124-1,-17-17 32,17 0-31,-18-18-16,0 0 31,1 17-15,-1-17-1,-35 0 1,-35 0 15,-36-17-15,-52-19 0,0 19-1,52-19 1,18 19-1,89 17 1,-19 0 0,1 0-1,18 0-15,-36 0 16,-36 0 0,37 0-1,-19 17 1,53-17 15,1 0-15</inkml:trace>
-  <inkml:trace contextRef="#ctx0" brushRef="#br0" timeOffset="-135800.92">6932 1252 0,'0'141'31,"-18"-35"-31,-34 106 15,16-89 1,19-34-16,-54 52 31,71-124-15</inkml:trace>
-  <inkml:trace contextRef="#ctx0" brushRef="#br0" timeOffset="-135520.91">7038 1482 0,'212'317'31,"-107"-105"-15,-69-89 0,-19-52-1</inkml:trace>
-  <inkml:trace contextRef="#ctx0" brushRef="#br0" timeOffset="-134833.37">6844 1782 0,'18'0'15,"17"0"-15,18 0 16,70 17-1,-17-17 1,-71 0 0</inkml:trace>
-  <inkml:trace contextRef="#ctx0" brushRef="#br0" timeOffset="-134000.21">7320 1658 0,'0'0'0,"0"18"16,18-1 0,-1 1-1,1 35 1,0 0-1,-1 35 1,-17-53-16,0 18 16,0 18-1,36-1 1,-36-34 0,0-19-1,0-52 48,0 0-48,0-18 1,0-71 0,0 36-1,0 18 1,17-1-1,-17 53 1,18 18 31,0 0-47,-1 0 16,36 53-1,-18-17 1,-35-19-1,0 18 1,0 1 0,-53-19 15,18 1-15,-53-18-1,53 0-15,-1-18 16,-16 1-1,52-1 1</inkml:trace>
-  <inkml:trace contextRef="#ctx0" brushRef="#br0" timeOffset="-133184.87">7620 1729 0,'35'70'32,"-17"-35"-32,17 71 15,-35-18 1,0-35 0,0-88 77,0 0-93,0-36 16,0 18 0,0-35-1,0 0 1,18 53-1,17-18 1,-17 35 0,-1 18-16,1 0 15,0 0 1,17 0 0,18 53-1,-35 0 1,-1 0-1,-17-35 1,0-1 15,-17 1-15,-1-18 0,-17 17-1,-1-17 1,-17-17-1,0-18 1,36 35 0,-1-36-1</inkml:trace>
-  <inkml:trace contextRef="#ctx0" brushRef="#br0" timeOffset="-132561.14">8184 1834 0,'0'18'15,"18"-18"-15,35 0 16,70 0 0,-17 0-1,177 0-15,-125-18 16,125 1 15,-195 17-31,-53 0 31</inkml:trace>
-  <inkml:trace contextRef="#ctx0" brushRef="#br0" timeOffset="-131840.72">9243 1552 0,'17'0'32,"36"36"-17,36 16 1,-19 1 0,-35-35-1,-35 0 141,0-1-156,-17 19 16,-54 34 0,18 18-1,-35-17 1,0-18 0,53 0-1,-1-36 1,19 19-1</inkml:trace>
-  <inkml:trace contextRef="#ctx0" brushRef="#br0" timeOffset="-130880.33">9596 1023 0,'0'18'32,"0"17"-17,0 36-15,0 17 16,0 335-1,0-105 1,-18-19 0,0-34-1,18-124 1,0-70 0,0-36-1</inkml:trace>
-  <inkml:trace contextRef="#ctx0" brushRef="#br0" timeOffset="-128550.64">9684 1023 0,'141'-18'31,"-35"18"-31,141 0 16,17 0-1,1-35 1,-71 18 15,-35-19-15,17 19 0,-70-1-1,0 18 1,-18 0-1,-71 0 1,1 0 47,-18 35-48,0 1 1,0 34-16,0 106 15,0 124 1,0-17 15,0 34-15,-35-105 0,35-54-1,0-69-15,0 16 16,0-16-1,0-19 1,0-34 0,0-19-1,0 18 1,0-17 0,0 53-1,0-36 1,-18 35 15,1-70 0,-1 18-15,0-18 0,-17 0-1,-53 0 1,-71-18-1,-35 1 1,0-18 0,-18-1-1,89 36 1,52 0 0,54 0-16,-1 0 15,-35 0 1,0 0 15,-17 0-31,-19 0 31,54 0-15,18 0 0,-19 0-1,-17 0 1,-17 0-1,-1 0 1,54 0 47,-1 0 218,0 0-266,1 0 1,-1 0 31,0 0-31,1 18-1,-1-18-15,0 0 63,1 0-48,-1 18-15,1-18 16,-1-18 296,18 0-312,0-17 16,0-18-16,-18-70 31,18 17-15,0 70 0,0 19-1</inkml:trace>
-  <inkml:trace contextRef="#ctx0" brushRef="#br0" timeOffset="-127305.5">10037 1376 0,'0'0'0,"-18"53"16,-17 53 0,-36 35-1,53-53 1,-17-35 0,35-71 77,18-17-93,-1-18 16,36-53 0,-17 18-1,-19 35 1,19 18-1,-19-1 1,18 19 0,1-1-1,-19 18 1,36 0 0,-17 0-1,-19 0 1,18 18-1,-35-1-15,36 36 32,-1 0-17,-35 0 1,0 18 0,-18-36-1,1 0 1,-19-17-1,1 17 1,-88 1 0,70-19-1,-35-17 1,52 0 0,-17 0-1,1 18 1,-37-18 15,72 0-15,-1 0-1</inkml:trace>
-  <inkml:trace contextRef="#ctx0" brushRef="#br0" timeOffset="-125449.77">10530 1323 0,'0'53'31,"0"0"-31,0 0 16,0 0-1,0 0-15,-17 35 16,-18-18 0,35-34-1,0-54 63,17-17-62,1-1-16,-18-17 16,53-88-1,-18 71 1,-17 52-1,17-52 1,-17 70 0,-1-18 46,18 18-46,-17 18-1,35 52 1,-18-17 0,-17-18-1,-18-17-15,0 17 16,-35 1 0,-18-1-1,0-18 1,0 1 15,0-18-31,35 0 94,1 0-79,34 0 142,1 0-142,0 0 1,-1 0 0,1 0-1,35 0 1,-36 0-16,36 0 15,18 18 1,-36 17 0,-17-17-1,-1-18 1,-17 17 0,0 19-1,0-19 1,0 1-1,0 17 17,-35-17-17,-35 17 1,17 0 0,-18-17-1,1 17 1,17-35-1,35 0 17,0 0-17,1 0 1,-1 0 0,-17 0-1,35-17 1,-18-19-1,18 19 1,0-1 15,0-17-15,0 17 0,0 0 30,18 18-30,0 0-16,-18-17 16,17-1-1</inkml:trace>
-  <inkml:trace contextRef="#ctx0" brushRef="#br0" timeOffset="-110697.36">2822 3104 0</inkml:trace>
-  <inkml:trace contextRef="#ctx0" brushRef="#br0" timeOffset="-110431.84">2822 3369 0</inkml:trace>
-  <inkml:trace contextRef="#ctx0" brushRef="#br0" timeOffset="-110136.11">2805 3669 0</inkml:trace>
-  <inkml:trace contextRef="#ctx0" brushRef="#br0" timeOffset="-80953.17">4498 2469 0,'0'18'47,"0"0"-32,0-1 1,0 1 15,0 0-15,0-1 0,0 1 30,0 0 48,18-18-78,-1 0 15,1 0 16,-1 0-16</inkml:trace>
-  <inkml:trace contextRef="#ctx0" brushRef="#br0" timeOffset="3423.3">4957 3104 0</inkml:trace>
-  <inkml:trace contextRef="#ctx0" brushRef="#br0" timeOffset="3759.55">4921 3210 0,'0'18'63</inkml:trace>
-  <inkml:trace contextRef="#ctx0" brushRef="#br0" timeOffset="4663.65">4886 3493 0</inkml:trace>
-  <inkml:trace contextRef="#ctx0" brushRef="#br0" timeOffset="5375.4">7285 3246 0</inkml:trace>
-  <inkml:trace contextRef="#ctx0" brushRef="#br0" timeOffset="5604.08">7267 3457 0,'0'18'62,"0"0"-46,0-1-16</inkml:trace>
-  <inkml:trace contextRef="#ctx0" brushRef="#br0" timeOffset="5790.98">7250 3634 0</inkml:trace>
-  <inkml:trace contextRef="#ctx0" brushRef="#br0" timeOffset="6575.49">10530 3281 0</inkml:trace>
-  <inkml:trace contextRef="#ctx0" brushRef="#br0" timeOffset="6791.23">10478 3545 0,'0'18'78</inkml:trace>
-  <inkml:trace contextRef="#ctx0" brushRef="#br0" timeOffset="6982.97">10460 3739 0,'0'0'0</inkml:trace>
-  <inkml:trace contextRef="#ctx0" brushRef="#br0" timeOffset="-146841.43">2910 4798 0</inkml:trace>
-  <inkml:trace contextRef="#ctx0" brushRef="#br0" timeOffset="-146713.19">2910 4798 0</inkml:trace>
-</inkml:ink>
-</file>
-
-<file path=ppt/ink/ink20.xml><?xml version="1.0" encoding="utf-8"?>
+<file path=ppt/ink/ink34.xml><?xml version="1.0" encoding="utf-8"?>
 <inkml:ink xmlns:inkml="http://www.w3.org/2003/InkML">
   <inkml:definitions>
     <inkml:context xml:id="ctx0">
@@ -1088,12 +2725,12 @@
   <inkml:trace contextRef="#ctx0" brushRef="#br0" timeOffset="30366.71">17374 7161 0,'0'36'16,"0"-1"-16,0-17 15,0-1-15,0 1 16,0 0-16,18-1 16</inkml:trace>
   <inkml:trace contextRef="#ctx0" brushRef="#br0" timeOffset="30646.87">17480 7232 0,'0'0'0,"0"18"0,0-1 16,0 1-16,0 17 15,0-17 1</inkml:trace>
   <inkml:trace contextRef="#ctx0" brushRef="#br0" timeOffset="31022.37">17321 7408 0,'18'0'63,"17"0"-63,18 0 15,0-17-15,0 17 16,0-18-16,0 18 16,-35 0-16,-1 0 15,1-18 32</inkml:trace>
-  <inkml:trace contextRef="#ctx0" brushRef="#br0" timeOffset="31319.61">17692 6844 0,'0'-18'0,"17"18"16,1 18-16,0 0 15,17-1-15,-17 36 16,17-35-16,-35-1 15,18-17-15,-18 18 16</inkml:trace>
+  <inkml:trace contextRef="#ctx0" brushRef="#br0" timeOffset="31319.6099">17692 6844 0,'0'-18'0,"17"18"16,1 18-16,0 0 15,17-1-15,-17 36 16,17-35-16,-35-1 15,18-17-15,-18 18 16</inkml:trace>
   <inkml:trace contextRef="#ctx0" brushRef="#br0" timeOffset="32086.92">17657 6932 0,'17'-18'15,"1"18"1,-1 0-16,36 0 15,-17 0-15,-1 0 16,-17 0-16,-1 0 16,1-17-16,-18 52 125,-35 0-110,-1 71 1,19-71-16,-1 1 16,18-1-16,-18-17 15,18-1-15,0-34 110,36-1-110,-19-17 15,19-1-15,-36 19 16,17-1-16,1 18 62,-1 0-62,1 18 16,-18-1 0,18 1-16,-1 0 15</inkml:trace>
-  <inkml:trace contextRef="#ctx0" brushRef="#br0" timeOffset="32327.61">17921 7003 0,'18'-18'32,"-1"18"-17,1 0-15,0 0 16,-1 0-1,-17-18 1,0 1 0</inkml:trace>
+  <inkml:trace contextRef="#ctx0" brushRef="#br0" timeOffset="32327.6099">17921 7003 0,'18'-18'32,"-1"18"-17,1 0-15,0 0 16,-1 0-1,-17-18 1,0 1 0</inkml:trace>
   <inkml:trace contextRef="#ctx0" brushRef="#br0" timeOffset="33198.87">18045 6844 0,'17'0'47,"-17"18"-47,0-1 15,0 18-15,18 1 16,-18 17-16,18-18 15,-18 0-15,0-17 16,0-1-16,0 19 16,17-36-16,-17 17 47,0 1-1,-17-18-30,17 18-16,-18-18 16,0 0-1,1 0 1,-1 17 0,0-17-1,1 0 1,-1 0-1,0 0 17,18 18-32,-17-18 31,17 18-31,0-1 16,0 1-1,0 0 1,0-1-1,17 1 1,1-18 0,0 0-1,-1 0 1,1 0 0,0 0-1,-1-18 16,-17 1-15,0-1 0,0 0-1,0 1-15,0-1 32,-17 0-1</inkml:trace>
   <inkml:trace contextRef="#ctx0" brushRef="#br0" timeOffset="33935.46">18186 6862 0,'17'0'16,"1"0"0,17 0-16,1 0 15,-1 0-15,-18 0 16,1 0-16,0 0 15,-18 17 95,0 1-110,0 17 15,-18 0 1,18 1-16,-18 17 16,1-36-16,-1 1 15,18 17-15,-17-35 16,17 18-16</inkml:trace>
-  <inkml:trace contextRef="#ctx0" brushRef="#br0" timeOffset="34350.72">18468 6773 0,'0'36'31,"18"-1"-15,-1 0-16,-17 0 15,0 18-15,0-17 16,18-19-16,-18 1 16,0 17-16,17-35 93</inkml:trace>
+  <inkml:trace contextRef="#ctx0" brushRef="#br0" timeOffset="34350.7199">18468 6773 0,'0'36'31,"18"-1"-15,-1 0-16,-17 0 15,0 18-15,0-17 16,18-19-16,-18 1 16,0 17-16,17-35 93</inkml:trace>
   <inkml:trace contextRef="#ctx0" brushRef="#br0" timeOffset="34574.58">18538 7003 0,'18'-18'31,"0"18"-15,-1 0-1,1 0-15</inkml:trace>
   <inkml:trace contextRef="#ctx0" brushRef="#br0" timeOffset="34974.64">18362 7161 0,'0'18'15,"0"0"1,0-1-16,0 1 16,0 17-16,0-17 15,0 0-15,0-1 16</inkml:trace>
   <inkml:trace contextRef="#ctx0" brushRef="#br0" timeOffset="35671.31">18362 7197 0,'18'0'32,"-18"-18"-17,17 18-15,19 0 16,-19 0-1,1 0-15,0 0 16,17 0-16,-18 0 16,1 0-16,17 0 15,18 0 1,-53 18 78,0-1-79,0 1 1,0 0-16,0-1 16,0 1-1,0 0 1,-17-18-16,17 17 15,-18-17 17,18 18-32,-18-18 15,1 0 1,-1 17 0,-17-17-1,17 0-15,1 0 16,-19 0-16,19 0 15,-1 18-15,-17-18 16</inkml:trace>
@@ -1103,11 +2740,11 @@
   <inkml:trace contextRef="#ctx0" brushRef="#br0" timeOffset="37214.61">19138 6826 0,'0'-17'16,"0"52"15,0 0-31,18 18 16,-18 0-16,0-18 16,17 1-16,-17-1 15,0 0 1,0-17-16,0-1 15,0 1 1</inkml:trace>
   <inkml:trace contextRef="#ctx0" brushRef="#br0" timeOffset="178486.4">14975 10989 0,'-17'0'94,"-1"0"-94,1 0 16,-1 0-1,0 0 17,1 0-17,-1 0 110,18 18-109,0-1-1,0 1 1,0 0 0,18-18 15,-1 0-31,1 0 78,0 0-62,-1 0-1,1 0 1,-1 0 0,1 0 15,-18 17 47,0 1-62,0 0-1,0-1 16,-18 1 48,1-18-64,17 17 1,-18-17-16,1 0 31,-1 18-15,0-18-1,1 0 1,-1 0 78</inkml:trace>
   <inkml:trace contextRef="#ctx0" brushRef="#br0" timeOffset="179255.27">15169 10971 0,'18'18'94,"-18"0"-94,18-18 15,-18 17-15,0 1 16</inkml:trace>
-  <inkml:trace contextRef="#ctx0" brushRef="#br0" timeOffset="179894.86">15328 10989 0,'0'18'63,"-17"-18"-63,17 17 16,-18-17-1,18 36-15,-18-19 16,1 1-16,-1 17 15,0-17-15,1-1 16,-1 1-16,18 0 16,-18-18-16</inkml:trace>
+  <inkml:trace contextRef="#ctx0" brushRef="#br0" timeOffset="179894.8599">15328 10989 0,'0'18'63,"-17"-18"-63,17 17 16,-18-17-1,18 36-15,-18-19 16,1 1-16,-1 17 15,0-17-15,1-1 16,-1 1-16,18 0 16,-18-18-16</inkml:trace>
 </inkml:ink>
 </file>
 
-<file path=ppt/ink/ink21.xml><?xml version="1.0" encoding="utf-8"?>
+<file path=ppt/ink/ink35.xml><?xml version="1.0" encoding="utf-8"?>
 <inkml:ink xmlns:inkml="http://www.w3.org/2003/InkML">
   <inkml:definitions>
     <inkml:context xml:id="ctx0">
@@ -1135,7 +2772,7 @@
 </inkml:ink>
 </file>
 
-<file path=ppt/ink/ink22.xml><?xml version="1.0" encoding="utf-8"?>
+<file path=ppt/ink/ink36.xml><?xml version="1.0" encoding="utf-8"?>
 <inkml:ink xmlns:inkml="http://www.w3.org/2003/InkML">
   <inkml:definitions>
     <inkml:context xml:id="ctx0">
@@ -1163,7 +2800,7 @@
 </inkml:ink>
 </file>
 
-<file path=ppt/ink/ink23.xml><?xml version="1.0" encoding="utf-8"?>
+<file path=ppt/ink/ink37.xml><?xml version="1.0" encoding="utf-8"?>
 <inkml:ink xmlns:inkml="http://www.w3.org/2003/InkML">
   <inkml:definitions>
     <inkml:context xml:id="ctx0">
@@ -1193,7 +2830,7 @@
 </inkml:ink>
 </file>
 
-<file path=ppt/ink/ink24.xml><?xml version="1.0" encoding="utf-8"?>
+<file path=ppt/ink/ink38.xml><?xml version="1.0" encoding="utf-8"?>
 <inkml:ink xmlns:inkml="http://www.w3.org/2003/InkML">
   <inkml:definitions>
     <inkml:context xml:id="ctx0">
@@ -1219,15 +2856,15 @@
   </inkml:definitions>
   <inkml:trace contextRef="#ctx0" brushRef="#br0">11994 15699 0,'0'0'0,"0"35"0,-35 0 16,18 18 0,-36 18-1,17 17 1,19-18-1,-1-52-15,0 17 16,18-17 0,-17 17-1,17-17 1,-18 0 0,18-1-1,-17 1 1,17-1 15,0 1 0,0 17-15,0-17 0,17 17-1,1-17-15,35 52 16,17 1-1,-17 17 1,0-17 0,-18-1-1,-17-34 1,0-36 0</inkml:trace>
   <inkml:trace contextRef="#ctx0" brushRef="#br0" timeOffset="38091.51">6033 2275 0,'0'53'15,"0"18"1,0-1 0,0 19-1,0-19 16,0-35-15,0 1 0,0-19-16</inkml:trace>
-  <inkml:trace contextRef="#ctx0" brushRef="#br0" timeOffset="39132.19">6050 2205 0,'35'-35'31,"-17"35"-31,35 0 15,88 0 1,0 0 0,53 0-1,-106 0-15,106 0 16,-70 0 0,-54 0 15,-70 17 47,0 1-62,0 17-16,0 0 15,-17 1-15,17 17 16,-18 52-1,1-16 1,-1-36-16,0 35 16,18-53-1,0-17 1,-17-1 31,-1 1-32,-17-18 1,-1 18 0,1-1-16,0-17 15,17 0-15,-70 0 16,18 0 0,-1-17-1,-17-1 1,17 18-1,1 0 1,-36-35 0,18 17-1,-1 18 1,37 0 0,-1 0-1,35 0 32</inkml:trace>
+  <inkml:trace contextRef="#ctx0" brushRef="#br0" timeOffset="39132.1899">6050 2205 0,'35'-35'31,"-17"35"-31,35 0 15,88 0 1,0 0 0,53 0-1,-106 0-15,106 0 16,-70 0 0,-54 0 15,-70 17 47,0 1-62,0 17-16,0 0 15,-17 1-15,17 17 16,-18 52-1,1-16 1,-1-36-16,0 35 16,18-53-1,0-17 1,-17-1 31,-1 1-32,-17-18 1,-1 18 0,1-1-16,0-17 15,17 0-15,-70 0 16,18 0 0,-1-17-1,-17-1 1,17 18-1,1 0 1,-36-35 0,18 17-1,-1 18 1,37 0 0,-1 0-1,35 0 32</inkml:trace>
   <inkml:trace contextRef="#ctx0" brushRef="#br0" timeOffset="40401.86">5186 1076 0,'-18'0'15,"18"18"1,-35 35 0,0-18-1,17 18 1,18 0-1,0-18 1,35 35 0,18-17-1,-18-35 1,1 0 0,-19-18-1,19 0 1,-1 0-1,-17-18 1,17-35 0,-35 0-1,0 0 1,0 0 0,0 36-1,-18-1 1,1 18-1</inkml:trace>
   <inkml:trace contextRef="#ctx0" brushRef="#br0" timeOffset="40868.1">5415 1446 0,'0'0'0,"35"36"0,18 17 16,18 0 0,17 17-1,0 1 1,18 17 0,-18-35 15,-35 0-16,-17-18 1,-19-17 0,1-1-16,-1 1 15,1-1 1,35 36 0,-53-35 15</inkml:trace>
   <inkml:trace contextRef="#ctx0" brushRef="#br0" timeOffset="41669.43">5115 2187 0,'-17'0'16,"-1"0"0,0 18-1,1 0 1,-1-1 0,18 1-1,0-1 1,0 1-1,0 17 1,35-17-16,-17 0 16,53 52-1,-36-52 1,0-1 0,0-17 15,-17 0-16,0 0 1,17 0 0,-17-35-1,-1-35 1,-17-1 0,0 36-16,0-36 15,-17 54 16,17-1-31,-18 18 16,0 0 0</inkml:trace>
   <inkml:trace contextRef="#ctx0" brushRef="#br0" timeOffset="42036.63">5380 2275 0,'0'0'0,"53"18"15,35 0 1,18-1 0,0-17-1,-18 0 1,-53 0 15,0 0-15,1 0-1</inkml:trace>
-  <inkml:trace contextRef="#ctx0" brushRef="#br0" timeOffset="43067.52">5203 2981 0,'0'18'15,"-17"-18"1,-1 0 0,1 17-1,17 1 16,-18-18-15,18 18 0,-18-1-1,1 1 1,17 17 0,0-17-1,17 17 16,1-17-15,0-1 0,-1 1-1,1-18 1,-1 0 0,1 0-1,17 0 1,-17 0 15,-18-18 0,18 1-31,-18-19 16,0 1 0,0 0-1,-18 0 16,-17 17-15,35 0-16,-18 18 31</inkml:trace>
+  <inkml:trace contextRef="#ctx0" brushRef="#br0" timeOffset="43067.5199">5203 2981 0,'0'18'15,"-17"-18"1,-1 0 0,1 17-1,17 1 16,-18-18-15,18 18 0,-18-1-1,1 1 1,17 17 0,0-17-1,17 17 16,1-17-15,0-1 0,-1 1-1,1-18 1,-1 0 0,1 0-1,17 0 1,-17 0 15,-18-18 0,18 1-31,-18-19 16,0 1 0,0 0-1,-18 0 16,-17 17-15,35 0-16,-18 18 31</inkml:trace>
   <inkml:trace contextRef="#ctx0" brushRef="#br0" timeOffset="43893.43">5256 3052 0,'18'0'31,"0"0"16,-1 0-32,19 0 1,-19 0-16,1 0 16,35-36-1,-18 36-15,53-35 16,-52 17 0,16-17-1,-16 17 16,-19 1-15,1-1 0,0 1-1,17-1 1,0 0 0,0 1-1,-17 17 1,0-18-1,17 18 1,-17-18 0,-1 18-1,1 0 1,-18-17 62,18 17-62,-1-18-1,1 18 1</inkml:trace>
   <inkml:trace contextRef="#ctx0" brushRef="#br0" timeOffset="46468.78">8026 1817 0,'-18'0'16,"0"0"-1,-34 0 1,34 17 0,-17 1-1,35 0 1,0 17-1,0 18 1,17 0 0,19-36-1,16 1 1,1 17 0,-17-35-1,17 0 16,-36 0-15,18 0 0,1-17-1,-19-1 1,1 0 0,0-17-1,-18 0 1,0 17-1,0 1 1,0-1-16,-18 0 16,0 18-1,-52 0 1,35 0 0</inkml:trace>
-  <inkml:trace contextRef="#ctx0" brushRef="#br0" timeOffset="46968.16">7885 2117 0,'-18'17'15,"-17"-17"16,17 18-15,-70 17 0,0-17-1,52-18-15,-69 35 16,16-17 0,19-1-1,-18 1 1,17 0-1,36-18 1,-1 17 0,19-17-1</inkml:trace>
+  <inkml:trace contextRef="#ctx0" brushRef="#br0" timeOffset="46968.1599">7885 2117 0,'-18'17'15,"-17"-17"16,17 18-15,-70 17 0,0-17-1,52-18-15,-69 35 16,16-17 0,19-1-1,-18 1 1,17 0-1,36-18 1,-1 17 0,19-17-1</inkml:trace>
   <inkml:trace contextRef="#ctx0" brushRef="#br0" timeOffset="48002.4">7902 2469 0,'-17'0'31,"17"18"-15,0 0-1,0-1 1,0 36-1,0-17 1,17-1 0,1-18-1,17-17 1,-17 0 0,-1 0-1,1 0 16,17 0-15,-17 0 0,0 0-1,-18-17-15,0-1 16,17-35 0,-17 18-1,0-18 1,0 35-1,0 1 1,0-1 0,-17 18-1,-19-17 17,-17-1-17,18 18 1,18 0-16</inkml:trace>
   <inkml:trace contextRef="#ctx0" brushRef="#br0" timeOffset="48669.38">7902 2575 0,'-17'0'62,"-19"0"-62,-52 0 16,-18-17 0,-17-1-1,52-17 16,1 17-15,52 18 0,-17 0-1,35-18 1,-18 18 0,1 0 15,-1 0 16</inkml:trace>
   <inkml:trace contextRef="#ctx0" brushRef="#br0" timeOffset="49669.28">7849 2963 0,'-17'18'32,"-1"-18"-1,18 18-15,0-1 30,-18-17-30,18 18-16,0 0 16,0-1-1,0 18 1,0-17 0,0 0-1,36 17 1,-19-17-1,19-1 1,-19-17 0,1 0-1,0 0 17,-1 0-17,1-17 1,-18-1-1,0 0 1,17-35 0,1 1-1,-18 16 1,-18-17 0,18 36-16,-35-1 15,18 0 1,-54 1-1,53 17 1,1 0 0</inkml:trace>
@@ -1238,11 +2875,11 @@
   <inkml:trace contextRef="#ctx0" brushRef="#br0" timeOffset="60316.17">7849 3598 0,'-35'-17'93,"35"-1"-77,-35-17-16,-1-18 16,1 18-1,18-1 1,-19 1 15,1-18-15,0 0-1,-1 0 1,1-17 0,18-1-1,-1 54-15,0-36 16,18 17 0,0 1-1,-17-18 1,-1 0-1,18-17 1,0-36 0,0 0-1,0 18 17,0 35-32,0-35 15,0 35 1,0-35-1,18-1 1,-1-69 0,19 69-1,-19 1 1,18 18 0,1 34-1,-19-16 1,19-1-1,-1 0 1,18 17 0,0-17-1,-18 36 1,18-1 0,18-17 15,-36 17-16,35 18 1,-17 0 0,18 0-1,-18 0 1,17 53 0,-17 0-1,0-18 1,0 36-1,0 17 1,18 18 0,-19 17-1,1-17 1,-17-18 15,-19 18-15,-17 0-1,0 35 1,0-17 0,0-18-1,0-36 1,0 18 0,-35-17-1,17-1 1,-52 54-1,17-36 1,35-53 0,1 18 15,-19-35-31,19 0 16,-1 34 15,0-16-16,-35-19 1,18 19 0,18-19-1,-1 1 1,0 0 0,1-18-1,-1 17 1,-17 19-1,17-36 1,0 17 0,1-17 15,17 18-15,-35-18-1,17 17 16,0 1-15,-17-18 0,17 18-1,1-18 1,-1 17 0,0-17-1,1 0 1,-1 0-1,1 18 1,-1 0 0,0-18-16,1 0 15,-1 17 17,0-17 61</inkml:trace>
   <inkml:trace contextRef="#ctx0" brushRef="#br0" timeOffset="67859.59">5274 1129 0,'0'-18'32,"18"18"46,-1 18-16,-17 0-46,0-1-1,0 1 17,0-1 15,0 1-16,18-18-31,-18 18 15</inkml:trace>
   <inkml:trace contextRef="#ctx0" brushRef="#br0" timeOffset="146524.28">14940 13723 0,'0'0'0,"0"-18"0,-17 18 15,-19-35 1,19 18 0,-19-36-1,19 0 1,-1 17 0,18 1-1,0-18 1,0 18-1,0-36 1,0 54-16,35-54 16,36 18-1,-1 0 17,19 36-17,-36 17 1,-1 0-1,-16 0 1,17 17 0,35 36-1,-35 18 1,0 70 0,-53-106-1,0 89 1,-36-54-1,-52-17 1,0 0 15,0-35-15,-18-1 0,35-17-1,19 0 1</inkml:trace>
-  <inkml:trace contextRef="#ctx0" brushRef="#br0" timeOffset="148021.35">15593 11606 0,'0'0'0,"0"-17"16,0-19 0,17-16-1,19-19 1,-1 71 0,0-53-1,53 0 1,-52 36-1,34-19 1,-17 19 15,-35 17-15,-1 0 0,1 0-1,35 0 1,-18 35-1,18 0 1,-17-17-16,-19-1 16,-17 1-1,18 17 1,-18 1 0,17 17-1,1-18 1,-18 18-1,0-18 17,-18 18-17,-17 0 1,-18 0 0,18-36-1,0 1 1,-1 0-1,-34-1 1,17-17 0,-18 0-1,36 0 1,-18 0 0,18-17-1,0-36 1,17 0-1,-17 0 1,35-35 15,0 35-31,0 0 16,0-53 0,0 53-1,0 36 1</inkml:trace>
+  <inkml:trace contextRef="#ctx0" brushRef="#br0" timeOffset="148021.3499">15593 11606 0,'0'0'0,"0"-17"16,0-19 0,17-16-1,19-19 1,-1 71 0,0-53-1,53 0 1,-52 36-1,34-19 1,-17 19 15,-35 17-15,-1 0 0,1 0-1,35 0 1,-18 35-1,18 0 1,-17-17-16,-19-1 16,-17 1-1,18 17 1,-18 1 0,17 17-1,1-18 1,-18 18-1,0-18 17,-18 18-17,-17 0 1,-18 0 0,18-36-1,0 1 1,-1 0-1,-34-1 1,17-17 0,-18 0-1,36 0 1,-18 0 0,18-17-1,0-36 1,17 0-1,-17 0 1,35-35 15,0 35-31,0 0 16,0-53 0,0 53-1,0 36 1</inkml:trace>
 </inkml:ink>
 </file>
 
-<file path=ppt/ink/ink25.xml><?xml version="1.0" encoding="utf-8"?>
+<file path=ppt/ink/ink39.xml><?xml version="1.0" encoding="utf-8"?>
 <inkml:ink xmlns:inkml="http://www.w3.org/2003/InkML">
   <inkml:definitions>
     <inkml:context xml:id="ctx0">
@@ -1271,219 +2908,6 @@
   <inkml:trace contextRef="#ctx0" brushRef="#br0" timeOffset="21039.28">18433 4745 0,'17'0'16,"1"0"0,35 0-1,35 0 1,-17 0-16,34 0 15,-16 0 1,-19 0 0,-17 0-1,-18 0 1,1 0 15,-1 0-31,0 0 16,-17 0 15,35 0-15,-18 0-1,0 0 1,-17 0 0,0 0-1,-1 0 1,1-18 171,0 18-171,-1 0 0,18 0-16,-17 0 15,0 0 48</inkml:trace>
   <inkml:trace contextRef="#ctx0" brushRef="#br0" timeOffset="41893.97">12012 1182 0,'0'17'250,"0"1"-234,0 0-16,-18 35 16,-17 17-1,0 1 1,-18-1 0,35 1-1,-17-18 1,0 53-1,17-1 1,-35 72 15,36-107-31,-19 19 16,-34 175 0,17-52-1,18-36 1,-1 1-1,19-36 1,-19 35 0,19 53-1,17 1 1,0-36 0,0 35-1,53 71 1,-18-124-1,0 1 17,0-19-17,-17 19 1,17 35 0,1-1-1,-1-70 1,0 36-1,1-54 1,-1 1 0,0-19-1,18 54 1,-18-71 0,-17 1-1,17-19 1,-17 1-1,-1-1 1,1 1 15,17 17-15,-17-17 0,17-1-1,1-17 1,-36-35-1</inkml:trace>
   <inkml:trace contextRef="#ctx0" brushRef="#br0" timeOffset="43359">14411 4639 0,'-35'18'32,"17"-18"-17,-35 53 1,0 0 0,36-18-16,-36 18 15,17 35 16,1-35-31,17 0 32,1 17-17,-1-17 1,18 35 0,-17 1-1,17 16 1,0 37-1,0-37 1,0 72 0,0-71-1,17-36 1,18 18 0,-17 1-1,0-19 1,35 1-1,-36-36 1,1 18 15,17 0-15,18 0 0,0 0-1,-18 0 1,1-36-1,-19 1 1,19 17 0,-1-17-1,0-1 1,0 1 0,-17 0-1,0-1 48,-1 1-48,1 0 1,17-1 0,-17 1-1</inkml:trace>
-</inkml:ink>
-</file>
-
-<file path=ppt/ink/ink26.xml><?xml version="1.0" encoding="utf-8"?>
-<inkml:ink xmlns:inkml="http://www.w3.org/2003/InkML">
-  <inkml:definitions>
-    <inkml:context xml:id="ctx0">
-      <inkml:inkSource xml:id="inkSrc0">
-        <inkml:traceFormat>
-          <inkml:channel name="X" type="integer" max="1920" units="cm"/>
-          <inkml:channel name="Y" type="integer" max="1080" units="cm"/>
-          <inkml:channel name="T" type="integer" max="2.14748E9" units="dev"/>
-        </inkml:traceFormat>
-        <inkml:channelProperties>
-          <inkml:channelProperty channel="X" name="resolution" value="36.43264" units="1/cm"/>
-          <inkml:channelProperty channel="Y" name="resolution" value="36.48649" units="1/cm"/>
-          <inkml:channelProperty channel="T" name="resolution" value="1" units="1/dev"/>
-        </inkml:channelProperties>
-      </inkml:inkSource>
-      <inkml:timestamp xml:id="ts0" timeString="2021-04-08T09:22:50.914"/>
-    </inkml:context>
-    <inkml:brush xml:id="br0">
-      <inkml:brushProperty name="width" value="0.05292" units="cm"/>
-      <inkml:brushProperty name="height" value="0.05292" units="cm"/>
-      <inkml:brushProperty name="color" value="#FF0000"/>
-    </inkml:brush>
-  </inkml:definitions>
-  <inkml:trace contextRef="#ctx0" brushRef="#br0">10548 3387 0,'-18'17'16,"1"1"-16,-1-18 16,-17 18-1,0 17 1,17-17 0,18-1 15,0 1 16,18-18-32,35 17 1,17 1-16,159 0 16,18 17-1,-53 0 1,-141-17-1</inkml:trace>
-  <inkml:trace contextRef="#ctx0" brushRef="#br0" timeOffset="345.32">10954 3440 0,'-36'194'31,"19"-124"-31,17 18 16,-18 1-16,18 34 15,-17-35 16</inkml:trace>
-</inkml:ink>
-</file>
-
-<file path=ppt/ink/ink27.xml><?xml version="1.0" encoding="utf-8"?>
-<inkml:ink xmlns:inkml="http://www.w3.org/2003/InkML">
-  <inkml:definitions>
-    <inkml:context xml:id="ctx0">
-      <inkml:inkSource xml:id="inkSrc0">
-        <inkml:traceFormat>
-          <inkml:channel name="X" type="integer" max="1920" units="cm"/>
-          <inkml:channel name="Y" type="integer" max="1080" units="cm"/>
-          <inkml:channel name="T" type="integer" max="2.14748E9" units="dev"/>
-        </inkml:traceFormat>
-        <inkml:channelProperties>
-          <inkml:channelProperty channel="X" name="resolution" value="36.43264" units="1/cm"/>
-          <inkml:channelProperty channel="Y" name="resolution" value="36.48649" units="1/cm"/>
-          <inkml:channelProperty channel="T" name="resolution" value="1" units="1/dev"/>
-        </inkml:channelProperties>
-      </inkml:inkSource>
-      <inkml:timestamp xml:id="ts0" timeString="2021-04-08T09:11:39.723"/>
-    </inkml:context>
-    <inkml:brush xml:id="br0">
-      <inkml:brushProperty name="width" value="0.05292" units="cm"/>
-      <inkml:brushProperty name="height" value="0.05292" units="cm"/>
-      <inkml:brushProperty name="color" value="#FF0000"/>
-    </inkml:brush>
-  </inkml:definitions>
-  <inkml:trace contextRef="#ctx0" brushRef="#br0">11201 1182 0,'17'0'16,"72"0"-1,87 35 1,106 0 0,53 1-1,-35-1 1,-106 0 0,-106-35-1,-52 0 1,-19 0 46</inkml:trace>
-  <inkml:trace contextRef="#ctx0" brushRef="#br0" timeOffset="43366.92">2575 953 0,'0'-18'31,"0"0"-15,18-35 0,17 18-1,18-36 1,71-17-1,52 0 1,-35 53 0,-53 35-1,-17 0 1,-54 0 15,-17 35 0,0 0-31,-17 71 32,-54 53-32,-52 35 31,-36-35-15,0-36-1,-17-17 1,35-18-1,88-52 1,0-1 0,18-18-1,35 1 1,-18-18 46,18-18-46,18-17-16,35 0 16,35-18-16,88-53 31,54 18-15,-72 70-1,-105 18-15,0 0 16,18 0-1,-1 18 1,-52 0 0,-1 17-1,1 0 1,0-17 0,-1 17-1,19-35 1,-1 0-1,18 0 17,0 0-17,-18 0 1,-17 0 0,-1-18-16</inkml:trace>
-  <inkml:trace contextRef="#ctx0" brushRef="#br0" timeOffset="51927.63">8396 9031 0,'18'0'47,"35"-18"-32,0 18 1,123-17 0,18 17-1,18 0 1,-71 0-16,88 0 16,18 17-1,0 1 1,-18 0-1,-17-18 17,0 0-17,-18 0 1,-18 0 0,18 17-1,71 1 1,-142-18-1,-52 0 1,-36 0 0,18 18-1,-18-18 1,53 17 0,-35 1-1,0-18 1,0 0-1,18 0 17,-18 0-17,-36 0 110,1 0-109,17 0 0,0-18-16,18 1 15,159-19 1,-124 19-1,141-36 1,-158 35-16,53-17 31,-107 35 63,1 0-78,-1 0-1,1 0-15,0 0 16,17-18 0,0 18-1,-17 0 1,0 0-1,-1 0 17,1 0-17,35 0 1,17 0 0</inkml:trace>
-  <inkml:trace contextRef="#ctx0" brushRef="#br0" timeOffset="66217.41">6279 10918 0,'18'0'31,"0"0"-16,-1 0 1,1 0 0,-18-17-1,18 17 1,-1 0-16,1 0 16,0 0-1,34 0 1,-16 0-1,34 0 1,-52 0 0,0 0-1</inkml:trace>
-  <inkml:trace contextRef="#ctx0" brushRef="#br0" timeOffset="72487.99">7003 9507 0,'0'-17'32,"-18"17"15,0 0-16,18 17-16,-17 1 1,-1 0 0,-17-1-1,35 1 32,0 0-31,-18-18-16,18 17 15,-17 1 1,-1-1 15,0 1-15,18 0-16,-17 35 31,-1-36-15,0 19-1,18-19 1,0 19 0,0-1-1,0-18 1,0 1 0,0 0-1,0-1 1,0 1-1,0 0 1,0-1 0,0 1 15,0 0-15,0-1-1,0 1 1,0-1-1,0 1 1,0 0 0,18-1-1,-18 1 17,0 0-1,18-1 0,-18 1-15,17-18-1,-17 18 1,18-18 0,0 0 15,-18 17-16,0 1 1,17-18 0,-17 17-1,18-17-15,-1 0 47,-17 18-47,18-18 16,0 0 15,-18 18-15,17-18 46,-17 17-46,18-17 15,0 0 188,-1 0-188</inkml:trace>
-  <inkml:trace contextRef="#ctx0" brushRef="#br0" timeOffset="77287.73">6526 11695 0,'18'0'172,"0"0"-157,-1 0 1,1 0-1,0 0 1,-1 0 0,1 0-1,0 0 1,-1 0-16</inkml:trace>
-  <inkml:trace contextRef="#ctx0" brushRef="#br0" timeOffset="80559.6">5609 10707 0,'0'0'0,"0"123"16,0 18-16,0 1 15,-35 157 1,35-34-1,0-124 1,0-70 0,0-54-16,0 1 15,0 0 1,0 17 0,18-35 171,-1 0-171,18 0-16,107 0 15,34 0 1,53 0 0,53 0-1,-35-18 1,-53 18-1,-88 0 1,-35 0 15,-1 0-15,19 0 0,-36 0-16,105-17 15,-17 17 1,18 0-1,-88 0 1,-54 0 0,1 0 31,0 0-32,-1 0-15,1 0 16</inkml:trace>
-  <inkml:trace contextRef="#ctx0" brushRef="#br0" timeOffset="87400.88">11007 12559 0,'17'0'78,"19"0"-78,-19 0 16,1 0 0,0 0-1,34 0 1,-16 0-16,105 0 15,70 0 1,36-35 0,0 17-1,-106 0 1,-52 18 0,-54 0-1,-17 0 48,52 0-48,-35 18 1,18 17-16,53-17 16,-35 0-1,-18-18 1,17 0-1,18 0 1,18-18 0,-18 18-1,-17 0 1,-36 18 0,-17-18-1,17 17 1,53 36 15,36-53-15,52 35-1,1 1 1,-72-36 0,-34 17-1,-36-17 1,18 0-1,-18 0 1,36 0 0,17 18-1,-70-18 1,52 0 0,1 0 15,35 0-31,70-18 31,-52 18-15,-36 0-1,-18 0 1,-34 0 0,17 0-1,0 0 1,-1 0-1,72 18 1,-1-18 0,71 0-1,18-71 1,17 1 0,-87 35-1,-37 17 1,-52 18-1,0 0 17,35 0-17,36 0 1,70 35 0,-18-17-1,-123-18 1,-35 0-1,35 0 1,35 0 0,71-18-1,-1-35 1,-34 18 15,-71 17-31,-36 18 63,19 0-48,34 0 1,-52 0 0,0 0 15</inkml:trace>
-  <inkml:trace contextRef="#ctx0" brushRef="#br0" timeOffset="103719.57">6985 13018 0,'0'-18'15,"0"0"1,0 1-1,0-1 1,18-17 0,-1-18-1,1 0 1,17 18 0,-35 17-1,18-17 16,-1 35-31,1-36 16,35 19 0,0-19-1,-18 1 1,36 18 0,-18 17-1,0 0 1,-18 0-1,18 0 1,-18 0 0,0 0-1,1 0 1,34 17 0,-70 1-1,53 17 16,-35-17-15,17 17 0,-17 0-1,-18-17 1,17 0 0,-17-1-1,0 1 1,0-1-1,0 36 1,0-17 0,0-19-1,0 36 1,0-35 0,-17 0-1,-1-1 16,0 1-15,1-1 0,-1 19-1,0-19 1,1 1 0,-1-18-1,1 18 1,17-1-1,-18-17 1,0 0 0,1 0-1,-1 18 1,0-18 15,1 0-15,-1 18 15,0-18-15,1 0-1,-1 0 1,1 0 0,-1 0-1,0 17 1,1-17-1,-1 0 48,0 0-47,-17 0-1,17 0-15,1 0 16,-1 0-16,-17 0 31,17 0-15,1 0-16,-19 0 15,19 0 1,-1 0 0,0-17-1,1 17 1,-19-18-1,19 0 1,-1 1 0,1-1 15,-1 0-15,0 1 15,18-1-16,0 0 1,-17 18 0,17-17-1,0-1 1,0 1 0,0-1-1,0 0 1,0 1-1,0-1 1</inkml:trace>
-  <inkml:trace contextRef="#ctx0" brushRef="#br0" timeOffset="107776.87">5168 12594 0,'-17'0'16,"-1"0"-1,0 0 17,1 0-17,-1 18 1,-17-1-1,17 1 1,0 0 0,18-1-1,18 1 1,-18 0-16,18-18 16,-1 17 15,36-17-16,0 0 1,-35 0 0,17 0-1,-17 0 1,-1-17 0,-17-1-1,0 0 1,0 1-1,0-1 1,-17 0 0,-19 18-1,19 0 32,-1 0-16</inkml:trace>
-  <inkml:trace contextRef="#ctx0" brushRef="#br0" timeOffset="108159.19">4904 12929 0,'17'0'31,"1"0"-31,17 0 16,36 0-1,105 0 1,71 0 0</inkml:trace>
-  <inkml:trace contextRef="#ctx0" brushRef="#br0" timeOffset="108799.57">5098 13141 0,'-18'35'31,"18"-17"-31,0 0 31,35-18 0,18 35-31,-18-35 32,-17 0-17,17 0 1,1 0 0,-1 0-1,-35-18 1,0 1-1,0-19 1,0 19 0,0-1-16,-18 18 15,1-18 1,-1 18 0,0 0 15</inkml:trace>
-  <inkml:trace contextRef="#ctx0" brushRef="#br0" timeOffset="109296.26">5433 12647 0,'53'0'15,"17"0"1,18 0 0,-70 0-1</inkml:trace>
-  <inkml:trace contextRef="#ctx0" brushRef="#br0" timeOffset="109735.55">5521 12682 0,'0'0'0,"0"18"16,-18 0 15,1 17-31,17 35 15,0-34 17,0-19-17,35-17 48,0 0-48,1 0-15,-1 0 16,18 0 0,-36-17-1,-17-1 1</inkml:trace>
-  <inkml:trace contextRef="#ctx0" brushRef="#br0" timeOffset="110056.73">5768 12629 0,'0'0'0,"0"36"0,0 52 15,0-18 1,0-52 0</inkml:trace>
-  <inkml:trace contextRef="#ctx0" brushRef="#br0" timeOffset="110271.54">5891 12753 0,'0'0'0,"36"0"32</inkml:trace>
-  <inkml:trace contextRef="#ctx0" brushRef="#br0" timeOffset="111231.96">5697 12947 0,'0'18'0,"-17"-1"16,17 36 0,0-35-1,-18 17 1,18 0 0,0-17-1,0 0 32,18-18-16,-1 0-15,1 0 0,0 0-1,17 0 1,-17 0-16,17 0 15,-18 0 32,-17-18-31,18 0 0,0-35-1,-18 18 1,0-35-1,0 34 17,0 19-1,0-1-15</inkml:trace>
-  <inkml:trace contextRef="#ctx0" brushRef="#br0" timeOffset="111688.28">5715 13000 0,'0'18'15,"18"-18"1,-1 0 0,19 0-1,-1 0 1</inkml:trace>
-  <inkml:trace contextRef="#ctx0" brushRef="#br0" timeOffset="112602.74">5980 12647 0,'-36'0'16,"19"18"15,-1-18-31,18 17 16,0 1 0,0 0-1,0-1 16,0 1-15,18 0 0,-1-18-1,1 0 1,-18 17 0,35-17-1,-17 0 1,0 0 15,-1 0-15,1-17-1,-18-1 1,17-17 0,-17 17-1,0 0 1,0 1 15,0-1-15,-17 18 15</inkml:trace>
-  <inkml:trace contextRef="#ctx0" brushRef="#br0" timeOffset="112983.81">6244 12488 0,'18'71'31,"-18"-36"-31,0 36 16,0-36-1,0 53 1,0-53 0,0-17-1</inkml:trace>
-  <inkml:trace contextRef="#ctx0" brushRef="#br0" timeOffset="113831.57">6068 12982 0,'17'0'63,"1"0"-48,35 0 1,-18 0 0,1 0-1,-19 0 16,-17 18-15,0 0 0,0-1-1,0 1 1,-17-18 0,-1 17-1,-17-17 1,17 0-1,0 0 1,1 18 0,-1 0 15,0-18 0,18 17-31,-17-17 16,17 18-1,0 0 1,0-1 15,17-17-15,-17 18-16,18-18 31,0 0-15,-1 0-1,1 0 1</inkml:trace>
-  <inkml:trace contextRef="#ctx0" brushRef="#br0" timeOffset="114319.04">6209 13018 0,'0'0'0,"18"0"16,-1-18 0,18 18-1,18-18 1,-17 18 0,-19 0-1,1 0 16,0 0 1,-1 0-32,-17 18 15,0 0 1,18 17 0,-18 0-1,0 0 1,0-17 15</inkml:trace>
-  <inkml:trace contextRef="#ctx0" brushRef="#br0" timeOffset="114903.79">6579 12718 0,'18'0'31,"0"0"-31,-1 0 16,1 0-1,0 0 1,-18 35 0,0-17-1,0 17 1,0 18 15,-18 17-15,0-17-1,1-17 1,17-19 0,0 1-1,-18-1-15</inkml:trace>
-  <inkml:trace contextRef="#ctx0" brushRef="#br0" timeOffset="115302.37">6826 12665 0,'0'17'31,"18"19"-31,-18-1 16,0 35-1,0 36 1,0-53 0,0-17-1,0-1 1</inkml:trace>
-  <inkml:trace contextRef="#ctx0" brushRef="#br0" timeOffset="117518.75">5750 14252 0,'-17'0'94,"-1"0"-63,0 0-15,18 18 0,0 0-1,0-1 1,0 1 0,36-18-1,-19 17 1,1-17 15,0 0-15,-1 0-1,1 0 17,-1 0-1,-17-17-31,18-1 31,0 1-15,-18-1-1,0 0 1,0 1 0,-18-1 15,18 0-16,-18 18-15,1 0 32,-1 0-17,1 0-15,-1 0 16,0 0 15</inkml:trace>
-  <inkml:trace contextRef="#ctx0" brushRef="#br0" timeOffset="117872.03">5750 14376 0,'0'17'15,"-17"1"1,-1 17 15,18 18-15,0-35-1,0-1 1,0 1 0</inkml:trace>
-  <inkml:trace contextRef="#ctx0" brushRef="#br0" timeOffset="118369.11">5821 14376 0,'17'0'31,"-17"35"-15,0-17 0,0 17-16,0 0 15,0-17 1</inkml:trace>
-  <inkml:trace contextRef="#ctx0" brushRef="#br0" timeOffset="119048">5627 14587 0,'17'0'62,"1"0"-46,0 0-16,52 0 16,18 0-1,-52 0 1,-19 0 0</inkml:trace>
-  <inkml:trace contextRef="#ctx0" brushRef="#br0" timeOffset="119552.45">5997 14005 0,'18'0'31,"0"18"-15,-18 0-1,0-1 1,0 1-1,0-1 1,0 1 0</inkml:trace>
-  <inkml:trace contextRef="#ctx0" brushRef="#br0" timeOffset="120236.01">5927 14146 0,'106'0'15,"-71"0"1,0 0 0,0 0-1,-35 18 126,0 0-141,-17-1 15,-19 1 1,-34 70 0,-36 18-1,71-88-15,17 17 16,0-17 0,36-54 93,17 19-93,-17-1-16</inkml:trace>
-  <inkml:trace contextRef="#ctx0" brushRef="#br0" timeOffset="120519.83">6015 14340 0,'0'0'0,"0"18"16,35-18-1,-35 18 1,0-1-1,18-17 1,-18 36 0</inkml:trace>
-  <inkml:trace contextRef="#ctx0" brushRef="#br0" timeOffset="120836.83">6138 14323 0,'0'0'0,"18"-18"0,17 18 16,-17 0-1,0-17 48,-1 17-48,-17-18-15</inkml:trace>
-  <inkml:trace contextRef="#ctx0" brushRef="#br0" timeOffset="122039.94">6315 14058 0,'0'53'16,"0"-18"0,0 36-1,0-36-15,-18 53 16,18-52 0,0-19-1,0 1 95,0 0-95,-18-1 1,1 1 31,-1-18-16,1 0-31,-1 0 16,0 0-1,1 0 48,-1 18-48,0-1 1,18 1-16,0-1 16,0 1-1,18-18 48,0 0-48,-18 18-15,17-18 16,1 0 0,0 0 15,-1 0-31,1 0 15,-1 0 1,1 0 0,0 0-1,-1 0 1,-17-18 15,0 0-15,0 1-1,0-1 1,0 1 0</inkml:trace>
-  <inkml:trace contextRef="#ctx0" brushRef="#br0" timeOffset="123986.03">7726 14676 0,'-18'0'0,"-17"0"15,17 0-15,1 0 16,-72 0-1,37-18 1,-1 0 0,0 1-1,0-1 1,18-17 0,17 17 15,0 0-16,-35-34 1,36 16 0,-19-17-1,36 18 17,0 0-17,-17 17-15,17-35 16,0 0-1,0 18 1,0 17 0,17 1-1,1-1 1,0 0 0,17-17-1,0 18 1,1 17 15,16-36-15,1 36-1,0 0 1,-17-17 0,-19 17-1,18 0 1,36 0-1,0 17 1,-1-17 0,-52 18-1,-1 0 1,1-18 0,17 17-1,18 54 1,0-18 15,-35-18-15,-18-17-1,0 17 1,0 0 0,0 0-1,0 1 1,0 17-1,-18 0 1,-17-1 0,17-34-1,1 0 1,-1-1 0,-17 1 15,-1 17-16,-52-35 1,18 18 0,34-18-1,1 0 1,17 0 109,1 0-109,-1 0-16</inkml:trace>
-  <inkml:trace contextRef="#ctx0" brushRef="#br0" timeOffset="127587.08">6438 14146 0,'0'18'16,"-17"17"-1,17-17-15,-18 17 16,18 1 15,0-19-15,0 1-1,0-1 17,0 1-17,18-18 32,-1 0-16,1 0-15,-1-18 0,-17 1-1,18 17 1,17-18-1,-17-17 1,-18 17 0,0 1-1,18 17 1</inkml:trace>
-  <inkml:trace contextRef="#ctx0" brushRef="#br0" timeOffset="127887.57">6597 14076 0,'0'17'31,"-18"19"-16,18-19 1,-17 19 0,-1-19-1,18 19 1,-18-19 0</inkml:trace>
-  <inkml:trace contextRef="#ctx0" brushRef="#br0" timeOffset="128288.68">6403 14270 0,'18'0'47,"-1"0"-32,1 0 48,-1 0-16</inkml:trace>
-  <inkml:trace contextRef="#ctx0" brushRef="#br0" timeOffset="128960.02">6491 14411 0,'0'18'16,"0"-1"0,-18 1-1,18 0-15,-17-18 63,-1 0-32,1 0-15,34 0 124,1-18-124,-1 18-1,1 0 1,0 0 0,-1 0-1,19 0 1,-19 0 0,19 0-1,-19 0 1,1-18 46</inkml:trace>
-  <inkml:trace contextRef="#ctx0" brushRef="#br0" timeOffset="129481.5">6720 14199 0,'-17'53'16,"17"-17"-1,0-19 1,0 1-1,0-1 1,0 1 0,0 0 15,0-1 0,17-17 32,1 0-48,-18-17 1,18-36 0</inkml:trace>
-  <inkml:trace contextRef="#ctx0" brushRef="#br0" timeOffset="130305.17">6826 14164 0,'0'0'0,"0"18"0,0 17 15,0 0 1,0 1-1,0-19 1,0-34 203,18 17-204,-18-18-15,18-17 16,-18 17 0,0 0 31,17 18-32,1-17 1,-18-1 15,17 0-15,-17 1-1,0 34 63,0 1-62,0 35-16,0-18 16,0 18-1,18 0 1,-18-35 0,0-36 62</inkml:trace>
-  <inkml:trace contextRef="#ctx0" brushRef="#br0" timeOffset="130832.03">7020 14164 0,'18'0'31,"0"0"31,-18 18-62,0-1 16,0 1 0,0 0-1,0-1 1,0 1-1,0 0 1,0-1 0,0 1-16,-18-1 31,0-17-15,18 18-1</inkml:trace>
-  <inkml:trace contextRef="#ctx0" brushRef="#br0" timeOffset="131328.43">7091 14076 0,'0'17'47,"0"1"-47,0 17 15,0 1 1,0 17 0,0-18-1,0 18 1,0-18 0,0-17-1,0-1 1</inkml:trace>
-  <inkml:trace contextRef="#ctx0" brushRef="#br0" timeOffset="-193961.18">7073 15275 0,'-17'0'16,"-1"0"0,0 0-1,1 0 1,-1 18-1,-17 0 1,17 17 0,-35 0-1,0 0 1,18-17 0,0 0-1,-1 17 1,19-17-1,34-18 142,1 17-142,0 1-15,-1-18 16,36 35 0,-35-17-16,17-1 15,0 19 1,-17-19-1,0 19 1</inkml:trace>
-  <inkml:trace contextRef="#ctx0" brushRef="#br0" timeOffset="-186495.79">10989 15434 0,'35'0'79,"36"0"-79,-1 0 15,142 0 1,-88 0-1,158 0 1,141 18 0,-246-1-1,-107-17 1,-17 0 0,0 0-1,-18 0 1,0 0-1,1 0 1,-1 0 0</inkml:trace>
-  <inkml:trace contextRef="#ctx0" brushRef="#br0" timeOffset="-185657.09">11007 16087 0,'17'0'31,"19"0"-31,-1-18 16,88 0-1,-17 1-15,159-1 16,-36 0-1,18 18 1,-106 0 0,-35 0-1,-18 0 17,0 0-17,-35 0 1,0 0-1</inkml:trace>
-  <inkml:trace contextRef="#ctx0" brushRef="#br0" timeOffset="-104320.66">15558 15099 0,'17'0'31,"18"0"-15,1 0-1,52 18-15,35 17 16,-34 0 15,-89-17-15,17-18 0,-17 17-1,-17 1 1,-19 35-1,-34 17 1,-71 19 0,0 17-1,52-36 1,72-52-16,-19 17 16,36-17 30</inkml:trace>
-  <inkml:trace contextRef="#ctx0" brushRef="#br0" timeOffset="-103841.11">16387 14993 0,'-36'159'15,"-52"-36"1,18-17 0,34-35-1</inkml:trace>
-  <inkml:trace contextRef="#ctx0" brushRef="#br0" timeOffset="-103570.95">16245 15293 0,'53'0'32,"-35"18"-17,17 17 1,-17 0 0,0-17-1</inkml:trace>
-  <inkml:trace contextRef="#ctx0" brushRef="#br0" timeOffset="-103320.98">16439 15240 0,'0'0'0,"36"0"16,17-18 0,0 18-1,-36-17 16</inkml:trace>
-  <inkml:trace contextRef="#ctx0" brushRef="#br0" timeOffset="-103001.27">16651 14993 0,'0'18'31,"0"17"-15,0 0-16,0 36 15,0 17 1,0-17-1,0-36 17,0 0-17,0-17 1</inkml:trace>
-  <inkml:trace contextRef="#ctx0" brushRef="#br0" timeOffset="-102392.61">16845 15099 0,'0'35'32,"0"0"-32,0 36 15,0-18 1,0-18 0,0-17 46,18-18-31,-1 0-15,19 0 0,-19 0-1,19 0 1,-19 0 46,1 0-46,-18-18 0</inkml:trace>
-  <inkml:trace contextRef="#ctx0" brushRef="#br0" timeOffset="-102081.17">17110 15064 0,'0'0'0,"-18"105"15,18-69 1,0-1-16,0 36 16</inkml:trace>
-  <inkml:trace contextRef="#ctx0" brushRef="#br0" timeOffset="-101632.84">16916 15311 0,'0'-18'47,"35"0"-16,0 18-16,36 0 1,-1 0 0,-34 0-1</inkml:trace>
-  <inkml:trace contextRef="#ctx0" brushRef="#br0" timeOffset="-101208.45">17145 15258 0,'18'0'16,"-1"0"0,19-18-1,-19 18 1,18 0 0</inkml:trace>
-  <inkml:trace contextRef="#ctx0" brushRef="#br0" timeOffset="-100837.52">17339 14958 0,'0'17'15,"0"19"1,0 17-1,0 52 1,-18-52-16,18 53 16,0-35-1,0-1 1,0-52 0,0 0-1</inkml:trace>
-  <inkml:trace contextRef="#ctx0" brushRef="#br0" timeOffset="-92552.62">17621 15134 0,'0'0'0,"0"18"31,0-1-15,0 1 0,18-18 31,0 0-32,-1 0 1,18 0-1,-17 0 1,0 0 0,-18-35-1,0 17 1,0 1 0,-18 17 15,0 0-16,1 0 1,-1 0-16,1 0 31</inkml:trace>
-  <inkml:trace contextRef="#ctx0" brushRef="#br0" timeOffset="-92072.93">17674 15293 0,'18'0'62,"-1"0"-62,19 0 16,17 0-16,35 0 16,-53 0-1,0 0 1</inkml:trace>
-  <inkml:trace contextRef="#ctx0" brushRef="#br0" timeOffset="-91433.04">17780 15452 0,'0'17'16,"0"1"-1,0 0 17,18-18-17,-1 17 1,1 1-1,17-18 1,-17 0 0,-1 0-1,-17-18 1,0 1 0,0-1-1,0 0 1,0 1-1,0-1 1,-17 18 47,-1 0-32,1 0-31,-1 0 15,0 0 1</inkml:trace>
-  <inkml:trace contextRef="#ctx0" brushRef="#br0" timeOffset="-90888.45">18045 15099 0,'0'0'0,"35"0"15,0 0 1,-17 0 0</inkml:trace>
-  <inkml:trace contextRef="#ctx0" brushRef="#br0" timeOffset="-90384.61">18062 15099 0,'-17'0'31,"17"18"-31,0-1 16,-18 36-1,18-35 1,0-1 0,0 19-1,0-19 63,18-17-46,17 0-17,-17 0-15,-1 0 16,1 0-1,-1-17 64</inkml:trace>
-  <inkml:trace contextRef="#ctx0" brushRef="#br0" timeOffset="-90024.29">18327 15028 0,'0'71'16,"0"-36"-16,0 36 16,0-18-1,0 0 1</inkml:trace>
-  <inkml:trace contextRef="#ctx0" brushRef="#br0" timeOffset="-89785.01">18380 15187 0,'0'0'0,"17"0"15,1 0 1,0 0-1,-1 0 1,1 0 15</inkml:trace>
-  <inkml:trace contextRef="#ctx0" brushRef="#br0" timeOffset="-89121.25">18168 15328 0,'0'18'16,"0"-1"-1,0 1 1,0 17 0,0-17-1,0 17 1,0 1 0,0-19-1,0 1-15,0 0 63,18-18-48,-1 0 1,1 0 15,17 0-31,-17 0 16</inkml:trace>
-  <inkml:trace contextRef="#ctx0" brushRef="#br0" timeOffset="-88803.79">18327 15328 0,'0'18'0,"0"17"16,0 18 0,0-18-1,0-17 1,0 0 15,-18-18-15</inkml:trace>
-  <inkml:trace contextRef="#ctx0" brushRef="#br0" timeOffset="-88504.32">18203 15469 0,'36'0'15,"-19"0"1,-17-17 0,36 17-1,-19 0 1</inkml:trace>
-</inkml:ink>
-</file>
-
-<file path=ppt/ink/ink28.xml><?xml version="1.0" encoding="utf-8"?>
-<inkml:ink xmlns:inkml="http://www.w3.org/2003/InkML">
-  <inkml:definitions>
-    <inkml:context xml:id="ctx0">
-      <inkml:inkSource xml:id="inkSrc0">
-        <inkml:traceFormat>
-          <inkml:channel name="X" type="integer" max="1920" units="cm"/>
-          <inkml:channel name="Y" type="integer" max="1080" units="cm"/>
-          <inkml:channel name="T" type="integer" max="2.14748E9" units="dev"/>
-        </inkml:traceFormat>
-        <inkml:channelProperties>
-          <inkml:channelProperty channel="X" name="resolution" value="36.43264" units="1/cm"/>
-          <inkml:channelProperty channel="Y" name="resolution" value="36.48649" units="1/cm"/>
-          <inkml:channelProperty channel="T" name="resolution" value="1" units="1/dev"/>
-        </inkml:channelProperties>
-      </inkml:inkSource>
-      <inkml:timestamp xml:id="ts0" timeString="2021-04-08T09:12:16.075"/>
-    </inkml:context>
-    <inkml:brush xml:id="br0">
-      <inkml:brushProperty name="width" value="0.05292" units="cm"/>
-      <inkml:brushProperty name="height" value="0.05292" units="cm"/>
-      <inkml:brushProperty name="color" value="#FF0000"/>
-    </inkml:brush>
-  </inkml:definitions>
-  <inkml:trace contextRef="#ctx0" brushRef="#br0">3828 14076 0,'-18'0'16,"36"0"15,-1 0-16,36 0 1,-18 0 0,1 0-1,140-18 1,-35-35 0,-17-17-1,-71-1 1,-18 1-1,-17 34 1,-18 1 0,0 17 15,-18 18-15,0 0-1,1 89 1,-1-19-1,0 1-15,-17 123 32,0 35-32,17-53 31,-17-87-15,35-54-1,-18-35 63,1 0-78,17 18 16,-18-18 0,0 0-1,18 17 1,-17-17-16,-1 18 15,0-18 1,1 0 15,70 0 94,0 0-109,-18 0-16,71 0 16,-18 0-1,-70 0 1,-18 17 62</inkml:trace>
-  <inkml:trace contextRef="#ctx0" brushRef="#br0" timeOffset="3536.07">13212 15311 0,'35'0'63,"18"0"-48,0-18-15,105-17 16,54-1 15,123 19-15,-158-1-16,122 0 16,37 18-1,-19 0 1,18 0-1,71 0 1,-36-17 0,1 17-1,-1 0 1,-52 0 0,-107 0-1,-87 0 1,-71-18-1,-36 18 189,19 0-204,-1 0 15,0 0-15,36 0 16,-1 18-1</inkml:trace>
-  <inkml:trace contextRef="#ctx0" brushRef="#br0" timeOffset="145520.97">9790 8237 0,'35'0'78,"18"-17"-78,-18 17 16,18 0-16,141-18 31,53 18-16,-106 0-15,141 0 16,-17 0 0,-71 18-1,-18-18 1,-70 0 0,0 0-1,0 0 1,0 17-1,35 1 1,-18-18 0,-17 0-1,0 0 17,-53 0-17,17 0 1,19 0-1,-19 0 1,-35 0 0,1 0-1,-1 0 1,18 0 0,0 0-1,0 0 1,-18 0-1,-17 0 17,-1 0-17,19 0 1,-19 0 15</inkml:trace>
-  <inkml:trace contextRef="#ctx0" brushRef="#br0" timeOffset="161465.35">12259 10248 0,'18'0'46,"-1"-17"-30,19 17-16,17 0 16,88-18-1,106 0 1,-18 18 0,-17 0-1,34 0 1,-87 0-1,18 0 1,-54 0 0,18 0-1,36 0 1,17 0 0,35 0 15,-88 18-31,124 17 15,-18 0 1,-71-35 0,-88 0-1,-53 0 1,1 0 0,-19 0 62,1 0-63</inkml:trace>
-  <inkml:trace contextRef="#ctx0" brushRef="#br0" timeOffset="169670.03">10107 10266 0,'0'0'0,"0"-18"0,-18 18 15,-17-17 1,18-1 0,-19 0-1,19 18 1,-19-35 0,19 17-1,-54 1 1,36-19-1,0 19 1,-1-1 0,1-17-1,0 0 1,-1-18 0,1 0 15,18 18-16,17 17 1,0-17 0,0-18-1,35 17 1,-18-17-16,72 1 16,34-37-1,36 19 1,17-1-1,-17 36 1,-35 17 0,-1 18-1,-17 0 17,0 0-17,52 0 1,-16 0-1,34 36 1,-17-19 0,-71-17-1,-18 18 1,1-18 0,-53 18-1,-1-18 1,-17 17-1,18 1 1,0 17 0,17 18-1,0 35 17,-35-53-32,35 18 31,-35-17-16,0-19 17,0 1-17,0 0 1,0-1 0,0 1-1,0 17 1,-17 0-1,-1-35-15,18 18 16,-18 0 0,1 17-1,-18 0 1,-1-17 15,1 0-15,17-1-1,1-17 1,-1 18 0,0-1-1,1-17 1,-1 0 0,-52 36-1,-36-36 1,0 17-1,0 1 1,36 0 0,-1-18-1,-17 0 1,52 0 15,-16 0-15,16 17-1,1-17 1,-18 18 0,-35 0-1,17-18 1,1 17 0,17 1-1,18-18 1,-18 0-1,-18 0 1,36 0 0,-18 0-1,35 0 1,1 0 31</inkml:trace>
-  <inkml:trace contextRef="#ctx0" brushRef="#br0" timeOffset="170808.13">10089 10107 0,'-17'0'46,"-1"0"-14,1 18-17,-1-1-15,-35 1 16,0 0 15,-17 17-15,-19-17-1,19 17 1,17-18 0,35 1-1,18 0-15,-17-18 16,-1 53 0,-17 17-1,35-17 1,0 0-1,-18 35 1,18 0 0,0 1 15,0-19-15,18 1-1,17 17 1,0-35-1,18 35 1,18-17 0,35 34-1,-36-34 1,-17-18 0,0 0-1,0-18 1,0 18-1,0 0 1,17 0 0,1 0-1,-18-18 17,0 18-17,0-18 1,-36-17-1,1 0 1,52 17 0,-34-18-1,-19 1 1,1-18 0</inkml:trace>
-  <inkml:trace contextRef="#ctx0" brushRef="#br0" timeOffset="171570.3">10707 11871 0,'17'0'32,"-17"18"-17,36 17 1,-36 18-1,35 17 1,-17 1 0,-1-18-1,1-18 1,-18-17 0,0-1-1,0 1 48,-18-18-48,1 0 1,-1 0 0,0 0-1,1 0 1,-1 0-1,0 0 1,-17 0 0,-18-18-1,36 1-15,-19 17 16,19-18 0,-1 18 15,18-18 0</inkml:trace>
-  <inkml:trace contextRef="#ctx0" brushRef="#br0" timeOffset="193616.87">3881 6456 0,'0'-18'140,"17"18"-140,1 0 32,-1-17-32,1 17 31,0 0 0,-1 0 0,1 0-31,0 0 32,-1 0-1,-17 17-16,0 1 1,18-1 0,-18 1-1,0 0-15,0-1 32,0 1 14,0 0-14,0-1-17,-18-17 32,1 18 0,-1-18-16,0 0-15,1 0 46,-1 0-30,0 0 15,1 0-16,34 0 141,1 0-157,0 0 1,-1 0 31,1 0-32,-18 18 32,0-1-15,0 1-32,18 0 15,-18-1 1,0 1-1,0-1 1,-18-17 156,0 18-172,1-18 31,-1 0-15,0 0 15,1 0-15,-1 0 46,1 0-31,-1 0 16,0 0-15,18-18-17</inkml:trace>
-  <inkml:trace contextRef="#ctx0" brushRef="#br0" timeOffset="-154839.89">13617 7620 0,'-17'0'16,"-1"0"-1,0 0 1,1 0-1,-19 18-15,1 17 16,0-17 15,35-1-15,0 18 0,17-35-1,-17 18-15,18-18 16,53 35-1,-36-35 1,36 0 0,-36 0-1,-18 0 1,1 0 0,-18-17-1,0-1 1,0 0-1,0 1 17,0-36-17,-18 35 1,-17 1 0,0 17-1,-18 0 1</inkml:trace>
-  <inkml:trace contextRef="#ctx0" brushRef="#br0" timeOffset="-154439.8">13547 7849 0,'0'18'16,"0"0"0,0-1-1,-36 54 1,36-36-16,-35 18 16,35-35-1,0-1 1</inkml:trace>
-  <inkml:trace contextRef="#ctx0" brushRef="#br0" timeOffset="-154155.97">13653 7885 0,'0'53'16,"0"-36"-16,0 36 15,0 0 1,-18-35-1,0-1 1,1-17 0</inkml:trace>
-  <inkml:trace contextRef="#ctx0" brushRef="#br0" timeOffset="-153756.5">13300 8114 0,'35'0'32,"0"0"-17,1 0-15,34 0 16,18 0 0,1-18-1,-1 18 1,-35 0-1,-18 0 1</inkml:trace>
-  <inkml:trace contextRef="#ctx0" brushRef="#br0" timeOffset="-153176.99">13882 7497 0,'0'17'31,"0"1"-15,17-1-16,1 1 15,0 0 1</inkml:trace>
-  <inkml:trace contextRef="#ctx0" brushRef="#br0" timeOffset="-152522.79">13705 7620 0,'18'0'16,"0"0"-1,17 0-15,36 0 16,17 0 15,-53-18-15,-35 36 93,-18-18-93,1 18-16,-19-1 16,-16 71-1,16-35 1,1 18-1,35-53-15,0-1 16,0 1 15,0 0 32,18-18-32,-18-18-31,35-17 16,-35 17-1</inkml:trace>
-  <inkml:trace contextRef="#ctx0" brushRef="#br0" timeOffset="-152296.97">13899 7796 0,'0'0'0,"0"18"0,53 17 31,18 18-15,-18 0 0,-36-35-1</inkml:trace>
-  <inkml:trace contextRef="#ctx0" brushRef="#br0" timeOffset="-152039.7">14164 7849 0,'0'0'0,"18"0"16,35-17 0,-18 17-1,-17 0 1,-18-18-1,0 0 1</inkml:trace>
-  <inkml:trace contextRef="#ctx0" brushRef="#br0" timeOffset="-151120.52">14323 7620 0,'0'53'16,"0"-18"-1,0 36 1,0-18 0,0 0-1,0-36 1,0 1 0,0 0-16,-18-18 125,1 17-110,-1-17 1,18 18-1,-35-18 1,-1 0 0,19 17-1,-1 1-15,0 0 32,18-1-17,0 1 1,0 0-1,0-1 17,0 1-17,0 0 1,18-1 0,0-17-1,-1 0 1,36 0-1,-17 0 1,-19 0 0,1-17-1,-18-1 1,17 0 0,-17-17-1,0 17 1,0 1-1,-17 17 48</inkml:trace>
-  <inkml:trace contextRef="#ctx0" brushRef="#br0" timeOffset="-150071.95">15928 9613 0,'-18'0'15,"1"0"1,-1 0 0,0 0 15,18 18-15,0-1-1,0 1 1,0 0-1,18-18 1,17 17 0,-17-17 15,0 0 0,-18-17-15,0-1-16,0-35 15,0 18 1,0 17 15,-18 1-15,0 17 0,1 0-1,-1 0-15,0 0 16</inkml:trace>
-  <inkml:trace contextRef="#ctx0" brushRef="#br0" timeOffset="-149704.99">15769 9807 0,'18'0'0,"-1"0"15,54 0 1,35 0 0,-36 0-1,-34 0 1</inkml:trace>
-  <inkml:trace contextRef="#ctx0" brushRef="#br0" timeOffset="-149104.72">15893 9966 0,'-18'0'15,"18"18"1,0-1-1,0 1 1,0 0 15,0-1-15,0 1 0,35-18-1,-17 0 1,0 0-1,-1 0 1,1 0 0,-18-18-1,0 1 1,0-19 0,0 19-1,-18-1 1,1 18 15</inkml:trace>
-  <inkml:trace contextRef="#ctx0" brushRef="#br0" timeOffset="-148656.42">16175 9525 0,'53'0'16,"-36"0"-1,1 0-15</inkml:trace>
-  <inkml:trace contextRef="#ctx0" brushRef="#br0" timeOffset="-148151.23">16193 9525 0,'-18'0'15,"18"18"1,-18 17-1,1-17-15,17 34 16,-18 1 15,18 18-15,-18-36 0,18-17 46,18-18-46,0 0-1,17 0-15,-17-18 16,17 18 0,-18 0-1,1 0 1,0-17 46</inkml:trace>
-  <inkml:trace contextRef="#ctx0" brushRef="#br0" timeOffset="-147623.55">16422 9490 0,'0'17'16,"0"1"-1,0 17 1,0 18-16,-18 18 16,18-18-1</inkml:trace>
-  <inkml:trace contextRef="#ctx0" brushRef="#br0" timeOffset="-147392.66">16422 9648 0,'17'-17'31,"1"17"-31,0 0 16,-1 0-1</inkml:trace>
-  <inkml:trace contextRef="#ctx0" brushRef="#br0" timeOffset="-146432.99">16263 9825 0,'0'18'16,"0"-1"-16,0 1 16,0 35-1,0-18 1,0 0 0,0-17-1,0 0 1,0-1 46,18-17 16,-1 0-62,1 0 0,0 0-1,-1 0 1,1 0 31,0 0-32,-1 0 17,1-17 46,-18-1-63,0 0 1,0 1-16,0-19 16,17-34-1,-17-1 1,0 36 0,18 17-1</inkml:trace>
-  <inkml:trace contextRef="#ctx0" brushRef="#br0" timeOffset="-145976.7">16334 9931 0,'17'0'47,"1"0"-31,0 0-1,-1 0 1</inkml:trace>
-</inkml:ink>
-</file>
-
-<file path=ppt/ink/ink3.xml><?xml version="1.0" encoding="utf-8"?>
-<inkml:ink xmlns:inkml="http://www.w3.org/2003/InkML">
-  <inkml:definitions>
-    <inkml:context xml:id="ctx0">
-      <inkml:inkSource xml:id="inkSrc0">
-        <inkml:traceFormat>
-          <inkml:channel name="X" type="integer" max="1920" units="cm"/>
-          <inkml:channel name="Y" type="integer" max="1080" units="cm"/>
-          <inkml:channel name="T" type="integer" max="2.14748E9" units="dev"/>
-        </inkml:traceFormat>
-        <inkml:channelProperties>
-          <inkml:channelProperty channel="X" name="resolution" value="36.43264" units="1/cm"/>
-          <inkml:channelProperty channel="Y" name="resolution" value="36.48649" units="1/cm"/>
-          <inkml:channelProperty channel="T" name="resolution" value="1" units="1/dev"/>
-        </inkml:channelProperties>
-      </inkml:inkSource>
-      <inkml:timestamp xml:id="ts0" timeString="2021-04-08T06:40:39.512"/>
-    </inkml:context>
-    <inkml:brush xml:id="br0">
-      <inkml:brushProperty name="width" value="0.05292" units="cm"/>
-      <inkml:brushProperty name="height" value="0.05292" units="cm"/>
-      <inkml:brushProperty name="color" value="#FF0000"/>
-    </inkml:brush>
-  </inkml:definitions>
-  <inkml:trace contextRef="#ctx0" brushRef="#br0">3916 229 0,'0'-17'0,"17"17"16,1 0-16,53 0 16,35 17-16,-18-17 15,35 18-15,18-18 16,0 0 0,1 0-16,-54 0 15,-35 0-15,0 0 16</inkml:trace>
-  <inkml:trace contextRef="#ctx0" brushRef="#br0" timeOffset="487.7">4092 300 0,'0'35'0,"-17"0"15,-1 18-15,0 0 16,-17 35-16,0-17 15,17 17-15,-17 0 16,0-35-16,17-17 16,18-19-16,0-52 93</inkml:trace>
-  <inkml:trace contextRef="#ctx0" brushRef="#br0" timeOffset="711.96">4128 688 0,'0'0'0,"35"0"0,0 0 16,18 0-1,18 0-15,17 0 16,18 0-16,-18 0 16,-18 0-16,1 0 15,-1-18-15,-17 18 16,-35-17-16,-18-1 16,18 18-1</inkml:trace>
-  <inkml:trace contextRef="#ctx0" brushRef="#br0" timeOffset="1248.14">5080 582 0,'-18'0'16,"-52"35"0,52-17-1,-17-18-15,35 35 16,-18-17-16,1 0 15,17-1 1,0 1 0,0-1-16,35 1 15,0 0 1,36 17 0,-36-35-16,0 0 15,18 0 1,-18 0-16,-17 0 15,0 0 1,-1 0-16,1-18 16,-18 1-16,0-1 15,0-35-15,-18 18 16,1 17-16,-1-17 16,0 17-1,1 18 1</inkml:trace>
-  <inkml:trace contextRef="#ctx0" brushRef="#br0" timeOffset="1959.97">5521 564 0,'-35'71'31,"17"-53"-31,0 17 16,1-17-16,-1 17 15,18-18-15,0 19 16,0-1 0,0-17-1,18-18 1,17 0-1,0 0 1,1 0 0,69-18-1,-69 0 1,-1 18-16,-17-35 16,-1 17-16,19-17 15,-19 0-15,-17 0 16,18-1-16,-1 1 15,-17 53 64,0 17-79,0-17 15,0 17-15,0 0 16,0 0-16,18 1 15,0-19-15,-18 1 16,17-18-16,1 0 31,0 0-15,-1-35 15,1 17-31</inkml:trace>
-  <inkml:trace contextRef="#ctx0" brushRef="#br0" timeOffset="2463.85">6138 441 0,'0'0'0,"18"106"16,-18-53-16,0 0 16,0 0-16,0-1 15,0-16-15,0-19 16,0-34 93,0-1-109,18 0 16,-1-17-16,1 18 16,0-1-16,17-17 15,-18 17-15,19 0 16,-19 1-16,1 17 15,17 0-15,-17 0 32,0 0-17,-1 0 1,1 0-16,-1 17 16,-17 1-16</inkml:trace>
-  <inkml:trace contextRef="#ctx0" brushRef="#br0" timeOffset="3032.04">7126 159 0,'88'0'16,"-17"0"-1,17 0-15,0 0 16,142-18-1,-178 18 1,-34 0-16</inkml:trace>
-  <inkml:trace contextRef="#ctx0" brushRef="#br0" timeOffset="3271.83">7602 265 0,'0'0'15,"-35"35"-15,17 0 0,1 36 16,-18-36-16,17 18 16,-17 0-16,-1 17 15,19 1-15,-19-1 16,19-34-16,17-19 15,0 1 1</inkml:trace>
-  <inkml:trace contextRef="#ctx0" brushRef="#br0" timeOffset="3495.46">7973 370 0</inkml:trace>
-  <inkml:trace contextRef="#ctx0" brushRef="#br0" timeOffset="3702.9">7920 600 0,'0'0'0,"-18"17"0,18 1 16,-17 17-16,17-17 16,-18 0-16,18-1 31</inkml:trace>
-  <inkml:trace contextRef="#ctx0" brushRef="#br0" timeOffset="4416.97">8237 635 0,'0'0'16,"18"0"-16,0 0 0,17 0 16,0 0-1,0-18-15,1 18 16,-1-17-16,0 17 0,18 0 16,-35 0-1,0 0 1,-1-18-16,1 18 15,-18-18 1,0 1-16,0-1 16,0 1 15,-88-1-15,52 18-1,-70 0 1,89 0-1,-18 0 1,35 18 0,0-1-1,0 1-15,0 17 16,0 36 0,0-54-16,0 1 15,0 0-15,17 17 16,-17-18-16,18 1 15,-1 0 1,1-18 0,0 17-1,-1-17-15,19 0 16,-19 0 0,19 0-16,-1-17 15,0-1-15,0-17 16,1 17-16,-19-35 15,1 36-15,17-1 16,-17-17-16,17-1 16,-17 1-16,-1 18 15,1-1-15</inkml:trace>
-  <inkml:trace contextRef="#ctx0" brushRef="#br0" timeOffset="4808.04">8855 441 0,'17'53'31,"-17"0"-31,18 0 0,0 0 16,-1 0-16,-17-18 16,0-18-16,0 19 15,18-36 48,0-18-48,-18-17-15,35 0 16,-18 17-16,19-35 16,-19 35-16,1 1 15,0 17-15,-1-18 16,19 0-16,-19 18 15,1-17-15,35 17 16,0 0-16,-18 0 16,88 0 15,-105 0-31,0 0 0</inkml:trace>
 </inkml:ink>
 </file>
 
@@ -1520,6 +2944,694 @@
 </inkml:ink>
 </file>
 
+<file path=ppt/ink/ink40.xml><?xml version="1.0" encoding="utf-8"?>
+<inkml:ink xmlns:inkml="http://www.w3.org/2003/InkML">
+  <inkml:definitions>
+    <inkml:context xml:id="ctx0">
+      <inkml:inkSource xml:id="inkSrc0">
+        <inkml:traceFormat>
+          <inkml:channel name="X" type="integer" max="1920" units="cm"/>
+          <inkml:channel name="Y" type="integer" max="1080" units="cm"/>
+          <inkml:channel name="T" type="integer" max="2.14748E9" units="dev"/>
+        </inkml:traceFormat>
+        <inkml:channelProperties>
+          <inkml:channelProperty channel="X" name="resolution" value="36.43264" units="1/cm"/>
+          <inkml:channelProperty channel="Y" name="resolution" value="36.48649" units="1/cm"/>
+          <inkml:channelProperty channel="T" name="resolution" value="1" units="1/dev"/>
+        </inkml:channelProperties>
+      </inkml:inkSource>
+      <inkml:timestamp xml:id="ts0" timeString="2021-04-08T09:22:50.914"/>
+    </inkml:context>
+    <inkml:brush xml:id="br0">
+      <inkml:brushProperty name="width" value="0.05292" units="cm"/>
+      <inkml:brushProperty name="height" value="0.05292" units="cm"/>
+      <inkml:brushProperty name="color" value="#FF0000"/>
+    </inkml:brush>
+  </inkml:definitions>
+  <inkml:trace contextRef="#ctx0" brushRef="#br0">10548 3387 0,'-18'17'16,"1"1"-16,-1-18 16,-17 18-1,0 17 1,17-17 0,18-1 15,0 1 16,18-18-32,35 17 1,17 1-16,159 0 16,18 17-1,-53 0 1,-141-17-1</inkml:trace>
+  <inkml:trace contextRef="#ctx0" brushRef="#br0" timeOffset="345.32">10954 3440 0,'-36'194'31,"19"-124"-31,17 18 16,-18 1-16,18 34 15,-17-35 16</inkml:trace>
+</inkml:ink>
+</file>
+
+<file path=ppt/ink/ink41.xml><?xml version="1.0" encoding="utf-8"?>
+<inkml:ink xmlns:inkml="http://www.w3.org/2003/InkML">
+  <inkml:definitions>
+    <inkml:context xml:id="ctx0">
+      <inkml:inkSource xml:id="inkSrc0">
+        <inkml:traceFormat>
+          <inkml:channel name="X" type="integer" max="1920" units="cm"/>
+          <inkml:channel name="Y" type="integer" max="1080" units="cm"/>
+          <inkml:channel name="T" type="integer" max="2.14748E9" units="dev"/>
+        </inkml:traceFormat>
+        <inkml:channelProperties>
+          <inkml:channelProperty channel="X" name="resolution" value="36.43264" units="1/cm"/>
+          <inkml:channelProperty channel="Y" name="resolution" value="36.48649" units="1/cm"/>
+          <inkml:channelProperty channel="T" name="resolution" value="1" units="1/dev"/>
+        </inkml:channelProperties>
+      </inkml:inkSource>
+      <inkml:timestamp xml:id="ts0" timeString="2021-04-08T09:11:39.723"/>
+    </inkml:context>
+    <inkml:brush xml:id="br0">
+      <inkml:brushProperty name="width" value="0.05292" units="cm"/>
+      <inkml:brushProperty name="height" value="0.05292" units="cm"/>
+      <inkml:brushProperty name="color" value="#FF0000"/>
+    </inkml:brush>
+  </inkml:definitions>
+  <inkml:trace contextRef="#ctx0" brushRef="#br0">11201 1182 0,'17'0'16,"72"0"-1,87 35 1,106 0 0,53 1-1,-35-1 1,-106 0 0,-106-35-1,-52 0 1,-19 0 46</inkml:trace>
+  <inkml:trace contextRef="#ctx0" brushRef="#br0" timeOffset="43366.92">2575 953 0,'0'-18'31,"0"0"-15,18-35 0,17 18-1,18-36 1,71-17-1,52 0 1,-35 53 0,-53 35-1,-17 0 1,-54 0 15,-17 35 0,0 0-31,-17 71 32,-54 53-32,-52 35 31,-36-35-15,0-36-1,-17-17 1,35-18-1,88-52 1,0-1 0,18-18-1,35 1 1,-18-18 46,18-18-46,18-17-16,35 0 16,35-18-16,88-53 31,54 18-15,-72 70-1,-105 18-15,0 0 16,18 0-1,-1 18 1,-52 0 0,-1 17-1,1 0 1,0-17 0,-1 17-1,19-35 1,-1 0-1,18 0 17,0 0-17,-18 0 1,-17 0 0,-1-18-16</inkml:trace>
+  <inkml:trace contextRef="#ctx0" brushRef="#br0" timeOffset="51927.63">8396 9031 0,'18'0'47,"35"-18"-32,0 18 1,123-17 0,18 17-1,18 0 1,-71 0-16,88 0 16,18 17-1,0 1 1,-18 0-1,-17-18 17,0 0-17,-18 0 1,-18 0 0,18 17-1,71 1 1,-142-18-1,-52 0 1,-36 0 0,18 18-1,-18-18 1,53 17 0,-35 1-1,0-18 1,0 0-1,18 0 17,-18 0-17,-36 0 110,1 0-109,17 0 0,0-18-16,18 1 15,159-19 1,-124 19-1,141-36 1,-158 35-16,53-17 31,-107 35 63,1 0-78,-1 0-1,1 0-15,0 0 16,17-18 0,0 18-1,-17 0 1,0 0-1,-1 0 17,1 0-17,35 0 1,17 0 0</inkml:trace>
+  <inkml:trace contextRef="#ctx0" brushRef="#br0" timeOffset="66217.4099">6279 10918 0,'18'0'31,"0"0"-16,-1 0 1,1 0 0,-18-17-1,18 17 1,-1 0-16,1 0 16,0 0-1,34 0 1,-16 0-1,34 0 1,-52 0 0,0 0-1</inkml:trace>
+  <inkml:trace contextRef="#ctx0" brushRef="#br0" timeOffset="72487.9899">7003 9507 0,'0'-17'32,"-18"17"15,0 0-16,18 17-16,-17 1 1,-1 0 0,-17-1-1,35 1 32,0 0-31,-18-18-16,18 17 15,-17 1 1,-1-1 15,0 1-15,18 0-16,-17 35 31,-1-36-15,0 19-1,18-19 1,0 19 0,0-1-1,0-18 1,0 1 0,0 0-1,0-1 1,0 1-1,0 0 1,0-1 0,0 1 15,0 0-15,0-1-1,0 1 1,0-1-1,0 1 1,0 0 0,18-1-1,-18 1 17,0 0-1,18-1 0,-18 1-15,17-18-1,-17 18 1,18-18 0,0 0 15,-18 17-16,0 1 1,17-18 0,-17 17-1,18-17-15,-1 0 47,-17 18-47,18-18 16,0 0 15,-18 18-15,17-18 46,-17 17-46,18-17 15,0 0 188,-1 0-188</inkml:trace>
+  <inkml:trace contextRef="#ctx0" brushRef="#br0" timeOffset="77287.73">6526 11695 0,'18'0'172,"0"0"-157,-1 0 1,1 0-1,0 0 1,-1 0 0,1 0-1,0 0 1,-1 0-16</inkml:trace>
+  <inkml:trace contextRef="#ctx0" brushRef="#br0" timeOffset="80559.6">5609 10707 0,'0'0'0,"0"123"16,0 18-16,0 1 15,-35 157 1,35-34-1,0-124 1,0-70 0,0-54-16,0 1 15,0 0 1,0 17 0,18-35 171,-1 0-171,18 0-16,107 0 15,34 0 1,53 0 0,53 0-1,-35-18 1,-53 18-1,-88 0 1,-35 0 15,-1 0-15,19 0 0,-36 0-16,105-17 15,-17 17 1,18 0-1,-88 0 1,-54 0 0,1 0 31,0 0-32,-1 0-15,1 0 16</inkml:trace>
+  <inkml:trace contextRef="#ctx0" brushRef="#br0" timeOffset="87400.88">11007 12559 0,'17'0'78,"19"0"-78,-19 0 16,1 0 0,0 0-1,34 0 1,-16 0-16,105 0 15,70 0 1,36-35 0,0 17-1,-106 0 1,-52 18 0,-54 0-1,-17 0 48,52 0-48,-35 18 1,18 17-16,53-17 16,-35 0-1,-18-18 1,17 0-1,18 0 1,18-18 0,-18 18-1,-17 0 1,-36 18 0,-17-18-1,17 17 1,53 36 15,36-53-15,52 35-1,1 1 1,-72-36 0,-34 17-1,-36-17 1,18 0-1,-18 0 1,36 0 0,17 18-1,-70-18 1,52 0 0,1 0 15,35 0-31,70-18 31,-52 18-15,-36 0-1,-18 0 1,-34 0 0,17 0-1,0 0 1,-1 0-1,72 18 1,-1-18 0,71 0-1,18-71 1,17 1 0,-87 35-1,-37 17 1,-52 18-1,0 0 17,35 0-17,36 0 1,70 35 0,-18-17-1,-123-18 1,-35 0-1,35 0 1,35 0 0,71-18-1,-1-35 1,-34 18 15,-71 17-31,-36 18 63,19 0-48,34 0 1,-52 0 0,0 0 15</inkml:trace>
+  <inkml:trace contextRef="#ctx0" brushRef="#br0" timeOffset="103719.57">6985 13018 0,'0'-18'15,"0"0"1,0 1-1,0-1 1,18-17 0,-1-18-1,1 0 1,17 18 0,-35 17-1,18-17 16,-1 35-31,1-36 16,35 19 0,0-19-1,-18 1 1,36 18 0,-18 17-1,0 0 1,-18 0-1,18 0 1,-18 0 0,0 0-1,1 0 1,34 17 0,-70 1-1,53 17 16,-35-17-15,17 17 0,-17 0-1,-18-17 1,17 0 0,-17-1-1,0 1 1,0-1-1,0 36 1,0-17 0,0-19-1,0 36 1,0-35 0,-17 0-1,-1-1 16,0 1-15,1-1 0,-1 19-1,0-19 1,1 1 0,-1-18-1,1 18 1,17-1-1,-18-17 1,0 0 0,1 0-1,-1 18 1,0-18 15,1 0-15,-1 18 15,0-18-15,1 0-1,-1 0 1,1 0 0,-1 0-1,0 17 1,1-17-1,-1 0 48,0 0-47,-17 0-1,17 0-15,1 0 16,-1 0-16,-17 0 31,17 0-15,1 0-16,-19 0 15,19 0 1,-1 0 0,0-17-1,1 17 1,-19-18-1,19 0 1,-1 1 0,1-1 15,-1 0-15,0 1 15,18-1-16,0 0 1,-17 18 0,17-17-1,0-1 1,0 1 0,0-1-1,0 0 1,0 1-1,0-1 1</inkml:trace>
+  <inkml:trace contextRef="#ctx0" brushRef="#br0" timeOffset="107776.87">5168 12594 0,'-17'0'16,"-1"0"-1,0 0 17,1 0-17,-1 18 1,-17-1-1,17 1 1,0 0 0,18-1-1,18 1 1,-18 0-16,18-18 16,-1 17 15,36-17-16,0 0 1,-35 0 0,17 0-1,-17 0 1,-1-17 0,-17-1-1,0 0 1,0 1-1,0-1 1,-17 0 0,-19 18-1,19 0 32,-1 0-16</inkml:trace>
+  <inkml:trace contextRef="#ctx0" brushRef="#br0" timeOffset="108159.19">4904 12929 0,'17'0'31,"1"0"-31,17 0 16,36 0-1,105 0 1,71 0 0</inkml:trace>
+  <inkml:trace contextRef="#ctx0" brushRef="#br0" timeOffset="108799.57">5098 13141 0,'-18'35'31,"18"-17"-31,0 0 31,35-18 0,18 35-31,-18-35 32,-17 0-17,17 0 1,1 0 0,-1 0-1,-35-18 1,0 1-1,0-19 1,0 19 0,0-1-16,-18 18 15,1-18 1,-1 18 0,0 0 15</inkml:trace>
+  <inkml:trace contextRef="#ctx0" brushRef="#br0" timeOffset="109296.26">5433 12647 0,'53'0'15,"17"0"1,18 0 0,-70 0-1</inkml:trace>
+  <inkml:trace contextRef="#ctx0" brushRef="#br0" timeOffset="109735.55">5521 12682 0,'0'0'0,"0"18"16,-18 0 15,1 17-31,17 35 15,0-34 17,0-19-17,35-17 48,0 0-48,1 0-15,-1 0 16,18 0 0,-36-17-1,-17-1 1</inkml:trace>
+  <inkml:trace contextRef="#ctx0" brushRef="#br0" timeOffset="110056.73">5768 12629 0,'0'0'0,"0"36"0,0 52 15,0-18 1,0-52 0</inkml:trace>
+  <inkml:trace contextRef="#ctx0" brushRef="#br0" timeOffset="110271.54">5891 12753 0,'0'0'0,"36"0"32</inkml:trace>
+  <inkml:trace contextRef="#ctx0" brushRef="#br0" timeOffset="111231.96">5697 12947 0,'0'18'0,"-17"-1"16,17 36 0,0-35-1,-18 17 1,18 0 0,0-17-1,0 0 32,18-18-16,-1 0-15,1 0 0,0 0-1,17 0 1,-17 0-16,17 0 15,-18 0 32,-17-18-31,18 0 0,0-35-1,-18 18 1,0-35-1,0 34 17,0 19-1,0-1-15</inkml:trace>
+  <inkml:trace contextRef="#ctx0" brushRef="#br0" timeOffset="111688.28">5715 13000 0,'0'18'15,"18"-18"1,-1 0 0,19 0-1,-1 0 1</inkml:trace>
+  <inkml:trace contextRef="#ctx0" brushRef="#br0" timeOffset="112602.74">5980 12647 0,'-36'0'16,"19"18"15,-1-18-31,18 17 16,0 1 0,0 0-1,0-1 16,0 1-15,18 0 0,-1-18-1,1 0 1,-18 17 0,35-17-1,-17 0 1,0 0 15,-1 0-15,1-17-1,-18-1 1,17-17 0,-17 17-1,0 0 1,0 1 15,0-1-15,-17 18 15</inkml:trace>
+  <inkml:trace contextRef="#ctx0" brushRef="#br0" timeOffset="112983.81">6244 12488 0,'18'71'31,"-18"-36"-31,0 36 16,0-36-1,0 53 1,0-53 0,0-17-1</inkml:trace>
+  <inkml:trace contextRef="#ctx0" brushRef="#br0" timeOffset="113831.57">6068 12982 0,'17'0'63,"1"0"-48,35 0 1,-18 0 0,1 0-1,-19 0 16,-17 18-15,0 0 0,0-1-1,0 1 1,-17-18 0,-1 17-1,-17-17 1,17 0-1,0 0 1,1 18 0,-1 0 15,0-18 0,18 17-31,-17-17 16,17 18-1,0 0 1,0-1 15,17-17-15,-17 18-16,18-18 31,0 0-15,-1 0-1,1 0 1</inkml:trace>
+  <inkml:trace contextRef="#ctx0" brushRef="#br0" timeOffset="114319.04">6209 13018 0,'0'0'0,"18"0"16,-1-18 0,18 18-1,18-18 1,-17 18 0,-19 0-1,1 0 16,0 0 1,-1 0-32,-17 18 15,0 0 1,18 17 0,-18 0-1,0 0 1,0-17 15</inkml:trace>
+  <inkml:trace contextRef="#ctx0" brushRef="#br0" timeOffset="114903.79">6579 12718 0,'18'0'31,"0"0"-31,-1 0 16,1 0-1,0 0 1,-18 35 0,0-17-1,0 17 1,0 18 15,-18 17-15,0-17-1,1-17 1,17-19 0,0 1-1,-18-1-15</inkml:trace>
+  <inkml:trace contextRef="#ctx0" brushRef="#br0" timeOffset="115302.37">6826 12665 0,'0'17'31,"18"19"-31,-18-1 16,0 35-1,0 36 1,0-53 0,0-17-1,0-1 1</inkml:trace>
+  <inkml:trace contextRef="#ctx0" brushRef="#br0" timeOffset="117518.75">5750 14252 0,'-17'0'94,"-1"0"-63,0 0-15,18 18 0,0 0-1,0-1 1,0 1 0,36-18-1,-19 17 1,1-17 15,0 0-15,-1 0-1,1 0 17,-1 0-1,-17-17-31,18-1 31,0 1-15,-18-1-1,0 0 1,0 1 0,-18-1 15,18 0-16,-18 18-15,1 0 32,-1 0-17,1 0-15,-1 0 16,0 0 15</inkml:trace>
+  <inkml:trace contextRef="#ctx0" brushRef="#br0" timeOffset="117872.03">5750 14376 0,'0'17'15,"-17"1"1,-1 17 15,18 18-15,0-35-1,0-1 1,0 1 0</inkml:trace>
+  <inkml:trace contextRef="#ctx0" brushRef="#br0" timeOffset="118369.11">5821 14376 0,'17'0'31,"-17"35"-15,0-17 0,0 17-16,0 0 15,0-17 1</inkml:trace>
+  <inkml:trace contextRef="#ctx0" brushRef="#br0" timeOffset="119048">5627 14587 0,'17'0'62,"1"0"-46,0 0-16,52 0 16,18 0-1,-52 0 1,-19 0 0</inkml:trace>
+  <inkml:trace contextRef="#ctx0" brushRef="#br0" timeOffset="119552.45">5997 14005 0,'18'0'31,"0"18"-15,-18 0-1,0-1 1,0 1-1,0-1 1,0 1 0</inkml:trace>
+  <inkml:trace contextRef="#ctx0" brushRef="#br0" timeOffset="120236.01">5927 14146 0,'106'0'15,"-71"0"1,0 0 0,0 0-1,-35 18 126,0 0-141,-17-1 15,-19 1 1,-34 70 0,-36 18-1,71-88-15,17 17 16,0-17 0,36-54 93,17 19-93,-17-1-16</inkml:trace>
+  <inkml:trace contextRef="#ctx0" brushRef="#br0" timeOffset="120519.83">6015 14340 0,'0'0'0,"0"18"16,35-18-1,-35 18 1,0-1-1,18-17 1,-18 36 0</inkml:trace>
+  <inkml:trace contextRef="#ctx0" brushRef="#br0" timeOffset="120836.83">6138 14323 0,'0'0'0,"18"-18"0,17 18 16,-17 0-1,0-17 48,-1 17-48,-17-18-15</inkml:trace>
+  <inkml:trace contextRef="#ctx0" brushRef="#br0" timeOffset="122039.9399">6315 14058 0,'0'53'16,"0"-18"0,0 36-1,0-36-15,-18 53 16,18-52 0,0-19-1,0 1 95,0 0-95,-18-1 1,1 1 31,-1-18-16,1 0-31,-1 0 16,0 0-1,1 0 48,-1 18-48,0-1 1,18 1-16,0-1 16,0 1-1,18-18 48,0 0-48,-18 18-15,17-18 16,1 0 0,0 0 15,-1 0-31,1 0 15,-1 0 1,1 0 0,0 0-1,-1 0 1,-17-18 15,0 0-15,0 1-1,0-1 1,0 1 0</inkml:trace>
+  <inkml:trace contextRef="#ctx0" brushRef="#br0" timeOffset="123986.03">7726 14676 0,'-18'0'0,"-17"0"15,17 0-15,1 0 16,-72 0-1,37-18 1,-1 0 0,0 1-1,0-1 1,18-17 0,17 17 15,0 0-16,-35-34 1,36 16 0,-19-17-1,36 18 17,0 0-17,-17 17-15,17-35 16,0 0-1,0 18 1,0 17 0,17 1-1,1-1 1,0 0 0,17-17-1,0 18 1,1 17 15,16-36-15,1 36-1,0 0 1,-17-17 0,-19 17-1,18 0 1,36 0-1,0 17 1,-1-17 0,-52 18-1,-1 0 1,1-18 0,17 17-1,18 54 1,0-18 15,-35-18-15,-18-17-1,0 17 1,0 0 0,0 0-1,0 1 1,0 17-1,-18 0 1,-17-1 0,17-34-1,1 0 1,-1-1 0,-17 1 15,-1 17-16,-52-35 1,18 18 0,34-18-1,1 0 1,17 0 109,1 0-109,-1 0-16</inkml:trace>
+  <inkml:trace contextRef="#ctx0" brushRef="#br0" timeOffset="127587.08">6438 14146 0,'0'18'16,"-17"17"-1,17-17-15,-18 17 16,18 1 15,0-19-15,0 1-1,0-1 17,0 1-17,18-18 32,-1 0-16,1 0-15,-1-18 0,-17 1-1,18 17 1,17-18-1,-17-17 1,-18 17 0,0 1-1,18 17 1</inkml:trace>
+  <inkml:trace contextRef="#ctx0" brushRef="#br0" timeOffset="127887.57">6597 14076 0,'0'17'31,"-18"19"-16,18-19 1,-17 19 0,-1-19-1,18 19 1,-18-19 0</inkml:trace>
+  <inkml:trace contextRef="#ctx0" brushRef="#br0" timeOffset="128288.68">6403 14270 0,'18'0'47,"-1"0"-32,1 0 48,-1 0-16</inkml:trace>
+  <inkml:trace contextRef="#ctx0" brushRef="#br0" timeOffset="128960.02">6491 14411 0,'0'18'16,"0"-1"0,-18 1-1,18 0-15,-17-18 63,-1 0-32,1 0-15,34 0 124,1-18-124,-1 18-1,1 0 1,0 0 0,-1 0-1,19 0 1,-19 0 0,19 0-1,-19 0 1,1-18 46</inkml:trace>
+  <inkml:trace contextRef="#ctx0" brushRef="#br0" timeOffset="129481.5">6720 14199 0,'-17'53'16,"17"-17"-1,0-19 1,0 1-1,0-1 1,0 1 0,0 0 15,0-1 0,17-17 32,1 0-48,-18-17 1,18-36 0</inkml:trace>
+  <inkml:trace contextRef="#ctx0" brushRef="#br0" timeOffset="130305.17">6826 14164 0,'0'0'0,"0"18"0,0 17 15,0 0 1,0 1-1,0-19 1,0-34 203,18 17-204,-18-18-15,18-17 16,-18 17 0,0 0 31,17 18-32,1-17 1,-18-1 15,17 0-15,-17 1-1,0 34 63,0 1-62,0 35-16,0-18 16,0 18-1,18 0 1,-18-35 0,0-36 62</inkml:trace>
+  <inkml:trace contextRef="#ctx0" brushRef="#br0" timeOffset="130832.03">7020 14164 0,'18'0'31,"0"0"31,-18 18-62,0-1 16,0 1 0,0 0-1,0-1 1,0 1-1,0 0 1,0-1 0,0 1-16,-18-1 31,0-17-15,18 18-1</inkml:trace>
+  <inkml:trace contextRef="#ctx0" brushRef="#br0" timeOffset="131328.43">7091 14076 0,'0'17'47,"0"1"-47,0 17 15,0 1 1,0 17 0,0-18-1,0 18 1,0-18 0,0-17-1,0-1 1</inkml:trace>
+  <inkml:trace contextRef="#ctx0" brushRef="#br0" timeOffset="-193961.18">7073 15275 0,'-17'0'16,"-1"0"0,0 0-1,1 0 1,-1 18-1,-17 0 1,17 17 0,-35 0-1,0 0 1,18-17 0,0 0-1,-1 17 1,19-17-1,34-18 142,1 17-142,0 1-15,-1-18 16,36 35 0,-35-17-16,17-1 15,0 19 1,-17-19-1,0 19 1</inkml:trace>
+  <inkml:trace contextRef="#ctx0" brushRef="#br0" timeOffset="-186495.79">10989 15434 0,'35'0'79,"36"0"-79,-1 0 15,142 0 1,-88 0-1,158 0 1,141 18 0,-246-1-1,-107-17 1,-17 0 0,0 0-1,-18 0 1,0 0-1,1 0 1,-1 0 0</inkml:trace>
+  <inkml:trace contextRef="#ctx0" brushRef="#br0" timeOffset="-185657.09">11007 16087 0,'17'0'31,"19"0"-31,-1-18 16,88 0-1,-17 1-15,159-1 16,-36 0-1,18 18 1,-106 0 0,-35 0-1,-18 0 17,0 0-17,-35 0 1,0 0-1</inkml:trace>
+  <inkml:trace contextRef="#ctx0" brushRef="#br0" timeOffset="-104320.66">15558 15099 0,'17'0'31,"18"0"-15,1 0-1,52 18-15,35 17 16,-34 0 15,-89-17-15,17-18 0,-17 17-1,-17 1 1,-19 35-1,-34 17 1,-71 19 0,0 17-1,52-36 1,72-52-16,-19 17 16,36-17 30</inkml:trace>
+  <inkml:trace contextRef="#ctx0" brushRef="#br0" timeOffset="-103841.11">16387 14993 0,'-36'159'15,"-52"-36"1,18-17 0,34-35-1</inkml:trace>
+  <inkml:trace contextRef="#ctx0" brushRef="#br0" timeOffset="-103570.95">16245 15293 0,'53'0'32,"-35"18"-17,17 17 1,-17 0 0,0-17-1</inkml:trace>
+  <inkml:trace contextRef="#ctx0" brushRef="#br0" timeOffset="-103320.98">16439 15240 0,'0'0'0,"36"0"16,17-18 0,0 18-1,-36-17 16</inkml:trace>
+  <inkml:trace contextRef="#ctx0" brushRef="#br0" timeOffset="-103001.27">16651 14993 0,'0'18'31,"0"17"-15,0 0-16,0 36 15,0 17 1,0-17-1,0-36 17,0 0-17,0-17 1</inkml:trace>
+  <inkml:trace contextRef="#ctx0" brushRef="#br0" timeOffset="-102392.61">16845 15099 0,'0'35'32,"0"0"-32,0 36 15,0-18 1,0-18 0,0-17 46,18-18-31,-1 0-15,19 0 0,-19 0-1,19 0 1,-19 0 46,1 0-46,-18-18 0</inkml:trace>
+  <inkml:trace contextRef="#ctx0" brushRef="#br0" timeOffset="-102081.17">17110 15064 0,'0'0'0,"-18"105"15,18-69 1,0-1-16,0 36 16</inkml:trace>
+  <inkml:trace contextRef="#ctx0" brushRef="#br0" timeOffset="-101632.84">16916 15311 0,'0'-18'47,"35"0"-16,0 18-16,36 0 1,-1 0 0,-34 0-1</inkml:trace>
+  <inkml:trace contextRef="#ctx0" brushRef="#br0" timeOffset="-101208.45">17145 15258 0,'18'0'16,"-1"0"0,19-18-1,-19 18 1,18 0 0</inkml:trace>
+  <inkml:trace contextRef="#ctx0" brushRef="#br0" timeOffset="-100837.52">17339 14958 0,'0'17'15,"0"19"1,0 17-1,0 52 1,-18-52-16,18 53 16,0-35-1,0-1 1,0-52 0,0 0-1</inkml:trace>
+  <inkml:trace contextRef="#ctx0" brushRef="#br0" timeOffset="-92552.62">17621 15134 0,'0'0'0,"0"18"31,0-1-15,0 1 0,18-18 31,0 0-32,-1 0 1,18 0-1,-17 0 1,0 0 0,-18-35-1,0 17 1,0 1 0,-18 17 15,0 0-16,1 0 1,-1 0-16,1 0 31</inkml:trace>
+  <inkml:trace contextRef="#ctx0" brushRef="#br0" timeOffset="-92072.9299">17674 15293 0,'18'0'62,"-1"0"-62,19 0 16,17 0-16,35 0 16,-53 0-1,0 0 1</inkml:trace>
+  <inkml:trace contextRef="#ctx0" brushRef="#br0" timeOffset="-91433.0399">17780 15452 0,'0'17'16,"0"1"-1,0 0 17,18-18-17,-1 17 1,1 1-1,17-18 1,-17 0 0,-1 0-1,-17-18 1,0 1 0,0-1-1,0 0 1,0 1-1,0-1 1,-17 18 47,-1 0-32,1 0-31,-1 0 15,0 0 1</inkml:trace>
+  <inkml:trace contextRef="#ctx0" brushRef="#br0" timeOffset="-90888.45">18045 15099 0,'0'0'0,"35"0"15,0 0 1,-17 0 0</inkml:trace>
+  <inkml:trace contextRef="#ctx0" brushRef="#br0" timeOffset="-90384.61">18062 15099 0,'-17'0'31,"17"18"-31,0-1 16,-18 36-1,18-35 1,0-1 0,0 19-1,0-19 63,18-17-46,17 0-17,-17 0-15,-1 0 16,1 0-1,-1-17 64</inkml:trace>
+  <inkml:trace contextRef="#ctx0" brushRef="#br0" timeOffset="-90024.2899">18327 15028 0,'0'71'16,"0"-36"-16,0 36 16,0-18-1,0 0 1</inkml:trace>
+  <inkml:trace contextRef="#ctx0" brushRef="#br0" timeOffset="-89785.01">18380 15187 0,'0'0'0,"17"0"15,1 0 1,0 0-1,-1 0 1,1 0 15</inkml:trace>
+  <inkml:trace contextRef="#ctx0" brushRef="#br0" timeOffset="-89121.25">18168 15328 0,'0'18'16,"0"-1"-1,0 1 1,0 17 0,0-17-1,0 17 1,0 1 0,0-19-1,0 1-15,0 0 63,18-18-48,-1 0 1,1 0 15,17 0-31,-17 0 16</inkml:trace>
+  <inkml:trace contextRef="#ctx0" brushRef="#br0" timeOffset="-88803.7899">18327 15328 0,'0'18'0,"0"17"16,0 18 0,0-18-1,0-17 1,0 0 15,-18-18-15</inkml:trace>
+  <inkml:trace contextRef="#ctx0" brushRef="#br0" timeOffset="-88504.32">18203 15469 0,'36'0'15,"-19"0"1,-17-17 0,36 17-1,-19 0 1</inkml:trace>
+</inkml:ink>
+</file>
+
+<file path=ppt/ink/ink42.xml><?xml version="1.0" encoding="utf-8"?>
+<inkml:ink xmlns:inkml="http://www.w3.org/2003/InkML">
+  <inkml:definitions>
+    <inkml:context xml:id="ctx0">
+      <inkml:inkSource xml:id="inkSrc0">
+        <inkml:traceFormat>
+          <inkml:channel name="X" type="integer" max="1920" units="cm"/>
+          <inkml:channel name="Y" type="integer" max="1080" units="cm"/>
+          <inkml:channel name="T" type="integer" max="2.14748E9" units="dev"/>
+        </inkml:traceFormat>
+        <inkml:channelProperties>
+          <inkml:channelProperty channel="X" name="resolution" value="36.43264" units="1/cm"/>
+          <inkml:channelProperty channel="Y" name="resolution" value="36.48649" units="1/cm"/>
+          <inkml:channelProperty channel="T" name="resolution" value="1" units="1/dev"/>
+        </inkml:channelProperties>
+      </inkml:inkSource>
+      <inkml:timestamp xml:id="ts0" timeString="2021-04-08T09:12:16.075"/>
+    </inkml:context>
+    <inkml:brush xml:id="br0">
+      <inkml:brushProperty name="width" value="0.05292" units="cm"/>
+      <inkml:brushProperty name="height" value="0.05292" units="cm"/>
+      <inkml:brushProperty name="color" value="#FF0000"/>
+    </inkml:brush>
+  </inkml:definitions>
+  <inkml:trace contextRef="#ctx0" brushRef="#br0">3828 14076 0,'-18'0'16,"36"0"15,-1 0-16,36 0 1,-18 0 0,1 0-1,140-18 1,-35-35 0,-17-17-1,-71-1 1,-18 1-1,-17 34 1,-18 1 0,0 17 15,-18 18-15,0 0-1,1 89 1,-1-19-1,0 1-15,-17 123 32,0 35-32,17-53 31,-17-87-15,35-54-1,-18-35 63,1 0-78,17 18 16,-18-18 0,0 0-1,18 17 1,-17-17-16,-1 18 15,0-18 1,1 0 15,70 0 94,0 0-109,-18 0-16,71 0 16,-18 0-1,-70 0 1,-18 17 62</inkml:trace>
+  <inkml:trace contextRef="#ctx0" brushRef="#br0" timeOffset="3536.07">13212 15311 0,'35'0'63,"18"0"-48,0-18-15,105-17 16,54-1 15,123 19-15,-158-1-16,122 0 16,37 18-1,-19 0 1,18 0-1,71 0 1,-36-17 0,1 17-1,-1 0 1,-52 0 0,-107 0-1,-87 0 1,-71-18-1,-36 18 189,19 0-204,-1 0 15,0 0-15,36 0 16,-1 18-1</inkml:trace>
+  <inkml:trace contextRef="#ctx0" brushRef="#br0" timeOffset="145520.97">9790 8237 0,'35'0'78,"18"-17"-78,-18 17 16,18 0-16,141-18 31,53 18-16,-106 0-15,141 0 16,-17 0 0,-71 18-1,-18-18 1,-70 0 0,0 0-1,0 0 1,0 17-1,35 1 1,-18-18 0,-17 0-1,0 0 17,-53 0-17,17 0 1,19 0-1,-19 0 1,-35 0 0,1 0-1,-1 0 1,18 0 0,0 0-1,0 0 1,-18 0-1,-17 0 17,-1 0-17,19 0 1,-19 0 15</inkml:trace>
+  <inkml:trace contextRef="#ctx0" brushRef="#br0" timeOffset="161465.3499">12259 10248 0,'18'0'46,"-1"-17"-30,19 17-16,17 0 16,88-18-1,106 0 1,-18 18 0,-17 0-1,34 0 1,-87 0-1,18 0 1,-54 0 0,18 0-1,36 0 1,17 0 0,35 0 15,-88 18-31,124 17 15,-18 0 1,-71-35 0,-88 0-1,-53 0 1,1 0 0,-19 0 62,1 0-63</inkml:trace>
+  <inkml:trace contextRef="#ctx0" brushRef="#br0" timeOffset="169670.03">10107 10266 0,'0'0'0,"0"-18"0,-18 18 15,-17-17 1,18-1 0,-19 0-1,19 18 1,-19-35 0,19 17-1,-54 1 1,36-19-1,0 19 1,-1-1 0,1-17-1,0 0 1,-1-18 0,1 0 15,18 18-16,17 17 1,0-17 0,0-18-1,35 17 1,-18-17-16,72 1 16,34-37-1,36 19 1,17-1-1,-17 36 1,-35 17 0,-1 18-1,-17 0 17,0 0-17,52 0 1,-16 0-1,34 36 1,-17-19 0,-71-17-1,-18 18 1,1-18 0,-53 18-1,-1-18 1,-17 17-1,18 1 1,0 17 0,17 18-1,0 35 17,-35-53-32,35 18 31,-35-17-16,0-19 17,0 1-17,0 0 1,0-1 0,0 1-1,0 17 1,-17 0-1,-1-35-15,18 18 16,-18 0 0,1 17-1,-18 0 1,-1-17 15,1 0-15,17-1-1,1-17 1,-1 18 0,0-1-1,1-17 1,-1 0 0,-52 36-1,-36-36 1,0 17-1,0 1 1,36 0 0,-1-18-1,-17 0 1,52 0 15,-16 0-15,16 17-1,1-17 1,-18 18 0,-35 0-1,17-18 1,1 17 0,17 1-1,18-18 1,-18 0-1,-18 0 1,36 0 0,-18 0-1,35 0 1,1 0 31</inkml:trace>
+  <inkml:trace contextRef="#ctx0" brushRef="#br0" timeOffset="170808.13">10089 10107 0,'-17'0'46,"-1"0"-14,1 18-17,-1-1-15,-35 1 16,0 0 15,-17 17-15,-19-17-1,19 17 1,17-18 0,35 1-1,18 0-15,-17-18 16,-1 53 0,-17 17-1,35-17 1,0 0-1,-18 35 1,18 0 0,0 1 15,0-19-15,18 1-1,17 17 1,0-35-1,18 35 1,18-17 0,35 34-1,-36-34 1,-17-18 0,0 0-1,0-18 1,0 18-1,0 0 1,17 0 0,1 0-1,-18-18 17,0 18-17,0-18 1,-36-17-1,1 0 1,52 17 0,-34-18-1,-19 1 1,1-18 0</inkml:trace>
+  <inkml:trace contextRef="#ctx0" brushRef="#br0" timeOffset="171570.3">10707 11871 0,'17'0'32,"-17"18"-17,36 17 1,-36 18-1,35 17 1,-17 1 0,-1-18-1,1-18 1,-18-17 0,0-1-1,0 1 48,-18-18-48,1 0 1,-1 0 0,0 0-1,1 0 1,-1 0-1,0 0 1,-17 0 0,-18-18-1,36 1-15,-19 17 16,19-18 0,-1 18 15,18-18 0</inkml:trace>
+  <inkml:trace contextRef="#ctx0" brushRef="#br0" timeOffset="193616.87">3881 6456 0,'0'-18'140,"17"18"-140,1 0 32,-1-17-32,1 17 31,0 0 0,-1 0 0,1 0-31,0 0 32,-1 0-1,-17 17-16,0 1 1,18-1 0,-18 1-1,0 0-15,0-1 32,0 1 14,0 0-14,0-1-17,-18-17 32,1 18 0,-1-18-16,0 0-15,1 0 46,-1 0-30,0 0 15,1 0-16,34 0 141,1 0-157,0 0 1,-1 0 31,1 0-32,-18 18 32,0-1-15,0 1-32,18 0 15,-18-1 1,0 1-1,0-1 1,-18-17 156,0 18-172,1-18 31,-1 0-15,0 0 15,1 0-15,-1 0 46,1 0-31,-1 0 16,0 0-15,18-18-17</inkml:trace>
+  <inkml:trace contextRef="#ctx0" brushRef="#br0" timeOffset="-154839.8899">13617 7620 0,'-17'0'16,"-1"0"-1,0 0 1,1 0-1,-19 18-15,1 17 16,0-17 15,35-1-15,0 18 0,17-35-1,-17 18-15,18-18 16,53 35-1,-36-35 1,36 0 0,-36 0-1,-18 0 1,1 0 0,-18-17-1,0-1 1,0 0-1,0 1 17,0-36-17,-18 35 1,-17 1 0,0 17-1,-18 0 1</inkml:trace>
+  <inkml:trace contextRef="#ctx0" brushRef="#br0" timeOffset="-154439.8">13547 7849 0,'0'18'16,"0"0"0,0-1-1,-36 54 1,36-36-16,-35 18 16,35-35-1,0-1 1</inkml:trace>
+  <inkml:trace contextRef="#ctx0" brushRef="#br0" timeOffset="-154155.97">13653 7885 0,'0'53'16,"0"-36"-16,0 36 15,0 0 1,-18-35-1,0-1 1,1-17 0</inkml:trace>
+  <inkml:trace contextRef="#ctx0" brushRef="#br0" timeOffset="-153756.5">13300 8114 0,'35'0'32,"0"0"-17,1 0-15,34 0 16,18 0 0,1-18-1,-1 18 1,-35 0-1,-18 0 1</inkml:trace>
+  <inkml:trace contextRef="#ctx0" brushRef="#br0" timeOffset="-153176.99">13882 7497 0,'0'17'31,"0"1"-15,17-1-16,1 1 15,0 0 1</inkml:trace>
+  <inkml:trace contextRef="#ctx0" brushRef="#br0" timeOffset="-152522.79">13705 7620 0,'18'0'16,"0"0"-1,17 0-15,36 0 16,17 0 15,-53-18-15,-35 36 93,-18-18-93,1 18-16,-19-1 16,-16 71-1,16-35 1,1 18-1,35-53-15,0-1 16,0 1 15,0 0 32,18-18-32,-18-18-31,35-17 16,-35 17-1</inkml:trace>
+  <inkml:trace contextRef="#ctx0" brushRef="#br0" timeOffset="-152296.97">13899 7796 0,'0'0'0,"0"18"0,53 17 31,18 18-15,-18 0 0,-36-35-1</inkml:trace>
+  <inkml:trace contextRef="#ctx0" brushRef="#br0" timeOffset="-152039.7">14164 7849 0,'0'0'0,"18"0"16,35-17 0,-18 17-1,-17 0 1,-18-18-1,0 0 1</inkml:trace>
+  <inkml:trace contextRef="#ctx0" brushRef="#br0" timeOffset="-151120.52">14323 7620 0,'0'53'16,"0"-18"-1,0 36 1,0-18 0,0 0-1,0-36 1,0 1 0,0 0-16,-18-18 125,1 17-110,-1-17 1,18 18-1,-35-18 1,-1 0 0,19 17-1,-1 1-15,0 0 32,18-1-17,0 1 1,0 0-1,0-1 17,0 1-17,0 0 1,18-1 0,0-17-1,-1 0 1,36 0-1,-17 0 1,-19 0 0,1-17-1,-18-1 1,17 0 0,-17-17-1,0 17 1,0 1-1,-17 17 48</inkml:trace>
+  <inkml:trace contextRef="#ctx0" brushRef="#br0" timeOffset="-150071.9499">15928 9613 0,'-18'0'15,"1"0"1,-1 0 0,0 0 15,18 18-15,0-1-1,0 1 1,0 0-1,18-18 1,17 17 0,-17-17 15,0 0 0,-18-17-15,0-1-16,0-35 15,0 18 1,0 17 15,-18 1-15,0 17 0,1 0-1,-1 0-15,0 0 16</inkml:trace>
+  <inkml:trace contextRef="#ctx0" brushRef="#br0" timeOffset="-149704.99">15769 9807 0,'18'0'0,"-1"0"15,54 0 1,35 0 0,-36 0-1,-34 0 1</inkml:trace>
+  <inkml:trace contextRef="#ctx0" brushRef="#br0" timeOffset="-149104.72">15893 9966 0,'-18'0'15,"18"18"1,0-1-1,0 1 1,0 0 15,0-1-15,0 1 0,35-18-1,-17 0 1,0 0-1,-1 0 1,1 0 0,-18-18-1,0 1 1,0-19 0,0 19-1,-18-1 1,1 18 15</inkml:trace>
+  <inkml:trace contextRef="#ctx0" brushRef="#br0" timeOffset="-148656.4199">16175 9525 0,'53'0'16,"-36"0"-1,1 0-15</inkml:trace>
+  <inkml:trace contextRef="#ctx0" brushRef="#br0" timeOffset="-148151.23">16193 9525 0,'-18'0'15,"18"18"1,-18 17-1,1-17-15,17 34 16,-18 1 15,18 18-15,-18-36 0,18-17 46,18-18-46,0 0-1,17 0-15,-17-18 16,17 18 0,-18 0-1,1 0 1,0-17 46</inkml:trace>
+  <inkml:trace contextRef="#ctx0" brushRef="#br0" timeOffset="-147623.55">16422 9490 0,'0'17'16,"0"1"-1,0 17 1,0 18-16,-18 18 16,18-18-1</inkml:trace>
+  <inkml:trace contextRef="#ctx0" brushRef="#br0" timeOffset="-147392.66">16422 9648 0,'17'-17'31,"1"17"-31,0 0 16,-1 0-1</inkml:trace>
+  <inkml:trace contextRef="#ctx0" brushRef="#br0" timeOffset="-146432.99">16263 9825 0,'0'18'16,"0"-1"-16,0 1 16,0 35-1,0-18 1,0 0 0,0-17-1,0 0 1,0-1 46,18-17 16,-1 0-62,1 0 0,0 0-1,-1 0 1,1 0 31,0 0-32,-1 0 17,1-17 46,-18-1-63,0 0 1,0 1-16,0-19 16,17-34-1,-17-1 1,0 36 0,18 17-1</inkml:trace>
+  <inkml:trace contextRef="#ctx0" brushRef="#br0" timeOffset="-145976.7">16334 9931 0,'17'0'47,"1"0"-31,0 0-1,-1 0 1</inkml:trace>
+</inkml:ink>
+</file>
+
+<file path=ppt/ink/ink43.xml><?xml version="1.0" encoding="utf-8"?>
+<inkml:ink xmlns:inkml="http://www.w3.org/2003/InkML">
+  <inkml:definitions>
+    <inkml:context xml:id="ctx0">
+      <inkml:inkSource xml:id="inkSrc0">
+        <inkml:traceFormat>
+          <inkml:channel name="X" type="integer" max="1920" units="cm"/>
+          <inkml:channel name="Y" type="integer" max="1080" units="cm"/>
+          <inkml:channel name="T" type="integer" max="2.14748E9" units="dev"/>
+        </inkml:traceFormat>
+        <inkml:channelProperties>
+          <inkml:channelProperty channel="X" name="resolution" value="36.85221" units="1/cm"/>
+          <inkml:channelProperty channel="Y" name="resolution" value="36.86007" units="1/cm"/>
+          <inkml:channelProperty channel="T" name="resolution" value="1" units="1/dev"/>
+        </inkml:channelProperties>
+      </inkml:inkSource>
+      <inkml:timestamp xml:id="ts0" timeString="2021-04-09T03:17:09.779"/>
+    </inkml:context>
+    <inkml:brush xml:id="br0">
+      <inkml:brushProperty name="width" value="0.06667" units="cm"/>
+      <inkml:brushProperty name="height" value="0.06667" units="cm"/>
+      <inkml:brushProperty name="color" value="#ED1C24"/>
+      <inkml:brushProperty name="fitToCurve" value="1"/>
+    </inkml:brush>
+  </inkml:definitions>
+  <inkml:traceGroup>
+    <inkml:annotationXML>
+      <emma:emma xmlns:emma="http://www.w3.org/2003/04/emma" version="1.0">
+        <emma:interpretation id="{322C4763-5CD0-4C40-B8FA-A0D0B6585A81}" emma:medium="tactile" emma:mode="ink">
+          <msink:context xmlns:msink="http://schemas.microsoft.com/ink/2010/main" type="inkDrawing" rotatedBoundingBox="5843,15552 9463,15522 9468,16127 5848,16157" semanticType="callout" shapeName="Other"/>
+        </emma:interpretation>
+      </emma:emma>
+    </inkml:annotationXML>
+    <inkml:trace contextRef="#ctx0" brushRef="#br0">0 35 0,'0'-35'63,"35"35"-1,0 35-62,35-35 16,-36 35-1,1-35 1,0 0 0,35 35-16,-36-35 15,36 0 1,-35 34 0,0-34-16,-1 0 15,1 0 1,0 35-16,0 0 15,0-35-15,34 0 16,-34 35 0,0-35-1,34 35 1,1-35 0,-35 34-16,34 1 15,-34 0-15,0-35 16,0 0-16,34 0 15,-34 35-15,0-35 16,0 0-16,34 0 16,-34 0-16,0 0 15,34 0-15,-34 0 16,0 0 0,35 0-16,-36 0 15,36 0-15,0 0 16,-36 0-1,71 0-15,-36 0 16,-34 0-16,35 0 16,-1 0-16,-34 0 15,35 0-15,-1 0 16,-34 0 0,0 0-16,34 0 15,-34 0-15,35 0 16,-35 0-16,-1 0 15,1 0-15,0 0 16,-35-35 0,35 35-16,0 0 15,-1 0-15,1-35 16,0 35 0,69-35-16,-69 1 15,35-1-15,-35 35 16,34-35-16,-34 35 15,0-35-15,0 0 16,-1 1 0,1-1 15,-35 0 16,-35 35 328,1 0-360,-36 70-15,35-70 16,0 34-16,1 1 16,-1-35-16,0 35 15,0-35-15,0 0 16,1 35 0,-36 0-16,0-1 15,1-34 1,-1 35-16,35-35 15,1 0 1,-1 0-16,0 0 31,0 35-31,0-35 16,1 35-16,-36-35 16,35 35-16,1-35 15,-36 0-15,35 0 16,0 0-1,1 0-15,-1 0 16,0 34-16,0-34 16,0 0-16,1 0 15,-1 35-15,0-35 16,-35 0 0,36 0-16,-1 35 15,0-35-15,-35 0 16,36 0-1,-1 35-15,0-35 16,-35 0-16,36 0 16,-1 0-1,0 0-15,0 0 16,0 0 0,1 0 15,-1 0-16,0 0-15,0 0 16,-34 0 0,34 0-16,0 0 15,0 0 1,1 0 0,-1 0 30,0 0-46,0-35 16,0 35 0,1-35-1,-1 35-15,0 0 16,0-35 0,0 1-1,1 34 1,-1-35-1,-35 0 1,35 35-16,1-35 16,-1 0-1,0 35-15,0 0 16,0 0 0,1-34-1,-1 34 1,0 0-1,0-35 1,0 0-16,1 0 31,-1 35-31,0 0 16,35-35 0,-35 35-16,0 0 31,105 0 219,-35 0-235,0 35-15,104-35 16,-70 70-16,36-35 16,-70-35-16,34 34 15,1 1-15,-35 0 16,-1-35-16,36 35 16,-35 0-1,0-35 1,-1 0-1,1 0 1,35 0 0,-35 0-1,-1 0-15,1 0 16,0 0-16,34 0 16,-34 0-16,35 0 15,-1 0-15,-34 0 16,35 0-16,34 0 15,-69 0-15,35 0 16,-36 0-16,1 0 16,35 0-16,-35 0 15,-1 0-15,1 0 16,0 0-16,0 0 16,0 0-16,34 0 15,-34 0 1,35 0-16,-1 0 15,1 0-15,-1 0 16,1 0-16,-35 0 16,-1 0-16,1 0 15,0 0-15,0 0 16,0 0 0,-1 0-1,1 0 1,0 0-1,0 0 1,69-35-16,-69 0 16,0 35-1,0-35-15,34 0 16,-34 35 0,0-34-1,0 34 1,-1-35-16,1 35 15,35-70 1,-70 35-16,35 35 16,-1-34-1,1 34-15,0 0 16,0-35-16,0 35 16,-35-35-1,34 0-15,1 35 16</inkml:trace>
+  </inkml:traceGroup>
+</inkml:ink>
+</file>
+
+<file path=ppt/ink/ink44.xml><?xml version="1.0" encoding="utf-8"?>
+<inkml:ink xmlns:inkml="http://www.w3.org/2003/InkML">
+  <inkml:definitions>
+    <inkml:context xml:id="ctx0">
+      <inkml:inkSource xml:id="inkSrc0">
+        <inkml:traceFormat>
+          <inkml:channel name="X" type="integer" max="1920" units="cm"/>
+          <inkml:channel name="Y" type="integer" max="1080" units="cm"/>
+          <inkml:channel name="T" type="integer" max="2.14748E9" units="dev"/>
+        </inkml:traceFormat>
+        <inkml:channelProperties>
+          <inkml:channelProperty channel="X" name="resolution" value="36.85221" units="1/cm"/>
+          <inkml:channelProperty channel="Y" name="resolution" value="36.86007" units="1/cm"/>
+          <inkml:channelProperty channel="T" name="resolution" value="1" units="1/dev"/>
+        </inkml:channelProperties>
+      </inkml:inkSource>
+      <inkml:timestamp xml:id="ts0" timeString="2021-04-09T03:20:18.979"/>
+    </inkml:context>
+    <inkml:brush xml:id="br0">
+      <inkml:brushProperty name="width" value="0.06667" units="cm"/>
+      <inkml:brushProperty name="height" value="0.06667" units="cm"/>
+      <inkml:brushProperty name="color" value="#ED1C24"/>
+      <inkml:brushProperty name="fitToCurve" value="1"/>
+    </inkml:brush>
+  </inkml:definitions>
+  <inkml:traceGroup>
+    <inkml:annotationXML>
+      <emma:emma xmlns:emma="http://www.w3.org/2003/04/emma" version="1.0">
+        <emma:interpretation id="{024B7AE9-5905-4E91-8D4B-E9E37613058A}" emma:medium="tactile" emma:mode="ink">
+          <msink:context xmlns:msink="http://schemas.microsoft.com/ink/2010/main" type="writingRegion" rotatedBoundingBox="16701,12142 19659,12142 19659,12282 16701,12282"/>
+        </emma:interpretation>
+      </emma:emma>
+    </inkml:annotationXML>
+    <inkml:traceGroup>
+      <inkml:annotationXML>
+        <emma:emma xmlns:emma="http://www.w3.org/2003/04/emma" version="1.0">
+          <emma:interpretation id="{94A8A7E8-897C-4B31-B588-038738B4F0E4}" emma:medium="tactile" emma:mode="ink">
+            <msink:context xmlns:msink="http://schemas.microsoft.com/ink/2010/main" type="paragraph" rotatedBoundingBox="16701,12142 19659,12142 19659,12282 16701,12282" alignmentLevel="1"/>
+          </emma:interpretation>
+        </emma:emma>
+      </inkml:annotationXML>
+      <inkml:traceGroup>
+        <inkml:annotationXML>
+          <emma:emma xmlns:emma="http://www.w3.org/2003/04/emma" version="1.0">
+            <emma:interpretation id="{ED4809BC-8E24-47BA-85E7-2C1E6D8BCDD4}" emma:medium="tactile" emma:mode="ink">
+              <msink:context xmlns:msink="http://schemas.microsoft.com/ink/2010/main" type="line" rotatedBoundingBox="16701,12142 19659,12142 19659,12282 16701,12282"/>
+            </emma:interpretation>
+          </emma:emma>
+        </inkml:annotationXML>
+        <inkml:traceGroup>
+          <inkml:annotationXML>
+            <emma:emma xmlns:emma="http://www.w3.org/2003/04/emma" version="1.0">
+              <emma:interpretation id="{114D990B-C02A-44F4-8404-38E3280AD1B7}" emma:medium="tactile" emma:mode="ink">
+                <msink:context xmlns:msink="http://schemas.microsoft.com/ink/2010/main" type="inkWord" rotatedBoundingBox="16701,12142 19659,12142 19659,12282 16701,12282"/>
+              </emma:interpretation>
+              <emma:one-of disjunction-type="recognition" id="oneOf0">
+                <emma:interpretation id="interp0" emma:lang="" emma:confidence="0">
+                  <emma:literal>ㅡ</emma:literal>
+                </emma:interpretation>
+                <emma:interpretation id="interp1" emma:lang="" emma:confidence="0">
+                  <emma:literal>_</emma:literal>
+                </emma:interpretation>
+                <emma:interpretation id="interp2" emma:lang="" emma:confidence="0">
+                  <emma:literal>一</emma:literal>
+                </emma:interpretation>
+                <emma:interpretation id="interp3" emma:lang="" emma:confidence="0">
+                  <emma:literal>-</emma:literal>
+                </emma:interpretation>
+                <emma:interpretation id="interp4" emma:lang="" emma:confidence="0">
+                  <emma:literal>…</emma:literal>
+                </emma:interpretation>
+              </emma:one-of>
+            </emma:emma>
+          </inkml:annotationXML>
+          <inkml:trace contextRef="#ctx0" brushRef="#br0">0 140 0,'35'0'93,"0"0"-77,0 0 0,0 0 15,-1 0 16,1 0-16,0 0-15,0 0 30,0 0-14,-1 0-1,1 0-15,0 0 15,0 0-16,-1 0 1,1 0 0,0 0 15,35 0-15,-36 0-1,1 0-15,35 0 16,-35 0-1,-1 0 1,36 0 15,-35 0 1,0 0-1,-1 0-16,1 0 1,0 0 0,0 0-16,-35-35 15,35 35-15,-1 0 16,1 0 15,0 0-15,0 0-1,0 0 1,-1 0 0,1 0-1,0 0 17,0 0-17,0 0 1,-1 0-16,1 0 15,35 0 1,-35 0 0,-1 0-1,1 0 17,0 0-17,0 0 1,-1 0-1,1 0 1,0 0 0,0 0-16,0 0 15,-1 0 17,1 0-32,0 0 31,0 0-16,0 0 1,-1 0 0,1 0-1,0-35 1,0 35 0,0 0-16,-1 0 15,1 0-15,0 0 16,0 0-16,0 0 15,-1 0 17,1 0-1,0 0-31,0 0 16,-35-35-1,35 35-15,-1 0 16,1 0-1,0 0 1,0 0 0,0 0-1,-1 0 17,1-35-17,0 35 32</inkml:trace>
+        </inkml:traceGroup>
+      </inkml:traceGroup>
+    </inkml:traceGroup>
+  </inkml:traceGroup>
+</inkml:ink>
+</file>
+
+<file path=ppt/ink/ink45.xml><?xml version="1.0" encoding="utf-8"?>
+<inkml:ink xmlns:inkml="http://www.w3.org/2003/InkML">
+  <inkml:definitions>
+    <inkml:context xml:id="ctx0">
+      <inkml:inkSource xml:id="inkSrc0">
+        <inkml:traceFormat>
+          <inkml:channel name="X" type="integer" max="1920" units="cm"/>
+          <inkml:channel name="Y" type="integer" max="1080" units="cm"/>
+          <inkml:channel name="T" type="integer" max="2.14748E9" units="dev"/>
+        </inkml:traceFormat>
+        <inkml:channelProperties>
+          <inkml:channelProperty channel="X" name="resolution" value="36.85221" units="1/cm"/>
+          <inkml:channelProperty channel="Y" name="resolution" value="36.86007" units="1/cm"/>
+          <inkml:channelProperty channel="T" name="resolution" value="1" units="1/dev"/>
+        </inkml:channelProperties>
+      </inkml:inkSource>
+      <inkml:timestamp xml:id="ts0" timeString="2021-04-09T03:32:56.772"/>
+    </inkml:context>
+    <inkml:brush xml:id="br0">
+      <inkml:brushProperty name="width" value="0.06667" units="cm"/>
+      <inkml:brushProperty name="height" value="0.06667" units="cm"/>
+      <inkml:brushProperty name="color" value="#ED1C24"/>
+      <inkml:brushProperty name="fitToCurve" value="1"/>
+    </inkml:brush>
+  </inkml:definitions>
+  <inkml:traceGroup>
+    <inkml:annotationXML>
+      <emma:emma xmlns:emma="http://www.w3.org/2003/04/emma" version="1.0">
+        <emma:interpretation id="{0C2FF219-EB3C-4BF2-BD7C-B16C5D3805A9}" emma:medium="tactile" emma:mode="ink">
+          <msink:context xmlns:msink="http://schemas.microsoft.com/ink/2010/main" type="writingRegion" rotatedBoundingBox="6263,7062 8177,7062 8177,8991 6263,8991"/>
+        </emma:interpretation>
+      </emma:emma>
+    </inkml:annotationXML>
+    <inkml:traceGroup>
+      <inkml:annotationXML>
+        <emma:emma xmlns:emma="http://www.w3.org/2003/04/emma" version="1.0">
+          <emma:interpretation id="{DD28466C-9671-4ED0-AC58-2F7CCFCD8E47}" emma:medium="tactile" emma:mode="ink">
+            <msink:context xmlns:msink="http://schemas.microsoft.com/ink/2010/main" type="paragraph" rotatedBoundingBox="6263,7062 8177,7062 8177,8991 6263,8991" alignmentLevel="1"/>
+          </emma:interpretation>
+        </emma:emma>
+      </inkml:annotationXML>
+      <inkml:traceGroup>
+        <inkml:annotationXML>
+          <emma:emma xmlns:emma="http://www.w3.org/2003/04/emma" version="1.0">
+            <emma:interpretation id="{485D7229-B13F-47B0-BADF-D2298336297E}" emma:medium="tactile" emma:mode="ink">
+              <msink:context xmlns:msink="http://schemas.microsoft.com/ink/2010/main" type="line" rotatedBoundingBox="6263,7062 8177,7062 8177,8991 6263,8991"/>
+            </emma:interpretation>
+          </emma:emma>
+        </inkml:annotationXML>
+        <inkml:traceGroup>
+          <inkml:annotationXML>
+            <emma:emma xmlns:emma="http://www.w3.org/2003/04/emma" version="1.0">
+              <emma:interpretation id="{39B060A9-24AC-463C-800B-2BC62B8742B1}" emma:medium="tactile" emma:mode="ink">
+                <msink:context xmlns:msink="http://schemas.microsoft.com/ink/2010/main" type="inkWord" rotatedBoundingBox="6263,7062 8177,7062 8177,8991 6263,8991"/>
+              </emma:interpretation>
+              <emma:one-of disjunction-type="recognition" id="oneOf0">
+                <emma:interpretation id="interp0" emma:lang="" emma:confidence="0">
+                  <emma:literal>二</emma:literal>
+                </emma:interpretation>
+                <emma:interpretation id="interp1" emma:lang="" emma:confidence="0">
+                  <emma:literal>=</emma:literal>
+                </emma:interpretation>
+                <emma:interpretation id="interp2" emma:lang="" emma:confidence="0">
+                  <emma:literal>그</emma:literal>
+                </emma:interpretation>
+                <emma:interpretation id="interp3" emma:lang="" emma:confidence="0">
+                  <emma:literal>三</emma:literal>
+                </emma:interpretation>
+                <emma:interpretation id="interp4" emma:lang="" emma:confidence="0">
+                  <emma:literal>즈</emma:literal>
+                </emma:interpretation>
+              </emma:one-of>
+            </emma:emma>
+          </inkml:annotationXML>
+          <inkml:trace contextRef="#ctx0" brushRef="#br0">0 0 0,'35'0'15,"0"0"17,-1 0-17,1 0 1,0 0-1,0 0-15,0 0 16,-1 0 0,1 0-1,0 0 1,0 0-16,0 0 16,-1 0-16,1 0 15,0 0-15,0 0 16,34 0-16,1 0 15,-1 0-15,1 0 16,0 0-16,-36 0 16,36 0-1,-35 0-15,0 0 16,-1 0 0,1 0-16,0 0 15,0 0 1,34 0-16,-34 0 15,0 0-15,0 0 16,34 0-16,-34 0 16,0 0-1,0 0 1</inkml:trace>
+          <inkml:trace contextRef="#ctx0" brushRef="#br0" timeOffset="1087.9163">139 1914 0,'70'0'46,"-1"0"-46,-34 0 16,70 0-16,-36 0 16,1 0-1,-1 0-15,1 0 16,69 0-16,-104 0 16,69 0-16,-34 0 15,-35 0-15,-1 0 16,1 0-16,35 0 15,-35 0-15,-1 0 16,1 0-16,0 0 16,35 0-16,-36 0 15,71 0-15,-36 0 16,-34 0-16,0 0 16,0 0-16,0 0 15,-1 0-15,1 0 16,0 0-1,0 0 32</inkml:trace>
+        </inkml:traceGroup>
+      </inkml:traceGroup>
+    </inkml:traceGroup>
+  </inkml:traceGroup>
+</inkml:ink>
+</file>
+
+<file path=ppt/ink/ink46.xml><?xml version="1.0" encoding="utf-8"?>
+<inkml:ink xmlns:inkml="http://www.w3.org/2003/InkML">
+  <inkml:definitions>
+    <inkml:context xml:id="ctx0">
+      <inkml:inkSource xml:id="inkSrc0">
+        <inkml:traceFormat>
+          <inkml:channel name="X" type="integer" max="1920" units="cm"/>
+          <inkml:channel name="Y" type="integer" max="1080" units="cm"/>
+          <inkml:channel name="T" type="integer" max="2.14748E9" units="dev"/>
+        </inkml:traceFormat>
+        <inkml:channelProperties>
+          <inkml:channelProperty channel="X" name="resolution" value="36.85221" units="1/cm"/>
+          <inkml:channelProperty channel="Y" name="resolution" value="36.86007" units="1/cm"/>
+          <inkml:channelProperty channel="T" name="resolution" value="1" units="1/dev"/>
+        </inkml:channelProperties>
+      </inkml:inkSource>
+      <inkml:timestamp xml:id="ts0" timeString="2021-04-09T03:34:50.780"/>
+    </inkml:context>
+    <inkml:brush xml:id="br0">
+      <inkml:brushProperty name="width" value="0.06667" units="cm"/>
+      <inkml:brushProperty name="height" value="0.06667" units="cm"/>
+      <inkml:brushProperty name="color" value="#ED1C24"/>
+      <inkml:brushProperty name="fitToCurve" value="1"/>
+    </inkml:brush>
+  </inkml:definitions>
+  <inkml:traceGroup>
+    <inkml:annotationXML>
+      <emma:emma xmlns:emma="http://www.w3.org/2003/04/emma" version="1.0">
+        <emma:interpretation id="{4840E7BD-C926-4D8F-84D2-8A19660AB3F7}" emma:medium="tactile" emma:mode="ink">
+          <msink:context xmlns:msink="http://schemas.microsoft.com/ink/2010/main" type="writingRegion" rotatedBoundingBox="21085,14926 22756,14926 22756,14941 21085,14941"/>
+        </emma:interpretation>
+      </emma:emma>
+    </inkml:annotationXML>
+    <inkml:traceGroup>
+      <inkml:annotationXML>
+        <emma:emma xmlns:emma="http://www.w3.org/2003/04/emma" version="1.0">
+          <emma:interpretation id="{6E08B9E3-58D6-44F9-A2DC-AB390BB22106}" emma:medium="tactile" emma:mode="ink">
+            <msink:context xmlns:msink="http://schemas.microsoft.com/ink/2010/main" type="paragraph" rotatedBoundingBox="21085,14926 22756,14926 22756,14941 21085,14941" alignmentLevel="1"/>
+          </emma:interpretation>
+        </emma:emma>
+      </inkml:annotationXML>
+      <inkml:traceGroup>
+        <inkml:annotationXML>
+          <emma:emma xmlns:emma="http://www.w3.org/2003/04/emma" version="1.0">
+            <emma:interpretation id="{0DBD2339-83DB-4169-904A-FB60D6C3A0A3}" emma:medium="tactile" emma:mode="ink">
+              <msink:context xmlns:msink="http://schemas.microsoft.com/ink/2010/main" type="line" rotatedBoundingBox="21085,14926 22756,14926 22756,14941 21085,14941"/>
+            </emma:interpretation>
+          </emma:emma>
+        </inkml:annotationXML>
+        <inkml:traceGroup>
+          <inkml:annotationXML>
+            <emma:emma xmlns:emma="http://www.w3.org/2003/04/emma" version="1.0">
+              <emma:interpretation id="{F6E272CB-9B35-4ED2-A490-FEDDABF0EB38}" emma:medium="tactile" emma:mode="ink">
+                <msink:context xmlns:msink="http://schemas.microsoft.com/ink/2010/main" type="inkWord" rotatedBoundingBox="21085,14926 22756,14926 22756,14941 21085,14941"/>
+              </emma:interpretation>
+              <emma:one-of disjunction-type="recognition" id="oneOf0">
+                <emma:interpretation id="interp0" emma:lang="" emma:confidence="0">
+                  <emma:literal>-</emma:literal>
+                </emma:interpretation>
+                <emma:interpretation id="interp1" emma:lang="" emma:confidence="0">
+                  <emma:literal>_</emma:literal>
+                </emma:interpretation>
+                <emma:interpretation id="interp2" emma:lang="" emma:confidence="0">
+                  <emma:literal>ㅡ</emma:literal>
+                </emma:interpretation>
+                <emma:interpretation id="interp3" emma:lang="" emma:confidence="0">
+                  <emma:literal>一</emma:literal>
+                </emma:interpretation>
+                <emma:interpretation id="interp4" emma:lang="" emma:confidence="0">
+                  <emma:literal>…</emma:literal>
+                </emma:interpretation>
+              </emma:one-of>
+            </emma:emma>
+          </inkml:annotationXML>
+          <inkml:trace contextRef="#ctx0" brushRef="#br0">0 0 0,'35'0'78,"0"0"-63,0 0 1,0 0-16,-1 0 16,1 0-1,0 0 1,0 0-16,0 0 0,-1 0 15,1 0 1,0 0-16,35 0 16,-1 0-1,-34 0 1,0 0 0,0 0-1,-1 0-15,1 0 16,0 0-16,0 0 15,0 0 1,-1 0-16,1 0 16,0 0 15,0 0-15,0 0-1,-1 0 1,1 0-16,0 0 15,0 0-15,-1 0 16,1 0 0,0 0 15,0 0-15,0 0-1,-1 0 32,1 0-47,35 0 31,-35 0-15,-1 0 0,1 0 30,0 0-30,0 0 15,0 0 1</inkml:trace>
+        </inkml:traceGroup>
+      </inkml:traceGroup>
+    </inkml:traceGroup>
+  </inkml:traceGroup>
+</inkml:ink>
+</file>
+
+<file path=ppt/ink/ink47.xml><?xml version="1.0" encoding="utf-8"?>
+<inkml:ink xmlns:inkml="http://www.w3.org/2003/InkML">
+  <inkml:definitions>
+    <inkml:context xml:id="ctx0">
+      <inkml:inkSource xml:id="inkSrc0">
+        <inkml:traceFormat>
+          <inkml:channel name="X" type="integer" max="1920" units="cm"/>
+          <inkml:channel name="Y" type="integer" max="1080" units="cm"/>
+          <inkml:channel name="T" type="integer" max="2.14748E9" units="dev"/>
+        </inkml:traceFormat>
+        <inkml:channelProperties>
+          <inkml:channelProperty channel="X" name="resolution" value="36.85221" units="1/cm"/>
+          <inkml:channelProperty channel="Y" name="resolution" value="36.86007" units="1/cm"/>
+          <inkml:channelProperty channel="T" name="resolution" value="1" units="1/dev"/>
+        </inkml:channelProperties>
+      </inkml:inkSource>
+      <inkml:timestamp xml:id="ts0" timeString="2021-04-09T03:34:56.708"/>
+    </inkml:context>
+    <inkml:brush xml:id="br0">
+      <inkml:brushProperty name="width" value="0.06667" units="cm"/>
+      <inkml:brushProperty name="height" value="0.06667" units="cm"/>
+      <inkml:brushProperty name="color" value="#ED1C24"/>
+      <inkml:brushProperty name="fitToCurve" value="1"/>
+    </inkml:brush>
+  </inkml:definitions>
+  <inkml:traceGroup>
+    <inkml:annotationXML>
+      <emma:emma xmlns:emma="http://www.w3.org/2003/04/emma" version="1.0">
+        <emma:interpretation id="{5D356D77-F613-4188-B3DA-5AD642ED6409}" emma:medium="tactile" emma:mode="ink">
+          <msink:context xmlns:msink="http://schemas.microsoft.com/ink/2010/main" type="writingRegion" rotatedBoundingBox="7411,15204 8768,15204 8768,15309 7411,15309"/>
+        </emma:interpretation>
+      </emma:emma>
+    </inkml:annotationXML>
+    <inkml:traceGroup>
+      <inkml:annotationXML>
+        <emma:emma xmlns:emma="http://www.w3.org/2003/04/emma" version="1.0">
+          <emma:interpretation id="{BE36F844-ACBB-4D7A-A174-C088641BF72E}" emma:medium="tactile" emma:mode="ink">
+            <msink:context xmlns:msink="http://schemas.microsoft.com/ink/2010/main" type="paragraph" rotatedBoundingBox="7411,15204 8768,15204 8768,15309 7411,15309" alignmentLevel="1"/>
+          </emma:interpretation>
+        </emma:emma>
+      </inkml:annotationXML>
+      <inkml:traceGroup>
+        <inkml:annotationXML>
+          <emma:emma xmlns:emma="http://www.w3.org/2003/04/emma" version="1.0">
+            <emma:interpretation id="{7AEBE613-B5B8-475A-89C8-59887266ADEF}" emma:medium="tactile" emma:mode="ink">
+              <msink:context xmlns:msink="http://schemas.microsoft.com/ink/2010/main" type="line" rotatedBoundingBox="7411,15204 8768,15204 8768,15309 7411,15309"/>
+            </emma:interpretation>
+          </emma:emma>
+        </inkml:annotationXML>
+        <inkml:traceGroup>
+          <inkml:annotationXML>
+            <emma:emma xmlns:emma="http://www.w3.org/2003/04/emma" version="1.0">
+              <emma:interpretation id="{D6D71247-50D0-4467-A1DC-C8753B3EABFA}" emma:medium="tactile" emma:mode="ink">
+                <msink:context xmlns:msink="http://schemas.microsoft.com/ink/2010/main" type="inkWord" rotatedBoundingBox="7411,15204 8768,15204 8768,15309 7411,15309"/>
+              </emma:interpretation>
+              <emma:one-of disjunction-type="recognition" id="oneOf0">
+                <emma:interpretation id="interp0" emma:lang="" emma:confidence="0">
+                  <emma:literal>_</emma:literal>
+                </emma:interpretation>
+                <emma:interpretation id="interp1" emma:lang="" emma:confidence="0">
+                  <emma:literal>一</emma:literal>
+                </emma:interpretation>
+                <emma:interpretation id="interp2" emma:lang="" emma:confidence="0">
+                  <emma:literal>ㅡ</emma:literal>
+                </emma:interpretation>
+                <emma:interpretation id="interp3" emma:lang="" emma:confidence="0">
+                  <emma:literal>-</emma:literal>
+                </emma:interpretation>
+                <emma:interpretation id="interp4" emma:lang="" emma:confidence="0">
+                  <emma:literal>~</emma:literal>
+                </emma:interpretation>
+              </emma:one-of>
+            </emma:emma>
+          </inkml:annotationXML>
+          <inkml:trace contextRef="#ctx0" brushRef="#br0">0 108 0,'70'-35'125,"-1"35"-125,1-35 16,-35 35 0,0 0-1,34 0 1,-34 0 0,0 0-1,0 0-15,-1 0 16,-34-35-16,70 35 15,0 0-15,-36 0 16,1 0-16,0 0 16,35 0-16,-36 0 15,1 0-15,0 0 16,34 0 0,-34 0-1,0 0 1,0 0-1,0 0 1,-1 0 0,1 0-1,0 0 1,0 0 0,0 0-1,34 0 48</inkml:trace>
+        </inkml:traceGroup>
+      </inkml:traceGroup>
+    </inkml:traceGroup>
+  </inkml:traceGroup>
+</inkml:ink>
+</file>
+
+<file path=ppt/ink/ink48.xml><?xml version="1.0" encoding="utf-8"?>
+<inkml:ink xmlns:inkml="http://www.w3.org/2003/InkML">
+  <inkml:definitions>
+    <inkml:context xml:id="ctx0">
+      <inkml:inkSource xml:id="inkSrc0">
+        <inkml:traceFormat>
+          <inkml:channel name="X" type="integer" max="1920" units="cm"/>
+          <inkml:channel name="Y" type="integer" max="1080" units="cm"/>
+          <inkml:channel name="T" type="integer" max="2.14748E9" units="dev"/>
+        </inkml:traceFormat>
+        <inkml:channelProperties>
+          <inkml:channelProperty channel="X" name="resolution" value="36.85221" units="1/cm"/>
+          <inkml:channelProperty channel="Y" name="resolution" value="36.86007" units="1/cm"/>
+          <inkml:channelProperty channel="T" name="resolution" value="1" units="1/dev"/>
+        </inkml:channelProperties>
+      </inkml:inkSource>
+      <inkml:timestamp xml:id="ts0" timeString="2021-04-09T04:08:37.652"/>
+    </inkml:context>
+    <inkml:brush xml:id="br0">
+      <inkml:brushProperty name="width" value="0.06667" units="cm"/>
+      <inkml:brushProperty name="height" value="0.06667" units="cm"/>
+      <inkml:brushProperty name="color" value="#ED1C24"/>
+      <inkml:brushProperty name="fitToCurve" value="1"/>
+    </inkml:brush>
+  </inkml:definitions>
+  <inkml:traceGroup>
+    <inkml:annotationXML>
+      <emma:emma xmlns:emma="http://www.w3.org/2003/04/emma" version="1.0">
+        <emma:interpretation id="{F7B1F643-5464-4E26-8AB7-A6134CA4E477}" emma:medium="tactile" emma:mode="ink">
+          <msink:context xmlns:msink="http://schemas.microsoft.com/ink/2010/main" type="writingRegion" rotatedBoundingBox="8733,6506 10160,6506 10160,7445 8733,7445"/>
+        </emma:interpretation>
+      </emma:emma>
+    </inkml:annotationXML>
+    <inkml:traceGroup>
+      <inkml:annotationXML>
+        <emma:emma xmlns:emma="http://www.w3.org/2003/04/emma" version="1.0">
+          <emma:interpretation id="{E05EEDB3-79E5-4DC7-BAF0-56C7E6C08877}" emma:medium="tactile" emma:mode="ink">
+            <msink:context xmlns:msink="http://schemas.microsoft.com/ink/2010/main" type="paragraph" rotatedBoundingBox="8733,6506 9395,6506 9395,6888 8733,6888" alignmentLevel="1"/>
+          </emma:interpretation>
+        </emma:emma>
+      </inkml:annotationXML>
+      <inkml:traceGroup>
+        <inkml:annotationXML>
+          <emma:emma xmlns:emma="http://www.w3.org/2003/04/emma" version="1.0">
+            <emma:interpretation id="{9CD02FD1-5284-4C18-A72B-FDAB7A4CBEF8}" emma:medium="tactile" emma:mode="ink">
+              <msink:context xmlns:msink="http://schemas.microsoft.com/ink/2010/main" type="line" rotatedBoundingBox="8733,6506 9395,6506 9395,6888 8733,6888"/>
+            </emma:interpretation>
+          </emma:emma>
+        </inkml:annotationXML>
+        <inkml:traceGroup>
+          <inkml:annotationXML>
+            <emma:emma xmlns:emma="http://www.w3.org/2003/04/emma" version="1.0">
+              <emma:interpretation id="{24440590-2F1B-4888-93DA-5186AD2D2540}" emma:medium="tactile" emma:mode="ink">
+                <msink:context xmlns:msink="http://schemas.microsoft.com/ink/2010/main" type="inkWord" rotatedBoundingBox="8733,6506 9395,6506 9395,6888 8733,6888"/>
+              </emma:interpretation>
+              <emma:one-of disjunction-type="recognition" id="oneOf0">
+                <emma:interpretation id="interp0" emma:lang="" emma:confidence="1">
+                  <emma:literal/>
+                </emma:interpretation>
+              </emma:one-of>
+            </emma:emma>
+          </inkml:annotationXML>
+          <inkml:trace contextRef="#ctx0" brushRef="#br0">627 0 0,'-70'35'47,"0"-35"-47,1 70 16,-1-70-16,1 34 15,34-34-15,0 0 16,-35 35-16,1 0 16,34-35-16,0 0 15,35 35 1</inkml:trace>
+          <inkml:trace contextRef="#ctx0" brushRef="#br0" timeOffset="455.9925">-35-69 0,'70'69'31,"-35"-69"-16,34 70-15,1-1 16,-35-34-16,34 0 16,-34 35-16,0-70 15,-35 34 1</inkml:trace>
+        </inkml:traceGroup>
+      </inkml:traceGroup>
+    </inkml:traceGroup>
+    <inkml:traceGroup>
+      <inkml:annotationXML>
+        <emma:emma xmlns:emma="http://www.w3.org/2003/04/emma" version="1.0">
+          <emma:interpretation id="{C0968233-0F5D-4061-8CCA-44B31C9F2CD0}" emma:medium="tactile" emma:mode="ink">
+            <msink:context xmlns:msink="http://schemas.microsoft.com/ink/2010/main" type="paragraph" rotatedBoundingBox="8873,6993 10160,6993 10160,7445 8873,7445" alignmentLevel="1"/>
+          </emma:interpretation>
+        </emma:emma>
+      </inkml:annotationXML>
+      <inkml:traceGroup>
+        <inkml:annotationXML>
+          <emma:emma xmlns:emma="http://www.w3.org/2003/04/emma" version="1.0">
+            <emma:interpretation id="{151A6CBC-81F8-4CB9-8760-BAEA484A78C8}" emma:medium="tactile" emma:mode="ink">
+              <msink:context xmlns:msink="http://schemas.microsoft.com/ink/2010/main" type="line" rotatedBoundingBox="8873,6993 10160,6993 10160,7445 8873,7445"/>
+            </emma:interpretation>
+          </emma:emma>
+        </inkml:annotationXML>
+        <inkml:traceGroup>
+          <inkml:annotationXML>
+            <emma:emma xmlns:emma="http://www.w3.org/2003/04/emma" version="1.0">
+              <emma:interpretation id="{FB06ACEA-AC18-4BC4-821F-108103CE6C9C}" emma:medium="tactile" emma:mode="ink">
+                <msink:context xmlns:msink="http://schemas.microsoft.com/ink/2010/main" type="inkWord" rotatedBoundingBox="8873,6993 10160,6993 10160,7445 8873,7445"/>
+              </emma:interpretation>
+              <emma:one-of disjunction-type="recognition" id="oneOf1">
+                <emma:interpretation id="interp1" emma:lang="" emma:confidence="1">
+                  <emma:literal/>
+                </emma:interpretation>
+              </emma:one-of>
+            </emma:emma>
+          </inkml:annotationXML>
+          <inkml:trace contextRef="#ctx0" brushRef="#br0" timeOffset="3143.3294">453 661 0,'34'0'15,"1"0"1,0 35 0,0-35-1,0 0 1,-1 0 0,1 0-1,0 0 16,-35-69-15,0 34 0,0 0 15,0 0-15,0 0 62,-35 35-47,0 0 47,35 35-31,-34 0-31,34 0 15,-35 0 47,35-1-31,0 36-32,0-35 64,0 0-64,0-1 1,35-34 15,-1 0 0,1 0 16</inkml:trace>
+          <inkml:trace contextRef="#ctx0" brushRef="#br0" timeOffset="1856.8183">348 453 0,'-104'-35'63,"69"35"-32,0 0-15,0 0-1,1 0 1,68 35 78,1-1-63,0-34-16,0 35 1,0-35 0,-1 0 15,1 0 16,-35 35-16,35 0-15,-35 0 46,0-1-46,0 1 15,0 35-15,-35-70 62,0 0-63,1 0-15,-1 0 32,0 0-1,0 0-15,35-35-1,-35 0 1,35 0 46,0 1 16</inkml:trace>
+          <inkml:trace contextRef="#ctx0" brushRef="#br0" timeOffset="4039.8834">835 557 0,'0'35'31,"0"0"-15,0-1-16,0 1 16,35-35 171,-35-35-140,0 1-31,0-1 30,35 35 1,0 0-15,-1 35 30,-34-1-46,0 1-1,0 0-15,0 0 32,0 0-17</inkml:trace>
+          <inkml:trace contextRef="#ctx0" brushRef="#br0" timeOffset="5511.3959">1322 696 0,'-69'-35'63,"34"35"-63,0 0 16,0 0-1,1 0 1,-1 0-16,0-34 15,0 34 79,35 34-63,35 1-15,0 0 0,0 35 15,-35-36 0,34-34-15,-34 35-1,35-35 48,0 0-32,0 0-15,-35-35-16,0 1 15,0-1 1,0 0-16,0-35 16,0 36-1,0-1-15,0 0 16,0 0 0,0 0-1,0 1 1,0 68 93,0 1-109,0 0 16,0 35-16,0-36 15,35 36 1,-1 0 0,-34-36-1,35-34 1,-35 35 0,35-35-1</inkml:trace>
+        </inkml:traceGroup>
+      </inkml:traceGroup>
+    </inkml:traceGroup>
+  </inkml:traceGroup>
+</inkml:ink>
+</file>
+
+<file path=ppt/ink/ink49.xml><?xml version="1.0" encoding="utf-8"?>
+<inkml:ink xmlns:inkml="http://www.w3.org/2003/InkML">
+  <inkml:definitions>
+    <inkml:context xml:id="ctx0">
+      <inkml:inkSource xml:id="inkSrc0">
+        <inkml:traceFormat>
+          <inkml:channel name="X" type="integer" max="1920" units="cm"/>
+          <inkml:channel name="Y" type="integer" max="1080" units="cm"/>
+          <inkml:channel name="T" type="integer" max="2.14748E9" units="dev"/>
+        </inkml:traceFormat>
+        <inkml:channelProperties>
+          <inkml:channelProperty channel="X" name="resolution" value="36.85221" units="1/cm"/>
+          <inkml:channelProperty channel="Y" name="resolution" value="36.86007" units="1/cm"/>
+          <inkml:channelProperty channel="T" name="resolution" value="1" units="1/dev"/>
+        </inkml:channelProperties>
+      </inkml:inkSource>
+      <inkml:timestamp xml:id="ts0" timeString="2021-04-09T04:09:25.397"/>
+    </inkml:context>
+    <inkml:brush xml:id="br0">
+      <inkml:brushProperty name="width" value="0.06667" units="cm"/>
+      <inkml:brushProperty name="height" value="0.06667" units="cm"/>
+      <inkml:brushProperty name="color" value="#ED1C24"/>
+      <inkml:brushProperty name="fitToCurve" value="1"/>
+    </inkml:brush>
+  </inkml:definitions>
+  <inkml:traceGroup>
+    <inkml:annotationXML>
+      <emma:emma xmlns:emma="http://www.w3.org/2003/04/emma" version="1.0">
+        <emma:interpretation id="{8462528E-D63F-479C-9E1A-3236CF1E0D27}" emma:medium="tactile" emma:mode="ink">
+          <msink:context xmlns:msink="http://schemas.microsoft.com/ink/2010/main" type="inkDrawing" rotatedBoundingBox="4939,2010 7259,13718 5741,14019 3421,2311" semanticType="verticalRange" shapeName="Other">
+            <msink:sourceLink direction="with" ref="{19C79C99-C2E0-4ACA-AD14-29BE7F3FFF11}"/>
+          </msink:context>
+        </emma:interpretation>
+      </emma:emma>
+    </inkml:annotationXML>
+    <inkml:trace contextRef="#ctx0" brushRef="#br0">848 0 0,'-35'0'125,"35"35"-109,-35 69-16,-34 1 16,69-70-16,-35 104 15,0-70-15,-35 71 16,36-1-16,-36 0 15,35 0-15,0-35 16,-69 36-16,69-1 16,-34 35-16,34-35 15,-35 70-15,70-70 16,-34 35-16,-1 0 16,35-105-16,0 36 15,0-1-15,0 35 16,0-34-16,0-36 15,0 1-15,0 34 16,0 35 0,0-34-16,0-36 15,35 71-15,-35-71 16,0 36-16,34-1 16,-34 0-16,35-34 15,-35 0-15,35 34 16,-35-69-16,35 34 15,-35 36-15,35-36 16,-35 1-16,0-1 16,0 36-16,34-1 15,-34-34-15,35 69 16,0-35-16,0 36 16,34 34-16,-34-70 15,-35 35-15,70-35 16,-70-34-16,69 69 15,-69-104-15,35 35 16,-35-36-16,0 1 16,35 35-16,-35-1 15,35 1-15,-35 0 16,34-36-16,-34 36 16,35-35-1,-35 34-15,35 36 16,0-36-16,-35 36 15,35-71-15,-35 36 16,34 69-16,1-34 16,-35-1-16,35 0 15,0 1-15,0-36 16,-1 105-16,-34-139 16,35 139-16,0-104 15,0 34-15,0 0 16,-1 36-16,1-71 15,35 105-15,-70-104 16,35 69-16,34-35 16,1 36-16,-35-36 15,-35-69-15,69 69 16,-34 0-16,-35-69 16,69 104-16,-69-104 15,0 104-15,70-69 16,-35 69-16,0-69 15,-1 34-15,-34-34 16,35 69 0,0-69-16,0 69 0,34-35 15,-69 35 1,35-34-16,0-36 16,0 36-16,0-71 15,-35 36-15,34-35 16,1 0-16,-35-1 15,35 1 1,0 0 0,0 35-16,-1-36 0,-34 1 15,35 0 1,-35 0-16,0 0 16,35-35-16,-35 34 15</inkml:trace>
+  </inkml:traceGroup>
+</inkml:ink>
+</file>
+
 <file path=ppt/ink/ink5.xml><?xml version="1.0" encoding="utf-8"?>
 <inkml:ink xmlns:inkml="http://www.w3.org/2003/InkML">
   <inkml:definitions>
@@ -1546,6 +3658,598 @@
   </inkml:definitions>
   <inkml:trace contextRef="#ctx0" brushRef="#br0">3933 5997 0,'18'0'157,"17"0"-142,-17 0-15,17 0 16,-17 0-1,53 0 1,-19 0 0,1 0-1,-35 0-15,35 0 16,17 0 0,1 0-1,0 0 1,34 0-1,-34 0 1,0 0 0,-1 0 15,1 18-15,-1-18-1,36 18 1,35-1-1,-70-17 1,-1 18 0,18-18-1,-35 17 1,18-17 0,35 18-1,-18-18 1,18 0-1,-18 18 1,18-18 0,0 0 15,52 17-15,-34 1-1,-18 0 1,0-18-1,-18 17 1,0-17 0,-18 0-1,36 0 1,-70 0 0,-1 0-1,0 0 1,0 0-1,-17 0 1,0 0 0,35 0 15,-36 0-15,36 0-1,-18 0 1,1 0-1,-19 0 1,19 0 0,-19 0-1,1-17 1,17 17 0,0-18-1,-17 18 1,0 0-1,17-18 17,-17 1-17,-1 17 1,1-18 0,17 18-1</inkml:trace>
   <inkml:trace contextRef="#ctx0" brushRef="#br0" timeOffset="6735.45">8220 6068 0,'17'0'31,"1"0"-31,0 0 16,17 0 0,18 0 15,17 0-15,1 0-1,17 0 1,-17 0-1,-1 0 1,18-18 0,-35 1-1,-17 17 1,34-18 0,1 18-1,-1 0 1,1 0-1,-1 0 1,-17 0 0,18 0 15,-36 0-31,53 0 16,-35 0-1,106 0 1,70 0-1,-140 0 1,-72 0 0,1 0 187,-1 0-47,1 0-140,0 0-1,-1 0-15,1 0 47,0 0 16</inkml:trace>
+</inkml:ink>
+</file>
+
+<file path=ppt/ink/ink50.xml><?xml version="1.0" encoding="utf-8"?>
+<inkml:ink xmlns:inkml="http://www.w3.org/2003/InkML">
+  <inkml:definitions>
+    <inkml:context xml:id="ctx0">
+      <inkml:inkSource xml:id="inkSrc0">
+        <inkml:traceFormat>
+          <inkml:channel name="X" type="integer" max="1920" units="cm"/>
+          <inkml:channel name="Y" type="integer" max="1080" units="cm"/>
+          <inkml:channel name="T" type="integer" max="2.14748E9" units="dev"/>
+        </inkml:traceFormat>
+        <inkml:channelProperties>
+          <inkml:channelProperty channel="X" name="resolution" value="36.85221" units="1/cm"/>
+          <inkml:channelProperty channel="Y" name="resolution" value="36.86007" units="1/cm"/>
+          <inkml:channelProperty channel="T" name="resolution" value="1" units="1/dev"/>
+        </inkml:channelProperties>
+      </inkml:inkSource>
+      <inkml:timestamp xml:id="ts0" timeString="2021-04-09T04:09:28.500"/>
+    </inkml:context>
+    <inkml:brush xml:id="br0">
+      <inkml:brushProperty name="width" value="0.06667" units="cm"/>
+      <inkml:brushProperty name="height" value="0.06667" units="cm"/>
+      <inkml:brushProperty name="color" value="#ED1C24"/>
+      <inkml:brushProperty name="fitToCurve" value="1"/>
+    </inkml:brush>
+  </inkml:definitions>
+  <inkml:traceGroup>
+    <inkml:annotationXML>
+      <emma:emma xmlns:emma="http://www.w3.org/2003/04/emma" version="1.0">
+        <emma:interpretation id="{9C37EAE3-56CD-416D-9DDE-5B59DE493897}" emma:medium="tactile" emma:mode="ink">
+          <msink:context xmlns:msink="http://schemas.microsoft.com/ink/2010/main" type="writingRegion" rotatedBoundingBox="980,8329 3544,8638 3430,9591 865,9282"/>
+        </emma:interpretation>
+      </emma:emma>
+    </inkml:annotationXML>
+    <inkml:traceGroup>
+      <inkml:annotationXML>
+        <emma:emma xmlns:emma="http://www.w3.org/2003/04/emma" version="1.0">
+          <emma:interpretation id="{93040480-F388-4952-8BD3-4BE40D935423}" emma:medium="tactile" emma:mode="ink">
+            <msink:context xmlns:msink="http://schemas.microsoft.com/ink/2010/main" type="paragraph" rotatedBoundingBox="980,8329 3544,8638 3430,9591 865,9282" alignmentLevel="1"/>
+          </emma:interpretation>
+        </emma:emma>
+      </inkml:annotationXML>
+      <inkml:traceGroup>
+        <inkml:annotationXML>
+          <emma:emma xmlns:emma="http://www.w3.org/2003/04/emma" version="1.0">
+            <emma:interpretation id="{4B2B2E44-B951-4EE1-9896-51035BD352BA}" emma:medium="tactile" emma:mode="ink">
+              <msink:context xmlns:msink="http://schemas.microsoft.com/ink/2010/main" type="line" rotatedBoundingBox="980,8329 3544,8638 3430,9591 865,9282"/>
+            </emma:interpretation>
+          </emma:emma>
+        </inkml:annotationXML>
+        <inkml:traceGroup>
+          <inkml:annotationXML>
+            <emma:emma xmlns:emma="http://www.w3.org/2003/04/emma" version="1.0">
+              <emma:interpretation id="{DF94BF96-35DA-4799-88ED-3853E143EA06}" emma:medium="tactile" emma:mode="ink">
+                <msink:context xmlns:msink="http://schemas.microsoft.com/ink/2010/main" type="inkWord" rotatedBoundingBox="980,8329 2984,8570 2869,9523 865,9282"/>
+              </emma:interpretation>
+              <emma:one-of disjunction-type="recognition" id="oneOf0">
+                <emma:interpretation id="interp0" emma:lang="" emma:confidence="1">
+                  <emma:literal/>
+                </emma:interpretation>
+              </emma:one-of>
+            </emma:emma>
+          </inkml:annotationXML>
+          <inkml:trace contextRef="#ctx0" brushRef="#br0">-35 348 0,'35'0'32,"0"0"-32,0 0 15,0 0 1</inkml:trace>
+          <inkml:trace contextRef="#ctx0" brushRef="#br0" timeOffset="648.4473">139 626 0,'0'35'16,"0"-1"-1,0 1 1,0 0-1</inkml:trace>
+          <inkml:trace contextRef="#ctx0" brushRef="#br0" timeOffset="1135.9884">-35 800 0,'35'0'47,"35"0"-32,-1 0 1,1 0 0,-35 0-16,0 0 15,-1 0-15,1 0 16,0 0-16,0 0 31,0 0-15,-1 0-16,1 0 15,0 0-15,0 0 16</inkml:trace>
+          <inkml:trace contextRef="#ctx0" brushRef="#br0" timeOffset="-608.0076">0 0 0,'35'34'16,"-35"36"0,0 0-16,0-36 15,0 36-15,0-35 16,35 0-16,-35-1 16,0 1-16,0 0 15,35-35-15,-35 35 16,0 0-1,34-35 1,1 0 15,0 0-15,0 34 0,0-34 15</inkml:trace>
+          <inkml:trace contextRef="#ctx0" brushRef="#br0" timeOffset="-303.795">174-35 0,'35'139'15,"-35"-69"-15,0 34 16,35-69-16,-35 34 15,0-34-15,0 35 16</inkml:trace>
+          <inkml:trace contextRef="#ctx0" brushRef="#br0" timeOffset="1601.1281">592 208 0,'35'70'16,"-1"-35"0,1 34-1,-35-34-15,0 0 16,0 35-16,35-36 15,-35 1-15,0 0 16,35 0 0,-35-1-1,35-34 17,-1 0-1,1 0-16,0 0 1,0 0 0,-1 0 31,1 0-47,-35-34 15</inkml:trace>
+          <inkml:trace contextRef="#ctx0" brushRef="#br0" timeOffset="3033.6018">1009 382 0,'0'35'16,"0"35"-16,0-35 15,35-1-15,-35-68 157,0-1-157,0 0 0,35 0 15,-35 0-15,35 35 16,-35-34-16,0-1 16,0 0-1,0 0 16,34 35-31,-34-35 47,35 70 47,-35 35-78,0-1-16,35-34 15,-35 35-15,0-35 16,0 34-16,0-34 16,0 0-1,0-1 32,0 1-31,-35-35-1,0 35 17,1 0-1,68-35 125,1 0-125,0 35-15,-35-1 15,0 1 0,0 0-31,-35-35 32,0 0-1,1 0 0,-1 0 0,35 35 1,0 0-17,35-35 17,-1 34-32,36-34 15,-35 0 1,34 0-16,1 35 15,0-35-15,-1 0 16,-34 0-16,0 0 47,-35-35 15,0 1-46,-35-1 0</inkml:trace>
+          <inkml:trace contextRef="#ctx0" brushRef="#br0" timeOffset="3520.5032">1392 487 0,'104'0'94,"-69"0"-94</inkml:trace>
+          <inkml:trace contextRef="#ctx0" brushRef="#br0" timeOffset="3929.4375">1496 487 0,'0'35'0,"0"-1"31,0 1-15,0 35 0,0-36-16,0 1 15,35 0 1,-35 0-16,35 0 31,0-1-31,-35 1 16,35-35-1,-1 0 17,1 0-17,0 0 1,0 0-1,0 0-15,-35-35 32,0 1-17</inkml:trace>
+          <inkml:trace contextRef="#ctx0" brushRef="#br0" timeOffset="4264.0362">1670 591 0,'35'0'47,"0"-35"-32,-35 1 17</inkml:trace>
+          <inkml:trace contextRef="#ctx0" brushRef="#br0" timeOffset="4697.5967">1705 591 0,'0'35'16,"0"0"-16,0-1 16,0 1-16,0 0 15,0 0-15,0 0 16,35-1-1,0 1-15,-35 0 32,35-35-17,-1 0 17,1-35-17,0 35 16,-35-35-31,0 1 16,0-36 0,0 35-1,35 0 1,-35-34-16</inkml:trace>
+        </inkml:traceGroup>
+        <inkml:traceGroup>
+          <inkml:annotationXML>
+            <emma:emma xmlns:emma="http://www.w3.org/2003/04/emma" version="1.0">
+              <emma:interpretation id="{71F0ADFD-7068-413D-ADA8-76F72B3A1BD4}" emma:medium="tactile" emma:mode="ink">
+                <msink:context xmlns:msink="http://schemas.microsoft.com/ink/2010/main" type="inkWord" rotatedBoundingBox="2979,8623 3538,8691 3464,9302 2905,9235"/>
+              </emma:interpretation>
+              <emma:one-of disjunction-type="recognition" id="oneOf1">
+                <emma:interpretation id="interp1" emma:lang="" emma:confidence="0">
+                  <emma:literal>H</emma:literal>
+                </emma:interpretation>
+                <emma:interpretation id="interp2" emma:lang="" emma:confidence="0">
+                  <emma:literal>n</emma:literal>
+                </emma:interpretation>
+                <emma:interpretation id="interp3" emma:lang="" emma:confidence="0">
+                  <emma:literal>Ⅵ</emma:literal>
+                </emma:interpretation>
+                <emma:interpretation id="interp4" emma:lang="" emma:confidence="0">
+                  <emma:literal>하</emma:literal>
+                </emma:interpretation>
+                <emma:interpretation id="interp5" emma:lang="" emma:confidence="0">
+                  <emma:literal>너</emma:literal>
+                </emma:interpretation>
+              </emma:one-of>
+            </emma:emma>
+          </inkml:annotationXML>
+          <inkml:trace contextRef="#ctx0" brushRef="#br0" timeOffset="5712.4109">1984 417 0,'34'0'0,"1"105"16,-35-71-1,0 36-15,35-1 0,-35-34 16,0 35-16,0-35 15,0-1 1,35-34 31,-35-34 0,0-1-16,0 0 63,0 0-79,0 0 1,0 1-16,0-1 16,35 35-1,-1-35 1,1 35 15,0 0-15,0 0 15,-35-35 16,34 1-47,-34-210 94,0 279-1,35 0-93,-35 34 16,0-34-16,0 35 16,35-36-16,-35 1 15,0 0-15,0 0 16,35-1-16,-35 1 16,35 0-16,-35 0 62,34-35-46</inkml:trace>
+        </inkml:traceGroup>
+      </inkml:traceGroup>
+    </inkml:traceGroup>
+  </inkml:traceGroup>
+</inkml:ink>
+</file>
+
+<file path=ppt/ink/ink51.xml><?xml version="1.0" encoding="utf-8"?>
+<inkml:ink xmlns:inkml="http://www.w3.org/2003/InkML">
+  <inkml:definitions>
+    <inkml:context xml:id="ctx0">
+      <inkml:inkSource xml:id="inkSrc0">
+        <inkml:traceFormat>
+          <inkml:channel name="X" type="integer" max="1920" units="cm"/>
+          <inkml:channel name="Y" type="integer" max="1080" units="cm"/>
+          <inkml:channel name="T" type="integer" max="2.14748E9" units="dev"/>
+        </inkml:traceFormat>
+        <inkml:channelProperties>
+          <inkml:channelProperty channel="X" name="resolution" value="36.85221" units="1/cm"/>
+          <inkml:channelProperty channel="Y" name="resolution" value="36.86007" units="1/cm"/>
+          <inkml:channelProperty channel="T" name="resolution" value="1" units="1/dev"/>
+        </inkml:channelProperties>
+      </inkml:inkSource>
+      <inkml:timestamp xml:id="ts0" timeString="2021-04-09T04:09:05.396"/>
+    </inkml:context>
+    <inkml:brush xml:id="br0">
+      <inkml:brushProperty name="width" value="0.06667" units="cm"/>
+      <inkml:brushProperty name="height" value="0.06667" units="cm"/>
+      <inkml:brushProperty name="color" value="#ED1C24"/>
+      <inkml:brushProperty name="fitToCurve" value="1"/>
+    </inkml:brush>
+  </inkml:definitions>
+  <inkml:traceGroup>
+    <inkml:annotationXML>
+      <emma:emma xmlns:emma="http://www.w3.org/2003/04/emma" version="1.0">
+        <emma:interpretation id="{19C79C99-C2E0-4ACA-AD14-29BE7F3FFF11}" emma:medium="tactile" emma:mode="ink">
+          <msink:context xmlns:msink="http://schemas.microsoft.com/ink/2010/main" type="writingRegion" rotatedBoundingBox="6054,11725 6333,11725 6333,12386 6054,12386">
+            <msink:destinationLink direction="with" ref="{8462528E-D63F-479C-9E1A-3236CF1E0D27}"/>
+          </msink:context>
+        </emma:interpretation>
+      </emma:emma>
+    </inkml:annotationXML>
+    <inkml:traceGroup>
+      <inkml:annotationXML>
+        <emma:emma xmlns:emma="http://www.w3.org/2003/04/emma" version="1.0">
+          <emma:interpretation id="{BBDA4EC0-4044-4F1D-A673-57EF253A8D6D}" emma:medium="tactile" emma:mode="ink">
+            <msink:context xmlns:msink="http://schemas.microsoft.com/ink/2010/main" type="paragraph" rotatedBoundingBox="6054,11725 6333,11725 6333,12386 6054,12386" alignmentLevel="1"/>
+          </emma:interpretation>
+        </emma:emma>
+      </inkml:annotationXML>
+      <inkml:traceGroup>
+        <inkml:annotationXML>
+          <emma:emma xmlns:emma="http://www.w3.org/2003/04/emma" version="1.0">
+            <emma:interpretation id="{AF48E26B-50F0-471C-84E6-038D585A22F2}" emma:medium="tactile" emma:mode="ink">
+              <msink:context xmlns:msink="http://schemas.microsoft.com/ink/2010/main" type="line" rotatedBoundingBox="6054,11725 6333,11725 6333,12386 6054,12386"/>
+            </emma:interpretation>
+          </emma:emma>
+        </inkml:annotationXML>
+        <inkml:traceGroup>
+          <inkml:annotationXML>
+            <emma:emma xmlns:emma="http://www.w3.org/2003/04/emma" version="1.0">
+              <emma:interpretation id="{182E107E-2F81-417F-A065-EACA9E68B7BF}" emma:medium="tactile" emma:mode="ink">
+                <msink:context xmlns:msink="http://schemas.microsoft.com/ink/2010/main" type="inkWord" rotatedBoundingBox="6054,11725 6333,11725 6333,12386 6054,12386"/>
+              </emma:interpretation>
+            </emma:emma>
+          </inkml:annotationXML>
+          <inkml:trace contextRef="#ctx0" brushRef="#br0">209 0 0,'-35'0'32,"0"0"-17,1 0 48,-1 0-1,0 35-46,0-35-1,35 34 1,0 1 31,0 0 31,0 0-62,0 0 15,0-1-31,0 1 31,0 0-15,0 0-16,0 0 62,35-35-46,0 34 31,0 1-32,-35 0 1,34 0-16,-34 0 16,35-35-1,0 34 1,-35 1 0,35-35-1,0 0 16,-35 35-15</inkml:trace>
+        </inkml:traceGroup>
+      </inkml:traceGroup>
+    </inkml:traceGroup>
+  </inkml:traceGroup>
+</inkml:ink>
+</file>
+
+<file path=ppt/ink/ink52.xml><?xml version="1.0" encoding="utf-8"?>
+<inkml:ink xmlns:inkml="http://www.w3.org/2003/InkML">
+  <inkml:definitions>
+    <inkml:context xml:id="ctx0">
+      <inkml:inkSource xml:id="inkSrc0">
+        <inkml:traceFormat>
+          <inkml:channel name="X" type="integer" max="1920" units="cm"/>
+          <inkml:channel name="Y" type="integer" max="1080" units="cm"/>
+          <inkml:channel name="T" type="integer" max="2.14748E9" units="dev"/>
+        </inkml:traceFormat>
+        <inkml:channelProperties>
+          <inkml:channelProperty channel="X" name="resolution" value="36.85221" units="1/cm"/>
+          <inkml:channelProperty channel="Y" name="resolution" value="36.86007" units="1/cm"/>
+          <inkml:channelProperty channel="T" name="resolution" value="1" units="1/dev"/>
+        </inkml:channelProperties>
+      </inkml:inkSource>
+      <inkml:timestamp xml:id="ts0" timeString="2021-04-09T04:11:20.124"/>
+    </inkml:context>
+    <inkml:brush xml:id="br0">
+      <inkml:brushProperty name="width" value="0.06667" units="cm"/>
+      <inkml:brushProperty name="height" value="0.06667" units="cm"/>
+      <inkml:brushProperty name="color" value="#ED1C24"/>
+      <inkml:brushProperty name="fitToCurve" value="1"/>
+    </inkml:brush>
+  </inkml:definitions>
+  <inkml:traceGroup>
+    <inkml:annotationXML>
+      <emma:emma xmlns:emma="http://www.w3.org/2003/04/emma" version="1.0">
+        <emma:interpretation id="{6C9B93F3-1832-4F1A-AC0B-6B971D5B9C67}" emma:medium="tactile" emma:mode="ink">
+          <msink:context xmlns:msink="http://schemas.microsoft.com/ink/2010/main" type="writingRegion" rotatedBoundingBox="8525,8663 9012,8663 9012,9150 8525,9150"/>
+        </emma:interpretation>
+      </emma:emma>
+    </inkml:annotationXML>
+    <inkml:traceGroup>
+      <inkml:annotationXML>
+        <emma:emma xmlns:emma="http://www.w3.org/2003/04/emma" version="1.0">
+          <emma:interpretation id="{AAB2C296-3CB0-4268-A50D-E72B081A0704}" emma:medium="tactile" emma:mode="ink">
+            <msink:context xmlns:msink="http://schemas.microsoft.com/ink/2010/main" type="paragraph" rotatedBoundingBox="8525,8663 9012,8663 9012,9150 8525,9150" alignmentLevel="1"/>
+          </emma:interpretation>
+        </emma:emma>
+      </inkml:annotationXML>
+      <inkml:traceGroup>
+        <inkml:annotationXML>
+          <emma:emma xmlns:emma="http://www.w3.org/2003/04/emma" version="1.0">
+            <emma:interpretation id="{8A6A2B50-D2E5-4823-9B9E-DECC70C57EBC}" emma:medium="tactile" emma:mode="ink">
+              <msink:context xmlns:msink="http://schemas.microsoft.com/ink/2010/main" type="line" rotatedBoundingBox="8525,8663 9012,8663 9012,9150 8525,9150"/>
+            </emma:interpretation>
+          </emma:emma>
+        </inkml:annotationXML>
+        <inkml:traceGroup>
+          <inkml:annotationXML>
+            <emma:emma xmlns:emma="http://www.w3.org/2003/04/emma" version="1.0">
+              <emma:interpretation id="{C4AFF8C8-BB26-46D9-9416-F3D99B95B988}" emma:medium="tactile" emma:mode="ink">
+                <msink:context xmlns:msink="http://schemas.microsoft.com/ink/2010/main" type="inkWord" rotatedBoundingBox="8525,8663 9012,8663 9012,9150 8525,9150"/>
+              </emma:interpretation>
+              <emma:one-of disjunction-type="recognition" id="oneOf0">
+                <emma:interpretation id="interp0" emma:lang="" emma:confidence="0">
+                  <emma:literal>3</emma:literal>
+                </emma:interpretation>
+                <emma:interpretation id="interp1" emma:lang="" emma:confidence="0">
+                  <emma:literal>ㄱ</emma:literal>
+                </emma:interpretation>
+                <emma:interpretation id="interp2" emma:lang="" emma:confidence="0">
+                  <emma:literal>)</emma:literal>
+                </emma:interpretation>
+                <emma:interpretation id="interp3" emma:lang="" emma:confidence="0">
+                  <emma:literal>7</emma:literal>
+                </emma:interpretation>
+                <emma:interpretation id="interp4" emma:lang="" emma:confidence="0">
+                  <emma:literal>]</emma:literal>
+                </emma:interpretation>
+              </emma:one-of>
+            </emma:emma>
+          </inkml:annotationXML>
+          <inkml:trace contextRef="#ctx0" brushRef="#br0">0 0 0,'104'0'94,"-69"0"-79,34 0-15,-34 35 16,0-35-16,35 35 15,-36-35-15,-34 34 16,35 1 0,0-35-16,-35 35 15,0 0 1,35-35 0,-35 35-1,0-1 1,0 1-1,0 0 1,0 0 15,0-1-15,-35-34 0,35 35-16,-35-35 31,0 0-16,1 0 32,-1 35-31</inkml:trace>
+        </inkml:traceGroup>
+      </inkml:traceGroup>
+    </inkml:traceGroup>
+  </inkml:traceGroup>
+</inkml:ink>
+</file>
+
+<file path=ppt/ink/ink53.xml><?xml version="1.0" encoding="utf-8"?>
+<inkml:ink xmlns:inkml="http://www.w3.org/2003/InkML">
+  <inkml:definitions>
+    <inkml:context xml:id="ctx0">
+      <inkml:inkSource xml:id="inkSrc0">
+        <inkml:traceFormat>
+          <inkml:channel name="X" type="integer" max="1920" units="cm"/>
+          <inkml:channel name="Y" type="integer" max="1080" units="cm"/>
+          <inkml:channel name="T" type="integer" max="2.14748E9" units="dev"/>
+        </inkml:traceFormat>
+        <inkml:channelProperties>
+          <inkml:channelProperty channel="X" name="resolution" value="36.85221" units="1/cm"/>
+          <inkml:channelProperty channel="Y" name="resolution" value="36.86007" units="1/cm"/>
+          <inkml:channelProperty channel="T" name="resolution" value="1" units="1/dev"/>
+        </inkml:channelProperties>
+      </inkml:inkSource>
+      <inkml:timestamp xml:id="ts0" timeString="2021-04-09T00:43:28.400"/>
+    </inkml:context>
+    <inkml:brush xml:id="br0">
+      <inkml:brushProperty name="width" value="0.06667" units="cm"/>
+      <inkml:brushProperty name="height" value="0.06667" units="cm"/>
+      <inkml:brushProperty name="color" value="#ED1C24"/>
+      <inkml:brushProperty name="fitToCurve" value="1"/>
+    </inkml:brush>
+  </inkml:definitions>
+  <inkml:traceGroup>
+    <inkml:annotationXML>
+      <emma:emma xmlns:emma="http://www.w3.org/2003/04/emma" version="1.0">
+        <emma:interpretation id="{3688EDD0-34BE-42E3-8EA6-26D56FFDD373}" emma:medium="tactile" emma:mode="ink">
+          <msink:context xmlns:msink="http://schemas.microsoft.com/ink/2010/main" type="inkDrawing" rotatedBoundingBox="4333,6247 13549,8834 13496,9023 4279,6436" semanticType="callout" shapeName="Other"/>
+        </emma:interpretation>
+      </emma:emma>
+    </inkml:annotationXML>
+    <inkml:trace contextRef="#ctx0" brushRef="#br0">0 0 0,'104'0'62,"35"0"-62,70 70 16,69-1-16,1 36 15,69-36-15,104 105 16,35-69-16,105 69 16,-140-35-16,35-70 15,-35 105-15,-69-174 16,-104 70-16,-1 0 16,-35-1-16,-34 1 15,-70-70-15,35 69 16,-34-34-16,-106 0 15,71 0-15,-70-35 16,-1 0-16,1 0 16,0 34-1,0 1-15,0-35 16,34 0-16,-34 35 16,0 0-16,34-35 15,-34 0-15,0 35 16,0-35-1,34 34-15,-34-34 16,0 35-16,0 0 16,69-35-16,-34 35 15,-1 0-15,70-1 16,-104-34-16,0 0 16,69 0-16,-34 35 15,-35 0 1,0-35-16,34 35 15,-34-35-15,34 0 16,-34 35 0,0-35-16,35 0 15,-1 34-15,-34-34 16,0 35-16,34-35 16,1 35-16,-35-35 15,0 0 16,-1 35-15,36-35-16,-35 35 16,34-1-16,-34 1 15,0-35-15,0 0 16,34 0-16,-34 35 16,0-35-1,0 0 1,0 0 15,-1 35-31,1-35 31,0 0-15,0 35 0,0-35-16,-1 34 15,1 1 16,0-35-15,34 0 15,-69 35-15,35-35 15</inkml:trace>
+  </inkml:traceGroup>
+</inkml:ink>
+</file>
+
+<file path=ppt/ink/ink54.xml><?xml version="1.0" encoding="utf-8"?>
+<inkml:ink xmlns:inkml="http://www.w3.org/2003/InkML">
+  <inkml:definitions>
+    <inkml:context xml:id="ctx0">
+      <inkml:inkSource xml:id="inkSrc0">
+        <inkml:traceFormat>
+          <inkml:channel name="X" type="integer" max="1920" units="cm"/>
+          <inkml:channel name="Y" type="integer" max="1080" units="cm"/>
+          <inkml:channel name="T" type="integer" max="2.14748E9" units="dev"/>
+        </inkml:traceFormat>
+        <inkml:channelProperties>
+          <inkml:channelProperty channel="X" name="resolution" value="36.85221" units="1/cm"/>
+          <inkml:channelProperty channel="Y" name="resolution" value="36.86007" units="1/cm"/>
+          <inkml:channelProperty channel="T" name="resolution" value="1" units="1/dev"/>
+        </inkml:channelProperties>
+      </inkml:inkSource>
+      <inkml:timestamp xml:id="ts0" timeString="2021-04-09T00:45:50.856"/>
+    </inkml:context>
+    <inkml:brush xml:id="br0">
+      <inkml:brushProperty name="width" value="0.06667" units="cm"/>
+      <inkml:brushProperty name="height" value="0.06667" units="cm"/>
+      <inkml:brushProperty name="color" value="#ED1C24"/>
+      <inkml:brushProperty name="fitToCurve" value="1"/>
+    </inkml:brush>
+  </inkml:definitions>
+  <inkml:traceGroup>
+    <inkml:annotationXML>
+      <emma:emma xmlns:emma="http://www.w3.org/2003/04/emma" version="1.0">
+        <emma:interpretation id="{8CDBD74A-3ED8-476B-961A-D21245896CC4}" emma:medium="tactile" emma:mode="ink">
+          <msink:context xmlns:msink="http://schemas.microsoft.com/ink/2010/main" type="writingRegion" rotatedBoundingBox="646,3931 2355,3840 2398,4643 688,4734"/>
+        </emma:interpretation>
+      </emma:emma>
+    </inkml:annotationXML>
+    <inkml:traceGroup>
+      <inkml:annotationXML>
+        <emma:emma xmlns:emma="http://www.w3.org/2003/04/emma" version="1.0">
+          <emma:interpretation id="{ADE8C464-FD94-426E-85DF-0FC39BCD770A}" emma:medium="tactile" emma:mode="ink">
+            <msink:context xmlns:msink="http://schemas.microsoft.com/ink/2010/main" type="paragraph" rotatedBoundingBox="646,3931 2355,3840 2398,4643 688,4734" alignmentLevel="1"/>
+          </emma:interpretation>
+        </emma:emma>
+      </inkml:annotationXML>
+      <inkml:traceGroup>
+        <inkml:annotationXML>
+          <emma:emma xmlns:emma="http://www.w3.org/2003/04/emma" version="1.0">
+            <emma:interpretation id="{C2CEDE49-4427-4F21-BFC8-C3AF431E265A}" emma:medium="tactile" emma:mode="ink">
+              <msink:context xmlns:msink="http://schemas.microsoft.com/ink/2010/main" type="line" rotatedBoundingBox="646,3931 2355,3840 2398,4643 688,4734"/>
+            </emma:interpretation>
+          </emma:emma>
+        </inkml:annotationXML>
+        <inkml:traceGroup>
+          <inkml:annotationXML>
+            <emma:emma xmlns:emma="http://www.w3.org/2003/04/emma" version="1.0">
+              <emma:interpretation id="{DE241308-293F-4065-9939-5229B8A9ABA9}" emma:medium="tactile" emma:mode="ink">
+                <msink:context xmlns:msink="http://schemas.microsoft.com/ink/2010/main" type="inkWord" rotatedBoundingBox="646,3931 1831,3868 1860,4413 675,4476"/>
+              </emma:interpretation>
+              <emma:one-of disjunction-type="recognition" id="oneOf0">
+                <emma:interpretation id="interp0" emma:lang="" emma:confidence="1">
+                  <emma:literal/>
+                </emma:interpretation>
+              </emma:one-of>
+            </emma:emma>
+          </inkml:annotationXML>
+          <inkml:trace contextRef="#ctx0" brushRef="#br0">696 35 0,'35'0'32,"-35"69"-32,0 1 15,0-1-15,0 1 16,0 0-16,0-36 15,0 1-15,0 0 16</inkml:trace>
+          <inkml:trace contextRef="#ctx0" brushRef="#br0" timeOffset="-695.8122">0 0 0,'0'69'62,"0"-34"-46,0 0-1,0 35-15,0-1 16,35-34 0,-35 35-1,35-36 1,-1 1-1,-34 0-15,35-35 16,0 0 0,35 35-1,-36-35 17,1 0-17,0 0 1,0 0-1,0 0 1,-1 0 15,-34-35 1,35 35-17,-35-70-15,0 36 16,0-1-16,35-35 15,-35 35 1,0 1-16,0-1 16,0 0-16,0 0 15,0 0-15,0 1 16</inkml:trace>
+          <inkml:trace contextRef="#ctx0" brushRef="#br0" timeOffset="864.051">835 104 0,'70'0'46,"-35"-35"-30,-1 35 0,1 0 15,0 0 0,0 0-15,0 0-1,-1 35 1,-34 0 0,35 0-16,-35 0 15,0-1-15,0 36 32,0-35-17,0 0 32,-35-35-31,1 0-1,34 34-15,-35-34 32,0 0-17,0 0 1,-34 0-1,34 0 1,0 0 0,0 0 15,0 0 0</inkml:trace>
+        </inkml:traceGroup>
+        <inkml:traceGroup>
+          <inkml:annotationXML>
+            <emma:emma xmlns:emma="http://www.w3.org/2003/04/emma" version="1.0">
+              <emma:interpretation id="{F15359AE-3E68-4D6B-B384-F3AC4D412612}" emma:medium="tactile" emma:mode="ink">
+                <msink:context xmlns:msink="http://schemas.microsoft.com/ink/2010/main" type="inkWord" rotatedBoundingBox="2014,3938 2359,3920 2398,4643 2053,4662"/>
+              </emma:interpretation>
+              <emma:one-of disjunction-type="recognition" id="oneOf1">
+                <emma:interpretation id="interp1" emma:lang="" emma:confidence="0">
+                  <emma:literal>P</emma:literal>
+                </emma:interpretation>
+                <emma:interpretation id="interp2" emma:lang="" emma:confidence="0">
+                  <emma:literal>p</emma:literal>
+                </emma:interpretation>
+                <emma:interpretation id="interp3" emma:lang="" emma:confidence="0">
+                  <emma:literal>尸</emma:literal>
+                </emma:interpretation>
+                <emma:interpretation id="interp4" emma:lang="" emma:confidence="0">
+                  <emma:literal>『</emma:literal>
+                </emma:interpretation>
+                <emma:interpretation id="interp5" emma:lang="" emma:confidence="0">
+                  <emma:literal>n</emma:literal>
+                </emma:interpretation>
+              </emma:one-of>
+            </emma:emma>
+          </inkml:annotationXML>
+          <inkml:trace contextRef="#ctx0" brushRef="#br0" timeOffset="1463.9164">1392 139 0,'0'35'0,"0"69"15,0-69-15,0 35 16,0-1-16,0 1 16,0-1-16,0-34 15,0 35-15,0-35 16</inkml:trace>
+          <inkml:trace contextRef="#ctx0" brushRef="#br0" timeOffset="2384.087">1427 104 0,'69'-104'62,"-34"104"-31,0 0 1,0 0-1,-1 0-16,-34 35-15,35-35 16,-35 34-16,35 1 16,-35 0-1,0 0-15,0 0 16,0-1 0,0 1-16,0 0 15,0 0 16,0 0 1,-35-35 15,0 0-16,1 0 0,-1 0 0,0 0-15,0 0 0,0 0 30,35-35 1</inkml:trace>
+        </inkml:traceGroup>
+      </inkml:traceGroup>
+    </inkml:traceGroup>
+  </inkml:traceGroup>
+</inkml:ink>
+</file>
+
+<file path=ppt/ink/ink55.xml><?xml version="1.0" encoding="utf-8"?>
+<inkml:ink xmlns:inkml="http://www.w3.org/2003/InkML">
+  <inkml:definitions>
+    <inkml:context xml:id="ctx0">
+      <inkml:inkSource xml:id="inkSrc0">
+        <inkml:traceFormat>
+          <inkml:channel name="X" type="integer" max="1920" units="cm"/>
+          <inkml:channel name="Y" type="integer" max="1080" units="cm"/>
+          <inkml:channel name="T" type="integer" max="2.14748E9" units="dev"/>
+        </inkml:traceFormat>
+        <inkml:channelProperties>
+          <inkml:channelProperty channel="X" name="resolution" value="36.85221" units="1/cm"/>
+          <inkml:channelProperty channel="Y" name="resolution" value="36.86007" units="1/cm"/>
+          <inkml:channelProperty channel="T" name="resolution" value="1" units="1/dev"/>
+        </inkml:channelProperties>
+      </inkml:inkSource>
+      <inkml:timestamp xml:id="ts0" timeString="2021-04-09T07:10:00.519"/>
+    </inkml:context>
+    <inkml:brush xml:id="br0">
+      <inkml:brushProperty name="width" value="0.06667" units="cm"/>
+      <inkml:brushProperty name="height" value="0.06667" units="cm"/>
+      <inkml:brushProperty name="color" value="#ED1C24"/>
+      <inkml:brushProperty name="fitToCurve" value="1"/>
+    </inkml:brush>
+  </inkml:definitions>
+  <inkml:traceGroup>
+    <inkml:annotationXML>
+      <emma:emma xmlns:emma="http://www.w3.org/2003/04/emma" version="1.0">
+        <emma:interpretation id="{9AB8444A-574D-4456-8C01-DCD4CE17B215}" emma:medium="tactile" emma:mode="ink">
+          <msink:context xmlns:msink="http://schemas.microsoft.com/ink/2010/main" type="inkDrawing" rotatedBoundingBox="4259,10895 23499,11184 23479,12545 4238,12256" hotPoints="8457,10970 22116,11610 23161,12394 5043,12212" semanticType="enclosure" shapeName="Rectangle"/>
+        </emma:interpretation>
+      </emma:emma>
+    </inkml:annotationXML>
+    <inkml:trace contextRef="#ctx0" brushRef="#br0">4255 0 0,'0'35'47,"0"0"-15,0 0-1,0 0 0,0-1 0,0 1 16,0 0-16,0 0 1,0 0-1,0-1 0,0 1-15,0 0-1,-35-35 1,35 35-16,-35-35 16,35 35-16,-35-1 15,1 1 1,-1 0-16,0 0 31,0-1-31,1-34 31,-1 35 1,0 0-17,0-35 1,0 0 0,1 35-16,-1-35 15,0 35 1,0-35-16,0 34 15,-34-34 1,-1 0 0,1 35-16,34-35 15,-70 0-15,1 0 16,0 0-16,34 0 16,-34 0-16,34 0 15,-34 0-15,34 0 16,-34 0-16,69 0 15,-69 0-15,34 0 16,0 0-16,1 0 16,34 0-16,-69 0 15,34 0-15,35 0 16,0 0-16,1 0 16,-36 0-16,0 0 15,36 0-15,-36 0 16,35 0-16,0 0 15,1 0 1,-36 0-16,1 0 16,34 0-16,0 0 15,0 0-15,0 0 16,1 0-16,-1 0 16,0 0-16,0 0 15,0 0-15,-34 0 16,34 0-16,-35-35 15,36 35-15,-1 0 16,0 0-16,-35 0 16,36 0-16,-36 0 15,0 0-15,36 0 16,-36 0-16,0 0 16,36 0-1,-1 0-15,0 0 16,0 0-1,0 0-15,1 0 16,-1 0 0,0 0 15,0 0 0,-34 0-15,34 35 78,35 0-48,0 0-46,0 0 47,0-1-31,35 1 0,-35 0-1,35 0 16,-1-35 16,-34 35-31,35-35 0,0 0-1,0 0 1,-1 34-1,1-34 1,0 0-16,35 0 16,-36 0-16,36 0 15,-35 0-15,34 35 16,1-35-16,0 0 16,-1 35-16,36-35 15,-36 0-15,1 0 16,-1 0-16,1 0 15,0 0-15,-36 0 16,71 0-16,-70 0 16,34 0-16,-34 0 15,0 0-15,69 35 16,-69-35-16,34 0 16,-34 0-16,35 0 15,-35 0 1,-1 0-16,36 0 15,-35 0-15,0 0 16,-1 0-16,1 0 16,0 0-16,35 0 15,-36 0-15,1 0 16,35 0-16,-35 0 16,34 0-16,1 0 15,-35 0-15,34 0 16,1 0-1,-36 0-15,36 0 16,-35 0-16,69 0 16,-34 0-16,34 0 15,-34 0-15,34 0 16,-34 0-16,34 0 16,1 0-16,-1 0 15,0 0-15,1 35 16,34-35-16,-35 0 15,1 0-15,34 0 16,-35 0-16,1 0 16,-1 0-1,35 0-15,35 0 0,-35 0 16,0 0 0,35 0-16,-69 0 15,69 0-15,-35 34 16,-69-34-16,-1 0 15,70 0-15,-34 35 16,-1-35-16,35 0 16,0 0-16,1 0 15,34 0-15,-35 0 16,70 0-16,-1 0 16,-34 0-16,35 0 15,-35 0-15,0 0 16,35 0-16,0 0 15,-1 0-15,-103 0 16,103 0-16,1 0 16,0 0-16,0 0 15,0 0-15,34 0 16,1 0-16,-1 0 16,-34 0-16,35 0 15,-1 0-15,-34 0 16,34 0-16,-69 0 15,70 0-15,-105 0 16,0 0 0,35 0-16,-35 0 15,-34 0-15,34 0 16,-35 0-16,1 0 16,-1 0-16,1 0 15,-36 0-15,36 0 16,-36 0-16,70 0 15,1 0-15,-36 0 16,70 0-16,-70 0 16,1 0-16,-1 0 15,35 0-15,0 0 16,-34 0-16,-1 0 16,35 0-16,-34 0 15,-1 0-15,-34 0 16,-1 0-16,1 0 15,-1 0-15,1 0 16,-35 0-16,34 0 16,36 0-16,-36 0 15,71 0-15,-71 0 16,1 0-16,-1 0 16,1 0-16,-35 0 15,69 0 1,-69 0-16,34 0 15,36 0-15,-36 0 16,71 0-16,-106 0 16,71 0-16,-1 0 15,-34 0-15,-35 0 16,34 0-16,1 0 16,-35 0-16,69 0 15,-34 0-15,-1 0 16,1 0-16,-1 0 15,36 0-15,-36 0 16,36 0-16,-36 0 16,1 0-16,34 0 15,-69 0-15,35 0 16,-36 0 0,1 0-1,0 0 1,0 0-1,0 0 17,-1-35-17,36 35 1,-70-34-16,70-1 16,-36 0-16,1 35 15,0-35-15,0 0 31,0 35-15,-1-34 15,-34-1 110,-34 0-125,-1 35-1,35-35-15,-35 0 16,0 1-1,0-1 1,1 35 0,34-35-16,-35 35 15,-35-35 1,35 0-16,-34 1 16,-70-36-16,69 35 15,-34 0-15,34 1 16,-34-1-16,-36 0 15,36 0-15,0 35 16,-35-34-16,34 34 16,-34-35-16,-35 35 15,35 0-15,-35 0 16,35 0-16,-1 0 16,1 0-16,0 0 15,0 0-15,69 0 16,-34 0-16,-35 0 15,0 0-15,34 0 16,-69 0-16,0 0 16,35 0-16,-70 0 15,35 35-15,70-1 16,-35-34-16,34 35 16,1-35-16,-35 0 15,0 0-15,-35 70 16,35-70-1,-35 0-15,34 34 16,-34-34-16,35 0 16,0 0-16,0 0 15,0 0-15,34 0 16,1 0-16,-70 0 16,70 0-16,34 0 15,-34 0-15,34 35 16,0-35-16,36 0 15,-36 0-15,35 0 16,-34 0-16,34 0 16,0 0-16,0 0 15,-34 0-15,34 0 16,0 0-16,0 0 16,-34 0-1,34 0 1,0 0-1,0 0 1,1 0-16,-1 0 16,0 0-1,0 0 1,0 0 0,1 0-16,-1 0 15,0 0 1,0 0 15,0 0-15,1 0-16,-1 0 15,-35-35 1,35 35-16,1 0 16,-36-34-16,35 34 15,0-35-15,-34 35 16,-1 0-1,70-35-15,-35 35 16,1 0 0,-1 0-1,0-35 1,0 35 0,35-34-1,-35 34-15,1 0 16,-1-35-1,0 35 32,0 0-31,1-35 0,-1 35-16,0-35 15,0 35-15,35-35 16,-104 1-16,69 34 15,-35-35-15,1 35 16,-1-70-16,1 70 16,-1 0-16,-34-35 15,69 35-15,-70-34 16,1 34-16,0-35 16,34 35-16,-69 0 15,35 0-15,-1-35 16,36 35-16,-1 0 15,0 0-15,1 0 16,34 0-16,-35 0 16,36 0-16,-71 0 15,36 0-15,-1 0 16,0 0-16,-34 0 16,69 0-16,-69 0 15,0 0 1,-1 0-16,1 0 15,-1 0-15,-34 0 16,35 0-16,-35 0 16,-35 0-16,34 0 15,1 0-15,0 0 16,35 0-16,-1 0 16,-34 0-16,35 0 15,34 0-15,1 0 16,-1 0-16,35 0 15,0 0-15,-34 0 16,34 0 0,0 0-1,0 0 17,1 0-1,-1 0 0,0 0-15,0 0 15,0 0-15,-34 0-1,-1 0 1,36 0-16,-1 0 15,0 0 1,-35 0-16,36 0 16,-1 0-1,0 0-15,0 0 16,0 0 0,1 0-1,-1 0 1,0 0 31,0 0 0,0 0 15,1 0 16,-1 0 32,0 0-95,0 0 1,0 0-16,1 0 15,-1 0 32</inkml:trace>
+    <inkml:trace contextRef="#ctx0" brushRef="#br0" timeOffset="2040.5565">4603 314 0,'-35'0'0,"0"0"15,0-35-15,-34 35 16,34 0-16,-35 0 16,1 0-16,-36 0 15,1 0-15,35 0 16,-71 0-16,71 0 15,-1 0-15,1 0 16,-1 0-16,35 0 16,-69 0-16,34 0 15,1 0-15,-1 0 16,35 0-16,-34 0 16,-1 0-16,35 0 15,0 0 1,1 0-1,-1 0 1,0 0 15,0 0-15,0 0 0,35 35-16,-34-35 15,-1 0 16,35 34-31,-35 1 16,0-35 0,35 35 31,-34 0-47,34 0 15,0-1 1,0 1-1,0 0 17</inkml:trace>
+  </inkml:traceGroup>
+</inkml:ink>
+</file>
+
+<file path=ppt/ink/ink56.xml><?xml version="1.0" encoding="utf-8"?>
+<inkml:ink xmlns:inkml="http://www.w3.org/2003/InkML">
+  <inkml:definitions>
+    <inkml:context xml:id="ctx0">
+      <inkml:inkSource xml:id="inkSrc0">
+        <inkml:traceFormat>
+          <inkml:channel name="X" type="integer" max="1920" units="cm"/>
+          <inkml:channel name="Y" type="integer" max="1080" units="cm"/>
+          <inkml:channel name="T" type="integer" max="2.14748E9" units="dev"/>
+        </inkml:traceFormat>
+        <inkml:channelProperties>
+          <inkml:channelProperty channel="X" name="resolution" value="36.85221" units="1/cm"/>
+          <inkml:channelProperty channel="Y" name="resolution" value="36.86007" units="1/cm"/>
+          <inkml:channelProperty channel="T" name="resolution" value="1" units="1/dev"/>
+        </inkml:channelProperties>
+      </inkml:inkSource>
+      <inkml:timestamp xml:id="ts0" timeString="2021-04-09T07:10:05.015"/>
+    </inkml:context>
+    <inkml:brush xml:id="br0">
+      <inkml:brushProperty name="width" value="0.06667" units="cm"/>
+      <inkml:brushProperty name="height" value="0.06667" units="cm"/>
+      <inkml:brushProperty name="color" value="#ED1C24"/>
+      <inkml:brushProperty name="fitToCurve" value="1"/>
+    </inkml:brush>
+  </inkml:definitions>
+  <inkml:traceGroup>
+    <inkml:annotationXML>
+      <emma:emma xmlns:emma="http://www.w3.org/2003/04/emma" version="1.0">
+        <emma:interpretation id="{4E4CD5CD-F31D-4F4E-ACFA-BD19E1307384}" emma:medium="tactile" emma:mode="ink">
+          <msink:context xmlns:msink="http://schemas.microsoft.com/ink/2010/main" type="writingRegion" rotatedBoundingBox="12477,9218 14834,9958 14369,11439 12012,10699"/>
+        </emma:interpretation>
+      </emma:emma>
+    </inkml:annotationXML>
+    <inkml:traceGroup>
+      <inkml:annotationXML>
+        <emma:emma xmlns:emma="http://www.w3.org/2003/04/emma" version="1.0">
+          <emma:interpretation id="{8E3D5D4B-C651-4112-99E8-2A5B88E5B7FF}" emma:medium="tactile" emma:mode="ink">
+            <msink:context xmlns:msink="http://schemas.microsoft.com/ink/2010/main" type="paragraph" rotatedBoundingBox="12477,9218 14834,9958 14369,11439 12012,10699" alignmentLevel="1"/>
+          </emma:interpretation>
+        </emma:emma>
+      </inkml:annotationXML>
+      <inkml:traceGroup>
+        <inkml:annotationXML>
+          <emma:emma xmlns:emma="http://www.w3.org/2003/04/emma" version="1.0">
+            <emma:interpretation id="{C44A078D-B1F3-4329-B9FB-B8D4A8F8AE7B}" emma:medium="tactile" emma:mode="ink">
+              <msink:context xmlns:msink="http://schemas.microsoft.com/ink/2010/main" type="line" rotatedBoundingBox="12477,9218 14834,9958 14369,11439 12012,10699"/>
+            </emma:interpretation>
+          </emma:emma>
+        </inkml:annotationXML>
+        <inkml:traceGroup>
+          <inkml:annotationXML>
+            <emma:emma xmlns:emma="http://www.w3.org/2003/04/emma" version="1.0">
+              <emma:interpretation id="{7C5B9824-EE4F-434B-8D9E-0A4866CDFADB}" emma:medium="tactile" emma:mode="ink">
+                <msink:context xmlns:msink="http://schemas.microsoft.com/ink/2010/main" type="inkWord" rotatedBoundingBox="12241,9911 13166,9756 13224,10106 12300,10261"/>
+              </emma:interpretation>
+              <emma:one-of disjunction-type="recognition" id="oneOf0">
+                <emma:interpretation id="interp0" emma:lang="" emma:confidence="1">
+                  <emma:literal/>
+                </emma:interpretation>
+              </emma:one-of>
+            </emma:emma>
+          </inkml:annotationXML>
+          <inkml:trace contextRef="#ctx0" brushRef="#br0">800-105 0,'35'35'16,"-35"0"-16,0 35 15,0-1-15,35-69 16,-35 35-16,0 0 16</inkml:trace>
+          <inkml:trace contextRef="#ctx0" brushRef="#br0" timeOffset="304.5551">870 35 0,'34'0'63,"-34"-35"-63,35 35 0</inkml:trace>
+          <inkml:trace contextRef="#ctx0" brushRef="#br0" timeOffset="-799.251">0 69 0,'34'0'15,"71"0"1,-36-34-16,1 34 15,69-35-15,-104 35 16,69 0-16,-69 0 16</inkml:trace>
+          <inkml:trace contextRef="#ctx0" brushRef="#br0" timeOffset="-335.1601">139 35 0,'0'34'16,"0"36"-16,0-35 16,0 0-1,0-1 1,0 1 0,0 0-1,35-35 63,69 0-62,-69 0-16,104 0 16,-69-35-16,-1 0 15,-34 35-15,35 0 16</inkml:trace>
+        </inkml:traceGroup>
+        <inkml:traceGroup>
+          <inkml:annotationXML>
+            <emma:emma xmlns:emma="http://www.w3.org/2003/04/emma" version="1.0">
+              <emma:interpretation id="{E8C80068-CDA6-407D-B043-20E14D119351}" emma:medium="tactile" emma:mode="ink">
+                <msink:context xmlns:msink="http://schemas.microsoft.com/ink/2010/main" type="inkWord" rotatedBoundingBox="12954,10592 13023,10614 12907,10980 12839,10959"/>
+              </emma:interpretation>
+              <emma:one-of disjunction-type="recognition" id="oneOf1">
+                <emma:interpretation id="interp1" emma:lang="" emma:confidence="0">
+                  <emma:literal>」</emma:literal>
+                </emma:interpretation>
+                <emma:interpretation id="interp2" emma:lang="" emma:confidence="0">
+                  <emma:literal>1</emma:literal>
+                </emma:interpretation>
+                <emma:interpretation id="interp3" emma:lang="" emma:confidence="0">
+                  <emma:literal>l</emma:literal>
+                </emma:interpretation>
+                <emma:interpretation id="interp4" emma:lang="" emma:confidence="0">
+                  <emma:literal>8</emma:literal>
+                </emma:interpretation>
+                <emma:interpretation id="interp5" emma:lang="" emma:confidence="0">
+                  <emma:literal>d</emma:literal>
+                </emma:interpretation>
+              </emma:one-of>
+            </emma:emma>
+          </inkml:annotationXML>
+          <inkml:trace contextRef="#ctx0" brushRef="#br0" timeOffset="5072.5726">591 1078 0,'35'0'31,"-35"-34"-31,35-36 16,0 35-1,-1-34-15,-34 34 16,0 0 0,0 0-16,35 35 15,-35-35 16</inkml:trace>
+        </inkml:traceGroup>
+        <inkml:traceGroup>
+          <inkml:annotationXML>
+            <emma:emma xmlns:emma="http://www.w3.org/2003/04/emma" version="1.0">
+              <emma:interpretation id="{F72E030A-9021-4E23-8D83-8807242FB2FE}" emma:medium="tactile" emma:mode="ink">
+                <msink:context xmlns:msink="http://schemas.microsoft.com/ink/2010/main" type="inkWord" rotatedBoundingBox="13314,9481 14834,9958 14496,11033 12976,10556"/>
+              </emma:interpretation>
+              <emma:one-of disjunction-type="recognition" id="oneOf2">
+                <emma:interpretation id="interp6" emma:lang="" emma:confidence="1">
+                  <emma:literal/>
+                </emma:interpretation>
+              </emma:one-of>
+            </emma:emma>
+          </inkml:annotationXML>
+          <inkml:trace contextRef="#ctx0" brushRef="#br0" timeOffset="3561.4868">2087 730 0,'35'0'47,"0"0"-32,35 0 1,-36 0-1,1 0-15,0 0 79,-35 35-64,0 0 1,0 0-1,-35 0-15,0-35 32,35 34-32,-34-34 15,-36 0 17,35 0-17,0 0-15,-34 0 16,34 0-1,35 35 126,0 0-125,0 0-16,0 0 31,35-35-15,0 0-16,-1 0 46,-34 34-30,35-34 0,-35 35-1,35-35 1,0 0 15,0 0 0,-1 0 32</inkml:trace>
+          <inkml:trace contextRef="#ctx0" brushRef="#br0" timeOffset="576.2007">974-105 0,'0'35'31,"0"35"-15,0-35-16,0-1 15,0 1 1,35 0-16</inkml:trace>
+          <inkml:trace contextRef="#ctx0" brushRef="#br0" timeOffset="1199.9918">1183 0 0,'34'0'16,"1"0"-1,0 0 1,0 0 15,0 0 1,-1 35 14,-34-1 1,0 1-31,0 0-16,0 0 16,0 34-16,0 1 15,-34-35-15,34 0 16,-35-1-16,35 1 15,0 0-15,0 0 16</inkml:trace>
+          <inkml:trace contextRef="#ctx0" brushRef="#br0" timeOffset="1568.3815">1531-35 0,'0'70'16,"0"-1"-16,0 36 16,34-1-16,1-34 15,-35 34-15,0 0 16,0 1-16,35-1 15,-35-34-15,35-36 16,-35 1-16</inkml:trace>
+          <inkml:trace contextRef="#ctx0" brushRef="#br0" timeOffset="2016.16">2018 69 0,'0'35'46,"-35"35"-30,0 69-16,0-104 16,1 69-16,34-69 15,-35-35 1</inkml:trace>
+          <inkml:trace contextRef="#ctx0" brushRef="#br0" timeOffset="2264.7494">2018 452 0,'69'0'15,"-34"0"-15,-35 35 16,35-35-16,0 35 16,0-1-1</inkml:trace>
+          <inkml:trace contextRef="#ctx0" brushRef="#br0" timeOffset="2544.2115">2227-35 0,'0'70'16,"0"-1"0,0 1-16,0-1 15,34 71-15,-34-71 16,0 1-16,0-36 15,0 36-15,0-35 16,0 0 15</inkml:trace>
+        </inkml:traceGroup>
+      </inkml:traceGroup>
+    </inkml:traceGroup>
+  </inkml:traceGroup>
+</inkml:ink>
+</file>
+
+<file path=ppt/ink/ink57.xml><?xml version="1.0" encoding="utf-8"?>
+<inkml:ink xmlns:inkml="http://www.w3.org/2003/InkML">
+  <inkml:definitions>
+    <inkml:context xml:id="ctx0">
+      <inkml:inkSource xml:id="inkSrc0">
+        <inkml:traceFormat>
+          <inkml:channel name="X" type="integer" max="1920" units="cm"/>
+          <inkml:channel name="Y" type="integer" max="1080" units="cm"/>
+          <inkml:channel name="T" type="integer" max="2.14748E9" units="dev"/>
+        </inkml:traceFormat>
+        <inkml:channelProperties>
+          <inkml:channelProperty channel="X" name="resolution" value="36.85221" units="1/cm"/>
+          <inkml:channelProperty channel="Y" name="resolution" value="36.86007" units="1/cm"/>
+          <inkml:channelProperty channel="T" name="resolution" value="1" units="1/dev"/>
+        </inkml:channelProperties>
+      </inkml:inkSource>
+      <inkml:timestamp xml:id="ts0" timeString="2021-04-09T07:16:56.288"/>
+    </inkml:context>
+    <inkml:brush xml:id="br0">
+      <inkml:brushProperty name="width" value="0.06667" units="cm"/>
+      <inkml:brushProperty name="height" value="0.06667" units="cm"/>
+      <inkml:brushProperty name="color" value="#ED1C24"/>
+      <inkml:brushProperty name="fitToCurve" value="1"/>
+    </inkml:brush>
+  </inkml:definitions>
+  <inkml:traceGroup>
+    <inkml:annotationXML>
+      <emma:emma xmlns:emma="http://www.w3.org/2003/04/emma" version="1.0">
+        <emma:interpretation id="{785C20E0-6726-4458-AEBB-A43AB0C325ED}" emma:medium="tactile" emma:mode="ink">
+          <msink:context xmlns:msink="http://schemas.microsoft.com/ink/2010/main" type="inkDrawing" rotatedBoundingBox="4232,12411 5173,12254 5301,13021 4360,13178" hotPoints="5128,12345 5138,13068 4415,13078 4405,12356" semanticType="enclosure" shapeName="Square"/>
+        </emma:interpretation>
+      </emma:emma>
+    </inkml:annotationXML>
+    <inkml:trace contextRef="#ctx0" brushRef="#br0">319 766 0,'-70'-35'46,"35"35"1,0-35-31,1 35-16,-1 0 16,35-35-1,-35 0 16,0 35 16,35-34-31,0-1 0,-34 35-16,34-35 15,0 0 16,0 1-15,0-1 15,0 0-15,0 0 0,0 0-1,0 1 16,0-1-15,0 0 0,0 0 31,34 0-47,-34 1 15,35 34 1,-35-35 15,35 35 16,-35-35-31,35 35-16,-1 0 31,1 0-16,0 0 1,0-35 0,0 35-1,-1 0 1,1 0 0,0 0-1,0 0 1,0 0-1,-1 0 1,1 0 31,0 0-31,0 0-1,34 0 16,-34 35 1,0-35-1,0 0 0,-35 35 0,35-35-15,-35 35 0,34-35-1,-34 34-15,35 1 47,-35 0-16,0 0-15,0 0 0,0-1 15,0 1-15,0 0-1,0 0 16,0 0 1,0-1-17,0 1 17,0 0-1,-35-35-16,35 35 1,-34-1 15,34 1-15,-35-35 15,0 0-15,0 35 31,-34-35 0,34 35-16,0-35 63,0 0-63,0 0 31,1 0 32,-1 0-63,0 0 47,0 0-31,0 0-15,1 0 14,-1 0 1,0 0-31,0 0 0,0 0 155</inkml:trace>
+  </inkml:traceGroup>
 </inkml:ink>
 </file>
 
@@ -1597,7 +4301,7 @@
           <inkml:channelProperty channel="T" name="resolution" value="1" units="1/dev"/>
         </inkml:channelProperties>
       </inkml:inkSource>
-      <inkml:timestamp xml:id="ts0" timeString="2021-04-08T07:49:13.346"/>
+      <inkml:timestamp xml:id="ts0" timeString="2021-04-08T07:49:14.129"/>
     </inkml:context>
     <inkml:brush xml:id="br0">
       <inkml:brushProperty name="width" value="0.05292" units="cm"/>
@@ -1605,22 +4309,16 @@
       <inkml:brushProperty name="color" value="#FF0000"/>
     </inkml:brush>
   </inkml:definitions>
-  <inkml:trace contextRef="#ctx0" brushRef="#br0">9825 6156 0,'0'0'0,"35"0"0,71 18 15,441 105 32,-230-70-31,-17-18-1,247-17 17,-230 0-17,-17-18 1,-70 0 0,-125 0-16</inkml:trace>
-  <inkml:trace contextRef="#ctx0" brushRef="#br0" timeOffset="783.23">15840 6174 0,'-36'0'16,"1"-18"0,-71-35-1,36 18-15,-71-71 16,35-35 0,35 0-1,54 17 1,17 1-1,53-1 1,88 1 0,159 35-1,-1 52 17,19 36-17,-71 71 1,-106-1-1,-70 72 1,-71-1 0,-18 53-1,-88 35 1,-88 18 0,-53-35-1,0-36 1,18-52-1</inkml:trace>
-  <inkml:trace contextRef="#ctx0" brushRef="#br0" timeOffset="4483.97">12594 6421 0,'18'0'31,"-1"0"-31,72-18 16,87-17-1,-17-18 1,17 17 0,1 1 15,-36 0-31,-35 17 31,-18-17-15,35 17-1,-70 18-15,0 0 16,53 0 0,35-17-1,-70-1 1,-54 0 0</inkml:trace>
-  <inkml:trace contextRef="#ctx0" brushRef="#br0" timeOffset="137454.18">12435 11183 0,'0'18'31,"0"35"-15,0 17-16,0 124 16,0 18-1,0 0 1,0-71 15,0 0-15,0 0-1,18-18 1,0-70-16,-18 35 16,0-35-1,0-17 1</inkml:trace>
-  <inkml:trace contextRef="#ctx0" brushRef="#br0" timeOffset="140555.54">12524 11095 0,'17'-18'62,"19"18"-62,16 0 16,195 0-1,36 0 1,69-17 0,72 17-1,-89 0 1,-88-18-1,0 18 1,-106 0 0,-18 0-1,-87 0-15,17 0 16,35 0 0,-18 0-1,-52 0 79,0 0-94,-1 0 16,54 0-1,35-35 1,-1 35-1,-34 0 1,-18 0 0,-35 0 46,-1 0-62,1 0 16,-1 0 15,1 0 63,-18 17-79,18 19-15,-1 105 16,1 88 0,17-17-1,1 17 1,-19-35 0,18-88-1,-17 0 1,0 0 15,-18-36-15,0-17-16,0-18 15,0 18 1,0 0 0,0-18-1,0 1 1,0-19 15,0 1 94,-18-18-109,-35 18-1,-17-18-15,-36 17 16,-159-17 0,-35 0-1,18 0 1,0 0-1,35 35 1,71-17 0,52-18-1,-35 18 1,89-18 0,-18 0-1,-1 0 16,19 0-15,-18 17 0,17-17-1,36 0 1,17 0 0,-17 0-1,17 0 1,-35 18-1,-17-18 1,-54 0 0,54 0-1,35 0 1,-1 0 0,19 0-1,-19 0 16,-17 0-15,18 0 0,-18 0-1,0 0 1,18 0 0,17 0 30,1 0-30,-19 0 0,1 0-1,-18 0 1,18 0 0,17 0-1,1 0 16,17-35 157,0-18-172,0-18-1,0-52-15,0-230 16,-18-53 15,0 230-31,1-18 0</inkml:trace>
-  <inkml:trace contextRef="#ctx0" brushRef="#br0" timeOffset="194467.6">12735 13458 0,'0'18'313,"0"0"-266,-17-1-16,17 1-15,0 0-1,0-1 17,0 1 14,0 0-30,-18-18 0,18 17-1,0 1 32,-18-18-47</inkml:trace>
-  <inkml:trace contextRef="#ctx0" brushRef="#br0" timeOffset="195723.67">12718 13511 0,'17'0'62,"1"0"-46,0 0 0,-1 0-1,-17 18-15,18 0 31,17-1-15,-35 1 0,18 0-1,-1-18 157,1 0-156,0-18-1,17-17 1,0 17 0,-17 0-1,0 1 1,17-1 0,-18 0 30,-17 36 79,0 0-109,0 17-16,0-17 16,0 17-1,0 0 1,0 1 0,0-19-1,0 1 1</inkml:trace>
-  <inkml:trace contextRef="#ctx0" brushRef="#br0" timeOffset="196915.56">12806 13935 0,'0'17'47,"0"1"-47,0 0 16,0-1-1,0 36 1,0-18 0,0 1-16,17-19 15,-17 1 1,18 0 218,0-18-202,-1 0-17,1-18-15,17 0 16,-17 1-1,0-1 1,-1 0-16,1 1 31,-18-1 47,18 18-62,-1 0 0,-17-17-1,18 17 1</inkml:trace>
-  <inkml:trace contextRef="#ctx0" brushRef="#br0" timeOffset="198083.57">12823 14640 0,'0'0'0,"0"-17"15,-35-1 1,18 18-1,-1-18 1,-17 18 15,17 0-15,-17-17 31,17 17 0,0 0-32,1 0 32,17 17-47,0 1 16,0 0-1,0-1 1,0 1 0,0 17-1,0-17 1,35 17 0,-17-17 15,-1 17-16,1-35 1,0 18 0,-1-18-1,1 0 17,0 0-17,17 0 1,-18 0-1,1-18 1,17 0 0,-17 1-1,0-1 1,-1-17 0</inkml:trace>
-  <inkml:trace contextRef="#ctx0" brushRef="#br0" timeOffset="199187.52">13458 13935 0,'-17'17'63,"17"1"-48,0 0 1,-18 52 0,1 1-1,-1-1 1,18 19 0,-18-54-1,18-18-15,0 1 16,18-18 109,17 0-110,53 0 1,-35-18 0,53 1-1,-53-1-15,-18 18 16,1 0 0</inkml:trace>
-  <inkml:trace contextRef="#ctx0" brushRef="#br0" timeOffset="200439.78">13847 14093 0,'-36'0'31,"19"0"-15,-1 0 0,0 0-1,1 0 1,-1 18 0,0 0-1,18-1 1,-17-17-1,-1 18 1,18 0 0,0-1-1,0 1 1,0 0 15,0-1-15,0 1-1,0 0 1,18-18 15,-1 0 1,1 0-17,17 0 1,1-36 31,-19 19-32,-17-36 17,18 0 14,-18 35-30,0 0 0,0 36 77,0 0-77,0 17-16,0 0 16,0 54-1,35-37 1,-17 1 0,17-35-1,0 0 16,-17-18-15,0 0-16,-1 0 16,1 0 77</inkml:trace>
-  <inkml:trace contextRef="#ctx0" brushRef="#br0" timeOffset="200874.77">14041 14005 0,'0'36'31,"0"-1"-16,17 0 1,18 36 0,1-36-1,-19-17 1</inkml:trace>
-  <inkml:trace contextRef="#ctx0" brushRef="#br0" timeOffset="201355.58">14323 14005 0,'0'18'47,"0"0"-31,-53 52-1,-18 18 1,-17 18 0,-18 18-1,0-1 1,18-52 0,18-18-1,70-18 16</inkml:trace>
-  <inkml:trace contextRef="#ctx0" brushRef="#br0" timeOffset="202531.52">14235 14288 0,'35'0'31,"0"0"-15,36 0-1,-36 0 1,18 0 0,0 0-1,-36-18 1,1 0 0,0 18-1,-18-17 1,0-1-1,0 0 1,-18 1 0,0-1 15,1 18-15,17-18-16,-18 18 31,1 0-16,-19 0 1,1 0 0,0 0-16,17 0 15,-35 36 1,36-36 0,-19 17-1,19 1 1,17 0-1,-18-1 1,18 19 0,0-1-1,0 0 1,0 0 15,0 1-15,18-19-1,-1 19 1,19-19 0,-19-17-1,18 0 1,1 0 0,-1 0-1,36-17 1,-1-19-1,-17 19 1,-35-19 0,17 36-1,-35-17 48</inkml:trace>
-  <inkml:trace contextRef="#ctx0" brushRef="#br0" timeOffset="203452.18">14728 14058 0,'0'53'31,"0"-18"-31,0 1 16,18 17-1,-18 52 1,35-34-1,-35-36 1,0 1 0,0-19-1,0-34 126,0-19-141,0 1 16,0 0-1,0-36 1,36 36-1,-36-18 1,17 35 0,1 1-1,0-1 1,-1 0 0,1 18 15,0 0 0,-1 0-15,1 0 31,-1 0-16</inkml:trace>
-  <inkml:trace contextRef="#ctx0" brushRef="#br0" timeOffset="-205669.58">6421 10089 0,'0'-17'32,"17"17"-17,1 0 1,35 17-1,35 54 1,35 17 0,-34-17-1,-19-18 1,-17-36 0,-18 1 15,1 0-16,-36-1-15,17 1 16,1-18 0,-18 18 109,-18-18-94,1 17-15,-1-17-16,0 18 31,-35-1-16,-17 36 1,-1 0 0,-17 0-1,35 18 1,0-1 0,0-34-1,36-19 1,-1 1-1</inkml:trace>
+  <inkml:traceGroup>
+    <inkml:annotationXML>
+      <emma:emma xmlns:emma="http://www.w3.org/2003/04/emma" version="1.0">
+        <emma:interpretation id="{D30B8935-0711-4783-A053-7C11F12B68DE}" emma:medium="tactile" emma:mode="ink">
+          <msink:context xmlns:msink="http://schemas.microsoft.com/ink/2010/main" type="inkDrawing" rotatedBoundingBox="15128,5316 16579,4730 17141,6120 15690,6707" hotPoints="16835,5615 16062,6388 15289,5615 16062,4842" semanticType="enclosure" shapeName="Circle"/>
+        </emma:interpretation>
+      </emma:emma>
+    </inkml:annotationXML>
+    <inkml:trace contextRef="#ctx0" brushRef="#br0">15840 6174 0,'-36'0'16,"1"-18"0,-71-35-1,36 18-15,-71-71 16,35-35 0,35 0-1,54 17 1,17 1-1,53-1 1,88 1 0,159 35-1,-1 52 17,19 36-17,-71 71 1,-106-1-1,-70 72 1,-71-1 0,-18 53-1,-88 35 1,-88 18 0,-53-35-1,0-36 1,18-52-1</inkml:trace>
+  </inkml:traceGroup>
 </inkml:ink>
 </file>
 
@@ -1640,7 +4338,7 @@
           <inkml:channelProperty channel="T" name="resolution" value="1" units="1/dev"/>
         </inkml:channelProperties>
       </inkml:inkSource>
-      <inkml:timestamp xml:id="ts0" timeString="2021-04-08T07:55:32.494"/>
+      <inkml:timestamp xml:id="ts0" timeString="2021-04-08T07:55:34.693"/>
     </inkml:context>
     <inkml:brush xml:id="br0">
       <inkml:brushProperty name="width" value="0.05292" units="cm"/>
@@ -1648,8 +4346,18 @@
       <inkml:brushProperty name="color" value="#FF0000"/>
     </inkml:brush>
   </inkml:definitions>
-  <inkml:trace contextRef="#ctx0" brushRef="#br0">1887 11359 0,'18'0'125,"0"0"-109,-1 0 15,1 0-15,0 0-1,-1 0 1,1 0 0,-1 0-1,1-17 1,0 17 31,-1 0 47,1 0-79,17 0 1,-17 0-1,17 0 1,-17 0 0,-1 0 77</inkml:trace>
-  <inkml:trace contextRef="#ctx0" brushRef="#br0" timeOffset="2199.52">2981 11377 0,'18'0'63,"-1"0"-48,1 0 1,0 0 0,-1 0-1,1 0 1,-1 0-1,19 0 1,-19 0 0,1 0 46,0 0-46,-1 0-1,1 0 95,0 0-79,-1 0-15,1 0-1,-1 0 1,1 0 15,0-18 250,-1 18-281,1 0 16,-18-17 0,35-1-1,-17 1 1,0 17 0</inkml:trace>
+  <inkml:traceGroup>
+    <inkml:annotationXML>
+      <emma:emma xmlns:emma="http://www.w3.org/2003/04/emma" version="1.0">
+        <emma:interpretation id="{D55212D0-9FBF-4303-BCBD-6A6241A34A4E}" emma:medium="tactile" emma:mode="ink">
+          <msink:context xmlns:msink="http://schemas.microsoft.com/ink/2010/main" type="inkDrawing" rotatedBoundingBox="2978,11355 3439,11305 3446,11362 2984,11413" rotationAngle="1415396256" semanticType="callout">
+            <msink:sourceLink direction="with" ref="{353317C8-7634-46C3-9570-67EC0160CEC8}"/>
+          </msink:context>
+        </emma:interpretation>
+      </emma:emma>
+    </inkml:annotationXML>
+    <inkml:trace contextRef="#ctx0" brushRef="#br0">2981 11377 0,'18'0'63,"-1"0"-48,1 0 1,0 0 0,-1 0-1,1 0 1,-1 0-1,19 0 1,-19 0 0,1 0 46,0 0-46,-1 0-1,1 0 95,0 0-79,-1 0-15,1 0-1,-1 0 1,1 0 15,0-18 250,-1 18-281,1 0 16,-18-17 0,35-1-1,-17 1 1,0 17 0</inkml:trace>
+  </inkml:traceGroup>
 </inkml:ink>
 </file>
 
@@ -1669,7 +4377,7 @@
           <inkml:channelProperty channel="T" name="resolution" value="1" units="1/dev"/>
         </inkml:channelProperties>
       </inkml:inkSource>
-      <inkml:timestamp xml:id="ts0" timeString="2021-04-08T07:56:37.534"/>
+      <inkml:timestamp xml:id="ts0" timeString="2021-04-08T07:49:13.346"/>
     </inkml:context>
     <inkml:brush xml:id="br0">
       <inkml:brushProperty name="width" value="0.05292" units="cm"/>
@@ -1677,9 +4385,19 @@
       <inkml:brushProperty name="color" value="#FF0000"/>
     </inkml:brush>
   </inkml:definitions>
-  <inkml:trace contextRef="#ctx0" brushRef="#br0">4110 5838 0,'18'0'0,"17"18"31,18 0-15,0-18 0,-18 0-1,18 17 1,0 1 0,35-18-1,0 18 1,18-18-1,-35 17-15,17 1 16,123 0 0,-52-1-1,-53 1 1,0-18 0,0 0 15,35 0-16,53 0 1,17 0 0,-34 0-1,-36 0 1,-18 0 0,1 0-1,35 0 1,-71-18-1,-35 18 1,-36 0 0,1-17-1,0 17 1,35-18 15,-18 18-15,0 0-1,18-18 1,18 1 0,-54 17-1,71 0 1,-52-18 0,17 0-1,0 18 1,-36 0 31,1-17-32,-1 17 1,1-18 0,0 18-16,35-18 31,-36 18-16,1 0-15,0-17 16,-1 17 0</inkml:trace>
-  <inkml:trace contextRef="#ctx0" brushRef="#br0" timeOffset="2008.29">8502 5927 0,'0'-18'16,"18"18"15,17 0-15,35 0-1,1 18 16,17-1-15,0 19 0,-17-19-1,-1 1 1,-52 0-16,0-18 16,17 17-1,36 18 1,-18 1-1,-1-19 1,-16-17 0,-19 18-1,19-18 17,-1 18-17,18-18 1,17 0-1,54 0 1,-89 17 0,71-17-1,-35 0 1,-36 0 0,-18 0-1,36 0 1,-17-17-1,34-1 1,-17 0 0,-18 18-1,18 0 1,-17-17 0,-1-1 15,124-35-16,-54 36 1,-34-19 0,17 19-1,-35-1 1,0-17 0</inkml:trace>
-  <inkml:trace contextRef="#ctx0" brushRef="#br0" timeOffset="3200.02">11342 5891 0,'0'-17'32,"17"17"-1,1 0-15,17 17-16,36 36 15,35-17 16,-71-19-31,36 36 16,-18-35 0,-1 17-1,1 0 1,18-17 0,-1-18-1,36 0 1,18 0-1,17 0 1,53 0 0,35-18-1,1-17 1,105-35 0,-159 34-1,-70 19 16,0-19-15,-36 19 0,-34-1-1,16 0 1,1-17 0,-17 0-1,17 17 1,-1-17-1,1 17 1,18-35 0</inkml:trace>
+  <inkml:traceGroup>
+    <inkml:annotationXML>
+      <emma:emma xmlns:emma="http://www.w3.org/2003/04/emma" version="1.0">
+        <emma:interpretation id="{4C52032C-0DA1-4798-9732-FC4E7303FD06}" emma:medium="tactile" emma:mode="ink">
+          <msink:context xmlns:msink="http://schemas.microsoft.com/ink/2010/main" type="inkDrawing" rotatedBoundingBox="9825,6148 12629,6420 12618,6529 9815,6257" semanticType="callout" shapeName="Other">
+            <msink:sourceLink direction="with" ref="{15F12E81-BD9B-4C66-9AB6-F0B986769B09}"/>
+            <msink:sourceLink direction="with" ref="{D49CBD8B-2376-472C-AF89-C497F6EA730B}"/>
+          </msink:context>
+        </emma:interpretation>
+      </emma:emma>
+    </inkml:annotationXML>
+    <inkml:trace contextRef="#ctx0" brushRef="#br0">9825 6156 0,'0'0'0,"35"0"0,71 18 15,441 105 32,-230-70-31,-17-18-1,247-17 17,-230 0-17,-17-18 1,-70 0 0,-125 0-16</inkml:trace>
+  </inkml:traceGroup>
 </inkml:ink>
 </file>
 
@@ -3830,7 +6548,7 @@
             <a:fld id="{11B2AAEE-0ECC-4F9E-94C1-A5210D63F3AE}" type="datetimeFigureOut">
               <a:rPr lang="en-US" smtClean="0"/>
               <a:pPr/>
-              <a:t>4/8/2021</a:t>
+              <a:t>4/9/2021</a:t>
             </a:fld>
             <a:endParaRPr lang="en-US"/>
           </a:p>
@@ -5516,7 +8234,7 @@
             <a:fld id="{11B2AAEE-0ECC-4F9E-94C1-A5210D63F3AE}" type="datetimeFigureOut">
               <a:rPr lang="en-US" smtClean="0"/>
               <a:pPr/>
-              <a:t>4/8/2021</a:t>
+              <a:t>4/9/2021</a:t>
             </a:fld>
             <a:endParaRPr lang="en-US"/>
           </a:p>
@@ -7210,7 +9928,7 @@
             <a:fld id="{11B2AAEE-0ECC-4F9E-94C1-A5210D63F3AE}" type="datetimeFigureOut">
               <a:rPr lang="en-US" smtClean="0"/>
               <a:pPr/>
-              <a:t>4/8/2021</a:t>
+              <a:t>4/9/2021</a:t>
             </a:fld>
             <a:endParaRPr lang="en-US"/>
           </a:p>
@@ -7544,7 +10262,7 @@
             <a:fld id="{11B2AAEE-0ECC-4F9E-94C1-A5210D63F3AE}" type="datetimeFigureOut">
               <a:rPr lang="en-US" smtClean="0"/>
               <a:pPr/>
-              <a:t>4/8/2021</a:t>
+              <a:t>4/9/2021</a:t>
             </a:fld>
             <a:endParaRPr lang="en-US"/>
           </a:p>
@@ -9305,7 +12023,7 @@
             <a:fld id="{11B2AAEE-0ECC-4F9E-94C1-A5210D63F3AE}" type="datetimeFigureOut">
               <a:rPr lang="en-US" smtClean="0"/>
               <a:pPr/>
-              <a:t>4/8/2021</a:t>
+              <a:t>4/9/2021</a:t>
             </a:fld>
             <a:endParaRPr lang="en-US"/>
           </a:p>
@@ -10305,7 +13023,7 @@
             <a:fld id="{11B2AAEE-0ECC-4F9E-94C1-A5210D63F3AE}" type="datetimeFigureOut">
               <a:rPr lang="en-US" smtClean="0"/>
               <a:pPr/>
-              <a:t>4/8/2021</a:t>
+              <a:t>4/9/2021</a:t>
             </a:fld>
             <a:endParaRPr lang="en-US"/>
           </a:p>
@@ -10583,7 +13301,7 @@
             <a:fld id="{11B2AAEE-0ECC-4F9E-94C1-A5210D63F3AE}" type="datetimeFigureOut">
               <a:rPr lang="en-US" smtClean="0"/>
               <a:pPr/>
-              <a:t>4/8/2021</a:t>
+              <a:t>4/9/2021</a:t>
             </a:fld>
             <a:endParaRPr lang="en-US"/>
           </a:p>
@@ -11693,7 +14411,7 @@
             <a:fld id="{11B2AAEE-0ECC-4F9E-94C1-A5210D63F3AE}" type="datetimeFigureOut">
               <a:rPr lang="en-US" smtClean="0"/>
               <a:pPr/>
-              <a:t>4/8/2021</a:t>
+              <a:t>4/9/2021</a:t>
             </a:fld>
             <a:endParaRPr lang="en-US"/>
           </a:p>
@@ -12679,7 +15397,7 @@
             <a:fld id="{11B2AAEE-0ECC-4F9E-94C1-A5210D63F3AE}" type="datetimeFigureOut">
               <a:rPr lang="en-US" smtClean="0"/>
               <a:pPr/>
-              <a:t>4/8/2021</a:t>
+              <a:t>4/9/2021</a:t>
             </a:fld>
             <a:endParaRPr lang="en-US"/>
           </a:p>
@@ -16199,7 +18917,7 @@
             <a:fld id="{11B2AAEE-0ECC-4F9E-94C1-A5210D63F3AE}" type="datetimeFigureOut">
               <a:rPr lang="en-US" smtClean="0"/>
               <a:pPr/>
-              <a:t>4/8/2021</a:t>
+              <a:t>4/9/2021</a:t>
             </a:fld>
             <a:endParaRPr lang="en-US"/>
           </a:p>
@@ -16478,7 +19196,7 @@
             <a:fld id="{11B2AAEE-0ECC-4F9E-94C1-A5210D63F3AE}" type="datetimeFigureOut">
               <a:rPr lang="en-US" smtClean="0"/>
               <a:pPr/>
-              <a:t>4/8/2021</a:t>
+              <a:t>4/9/2021</a:t>
             </a:fld>
             <a:endParaRPr lang="en-US"/>
           </a:p>
@@ -19248,7 +21966,7 @@
               <a:pPr lvl="0">
                 <a:defRPr lang="ko-KR" altLang="en-US"/>
               </a:pPr>
-              <a:t>4/8/2021</a:t>
+              <a:t>4/9/2021</a:t>
             </a:fld>
             <a:endParaRPr lang="en-US"/>
           </a:p>
@@ -20351,8 +23069,8 @@
           </a:extLst>
         </p:spPr>
       </p:pic>
-      <mc:AlternateContent xmlns:mc="http://schemas.openxmlformats.org/markup-compatibility/2006">
-        <mc:Choice xmlns:p14="http://schemas.microsoft.com/office/powerpoint/2010/main" Requires="p14">
+      <mc:AlternateContent xmlns:mc="http://schemas.openxmlformats.org/markup-compatibility/2006" xmlns:p14="http://schemas.microsoft.com/office/powerpoint/2010/main">
+        <mc:Choice Requires="p14">
           <p:contentPart p14:bwMode="auto" r:id="rId3">
             <p14:nvContentPartPr>
               <p14:cNvPr id="2" name="잉크 1">
@@ -20371,7 +23089,7 @@
             </p14:xfrm>
           </p:contentPart>
         </mc:Choice>
-        <mc:Fallback>
+        <mc:Fallback xmlns="">
           <p:pic>
             <p:nvPicPr>
               <p:cNvPr id="2" name="잉크 1">
@@ -21457,8 +24175,8 @@
           </a:p>
         </p:txBody>
       </p:sp>
-      <mc:AlternateContent xmlns:mc="http://schemas.openxmlformats.org/markup-compatibility/2006">
-        <mc:Choice xmlns:p14="http://schemas.microsoft.com/office/powerpoint/2010/main" Requires="p14">
+      <mc:AlternateContent xmlns:mc="http://schemas.openxmlformats.org/markup-compatibility/2006" xmlns:p14="http://schemas.microsoft.com/office/powerpoint/2010/main">
+        <mc:Choice Requires="p14">
           <p:contentPart p14:bwMode="auto" r:id="rId3">
             <p14:nvContentPartPr>
               <p14:cNvPr id="2" name="잉크 1">
@@ -21472,12 +24190,12 @@
               <p14:nvPr/>
             </p14:nvContentPartPr>
             <p14:xfrm>
-              <a:off x="2311560" y="1822320"/>
-              <a:ext cx="3746880" cy="3512160"/>
+              <a:off x="5492880" y="1822320"/>
+              <a:ext cx="565560" cy="578520"/>
             </p14:xfrm>
           </p:contentPart>
         </mc:Choice>
-        <mc:Fallback>
+        <mc:Fallback xmlns="">
           <p:pic>
             <p:nvPicPr>
               <p:cNvPr id="2" name="잉크 1">
@@ -21568,8 +24286,8 @@
           </a:p>
         </p:txBody>
       </p:sp>
-      <mc:AlternateContent xmlns:mc="http://schemas.openxmlformats.org/markup-compatibility/2006">
-        <mc:Choice xmlns:p14="http://schemas.microsoft.com/office/powerpoint/2010/main" Requires="p14">
+      <mc:AlternateContent xmlns:mc="http://schemas.openxmlformats.org/markup-compatibility/2006" xmlns:p14="http://schemas.microsoft.com/office/powerpoint/2010/main">
+        <mc:Choice Requires="p14">
           <p:contentPart p14:bwMode="auto" r:id="rId5">
             <p14:nvContentPartPr>
               <p14:cNvPr id="4" name="잉크 3">
@@ -21583,12 +24301,12 @@
               <p14:nvPr/>
             </p14:nvContentPartPr>
             <p14:xfrm>
-              <a:off x="679320" y="4070520"/>
-              <a:ext cx="559440" cy="25560"/>
+              <a:off x="1073160" y="4070520"/>
+              <a:ext cx="165600" cy="25560"/>
             </p14:xfrm>
           </p:contentPart>
         </mc:Choice>
-        <mc:Fallback>
+        <mc:Fallback xmlns="">
           <p:pic>
             <p:nvPicPr>
               <p:cNvPr id="4" name="잉크 3">
@@ -21611,6 +24329,318 @@
               <a:xfrm>
                 <a:off x="669960" y="4061160"/>
                 <a:ext cx="578160" cy="44280"/>
+              </a:xfrm>
+              <a:prstGeom prst="rect">
+                <a:avLst/>
+              </a:prstGeom>
+            </p:spPr>
+          </p:pic>
+        </mc:Fallback>
+      </mc:AlternateContent>
+      <mc:AlternateContent xmlns:mc="http://schemas.openxmlformats.org/markup-compatibility/2006">
+        <mc:Choice xmlns:p14="http://schemas.microsoft.com/office/powerpoint/2010/main" Requires="p14">
+          <p:contentPart p14:bwMode="auto" r:id="rId7">
+            <p14:nvContentPartPr>
+              <p14:cNvPr id="8" name="잉크 7"/>
+              <p14:cNvContentPartPr/>
+              <p14:nvPr/>
+            </p14:nvContentPartPr>
+            <p14:xfrm>
+              <a:off x="3537000" y="2216160"/>
+              <a:ext cx="1009800" cy="95760"/>
+            </p14:xfrm>
+          </p:contentPart>
+        </mc:Choice>
+        <mc:Fallback>
+          <p:pic>
+            <p:nvPicPr>
+              <p:cNvPr id="8" name="잉크 7"/>
+              <p:cNvPicPr/>
+              <p:nvPr/>
+            </p:nvPicPr>
+            <p:blipFill>
+              <a:blip r:embed="rId8"/>
+              <a:stretch>
+                <a:fillRect/>
+              </a:stretch>
+            </p:blipFill>
+            <p:spPr>
+              <a:xfrm>
+                <a:off x="3527640" y="2206800"/>
+                <a:ext cx="1028520" cy="114480"/>
+              </a:xfrm>
+              <a:prstGeom prst="rect">
+                <a:avLst/>
+              </a:prstGeom>
+            </p:spPr>
+          </p:pic>
+        </mc:Fallback>
+      </mc:AlternateContent>
+      <mc:AlternateContent xmlns:mc="http://schemas.openxmlformats.org/markup-compatibility/2006">
+        <mc:Choice xmlns:p14="http://schemas.microsoft.com/office/powerpoint/2010/main" Requires="p14">
+          <p:contentPart p14:bwMode="auto" r:id="rId9">
+            <p14:nvContentPartPr>
+              <p14:cNvPr id="9" name="잉크 8"/>
+              <p14:cNvContentPartPr/>
+              <p14:nvPr/>
+            </p14:nvContentPartPr>
+            <p14:xfrm>
+              <a:off x="4470480" y="3962520"/>
+              <a:ext cx="1302120" cy="679680"/>
+            </p14:xfrm>
+          </p:contentPart>
+        </mc:Choice>
+        <mc:Fallback>
+          <p:pic>
+            <p:nvPicPr>
+              <p:cNvPr id="9" name="잉크 8"/>
+              <p:cNvPicPr/>
+              <p:nvPr/>
+            </p:nvPicPr>
+            <p:blipFill>
+              <a:blip r:embed="rId10"/>
+              <a:stretch>
+                <a:fillRect/>
+              </a:stretch>
+            </p:blipFill>
+            <p:spPr>
+              <a:xfrm>
+                <a:off x="4461120" y="3953160"/>
+                <a:ext cx="1320840" cy="698400"/>
+              </a:xfrm>
+              <a:prstGeom prst="rect">
+                <a:avLst/>
+              </a:prstGeom>
+            </p:spPr>
+          </p:pic>
+        </mc:Fallback>
+      </mc:AlternateContent>
+      <mc:AlternateContent xmlns:mc="http://schemas.openxmlformats.org/markup-compatibility/2006">
+        <mc:Choice xmlns:p14="http://schemas.microsoft.com/office/powerpoint/2010/main" Requires="p14">
+          <p:contentPart p14:bwMode="auto" r:id="rId11">
+            <p14:nvContentPartPr>
+              <p14:cNvPr id="11" name="잉크 10"/>
+              <p14:cNvContentPartPr/>
+              <p14:nvPr/>
+            </p14:nvContentPartPr>
+            <p14:xfrm>
+              <a:off x="4540320" y="4844880"/>
+              <a:ext cx="851040" cy="489600"/>
+            </p14:xfrm>
+          </p:contentPart>
+        </mc:Choice>
+        <mc:Fallback>
+          <p:pic>
+            <p:nvPicPr>
+              <p:cNvPr id="11" name="잉크 10"/>
+              <p:cNvPicPr/>
+              <p:nvPr/>
+            </p:nvPicPr>
+            <p:blipFill>
+              <a:blip r:embed="rId12"/>
+              <a:stretch>
+                <a:fillRect/>
+              </a:stretch>
+            </p:blipFill>
+            <p:spPr>
+              <a:xfrm>
+                <a:off x="4530960" y="4835520"/>
+                <a:ext cx="869760" cy="508320"/>
+              </a:xfrm>
+              <a:prstGeom prst="rect">
+                <a:avLst/>
+              </a:prstGeom>
+            </p:spPr>
+          </p:pic>
+        </mc:Fallback>
+      </mc:AlternateContent>
+      <mc:AlternateContent xmlns:mc="http://schemas.openxmlformats.org/markup-compatibility/2006">
+        <mc:Choice xmlns:p14="http://schemas.microsoft.com/office/powerpoint/2010/main" Requires="p14">
+          <p:contentPart p14:bwMode="auto" r:id="rId13">
+            <p14:nvContentPartPr>
+              <p14:cNvPr id="16" name="잉크 15"/>
+              <p14:cNvContentPartPr/>
+              <p14:nvPr/>
+            </p14:nvContentPartPr>
+            <p14:xfrm>
+              <a:off x="679320" y="4083120"/>
+              <a:ext cx="120960" cy="6480"/>
+            </p14:xfrm>
+          </p:contentPart>
+        </mc:Choice>
+        <mc:Fallback>
+          <p:pic>
+            <p:nvPicPr>
+              <p:cNvPr id="16" name="잉크 15"/>
+              <p:cNvPicPr/>
+              <p:nvPr/>
+            </p:nvPicPr>
+            <p:blipFill>
+              <a:blip r:embed="rId14"/>
+              <a:stretch>
+                <a:fillRect/>
+              </a:stretch>
+            </p:blipFill>
+            <p:spPr>
+              <a:xfrm>
+                <a:off x="669960" y="4073760"/>
+                <a:ext cx="139680" cy="25200"/>
+              </a:xfrm>
+              <a:prstGeom prst="rect">
+                <a:avLst/>
+              </a:prstGeom>
+            </p:spPr>
+          </p:pic>
+        </mc:Fallback>
+      </mc:AlternateContent>
+      <mc:AlternateContent xmlns:mc="http://schemas.openxmlformats.org/markup-compatibility/2006">
+        <mc:Choice xmlns:p14="http://schemas.microsoft.com/office/powerpoint/2010/main" Requires="p14">
+          <p:contentPart p14:bwMode="auto" r:id="rId15">
+            <p14:nvContentPartPr>
+              <p14:cNvPr id="35" name="잉크 34"/>
+              <p14:cNvContentPartPr/>
+              <p14:nvPr/>
+            </p14:nvContentPartPr>
+            <p14:xfrm>
+              <a:off x="551160" y="307036"/>
+              <a:ext cx="1581840" cy="1096200"/>
+            </p14:xfrm>
+          </p:contentPart>
+        </mc:Choice>
+        <mc:Fallback>
+          <p:pic>
+            <p:nvPicPr>
+              <p:cNvPr id="35" name="잉크 34"/>
+              <p:cNvPicPr/>
+              <p:nvPr/>
+            </p:nvPicPr>
+            <p:blipFill>
+              <a:blip r:embed="rId16"/>
+              <a:stretch>
+                <a:fillRect/>
+              </a:stretch>
+            </p:blipFill>
+            <p:spPr>
+              <a:xfrm>
+                <a:off x="539280" y="295156"/>
+                <a:ext cx="1605600" cy="1119960"/>
+              </a:xfrm>
+              <a:prstGeom prst="rect">
+                <a:avLst/>
+              </a:prstGeom>
+            </p:spPr>
+          </p:pic>
+        </mc:Fallback>
+      </mc:AlternateContent>
+      <mc:AlternateContent xmlns:mc="http://schemas.openxmlformats.org/markup-compatibility/2006">
+        <mc:Choice xmlns:p14="http://schemas.microsoft.com/office/powerpoint/2010/main" Requires="p14">
+          <p:contentPart p14:bwMode="auto" r:id="rId17">
+            <p14:nvContentPartPr>
+              <p14:cNvPr id="40" name="잉크 39"/>
+              <p14:cNvContentPartPr/>
+              <p14:nvPr/>
+            </p14:nvContentPartPr>
+            <p14:xfrm>
+              <a:off x="4533840" y="2190600"/>
+              <a:ext cx="616320" cy="121320"/>
+            </p14:xfrm>
+          </p:contentPart>
+        </mc:Choice>
+        <mc:Fallback>
+          <p:pic>
+            <p:nvPicPr>
+              <p:cNvPr id="40" name="잉크 39"/>
+              <p:cNvPicPr/>
+              <p:nvPr/>
+            </p:nvPicPr>
+            <p:blipFill>
+              <a:blip r:embed="rId18"/>
+              <a:stretch>
+                <a:fillRect/>
+              </a:stretch>
+            </p:blipFill>
+            <p:spPr>
+              <a:xfrm>
+                <a:off x="4524480" y="2181240"/>
+                <a:ext cx="635040" cy="140040"/>
+              </a:xfrm>
+              <a:prstGeom prst="rect">
+                <a:avLst/>
+              </a:prstGeom>
+            </p:spPr>
+          </p:pic>
+        </mc:Fallback>
+      </mc:AlternateContent>
+      <mc:AlternateContent xmlns:mc="http://schemas.openxmlformats.org/markup-compatibility/2006">
+        <mc:Choice xmlns:p14="http://schemas.microsoft.com/office/powerpoint/2010/main" Requires="p14">
+          <p:contentPart p14:bwMode="auto" r:id="rId19">
+            <p14:nvContentPartPr>
+              <p14:cNvPr id="41" name="잉크 40"/>
+              <p14:cNvContentPartPr/>
+              <p14:nvPr/>
+            </p14:nvContentPartPr>
+            <p14:xfrm>
+              <a:off x="2311560" y="3625920"/>
+              <a:ext cx="222480" cy="298800"/>
+            </p14:xfrm>
+          </p:contentPart>
+        </mc:Choice>
+        <mc:Fallback>
+          <p:pic>
+            <p:nvPicPr>
+              <p:cNvPr id="41" name="잉크 40"/>
+              <p:cNvPicPr/>
+              <p:nvPr/>
+            </p:nvPicPr>
+            <p:blipFill>
+              <a:blip r:embed="rId20"/>
+              <a:stretch>
+                <a:fillRect/>
+              </a:stretch>
+            </p:blipFill>
+            <p:spPr>
+              <a:xfrm>
+                <a:off x="2302200" y="3616560"/>
+                <a:ext cx="241200" cy="317520"/>
+              </a:xfrm>
+              <a:prstGeom prst="rect">
+                <a:avLst/>
+              </a:prstGeom>
+            </p:spPr>
+          </p:pic>
+        </mc:Fallback>
+      </mc:AlternateContent>
+      <mc:AlternateContent xmlns:mc="http://schemas.openxmlformats.org/markup-compatibility/2006">
+        <mc:Choice xmlns:p14="http://schemas.microsoft.com/office/powerpoint/2010/main" Requires="p14">
+          <p:contentPart p14:bwMode="auto" r:id="rId21">
+            <p14:nvContentPartPr>
+              <p14:cNvPr id="43" name="잉크 42"/>
+              <p14:cNvContentPartPr/>
+              <p14:nvPr/>
+            </p14:nvContentPartPr>
+            <p14:xfrm>
+              <a:off x="1976040" y="1114876"/>
+              <a:ext cx="2195640" cy="476280"/>
+            </p14:xfrm>
+          </p:contentPart>
+        </mc:Choice>
+        <mc:Fallback>
+          <p:pic>
+            <p:nvPicPr>
+              <p:cNvPr id="43" name="잉크 42"/>
+              <p:cNvPicPr/>
+              <p:nvPr/>
+            </p:nvPicPr>
+            <p:blipFill>
+              <a:blip r:embed="rId22"/>
+              <a:stretch>
+                <a:fillRect/>
+              </a:stretch>
+            </p:blipFill>
+            <p:spPr>
+              <a:xfrm>
+                <a:off x="1964160" y="1102996"/>
+                <a:ext cx="2219400" cy="500040"/>
               </a:xfrm>
               <a:prstGeom prst="rect">
                 <a:avLst/>
@@ -21771,8 +24801,8 @@
           </a:extLst>
         </p:spPr>
       </p:pic>
-      <mc:AlternateContent xmlns:mc="http://schemas.openxmlformats.org/markup-compatibility/2006">
-        <mc:Choice xmlns:p14="http://schemas.microsoft.com/office/powerpoint/2010/main" Requires="p14">
+      <mc:AlternateContent xmlns:mc="http://schemas.openxmlformats.org/markup-compatibility/2006" xmlns:p14="http://schemas.microsoft.com/office/powerpoint/2010/main">
+        <mc:Choice Requires="p14">
           <p:contentPart p14:bwMode="auto" r:id="rId3">
             <p14:nvContentPartPr>
               <p14:cNvPr id="2" name="잉크 1">
@@ -21791,7 +24821,7 @@
             </p14:xfrm>
           </p:contentPart>
         </mc:Choice>
-        <mc:Fallback>
+        <mc:Fallback xmlns="">
           <p:pic>
             <p:nvPicPr>
               <p:cNvPr id="2" name="잉크 1">
@@ -21822,8 +24852,8 @@
           </p:pic>
         </mc:Fallback>
       </mc:AlternateContent>
-      <mc:AlternateContent xmlns:mc="http://schemas.openxmlformats.org/markup-compatibility/2006">
-        <mc:Choice xmlns:p14="http://schemas.microsoft.com/office/powerpoint/2010/main" Requires="p14">
+      <mc:AlternateContent xmlns:mc="http://schemas.openxmlformats.org/markup-compatibility/2006" xmlns:p14="http://schemas.microsoft.com/office/powerpoint/2010/main">
+        <mc:Choice Requires="p14">
           <p:contentPart p14:bwMode="auto" r:id="rId5">
             <p14:nvContentPartPr>
               <p14:cNvPr id="3" name="잉크 2">
@@ -21842,7 +24872,7 @@
             </p14:xfrm>
           </p:contentPart>
         </mc:Choice>
-        <mc:Fallback>
+        <mc:Fallback xmlns="">
           <p:pic>
             <p:nvPicPr>
               <p:cNvPr id="3" name="잉크 2">
@@ -21873,6 +24903,49 @@
           </p:pic>
         </mc:Fallback>
       </mc:AlternateContent>
+      <p:sp>
+        <p:nvSpPr>
+          <p:cNvPr id="4" name="TextBox 3"/>
+          <p:cNvSpPr txBox="1"/>
+          <p:nvPr/>
+        </p:nvSpPr>
+        <p:spPr>
+          <a:xfrm>
+            <a:off x="5311036" y="402223"/>
+            <a:ext cx="1895071" cy="338554"/>
+          </a:xfrm>
+          <a:prstGeom prst="rect">
+            <a:avLst/>
+          </a:prstGeom>
+          <a:noFill/>
+        </p:spPr>
+        <p:txBody>
+          <a:bodyPr wrap="none" rtlCol="0">
+            <a:spAutoFit/>
+          </a:bodyPr>
+          <a:lstStyle/>
+          <a:p>
+            <a:r>
+              <a:rPr lang="ko-KR" altLang="en-US" sz="1600" smtClean="0">
+                <a:latin typeface="HY바다L" pitchFamily="18" charset="-127"/>
+                <a:ea typeface="HY바다L" pitchFamily="18" charset="-127"/>
+              </a:rPr>
+              <a:t>연결이후</a:t>
+            </a:r>
+            <a:r>
+              <a:rPr lang="ko-KR" altLang="en-US" sz="1600" dirty="0" smtClean="0">
+                <a:latin typeface="HY바다L" pitchFamily="18" charset="-127"/>
+                <a:ea typeface="HY바다L" pitchFamily="18" charset="-127"/>
+              </a:rPr>
+              <a:t> 안정적인</a:t>
+            </a:r>
+            <a:endParaRPr lang="ko-KR" altLang="en-US" sz="1600" dirty="0" smtClean="0">
+              <a:latin typeface="HY바다L" pitchFamily="18" charset="-127"/>
+              <a:ea typeface="HY바다L" pitchFamily="18" charset="-127"/>
+            </a:endParaRPr>
+          </a:p>
+        </p:txBody>
+      </p:sp>
     </p:spTree>
     <p:extLst>
       <p:ext uri="{BB962C8B-B14F-4D97-AF65-F5344CB8AC3E}">
@@ -22041,8 +25114,8 @@
           </a:extLst>
         </p:spPr>
       </p:pic>
-      <mc:AlternateContent xmlns:mc="http://schemas.openxmlformats.org/markup-compatibility/2006">
-        <mc:Choice xmlns:p14="http://schemas.microsoft.com/office/powerpoint/2010/main" Requires="p14">
+      <mc:AlternateContent xmlns:mc="http://schemas.openxmlformats.org/markup-compatibility/2006" xmlns:p14="http://schemas.microsoft.com/office/powerpoint/2010/main">
+        <mc:Choice Requires="p14">
           <p:contentPart p14:bwMode="auto" r:id="rId3">
             <p14:nvContentPartPr>
               <p14:cNvPr id="2" name="잉크 1">
@@ -22056,12 +25129,12 @@
               <p14:nvPr/>
             </p14:nvContentPartPr>
             <p14:xfrm>
-              <a:off x="3753000" y="907920"/>
-              <a:ext cx="4984920" cy="4254840"/>
+              <a:off x="3753000" y="1219320"/>
+              <a:ext cx="3245040" cy="3943440"/>
             </p14:xfrm>
           </p:contentPart>
         </mc:Choice>
-        <mc:Fallback>
+        <mc:Fallback xmlns="">
           <p:pic>
             <p:nvPicPr>
               <p:cNvPr id="2" name="잉크 1">
@@ -22084,6 +25157,123 @@
               <a:xfrm>
                 <a:off x="3743640" y="898560"/>
                 <a:ext cx="5003640" cy="4273560"/>
+              </a:xfrm>
+              <a:prstGeom prst="rect">
+                <a:avLst/>
+              </a:prstGeom>
+            </p:spPr>
+          </p:pic>
+        </mc:Fallback>
+      </mc:AlternateContent>
+      <mc:AlternateContent xmlns:mc="http://schemas.openxmlformats.org/markup-compatibility/2006">
+        <mc:Choice xmlns:p14="http://schemas.microsoft.com/office/powerpoint/2010/main" Requires="p14">
+          <p:contentPart p14:bwMode="auto" r:id="rId5">
+            <p14:nvContentPartPr>
+              <p14:cNvPr id="4" name="잉크 3"/>
+              <p14:cNvContentPartPr/>
+              <p14:nvPr/>
+            </p14:nvContentPartPr>
+            <p14:xfrm>
+              <a:off x="4203720" y="907920"/>
+              <a:ext cx="4534200" cy="610200"/>
+            </p14:xfrm>
+          </p:contentPart>
+        </mc:Choice>
+        <mc:Fallback>
+          <p:pic>
+            <p:nvPicPr>
+              <p:cNvPr id="4" name="잉크 3"/>
+              <p:cNvPicPr/>
+              <p:nvPr/>
+            </p:nvPicPr>
+            <p:blipFill>
+              <a:blip r:embed="rId6"/>
+              <a:stretch>
+                <a:fillRect/>
+              </a:stretch>
+            </p:blipFill>
+            <p:spPr>
+              <a:xfrm>
+                <a:off x="4194360" y="898560"/>
+                <a:ext cx="4552920" cy="628920"/>
+              </a:xfrm>
+              <a:prstGeom prst="rect">
+                <a:avLst/>
+              </a:prstGeom>
+            </p:spPr>
+          </p:pic>
+        </mc:Fallback>
+      </mc:AlternateContent>
+      <mc:AlternateContent xmlns:mc="http://schemas.openxmlformats.org/markup-compatibility/2006">
+        <mc:Choice xmlns:p14="http://schemas.microsoft.com/office/powerpoint/2010/main" Requires="p14">
+          <p:contentPart p14:bwMode="auto" r:id="rId7">
+            <p14:nvContentPartPr>
+              <p14:cNvPr id="5" name="잉크 4"/>
+              <p14:cNvContentPartPr/>
+              <p14:nvPr/>
+            </p14:nvContentPartPr>
+            <p14:xfrm>
+              <a:off x="3029760" y="2460196"/>
+              <a:ext cx="521280" cy="263520"/>
+            </p14:xfrm>
+          </p:contentPart>
+        </mc:Choice>
+        <mc:Fallback>
+          <p:pic>
+            <p:nvPicPr>
+              <p:cNvPr id="5" name="잉크 4"/>
+              <p:cNvPicPr/>
+              <p:nvPr/>
+            </p:nvPicPr>
+            <p:blipFill>
+              <a:blip r:embed="rId8"/>
+              <a:stretch>
+                <a:fillRect/>
+              </a:stretch>
+            </p:blipFill>
+            <p:spPr>
+              <a:xfrm>
+                <a:off x="3017880" y="2448316"/>
+                <a:ext cx="545040" cy="287280"/>
+              </a:xfrm>
+              <a:prstGeom prst="rect">
+                <a:avLst/>
+              </a:prstGeom>
+            </p:spPr>
+          </p:pic>
+        </mc:Fallback>
+      </mc:AlternateContent>
+      <mc:AlternateContent xmlns:mc="http://schemas.openxmlformats.org/markup-compatibility/2006">
+        <mc:Choice xmlns:p14="http://schemas.microsoft.com/office/powerpoint/2010/main" Requires="p14">
+          <p:contentPart p14:bwMode="auto" r:id="rId9">
+            <p14:nvContentPartPr>
+              <p14:cNvPr id="6" name="잉크 5"/>
+              <p14:cNvContentPartPr/>
+              <p14:nvPr/>
+            </p14:nvContentPartPr>
+            <p14:xfrm>
+              <a:off x="4959360" y="2749680"/>
+              <a:ext cx="654480" cy="336960"/>
+            </p14:xfrm>
+          </p:contentPart>
+        </mc:Choice>
+        <mc:Fallback>
+          <p:pic>
+            <p:nvPicPr>
+              <p:cNvPr id="6" name="잉크 5"/>
+              <p:cNvPicPr/>
+              <p:nvPr/>
+            </p:nvPicPr>
+            <p:blipFill>
+              <a:blip r:embed="rId10"/>
+              <a:stretch>
+                <a:fillRect/>
+              </a:stretch>
+            </p:blipFill>
+            <p:spPr>
+              <a:xfrm>
+                <a:off x="4950000" y="2740320"/>
+                <a:ext cx="673200" cy="355680"/>
               </a:xfrm>
               <a:prstGeom prst="rect">
                 <a:avLst/>
@@ -22249,8 +25439,8 @@
           </a:extLst>
         </p:spPr>
       </p:pic>
-      <mc:AlternateContent xmlns:mc="http://schemas.openxmlformats.org/markup-compatibility/2006">
-        <mc:Choice xmlns:p14="http://schemas.microsoft.com/office/powerpoint/2010/main" Requires="p14">
+      <mc:AlternateContent xmlns:mc="http://schemas.openxmlformats.org/markup-compatibility/2006" xmlns:p14="http://schemas.microsoft.com/office/powerpoint/2010/main">
+        <mc:Choice Requires="p14">
           <p:contentPart p14:bwMode="auto" r:id="rId3">
             <p14:nvContentPartPr>
               <p14:cNvPr id="2" name="잉크 1">
@@ -22269,7 +25459,7 @@
             </p14:xfrm>
           </p:contentPart>
         </mc:Choice>
-        <mc:Fallback>
+        <mc:Fallback xmlns="">
           <p:pic>
             <p:nvPicPr>
               <p:cNvPr id="2" name="잉크 1">
@@ -22445,8 +25635,8 @@
           </a:extLst>
         </p:spPr>
       </p:pic>
-      <mc:AlternateContent xmlns:mc="http://schemas.openxmlformats.org/markup-compatibility/2006">
-        <mc:Choice xmlns:p14="http://schemas.microsoft.com/office/powerpoint/2010/main" Requires="p14">
+      <mc:AlternateContent xmlns:mc="http://schemas.openxmlformats.org/markup-compatibility/2006" xmlns:p14="http://schemas.microsoft.com/office/powerpoint/2010/main">
+        <mc:Choice Requires="p14">
           <p:contentPart p14:bwMode="auto" r:id="rId3">
             <p14:nvContentPartPr>
               <p14:cNvPr id="2" name="잉크 1">
@@ -22465,7 +25655,7 @@
             </p14:xfrm>
           </p:contentPart>
         </mc:Choice>
-        <mc:Fallback>
+        <mc:Fallback xmlns="">
           <p:pic>
             <p:nvPicPr>
               <p:cNvPr id="2" name="잉크 1">
@@ -23116,8 +26306,8 @@
           </a:prstGeom>
         </p:spPr>
       </p:pic>
-      <mc:AlternateContent xmlns:mc="http://schemas.openxmlformats.org/markup-compatibility/2006">
-        <mc:Choice xmlns:p14="http://schemas.microsoft.com/office/powerpoint/2010/main" Requires="p14">
+      <mc:AlternateContent xmlns:mc="http://schemas.openxmlformats.org/markup-compatibility/2006" xmlns:p14="http://schemas.microsoft.com/office/powerpoint/2010/main">
+        <mc:Choice Requires="p14">
           <p:contentPart p14:bwMode="auto" r:id="rId3">
             <p14:nvContentPartPr>
               <p14:cNvPr id="2" name="잉크 1">
@@ -23136,7 +26326,7 @@
             </p14:xfrm>
           </p:contentPart>
         </mc:Choice>
-        <mc:Fallback>
+        <mc:Fallback xmlns="">
           <p:pic>
             <p:nvPicPr>
               <p:cNvPr id="2" name="잉크 1">
@@ -23378,8 +26568,8 @@
           </a:extLst>
         </p:spPr>
       </p:pic>
-      <mc:AlternateContent xmlns:mc="http://schemas.openxmlformats.org/markup-compatibility/2006">
-        <mc:Choice xmlns:p14="http://schemas.microsoft.com/office/powerpoint/2010/main" Requires="p14">
+      <mc:AlternateContent xmlns:mc="http://schemas.openxmlformats.org/markup-compatibility/2006" xmlns:p14="http://schemas.microsoft.com/office/powerpoint/2010/main">
+        <mc:Choice Requires="p14">
           <p:contentPart p14:bwMode="auto" r:id="rId3">
             <p14:nvContentPartPr>
               <p14:cNvPr id="4" name="잉크 3">
@@ -23398,7 +26588,7 @@
             </p14:xfrm>
           </p:contentPart>
         </mc:Choice>
-        <mc:Fallback>
+        <mc:Fallback xmlns="">
           <p:pic>
             <p:nvPicPr>
               <p:cNvPr id="4" name="잉크 3">
@@ -23429,6 +26619,50 @@
           </p:pic>
         </mc:Fallback>
       </mc:AlternateContent>
+      <p:sp>
+        <p:nvSpPr>
+          <p:cNvPr id="5" name="TextBox 4"/>
+          <p:cNvSpPr txBox="1"/>
+          <p:nvPr/>
+        </p:nvSpPr>
+        <p:spPr>
+          <a:xfrm>
+            <a:off x="7767650" y="2173843"/>
+            <a:ext cx="814647" cy="584775"/>
+          </a:xfrm>
+          <a:prstGeom prst="rect">
+            <a:avLst/>
+          </a:prstGeom>
+          <a:noFill/>
+        </p:spPr>
+        <p:txBody>
+          <a:bodyPr wrap="none" rtlCol="0">
+            <a:spAutoFit/>
+          </a:bodyPr>
+          <a:lstStyle/>
+          <a:p>
+            <a:r>
+              <a:rPr lang="en-US" altLang="ko-KR" sz="1600" dirty="0" smtClean="0">
+                <a:solidFill>
+                  <a:srgbClr val="FF0000"/>
+                </a:solidFill>
+                <a:latin typeface="HY바다L" pitchFamily="18" charset="-127"/>
+                <a:ea typeface="HY바다L" pitchFamily="18" charset="-127"/>
+              </a:rPr>
+              <a:t>Accept</a:t>
+            </a:r>
+          </a:p>
+          <a:p>
+            <a:endParaRPr lang="ko-KR" altLang="en-US" sz="1600" dirty="0" smtClean="0">
+              <a:solidFill>
+                <a:srgbClr val="FF0000"/>
+              </a:solidFill>
+              <a:latin typeface="HY바다L" pitchFamily="18" charset="-127"/>
+              <a:ea typeface="HY바다L" pitchFamily="18" charset="-127"/>
+            </a:endParaRPr>
+          </a:p>
+        </p:txBody>
+      </p:sp>
     </p:spTree>
     <p:extLst>
       <p:ext uri="{BB962C8B-B14F-4D97-AF65-F5344CB8AC3E}">
@@ -23540,32 +26774,20 @@
         <mc:Choice xmlns:p14="http://schemas.microsoft.com/office/powerpoint/2010/main" Requires="p14">
           <p:contentPart p14:bwMode="auto" r:id="rId3">
             <p14:nvContentPartPr>
-              <p14:cNvPr id="2" name="잉크 1">
-                <a:extLst>
-                  <a:ext uri="{FF2B5EF4-FFF2-40B4-BE49-F238E27FC236}">
-                    <a16:creationId xmlns:a16="http://schemas.microsoft.com/office/drawing/2014/main" id="{EA975A27-BD6F-475C-B14D-9FD6B9313AAE}"/>
-                  </a:ext>
-                </a:extLst>
-              </p14:cNvPr>
+              <p14:cNvPr id="6" name="잉크 5"/>
               <p14:cNvContentPartPr/>
               <p14:nvPr/>
             </p14:nvContentPartPr>
             <p14:xfrm>
-              <a:off x="6381720" y="2558880"/>
-              <a:ext cx="768600" cy="851400"/>
+              <a:off x="6250320" y="2065636"/>
+              <a:ext cx="990000" cy="339884"/>
             </p14:xfrm>
           </p:contentPart>
         </mc:Choice>
         <mc:Fallback>
           <p:pic>
             <p:nvPicPr>
-              <p:cNvPr id="2" name="잉크 1">
-                <a:extLst>
-                  <a:ext uri="{FF2B5EF4-FFF2-40B4-BE49-F238E27FC236}">
-                    <a16:creationId xmlns:a16="http://schemas.microsoft.com/office/drawing/2014/main" id="{EA975A27-BD6F-475C-B14D-9FD6B9313AAE}"/>
-                  </a:ext>
-                </a:extLst>
-              </p:cNvPr>
+              <p:cNvPr id="6" name="잉크 5"/>
               <p:cNvPicPr/>
               <p:nvPr/>
             </p:nvPicPr>
@@ -23577,8 +26799,125 @@
             </p:blipFill>
             <p:spPr>
               <a:xfrm>
-                <a:off x="6372360" y="2549520"/>
-                <a:ext cx="787320" cy="870120"/>
+                <a:off x="6238440" y="2053754"/>
+                <a:ext cx="1013760" cy="363647"/>
+              </a:xfrm>
+              <a:prstGeom prst="rect">
+                <a:avLst/>
+              </a:prstGeom>
+            </p:spPr>
+          </p:pic>
+        </mc:Fallback>
+      </mc:AlternateContent>
+      <mc:AlternateContent xmlns:mc="http://schemas.openxmlformats.org/markup-compatibility/2006">
+        <mc:Choice xmlns:p14="http://schemas.microsoft.com/office/powerpoint/2010/main" Requires="p14">
+          <p:contentPart p14:bwMode="auto" r:id="rId5">
+            <p14:nvContentPartPr>
+              <p14:cNvPr id="11" name="잉크 10"/>
+              <p14:cNvContentPartPr/>
+              <p14:nvPr/>
+            </p14:nvContentPartPr>
+            <p14:xfrm>
+              <a:off x="7189560" y="2066716"/>
+              <a:ext cx="50760" cy="229320"/>
+            </p14:xfrm>
+          </p:contentPart>
+        </mc:Choice>
+        <mc:Fallback>
+          <p:pic>
+            <p:nvPicPr>
+              <p:cNvPr id="11" name="잉크 10"/>
+              <p:cNvPicPr/>
+              <p:nvPr/>
+            </p:nvPicPr>
+            <p:blipFill>
+              <a:blip r:embed="rId6"/>
+              <a:stretch>
+                <a:fillRect/>
+              </a:stretch>
+            </p:blipFill>
+            <p:spPr>
+              <a:xfrm>
+                <a:off x="7177680" y="2054836"/>
+                <a:ext cx="74520" cy="253080"/>
+              </a:xfrm>
+              <a:prstGeom prst="rect">
+                <a:avLst/>
+              </a:prstGeom>
+            </p:spPr>
+          </p:pic>
+        </mc:Fallback>
+      </mc:AlternateContent>
+      <mc:AlternateContent xmlns:mc="http://schemas.openxmlformats.org/markup-compatibility/2006">
+        <mc:Choice xmlns:p14="http://schemas.microsoft.com/office/powerpoint/2010/main" Requires="p14">
+          <p:contentPart p14:bwMode="auto" r:id="rId7">
+            <p14:nvContentPartPr>
+              <p14:cNvPr id="14" name="잉크 13"/>
+              <p14:cNvContentPartPr/>
+              <p14:nvPr/>
+            </p14:nvContentPartPr>
+            <p14:xfrm>
+              <a:off x="3629160" y="4346596"/>
+              <a:ext cx="354960" cy="676800"/>
+            </p14:xfrm>
+          </p:contentPart>
+        </mc:Choice>
+        <mc:Fallback>
+          <p:pic>
+            <p:nvPicPr>
+              <p:cNvPr id="14" name="잉크 13"/>
+              <p:cNvPicPr/>
+              <p:nvPr/>
+            </p:nvPicPr>
+            <p:blipFill>
+              <a:blip r:embed="rId8"/>
+              <a:stretch>
+                <a:fillRect/>
+              </a:stretch>
+            </p:blipFill>
+            <p:spPr>
+              <a:xfrm>
+                <a:off x="3617280" y="4334716"/>
+                <a:ext cx="378720" cy="700560"/>
+              </a:xfrm>
+              <a:prstGeom prst="rect">
+                <a:avLst/>
+              </a:prstGeom>
+            </p:spPr>
+          </p:pic>
+        </mc:Fallback>
+      </mc:AlternateContent>
+      <mc:AlternateContent xmlns:mc="http://schemas.openxmlformats.org/markup-compatibility/2006">
+        <mc:Choice xmlns:p14="http://schemas.microsoft.com/office/powerpoint/2010/main" Requires="p14">
+          <p:contentPart p14:bwMode="auto" r:id="rId9">
+            <p14:nvContentPartPr>
+              <p14:cNvPr id="24" name="잉크 23"/>
+              <p14:cNvContentPartPr/>
+              <p14:nvPr/>
+            </p14:nvContentPartPr>
+            <p14:xfrm>
+              <a:off x="5761800" y="2558836"/>
+              <a:ext cx="1388520" cy="2489400"/>
+            </p14:xfrm>
+          </p:contentPart>
+        </mc:Choice>
+        <mc:Fallback>
+          <p:pic>
+            <p:nvPicPr>
+              <p:cNvPr id="24" name="잉크 23"/>
+              <p:cNvPicPr/>
+              <p:nvPr/>
+            </p:nvPicPr>
+            <p:blipFill>
+              <a:blip r:embed="rId10"/>
+              <a:stretch>
+                <a:fillRect/>
+              </a:stretch>
+            </p:blipFill>
+            <p:spPr>
+              <a:xfrm>
+                <a:off x="5749920" y="2549476"/>
+                <a:ext cx="1409760" cy="2510640"/>
               </a:xfrm>
               <a:prstGeom prst="rect">
                 <a:avLst/>
@@ -23701,8 +27040,8 @@
           </a:extLst>
         </p:spPr>
       </p:pic>
-      <mc:AlternateContent xmlns:mc="http://schemas.openxmlformats.org/markup-compatibility/2006">
-        <mc:Choice xmlns:p14="http://schemas.microsoft.com/office/powerpoint/2010/main" Requires="p14">
+      <mc:AlternateContent xmlns:mc="http://schemas.openxmlformats.org/markup-compatibility/2006" xmlns:p14="http://schemas.microsoft.com/office/powerpoint/2010/main">
+        <mc:Choice Requires="p14">
           <p:contentPart p14:bwMode="auto" r:id="rId3">
             <p14:nvContentPartPr>
               <p14:cNvPr id="2" name="잉크 1">
@@ -23721,7 +27060,7 @@
             </p14:xfrm>
           </p:contentPart>
         </mc:Choice>
-        <mc:Fallback>
+        <mc:Fallback xmlns="">
           <p:pic>
             <p:nvPicPr>
               <p:cNvPr id="2" name="잉크 1">
@@ -23752,8 +27091,8 @@
           </p:pic>
         </mc:Fallback>
       </mc:AlternateContent>
-      <mc:AlternateContent xmlns:mc="http://schemas.openxmlformats.org/markup-compatibility/2006">
-        <mc:Choice xmlns:p14="http://schemas.microsoft.com/office/powerpoint/2010/main" Requires="p14">
+      <mc:AlternateContent xmlns:mc="http://schemas.openxmlformats.org/markup-compatibility/2006" xmlns:p14="http://schemas.microsoft.com/office/powerpoint/2010/main">
+        <mc:Choice Requires="p14">
           <p:contentPart p14:bwMode="auto" r:id="rId5">
             <p14:nvContentPartPr>
               <p14:cNvPr id="3" name="잉크 2">
@@ -23772,7 +27111,7 @@
             </p14:xfrm>
           </p:contentPart>
         </mc:Choice>
-        <mc:Fallback>
+        <mc:Fallback xmlns="">
           <p:pic>
             <p:nvPicPr>
               <p:cNvPr id="3" name="잉크 2">
@@ -23983,8 +27322,8 @@
           </a:extLst>
         </p:spPr>
       </p:pic>
-      <mc:AlternateContent xmlns:mc="http://schemas.openxmlformats.org/markup-compatibility/2006">
-        <mc:Choice xmlns:p14="http://schemas.microsoft.com/office/powerpoint/2010/main" Requires="p14">
+      <mc:AlternateContent xmlns:mc="http://schemas.openxmlformats.org/markup-compatibility/2006" xmlns:p14="http://schemas.microsoft.com/office/powerpoint/2010/main">
+        <mc:Choice Requires="p14">
           <p:contentPart p14:bwMode="auto" r:id="rId3">
             <p14:nvContentPartPr>
               <p14:cNvPr id="2" name="잉크 1">
@@ -24003,7 +27342,7 @@
             </p14:xfrm>
           </p:contentPart>
         </mc:Choice>
-        <mc:Fallback>
+        <mc:Fallback xmlns="">
           <p:pic>
             <p:nvPicPr>
               <p:cNvPr id="2" name="잉크 1">
@@ -24034,8 +27373,8 @@
           </p:pic>
         </mc:Fallback>
       </mc:AlternateContent>
-      <mc:AlternateContent xmlns:mc="http://schemas.openxmlformats.org/markup-compatibility/2006">
-        <mc:Choice xmlns:p14="http://schemas.microsoft.com/office/powerpoint/2010/main" Requires="p14">
+      <mc:AlternateContent xmlns:mc="http://schemas.openxmlformats.org/markup-compatibility/2006" xmlns:p14="http://schemas.microsoft.com/office/powerpoint/2010/main">
+        <mc:Choice Requires="p14">
           <p:contentPart p14:bwMode="auto" r:id="rId5">
             <p14:nvContentPartPr>
               <p14:cNvPr id="3" name="잉크 2">
@@ -24054,7 +27393,7 @@
             </p14:xfrm>
           </p:contentPart>
         </mc:Choice>
-        <mc:Fallback>
+        <mc:Fallback xmlns="">
           <p:pic>
             <p:nvPicPr>
               <p:cNvPr id="3" name="잉크 2">
@@ -24490,8 +27829,8 @@
           </a:p>
         </p:txBody>
       </p:sp>
-      <mc:AlternateContent xmlns:mc="http://schemas.openxmlformats.org/markup-compatibility/2006">
-        <mc:Choice xmlns:p14="http://schemas.microsoft.com/office/powerpoint/2010/main" Requires="p14">
+      <mc:AlternateContent xmlns:mc="http://schemas.openxmlformats.org/markup-compatibility/2006" xmlns:p14="http://schemas.microsoft.com/office/powerpoint/2010/main">
+        <mc:Choice Requires="p14">
           <p:contentPart p14:bwMode="auto" r:id="rId2">
             <p14:nvContentPartPr>
               <p14:cNvPr id="2" name="잉크 1">
@@ -24510,7 +27849,7 @@
             </p14:xfrm>
           </p:contentPart>
         </mc:Choice>
-        <mc:Fallback>
+        <mc:Fallback xmlns="">
           <p:pic>
             <p:nvPicPr>
               <p:cNvPr id="2" name="잉크 1">
@@ -25301,8 +28640,8 @@
           </a:p>
         </p:txBody>
       </p:sp>
-      <mc:AlternateContent xmlns:mc="http://schemas.openxmlformats.org/markup-compatibility/2006">
-        <mc:Choice xmlns:p14="http://schemas.microsoft.com/office/powerpoint/2010/main" Requires="p14">
+      <mc:AlternateContent xmlns:mc="http://schemas.openxmlformats.org/markup-compatibility/2006" xmlns:p14="http://schemas.microsoft.com/office/powerpoint/2010/main">
+        <mc:Choice Requires="p14">
           <p:contentPart p14:bwMode="auto" r:id="rId2">
             <p14:nvContentPartPr>
               <p14:cNvPr id="2" name="잉크 1">
@@ -25321,7 +28660,7 @@
             </p14:xfrm>
           </p:contentPart>
         </mc:Choice>
-        <mc:Fallback>
+        <mc:Fallback xmlns="">
           <p:pic>
             <p:nvPicPr>
               <p:cNvPr id="2" name="잉크 1">
@@ -25898,8 +29237,8 @@
           </a:prstGeom>
         </p:spPr>
       </p:pic>
-      <mc:AlternateContent xmlns:mc="http://schemas.openxmlformats.org/markup-compatibility/2006">
-        <mc:Choice xmlns:p14="http://schemas.microsoft.com/office/powerpoint/2010/main" Requires="p14">
+      <mc:AlternateContent xmlns:mc="http://schemas.openxmlformats.org/markup-compatibility/2006" xmlns:p14="http://schemas.microsoft.com/office/powerpoint/2010/main">
+        <mc:Choice Requires="p14">
           <p:contentPart p14:bwMode="auto" r:id="rId3">
             <p14:nvContentPartPr>
               <p14:cNvPr id="2" name="잉크 1">
@@ -25918,7 +29257,7 @@
             </p14:xfrm>
           </p:contentPart>
         </mc:Choice>
-        <mc:Fallback>
+        <mc:Fallback xmlns="">
           <p:pic>
             <p:nvPicPr>
               <p:cNvPr id="2" name="잉크 1">
@@ -26180,8 +29519,8 @@
           </a:extLst>
         </p:spPr>
       </p:pic>
-      <mc:AlternateContent xmlns:mc="http://schemas.openxmlformats.org/markup-compatibility/2006">
-        <mc:Choice xmlns:p14="http://schemas.microsoft.com/office/powerpoint/2010/main" Requires="p14">
+      <mc:AlternateContent xmlns:mc="http://schemas.openxmlformats.org/markup-compatibility/2006" xmlns:p14="http://schemas.microsoft.com/office/powerpoint/2010/main">
+        <mc:Choice Requires="p14">
           <p:contentPart p14:bwMode="auto" r:id="rId3">
             <p14:nvContentPartPr>
               <p14:cNvPr id="4" name="잉크 3">
@@ -26200,7 +29539,7 @@
             </p14:xfrm>
           </p:contentPart>
         </mc:Choice>
-        <mc:Fallback>
+        <mc:Fallback xmlns="">
           <p:pic>
             <p:nvPicPr>
               <p:cNvPr id="4" name="잉크 3">
@@ -26970,8 +30309,8 @@
           </a:p>
         </p:txBody>
       </p:sp>
-      <mc:AlternateContent xmlns:mc="http://schemas.openxmlformats.org/markup-compatibility/2006">
-        <mc:Choice xmlns:p14="http://schemas.microsoft.com/office/powerpoint/2010/main" Requires="p14">
+      <mc:AlternateContent xmlns:mc="http://schemas.openxmlformats.org/markup-compatibility/2006" xmlns:p14="http://schemas.microsoft.com/office/powerpoint/2010/main">
+        <mc:Choice Requires="p14">
           <p:contentPart p14:bwMode="auto" r:id="rId2">
             <p14:nvContentPartPr>
               <p14:cNvPr id="2" name="잉크 1">
@@ -26990,7 +30329,7 @@
             </p14:xfrm>
           </p:contentPart>
         </mc:Choice>
-        <mc:Fallback>
+        <mc:Fallback xmlns="">
           <p:pic>
             <p:nvPicPr>
               <p:cNvPr id="2" name="잉크 1">
@@ -27883,8 +31222,8 @@
           </a:p>
         </p:txBody>
       </p:sp>
-      <mc:AlternateContent xmlns:mc="http://schemas.openxmlformats.org/markup-compatibility/2006">
-        <mc:Choice xmlns:p14="http://schemas.microsoft.com/office/powerpoint/2010/main" Requires="p14">
+      <mc:AlternateContent xmlns:mc="http://schemas.openxmlformats.org/markup-compatibility/2006" xmlns:p14="http://schemas.microsoft.com/office/powerpoint/2010/main">
+        <mc:Choice Requires="p14">
           <p:contentPart p14:bwMode="auto" r:id="rId2">
             <p14:nvContentPartPr>
               <p14:cNvPr id="2" name="잉크 1">
@@ -27903,7 +31242,7 @@
             </p14:xfrm>
           </p:contentPart>
         </mc:Choice>
-        <mc:Fallback>
+        <mc:Fallback xmlns="">
           <p:pic>
             <p:nvPicPr>
               <p:cNvPr id="2" name="잉크 1">
@@ -28947,8 +32286,8 @@
           </a:p>
         </p:txBody>
       </p:sp>
-      <mc:AlternateContent xmlns:mc="http://schemas.openxmlformats.org/markup-compatibility/2006">
-        <mc:Choice xmlns:p14="http://schemas.microsoft.com/office/powerpoint/2010/main" Requires="p14">
+      <mc:AlternateContent xmlns:mc="http://schemas.openxmlformats.org/markup-compatibility/2006" xmlns:p14="http://schemas.microsoft.com/office/powerpoint/2010/main">
+        <mc:Choice Requires="p14">
           <p:contentPart p14:bwMode="auto" r:id="rId2">
             <p14:nvContentPartPr>
               <p14:cNvPr id="2" name="잉크 1">
@@ -28967,7 +32306,7 @@
             </p14:xfrm>
           </p:contentPart>
         </mc:Choice>
-        <mc:Fallback>
+        <mc:Fallback xmlns="">
           <p:pic>
             <p:nvPicPr>
               <p:cNvPr id="2" name="잉크 1">
@@ -28998,8 +32337,8 @@
           </p:pic>
         </mc:Fallback>
       </mc:AlternateContent>
-      <mc:AlternateContent xmlns:mc="http://schemas.openxmlformats.org/markup-compatibility/2006">
-        <mc:Choice xmlns:p14="http://schemas.microsoft.com/office/powerpoint/2010/main" Requires="p14">
+      <mc:AlternateContent xmlns:mc="http://schemas.openxmlformats.org/markup-compatibility/2006" xmlns:p14="http://schemas.microsoft.com/office/powerpoint/2010/main">
+        <mc:Choice Requires="p14">
           <p:contentPart p14:bwMode="auto" r:id="rId4">
             <p14:nvContentPartPr>
               <p14:cNvPr id="5" name="잉크 4">
@@ -29018,7 +32357,7 @@
             </p14:xfrm>
           </p:contentPart>
         </mc:Choice>
-        <mc:Fallback>
+        <mc:Fallback xmlns="">
           <p:pic>
             <p:nvPicPr>
               <p:cNvPr id="5" name="잉크 4">
@@ -30173,8 +33512,8 @@
           </a:p>
         </p:txBody>
       </p:sp>
-      <mc:AlternateContent xmlns:mc="http://schemas.openxmlformats.org/markup-compatibility/2006">
-        <mc:Choice xmlns:p14="http://schemas.microsoft.com/office/powerpoint/2010/main" Requires="p14">
+      <mc:AlternateContent xmlns:mc="http://schemas.openxmlformats.org/markup-compatibility/2006" xmlns:p14="http://schemas.microsoft.com/office/powerpoint/2010/main">
+        <mc:Choice Requires="p14">
           <p:contentPart p14:bwMode="auto" r:id="rId2">
             <p14:nvContentPartPr>
               <p14:cNvPr id="2" name="잉크 1">
@@ -30193,7 +33532,7 @@
             </p14:xfrm>
           </p:contentPart>
         </mc:Choice>
-        <mc:Fallback>
+        <mc:Fallback xmlns="">
           <p:pic>
             <p:nvPicPr>
               <p:cNvPr id="2" name="잉크 1">
@@ -30982,8 +34321,8 @@
           </a:p>
         </p:txBody>
       </p:sp>
-      <mc:AlternateContent xmlns:mc="http://schemas.openxmlformats.org/markup-compatibility/2006">
-        <mc:Choice xmlns:p14="http://schemas.microsoft.com/office/powerpoint/2010/main" Requires="p14">
+      <mc:AlternateContent xmlns:mc="http://schemas.openxmlformats.org/markup-compatibility/2006" xmlns:p14="http://schemas.microsoft.com/office/powerpoint/2010/main">
+        <mc:Choice Requires="p14">
           <p:contentPart p14:bwMode="auto" r:id="rId2">
             <p14:nvContentPartPr>
               <p14:cNvPr id="2" name="잉크 1">
@@ -31002,7 +34341,7 @@
             </p14:xfrm>
           </p:contentPart>
         </mc:Choice>
-        <mc:Fallback>
+        <mc:Fallback xmlns="">
           <p:pic>
             <p:nvPicPr>
               <p:cNvPr id="2" name="잉크 1">
@@ -31231,6 +34570,123 @@
           </a:extLst>
         </p:spPr>
       </p:pic>
+      <mc:AlternateContent xmlns:mc="http://schemas.openxmlformats.org/markup-compatibility/2006">
+        <mc:Choice xmlns:p14="http://schemas.microsoft.com/office/powerpoint/2010/main" Requires="p14">
+          <p:contentPart p14:bwMode="auto" r:id="rId3">
+            <p14:nvContentPartPr>
+              <p14:cNvPr id="3" name="잉크 2"/>
+              <p14:cNvContentPartPr/>
+              <p14:nvPr/>
+            </p14:nvContentPartPr>
+            <p14:xfrm>
+              <a:off x="2104200" y="5599036"/>
+              <a:ext cx="1303200" cy="221400"/>
+            </p14:xfrm>
+          </p:contentPart>
+        </mc:Choice>
+        <mc:Fallback>
+          <p:pic>
+            <p:nvPicPr>
+              <p:cNvPr id="3" name="잉크 2"/>
+              <p:cNvPicPr/>
+              <p:nvPr/>
+            </p:nvPicPr>
+            <p:blipFill>
+              <a:blip r:embed="rId4"/>
+              <a:stretch>
+                <a:fillRect/>
+              </a:stretch>
+            </p:blipFill>
+            <p:spPr>
+              <a:xfrm>
+                <a:off x="2092320" y="5587156"/>
+                <a:ext cx="1326960" cy="245160"/>
+              </a:xfrm>
+              <a:prstGeom prst="rect">
+                <a:avLst/>
+              </a:prstGeom>
+            </p:spPr>
+          </p:pic>
+        </mc:Fallback>
+      </mc:AlternateContent>
+      <mc:AlternateContent xmlns:mc="http://schemas.openxmlformats.org/markup-compatibility/2006">
+        <mc:Choice xmlns:p14="http://schemas.microsoft.com/office/powerpoint/2010/main" Requires="p14">
+          <p:contentPart p14:bwMode="auto" r:id="rId5">
+            <p14:nvContentPartPr>
+              <p14:cNvPr id="5" name="잉크 4"/>
+              <p14:cNvContentPartPr/>
+              <p14:nvPr/>
+            </p14:nvContentPartPr>
+            <p14:xfrm>
+              <a:off x="6012360" y="4371436"/>
+              <a:ext cx="1065240" cy="50760"/>
+            </p14:xfrm>
+          </p:contentPart>
+        </mc:Choice>
+        <mc:Fallback>
+          <p:pic>
+            <p:nvPicPr>
+              <p:cNvPr id="5" name="잉크 4"/>
+              <p:cNvPicPr/>
+              <p:nvPr/>
+            </p:nvPicPr>
+            <p:blipFill>
+              <a:blip r:embed="rId6"/>
+              <a:stretch>
+                <a:fillRect/>
+              </a:stretch>
+            </p:blipFill>
+            <p:spPr>
+              <a:xfrm>
+                <a:off x="6000480" y="4359556"/>
+                <a:ext cx="1089000" cy="74520"/>
+              </a:xfrm>
+              <a:prstGeom prst="rect">
+                <a:avLst/>
+              </a:prstGeom>
+            </p:spPr>
+          </p:pic>
+        </mc:Fallback>
+      </mc:AlternateContent>
+      <mc:AlternateContent xmlns:mc="http://schemas.openxmlformats.org/markup-compatibility/2006">
+        <mc:Choice xmlns:p14="http://schemas.microsoft.com/office/powerpoint/2010/main" Requires="p14">
+          <p:contentPart p14:bwMode="auto" r:id="rId7">
+            <p14:nvContentPartPr>
+              <p14:cNvPr id="8" name="잉크 7"/>
+              <p14:cNvContentPartPr/>
+              <p14:nvPr/>
+            </p14:nvContentPartPr>
+            <p14:xfrm>
+              <a:off x="2254680" y="2542636"/>
+              <a:ext cx="689400" cy="689400"/>
+            </p14:xfrm>
+          </p:contentPart>
+        </mc:Choice>
+        <mc:Fallback>
+          <p:pic>
+            <p:nvPicPr>
+              <p:cNvPr id="8" name="잉크 7"/>
+              <p:cNvPicPr/>
+              <p:nvPr/>
+            </p:nvPicPr>
+            <p:blipFill>
+              <a:blip r:embed="rId8"/>
+              <a:stretch>
+                <a:fillRect/>
+              </a:stretch>
+            </p:blipFill>
+            <p:spPr>
+              <a:xfrm>
+                <a:off x="2242800" y="2530756"/>
+                <a:ext cx="713160" cy="713160"/>
+              </a:xfrm>
+              <a:prstGeom prst="rect">
+                <a:avLst/>
+              </a:prstGeom>
+            </p:spPr>
+          </p:pic>
+        </mc:Fallback>
+      </mc:AlternateContent>
     </p:spTree>
     <p:extLst>
       <p:ext uri="{BB962C8B-B14F-4D97-AF65-F5344CB8AC3E}">
@@ -31417,8 +34873,8 @@
           </a:p>
         </p:txBody>
       </p:sp>
-      <mc:AlternateContent xmlns:mc="http://schemas.openxmlformats.org/markup-compatibility/2006">
-        <mc:Choice xmlns:p14="http://schemas.microsoft.com/office/powerpoint/2010/main" Requires="p14">
+      <mc:AlternateContent xmlns:mc="http://schemas.openxmlformats.org/markup-compatibility/2006" xmlns:p14="http://schemas.microsoft.com/office/powerpoint/2010/main">
+        <mc:Choice Requires="p14">
           <p:contentPart p14:bwMode="auto" r:id="rId3">
             <p14:nvContentPartPr>
               <p14:cNvPr id="3" name="잉크 2">
@@ -31437,7 +34893,7 @@
             </p14:xfrm>
           </p:contentPart>
         </mc:Choice>
-        <mc:Fallback>
+        <mc:Fallback xmlns="">
           <p:pic>
             <p:nvPicPr>
               <p:cNvPr id="3" name="잉크 2">
@@ -32308,6 +35764,84 @@
           </a:p>
         </p:txBody>
       </p:sp>
+      <mc:AlternateContent xmlns:mc="http://schemas.openxmlformats.org/markup-compatibility/2006">
+        <mc:Choice xmlns:p14="http://schemas.microsoft.com/office/powerpoint/2010/main" Requires="p14">
+          <p:contentPart p14:bwMode="auto" r:id="rId2">
+            <p14:nvContentPartPr>
+              <p14:cNvPr id="3" name="잉크 2"/>
+              <p14:cNvContentPartPr/>
+              <p14:nvPr/>
+            </p14:nvContentPartPr>
+            <p14:xfrm>
+              <a:off x="7590600" y="5373676"/>
+              <a:ext cx="601920" cy="360"/>
+            </p14:xfrm>
+          </p:contentPart>
+        </mc:Choice>
+        <mc:Fallback>
+          <p:pic>
+            <p:nvPicPr>
+              <p:cNvPr id="3" name="잉크 2"/>
+              <p:cNvPicPr/>
+              <p:nvPr/>
+            </p:nvPicPr>
+            <p:blipFill>
+              <a:blip r:embed="rId3"/>
+              <a:stretch>
+                <a:fillRect/>
+              </a:stretch>
+            </p:blipFill>
+            <p:spPr>
+              <a:xfrm>
+                <a:off x="7578720" y="5361796"/>
+                <a:ext cx="625680" cy="24120"/>
+              </a:xfrm>
+              <a:prstGeom prst="rect">
+                <a:avLst/>
+              </a:prstGeom>
+            </p:spPr>
+          </p:pic>
+        </mc:Fallback>
+      </mc:AlternateContent>
+      <mc:AlternateContent xmlns:mc="http://schemas.openxmlformats.org/markup-compatibility/2006">
+        <mc:Choice xmlns:p14="http://schemas.microsoft.com/office/powerpoint/2010/main" Requires="p14">
+          <p:contentPart p14:bwMode="auto" r:id="rId4">
+            <p14:nvContentPartPr>
+              <p14:cNvPr id="5" name="잉크 4"/>
+              <p14:cNvContentPartPr/>
+              <p14:nvPr/>
+            </p14:nvContentPartPr>
+            <p14:xfrm>
+              <a:off x="2667960" y="5472676"/>
+              <a:ext cx="488880" cy="39240"/>
+            </p14:xfrm>
+          </p:contentPart>
+        </mc:Choice>
+        <mc:Fallback>
+          <p:pic>
+            <p:nvPicPr>
+              <p:cNvPr id="5" name="잉크 4"/>
+              <p:cNvPicPr/>
+              <p:nvPr/>
+            </p:nvPicPr>
+            <p:blipFill>
+              <a:blip r:embed="rId5"/>
+              <a:stretch>
+                <a:fillRect/>
+              </a:stretch>
+            </p:blipFill>
+            <p:spPr>
+              <a:xfrm>
+                <a:off x="2656080" y="5460796"/>
+                <a:ext cx="512640" cy="63000"/>
+              </a:xfrm>
+              <a:prstGeom prst="rect">
+                <a:avLst/>
+              </a:prstGeom>
+            </p:spPr>
+          </p:pic>
+        </mc:Fallback>
+      </mc:AlternateContent>
     </p:spTree>
     <p:extLst>
       <p:ext uri="{BB962C8B-B14F-4D97-AF65-F5344CB8AC3E}">
@@ -32993,6 +36527,48 @@
               </a:rPr>
               <a:t>}</a:t>
             </a:r>
+          </a:p>
+        </p:txBody>
+      </p:sp>
+      <p:sp>
+        <p:nvSpPr>
+          <p:cNvPr id="2" name="TextBox 1"/>
+          <p:cNvSpPr txBox="1"/>
+          <p:nvPr/>
+        </p:nvSpPr>
+        <p:spPr>
+          <a:xfrm>
+            <a:off x="3682652" y="1143000"/>
+            <a:ext cx="1348446" cy="584775"/>
+          </a:xfrm>
+          <a:prstGeom prst="rect">
+            <a:avLst/>
+          </a:prstGeom>
+          <a:noFill/>
+        </p:spPr>
+        <p:txBody>
+          <a:bodyPr wrap="none" rtlCol="0">
+            <a:spAutoFit/>
+          </a:bodyPr>
+          <a:lstStyle/>
+          <a:p>
+            <a:r>
+              <a:rPr lang="ko-KR" altLang="en-US" sz="1600" dirty="0" smtClean="0">
+                <a:latin typeface="HY바다L" pitchFamily="18" charset="-127"/>
+                <a:ea typeface="HY바다L" pitchFamily="18" charset="-127"/>
+              </a:rPr>
+              <a:t>편지 꺼낼 곳</a:t>
+            </a:r>
+            <a:endParaRPr lang="en-US" altLang="ko-KR" sz="1600" dirty="0" smtClean="0">
+              <a:latin typeface="HY바다L" pitchFamily="18" charset="-127"/>
+              <a:ea typeface="HY바다L" pitchFamily="18" charset="-127"/>
+            </a:endParaRPr>
+          </a:p>
+          <a:p>
+            <a:endParaRPr lang="ko-KR" altLang="en-US" sz="1600" dirty="0" smtClean="0">
+              <a:latin typeface="HY바다L" pitchFamily="18" charset="-127"/>
+              <a:ea typeface="HY바다L" pitchFamily="18" charset="-127"/>
+            </a:endParaRPr>
           </a:p>
         </p:txBody>
       </p:sp>
@@ -35644,6 +39220,162 @@
           </a:p>
         </p:txBody>
       </p:sp>
+      <mc:AlternateContent xmlns:mc="http://schemas.openxmlformats.org/markup-compatibility/2006">
+        <mc:Choice xmlns:p14="http://schemas.microsoft.com/office/powerpoint/2010/main" Requires="p14">
+          <p:contentPart p14:bwMode="auto" r:id="rId2">
+            <p14:nvContentPartPr>
+              <p14:cNvPr id="4" name="잉크 3"/>
+              <p14:cNvContentPartPr/>
+              <p14:nvPr/>
+            </p14:nvContentPartPr>
+            <p14:xfrm>
+              <a:off x="3143880" y="2342476"/>
+              <a:ext cx="514080" cy="338400"/>
+            </p14:xfrm>
+          </p:contentPart>
+        </mc:Choice>
+        <mc:Fallback>
+          <p:pic>
+            <p:nvPicPr>
+              <p:cNvPr id="4" name="잉크 3"/>
+              <p:cNvPicPr/>
+              <p:nvPr/>
+            </p:nvPicPr>
+            <p:blipFill>
+              <a:blip r:embed="rId3"/>
+              <a:stretch>
+                <a:fillRect/>
+              </a:stretch>
+            </p:blipFill>
+            <p:spPr>
+              <a:xfrm>
+                <a:off x="3132000" y="2330596"/>
+                <a:ext cx="537840" cy="362160"/>
+              </a:xfrm>
+              <a:prstGeom prst="rect">
+                <a:avLst/>
+              </a:prstGeom>
+            </p:spPr>
+          </p:pic>
+        </mc:Fallback>
+      </mc:AlternateContent>
+      <mc:AlternateContent xmlns:mc="http://schemas.openxmlformats.org/markup-compatibility/2006">
+        <mc:Choice xmlns:p14="http://schemas.microsoft.com/office/powerpoint/2010/main" Requires="p14">
+          <p:contentPart p14:bwMode="auto" r:id="rId4">
+            <p14:nvContentPartPr>
+              <p14:cNvPr id="12" name="잉크 11"/>
+              <p14:cNvContentPartPr/>
+              <p14:nvPr/>
+            </p14:nvContentPartPr>
+            <p14:xfrm>
+              <a:off x="1473480" y="726436"/>
+              <a:ext cx="906840" cy="4259160"/>
+            </p14:xfrm>
+          </p:contentPart>
+        </mc:Choice>
+        <mc:Fallback>
+          <p:pic>
+            <p:nvPicPr>
+              <p:cNvPr id="12" name="잉크 11"/>
+              <p:cNvPicPr/>
+              <p:nvPr/>
+            </p:nvPicPr>
+            <p:blipFill>
+              <a:blip r:embed="rId5"/>
+              <a:stretch>
+                <a:fillRect/>
+              </a:stretch>
+            </p:blipFill>
+            <p:spPr>
+              <a:xfrm>
+                <a:off x="1461600" y="714556"/>
+                <a:ext cx="930600" cy="4282920"/>
+              </a:xfrm>
+              <a:prstGeom prst="rect">
+                <a:avLst/>
+              </a:prstGeom>
+            </p:spPr>
+          </p:pic>
+        </mc:Fallback>
+      </mc:AlternateContent>
+      <mc:AlternateContent xmlns:mc="http://schemas.openxmlformats.org/markup-compatibility/2006">
+        <mc:Choice xmlns:p14="http://schemas.microsoft.com/office/powerpoint/2010/main" Requires="p14">
+          <p:contentPart p14:bwMode="auto" r:id="rId6">
+            <p14:nvContentPartPr>
+              <p14:cNvPr id="17" name="잉크 16"/>
+              <p14:cNvContentPartPr/>
+              <p14:nvPr/>
+            </p14:nvContentPartPr>
+            <p14:xfrm>
+              <a:off x="338040" y="3006316"/>
+              <a:ext cx="914760" cy="403200"/>
+            </p14:xfrm>
+          </p:contentPart>
+        </mc:Choice>
+        <mc:Fallback>
+          <p:pic>
+            <p:nvPicPr>
+              <p:cNvPr id="17" name="잉크 16"/>
+              <p:cNvPicPr/>
+              <p:nvPr/>
+            </p:nvPicPr>
+            <p:blipFill>
+              <a:blip r:embed="rId7"/>
+              <a:stretch>
+                <a:fillRect/>
+              </a:stretch>
+            </p:blipFill>
+            <p:spPr>
+              <a:xfrm>
+                <a:off x="326160" y="2994436"/>
+                <a:ext cx="938520" cy="426960"/>
+              </a:xfrm>
+              <a:prstGeom prst="rect">
+                <a:avLst/>
+              </a:prstGeom>
+            </p:spPr>
+          </p:pic>
+        </mc:Fallback>
+      </mc:AlternateContent>
+      <mc:AlternateContent xmlns:mc="http://schemas.openxmlformats.org/markup-compatibility/2006">
+        <mc:Choice xmlns:p14="http://schemas.microsoft.com/office/powerpoint/2010/main" Requires="p14">
+          <p:contentPart p14:bwMode="auto" r:id="rId8">
+            <p14:nvContentPartPr>
+              <p14:cNvPr id="18" name="잉크 17"/>
+              <p14:cNvContentPartPr/>
+              <p14:nvPr/>
+            </p14:nvContentPartPr>
+            <p14:xfrm>
+              <a:off x="2179440" y="4221316"/>
+              <a:ext cx="100800" cy="238320"/>
+            </p14:xfrm>
+          </p:contentPart>
+        </mc:Choice>
+        <mc:Fallback>
+          <p:pic>
+            <p:nvPicPr>
+              <p:cNvPr id="18" name="잉크 17"/>
+              <p:cNvPicPr/>
+              <p:nvPr/>
+            </p:nvPicPr>
+            <p:blipFill>
+              <a:blip r:embed="rId9"/>
+              <a:stretch>
+                <a:fillRect/>
+              </a:stretch>
+            </p:blipFill>
+            <p:spPr>
+              <a:xfrm>
+                <a:off x="2167560" y="4209436"/>
+                <a:ext cx="124560" cy="262080"/>
+              </a:xfrm>
+              <a:prstGeom prst="rect">
+                <a:avLst/>
+              </a:prstGeom>
+            </p:spPr>
+          </p:pic>
+        </mc:Fallback>
+      </mc:AlternateContent>
     </p:spTree>
     <p:extLst>
       <p:ext uri="{BB962C8B-B14F-4D97-AF65-F5344CB8AC3E}">
@@ -36062,6 +39794,45 @@
           </a:p>
         </p:txBody>
       </p:sp>
+      <mc:AlternateContent xmlns:mc="http://schemas.openxmlformats.org/markup-compatibility/2006">
+        <mc:Choice xmlns:p14="http://schemas.microsoft.com/office/powerpoint/2010/main" Requires="p14">
+          <p:contentPart p14:bwMode="auto" r:id="rId2">
+            <p14:nvContentPartPr>
+              <p14:cNvPr id="3" name="잉크 2"/>
+              <p14:cNvContentPartPr/>
+              <p14:nvPr/>
+            </p14:nvContentPartPr>
+            <p14:xfrm>
+              <a:off x="3069000" y="3118996"/>
+              <a:ext cx="175680" cy="175680"/>
+            </p14:xfrm>
+          </p:contentPart>
+        </mc:Choice>
+        <mc:Fallback>
+          <p:pic>
+            <p:nvPicPr>
+              <p:cNvPr id="3" name="잉크 2"/>
+              <p:cNvPicPr/>
+              <p:nvPr/>
+            </p:nvPicPr>
+            <p:blipFill>
+              <a:blip r:embed="rId3"/>
+              <a:stretch>
+                <a:fillRect/>
+              </a:stretch>
+            </p:blipFill>
+            <p:spPr>
+              <a:xfrm>
+                <a:off x="3057120" y="3107116"/>
+                <a:ext cx="199440" cy="199440"/>
+              </a:xfrm>
+              <a:prstGeom prst="rect">
+                <a:avLst/>
+              </a:prstGeom>
+            </p:spPr>
+          </p:pic>
+        </mc:Fallback>
+      </mc:AlternateContent>
     </p:spTree>
     <p:extLst>
       <p:ext uri="{BB962C8B-B14F-4D97-AF65-F5344CB8AC3E}">
@@ -36076,6 +39847,2595 @@
 </file>
 
 <file path=ppt/slides/slide39.xml><?xml version="1.0" encoding="utf-8"?>
+<p:sld xmlns:a="http://schemas.openxmlformats.org/drawingml/2006/main" xmlns:r="http://schemas.openxmlformats.org/officeDocument/2006/relationships" xmlns:p="http://schemas.openxmlformats.org/presentationml/2006/main">
+  <p:cSld>
+    <p:spTree>
+      <p:nvGrpSpPr>
+        <p:cNvPr id="1" name=""/>
+        <p:cNvGrpSpPr/>
+        <p:nvPr/>
+      </p:nvGrpSpPr>
+      <p:grpSpPr>
+        <a:xfrm>
+          <a:off x="0" y="0"/>
+          <a:ext cx="0" cy="0"/>
+          <a:chOff x="0" y="0"/>
+          <a:chExt cx="0" cy="0"/>
+        </a:xfrm>
+      </p:grpSpPr>
+      <p:sp>
+        <p:nvSpPr>
+          <p:cNvPr id="3" name="제목 2"/>
+          <p:cNvSpPr>
+            <a:spLocks noGrp="1"/>
+          </p:cNvSpPr>
+          <p:nvPr>
+            <p:ph type="title"/>
+          </p:nvPr>
+        </p:nvSpPr>
+        <p:spPr/>
+        <p:txBody>
+          <a:bodyPr/>
+          <a:lstStyle/>
+          <a:p>
+            <a:r>
+              <a:rPr lang="ko-KR" altLang="en-US" dirty="0" err="1" smtClean="0"/>
+              <a:t>어떠카지</a:t>
+            </a:r>
+            <a:r>
+              <a:rPr lang="en-US" altLang="ko-KR" dirty="0" smtClean="0"/>
+              <a:t>?</a:t>
+            </a:r>
+            <a:endParaRPr lang="ko-KR" altLang="en-US" dirty="0"/>
+          </a:p>
+        </p:txBody>
+      </p:sp>
+      <p:sp>
+        <p:nvSpPr>
+          <p:cNvPr id="4" name="직사각형 3"/>
+          <p:cNvSpPr/>
+          <p:nvPr/>
+        </p:nvSpPr>
+        <p:spPr>
+          <a:xfrm>
+            <a:off x="801666" y="1866378"/>
+            <a:ext cx="501041" cy="1002082"/>
+          </a:xfrm>
+          <a:prstGeom prst="rect">
+            <a:avLst/>
+          </a:prstGeom>
+        </p:spPr>
+        <p:style>
+          <a:lnRef idx="2">
+            <a:schemeClr val="accent1">
+              <a:shade val="50000"/>
+            </a:schemeClr>
+          </a:lnRef>
+          <a:fillRef idx="1">
+            <a:schemeClr val="accent1"/>
+          </a:fillRef>
+          <a:effectRef idx="0">
+            <a:schemeClr val="accent1"/>
+          </a:effectRef>
+          <a:fontRef idx="minor">
+            <a:schemeClr val="lt1"/>
+          </a:fontRef>
+        </p:style>
+        <p:txBody>
+          <a:bodyPr rtlCol="0" anchor="ctr"/>
+          <a:lstStyle/>
+          <a:p>
+            <a:pPr algn="ctr"/>
+            <a:endParaRPr lang="ko-KR" altLang="en-US"/>
+          </a:p>
+        </p:txBody>
+      </p:sp>
+      <p:sp>
+        <p:nvSpPr>
+          <p:cNvPr id="5" name="직사각형 4"/>
+          <p:cNvSpPr/>
+          <p:nvPr/>
+        </p:nvSpPr>
+        <p:spPr>
+          <a:xfrm>
+            <a:off x="2886815" y="1866378"/>
+            <a:ext cx="501041" cy="1002082"/>
+          </a:xfrm>
+          <a:prstGeom prst="rect">
+            <a:avLst/>
+          </a:prstGeom>
+        </p:spPr>
+        <p:style>
+          <a:lnRef idx="2">
+            <a:schemeClr val="accent1">
+              <a:shade val="50000"/>
+            </a:schemeClr>
+          </a:lnRef>
+          <a:fillRef idx="1">
+            <a:schemeClr val="accent1"/>
+          </a:fillRef>
+          <a:effectRef idx="0">
+            <a:schemeClr val="accent1"/>
+          </a:effectRef>
+          <a:fontRef idx="minor">
+            <a:schemeClr val="lt1"/>
+          </a:fontRef>
+        </p:style>
+        <p:txBody>
+          <a:bodyPr rtlCol="0" anchor="ctr"/>
+          <a:lstStyle/>
+          <a:p>
+            <a:pPr algn="ctr"/>
+            <a:endParaRPr lang="ko-KR" altLang="en-US"/>
+          </a:p>
+        </p:txBody>
+      </p:sp>
+      <p:sp>
+        <p:nvSpPr>
+          <p:cNvPr id="6" name="TextBox 5"/>
+          <p:cNvSpPr txBox="1"/>
+          <p:nvPr/>
+        </p:nvSpPr>
+        <p:spPr>
+          <a:xfrm>
+            <a:off x="688932" y="1515649"/>
+            <a:ext cx="925777" cy="584775"/>
+          </a:xfrm>
+          <a:prstGeom prst="rect">
+            <a:avLst/>
+          </a:prstGeom>
+          <a:noFill/>
+        </p:spPr>
+        <p:txBody>
+          <a:bodyPr wrap="square" rtlCol="0">
+            <a:spAutoFit/>
+          </a:bodyPr>
+          <a:lstStyle/>
+          <a:p>
+            <a:r>
+              <a:rPr lang="en-US" altLang="ko-KR" sz="1600" dirty="0" smtClean="0">
+                <a:latin typeface="HY바다L" pitchFamily="18" charset="-127"/>
+                <a:ea typeface="HY바다L" pitchFamily="18" charset="-127"/>
+              </a:rPr>
+              <a:t>192.0.0.1</a:t>
+            </a:r>
+          </a:p>
+          <a:p>
+            <a:endParaRPr lang="ko-KR" altLang="en-US" sz="1600" dirty="0" smtClean="0">
+              <a:latin typeface="HY바다L" pitchFamily="18" charset="-127"/>
+              <a:ea typeface="HY바다L" pitchFamily="18" charset="-127"/>
+            </a:endParaRPr>
+          </a:p>
+        </p:txBody>
+      </p:sp>
+      <p:sp>
+        <p:nvSpPr>
+          <p:cNvPr id="7" name="TextBox 6"/>
+          <p:cNvSpPr txBox="1"/>
+          <p:nvPr/>
+        </p:nvSpPr>
+        <p:spPr>
+          <a:xfrm>
+            <a:off x="2737078" y="1528175"/>
+            <a:ext cx="925777" cy="584775"/>
+          </a:xfrm>
+          <a:prstGeom prst="rect">
+            <a:avLst/>
+          </a:prstGeom>
+          <a:noFill/>
+        </p:spPr>
+        <p:txBody>
+          <a:bodyPr wrap="square" rtlCol="0">
+            <a:spAutoFit/>
+          </a:bodyPr>
+          <a:lstStyle/>
+          <a:p>
+            <a:r>
+              <a:rPr lang="en-US" altLang="ko-KR" sz="1600" dirty="0" smtClean="0">
+                <a:latin typeface="HY바다L" pitchFamily="18" charset="-127"/>
+                <a:ea typeface="HY바다L" pitchFamily="18" charset="-127"/>
+              </a:rPr>
+              <a:t>192.0.0.2</a:t>
+            </a:r>
+          </a:p>
+          <a:p>
+            <a:endParaRPr lang="ko-KR" altLang="en-US" sz="1600" dirty="0" smtClean="0">
+              <a:latin typeface="HY바다L" pitchFamily="18" charset="-127"/>
+              <a:ea typeface="HY바다L" pitchFamily="18" charset="-127"/>
+            </a:endParaRPr>
+          </a:p>
+        </p:txBody>
+      </p:sp>
+      <p:sp>
+        <p:nvSpPr>
+          <p:cNvPr id="10" name="TextBox 9"/>
+          <p:cNvSpPr txBox="1"/>
+          <p:nvPr/>
+        </p:nvSpPr>
+        <p:spPr>
+          <a:xfrm>
+            <a:off x="1764446" y="2100424"/>
+            <a:ext cx="506870" cy="584775"/>
+          </a:xfrm>
+          <a:prstGeom prst="rect">
+            <a:avLst/>
+          </a:prstGeom>
+          <a:noFill/>
+        </p:spPr>
+        <p:txBody>
+          <a:bodyPr wrap="none" rtlCol="0">
+            <a:spAutoFit/>
+          </a:bodyPr>
+          <a:lstStyle/>
+          <a:p>
+            <a:r>
+              <a:rPr lang="en-US" altLang="ko-KR" sz="1600" dirty="0" smtClean="0">
+                <a:latin typeface="HY바다L" pitchFamily="18" charset="-127"/>
+                <a:ea typeface="HY바다L" pitchFamily="18" charset="-127"/>
+              </a:rPr>
+              <a:t>200</a:t>
+            </a:r>
+          </a:p>
+          <a:p>
+            <a:endParaRPr lang="ko-KR" altLang="en-US" sz="1600" dirty="0" smtClean="0">
+              <a:latin typeface="HY바다L" pitchFamily="18" charset="-127"/>
+              <a:ea typeface="HY바다L" pitchFamily="18" charset="-127"/>
+            </a:endParaRPr>
+          </a:p>
+        </p:txBody>
+      </p:sp>
+      <p:cxnSp>
+        <p:nvCxnSpPr>
+          <p:cNvPr id="12" name="직선 화살표 연결선 11"/>
+          <p:cNvCxnSpPr>
+            <a:stCxn id="5" idx="1"/>
+            <a:endCxn id="4" idx="3"/>
+          </p:cNvCxnSpPr>
+          <p:nvPr/>
+        </p:nvCxnSpPr>
+        <p:spPr>
+          <a:xfrm flipH="1">
+            <a:off x="1302707" y="2367419"/>
+            <a:ext cx="1584108" cy="0"/>
+          </a:xfrm>
+          <a:prstGeom prst="straightConnector1">
+            <a:avLst/>
+          </a:prstGeom>
+          <a:ln>
+            <a:tailEnd type="triangle"/>
+          </a:ln>
+        </p:spPr>
+        <p:style>
+          <a:lnRef idx="1">
+            <a:schemeClr val="accent1"/>
+          </a:lnRef>
+          <a:fillRef idx="0">
+            <a:schemeClr val="accent1"/>
+          </a:fillRef>
+          <a:effectRef idx="0">
+            <a:schemeClr val="accent1"/>
+          </a:effectRef>
+          <a:fontRef idx="minor">
+            <a:schemeClr val="tx1"/>
+          </a:fontRef>
+        </p:style>
+      </p:cxnSp>
+      <p:cxnSp>
+        <p:nvCxnSpPr>
+          <p:cNvPr id="16" name="직선 화살표 연결선 15"/>
+          <p:cNvCxnSpPr/>
+          <p:nvPr/>
+        </p:nvCxnSpPr>
+        <p:spPr>
+          <a:xfrm>
+            <a:off x="1302707" y="2685199"/>
+            <a:ext cx="1584108" cy="0"/>
+          </a:xfrm>
+          <a:prstGeom prst="straightConnector1">
+            <a:avLst/>
+          </a:prstGeom>
+          <a:ln>
+            <a:tailEnd type="triangle"/>
+          </a:ln>
+        </p:spPr>
+        <p:style>
+          <a:lnRef idx="1">
+            <a:schemeClr val="accent1"/>
+          </a:lnRef>
+          <a:fillRef idx="0">
+            <a:schemeClr val="accent1"/>
+          </a:fillRef>
+          <a:effectRef idx="0">
+            <a:schemeClr val="accent1"/>
+          </a:effectRef>
+          <a:fontRef idx="minor">
+            <a:schemeClr val="tx1"/>
+          </a:fontRef>
+        </p:style>
+      </p:cxnSp>
+      <p:sp>
+        <p:nvSpPr>
+          <p:cNvPr id="17" name="TextBox 16"/>
+          <p:cNvSpPr txBox="1"/>
+          <p:nvPr/>
+        </p:nvSpPr>
+        <p:spPr>
+          <a:xfrm>
+            <a:off x="1803748" y="2605415"/>
+            <a:ext cx="495649" cy="338554"/>
+          </a:xfrm>
+          <a:prstGeom prst="rect">
+            <a:avLst/>
+          </a:prstGeom>
+          <a:noFill/>
+        </p:spPr>
+        <p:txBody>
+          <a:bodyPr wrap="none" rtlCol="0">
+            <a:spAutoFit/>
+          </a:bodyPr>
+          <a:lstStyle/>
+          <a:p>
+            <a:r>
+              <a:rPr lang="en-US" altLang="ko-KR" sz="1600" dirty="0" smtClean="0">
+                <a:latin typeface="HY바다L" pitchFamily="18" charset="-127"/>
+                <a:ea typeface="HY바다L" pitchFamily="18" charset="-127"/>
+              </a:rPr>
+              <a:t>300</a:t>
+            </a:r>
+            <a:endParaRPr lang="ko-KR" altLang="en-US" sz="1600" dirty="0" smtClean="0">
+              <a:latin typeface="HY바다L" pitchFamily="18" charset="-127"/>
+              <a:ea typeface="HY바다L" pitchFamily="18" charset="-127"/>
+            </a:endParaRPr>
+          </a:p>
+        </p:txBody>
+      </p:sp>
+      <p:sp>
+        <p:nvSpPr>
+          <p:cNvPr id="18" name="직사각형 17"/>
+          <p:cNvSpPr/>
+          <p:nvPr/>
+        </p:nvSpPr>
+        <p:spPr>
+          <a:xfrm>
+            <a:off x="4711874" y="1866378"/>
+            <a:ext cx="501041" cy="1002082"/>
+          </a:xfrm>
+          <a:prstGeom prst="rect">
+            <a:avLst/>
+          </a:prstGeom>
+        </p:spPr>
+        <p:style>
+          <a:lnRef idx="2">
+            <a:schemeClr val="accent1">
+              <a:shade val="50000"/>
+            </a:schemeClr>
+          </a:lnRef>
+          <a:fillRef idx="1">
+            <a:schemeClr val="accent1"/>
+          </a:fillRef>
+          <a:effectRef idx="0">
+            <a:schemeClr val="accent1"/>
+          </a:effectRef>
+          <a:fontRef idx="minor">
+            <a:schemeClr val="lt1"/>
+          </a:fontRef>
+        </p:style>
+        <p:txBody>
+          <a:bodyPr rtlCol="0" anchor="ctr"/>
+          <a:lstStyle/>
+          <a:p>
+            <a:pPr algn="ctr"/>
+            <a:endParaRPr lang="ko-KR" altLang="en-US"/>
+          </a:p>
+        </p:txBody>
+      </p:sp>
+      <p:sp>
+        <p:nvSpPr>
+          <p:cNvPr id="19" name="직사각형 18"/>
+          <p:cNvSpPr/>
+          <p:nvPr/>
+        </p:nvSpPr>
+        <p:spPr>
+          <a:xfrm>
+            <a:off x="6797023" y="1866378"/>
+            <a:ext cx="501041" cy="1002082"/>
+          </a:xfrm>
+          <a:prstGeom prst="rect">
+            <a:avLst/>
+          </a:prstGeom>
+        </p:spPr>
+        <p:style>
+          <a:lnRef idx="2">
+            <a:schemeClr val="accent1">
+              <a:shade val="50000"/>
+            </a:schemeClr>
+          </a:lnRef>
+          <a:fillRef idx="1">
+            <a:schemeClr val="accent1"/>
+          </a:fillRef>
+          <a:effectRef idx="0">
+            <a:schemeClr val="accent1"/>
+          </a:effectRef>
+          <a:fontRef idx="minor">
+            <a:schemeClr val="lt1"/>
+          </a:fontRef>
+        </p:style>
+        <p:txBody>
+          <a:bodyPr rtlCol="0" anchor="ctr"/>
+          <a:lstStyle/>
+          <a:p>
+            <a:pPr algn="ctr"/>
+            <a:endParaRPr lang="ko-KR" altLang="en-US"/>
+          </a:p>
+        </p:txBody>
+      </p:sp>
+      <p:sp>
+        <p:nvSpPr>
+          <p:cNvPr id="20" name="TextBox 19"/>
+          <p:cNvSpPr txBox="1"/>
+          <p:nvPr/>
+        </p:nvSpPr>
+        <p:spPr>
+          <a:xfrm>
+            <a:off x="4599140" y="1515649"/>
+            <a:ext cx="925777" cy="584775"/>
+          </a:xfrm>
+          <a:prstGeom prst="rect">
+            <a:avLst/>
+          </a:prstGeom>
+          <a:noFill/>
+        </p:spPr>
+        <p:txBody>
+          <a:bodyPr wrap="square" rtlCol="0">
+            <a:spAutoFit/>
+          </a:bodyPr>
+          <a:lstStyle/>
+          <a:p>
+            <a:r>
+              <a:rPr lang="en-US" altLang="ko-KR" sz="1600" dirty="0" smtClean="0">
+                <a:latin typeface="HY바다L" pitchFamily="18" charset="-127"/>
+                <a:ea typeface="HY바다L" pitchFamily="18" charset="-127"/>
+              </a:rPr>
+              <a:t>192.0.0.1</a:t>
+            </a:r>
+          </a:p>
+          <a:p>
+            <a:endParaRPr lang="ko-KR" altLang="en-US" sz="1600" dirty="0" smtClean="0">
+              <a:latin typeface="HY바다L" pitchFamily="18" charset="-127"/>
+              <a:ea typeface="HY바다L" pitchFamily="18" charset="-127"/>
+            </a:endParaRPr>
+          </a:p>
+        </p:txBody>
+      </p:sp>
+      <p:sp>
+        <p:nvSpPr>
+          <p:cNvPr id="21" name="TextBox 20"/>
+          <p:cNvSpPr txBox="1"/>
+          <p:nvPr/>
+        </p:nvSpPr>
+        <p:spPr>
+          <a:xfrm>
+            <a:off x="6647286" y="1528175"/>
+            <a:ext cx="925777" cy="584775"/>
+          </a:xfrm>
+          <a:prstGeom prst="rect">
+            <a:avLst/>
+          </a:prstGeom>
+          <a:noFill/>
+        </p:spPr>
+        <p:txBody>
+          <a:bodyPr wrap="square" rtlCol="0">
+            <a:spAutoFit/>
+          </a:bodyPr>
+          <a:lstStyle/>
+          <a:p>
+            <a:r>
+              <a:rPr lang="en-US" altLang="ko-KR" sz="1600" dirty="0" smtClean="0">
+                <a:latin typeface="HY바다L" pitchFamily="18" charset="-127"/>
+                <a:ea typeface="HY바다L" pitchFamily="18" charset="-127"/>
+              </a:rPr>
+              <a:t>192.0.0.2</a:t>
+            </a:r>
+          </a:p>
+          <a:p>
+            <a:endParaRPr lang="ko-KR" altLang="en-US" sz="1600" dirty="0" smtClean="0">
+              <a:latin typeface="HY바다L" pitchFamily="18" charset="-127"/>
+              <a:ea typeface="HY바다L" pitchFamily="18" charset="-127"/>
+            </a:endParaRPr>
+          </a:p>
+        </p:txBody>
+      </p:sp>
+      <p:sp>
+        <p:nvSpPr>
+          <p:cNvPr id="22" name="TextBox 21"/>
+          <p:cNvSpPr txBox="1"/>
+          <p:nvPr/>
+        </p:nvSpPr>
+        <p:spPr>
+          <a:xfrm>
+            <a:off x="5255747" y="2100424"/>
+            <a:ext cx="506870" cy="584775"/>
+          </a:xfrm>
+          <a:prstGeom prst="rect">
+            <a:avLst/>
+          </a:prstGeom>
+          <a:noFill/>
+        </p:spPr>
+        <p:txBody>
+          <a:bodyPr wrap="none" rtlCol="0">
+            <a:spAutoFit/>
+          </a:bodyPr>
+          <a:lstStyle/>
+          <a:p>
+            <a:r>
+              <a:rPr lang="en-US" altLang="ko-KR" sz="1600" dirty="0" smtClean="0">
+                <a:latin typeface="HY바다L" pitchFamily="18" charset="-127"/>
+                <a:ea typeface="HY바다L" pitchFamily="18" charset="-127"/>
+              </a:rPr>
+              <a:t>200</a:t>
+            </a:r>
+          </a:p>
+          <a:p>
+            <a:endParaRPr lang="ko-KR" altLang="en-US" sz="1600" dirty="0" smtClean="0">
+              <a:latin typeface="HY바다L" pitchFamily="18" charset="-127"/>
+              <a:ea typeface="HY바다L" pitchFamily="18" charset="-127"/>
+            </a:endParaRPr>
+          </a:p>
+        </p:txBody>
+      </p:sp>
+      <p:cxnSp>
+        <p:nvCxnSpPr>
+          <p:cNvPr id="23" name="직선 화살표 연결선 22"/>
+          <p:cNvCxnSpPr>
+            <a:stCxn id="19" idx="1"/>
+            <a:endCxn id="18" idx="3"/>
+          </p:cNvCxnSpPr>
+          <p:nvPr/>
+        </p:nvCxnSpPr>
+        <p:spPr>
+          <a:xfrm flipH="1">
+            <a:off x="5212915" y="2367419"/>
+            <a:ext cx="1584108" cy="0"/>
+          </a:xfrm>
+          <a:prstGeom prst="straightConnector1">
+            <a:avLst/>
+          </a:prstGeom>
+          <a:ln>
+            <a:tailEnd type="triangle"/>
+          </a:ln>
+        </p:spPr>
+        <p:style>
+          <a:lnRef idx="1">
+            <a:schemeClr val="accent1"/>
+          </a:lnRef>
+          <a:fillRef idx="0">
+            <a:schemeClr val="accent1"/>
+          </a:fillRef>
+          <a:effectRef idx="0">
+            <a:schemeClr val="accent1"/>
+          </a:effectRef>
+          <a:fontRef idx="minor">
+            <a:schemeClr val="tx1"/>
+          </a:fontRef>
+        </p:style>
+      </p:cxnSp>
+      <p:cxnSp>
+        <p:nvCxnSpPr>
+          <p:cNvPr id="24" name="직선 화살표 연결선 23"/>
+          <p:cNvCxnSpPr/>
+          <p:nvPr/>
+        </p:nvCxnSpPr>
+        <p:spPr>
+          <a:xfrm>
+            <a:off x="5212915" y="2685199"/>
+            <a:ext cx="1584108" cy="0"/>
+          </a:xfrm>
+          <a:prstGeom prst="straightConnector1">
+            <a:avLst/>
+          </a:prstGeom>
+          <a:ln>
+            <a:tailEnd type="triangle"/>
+          </a:ln>
+        </p:spPr>
+        <p:style>
+          <a:lnRef idx="1">
+            <a:schemeClr val="accent1"/>
+          </a:lnRef>
+          <a:fillRef idx="0">
+            <a:schemeClr val="accent1"/>
+          </a:fillRef>
+          <a:effectRef idx="0">
+            <a:schemeClr val="accent1"/>
+          </a:effectRef>
+          <a:fontRef idx="minor">
+            <a:schemeClr val="tx1"/>
+          </a:fontRef>
+        </p:style>
+      </p:cxnSp>
+      <p:sp>
+        <p:nvSpPr>
+          <p:cNvPr id="25" name="TextBox 24"/>
+          <p:cNvSpPr txBox="1"/>
+          <p:nvPr/>
+        </p:nvSpPr>
+        <p:spPr>
+          <a:xfrm>
+            <a:off x="6255489" y="2605415"/>
+            <a:ext cx="495649" cy="338554"/>
+          </a:xfrm>
+          <a:prstGeom prst="rect">
+            <a:avLst/>
+          </a:prstGeom>
+          <a:noFill/>
+        </p:spPr>
+        <p:txBody>
+          <a:bodyPr wrap="none" rtlCol="0">
+            <a:spAutoFit/>
+          </a:bodyPr>
+          <a:lstStyle/>
+          <a:p>
+            <a:r>
+              <a:rPr lang="en-US" altLang="ko-KR" sz="1600" dirty="0" smtClean="0">
+                <a:latin typeface="HY바다L" pitchFamily="18" charset="-127"/>
+                <a:ea typeface="HY바다L" pitchFamily="18" charset="-127"/>
+              </a:rPr>
+              <a:t>300</a:t>
+            </a:r>
+            <a:endParaRPr lang="ko-KR" altLang="en-US" sz="1600" dirty="0" smtClean="0">
+              <a:latin typeface="HY바다L" pitchFamily="18" charset="-127"/>
+              <a:ea typeface="HY바다L" pitchFamily="18" charset="-127"/>
+            </a:endParaRPr>
+          </a:p>
+        </p:txBody>
+      </p:sp>
+      <p:sp>
+        <p:nvSpPr>
+          <p:cNvPr id="26" name="직사각형 25"/>
+          <p:cNvSpPr/>
+          <p:nvPr/>
+        </p:nvSpPr>
+        <p:spPr>
+          <a:xfrm>
+            <a:off x="5754448" y="3439892"/>
+            <a:ext cx="501041" cy="939452"/>
+          </a:xfrm>
+          <a:prstGeom prst="rect">
+            <a:avLst/>
+          </a:prstGeom>
+        </p:spPr>
+        <p:style>
+          <a:lnRef idx="2">
+            <a:schemeClr val="accent1">
+              <a:shade val="50000"/>
+            </a:schemeClr>
+          </a:lnRef>
+          <a:fillRef idx="1">
+            <a:schemeClr val="accent1"/>
+          </a:fillRef>
+          <a:effectRef idx="0">
+            <a:schemeClr val="accent1"/>
+          </a:effectRef>
+          <a:fontRef idx="minor">
+            <a:schemeClr val="lt1"/>
+          </a:fontRef>
+        </p:style>
+        <p:txBody>
+          <a:bodyPr rtlCol="0" anchor="ctr"/>
+          <a:lstStyle/>
+          <a:p>
+            <a:pPr algn="ctr"/>
+            <a:endParaRPr lang="ko-KR" altLang="en-US"/>
+          </a:p>
+        </p:txBody>
+      </p:sp>
+      <p:cxnSp>
+        <p:nvCxnSpPr>
+          <p:cNvPr id="28" name="직선 화살표 연결선 27"/>
+          <p:cNvCxnSpPr>
+            <a:stCxn id="26" idx="0"/>
+            <a:endCxn id="18" idx="3"/>
+          </p:cNvCxnSpPr>
+          <p:nvPr/>
+        </p:nvCxnSpPr>
+        <p:spPr>
+          <a:xfrm flipH="1" flipV="1">
+            <a:off x="5212915" y="2367419"/>
+            <a:ext cx="792054" cy="1072473"/>
+          </a:xfrm>
+          <a:prstGeom prst="straightConnector1">
+            <a:avLst/>
+          </a:prstGeom>
+          <a:ln>
+            <a:tailEnd type="triangle"/>
+          </a:ln>
+        </p:spPr>
+        <p:style>
+          <a:lnRef idx="1">
+            <a:schemeClr val="accent1"/>
+          </a:lnRef>
+          <a:fillRef idx="0">
+            <a:schemeClr val="accent1"/>
+          </a:fillRef>
+          <a:effectRef idx="0">
+            <a:schemeClr val="accent1"/>
+          </a:effectRef>
+          <a:fontRef idx="minor">
+            <a:schemeClr val="tx1"/>
+          </a:fontRef>
+        </p:style>
+      </p:cxnSp>
+      <p:cxnSp>
+        <p:nvCxnSpPr>
+          <p:cNvPr id="31" name="직선 화살표 연결선 30"/>
+          <p:cNvCxnSpPr/>
+          <p:nvPr/>
+        </p:nvCxnSpPr>
+        <p:spPr>
+          <a:xfrm flipV="1">
+            <a:off x="6261934" y="2774692"/>
+            <a:ext cx="535089" cy="665200"/>
+          </a:xfrm>
+          <a:prstGeom prst="straightConnector1">
+            <a:avLst/>
+          </a:prstGeom>
+          <a:ln>
+            <a:tailEnd type="triangle"/>
+          </a:ln>
+        </p:spPr>
+        <p:style>
+          <a:lnRef idx="1">
+            <a:schemeClr val="accent1"/>
+          </a:lnRef>
+          <a:fillRef idx="0">
+            <a:schemeClr val="accent1"/>
+          </a:fillRef>
+          <a:effectRef idx="0">
+            <a:schemeClr val="accent1"/>
+          </a:effectRef>
+          <a:fontRef idx="minor">
+            <a:schemeClr val="tx1"/>
+          </a:fontRef>
+        </p:style>
+      </p:cxnSp>
+      <p:sp>
+        <p:nvSpPr>
+          <p:cNvPr id="32" name="TextBox 31"/>
+          <p:cNvSpPr txBox="1"/>
+          <p:nvPr/>
+        </p:nvSpPr>
+        <p:spPr>
+          <a:xfrm>
+            <a:off x="5763546" y="3794569"/>
+            <a:ext cx="508473" cy="584775"/>
+          </a:xfrm>
+          <a:prstGeom prst="rect">
+            <a:avLst/>
+          </a:prstGeom>
+          <a:noFill/>
+        </p:spPr>
+        <p:txBody>
+          <a:bodyPr wrap="none" rtlCol="0">
+            <a:spAutoFit/>
+          </a:bodyPr>
+          <a:lstStyle/>
+          <a:p>
+            <a:r>
+              <a:rPr lang="en-US" altLang="ko-KR" sz="1600" smtClean="0">
+                <a:latin typeface="HY바다L" pitchFamily="18" charset="-127"/>
+                <a:ea typeface="HY바다L" pitchFamily="18" charset="-127"/>
+              </a:rPr>
+              <a:t>400</a:t>
+            </a:r>
+          </a:p>
+          <a:p>
+            <a:endParaRPr lang="ko-KR" altLang="en-US" sz="1600" dirty="0" smtClean="0">
+              <a:latin typeface="HY바다L" pitchFamily="18" charset="-127"/>
+              <a:ea typeface="HY바다L" pitchFamily="18" charset="-127"/>
+            </a:endParaRPr>
+          </a:p>
+        </p:txBody>
+      </p:sp>
+      <p:cxnSp>
+        <p:nvCxnSpPr>
+          <p:cNvPr id="36" name="직선 화살표 연결선 35"/>
+          <p:cNvCxnSpPr>
+            <a:stCxn id="26" idx="1"/>
+            <a:endCxn id="18" idx="2"/>
+          </p:cNvCxnSpPr>
+          <p:nvPr/>
+        </p:nvCxnSpPr>
+        <p:spPr>
+          <a:xfrm flipH="1" flipV="1">
+            <a:off x="4962395" y="2868460"/>
+            <a:ext cx="792053" cy="1041158"/>
+          </a:xfrm>
+          <a:prstGeom prst="straightConnector1">
+            <a:avLst/>
+          </a:prstGeom>
+          <a:ln>
+            <a:tailEnd type="triangle"/>
+          </a:ln>
+        </p:spPr>
+        <p:style>
+          <a:lnRef idx="1">
+            <a:schemeClr val="accent1"/>
+          </a:lnRef>
+          <a:fillRef idx="0">
+            <a:schemeClr val="accent1"/>
+          </a:fillRef>
+          <a:effectRef idx="0">
+            <a:schemeClr val="accent1"/>
+          </a:effectRef>
+          <a:fontRef idx="minor">
+            <a:schemeClr val="tx1"/>
+          </a:fontRef>
+        </p:style>
+      </p:cxnSp>
+      <p:cxnSp>
+        <p:nvCxnSpPr>
+          <p:cNvPr id="38" name="직선 화살표 연결선 37"/>
+          <p:cNvCxnSpPr>
+            <a:stCxn id="32" idx="3"/>
+            <a:endCxn id="19" idx="2"/>
+          </p:cNvCxnSpPr>
+          <p:nvPr/>
+        </p:nvCxnSpPr>
+        <p:spPr>
+          <a:xfrm flipV="1">
+            <a:off x="6272019" y="2868460"/>
+            <a:ext cx="775525" cy="1218497"/>
+          </a:xfrm>
+          <a:prstGeom prst="straightConnector1">
+            <a:avLst/>
+          </a:prstGeom>
+          <a:ln>
+            <a:tailEnd type="triangle"/>
+          </a:ln>
+        </p:spPr>
+        <p:style>
+          <a:lnRef idx="1">
+            <a:schemeClr val="accent1"/>
+          </a:lnRef>
+          <a:fillRef idx="0">
+            <a:schemeClr val="accent1"/>
+          </a:fillRef>
+          <a:effectRef idx="0">
+            <a:schemeClr val="accent1"/>
+          </a:effectRef>
+          <a:fontRef idx="minor">
+            <a:schemeClr val="tx1"/>
+          </a:fontRef>
+        </p:style>
+      </p:cxnSp>
+      <p:sp>
+        <p:nvSpPr>
+          <p:cNvPr id="39" name="직사각형 38"/>
+          <p:cNvSpPr/>
+          <p:nvPr/>
+        </p:nvSpPr>
+        <p:spPr>
+          <a:xfrm>
+            <a:off x="801666" y="3472187"/>
+            <a:ext cx="501041" cy="1002082"/>
+          </a:xfrm>
+          <a:prstGeom prst="rect">
+            <a:avLst/>
+          </a:prstGeom>
+        </p:spPr>
+        <p:style>
+          <a:lnRef idx="2">
+            <a:schemeClr val="accent1">
+              <a:shade val="50000"/>
+            </a:schemeClr>
+          </a:lnRef>
+          <a:fillRef idx="1">
+            <a:schemeClr val="accent1"/>
+          </a:fillRef>
+          <a:effectRef idx="0">
+            <a:schemeClr val="accent1"/>
+          </a:effectRef>
+          <a:fontRef idx="minor">
+            <a:schemeClr val="lt1"/>
+          </a:fontRef>
+        </p:style>
+        <p:txBody>
+          <a:bodyPr rtlCol="0" anchor="ctr"/>
+          <a:lstStyle/>
+          <a:p>
+            <a:pPr algn="ctr"/>
+            <a:endParaRPr lang="ko-KR" altLang="en-US"/>
+          </a:p>
+        </p:txBody>
+      </p:sp>
+      <p:sp>
+        <p:nvSpPr>
+          <p:cNvPr id="40" name="직사각형 39"/>
+          <p:cNvSpPr/>
+          <p:nvPr/>
+        </p:nvSpPr>
+        <p:spPr>
+          <a:xfrm>
+            <a:off x="2886815" y="3472187"/>
+            <a:ext cx="501041" cy="1002082"/>
+          </a:xfrm>
+          <a:prstGeom prst="rect">
+            <a:avLst/>
+          </a:prstGeom>
+        </p:spPr>
+        <p:style>
+          <a:lnRef idx="2">
+            <a:schemeClr val="accent1">
+              <a:shade val="50000"/>
+            </a:schemeClr>
+          </a:lnRef>
+          <a:fillRef idx="1">
+            <a:schemeClr val="accent1"/>
+          </a:fillRef>
+          <a:effectRef idx="0">
+            <a:schemeClr val="accent1"/>
+          </a:effectRef>
+          <a:fontRef idx="minor">
+            <a:schemeClr val="lt1"/>
+          </a:fontRef>
+        </p:style>
+        <p:txBody>
+          <a:bodyPr rtlCol="0" anchor="ctr"/>
+          <a:lstStyle/>
+          <a:p>
+            <a:pPr algn="ctr"/>
+            <a:endParaRPr lang="ko-KR" altLang="en-US"/>
+          </a:p>
+        </p:txBody>
+      </p:sp>
+      <p:sp>
+        <p:nvSpPr>
+          <p:cNvPr id="41" name="TextBox 40"/>
+          <p:cNvSpPr txBox="1"/>
+          <p:nvPr/>
+        </p:nvSpPr>
+        <p:spPr>
+          <a:xfrm>
+            <a:off x="688932" y="3121458"/>
+            <a:ext cx="925777" cy="584775"/>
+          </a:xfrm>
+          <a:prstGeom prst="rect">
+            <a:avLst/>
+          </a:prstGeom>
+          <a:noFill/>
+        </p:spPr>
+        <p:txBody>
+          <a:bodyPr wrap="square" rtlCol="0">
+            <a:spAutoFit/>
+          </a:bodyPr>
+          <a:lstStyle/>
+          <a:p>
+            <a:r>
+              <a:rPr lang="en-US" altLang="ko-KR" sz="1600" dirty="0" smtClean="0">
+                <a:latin typeface="HY바다L" pitchFamily="18" charset="-127"/>
+                <a:ea typeface="HY바다L" pitchFamily="18" charset="-127"/>
+              </a:rPr>
+              <a:t>192.0.0.1</a:t>
+            </a:r>
+          </a:p>
+          <a:p>
+            <a:endParaRPr lang="ko-KR" altLang="en-US" sz="1600" dirty="0" smtClean="0">
+              <a:latin typeface="HY바다L" pitchFamily="18" charset="-127"/>
+              <a:ea typeface="HY바다L" pitchFamily="18" charset="-127"/>
+            </a:endParaRPr>
+          </a:p>
+        </p:txBody>
+      </p:sp>
+      <p:sp>
+        <p:nvSpPr>
+          <p:cNvPr id="42" name="TextBox 41"/>
+          <p:cNvSpPr txBox="1"/>
+          <p:nvPr/>
+        </p:nvSpPr>
+        <p:spPr>
+          <a:xfrm>
+            <a:off x="2737078" y="3133984"/>
+            <a:ext cx="925777" cy="584775"/>
+          </a:xfrm>
+          <a:prstGeom prst="rect">
+            <a:avLst/>
+          </a:prstGeom>
+          <a:noFill/>
+        </p:spPr>
+        <p:txBody>
+          <a:bodyPr wrap="square" rtlCol="0">
+            <a:spAutoFit/>
+          </a:bodyPr>
+          <a:lstStyle/>
+          <a:p>
+            <a:r>
+              <a:rPr lang="en-US" altLang="ko-KR" sz="1600" dirty="0" smtClean="0">
+                <a:latin typeface="HY바다L" pitchFamily="18" charset="-127"/>
+                <a:ea typeface="HY바다L" pitchFamily="18" charset="-127"/>
+              </a:rPr>
+              <a:t>192.0.0.2</a:t>
+            </a:r>
+          </a:p>
+          <a:p>
+            <a:endParaRPr lang="ko-KR" altLang="en-US" sz="1600" dirty="0" smtClean="0">
+              <a:latin typeface="HY바다L" pitchFamily="18" charset="-127"/>
+              <a:ea typeface="HY바다L" pitchFamily="18" charset="-127"/>
+            </a:endParaRPr>
+          </a:p>
+        </p:txBody>
+      </p:sp>
+      <p:sp>
+        <p:nvSpPr>
+          <p:cNvPr id="43" name="TextBox 42"/>
+          <p:cNvSpPr txBox="1"/>
+          <p:nvPr/>
+        </p:nvSpPr>
+        <p:spPr>
+          <a:xfrm>
+            <a:off x="1764446" y="3706233"/>
+            <a:ext cx="506870" cy="584775"/>
+          </a:xfrm>
+          <a:prstGeom prst="rect">
+            <a:avLst/>
+          </a:prstGeom>
+          <a:noFill/>
+        </p:spPr>
+        <p:txBody>
+          <a:bodyPr wrap="none" rtlCol="0">
+            <a:spAutoFit/>
+          </a:bodyPr>
+          <a:lstStyle/>
+          <a:p>
+            <a:r>
+              <a:rPr lang="en-US" altLang="ko-KR" sz="1600" dirty="0" smtClean="0">
+                <a:latin typeface="HY바다L" pitchFamily="18" charset="-127"/>
+                <a:ea typeface="HY바다L" pitchFamily="18" charset="-127"/>
+              </a:rPr>
+              <a:t>200</a:t>
+            </a:r>
+          </a:p>
+          <a:p>
+            <a:endParaRPr lang="ko-KR" altLang="en-US" sz="1600" dirty="0" smtClean="0">
+              <a:latin typeface="HY바다L" pitchFamily="18" charset="-127"/>
+              <a:ea typeface="HY바다L" pitchFamily="18" charset="-127"/>
+            </a:endParaRPr>
+          </a:p>
+        </p:txBody>
+      </p:sp>
+      <p:cxnSp>
+        <p:nvCxnSpPr>
+          <p:cNvPr id="48" name="직선 화살표 연결선 47"/>
+          <p:cNvCxnSpPr>
+            <a:stCxn id="39" idx="3"/>
+            <a:endCxn id="40" idx="1"/>
+          </p:cNvCxnSpPr>
+          <p:nvPr/>
+        </p:nvCxnSpPr>
+        <p:spPr>
+          <a:xfrm>
+            <a:off x="1302707" y="3973228"/>
+            <a:ext cx="1584108" cy="0"/>
+          </a:xfrm>
+          <a:prstGeom prst="straightConnector1">
+            <a:avLst/>
+          </a:prstGeom>
+          <a:ln>
+            <a:headEnd type="triangle"/>
+            <a:tailEnd type="triangle"/>
+          </a:ln>
+        </p:spPr>
+        <p:style>
+          <a:lnRef idx="1">
+            <a:schemeClr val="accent1"/>
+          </a:lnRef>
+          <a:fillRef idx="0">
+            <a:schemeClr val="accent1"/>
+          </a:fillRef>
+          <a:effectRef idx="0">
+            <a:schemeClr val="accent1"/>
+          </a:effectRef>
+          <a:fontRef idx="minor">
+            <a:schemeClr val="tx1"/>
+          </a:fontRef>
+        </p:style>
+      </p:cxnSp>
+      <p:sp>
+        <p:nvSpPr>
+          <p:cNvPr id="49" name="직사각형 48"/>
+          <p:cNvSpPr/>
+          <p:nvPr/>
+        </p:nvSpPr>
+        <p:spPr>
+          <a:xfrm>
+            <a:off x="887352" y="5746505"/>
+            <a:ext cx="501041" cy="1002082"/>
+          </a:xfrm>
+          <a:prstGeom prst="rect">
+            <a:avLst/>
+          </a:prstGeom>
+        </p:spPr>
+        <p:style>
+          <a:lnRef idx="2">
+            <a:schemeClr val="accent1">
+              <a:shade val="50000"/>
+            </a:schemeClr>
+          </a:lnRef>
+          <a:fillRef idx="1">
+            <a:schemeClr val="accent1"/>
+          </a:fillRef>
+          <a:effectRef idx="0">
+            <a:schemeClr val="accent1"/>
+          </a:effectRef>
+          <a:fontRef idx="minor">
+            <a:schemeClr val="lt1"/>
+          </a:fontRef>
+        </p:style>
+        <p:txBody>
+          <a:bodyPr rtlCol="0" anchor="ctr"/>
+          <a:lstStyle/>
+          <a:p>
+            <a:pPr algn="ctr"/>
+            <a:endParaRPr lang="ko-KR" altLang="en-US"/>
+          </a:p>
+        </p:txBody>
+      </p:sp>
+      <p:sp>
+        <p:nvSpPr>
+          <p:cNvPr id="50" name="직사각형 49"/>
+          <p:cNvSpPr/>
+          <p:nvPr/>
+        </p:nvSpPr>
+        <p:spPr>
+          <a:xfrm>
+            <a:off x="2972501" y="5746505"/>
+            <a:ext cx="501041" cy="1002082"/>
+          </a:xfrm>
+          <a:prstGeom prst="rect">
+            <a:avLst/>
+          </a:prstGeom>
+        </p:spPr>
+        <p:style>
+          <a:lnRef idx="2">
+            <a:schemeClr val="accent1">
+              <a:shade val="50000"/>
+            </a:schemeClr>
+          </a:lnRef>
+          <a:fillRef idx="1">
+            <a:schemeClr val="accent1"/>
+          </a:fillRef>
+          <a:effectRef idx="0">
+            <a:schemeClr val="accent1"/>
+          </a:effectRef>
+          <a:fontRef idx="minor">
+            <a:schemeClr val="lt1"/>
+          </a:fontRef>
+        </p:style>
+        <p:txBody>
+          <a:bodyPr rtlCol="0" anchor="ctr"/>
+          <a:lstStyle/>
+          <a:p>
+            <a:pPr algn="ctr"/>
+            <a:endParaRPr lang="ko-KR" altLang="en-US"/>
+          </a:p>
+        </p:txBody>
+      </p:sp>
+      <p:sp>
+        <p:nvSpPr>
+          <p:cNvPr id="51" name="TextBox 50"/>
+          <p:cNvSpPr txBox="1"/>
+          <p:nvPr/>
+        </p:nvSpPr>
+        <p:spPr>
+          <a:xfrm>
+            <a:off x="774618" y="5395776"/>
+            <a:ext cx="925777" cy="584775"/>
+          </a:xfrm>
+          <a:prstGeom prst="rect">
+            <a:avLst/>
+          </a:prstGeom>
+          <a:noFill/>
+        </p:spPr>
+        <p:txBody>
+          <a:bodyPr wrap="square" rtlCol="0">
+            <a:spAutoFit/>
+          </a:bodyPr>
+          <a:lstStyle/>
+          <a:p>
+            <a:r>
+              <a:rPr lang="en-US" altLang="ko-KR" sz="1600" dirty="0" smtClean="0">
+                <a:latin typeface="HY바다L" pitchFamily="18" charset="-127"/>
+                <a:ea typeface="HY바다L" pitchFamily="18" charset="-127"/>
+              </a:rPr>
+              <a:t>192.0.0.1</a:t>
+            </a:r>
+          </a:p>
+          <a:p>
+            <a:endParaRPr lang="ko-KR" altLang="en-US" sz="1600" dirty="0" smtClean="0">
+              <a:latin typeface="HY바다L" pitchFamily="18" charset="-127"/>
+              <a:ea typeface="HY바다L" pitchFamily="18" charset="-127"/>
+            </a:endParaRPr>
+          </a:p>
+        </p:txBody>
+      </p:sp>
+      <p:sp>
+        <p:nvSpPr>
+          <p:cNvPr id="52" name="TextBox 51"/>
+          <p:cNvSpPr txBox="1"/>
+          <p:nvPr/>
+        </p:nvSpPr>
+        <p:spPr>
+          <a:xfrm>
+            <a:off x="2822764" y="5408302"/>
+            <a:ext cx="925777" cy="584775"/>
+          </a:xfrm>
+          <a:prstGeom prst="rect">
+            <a:avLst/>
+          </a:prstGeom>
+          <a:noFill/>
+        </p:spPr>
+        <p:txBody>
+          <a:bodyPr wrap="square" rtlCol="0">
+            <a:spAutoFit/>
+          </a:bodyPr>
+          <a:lstStyle/>
+          <a:p>
+            <a:r>
+              <a:rPr lang="en-US" altLang="ko-KR" sz="1600" dirty="0" smtClean="0">
+                <a:latin typeface="HY바다L" pitchFamily="18" charset="-127"/>
+                <a:ea typeface="HY바다L" pitchFamily="18" charset="-127"/>
+              </a:rPr>
+              <a:t>192.0.0.2</a:t>
+            </a:r>
+          </a:p>
+          <a:p>
+            <a:endParaRPr lang="ko-KR" altLang="en-US" sz="1600" dirty="0" smtClean="0">
+              <a:latin typeface="HY바다L" pitchFamily="18" charset="-127"/>
+              <a:ea typeface="HY바다L" pitchFamily="18" charset="-127"/>
+            </a:endParaRPr>
+          </a:p>
+        </p:txBody>
+      </p:sp>
+      <p:sp>
+        <p:nvSpPr>
+          <p:cNvPr id="53" name="TextBox 52"/>
+          <p:cNvSpPr txBox="1"/>
+          <p:nvPr/>
+        </p:nvSpPr>
+        <p:spPr>
+          <a:xfrm>
+            <a:off x="2149869" y="5620905"/>
+            <a:ext cx="506870" cy="584775"/>
+          </a:xfrm>
+          <a:prstGeom prst="rect">
+            <a:avLst/>
+          </a:prstGeom>
+          <a:noFill/>
+        </p:spPr>
+        <p:txBody>
+          <a:bodyPr wrap="none" rtlCol="0">
+            <a:spAutoFit/>
+          </a:bodyPr>
+          <a:lstStyle/>
+          <a:p>
+            <a:r>
+              <a:rPr lang="en-US" altLang="ko-KR" sz="1600" dirty="0" smtClean="0">
+                <a:latin typeface="HY바다L" pitchFamily="18" charset="-127"/>
+                <a:ea typeface="HY바다L" pitchFamily="18" charset="-127"/>
+              </a:rPr>
+              <a:t>200</a:t>
+            </a:r>
+          </a:p>
+          <a:p>
+            <a:endParaRPr lang="ko-KR" altLang="en-US" sz="1600" dirty="0" smtClean="0">
+              <a:latin typeface="HY바다L" pitchFamily="18" charset="-127"/>
+              <a:ea typeface="HY바다L" pitchFamily="18" charset="-127"/>
+            </a:endParaRPr>
+          </a:p>
+        </p:txBody>
+      </p:sp>
+      <p:cxnSp>
+        <p:nvCxnSpPr>
+          <p:cNvPr id="54" name="직선 화살표 연결선 53"/>
+          <p:cNvCxnSpPr>
+            <a:stCxn id="49" idx="3"/>
+            <a:endCxn id="50" idx="1"/>
+          </p:cNvCxnSpPr>
+          <p:nvPr/>
+        </p:nvCxnSpPr>
+        <p:spPr>
+          <a:xfrm>
+            <a:off x="1388393" y="6247546"/>
+            <a:ext cx="1584108" cy="0"/>
+          </a:xfrm>
+          <a:prstGeom prst="straightConnector1">
+            <a:avLst/>
+          </a:prstGeom>
+          <a:ln>
+            <a:headEnd type="triangle"/>
+            <a:tailEnd type="triangle"/>
+          </a:ln>
+        </p:spPr>
+        <p:style>
+          <a:lnRef idx="1">
+            <a:schemeClr val="accent1"/>
+          </a:lnRef>
+          <a:fillRef idx="0">
+            <a:schemeClr val="accent1"/>
+          </a:fillRef>
+          <a:effectRef idx="0">
+            <a:schemeClr val="accent1"/>
+          </a:effectRef>
+          <a:fontRef idx="minor">
+            <a:schemeClr val="tx1"/>
+          </a:fontRef>
+        </p:style>
+      </p:cxnSp>
+      <p:sp>
+        <p:nvSpPr>
+          <p:cNvPr id="55" name="직사각형 54"/>
+          <p:cNvSpPr/>
+          <p:nvPr/>
+        </p:nvSpPr>
+        <p:spPr>
+          <a:xfrm>
+            <a:off x="1618814" y="4641505"/>
+            <a:ext cx="501041" cy="1002082"/>
+          </a:xfrm>
+          <a:prstGeom prst="rect">
+            <a:avLst/>
+          </a:prstGeom>
+        </p:spPr>
+        <p:style>
+          <a:lnRef idx="2">
+            <a:schemeClr val="accent1">
+              <a:shade val="50000"/>
+            </a:schemeClr>
+          </a:lnRef>
+          <a:fillRef idx="1">
+            <a:schemeClr val="accent1"/>
+          </a:fillRef>
+          <a:effectRef idx="0">
+            <a:schemeClr val="accent1"/>
+          </a:effectRef>
+          <a:fontRef idx="minor">
+            <a:schemeClr val="lt1"/>
+          </a:fontRef>
+        </p:style>
+        <p:txBody>
+          <a:bodyPr rtlCol="0" anchor="ctr"/>
+          <a:lstStyle/>
+          <a:p>
+            <a:pPr algn="ctr"/>
+            <a:endParaRPr lang="ko-KR" altLang="en-US"/>
+          </a:p>
+        </p:txBody>
+      </p:sp>
+      <p:cxnSp>
+        <p:nvCxnSpPr>
+          <p:cNvPr id="57" name="직선 화살표 연결선 56"/>
+          <p:cNvCxnSpPr>
+            <a:stCxn id="55" idx="2"/>
+            <a:endCxn id="49" idx="3"/>
+          </p:cNvCxnSpPr>
+          <p:nvPr/>
+        </p:nvCxnSpPr>
+        <p:spPr>
+          <a:xfrm flipH="1">
+            <a:off x="1388393" y="5643587"/>
+            <a:ext cx="480942" cy="603959"/>
+          </a:xfrm>
+          <a:prstGeom prst="straightConnector1">
+            <a:avLst/>
+          </a:prstGeom>
+          <a:ln>
+            <a:headEnd type="triangle"/>
+            <a:tailEnd type="triangle"/>
+          </a:ln>
+        </p:spPr>
+        <p:style>
+          <a:lnRef idx="1">
+            <a:schemeClr val="accent1"/>
+          </a:lnRef>
+          <a:fillRef idx="0">
+            <a:schemeClr val="accent1"/>
+          </a:fillRef>
+          <a:effectRef idx="0">
+            <a:schemeClr val="accent1"/>
+          </a:effectRef>
+          <a:fontRef idx="minor">
+            <a:schemeClr val="tx1"/>
+          </a:fontRef>
+        </p:style>
+      </p:cxnSp>
+      <p:sp>
+        <p:nvSpPr>
+          <p:cNvPr id="58" name="TextBox 57"/>
+          <p:cNvSpPr txBox="1"/>
+          <p:nvPr/>
+        </p:nvSpPr>
+        <p:spPr>
+          <a:xfrm>
+            <a:off x="1424395" y="5688163"/>
+            <a:ext cx="506870" cy="584775"/>
+          </a:xfrm>
+          <a:prstGeom prst="rect">
+            <a:avLst/>
+          </a:prstGeom>
+          <a:noFill/>
+        </p:spPr>
+        <p:txBody>
+          <a:bodyPr wrap="none" rtlCol="0">
+            <a:spAutoFit/>
+          </a:bodyPr>
+          <a:lstStyle/>
+          <a:p>
+            <a:r>
+              <a:rPr lang="en-US" altLang="ko-KR" sz="1600" dirty="0" smtClean="0">
+                <a:latin typeface="HY바다L" pitchFamily="18" charset="-127"/>
+                <a:ea typeface="HY바다L" pitchFamily="18" charset="-127"/>
+              </a:rPr>
+              <a:t>200</a:t>
+            </a:r>
+          </a:p>
+          <a:p>
+            <a:endParaRPr lang="ko-KR" altLang="en-US" sz="1600" dirty="0" smtClean="0">
+              <a:latin typeface="HY바다L" pitchFamily="18" charset="-127"/>
+              <a:ea typeface="HY바다L" pitchFamily="18" charset="-127"/>
+            </a:endParaRPr>
+          </a:p>
+        </p:txBody>
+      </p:sp>
+      <p:cxnSp>
+        <p:nvCxnSpPr>
+          <p:cNvPr id="59" name="직선 화살표 연결선 58"/>
+          <p:cNvCxnSpPr>
+            <a:stCxn id="55" idx="2"/>
+          </p:cNvCxnSpPr>
+          <p:nvPr/>
+        </p:nvCxnSpPr>
+        <p:spPr>
+          <a:xfrm>
+            <a:off x="1869335" y="5643587"/>
+            <a:ext cx="1255566" cy="756359"/>
+          </a:xfrm>
+          <a:prstGeom prst="straightConnector1">
+            <a:avLst/>
+          </a:prstGeom>
+          <a:ln>
+            <a:headEnd type="triangle"/>
+            <a:tailEnd type="triangle"/>
+          </a:ln>
+        </p:spPr>
+        <p:style>
+          <a:lnRef idx="1">
+            <a:schemeClr val="accent1"/>
+          </a:lnRef>
+          <a:fillRef idx="0">
+            <a:schemeClr val="accent1"/>
+          </a:fillRef>
+          <a:effectRef idx="0">
+            <a:schemeClr val="accent1"/>
+          </a:effectRef>
+          <a:fontRef idx="minor">
+            <a:schemeClr val="tx1"/>
+          </a:fontRef>
+        </p:style>
+      </p:cxnSp>
+      <p:sp>
+        <p:nvSpPr>
+          <p:cNvPr id="61" name="TextBox 60"/>
+          <p:cNvSpPr txBox="1"/>
+          <p:nvPr/>
+        </p:nvSpPr>
+        <p:spPr>
+          <a:xfrm>
+            <a:off x="2002532" y="6132951"/>
+            <a:ext cx="506870" cy="584775"/>
+          </a:xfrm>
+          <a:prstGeom prst="rect">
+            <a:avLst/>
+          </a:prstGeom>
+          <a:noFill/>
+        </p:spPr>
+        <p:txBody>
+          <a:bodyPr wrap="none" rtlCol="0">
+            <a:spAutoFit/>
+          </a:bodyPr>
+          <a:lstStyle/>
+          <a:p>
+            <a:r>
+              <a:rPr lang="en-US" altLang="ko-KR" sz="1600" dirty="0" smtClean="0">
+                <a:latin typeface="HY바다L" pitchFamily="18" charset="-127"/>
+                <a:ea typeface="HY바다L" pitchFamily="18" charset="-127"/>
+              </a:rPr>
+              <a:t>200</a:t>
+            </a:r>
+          </a:p>
+          <a:p>
+            <a:endParaRPr lang="ko-KR" altLang="en-US" sz="1600" dirty="0" smtClean="0">
+              <a:latin typeface="HY바다L" pitchFamily="18" charset="-127"/>
+              <a:ea typeface="HY바다L" pitchFamily="18" charset="-127"/>
+            </a:endParaRPr>
+          </a:p>
+        </p:txBody>
+      </p:sp>
+      <p:sp>
+        <p:nvSpPr>
+          <p:cNvPr id="62" name="TextBox 61"/>
+          <p:cNvSpPr txBox="1"/>
+          <p:nvPr/>
+        </p:nvSpPr>
+        <p:spPr>
+          <a:xfrm>
+            <a:off x="3748541" y="6132951"/>
+            <a:ext cx="3607078" cy="338554"/>
+          </a:xfrm>
+          <a:prstGeom prst="rect">
+            <a:avLst/>
+          </a:prstGeom>
+          <a:noFill/>
+        </p:spPr>
+        <p:txBody>
+          <a:bodyPr wrap="none" rtlCol="0">
+            <a:spAutoFit/>
+          </a:bodyPr>
+          <a:lstStyle/>
+          <a:p>
+            <a:r>
+              <a:rPr lang="ko-KR" altLang="en-US" sz="1600" dirty="0" smtClean="0">
+                <a:latin typeface="HY바다L" pitchFamily="18" charset="-127"/>
+                <a:ea typeface="HY바다L" pitchFamily="18" charset="-127"/>
+              </a:rPr>
+              <a:t>한 포트로 주거니 받거니 해도 </a:t>
+            </a:r>
+            <a:r>
+              <a:rPr lang="ko-KR" altLang="en-US" sz="1600" dirty="0" err="1" smtClean="0">
+                <a:latin typeface="HY바다L" pitchFamily="18" charset="-127"/>
+                <a:ea typeface="HY바다L" pitchFamily="18" charset="-127"/>
+              </a:rPr>
+              <a:t>되자나</a:t>
+            </a:r>
+            <a:endParaRPr lang="ko-KR" altLang="en-US" sz="1600" dirty="0" smtClean="0">
+              <a:latin typeface="HY바다L" pitchFamily="18" charset="-127"/>
+              <a:ea typeface="HY바다L" pitchFamily="18" charset="-127"/>
+            </a:endParaRPr>
+          </a:p>
+        </p:txBody>
+      </p:sp>
+    </p:spTree>
+    <p:extLst>
+      <p:ext uri="{BB962C8B-B14F-4D97-AF65-F5344CB8AC3E}">
+        <p14:creationId xmlns:p14="http://schemas.microsoft.com/office/powerpoint/2010/main" val="350199877"/>
+      </p:ext>
+    </p:extLst>
+  </p:cSld>
+  <p:clrMapOvr>
+    <a:masterClrMapping/>
+  </p:clrMapOvr>
+</p:sld>
+</file>
+
+<file path=ppt/slides/slide4.xml><?xml version="1.0" encoding="utf-8"?>
+<p:sld xmlns:a="http://schemas.openxmlformats.org/drawingml/2006/main" xmlns:r="http://schemas.openxmlformats.org/officeDocument/2006/relationships" xmlns:p="http://schemas.openxmlformats.org/presentationml/2006/main">
+  <p:cSld>
+    <p:spTree>
+      <p:nvGrpSpPr>
+        <p:cNvPr id="1" name=""/>
+        <p:cNvGrpSpPr/>
+        <p:nvPr/>
+      </p:nvGrpSpPr>
+      <p:grpSpPr>
+        <a:xfrm>
+          <a:off x="0" y="0"/>
+          <a:ext cx="0" cy="0"/>
+          <a:chOff x="0" y="0"/>
+          <a:chExt cx="0" cy="0"/>
+        </a:xfrm>
+      </p:grpSpPr>
+      <p:pic>
+        <p:nvPicPr>
+          <p:cNvPr id="4098" name="Picture 2"/>
+          <p:cNvPicPr>
+            <a:picLocks noChangeAspect="1" noChangeArrowheads="1"/>
+          </p:cNvPicPr>
+          <p:nvPr/>
+        </p:nvPicPr>
+        <p:blipFill>
+          <a:blip r:embed="rId2" cstate="print">
+            <a:extLst>
+              <a:ext uri="{28A0092B-C50C-407E-A947-70E740481C1C}">
+                <a14:useLocalDpi xmlns:a14="http://schemas.microsoft.com/office/drawing/2010/main" val="0"/>
+              </a:ext>
+            </a:extLst>
+          </a:blip>
+          <a:srcRect/>
+          <a:stretch>
+            <a:fillRect/>
+          </a:stretch>
+        </p:blipFill>
+        <p:spPr bwMode="auto">
+          <a:xfrm>
+            <a:off x="2381061" y="2868722"/>
+            <a:ext cx="4384424" cy="3809827"/>
+          </a:xfrm>
+          <a:prstGeom prst="rect">
+            <a:avLst/>
+          </a:prstGeom>
+          <a:noFill/>
+          <a:ln>
+            <a:noFill/>
+          </a:ln>
+          <a:extLst>
+            <a:ext uri="{909E8E84-426E-40DD-AFC4-6F175D3DCCD1}">
+              <a14:hiddenFill xmlns:a14="http://schemas.microsoft.com/office/drawing/2010/main">
+                <a:solidFill>
+                  <a:schemeClr val="accent1"/>
+                </a:solidFill>
+              </a14:hiddenFill>
+            </a:ext>
+            <a:ext uri="{91240B29-F687-4F45-9708-019B960494DF}">
+              <a14:hiddenLine xmlns:a14="http://schemas.microsoft.com/office/drawing/2010/main" w="9525">
+                <a:solidFill>
+                  <a:schemeClr val="tx1"/>
+                </a:solidFill>
+                <a:miter lim="800000"/>
+                <a:headEnd/>
+                <a:tailEnd/>
+              </a14:hiddenLine>
+            </a:ext>
+          </a:extLst>
+        </p:spPr>
+      </p:pic>
+      <p:sp>
+        <p:nvSpPr>
+          <p:cNvPr id="1934338" name="Rectangle 2"/>
+          <p:cNvSpPr>
+            <a:spLocks noGrp="1" noChangeArrowheads="1"/>
+          </p:cNvSpPr>
+          <p:nvPr>
+            <p:ph type="title"/>
+          </p:nvPr>
+        </p:nvSpPr>
+        <p:spPr/>
+        <p:txBody>
+          <a:bodyPr/>
+          <a:lstStyle/>
+          <a:p>
+            <a:r>
+              <a:rPr lang="ko-KR" altLang="en-US" sz="3600"/>
+              <a:t>호스트 이름</a:t>
+            </a:r>
+            <a:r>
+              <a:rPr lang="en-US" altLang="ko-KR" sz="3600"/>
+              <a:t>, DNS, URL</a:t>
+            </a:r>
+            <a:endParaRPr lang="ko-KR" altLang="en-US" sz="3600"/>
+          </a:p>
+        </p:txBody>
+      </p:sp>
+      <p:sp>
+        <p:nvSpPr>
+          <p:cNvPr id="1934339" name="Rectangle 3"/>
+          <p:cNvSpPr>
+            <a:spLocks noGrp="1" noChangeArrowheads="1"/>
+          </p:cNvSpPr>
+          <p:nvPr>
+            <p:ph type="body" idx="1"/>
+          </p:nvPr>
+        </p:nvSpPr>
+        <p:spPr/>
+        <p:txBody>
+          <a:bodyPr/>
+          <a:lstStyle/>
+          <a:p>
+            <a:r>
+              <a:rPr lang="en-US" altLang="ko-KR" dirty="0"/>
+              <a:t>DNS(Domain Name System): </a:t>
+            </a:r>
+            <a:r>
+              <a:rPr lang="ko-KR" altLang="en-US" dirty="0"/>
+              <a:t>숫자 대신 기호를 사용하는 주소 </a:t>
+            </a:r>
+          </a:p>
+          <a:p>
+            <a:r>
+              <a:rPr lang="en-US" altLang="ko-KR" dirty="0"/>
+              <a:t>DNS </a:t>
+            </a:r>
+            <a:r>
+              <a:rPr lang="ko-KR" altLang="en-US" dirty="0"/>
+              <a:t>서버</a:t>
+            </a:r>
+            <a:r>
+              <a:rPr lang="en-US" altLang="ko-KR" dirty="0"/>
+              <a:t>: </a:t>
+            </a:r>
+            <a:r>
+              <a:rPr lang="ko-KR" altLang="en-US" dirty="0"/>
+              <a:t>기호 주소를 숫자 주소로 변환해주는 서버</a:t>
+            </a:r>
+          </a:p>
+          <a:p>
+            <a:r>
+              <a:rPr lang="en-US" altLang="ko-KR" dirty="0"/>
+              <a:t>URL(Uniform Resource Locator): </a:t>
+            </a:r>
+            <a:r>
+              <a:rPr lang="ko-KR" altLang="en-US" dirty="0"/>
+              <a:t>인터넷 상의 자원을 나타내는 약속</a:t>
+            </a:r>
+          </a:p>
+          <a:p>
+            <a:endParaRPr lang="ko-KR" altLang="en-US" dirty="0"/>
+          </a:p>
+        </p:txBody>
+      </p:sp>
+      <mc:AlternateContent xmlns:mc="http://schemas.openxmlformats.org/markup-compatibility/2006" xmlns:p14="http://schemas.microsoft.com/office/powerpoint/2010/main">
+        <mc:Choice Requires="p14">
+          <p:contentPart p14:bwMode="auto" r:id="rId3">
+            <p14:nvContentPartPr>
+              <p14:cNvPr id="2" name="잉크 1">
+                <a:extLst>
+                  <a:ext uri="{FF2B5EF4-FFF2-40B4-BE49-F238E27FC236}">
+                    <a16:creationId xmlns:a16="http://schemas.microsoft.com/office/drawing/2014/main" id="{2115DE24-E652-4A62-ACE9-6AF87B021EBA}"/>
+                  </a:ext>
+                </a:extLst>
+              </p14:cNvPr>
+              <p14:cNvContentPartPr/>
+              <p14:nvPr/>
+            </p14:nvContentPartPr>
+            <p14:xfrm>
+              <a:off x="1415880" y="2158920"/>
+              <a:ext cx="2248560" cy="70200"/>
+            </p14:xfrm>
+          </p:contentPart>
+        </mc:Choice>
+        <mc:Fallback xmlns="">
+          <p:pic>
+            <p:nvPicPr>
+              <p:cNvPr id="2" name="잉크 1">
+                <a:extLst>
+                  <a:ext uri="{FF2B5EF4-FFF2-40B4-BE49-F238E27FC236}">
+                    <a16:creationId xmlns:a16="http://schemas.microsoft.com/office/drawing/2014/main" id="{2115DE24-E652-4A62-ACE9-6AF87B021EBA}"/>
+                  </a:ext>
+                </a:extLst>
+              </p:cNvPr>
+              <p:cNvPicPr/>
+              <p:nvPr/>
+            </p:nvPicPr>
+            <p:blipFill>
+              <a:blip r:embed="rId4"/>
+              <a:stretch>
+                <a:fillRect/>
+              </a:stretch>
+            </p:blipFill>
+            <p:spPr>
+              <a:xfrm>
+                <a:off x="1406520" y="2149560"/>
+                <a:ext cx="2267280" cy="88920"/>
+              </a:xfrm>
+              <a:prstGeom prst="rect">
+                <a:avLst/>
+              </a:prstGeom>
+            </p:spPr>
+          </p:pic>
+        </mc:Fallback>
+      </mc:AlternateContent>
+    </p:spTree>
+    <p:extLst>
+      <p:ext uri="{BB962C8B-B14F-4D97-AF65-F5344CB8AC3E}">
+        <p14:creationId xmlns:p14="http://schemas.microsoft.com/office/powerpoint/2010/main" val="2140210843"/>
+      </p:ext>
+    </p:extLst>
+  </p:cSld>
+  <p:clrMapOvr>
+    <a:masterClrMapping/>
+  </p:clrMapOvr>
+</p:sld>
+</file>
+
+<file path=ppt/slides/slide40.xml><?xml version="1.0" encoding="utf-8"?>
+<p:sld xmlns:a="http://schemas.openxmlformats.org/drawingml/2006/main" xmlns:r="http://schemas.openxmlformats.org/officeDocument/2006/relationships" xmlns:p="http://schemas.openxmlformats.org/presentationml/2006/main">
+  <p:cSld>
+    <p:spTree>
+      <p:nvGrpSpPr>
+        <p:cNvPr id="1" name=""/>
+        <p:cNvGrpSpPr/>
+        <p:nvPr/>
+      </p:nvGrpSpPr>
+      <p:grpSpPr>
+        <a:xfrm>
+          <a:off x="0" y="0"/>
+          <a:ext cx="0" cy="0"/>
+          <a:chOff x="0" y="0"/>
+          <a:chExt cx="0" cy="0"/>
+        </a:xfrm>
+      </p:grpSpPr>
+      <p:sp>
+        <p:nvSpPr>
+          <p:cNvPr id="3" name="제목 2"/>
+          <p:cNvSpPr>
+            <a:spLocks noGrp="1"/>
+          </p:cNvSpPr>
+          <p:nvPr>
+            <p:ph type="title"/>
+          </p:nvPr>
+        </p:nvSpPr>
+        <p:spPr/>
+        <p:txBody>
+          <a:bodyPr/>
+          <a:lstStyle/>
+          <a:p>
+            <a:r>
+              <a:rPr lang="en-US" altLang="ko-KR" dirty="0" smtClean="0"/>
+              <a:t>TicTacToe Game</a:t>
+            </a:r>
+            <a:endParaRPr lang="ko-KR" altLang="en-US" dirty="0"/>
+          </a:p>
+        </p:txBody>
+      </p:sp>
+      <p:sp>
+        <p:nvSpPr>
+          <p:cNvPr id="4" name="직사각형 3"/>
+          <p:cNvSpPr/>
+          <p:nvPr/>
+        </p:nvSpPr>
+        <p:spPr>
+          <a:xfrm>
+            <a:off x="776614" y="2004164"/>
+            <a:ext cx="701457" cy="626302"/>
+          </a:xfrm>
+          <a:prstGeom prst="rect">
+            <a:avLst/>
+          </a:prstGeom>
+        </p:spPr>
+        <p:style>
+          <a:lnRef idx="2">
+            <a:schemeClr val="accent1">
+              <a:shade val="50000"/>
+            </a:schemeClr>
+          </a:lnRef>
+          <a:fillRef idx="1">
+            <a:schemeClr val="accent1"/>
+          </a:fillRef>
+          <a:effectRef idx="0">
+            <a:schemeClr val="accent1"/>
+          </a:effectRef>
+          <a:fontRef idx="minor">
+            <a:schemeClr val="lt1"/>
+          </a:fontRef>
+        </p:style>
+        <p:txBody>
+          <a:bodyPr rtlCol="0" anchor="ctr"/>
+          <a:lstStyle/>
+          <a:p>
+            <a:pPr algn="ctr"/>
+            <a:endParaRPr lang="ko-KR" altLang="en-US"/>
+          </a:p>
+        </p:txBody>
+      </p:sp>
+      <p:sp>
+        <p:nvSpPr>
+          <p:cNvPr id="5" name="직사각형 4"/>
+          <p:cNvSpPr/>
+          <p:nvPr/>
+        </p:nvSpPr>
+        <p:spPr>
+          <a:xfrm>
+            <a:off x="776613" y="2892468"/>
+            <a:ext cx="701457" cy="626302"/>
+          </a:xfrm>
+          <a:prstGeom prst="rect">
+            <a:avLst/>
+          </a:prstGeom>
+        </p:spPr>
+        <p:style>
+          <a:lnRef idx="2">
+            <a:schemeClr val="accent1">
+              <a:shade val="50000"/>
+            </a:schemeClr>
+          </a:lnRef>
+          <a:fillRef idx="1">
+            <a:schemeClr val="accent1"/>
+          </a:fillRef>
+          <a:effectRef idx="0">
+            <a:schemeClr val="accent1"/>
+          </a:effectRef>
+          <a:fontRef idx="minor">
+            <a:schemeClr val="lt1"/>
+          </a:fontRef>
+        </p:style>
+        <p:txBody>
+          <a:bodyPr rtlCol="0" anchor="ctr"/>
+          <a:lstStyle/>
+          <a:p>
+            <a:pPr algn="ctr"/>
+            <a:endParaRPr lang="ko-KR" altLang="en-US"/>
+          </a:p>
+        </p:txBody>
+      </p:sp>
+      <p:sp>
+        <p:nvSpPr>
+          <p:cNvPr id="6" name="직사각형 5"/>
+          <p:cNvSpPr/>
+          <p:nvPr/>
+        </p:nvSpPr>
+        <p:spPr>
+          <a:xfrm>
+            <a:off x="776613" y="3907077"/>
+            <a:ext cx="701457" cy="626302"/>
+          </a:xfrm>
+          <a:prstGeom prst="rect">
+            <a:avLst/>
+          </a:prstGeom>
+        </p:spPr>
+        <p:style>
+          <a:lnRef idx="2">
+            <a:schemeClr val="accent1">
+              <a:shade val="50000"/>
+            </a:schemeClr>
+          </a:lnRef>
+          <a:fillRef idx="1">
+            <a:schemeClr val="accent1"/>
+          </a:fillRef>
+          <a:effectRef idx="0">
+            <a:schemeClr val="accent1"/>
+          </a:effectRef>
+          <a:fontRef idx="minor">
+            <a:schemeClr val="lt1"/>
+          </a:fontRef>
+        </p:style>
+        <p:txBody>
+          <a:bodyPr rtlCol="0" anchor="ctr"/>
+          <a:lstStyle/>
+          <a:p>
+            <a:pPr algn="ctr"/>
+            <a:endParaRPr lang="ko-KR" altLang="en-US"/>
+          </a:p>
+        </p:txBody>
+      </p:sp>
+      <p:sp>
+        <p:nvSpPr>
+          <p:cNvPr id="7" name="직사각형 6"/>
+          <p:cNvSpPr/>
+          <p:nvPr/>
+        </p:nvSpPr>
+        <p:spPr>
+          <a:xfrm>
+            <a:off x="776613" y="4921686"/>
+            <a:ext cx="701457" cy="626302"/>
+          </a:xfrm>
+          <a:prstGeom prst="rect">
+            <a:avLst/>
+          </a:prstGeom>
+        </p:spPr>
+        <p:style>
+          <a:lnRef idx="2">
+            <a:schemeClr val="accent1">
+              <a:shade val="50000"/>
+            </a:schemeClr>
+          </a:lnRef>
+          <a:fillRef idx="1">
+            <a:schemeClr val="accent1"/>
+          </a:fillRef>
+          <a:effectRef idx="0">
+            <a:schemeClr val="accent1"/>
+          </a:effectRef>
+          <a:fontRef idx="minor">
+            <a:schemeClr val="lt1"/>
+          </a:fontRef>
+        </p:style>
+        <p:txBody>
+          <a:bodyPr rtlCol="0" anchor="ctr"/>
+          <a:lstStyle/>
+          <a:p>
+            <a:pPr algn="ctr"/>
+            <a:endParaRPr lang="ko-KR" altLang="en-US"/>
+          </a:p>
+        </p:txBody>
+      </p:sp>
+      <p:sp>
+        <p:nvSpPr>
+          <p:cNvPr id="8" name="직사각형 7"/>
+          <p:cNvSpPr/>
+          <p:nvPr/>
+        </p:nvSpPr>
+        <p:spPr>
+          <a:xfrm>
+            <a:off x="4847573" y="2378901"/>
+            <a:ext cx="2066795" cy="1994770"/>
+          </a:xfrm>
+          <a:prstGeom prst="rect">
+            <a:avLst/>
+          </a:prstGeom>
+        </p:spPr>
+        <p:style>
+          <a:lnRef idx="2">
+            <a:schemeClr val="accent1">
+              <a:shade val="50000"/>
+            </a:schemeClr>
+          </a:lnRef>
+          <a:fillRef idx="1">
+            <a:schemeClr val="accent1"/>
+          </a:fillRef>
+          <a:effectRef idx="0">
+            <a:schemeClr val="accent1"/>
+          </a:effectRef>
+          <a:fontRef idx="minor">
+            <a:schemeClr val="lt1"/>
+          </a:fontRef>
+        </p:style>
+        <p:txBody>
+          <a:bodyPr rtlCol="0" anchor="ctr"/>
+          <a:lstStyle/>
+          <a:p>
+            <a:pPr algn="ctr"/>
+            <a:endParaRPr lang="ko-KR" altLang="en-US"/>
+          </a:p>
+        </p:txBody>
+      </p:sp>
+      <mc:AlternateContent xmlns:mc="http://schemas.openxmlformats.org/markup-compatibility/2006">
+        <mc:Choice xmlns:p14="http://schemas.microsoft.com/office/powerpoint/2010/main" Requires="p14">
+          <p:contentPart p14:bwMode="auto" r:id="rId2">
+            <p14:nvContentPartPr>
+              <p14:cNvPr id="10" name="잉크 9"/>
+              <p14:cNvContentPartPr/>
+              <p14:nvPr/>
+            </p14:nvContentPartPr>
+            <p14:xfrm>
+              <a:off x="1540800" y="2317276"/>
+              <a:ext cx="3319560" cy="927360"/>
+            </p14:xfrm>
+          </p:contentPart>
+        </mc:Choice>
+        <mc:Fallback>
+          <p:pic>
+            <p:nvPicPr>
+              <p:cNvPr id="10" name="잉크 9"/>
+              <p:cNvPicPr/>
+              <p:nvPr/>
+            </p:nvPicPr>
+            <p:blipFill>
+              <a:blip r:embed="rId3"/>
+              <a:stretch>
+                <a:fillRect/>
+              </a:stretch>
+            </p:blipFill>
+            <p:spPr>
+              <a:xfrm>
+                <a:off x="1528920" y="2305396"/>
+                <a:ext cx="3343320" cy="951120"/>
+              </a:xfrm>
+              <a:prstGeom prst="rect">
+                <a:avLst/>
+              </a:prstGeom>
+            </p:spPr>
+          </p:pic>
+        </mc:Fallback>
+      </mc:AlternateContent>
+      <p:sp>
+        <p:nvSpPr>
+          <p:cNvPr id="45" name="TextBox 44"/>
+          <p:cNvSpPr txBox="1"/>
+          <p:nvPr/>
+        </p:nvSpPr>
+        <p:spPr>
+          <a:xfrm>
+            <a:off x="2367419" y="2017207"/>
+            <a:ext cx="2204581" cy="338554"/>
+          </a:xfrm>
+          <a:prstGeom prst="rect">
+            <a:avLst/>
+          </a:prstGeom>
+          <a:noFill/>
+        </p:spPr>
+        <p:txBody>
+          <a:bodyPr wrap="square" rtlCol="0">
+            <a:spAutoFit/>
+          </a:bodyPr>
+          <a:lstStyle/>
+          <a:p>
+            <a:r>
+              <a:rPr lang="ko-KR" altLang="en-US" sz="1600" dirty="0" smtClean="0">
+                <a:latin typeface="HY바다L" pitchFamily="18" charset="-127"/>
+                <a:ea typeface="HY바다L" pitchFamily="18" charset="-127"/>
+              </a:rPr>
+              <a:t>매칭</a:t>
+            </a:r>
+            <a:r>
+              <a:rPr lang="en-US" altLang="ko-KR" sz="1600" dirty="0" smtClean="0">
+                <a:latin typeface="HY바다L" pitchFamily="18" charset="-127"/>
+                <a:ea typeface="HY바다L" pitchFamily="18" charset="-127"/>
+              </a:rPr>
+              <a:t>(pvp, </a:t>
+            </a:r>
+            <a:r>
+              <a:rPr lang="ko-KR" altLang="en-US" sz="1600" dirty="0" err="1" smtClean="0">
+                <a:latin typeface="HY바다L" pitchFamily="18" charset="-127"/>
+                <a:ea typeface="HY바다L" pitchFamily="18" charset="-127"/>
+              </a:rPr>
+              <a:t>컴퓨터대전</a:t>
+            </a:r>
+            <a:r>
+              <a:rPr lang="en-US" altLang="ko-KR" sz="1600" dirty="0" smtClean="0">
+                <a:latin typeface="HY바다L" pitchFamily="18" charset="-127"/>
+                <a:ea typeface="HY바다L" pitchFamily="18" charset="-127"/>
+              </a:rPr>
+              <a:t>)</a:t>
+            </a:r>
+            <a:endParaRPr lang="ko-KR" altLang="en-US" sz="1600" dirty="0" smtClean="0">
+              <a:latin typeface="HY바다L" pitchFamily="18" charset="-127"/>
+              <a:ea typeface="HY바다L" pitchFamily="18" charset="-127"/>
+            </a:endParaRPr>
+          </a:p>
+        </p:txBody>
+      </p:sp>
+      <mc:AlternateContent xmlns:mc="http://schemas.openxmlformats.org/markup-compatibility/2006">
+        <mc:Choice xmlns:p14="http://schemas.microsoft.com/office/powerpoint/2010/main" Requires="p14">
+          <p:contentPart p14:bwMode="auto" r:id="rId4">
+            <p14:nvContentPartPr>
+              <p14:cNvPr id="51" name="잉크 50"/>
+              <p14:cNvContentPartPr/>
+              <p14:nvPr/>
+            </p14:nvContentPartPr>
+            <p14:xfrm>
+              <a:off x="237960" y="1415476"/>
+              <a:ext cx="614160" cy="263520"/>
+            </p14:xfrm>
+          </p:contentPart>
+        </mc:Choice>
+        <mc:Fallback>
+          <p:pic>
+            <p:nvPicPr>
+              <p:cNvPr id="51" name="잉크 50"/>
+              <p:cNvPicPr/>
+              <p:nvPr/>
+            </p:nvPicPr>
+            <p:blipFill>
+              <a:blip r:embed="rId5"/>
+              <a:stretch>
+                <a:fillRect/>
+              </a:stretch>
+            </p:blipFill>
+            <p:spPr>
+              <a:xfrm>
+                <a:off x="226080" y="1403596"/>
+                <a:ext cx="637920" cy="287280"/>
+              </a:xfrm>
+              <a:prstGeom prst="rect">
+                <a:avLst/>
+              </a:prstGeom>
+            </p:spPr>
+          </p:pic>
+        </mc:Fallback>
+      </mc:AlternateContent>
+      <p:sp>
+        <p:nvSpPr>
+          <p:cNvPr id="53" name="TextBox 52"/>
+          <p:cNvSpPr txBox="1"/>
+          <p:nvPr/>
+        </p:nvSpPr>
+        <p:spPr>
+          <a:xfrm>
+            <a:off x="7214992" y="1704556"/>
+            <a:ext cx="1758815" cy="338554"/>
+          </a:xfrm>
+          <a:prstGeom prst="rect">
+            <a:avLst/>
+          </a:prstGeom>
+          <a:noFill/>
+        </p:spPr>
+        <p:txBody>
+          <a:bodyPr wrap="none" rtlCol="0">
+            <a:spAutoFit/>
+          </a:bodyPr>
+          <a:lstStyle/>
+          <a:p>
+            <a:r>
+              <a:rPr lang="ko-KR" altLang="en-US" sz="1600" dirty="0" smtClean="0">
+                <a:latin typeface="HY바다L" pitchFamily="18" charset="-127"/>
+                <a:ea typeface="HY바다L" pitchFamily="18" charset="-127"/>
+              </a:rPr>
+              <a:t>매칭 후 </a:t>
+            </a:r>
+            <a:r>
+              <a:rPr lang="ko-KR" altLang="en-US" sz="1600" dirty="0" err="1" smtClean="0">
+                <a:latin typeface="HY바다L" pitchFamily="18" charset="-127"/>
+                <a:ea typeface="HY바다L" pitchFamily="18" charset="-127"/>
+              </a:rPr>
+              <a:t>선후결정</a:t>
+            </a:r>
+            <a:endParaRPr lang="en-US" altLang="ko-KR" sz="1600" dirty="0" smtClean="0">
+              <a:latin typeface="HY바다L" pitchFamily="18" charset="-127"/>
+              <a:ea typeface="HY바다L" pitchFamily="18" charset="-127"/>
+            </a:endParaRPr>
+          </a:p>
+        </p:txBody>
+      </p:sp>
+      <p:sp>
+        <p:nvSpPr>
+          <p:cNvPr id="54" name="TextBox 53"/>
+          <p:cNvSpPr txBox="1"/>
+          <p:nvPr/>
+        </p:nvSpPr>
+        <p:spPr>
+          <a:xfrm>
+            <a:off x="1413071" y="3396787"/>
+            <a:ext cx="7308411" cy="2308324"/>
+          </a:xfrm>
+          <a:prstGeom prst="rect">
+            <a:avLst/>
+          </a:prstGeom>
+          <a:noFill/>
+        </p:spPr>
+        <p:txBody>
+          <a:bodyPr wrap="none" rtlCol="0">
+            <a:spAutoFit/>
+          </a:bodyPr>
+          <a:lstStyle/>
+          <a:p>
+            <a:r>
+              <a:rPr lang="ko-KR" altLang="en-US" sz="1600" dirty="0" smtClean="0">
+                <a:latin typeface="HY바다L" pitchFamily="18" charset="-127"/>
+                <a:ea typeface="HY바다L" pitchFamily="18" charset="-127"/>
+              </a:rPr>
+              <a:t>문제 기술서 </a:t>
+            </a:r>
+            <a:endParaRPr lang="en-US" altLang="ko-KR" sz="1600" dirty="0" smtClean="0">
+              <a:latin typeface="HY바다L" pitchFamily="18" charset="-127"/>
+              <a:ea typeface="HY바다L" pitchFamily="18" charset="-127"/>
+            </a:endParaRPr>
+          </a:p>
+          <a:p>
+            <a:endParaRPr lang="en-US" altLang="ko-KR" sz="1600" dirty="0">
+              <a:latin typeface="HY바다L" pitchFamily="18" charset="-127"/>
+              <a:ea typeface="HY바다L" pitchFamily="18" charset="-127"/>
+            </a:endParaRPr>
+          </a:p>
+          <a:p>
+            <a:r>
+              <a:rPr lang="ko-KR" altLang="en-US" sz="1600" dirty="0" smtClean="0">
+                <a:latin typeface="HY바다L" pitchFamily="18" charset="-127"/>
+                <a:ea typeface="HY바다L" pitchFamily="18" charset="-127"/>
+              </a:rPr>
+              <a:t>여러 명이 게임에 참여할 </a:t>
+            </a:r>
+            <a:r>
+              <a:rPr lang="ko-KR" altLang="en-US" sz="1600" dirty="0" smtClean="0">
+                <a:latin typeface="HY바다L" pitchFamily="18" charset="-127"/>
+                <a:ea typeface="HY바다L" pitchFamily="18" charset="-127"/>
+              </a:rPr>
+              <a:t>수 있습니다</a:t>
+            </a:r>
+            <a:endParaRPr lang="en-US" altLang="ko-KR" sz="1600" dirty="0" smtClean="0">
+              <a:latin typeface="HY바다L" pitchFamily="18" charset="-127"/>
+              <a:ea typeface="HY바다L" pitchFamily="18" charset="-127"/>
+            </a:endParaRPr>
+          </a:p>
+          <a:p>
+            <a:r>
+              <a:rPr lang="ko-KR" altLang="en-US" sz="1600" dirty="0" smtClean="0">
+                <a:latin typeface="HY바다L" pitchFamily="18" charset="-127"/>
+                <a:ea typeface="HY바다L" pitchFamily="18" charset="-127"/>
+              </a:rPr>
+              <a:t>게임 시작은 컴퓨터와의 대전과 마음에 드는 사람을 골라 신청할 수 있습니다</a:t>
+            </a:r>
+            <a:r>
+              <a:rPr lang="en-US" altLang="ko-KR" sz="1600" dirty="0" smtClean="0">
+                <a:latin typeface="HY바다L" pitchFamily="18" charset="-127"/>
+                <a:ea typeface="HY바다L" pitchFamily="18" charset="-127"/>
+              </a:rPr>
+              <a:t>..</a:t>
+            </a:r>
+          </a:p>
+          <a:p>
+            <a:r>
+              <a:rPr lang="ko-KR" altLang="en-US" sz="1600" dirty="0" smtClean="0">
+                <a:latin typeface="HY바다L" pitchFamily="18" charset="-127"/>
+                <a:ea typeface="HY바다L" pitchFamily="18" charset="-127"/>
+              </a:rPr>
+              <a:t>게임의 선공은 임의로 </a:t>
+            </a:r>
+            <a:r>
+              <a:rPr lang="ko-KR" altLang="en-US" sz="1600" dirty="0" smtClean="0">
+                <a:latin typeface="HY바다L" pitchFamily="18" charset="-127"/>
+                <a:ea typeface="HY바다L" pitchFamily="18" charset="-127"/>
+              </a:rPr>
+              <a:t>선정합니다</a:t>
+            </a:r>
+            <a:r>
+              <a:rPr lang="en-US" altLang="ko-KR" sz="1600" dirty="0" smtClean="0">
+                <a:latin typeface="HY바다L" pitchFamily="18" charset="-127"/>
+                <a:ea typeface="HY바다L" pitchFamily="18" charset="-127"/>
+              </a:rPr>
+              <a:t>. </a:t>
+            </a:r>
+          </a:p>
+          <a:p>
+            <a:r>
+              <a:rPr lang="ko-KR" altLang="en-US" sz="1600" dirty="0" smtClean="0">
+                <a:latin typeface="HY바다L" pitchFamily="18" charset="-127"/>
+                <a:ea typeface="HY바다L" pitchFamily="18" charset="-127"/>
+              </a:rPr>
+              <a:t>게임이 시작되면 자기 차례가 오면 신중히 생각하시고 빈칸에 돌을 넣습니다</a:t>
+            </a:r>
+            <a:r>
+              <a:rPr lang="en-US" altLang="ko-KR" sz="1600" dirty="0" smtClean="0">
+                <a:latin typeface="HY바다L" pitchFamily="18" charset="-127"/>
+                <a:ea typeface="HY바다L" pitchFamily="18" charset="-127"/>
+              </a:rPr>
+              <a:t>.</a:t>
+            </a:r>
+          </a:p>
+          <a:p>
+            <a:r>
+              <a:rPr lang="ko-KR" altLang="en-US" sz="1600" dirty="0" smtClean="0">
+                <a:latin typeface="HY바다L" pitchFamily="18" charset="-127"/>
+                <a:ea typeface="HY바다L" pitchFamily="18" charset="-127"/>
+              </a:rPr>
+              <a:t>게임이 끝나면 패자는 승자에게 돈 천만원을 줍니다</a:t>
+            </a:r>
+            <a:r>
+              <a:rPr lang="en-US" altLang="ko-KR" sz="1600" dirty="0" smtClean="0">
+                <a:latin typeface="HY바다L" pitchFamily="18" charset="-127"/>
+                <a:ea typeface="HY바다L" pitchFamily="18" charset="-127"/>
+              </a:rPr>
+              <a:t>.</a:t>
+            </a:r>
+          </a:p>
+          <a:p>
+            <a:r>
+              <a:rPr lang="en-US" altLang="ko-KR" sz="1600" dirty="0" smtClean="0">
+                <a:latin typeface="HY바다L" pitchFamily="18" charset="-127"/>
+                <a:ea typeface="HY바다L" pitchFamily="18" charset="-127"/>
+              </a:rPr>
+              <a:t>(</a:t>
+            </a:r>
+            <a:r>
+              <a:rPr lang="ko-KR" altLang="en-US" sz="1600" dirty="0" smtClean="0">
+                <a:latin typeface="HY바다L" pitchFamily="18" charset="-127"/>
+                <a:ea typeface="HY바다L" pitchFamily="18" charset="-127"/>
+              </a:rPr>
+              <a:t>멀티 대전 같은 거 없음</a:t>
+            </a:r>
+            <a:r>
+              <a:rPr lang="en-US" altLang="ko-KR" sz="1600" dirty="0" smtClean="0">
+                <a:latin typeface="HY바다L" pitchFamily="18" charset="-127"/>
+                <a:ea typeface="HY바다L" pitchFamily="18" charset="-127"/>
+              </a:rPr>
+              <a:t>)</a:t>
+            </a:r>
+          </a:p>
+          <a:p>
+            <a:r>
+              <a:rPr lang="ko-KR" altLang="en-US" sz="1600" dirty="0" smtClean="0">
+                <a:latin typeface="HY바다L" pitchFamily="18" charset="-127"/>
+                <a:ea typeface="HY바다L" pitchFamily="18" charset="-127"/>
+              </a:rPr>
+              <a:t>관전하기 </a:t>
+            </a:r>
+            <a:r>
+              <a:rPr lang="ko-KR" altLang="en-US" sz="1600" dirty="0" err="1" smtClean="0">
+                <a:latin typeface="HY바다L" pitchFamily="18" charset="-127"/>
+                <a:ea typeface="HY바다L" pitchFamily="18" charset="-127"/>
+              </a:rPr>
+              <a:t>같은거</a:t>
+            </a:r>
+            <a:r>
+              <a:rPr lang="ko-KR" altLang="en-US" sz="1600" smtClean="0">
+                <a:latin typeface="HY바다L" pitchFamily="18" charset="-127"/>
+                <a:ea typeface="HY바다L" pitchFamily="18" charset="-127"/>
+              </a:rPr>
+              <a:t> 없어</a:t>
+            </a:r>
+            <a:endParaRPr lang="ko-KR" altLang="en-US" sz="1600" dirty="0" smtClean="0">
+              <a:latin typeface="HY바다L" pitchFamily="18" charset="-127"/>
+              <a:ea typeface="HY바다L" pitchFamily="18" charset="-127"/>
+            </a:endParaRPr>
+          </a:p>
+        </p:txBody>
+      </p:sp>
+      <p:sp>
+        <p:nvSpPr>
+          <p:cNvPr id="55" name="TextBox 54"/>
+          <p:cNvSpPr txBox="1"/>
+          <p:nvPr/>
+        </p:nvSpPr>
+        <p:spPr>
+          <a:xfrm>
+            <a:off x="1916482" y="5711868"/>
+            <a:ext cx="2218877" cy="338554"/>
+          </a:xfrm>
+          <a:prstGeom prst="rect">
+            <a:avLst/>
+          </a:prstGeom>
+          <a:noFill/>
+        </p:spPr>
+        <p:txBody>
+          <a:bodyPr wrap="none" rtlCol="0">
+            <a:spAutoFit/>
+          </a:bodyPr>
+          <a:lstStyle/>
+          <a:p>
+            <a:r>
+              <a:rPr lang="ko-KR" altLang="en-US" sz="1600" dirty="0" smtClean="0">
+                <a:latin typeface="HY바다L" pitchFamily="18" charset="-127"/>
+                <a:ea typeface="HY바다L" pitchFamily="18" charset="-127"/>
+              </a:rPr>
+              <a:t>클래스 </a:t>
+            </a:r>
+            <a:r>
+              <a:rPr lang="en-US" altLang="ko-KR" sz="1600" dirty="0" smtClean="0">
+                <a:latin typeface="HY바다L" pitchFamily="18" charset="-127"/>
+                <a:ea typeface="HY바다L" pitchFamily="18" charset="-127"/>
+              </a:rPr>
+              <a:t>: </a:t>
+            </a:r>
+            <a:r>
+              <a:rPr lang="ko-KR" altLang="en-US" sz="1600" dirty="0" smtClean="0">
+                <a:latin typeface="HY바다L" pitchFamily="18" charset="-127"/>
+                <a:ea typeface="HY바다L" pitchFamily="18" charset="-127"/>
+              </a:rPr>
+              <a:t>사람</a:t>
+            </a:r>
+            <a:r>
+              <a:rPr lang="en-US" altLang="ko-KR" sz="1600" dirty="0" smtClean="0">
+                <a:latin typeface="HY바다L" pitchFamily="18" charset="-127"/>
+                <a:ea typeface="HY바다L" pitchFamily="18" charset="-127"/>
+              </a:rPr>
+              <a:t>, </a:t>
+            </a:r>
+            <a:r>
+              <a:rPr lang="ko-KR" altLang="en-US" sz="1600" dirty="0" smtClean="0">
+                <a:latin typeface="HY바다L" pitchFamily="18" charset="-127"/>
+                <a:ea typeface="HY바다L" pitchFamily="18" charset="-127"/>
+              </a:rPr>
+              <a:t>게이머</a:t>
+            </a:r>
+            <a:r>
+              <a:rPr lang="en-US" altLang="ko-KR" sz="1600" dirty="0" smtClean="0">
+                <a:latin typeface="HY바다L" pitchFamily="18" charset="-127"/>
+                <a:ea typeface="HY바다L" pitchFamily="18" charset="-127"/>
+              </a:rPr>
+              <a:t>, </a:t>
+            </a:r>
+            <a:endParaRPr lang="ko-KR" altLang="en-US" sz="1600" dirty="0" smtClean="0">
+              <a:latin typeface="HY바다L" pitchFamily="18" charset="-127"/>
+              <a:ea typeface="HY바다L" pitchFamily="18" charset="-127"/>
+            </a:endParaRPr>
+          </a:p>
+        </p:txBody>
+      </p:sp>
+      <mc:AlternateContent xmlns:mc="http://schemas.openxmlformats.org/markup-compatibility/2006">
+        <mc:Choice xmlns:p14="http://schemas.microsoft.com/office/powerpoint/2010/main" Requires="p14">
+          <p:contentPart p14:bwMode="auto" r:id="rId6">
+            <p14:nvContentPartPr>
+              <p14:cNvPr id="57" name="잉크 56"/>
+              <p14:cNvContentPartPr/>
+              <p14:nvPr/>
+            </p14:nvContentPartPr>
+            <p14:xfrm>
+              <a:off x="1524600" y="3945556"/>
+              <a:ext cx="6930720" cy="662040"/>
+            </p14:xfrm>
+          </p:contentPart>
+        </mc:Choice>
+        <mc:Fallback>
+          <p:pic>
+            <p:nvPicPr>
+              <p:cNvPr id="57" name="잉크 56"/>
+              <p:cNvPicPr/>
+              <p:nvPr/>
+            </p:nvPicPr>
+            <p:blipFill>
+              <a:blip r:embed="rId7"/>
+              <a:stretch>
+                <a:fillRect/>
+              </a:stretch>
+            </p:blipFill>
+            <p:spPr>
+              <a:xfrm>
+                <a:off x="1512720" y="3933676"/>
+                <a:ext cx="6954480" cy="685800"/>
+              </a:xfrm>
+              <a:prstGeom prst="rect">
+                <a:avLst/>
+              </a:prstGeom>
+            </p:spPr>
+          </p:pic>
+        </mc:Fallback>
+      </mc:AlternateContent>
+      <mc:AlternateContent xmlns:mc="http://schemas.openxmlformats.org/markup-compatibility/2006">
+        <mc:Choice xmlns:p14="http://schemas.microsoft.com/office/powerpoint/2010/main" Requires="p14">
+          <p:contentPart p14:bwMode="auto" r:id="rId8">
+            <p14:nvContentPartPr>
+              <p14:cNvPr id="62" name="잉크 61"/>
+              <p14:cNvContentPartPr/>
+              <p14:nvPr/>
+            </p14:nvContentPartPr>
+            <p14:xfrm>
+              <a:off x="4409280" y="3519676"/>
+              <a:ext cx="840600" cy="439560"/>
+            </p14:xfrm>
+          </p:contentPart>
+        </mc:Choice>
+        <mc:Fallback>
+          <p:pic>
+            <p:nvPicPr>
+              <p:cNvPr id="62" name="잉크 61"/>
+              <p:cNvPicPr/>
+              <p:nvPr/>
+            </p:nvPicPr>
+            <p:blipFill>
+              <a:blip r:embed="rId9"/>
+              <a:stretch>
+                <a:fillRect/>
+              </a:stretch>
+            </p:blipFill>
+            <p:spPr>
+              <a:xfrm>
+                <a:off x="4397400" y="3507796"/>
+                <a:ext cx="864360" cy="463320"/>
+              </a:xfrm>
+              <a:prstGeom prst="rect">
+                <a:avLst/>
+              </a:prstGeom>
+            </p:spPr>
+          </p:pic>
+        </mc:Fallback>
+      </mc:AlternateContent>
+      <mc:AlternateContent xmlns:mc="http://schemas.openxmlformats.org/markup-compatibility/2006">
+        <mc:Choice xmlns:p14="http://schemas.microsoft.com/office/powerpoint/2010/main" Requires="p14">
+          <p:contentPart p14:bwMode="auto" r:id="rId10">
+            <p14:nvContentPartPr>
+              <p14:cNvPr id="73" name="잉크 72"/>
+              <p14:cNvContentPartPr/>
+              <p14:nvPr/>
+            </p14:nvContentPartPr>
+            <p14:xfrm>
+              <a:off x="1551240" y="4446676"/>
+              <a:ext cx="333000" cy="276120"/>
+            </p14:xfrm>
+          </p:contentPart>
+        </mc:Choice>
+        <mc:Fallback>
+          <p:pic>
+            <p:nvPicPr>
+              <p:cNvPr id="73" name="잉크 72"/>
+              <p:cNvPicPr/>
+              <p:nvPr/>
+            </p:nvPicPr>
+            <p:blipFill>
+              <a:blip r:embed="rId11"/>
+              <a:stretch>
+                <a:fillRect/>
+              </a:stretch>
+            </p:blipFill>
+            <p:spPr>
+              <a:xfrm>
+                <a:off x="1539360" y="4434796"/>
+                <a:ext cx="356760" cy="299880"/>
+              </a:xfrm>
+              <a:prstGeom prst="rect">
+                <a:avLst/>
+              </a:prstGeom>
+            </p:spPr>
+          </p:pic>
+        </mc:Fallback>
+      </mc:AlternateContent>
+    </p:spTree>
+    <p:extLst>
+      <p:ext uri="{BB962C8B-B14F-4D97-AF65-F5344CB8AC3E}">
+        <p14:creationId xmlns:p14="http://schemas.microsoft.com/office/powerpoint/2010/main" val="3667835751"/>
+      </p:ext>
+    </p:extLst>
+  </p:cSld>
+  <p:clrMapOvr>
+    <a:masterClrMapping/>
+  </p:clrMapOvr>
+</p:sld>
+</file>
+
+<file path=ppt/slides/slide41.xml><?xml version="1.0" encoding="utf-8"?>
 <p:sld xmlns:a="http://schemas.openxmlformats.org/drawingml/2006/main" xmlns:r="http://schemas.openxmlformats.org/officeDocument/2006/relationships" xmlns:p="http://schemas.openxmlformats.org/presentationml/2006/main">
   <p:cSld>
     <p:spTree>
@@ -36214,225 +42574,6 @@
 </p:sld>
 </file>
 
-<file path=ppt/slides/slide4.xml><?xml version="1.0" encoding="utf-8"?>
-<p:sld xmlns:a="http://schemas.openxmlformats.org/drawingml/2006/main" xmlns:r="http://schemas.openxmlformats.org/officeDocument/2006/relationships" xmlns:p="http://schemas.openxmlformats.org/presentationml/2006/main">
-  <p:cSld>
-    <p:spTree>
-      <p:nvGrpSpPr>
-        <p:cNvPr id="1" name=""/>
-        <p:cNvGrpSpPr/>
-        <p:nvPr/>
-      </p:nvGrpSpPr>
-      <p:grpSpPr>
-        <a:xfrm>
-          <a:off x="0" y="0"/>
-          <a:ext cx="0" cy="0"/>
-          <a:chOff x="0" y="0"/>
-          <a:chExt cx="0" cy="0"/>
-        </a:xfrm>
-      </p:grpSpPr>
-      <p:pic>
-        <p:nvPicPr>
-          <p:cNvPr id="4098" name="Picture 2"/>
-          <p:cNvPicPr>
-            <a:picLocks noChangeAspect="1" noChangeArrowheads="1"/>
-          </p:cNvPicPr>
-          <p:nvPr/>
-        </p:nvPicPr>
-        <p:blipFill>
-          <a:blip r:embed="rId2" cstate="print">
-            <a:extLst>
-              <a:ext uri="{28A0092B-C50C-407E-A947-70E740481C1C}">
-                <a14:useLocalDpi xmlns:a14="http://schemas.microsoft.com/office/drawing/2010/main" val="0"/>
-              </a:ext>
-            </a:extLst>
-          </a:blip>
-          <a:srcRect/>
-          <a:stretch>
-            <a:fillRect/>
-          </a:stretch>
-        </p:blipFill>
-        <p:spPr bwMode="auto">
-          <a:xfrm>
-            <a:off x="2381061" y="2868722"/>
-            <a:ext cx="4384424" cy="3809827"/>
-          </a:xfrm>
-          <a:prstGeom prst="rect">
-            <a:avLst/>
-          </a:prstGeom>
-          <a:noFill/>
-          <a:ln>
-            <a:noFill/>
-          </a:ln>
-          <a:extLst>
-            <a:ext uri="{909E8E84-426E-40DD-AFC4-6F175D3DCCD1}">
-              <a14:hiddenFill xmlns:a14="http://schemas.microsoft.com/office/drawing/2010/main">
-                <a:solidFill>
-                  <a:schemeClr val="accent1"/>
-                </a:solidFill>
-              </a14:hiddenFill>
-            </a:ext>
-            <a:ext uri="{91240B29-F687-4F45-9708-019B960494DF}">
-              <a14:hiddenLine xmlns:a14="http://schemas.microsoft.com/office/drawing/2010/main" w="9525">
-                <a:solidFill>
-                  <a:schemeClr val="tx1"/>
-                </a:solidFill>
-                <a:miter lim="800000"/>
-                <a:headEnd/>
-                <a:tailEnd/>
-              </a14:hiddenLine>
-            </a:ext>
-          </a:extLst>
-        </p:spPr>
-      </p:pic>
-      <p:sp>
-        <p:nvSpPr>
-          <p:cNvPr id="1934338" name="Rectangle 2"/>
-          <p:cNvSpPr>
-            <a:spLocks noGrp="1" noChangeArrowheads="1"/>
-          </p:cNvSpPr>
-          <p:nvPr>
-            <p:ph type="title"/>
-          </p:nvPr>
-        </p:nvSpPr>
-        <p:spPr/>
-        <p:txBody>
-          <a:bodyPr/>
-          <a:lstStyle/>
-          <a:p>
-            <a:r>
-              <a:rPr lang="ko-KR" altLang="en-US" sz="3600"/>
-              <a:t>호스트 이름</a:t>
-            </a:r>
-            <a:r>
-              <a:rPr lang="en-US" altLang="ko-KR" sz="3600"/>
-              <a:t>, DNS, URL</a:t>
-            </a:r>
-            <a:endParaRPr lang="ko-KR" altLang="en-US" sz="3600"/>
-          </a:p>
-        </p:txBody>
-      </p:sp>
-      <p:sp>
-        <p:nvSpPr>
-          <p:cNvPr id="1934339" name="Rectangle 3"/>
-          <p:cNvSpPr>
-            <a:spLocks noGrp="1" noChangeArrowheads="1"/>
-          </p:cNvSpPr>
-          <p:nvPr>
-            <p:ph type="body" idx="1"/>
-          </p:nvPr>
-        </p:nvSpPr>
-        <p:spPr/>
-        <p:txBody>
-          <a:bodyPr/>
-          <a:lstStyle/>
-          <a:p>
-            <a:r>
-              <a:rPr lang="en-US" altLang="ko-KR" dirty="0"/>
-              <a:t>DNS(Domain Name System): </a:t>
-            </a:r>
-            <a:r>
-              <a:rPr lang="ko-KR" altLang="en-US" dirty="0"/>
-              <a:t>숫자 대신 기호를 사용하는 주소 </a:t>
-            </a:r>
-          </a:p>
-          <a:p>
-            <a:r>
-              <a:rPr lang="en-US" altLang="ko-KR" dirty="0"/>
-              <a:t>DNS </a:t>
-            </a:r>
-            <a:r>
-              <a:rPr lang="ko-KR" altLang="en-US" dirty="0"/>
-              <a:t>서버</a:t>
-            </a:r>
-            <a:r>
-              <a:rPr lang="en-US" altLang="ko-KR" dirty="0"/>
-              <a:t>: </a:t>
-            </a:r>
-            <a:r>
-              <a:rPr lang="ko-KR" altLang="en-US" dirty="0"/>
-              <a:t>기호 주소를 숫자 주소로 변환해주는 서버</a:t>
-            </a:r>
-          </a:p>
-          <a:p>
-            <a:r>
-              <a:rPr lang="en-US" altLang="ko-KR" dirty="0"/>
-              <a:t>URL(Uniform Resource Locator): </a:t>
-            </a:r>
-            <a:r>
-              <a:rPr lang="ko-KR" altLang="en-US" dirty="0"/>
-              <a:t>인터넷 상의 자원을 나타내는 약속</a:t>
-            </a:r>
-          </a:p>
-          <a:p>
-            <a:endParaRPr lang="ko-KR" altLang="en-US" dirty="0"/>
-          </a:p>
-        </p:txBody>
-      </p:sp>
-      <mc:AlternateContent xmlns:mc="http://schemas.openxmlformats.org/markup-compatibility/2006">
-        <mc:Choice xmlns:p14="http://schemas.microsoft.com/office/powerpoint/2010/main" Requires="p14">
-          <p:contentPart p14:bwMode="auto" r:id="rId3">
-            <p14:nvContentPartPr>
-              <p14:cNvPr id="2" name="잉크 1">
-                <a:extLst>
-                  <a:ext uri="{FF2B5EF4-FFF2-40B4-BE49-F238E27FC236}">
-                    <a16:creationId xmlns:a16="http://schemas.microsoft.com/office/drawing/2014/main" id="{2115DE24-E652-4A62-ACE9-6AF87B021EBA}"/>
-                  </a:ext>
-                </a:extLst>
-              </p14:cNvPr>
-              <p14:cNvContentPartPr/>
-              <p14:nvPr/>
-            </p14:nvContentPartPr>
-            <p14:xfrm>
-              <a:off x="1415880" y="2158920"/>
-              <a:ext cx="2248560" cy="70200"/>
-            </p14:xfrm>
-          </p:contentPart>
-        </mc:Choice>
-        <mc:Fallback>
-          <p:pic>
-            <p:nvPicPr>
-              <p:cNvPr id="2" name="잉크 1">
-                <a:extLst>
-                  <a:ext uri="{FF2B5EF4-FFF2-40B4-BE49-F238E27FC236}">
-                    <a16:creationId xmlns:a16="http://schemas.microsoft.com/office/drawing/2014/main" id="{2115DE24-E652-4A62-ACE9-6AF87B021EBA}"/>
-                  </a:ext>
-                </a:extLst>
-              </p:cNvPr>
-              <p:cNvPicPr/>
-              <p:nvPr/>
-            </p:nvPicPr>
-            <p:blipFill>
-              <a:blip r:embed="rId4"/>
-              <a:stretch>
-                <a:fillRect/>
-              </a:stretch>
-            </p:blipFill>
-            <p:spPr>
-              <a:xfrm>
-                <a:off x="1406520" y="2149560"/>
-                <a:ext cx="2267280" cy="88920"/>
-              </a:xfrm>
-              <a:prstGeom prst="rect">
-                <a:avLst/>
-              </a:prstGeom>
-            </p:spPr>
-          </p:pic>
-        </mc:Fallback>
-      </mc:AlternateContent>
-    </p:spTree>
-    <p:extLst>
-      <p:ext uri="{BB962C8B-B14F-4D97-AF65-F5344CB8AC3E}">
-        <p14:creationId xmlns:p14="http://schemas.microsoft.com/office/powerpoint/2010/main" val="2140210843"/>
-      </p:ext>
-    </p:extLst>
-  </p:cSld>
-  <p:clrMapOvr>
-    <a:masterClrMapping/>
-  </p:clrMapOvr>
-</p:sld>
-</file>
-
 <file path=ppt/slides/slide5.xml><?xml version="1.0" encoding="utf-8"?>
 <p:sld xmlns:a="http://schemas.openxmlformats.org/drawingml/2006/main" xmlns:r="http://schemas.openxmlformats.org/officeDocument/2006/relationships" xmlns:p="http://schemas.openxmlformats.org/presentationml/2006/main">
   <p:cSld>
@@ -36564,8 +42705,8 @@
           </a:extLst>
         </p:spPr>
       </p:pic>
-      <mc:AlternateContent xmlns:mc="http://schemas.openxmlformats.org/markup-compatibility/2006">
-        <mc:Choice xmlns:p14="http://schemas.microsoft.com/office/powerpoint/2010/main" Requires="p14">
+      <mc:AlternateContent xmlns:mc="http://schemas.openxmlformats.org/markup-compatibility/2006" xmlns:p14="http://schemas.microsoft.com/office/powerpoint/2010/main">
+        <mc:Choice Requires="p14">
           <p:contentPart p14:bwMode="auto" r:id="rId3">
             <p14:nvContentPartPr>
               <p14:cNvPr id="4" name="잉크 3">
@@ -36584,7 +42725,7 @@
             </p14:xfrm>
           </p:contentPart>
         </mc:Choice>
-        <mc:Fallback>
+        <mc:Fallback xmlns="">
           <p:pic>
             <p:nvPicPr>
               <p:cNvPr id="4" name="잉크 3">
